--- a/Docs/JMMPresentation.pptx
+++ b/Docs/JMMPresentation.pptx
@@ -87,7 +87,7 @@
         <p:txBody>
           <a:bodyPr/>
           <a:p>
-            <a:fld id="{612410C2-004C-4D04-9ADB-38586F82A00E}" type="slidenum">
+            <a:fld id="{0CB6AEF6-A667-41D0-AD28-27CF441D9C8A}" type="slidenum">
               <a:t>&lt;#&gt;</a:t>
             </a:fld>
           </a:p>
@@ -275,7 +275,7 @@
         <p:txBody>
           <a:bodyPr/>
           <a:p>
-            <a:fld id="{7555BC56-A4DC-475A-A27E-9D8DE17FE2C7}" type="slidenum">
+            <a:fld id="{19F12003-0D7A-48E3-835A-03E92C743F23}" type="slidenum">
               <a:t>&lt;#&gt;</a:t>
             </a:fld>
           </a:p>
@@ -531,7 +531,7 @@
         <p:txBody>
           <a:bodyPr/>
           <a:p>
-            <a:fld id="{B30F66A3-1712-404F-88F8-073A79FE316A}" type="slidenum">
+            <a:fld id="{35927E5B-8076-45F3-AB0B-6AC478660FDC}" type="slidenum">
               <a:t>&lt;#&gt;</a:t>
             </a:fld>
           </a:p>
@@ -855,7 +855,7 @@
         <p:txBody>
           <a:bodyPr/>
           <a:p>
-            <a:fld id="{FB1C2AAD-9AEF-424C-BD86-D04327A2B083}" type="slidenum">
+            <a:fld id="{966C5442-A6F5-4271-8A95-4B483FAA1670}" type="slidenum">
               <a:t>&lt;#&gt;</a:t>
             </a:fld>
           </a:p>
@@ -1916,7 +1916,7 @@
         <p:txBody>
           <a:bodyPr/>
           <a:p>
-            <a:fld id="{43849463-F682-461B-8E00-95E338257C06}" type="slidenum">
+            <a:fld id="{49A9EFB3-A347-4071-B1F2-610125E60039}" type="slidenum">
               <a:t>&lt;#&gt;</a:t>
             </a:fld>
           </a:p>
@@ -3784,7 +3784,7 @@
         <p:txBody>
           <a:bodyPr/>
           <a:p>
-            <a:fld id="{0DB8937D-906B-4FDD-A62E-4D5598580826}" type="slidenum">
+            <a:fld id="{FEC984B0-A009-4D2C-B13F-BC452F0D8417}" type="slidenum">
               <a:t>&lt;#&gt;</a:t>
             </a:fld>
           </a:p>
@@ -5720,7 +5720,7 @@
         <p:txBody>
           <a:bodyPr/>
           <a:p>
-            <a:fld id="{CF76A67E-EA5D-4CE9-8B35-85F91C2C5AE4}" type="slidenum">
+            <a:fld id="{59722C78-94D0-41AE-8FDA-CB8ADD5B55D4}" type="slidenum">
               <a:t>&lt;#&gt;</a:t>
             </a:fld>
           </a:p>
@@ -7522,7 +7522,7 @@
         <p:txBody>
           <a:bodyPr/>
           <a:p>
-            <a:fld id="{AADF6EC5-9226-4C2D-B328-9A253BFBEB9C}" type="slidenum">
+            <a:fld id="{0068B2DD-5A1D-48F1-9065-B46DC47DCD39}" type="slidenum">
               <a:t>&lt;#&gt;</a:t>
             </a:fld>
           </a:p>
@@ -7642,7 +7642,7 @@
         <p:txBody>
           <a:bodyPr/>
           <a:p>
-            <a:fld id="{DEE5345C-068F-41E5-9547-D325D20460FF}" type="slidenum">
+            <a:fld id="{23877867-756F-41C8-A5CA-C95DE4FAB055}" type="slidenum">
               <a:t>&lt;#&gt;</a:t>
             </a:fld>
           </a:p>
@@ -7864,7 +7864,7 @@
         <p:txBody>
           <a:bodyPr/>
           <a:p>
-            <a:fld id="{2FA7BF6D-9DC2-471E-A58F-AA11EEF010D6}" type="slidenum">
+            <a:fld id="{BCD1A3DD-1DBD-4686-BBDA-7A37559FA56A}" type="slidenum">
               <a:t>&lt;#&gt;</a:t>
             </a:fld>
           </a:p>
@@ -8086,7 +8086,7 @@
         <p:txBody>
           <a:bodyPr/>
           <a:p>
-            <a:fld id="{EFD9661D-96AD-49DE-A439-0A7C01FC3E85}" type="slidenum">
+            <a:fld id="{01DEEC02-E75F-4D27-9943-24737D95A46B}" type="slidenum">
               <a:t>&lt;#&gt;</a:t>
             </a:fld>
           </a:p>
@@ -8308,7 +8308,7 @@
         <p:txBody>
           <a:bodyPr/>
           <a:p>
-            <a:fld id="{65E2BCAD-137E-4C4E-B815-DEBA074BC851}" type="slidenum">
+            <a:fld id="{CD10E890-B87D-46D5-98F9-603FAB1FFC05}" type="slidenum">
               <a:t>&lt;#&gt;</a:t>
             </a:fld>
           </a:p>
@@ -8366,7 +8366,7 @@
         <p:spPr>
           <a:xfrm>
             <a:off x="0" y="0"/>
-            <a:ext cx="10077840" cy="5667840"/>
+            <a:ext cx="10076760" cy="5666760"/>
           </a:xfrm>
           <a:prstGeom prst="rect">
             <a:avLst/>
@@ -8394,7 +8394,7 @@
         <p:spPr>
           <a:xfrm>
             <a:off x="0" y="0"/>
-            <a:ext cx="10077840" cy="3777840"/>
+            <a:ext cx="10076760" cy="3776760"/>
           </a:xfrm>
           <a:prstGeom prst="rect">
             <a:avLst/>
@@ -8429,7 +8429,7 @@
         <p:spPr>
           <a:xfrm>
             <a:off x="3420000" y="5400000"/>
-            <a:ext cx="3237840" cy="267840"/>
+            <a:ext cx="3236760" cy="266760"/>
           </a:xfrm>
           <a:prstGeom prst="rect">
             <a:avLst/>
@@ -8492,7 +8492,7 @@
         <p:spPr>
           <a:xfrm>
             <a:off x="9180000" y="5130000"/>
-            <a:ext cx="717840" cy="537840"/>
+            <a:ext cx="716760" cy="536760"/>
           </a:xfrm>
           <a:prstGeom prst="rect">
             <a:avLst/>
@@ -8527,7 +8527,7 @@
               </a:lnSpc>
               <a:buNone/>
             </a:pPr>
-            <a:fld id="{00703BA8-DC75-47B0-A3E3-51BB023CF5D3}" type="slidenum">
+            <a:fld id="{9F22A253-B005-44E8-A083-2CB4486D5CC0}" type="slidenum">
               <a:rPr b="1" lang="en-US" sz="1800" spc="-1" strike="noStrike">
                 <a:solidFill>
                   <a:srgbClr val="ffffff"/>
@@ -8555,7 +8555,7 @@
         <p:spPr>
           <a:xfrm>
             <a:off x="360000" y="5400000"/>
-            <a:ext cx="2877840" cy="267840"/>
+            <a:ext cx="2876760" cy="266760"/>
           </a:xfrm>
           <a:prstGeom prst="rect">
             <a:avLst/>
@@ -8861,7 +8861,7 @@
         <p:spPr>
           <a:xfrm>
             <a:off x="0" y="5400000"/>
-            <a:ext cx="10077840" cy="267840"/>
+            <a:ext cx="10076760" cy="266760"/>
           </a:xfrm>
           <a:prstGeom prst="rect">
             <a:avLst/>
@@ -8889,7 +8889,7 @@
         <p:spPr>
           <a:xfrm>
             <a:off x="0" y="0"/>
-            <a:ext cx="10077840" cy="1212840"/>
+            <a:ext cx="10076760" cy="1211760"/>
           </a:xfrm>
           <a:prstGeom prst="rect">
             <a:avLst/>
@@ -8917,7 +8917,7 @@
         <p:spPr>
           <a:xfrm>
             <a:off x="9315000" y="5175000"/>
-            <a:ext cx="447840" cy="447840"/>
+            <a:ext cx="446760" cy="446760"/>
           </a:xfrm>
           <a:prstGeom prst="ellipse">
             <a:avLst/>
@@ -8948,7 +8948,7 @@
         <p:spPr>
           <a:xfrm>
             <a:off x="9180000" y="5130000"/>
-            <a:ext cx="717840" cy="537840"/>
+            <a:ext cx="716760" cy="536760"/>
           </a:xfrm>
           <a:prstGeom prst="rect">
             <a:avLst/>
@@ -8975,7 +8975,7 @@
               </a:lnSpc>
               <a:buNone/>
             </a:pPr>
-            <a:fld id="{158B14C1-BC7C-4CA9-BB17-284FE1645E8F}" type="slidenum">
+            <a:fld id="{1E1C251F-D700-4920-B8A9-C58773B9BE0F}" type="slidenum">
               <a:rPr b="1" lang="en-US" sz="1800" spc="-1" strike="noStrike">
                 <a:solidFill>
                   <a:srgbClr val="ffffff"/>
@@ -9044,7 +9044,7 @@
         <p:spPr>
           <a:xfrm>
             <a:off x="3420000" y="5400000"/>
-            <a:ext cx="3237840" cy="267840"/>
+            <a:ext cx="3236760" cy="266760"/>
           </a:xfrm>
           <a:prstGeom prst="rect">
             <a:avLst/>
@@ -9107,7 +9107,7 @@
         <p:spPr>
           <a:xfrm>
             <a:off x="360000" y="5400000"/>
-            <a:ext cx="2877840" cy="267840"/>
+            <a:ext cx="2876760" cy="266760"/>
           </a:xfrm>
           <a:prstGeom prst="rect">
             <a:avLst/>
@@ -9370,7 +9370,7 @@
         <p:spPr>
           <a:xfrm>
             <a:off x="0" y="5400000"/>
-            <a:ext cx="10077840" cy="267840"/>
+            <a:ext cx="10076760" cy="266760"/>
           </a:xfrm>
           <a:prstGeom prst="rect">
             <a:avLst/>
@@ -9398,7 +9398,7 @@
         <p:spPr>
           <a:xfrm>
             <a:off x="0" y="0"/>
-            <a:ext cx="10077840" cy="1212840"/>
+            <a:ext cx="10076760" cy="1211760"/>
           </a:xfrm>
           <a:prstGeom prst="rect">
             <a:avLst/>
@@ -9426,7 +9426,7 @@
         <p:spPr>
           <a:xfrm>
             <a:off x="9315000" y="5175000"/>
-            <a:ext cx="447840" cy="447840"/>
+            <a:ext cx="446760" cy="446760"/>
           </a:xfrm>
           <a:prstGeom prst="ellipse">
             <a:avLst/>
@@ -9457,7 +9457,7 @@
         <p:spPr>
           <a:xfrm>
             <a:off x="9180000" y="5130000"/>
-            <a:ext cx="717840" cy="537840"/>
+            <a:ext cx="716760" cy="536760"/>
           </a:xfrm>
           <a:prstGeom prst="rect">
             <a:avLst/>
@@ -9484,7 +9484,7 @@
               </a:lnSpc>
               <a:buNone/>
             </a:pPr>
-            <a:fld id="{C3F7E77D-581F-46F1-882C-1A9F7825EE0C}" type="slidenum">
+            <a:fld id="{053F89A1-A89A-432F-8D93-36A5F40BE064}" type="slidenum">
               <a:rPr b="1" lang="en-US" sz="1800" spc="-1" strike="noStrike">
                 <a:solidFill>
                   <a:srgbClr val="ffffff"/>
@@ -9513,7 +9513,7 @@
         <p:spPr>
           <a:xfrm>
             <a:off x="3420000" y="5400000"/>
-            <a:ext cx="3237840" cy="267840"/>
+            <a:ext cx="3236760" cy="266760"/>
           </a:xfrm>
           <a:prstGeom prst="rect">
             <a:avLst/>
@@ -9576,7 +9576,7 @@
         <p:spPr>
           <a:xfrm>
             <a:off x="360000" y="5400000"/>
-            <a:ext cx="2877840" cy="267840"/>
+            <a:ext cx="2876760" cy="266760"/>
           </a:xfrm>
           <a:prstGeom prst="rect">
             <a:avLst/>
@@ -9882,7 +9882,7 @@
         <p:spPr>
           <a:xfrm>
             <a:off x="0" y="5400000"/>
-            <a:ext cx="10077840" cy="267840"/>
+            <a:ext cx="10076760" cy="266760"/>
           </a:xfrm>
           <a:prstGeom prst="rect">
             <a:avLst/>
@@ -9910,7 +9910,7 @@
         <p:spPr>
           <a:xfrm>
             <a:off x="0" y="0"/>
-            <a:ext cx="10077840" cy="1212840"/>
+            <a:ext cx="10076760" cy="1211760"/>
           </a:xfrm>
           <a:prstGeom prst="rect">
             <a:avLst/>
@@ -9938,7 +9938,7 @@
         <p:spPr>
           <a:xfrm>
             <a:off x="9315000" y="5175000"/>
-            <a:ext cx="447840" cy="447840"/>
+            <a:ext cx="446760" cy="446760"/>
           </a:xfrm>
           <a:prstGeom prst="ellipse">
             <a:avLst/>
@@ -9969,7 +9969,7 @@
         <p:spPr>
           <a:xfrm>
             <a:off x="9180000" y="5130000"/>
-            <a:ext cx="717840" cy="537840"/>
+            <a:ext cx="716760" cy="536760"/>
           </a:xfrm>
           <a:prstGeom prst="rect">
             <a:avLst/>
@@ -9996,7 +9996,7 @@
               </a:lnSpc>
               <a:buNone/>
             </a:pPr>
-            <a:fld id="{BEA9ADE2-3D99-42FD-BC24-0318E149A996}" type="slidenum">
+            <a:fld id="{C750A06E-F776-47BA-9C92-DB05B01BE525}" type="slidenum">
               <a:rPr b="1" lang="en-US" sz="1800" spc="-1" strike="noStrike">
                 <a:solidFill>
                   <a:srgbClr val="ffffff"/>
@@ -10025,7 +10025,7 @@
         <p:spPr>
           <a:xfrm>
             <a:off x="3420000" y="5400000"/>
-            <a:ext cx="3237840" cy="267840"/>
+            <a:ext cx="3236760" cy="266760"/>
           </a:xfrm>
           <a:prstGeom prst="rect">
             <a:avLst/>
@@ -10088,7 +10088,7 @@
         <p:spPr>
           <a:xfrm>
             <a:off x="360000" y="5400000"/>
-            <a:ext cx="2877840" cy="267840"/>
+            <a:ext cx="2876760" cy="266760"/>
           </a:xfrm>
           <a:prstGeom prst="rect">
             <a:avLst/>
@@ -10398,7 +10398,7 @@
         <p:spPr>
           <a:xfrm>
             <a:off x="360000" y="225720"/>
-            <a:ext cx="9357840" cy="2744280"/>
+            <a:ext cx="9356760" cy="2743200"/>
           </a:xfrm>
           <a:prstGeom prst="rect">
             <a:avLst/>
@@ -10444,7 +10444,7 @@
         <p:spPr>
           <a:xfrm>
             <a:off x="504000" y="4071960"/>
-            <a:ext cx="9070200" cy="1184400"/>
+            <a:ext cx="9069120" cy="1183320"/>
           </a:xfrm>
           <a:prstGeom prst="rect">
             <a:avLst/>
@@ -10543,7 +10543,7 @@
         <p:spPr>
           <a:xfrm>
             <a:off x="360000" y="225720"/>
-            <a:ext cx="9357840" cy="716760"/>
+            <a:ext cx="9356760" cy="715680"/>
           </a:xfrm>
           <a:prstGeom prst="rect">
             <a:avLst/>
@@ -10603,8 +10603,8 @@
         </p:nvSpPr>
         <p:spPr>
           <a:xfrm>
-            <a:off x="457200" y="1744920"/>
-            <a:ext cx="1114560" cy="3054600"/>
+            <a:off x="360000" y="1485000"/>
+            <a:ext cx="9356760" cy="3776760"/>
           </a:xfrm>
           <a:prstGeom prst="rect">
             <a:avLst/>
@@ -10616,345 +10616,141 @@
         </p:spPr>
         <p:txBody>
           <a:bodyPr lIns="0" rIns="0" tIns="0" bIns="0" anchor="t">
-            <a:normAutofit/>
-          </a:bodyPr>
-          <a:p>
-            <a:pPr>
+            <a:normAutofit fontScale="61000"/>
+          </a:bodyPr>
+          <a:p>
+            <a:pPr marL="432000" indent="-324000">
               <a:lnSpc>
                 <a:spcPct val="100000"/>
               </a:lnSpc>
-              <a:buNone/>
-            </a:pPr>
-            <a:r>
-              <a:rPr b="0" lang="en-US" sz="1650" spc="-1" strike="noStrike">
-                <a:latin typeface="Arial"/>
+              <a:spcBef>
+                <a:spcPts val="1417"/>
+              </a:spcBef>
+              <a:buClr>
+                <a:srgbClr val="000000"/>
+              </a:buClr>
+              <a:buSzPct val="45000"/>
+              <a:buFont typeface="Wingdings" charset="2"/>
+              <a:buChar char=""/>
+            </a:pPr>
+            <a:r>
+              <a:rPr b="0" lang="en-US" sz="3200" spc="-1" strike="noStrike">
+                <a:latin typeface="Arial"/>
+                <a:ea typeface="Noto Sans CJK SC"/>
+              </a:rPr>
+              <a:t>The </a:t>
+            </a:r>
+            <a:r>
+              <a:rPr b="1" lang="en-US" sz="3200" spc="-1" strike="noStrike">
+                <a:latin typeface="Arial"/>
+                <a:ea typeface="Noto Sans CJK SC"/>
               </a:rPr>
               <a:t>Laplacian</a:t>
             </a:r>
-            <a:endParaRPr b="0" lang="en-US" sz="1650" spc="-1" strike="noStrike">
-              <a:latin typeface="Arial"/>
-            </a:endParaRPr>
-          </a:p>
-          <a:p>
-            <a:pPr>
+            <a:r>
+              <a:rPr b="0" lang="en-US" sz="3200" spc="-1" strike="noStrike">
+                <a:latin typeface="Arial"/>
+                <a:ea typeface="Noto Sans CJK SC"/>
+              </a:rPr>
+              <a:t> of a graph of size </a:t>
+            </a:r>
+            <a:r>
+              <a:rPr b="0" i="1" lang="en-US" sz="3200" spc="-1" strike="noStrike">
+                <a:latin typeface="Arial"/>
+                <a:ea typeface="Noto Sans CJK SC"/>
+              </a:rPr>
+              <a:t>n</a:t>
+            </a:r>
+            <a:r>
+              <a:rPr b="0" lang="en-US" sz="3200" spc="-1" strike="noStrike">
+                <a:latin typeface="Arial"/>
+                <a:ea typeface="Noto Sans CJK SC"/>
+              </a:rPr>
+              <a:t> is an </a:t>
+            </a:r>
+            <a:r>
+              <a:rPr b="0" i="1" lang="en-US" sz="3200" spc="-1" strike="noStrike">
+                <a:latin typeface="Arial"/>
+                <a:ea typeface="Noto Sans CJK SC"/>
+              </a:rPr>
+              <a:t>n x n</a:t>
+            </a:r>
+            <a:r>
+              <a:rPr b="0" lang="en-US" sz="3200" spc="-1" strike="noStrike">
+                <a:latin typeface="Arial"/>
+                <a:ea typeface="Noto Sans CJK SC"/>
+              </a:rPr>
+              <a:t> matrix representing all valid lending or borrowing moves that graph can make.  Multiplying the transpose of the i</a:t>
+            </a:r>
+            <a:r>
+              <a:rPr b="0" i="1" lang="en-US" sz="3200" spc="-1" strike="noStrike" baseline="33000">
+                <a:latin typeface="Arial"/>
+                <a:ea typeface="Noto Sans CJK SC"/>
+              </a:rPr>
+              <a:t>th </a:t>
+            </a:r>
+            <a:r>
+              <a:rPr b="0" lang="en-US" sz="3200" spc="-1" strike="noStrike">
+                <a:latin typeface="Arial"/>
+                <a:ea typeface="Noto Sans CJK SC"/>
+              </a:rPr>
+              <a:t>row of the Laplacian by a divisor results in the divisor of the graph after making a move at the i</a:t>
+            </a:r>
+            <a:r>
+              <a:rPr b="0" i="1" lang="en-US" sz="3200" spc="-1" strike="noStrike" baseline="33000">
+                <a:latin typeface="Arial"/>
+                <a:ea typeface="Noto Sans CJK SC"/>
+              </a:rPr>
+              <a:t>th </a:t>
+            </a:r>
+            <a:r>
+              <a:rPr b="0" lang="en-US" sz="3200" spc="-1" strike="noStrike">
+                <a:latin typeface="Arial"/>
+                <a:ea typeface="Noto Sans CJK SC"/>
+              </a:rPr>
+              <a:t>vertex.  It helps to serve as a bridge between the conceptual game and the mathematics behind those concepts.</a:t>
+            </a:r>
+            <a:endParaRPr b="0" lang="en-US" sz="3200" spc="-1" strike="noStrike">
+              <a:latin typeface="Arial"/>
+            </a:endParaRPr>
+          </a:p>
+          <a:p>
+            <a:pPr marL="432000" indent="-324000">
               <a:lnSpc>
                 <a:spcPct val="100000"/>
               </a:lnSpc>
-              <a:buNone/>
-            </a:pPr>
-            <a:endParaRPr b="0" lang="en-US" sz="1650" spc="-1" strike="noStrike">
-              <a:latin typeface="Arial"/>
-            </a:endParaRPr>
-          </a:p>
-          <a:p>
-            <a:pPr>
-              <a:lnSpc>
-                <a:spcPct val="100000"/>
-              </a:lnSpc>
-              <a:buNone/>
-            </a:pPr>
-            <a:endParaRPr b="0" lang="en-US" sz="1650" spc="-1" strike="noStrike">
-              <a:latin typeface="Arial"/>
-            </a:endParaRPr>
-          </a:p>
-          <a:p>
-            <a:pPr>
-              <a:lnSpc>
-                <a:spcPct val="100000"/>
-              </a:lnSpc>
-              <a:buNone/>
-            </a:pPr>
-            <a:endParaRPr b="0" lang="en-US" sz="1650" spc="-1" strike="noStrike">
-              <a:latin typeface="Arial"/>
-            </a:endParaRPr>
-          </a:p>
-          <a:p>
-            <a:pPr>
-              <a:lnSpc>
-                <a:spcPct val="100000"/>
-              </a:lnSpc>
-              <a:buNone/>
-            </a:pPr>
-            <a:endParaRPr b="0" lang="en-US" sz="1650" spc="-1" strike="noStrike">
-              <a:latin typeface="Arial"/>
-            </a:endParaRPr>
-          </a:p>
-          <a:p>
-            <a:pPr>
-              <a:lnSpc>
-                <a:spcPct val="100000"/>
-              </a:lnSpc>
-              <a:buNone/>
-            </a:pPr>
-            <a:r>
-              <a:rPr b="0" lang="en-US" sz="1650" spc="-1" strike="noStrike">
-                <a:latin typeface="Arial"/>
+              <a:spcBef>
+                <a:spcPts val="1417"/>
+              </a:spcBef>
+              <a:buClr>
+                <a:srgbClr val="000000"/>
+              </a:buClr>
+              <a:buSzPct val="45000"/>
+              <a:buFont typeface="Wingdings" charset="2"/>
+              <a:buChar char=""/>
+            </a:pPr>
+            <a:r>
+              <a:rPr b="0" lang="en-US" sz="3200" spc="-1" strike="noStrike">
+                <a:latin typeface="Arial"/>
+                <a:ea typeface="Noto Sans CJK SC"/>
+              </a:rPr>
+              <a:t>The </a:t>
+            </a:r>
+            <a:r>
+              <a:rPr b="1" lang="en-US" sz="3200" spc="-1" strike="noStrike">
+                <a:latin typeface="Arial"/>
+                <a:ea typeface="Noto Sans CJK SC"/>
               </a:rPr>
               <a:t>Smith Normal Form</a:t>
             </a:r>
-            <a:endParaRPr b="0" lang="en-US" sz="1650" spc="-1" strike="noStrike">
-              <a:latin typeface="Arial"/>
-            </a:endParaRPr>
-          </a:p>
-        </p:txBody>
-      </p:sp>
-      <p:pic>
-        <p:nvPicPr>
-          <p:cNvPr id="196" name="" descr=""/>
-          <p:cNvPicPr/>
-          <p:nvPr/>
-        </p:nvPicPr>
-        <p:blipFill>
-          <a:blip r:embed="rId1"/>
-          <a:stretch/>
-        </p:blipFill>
-        <p:spPr>
-          <a:xfrm>
-            <a:off x="1572840" y="1371600"/>
-            <a:ext cx="6198480" cy="2017440"/>
-          </a:xfrm>
-          <a:prstGeom prst="rect">
-            <a:avLst/>
-          </a:prstGeom>
-          <a:ln w="0">
-            <a:noFill/>
-          </a:ln>
-        </p:spPr>
-      </p:pic>
-      <p:pic>
-        <p:nvPicPr>
-          <p:cNvPr id="197" name="" descr=""/>
-          <p:cNvPicPr/>
-          <p:nvPr/>
-        </p:nvPicPr>
-        <p:blipFill>
-          <a:blip r:embed="rId2"/>
-          <a:stretch/>
-        </p:blipFill>
-        <p:spPr>
-          <a:xfrm>
-            <a:off x="1572840" y="3390120"/>
-            <a:ext cx="6198480" cy="2017440"/>
-          </a:xfrm>
-          <a:prstGeom prst="rect">
-            <a:avLst/>
-          </a:prstGeom>
-          <a:ln w="0">
-            <a:noFill/>
-          </a:ln>
-        </p:spPr>
-      </p:pic>
-      <p:sp>
-        <p:nvSpPr>
-          <p:cNvPr id="198" name=""/>
-          <p:cNvSpPr/>
-          <p:nvPr/>
-        </p:nvSpPr>
-        <p:spPr>
-          <a:xfrm>
-            <a:off x="7794720" y="3390120"/>
-            <a:ext cx="2284920" cy="1113120"/>
-          </a:xfrm>
-          <a:prstGeom prst="rect">
-            <a:avLst/>
-          </a:prstGeom>
-          <a:noFill/>
-          <a:ln w="0">
-            <a:noFill/>
-          </a:ln>
-        </p:spPr>
-        <p:style>
-          <a:lnRef idx="0"/>
-          <a:fillRef idx="0"/>
-          <a:effectRef idx="0"/>
-          <a:fontRef idx="minor"/>
-        </p:style>
-        <p:txBody>
-          <a:bodyPr lIns="90000" rIns="90000" tIns="45000" bIns="45000" anchor="t">
-            <a:noAutofit/>
-          </a:bodyPr>
-          <a:p>
-            <a:pPr>
-              <a:lnSpc>
-                <a:spcPct val="100000"/>
-              </a:lnSpc>
-              <a:buNone/>
-            </a:pPr>
-            <a:r>
-              <a:rPr b="0" lang="en-US" sz="1800" spc="-1" strike="noStrike">
-                <a:solidFill>
-                  <a:srgbClr val="000000"/>
-                </a:solidFill>
-                <a:latin typeface="Arial"/>
-                <a:ea typeface="DejaVu Sans"/>
-              </a:rPr>
-              <a:t>Pic(G) = ℤ</a:t>
-            </a:r>
-            <a:r>
-              <a:rPr b="0" lang="en-US" sz="1800" spc="-1" strike="noStrike" baseline="-8000">
-                <a:solidFill>
-                  <a:srgbClr val="000000"/>
-                </a:solidFill>
-                <a:latin typeface="Arial"/>
-                <a:ea typeface="DejaVu Sans"/>
-              </a:rPr>
-              <a:t>3</a:t>
-            </a:r>
-            <a:r>
-              <a:rPr b="0" lang="en-US" sz="1800" spc="-1" strike="noStrike">
-                <a:solidFill>
-                  <a:srgbClr val="000000"/>
-                </a:solidFill>
-                <a:latin typeface="Arial"/>
-                <a:ea typeface="DejaVu Sans"/>
-              </a:rPr>
-              <a:t> x ℤ</a:t>
-            </a:r>
-            <a:r>
-              <a:rPr b="0" lang="en-US" sz="1800" spc="-1" strike="noStrike" baseline="33000">
-                <a:solidFill>
-                  <a:srgbClr val="000000"/>
-                </a:solidFill>
-                <a:latin typeface="Arial"/>
-                <a:ea typeface="DejaVu Sans"/>
-              </a:rPr>
-              <a:t>3</a:t>
-            </a:r>
-            <a:endParaRPr b="0" lang="en-US" sz="1800" spc="-1" strike="noStrike">
-              <a:latin typeface="Arial"/>
-            </a:endParaRPr>
-          </a:p>
-          <a:p>
-            <a:pPr>
-              <a:lnSpc>
-                <a:spcPct val="100000"/>
-              </a:lnSpc>
-              <a:buNone/>
-            </a:pPr>
-            <a:r>
-              <a:rPr b="0" lang="en-US" sz="1800" spc="-1" strike="noStrike">
-                <a:solidFill>
-                  <a:srgbClr val="000000"/>
-                </a:solidFill>
-                <a:latin typeface="Arial"/>
-                <a:ea typeface="DejaVu Sans"/>
-              </a:rPr>
-              <a:t>From 3 at M</a:t>
-            </a:r>
-            <a:r>
-              <a:rPr b="0" lang="en-US" sz="1800" spc="-1" strike="noStrike" baseline="-8000">
-                <a:solidFill>
-                  <a:srgbClr val="000000"/>
-                </a:solidFill>
-                <a:latin typeface="Arial"/>
-                <a:ea typeface="DejaVu Sans"/>
-              </a:rPr>
-              <a:t>4,4</a:t>
-            </a:r>
-            <a:r>
-              <a:rPr b="0" lang="en-US" sz="1800" spc="-1" strike="noStrike">
-                <a:solidFill>
-                  <a:srgbClr val="000000"/>
-                </a:solidFill>
-                <a:latin typeface="Arial"/>
-                <a:ea typeface="DejaVu Sans"/>
-              </a:rPr>
-              <a:t> and from 3 empty rows</a:t>
-            </a:r>
-            <a:endParaRPr b="0" lang="en-US" sz="1800" spc="-1" strike="noStrike">
-              <a:latin typeface="Arial"/>
-            </a:endParaRPr>
-          </a:p>
-        </p:txBody>
-      </p:sp>
-      <p:sp>
-        <p:nvSpPr>
-          <p:cNvPr id="199" name=""/>
-          <p:cNvSpPr/>
-          <p:nvPr/>
-        </p:nvSpPr>
-        <p:spPr>
-          <a:xfrm>
-            <a:off x="7772400" y="4343400"/>
-            <a:ext cx="2307240" cy="601200"/>
-          </a:xfrm>
-          <a:prstGeom prst="rect">
-            <a:avLst/>
-          </a:prstGeom>
-          <a:noFill/>
-          <a:ln w="0">
-            <a:noFill/>
-          </a:ln>
-        </p:spPr>
-        <p:style>
-          <a:lnRef idx="0"/>
-          <a:fillRef idx="0"/>
-          <a:effectRef idx="0"/>
-          <a:fontRef idx="minor"/>
-        </p:style>
-        <p:txBody>
-          <a:bodyPr lIns="90000" rIns="90000" tIns="45000" bIns="45000" anchor="t">
-            <a:noAutofit/>
-          </a:bodyPr>
-          <a:p>
-            <a:pPr>
-              <a:lnSpc>
-                <a:spcPct val="100000"/>
-              </a:lnSpc>
-              <a:buNone/>
-            </a:pPr>
-            <a:r>
-              <a:rPr b="0" lang="en-US" sz="1800" spc="-1" strike="noStrike">
-                <a:solidFill>
-                  <a:srgbClr val="000000"/>
-                </a:solidFill>
-                <a:latin typeface="Arial"/>
-                <a:ea typeface="DejaVu Sans"/>
-              </a:rPr>
-              <a:t>Jac(G) = ℤ</a:t>
-            </a:r>
-            <a:r>
-              <a:rPr b="0" lang="en-US" sz="1800" spc="-1" strike="noStrike" baseline="-8000">
-                <a:solidFill>
-                  <a:srgbClr val="000000"/>
-                </a:solidFill>
-                <a:latin typeface="Arial"/>
-                <a:ea typeface="DejaVu Sans"/>
-              </a:rPr>
-              <a:t>3</a:t>
-            </a:r>
-            <a:endParaRPr b="0" lang="en-US" sz="1800" spc="-1" strike="noStrike">
-              <a:latin typeface="Arial"/>
-            </a:endParaRPr>
-          </a:p>
-          <a:p>
-            <a:pPr>
-              <a:lnSpc>
-                <a:spcPct val="100000"/>
-              </a:lnSpc>
-              <a:buNone/>
-            </a:pPr>
-            <a:r>
-              <a:rPr b="0" lang="en-US" sz="1800" spc="-1" strike="noStrike">
-                <a:solidFill>
-                  <a:srgbClr val="000000"/>
-                </a:solidFill>
-                <a:latin typeface="Arial"/>
-                <a:ea typeface="DejaVu Sans"/>
-              </a:rPr>
-              <a:t>From 3 at M</a:t>
-            </a:r>
-            <a:r>
-              <a:rPr b="0" lang="en-US" sz="1800" spc="-1" strike="noStrike" baseline="-8000">
-                <a:solidFill>
-                  <a:srgbClr val="000000"/>
-                </a:solidFill>
-                <a:latin typeface="Arial"/>
-                <a:ea typeface="DejaVu Sans"/>
-              </a:rPr>
-              <a:t>4,4</a:t>
-            </a:r>
-            <a:endParaRPr b="0" lang="en-US" sz="1800" spc="-1" strike="noStrike">
+            <a:r>
+              <a:rPr b="0" lang="en-US" sz="3200" spc="-1" strike="noStrike">
+                <a:latin typeface="Arial"/>
+                <a:ea typeface="Noto Sans CJK SC"/>
+              </a:rPr>
+              <a:t> (SNF) of a Laplacian is a diagonal matrix obtained from a series of row and column operations preformed on the Laplacian of a graph, similarly to Gaussian elimination except all elements of the matrix must be integers.  While the Laplacian itself encodes information about lending or borrowing moves, the SNF encodes information about the Picard Group and the Jacobian in its diagonal elements.  Calculating the SNF allows us to know more information on the possible ways a game can be played out.</a:t>
+            </a:r>
+            <a:endParaRPr b="0" lang="en-US" sz="3200" spc="-1" strike="noStrike">
               <a:latin typeface="Arial"/>
             </a:endParaRPr>
           </a:p>
@@ -10992,7 +10788,7 @@
       </p:grpSpPr>
       <p:sp>
         <p:nvSpPr>
-          <p:cNvPr id="200" name="PlaceHolder 1"/>
+          <p:cNvPr id="196" name="PlaceHolder 1"/>
           <p:cNvSpPr>
             <a:spLocks noGrp="1"/>
           </p:cNvSpPr>
@@ -11003,7 +10799,7 @@
         <p:spPr>
           <a:xfrm>
             <a:off x="360000" y="225720"/>
-            <a:ext cx="9357840" cy="716760"/>
+            <a:ext cx="9356760" cy="715680"/>
           </a:xfrm>
           <a:prstGeom prst="rect">
             <a:avLst/>
@@ -11031,7 +10827,19 @@
                 </a:solidFill>
                 <a:latin typeface="Arial"/>
               </a:rPr>
-              <a:t>Focused Graphs</a:t>
+              <a:t>The Laplacian and </a:t>
+            </a:r>
+            <a:br>
+              <a:rPr sz="4400"/>
+            </a:br>
+            <a:r>
+              <a:rPr b="0" lang="en-US" sz="4400" spc="-1" strike="noStrike">
+                <a:solidFill>
+                  <a:srgbClr val="ffffff"/>
+                </a:solidFill>
+                <a:latin typeface="Arial"/>
+              </a:rPr>
+              <a:t>The Smith Normal Form</a:t>
             </a:r>
             <a:endParaRPr b="0" lang="en-US" sz="4400" spc="-1" strike="noStrike">
               <a:latin typeface="Arial"/>
@@ -11041,7 +10849,7 @@
       </p:sp>
       <p:sp>
         <p:nvSpPr>
-          <p:cNvPr id="201" name="PlaceHolder 2"/>
+          <p:cNvPr id="197" name="PlaceHolder 2"/>
           <p:cNvSpPr>
             <a:spLocks noGrp="1"/>
           </p:cNvSpPr>
@@ -11051,8 +10859,8 @@
         </p:nvSpPr>
         <p:spPr>
           <a:xfrm>
-            <a:off x="360000" y="1485000"/>
-            <a:ext cx="9357840" cy="3777840"/>
+            <a:off x="457200" y="1744920"/>
+            <a:ext cx="1113480" cy="3053520"/>
           </a:xfrm>
           <a:prstGeom prst="rect">
             <a:avLst/>
@@ -11064,190 +10872,345 @@
         </p:spPr>
         <p:txBody>
           <a:bodyPr lIns="0" rIns="0" tIns="0" bIns="0" anchor="t">
-            <a:normAutofit fontScale="79000"/>
-          </a:bodyPr>
-          <a:p>
-            <a:pPr marL="432000" indent="-324000">
+            <a:normAutofit/>
+          </a:bodyPr>
+          <a:p>
+            <a:pPr>
               <a:lnSpc>
                 <a:spcPct val="100000"/>
               </a:lnSpc>
-              <a:spcBef>
-                <a:spcPts val="1417"/>
-              </a:spcBef>
-              <a:buClr>
-                <a:srgbClr val="000000"/>
-              </a:buClr>
-              <a:buSzPct val="45000"/>
-              <a:buFont typeface="Wingdings" charset="2"/>
-              <a:buChar char=""/>
-            </a:pPr>
-            <a:r>
-              <a:rPr b="0" lang="en-US" sz="2400" spc="-1" strike="noStrike">
-                <a:latin typeface="Arial"/>
-              </a:rPr>
-              <a:t>A </a:t>
-            </a:r>
-            <a:r>
-              <a:rPr b="1" lang="en-US" sz="2400" spc="-1" strike="noStrike">
-                <a:latin typeface="Arial"/>
-              </a:rPr>
-              <a:t>Tree Graph</a:t>
-            </a:r>
-            <a:r>
-              <a:rPr b="0" lang="en-US" sz="2400" spc="-1" strike="noStrike">
-                <a:latin typeface="Arial"/>
-              </a:rPr>
-              <a:t> is a graph where there is only one path between vertices and contains no cycles.</a:t>
-            </a:r>
-            <a:endParaRPr b="0" lang="en-US" sz="2400" spc="-1" strike="noStrike">
-              <a:latin typeface="Arial"/>
-            </a:endParaRPr>
-          </a:p>
-          <a:p>
-            <a:pPr marL="432000" indent="-324000">
+              <a:buNone/>
+            </a:pPr>
+            <a:r>
+              <a:rPr b="0" lang="en-US" sz="1650" spc="-1" strike="noStrike">
+                <a:latin typeface="Arial"/>
+              </a:rPr>
+              <a:t>Laplacian</a:t>
+            </a:r>
+            <a:endParaRPr b="0" lang="en-US" sz="1650" spc="-1" strike="noStrike">
+              <a:latin typeface="Arial"/>
+            </a:endParaRPr>
+          </a:p>
+          <a:p>
+            <a:pPr>
               <a:lnSpc>
                 <a:spcPct val="100000"/>
               </a:lnSpc>
-              <a:spcBef>
-                <a:spcPts val="1417"/>
-              </a:spcBef>
-              <a:buClr>
-                <a:srgbClr val="000000"/>
-              </a:buClr>
-              <a:buSzPct val="45000"/>
-              <a:buFont typeface="Wingdings" charset="2"/>
-              <a:buChar char=""/>
-            </a:pPr>
-            <a:r>
-              <a:rPr b="0" lang="en-US" sz="2400" spc="-1" strike="noStrike">
-                <a:latin typeface="Arial"/>
-              </a:rPr>
-              <a:t>A </a:t>
-            </a:r>
-            <a:r>
-              <a:rPr b="1" lang="en-US" sz="2400" spc="-1" strike="noStrike">
-                <a:latin typeface="Arial"/>
-              </a:rPr>
-              <a:t>Cycle Graph</a:t>
-            </a:r>
-            <a:r>
-              <a:rPr b="0" lang="en-US" sz="2400" spc="-1" strike="noStrike">
-                <a:latin typeface="Arial"/>
-              </a:rPr>
-              <a:t> is a graph that only has one cycle, or a line graph with another connection between the first and last vertices.</a:t>
-            </a:r>
-            <a:endParaRPr b="0" lang="en-US" sz="2400" spc="-1" strike="noStrike">
-              <a:latin typeface="Arial"/>
-            </a:endParaRPr>
-          </a:p>
-          <a:p>
-            <a:pPr marL="432000" indent="-324000">
+              <a:buNone/>
+            </a:pPr>
+            <a:endParaRPr b="0" lang="en-US" sz="1650" spc="-1" strike="noStrike">
+              <a:latin typeface="Arial"/>
+            </a:endParaRPr>
+          </a:p>
+          <a:p>
+            <a:pPr>
               <a:lnSpc>
                 <a:spcPct val="100000"/>
               </a:lnSpc>
-              <a:spcBef>
-                <a:spcPts val="1417"/>
-              </a:spcBef>
-              <a:buClr>
-                <a:srgbClr val="000000"/>
-              </a:buClr>
-              <a:buSzPct val="45000"/>
-              <a:buFont typeface="Wingdings" charset="2"/>
-              <a:buChar char=""/>
-            </a:pPr>
-            <a:r>
-              <a:rPr b="0" lang="en-US" sz="2400" spc="-1" strike="noStrike">
-                <a:latin typeface="Arial"/>
-              </a:rPr>
-              <a:t>A </a:t>
-            </a:r>
-            <a:r>
-              <a:rPr b="1" lang="en-US" sz="2400" spc="-1" strike="noStrike">
-                <a:latin typeface="Arial"/>
-              </a:rPr>
-              <a:t>Pseudo-Tree Graph</a:t>
-            </a:r>
-            <a:r>
-              <a:rPr b="0" lang="en-US" sz="2400" spc="-1" strike="noStrike">
-                <a:latin typeface="Arial"/>
-              </a:rPr>
-              <a:t> is a combination of these two.  This graph is created by gluing a tree to one of the vertices of a cycle graph.</a:t>
-            </a:r>
-            <a:endParaRPr b="0" lang="en-US" sz="2400" spc="-1" strike="noStrike">
-              <a:latin typeface="Arial"/>
-            </a:endParaRPr>
-          </a:p>
-          <a:p>
-            <a:pPr marL="432000" indent="-324000">
+              <a:buNone/>
+            </a:pPr>
+            <a:endParaRPr b="0" lang="en-US" sz="1650" spc="-1" strike="noStrike">
+              <a:latin typeface="Arial"/>
+            </a:endParaRPr>
+          </a:p>
+          <a:p>
+            <a:pPr>
               <a:lnSpc>
                 <a:spcPct val="100000"/>
               </a:lnSpc>
-              <a:spcBef>
-                <a:spcPts val="1417"/>
-              </a:spcBef>
-              <a:buClr>
-                <a:srgbClr val="000000"/>
-              </a:buClr>
-              <a:buSzPct val="45000"/>
-              <a:buFont typeface="Wingdings" charset="2"/>
-              <a:buChar char=""/>
-            </a:pPr>
-            <a:r>
-              <a:rPr b="0" lang="en-US" sz="2400" spc="-1" strike="noStrike">
-                <a:latin typeface="Arial"/>
-              </a:rPr>
-              <a:t>A </a:t>
-            </a:r>
-            <a:r>
-              <a:rPr b="1" lang="en-US" sz="2400" spc="-1" strike="noStrike">
-                <a:latin typeface="Arial"/>
-              </a:rPr>
-              <a:t>Wheel Graph</a:t>
-            </a:r>
-            <a:r>
-              <a:rPr b="0" lang="en-US" sz="2400" spc="-1" strike="noStrike">
-                <a:latin typeface="Arial"/>
-              </a:rPr>
-              <a:t> is a cycle graph with an added central vertex to which all others connect.</a:t>
-            </a:r>
-            <a:endParaRPr b="0" lang="en-US" sz="2400" spc="-1" strike="noStrike">
-              <a:latin typeface="Arial"/>
-            </a:endParaRPr>
-          </a:p>
-          <a:p>
-            <a:pPr marL="432000" indent="-324000">
+              <a:buNone/>
+            </a:pPr>
+            <a:endParaRPr b="0" lang="en-US" sz="1650" spc="-1" strike="noStrike">
+              <a:latin typeface="Arial"/>
+            </a:endParaRPr>
+          </a:p>
+          <a:p>
+            <a:pPr>
               <a:lnSpc>
                 <a:spcPct val="100000"/>
               </a:lnSpc>
-              <a:spcBef>
-                <a:spcPts val="1417"/>
-              </a:spcBef>
-              <a:buClr>
-                <a:srgbClr val="000000"/>
-              </a:buClr>
-              <a:buSzPct val="45000"/>
-              <a:buFont typeface="Wingdings" charset="2"/>
-              <a:buChar char=""/>
-            </a:pPr>
-            <a:r>
-              <a:rPr b="0" lang="en-US" sz="2400" spc="-1" strike="noStrike">
-                <a:latin typeface="Arial"/>
-              </a:rPr>
-              <a:t>A </a:t>
-            </a:r>
-            <a:r>
-              <a:rPr b="1" lang="en-US" sz="2400" spc="-1" strike="noStrike">
-                <a:latin typeface="Arial"/>
-              </a:rPr>
-              <a:t>Multipartite Graph</a:t>
-            </a:r>
-            <a:r>
-              <a:rPr b="0" lang="en-US" sz="2400" spc="-1" strike="noStrike">
-                <a:latin typeface="Arial"/>
-              </a:rPr>
-              <a:t> is a graph made up of several groups of vertices in which their vertices have no connection to each other, but are each strongly connected to another such group.</a:t>
-            </a:r>
-            <a:endParaRPr b="0" lang="en-US" sz="2400" spc="-1" strike="noStrike">
+              <a:buNone/>
+            </a:pPr>
+            <a:endParaRPr b="0" lang="en-US" sz="1650" spc="-1" strike="noStrike">
+              <a:latin typeface="Arial"/>
+            </a:endParaRPr>
+          </a:p>
+          <a:p>
+            <a:pPr>
+              <a:lnSpc>
+                <a:spcPct val="100000"/>
+              </a:lnSpc>
+              <a:buNone/>
+            </a:pPr>
+            <a:r>
+              <a:rPr b="0" lang="en-US" sz="1650" spc="-1" strike="noStrike">
+                <a:latin typeface="Arial"/>
+              </a:rPr>
+              <a:t>Smith Normal Form</a:t>
+            </a:r>
+            <a:endParaRPr b="0" lang="en-US" sz="1650" spc="-1" strike="noStrike">
+              <a:latin typeface="Arial"/>
+            </a:endParaRPr>
+          </a:p>
+        </p:txBody>
+      </p:sp>
+      <p:pic>
+        <p:nvPicPr>
+          <p:cNvPr id="198" name="" descr=""/>
+          <p:cNvPicPr/>
+          <p:nvPr/>
+        </p:nvPicPr>
+        <p:blipFill>
+          <a:blip r:embed="rId1"/>
+          <a:stretch/>
+        </p:blipFill>
+        <p:spPr>
+          <a:xfrm>
+            <a:off x="1572840" y="1371600"/>
+            <a:ext cx="6197400" cy="2016360"/>
+          </a:xfrm>
+          <a:prstGeom prst="rect">
+            <a:avLst/>
+          </a:prstGeom>
+          <a:ln w="0">
+            <a:noFill/>
+          </a:ln>
+        </p:spPr>
+      </p:pic>
+      <p:pic>
+        <p:nvPicPr>
+          <p:cNvPr id="199" name="" descr=""/>
+          <p:cNvPicPr/>
+          <p:nvPr/>
+        </p:nvPicPr>
+        <p:blipFill>
+          <a:blip r:embed="rId2"/>
+          <a:stretch/>
+        </p:blipFill>
+        <p:spPr>
+          <a:xfrm>
+            <a:off x="1572840" y="3390120"/>
+            <a:ext cx="6197400" cy="2016360"/>
+          </a:xfrm>
+          <a:prstGeom prst="rect">
+            <a:avLst/>
+          </a:prstGeom>
+          <a:ln w="0">
+            <a:noFill/>
+          </a:ln>
+        </p:spPr>
+      </p:pic>
+      <p:sp>
+        <p:nvSpPr>
+          <p:cNvPr id="200" name=""/>
+          <p:cNvSpPr/>
+          <p:nvPr/>
+        </p:nvSpPr>
+        <p:spPr>
+          <a:xfrm>
+            <a:off x="7794720" y="3390120"/>
+            <a:ext cx="2283840" cy="1112040"/>
+          </a:xfrm>
+          <a:prstGeom prst="rect">
+            <a:avLst/>
+          </a:prstGeom>
+          <a:noFill/>
+          <a:ln w="0">
+            <a:noFill/>
+          </a:ln>
+        </p:spPr>
+        <p:style>
+          <a:lnRef idx="0"/>
+          <a:fillRef idx="0"/>
+          <a:effectRef idx="0"/>
+          <a:fontRef idx="minor"/>
+        </p:style>
+        <p:txBody>
+          <a:bodyPr lIns="90000" rIns="90000" tIns="45000" bIns="45000" anchor="t">
+            <a:noAutofit/>
+          </a:bodyPr>
+          <a:p>
+            <a:pPr>
+              <a:lnSpc>
+                <a:spcPct val="100000"/>
+              </a:lnSpc>
+              <a:buNone/>
+            </a:pPr>
+            <a:r>
+              <a:rPr b="0" lang="en-US" sz="1800" spc="-1" strike="noStrike">
+                <a:solidFill>
+                  <a:srgbClr val="000000"/>
+                </a:solidFill>
+                <a:latin typeface="Arial"/>
+                <a:ea typeface="DejaVu Sans"/>
+              </a:rPr>
+              <a:t>Pic(G) = ℤ</a:t>
+            </a:r>
+            <a:r>
+              <a:rPr b="0" lang="en-US" sz="1800" spc="-1" strike="noStrike" baseline="-8000">
+                <a:solidFill>
+                  <a:srgbClr val="000000"/>
+                </a:solidFill>
+                <a:latin typeface="Arial"/>
+                <a:ea typeface="DejaVu Sans"/>
+              </a:rPr>
+              <a:t>3</a:t>
+            </a:r>
+            <a:r>
+              <a:rPr b="0" lang="en-US" sz="1800" spc="-1" strike="noStrike">
+                <a:solidFill>
+                  <a:srgbClr val="000000"/>
+                </a:solidFill>
+                <a:latin typeface="Arial"/>
+                <a:ea typeface="DejaVu Sans"/>
+              </a:rPr>
+              <a:t> x ℤ</a:t>
+            </a:r>
+            <a:r>
+              <a:rPr b="0" lang="en-US" sz="1800" spc="-1" strike="noStrike" baseline="33000">
+                <a:solidFill>
+                  <a:srgbClr val="000000"/>
+                </a:solidFill>
+                <a:latin typeface="Arial"/>
+                <a:ea typeface="DejaVu Sans"/>
+              </a:rPr>
+              <a:t>3</a:t>
+            </a:r>
+            <a:endParaRPr b="0" lang="en-US" sz="1800" spc="-1" strike="noStrike">
+              <a:latin typeface="Arial"/>
+            </a:endParaRPr>
+          </a:p>
+          <a:p>
+            <a:pPr>
+              <a:lnSpc>
+                <a:spcPct val="100000"/>
+              </a:lnSpc>
+              <a:buNone/>
+            </a:pPr>
+            <a:r>
+              <a:rPr b="0" lang="en-US" sz="1800" spc="-1" strike="noStrike">
+                <a:solidFill>
+                  <a:srgbClr val="000000"/>
+                </a:solidFill>
+                <a:latin typeface="Arial"/>
+                <a:ea typeface="DejaVu Sans"/>
+              </a:rPr>
+              <a:t>From 3 at M</a:t>
+            </a:r>
+            <a:r>
+              <a:rPr b="0" lang="en-US" sz="1800" spc="-1" strike="noStrike" baseline="-8000">
+                <a:solidFill>
+                  <a:srgbClr val="000000"/>
+                </a:solidFill>
+                <a:latin typeface="Arial"/>
+                <a:ea typeface="DejaVu Sans"/>
+              </a:rPr>
+              <a:t>4,4</a:t>
+            </a:r>
+            <a:r>
+              <a:rPr b="0" lang="en-US" sz="1800" spc="-1" strike="noStrike">
+                <a:solidFill>
+                  <a:srgbClr val="000000"/>
+                </a:solidFill>
+                <a:latin typeface="Arial"/>
+                <a:ea typeface="DejaVu Sans"/>
+              </a:rPr>
+              <a:t> and from 3 empty rows</a:t>
+            </a:r>
+            <a:endParaRPr b="0" lang="en-US" sz="1800" spc="-1" strike="noStrike">
+              <a:latin typeface="Arial"/>
+            </a:endParaRPr>
+          </a:p>
+        </p:txBody>
+      </p:sp>
+      <p:sp>
+        <p:nvSpPr>
+          <p:cNvPr id="201" name=""/>
+          <p:cNvSpPr/>
+          <p:nvPr/>
+        </p:nvSpPr>
+        <p:spPr>
+          <a:xfrm>
+            <a:off x="7772400" y="4343400"/>
+            <a:ext cx="2306160" cy="600120"/>
+          </a:xfrm>
+          <a:prstGeom prst="rect">
+            <a:avLst/>
+          </a:prstGeom>
+          <a:noFill/>
+          <a:ln w="0">
+            <a:noFill/>
+          </a:ln>
+        </p:spPr>
+        <p:style>
+          <a:lnRef idx="0"/>
+          <a:fillRef idx="0"/>
+          <a:effectRef idx="0"/>
+          <a:fontRef idx="minor"/>
+        </p:style>
+        <p:txBody>
+          <a:bodyPr lIns="90000" rIns="90000" tIns="45000" bIns="45000" anchor="t">
+            <a:noAutofit/>
+          </a:bodyPr>
+          <a:p>
+            <a:pPr>
+              <a:lnSpc>
+                <a:spcPct val="100000"/>
+              </a:lnSpc>
+              <a:buNone/>
+            </a:pPr>
+            <a:r>
+              <a:rPr b="0" lang="en-US" sz="1800" spc="-1" strike="noStrike">
+                <a:solidFill>
+                  <a:srgbClr val="000000"/>
+                </a:solidFill>
+                <a:latin typeface="Arial"/>
+                <a:ea typeface="DejaVu Sans"/>
+              </a:rPr>
+              <a:t>Jac(G) = ℤ</a:t>
+            </a:r>
+            <a:r>
+              <a:rPr b="0" lang="en-US" sz="1800" spc="-1" strike="noStrike" baseline="-8000">
+                <a:solidFill>
+                  <a:srgbClr val="000000"/>
+                </a:solidFill>
+                <a:latin typeface="Arial"/>
+                <a:ea typeface="DejaVu Sans"/>
+              </a:rPr>
+              <a:t>3</a:t>
+            </a:r>
+            <a:endParaRPr b="0" lang="en-US" sz="1800" spc="-1" strike="noStrike">
+              <a:latin typeface="Arial"/>
+            </a:endParaRPr>
+          </a:p>
+          <a:p>
+            <a:pPr>
+              <a:lnSpc>
+                <a:spcPct val="100000"/>
+              </a:lnSpc>
+              <a:buNone/>
+            </a:pPr>
+            <a:r>
+              <a:rPr b="0" lang="en-US" sz="1800" spc="-1" strike="noStrike">
+                <a:solidFill>
+                  <a:srgbClr val="000000"/>
+                </a:solidFill>
+                <a:latin typeface="Arial"/>
+                <a:ea typeface="DejaVu Sans"/>
+              </a:rPr>
+              <a:t>From 3 at M</a:t>
+            </a:r>
+            <a:r>
+              <a:rPr b="0" lang="en-US" sz="1800" spc="-1" strike="noStrike" baseline="-8000">
+                <a:solidFill>
+                  <a:srgbClr val="000000"/>
+                </a:solidFill>
+                <a:latin typeface="Arial"/>
+                <a:ea typeface="DejaVu Sans"/>
+              </a:rPr>
+              <a:t>4,4</a:t>
+            </a:r>
+            <a:endParaRPr b="0" lang="en-US" sz="1800" spc="-1" strike="noStrike">
               <a:latin typeface="Arial"/>
             </a:endParaRPr>
           </a:p>
@@ -11296,7 +11259,7 @@
         <p:spPr>
           <a:xfrm>
             <a:off x="360000" y="225720"/>
-            <a:ext cx="9357840" cy="716760"/>
+            <a:ext cx="9356760" cy="715680"/>
           </a:xfrm>
           <a:prstGeom prst="rect">
             <a:avLst/>
@@ -11324,9 +11287,223 @@
                 </a:solidFill>
                 <a:latin typeface="Arial"/>
               </a:rPr>
-              <a:t>Research</a:t>
+              <a:t>Focused Graphs</a:t>
             </a:r>
             <a:endParaRPr b="0" lang="en-US" sz="4400" spc="-1" strike="noStrike">
+              <a:latin typeface="Arial"/>
+            </a:endParaRPr>
+          </a:p>
+        </p:txBody>
+      </p:sp>
+      <p:sp>
+        <p:nvSpPr>
+          <p:cNvPr id="203" name="PlaceHolder 2"/>
+          <p:cNvSpPr>
+            <a:spLocks noGrp="1"/>
+          </p:cNvSpPr>
+          <p:nvPr>
+            <p:ph/>
+          </p:nvPr>
+        </p:nvSpPr>
+        <p:spPr>
+          <a:xfrm>
+            <a:off x="360000" y="1485000"/>
+            <a:ext cx="9356760" cy="3776760"/>
+          </a:xfrm>
+          <a:prstGeom prst="rect">
+            <a:avLst/>
+          </a:prstGeom>
+          <a:noFill/>
+          <a:ln w="0">
+            <a:noFill/>
+          </a:ln>
+        </p:spPr>
+        <p:txBody>
+          <a:bodyPr lIns="0" rIns="0" tIns="0" bIns="0" anchor="t">
+            <a:normAutofit fontScale="79000"/>
+          </a:bodyPr>
+          <a:p>
+            <a:pPr marL="432000" indent="-324000">
+              <a:lnSpc>
+                <a:spcPct val="100000"/>
+              </a:lnSpc>
+              <a:spcBef>
+                <a:spcPts val="1417"/>
+              </a:spcBef>
+              <a:buClr>
+                <a:srgbClr val="000000"/>
+              </a:buClr>
+              <a:buSzPct val="45000"/>
+              <a:buFont typeface="Wingdings" charset="2"/>
+              <a:buChar char=""/>
+            </a:pPr>
+            <a:r>
+              <a:rPr b="0" lang="en-US" sz="2400" spc="-1" strike="noStrike">
+                <a:latin typeface="Arial"/>
+              </a:rPr>
+              <a:t>A </a:t>
+            </a:r>
+            <a:r>
+              <a:rPr b="1" lang="en-US" sz="2400" spc="-1" strike="noStrike">
+                <a:latin typeface="Arial"/>
+              </a:rPr>
+              <a:t>Tree Graph</a:t>
+            </a:r>
+            <a:r>
+              <a:rPr b="0" lang="en-US" sz="2400" spc="-1" strike="noStrike">
+                <a:latin typeface="Arial"/>
+              </a:rPr>
+              <a:t> is a graph where there is only one path between vertices and contains no cycles.</a:t>
+            </a:r>
+            <a:endParaRPr b="0" lang="en-US" sz="2400" spc="-1" strike="noStrike">
+              <a:latin typeface="Arial"/>
+            </a:endParaRPr>
+          </a:p>
+          <a:p>
+            <a:pPr marL="432000" indent="-324000">
+              <a:lnSpc>
+                <a:spcPct val="100000"/>
+              </a:lnSpc>
+              <a:spcBef>
+                <a:spcPts val="1417"/>
+              </a:spcBef>
+              <a:buClr>
+                <a:srgbClr val="000000"/>
+              </a:buClr>
+              <a:buSzPct val="45000"/>
+              <a:buFont typeface="Wingdings" charset="2"/>
+              <a:buChar char=""/>
+            </a:pPr>
+            <a:r>
+              <a:rPr b="0" lang="en-US" sz="2400" spc="-1" strike="noStrike">
+                <a:latin typeface="Arial"/>
+              </a:rPr>
+              <a:t>A </a:t>
+            </a:r>
+            <a:r>
+              <a:rPr b="1" lang="en-US" sz="2400" spc="-1" strike="noStrike">
+                <a:latin typeface="Arial"/>
+              </a:rPr>
+              <a:t>Cycle Graph</a:t>
+            </a:r>
+            <a:r>
+              <a:rPr b="0" lang="en-US" sz="2400" spc="-1" strike="noStrike">
+                <a:latin typeface="Arial"/>
+              </a:rPr>
+              <a:t> is a graph that only has one cycle, or a line graph with another connection between the first and last vertices.</a:t>
+            </a:r>
+            <a:endParaRPr b="0" lang="en-US" sz="2400" spc="-1" strike="noStrike">
+              <a:latin typeface="Arial"/>
+            </a:endParaRPr>
+          </a:p>
+          <a:p>
+            <a:pPr marL="432000" indent="-324000">
+              <a:lnSpc>
+                <a:spcPct val="100000"/>
+              </a:lnSpc>
+              <a:spcBef>
+                <a:spcPts val="1417"/>
+              </a:spcBef>
+              <a:buClr>
+                <a:srgbClr val="000000"/>
+              </a:buClr>
+              <a:buSzPct val="45000"/>
+              <a:buFont typeface="Wingdings" charset="2"/>
+              <a:buChar char=""/>
+            </a:pPr>
+            <a:r>
+              <a:rPr b="0" lang="en-US" sz="2400" spc="-1" strike="noStrike">
+                <a:latin typeface="Arial"/>
+              </a:rPr>
+              <a:t>A </a:t>
+            </a:r>
+            <a:r>
+              <a:rPr b="1" lang="en-US" sz="2400" spc="-1" strike="noStrike">
+                <a:latin typeface="Arial"/>
+              </a:rPr>
+              <a:t>Pseudo-Tree Graph</a:t>
+            </a:r>
+            <a:r>
+              <a:rPr b="0" lang="en-US" sz="2400" spc="-1" strike="noStrike">
+                <a:latin typeface="Arial"/>
+              </a:rPr>
+              <a:t> is a combination of these two.  This graph is created by gluing a tree to one of the vertices of a cycle graph.</a:t>
+            </a:r>
+            <a:endParaRPr b="0" lang="en-US" sz="2400" spc="-1" strike="noStrike">
+              <a:latin typeface="Arial"/>
+            </a:endParaRPr>
+          </a:p>
+          <a:p>
+            <a:pPr marL="432000" indent="-324000">
+              <a:lnSpc>
+                <a:spcPct val="100000"/>
+              </a:lnSpc>
+              <a:spcBef>
+                <a:spcPts val="1417"/>
+              </a:spcBef>
+              <a:buClr>
+                <a:srgbClr val="000000"/>
+              </a:buClr>
+              <a:buSzPct val="45000"/>
+              <a:buFont typeface="Wingdings" charset="2"/>
+              <a:buChar char=""/>
+            </a:pPr>
+            <a:r>
+              <a:rPr b="0" lang="en-US" sz="2400" spc="-1" strike="noStrike">
+                <a:latin typeface="Arial"/>
+              </a:rPr>
+              <a:t>A </a:t>
+            </a:r>
+            <a:r>
+              <a:rPr b="1" lang="en-US" sz="2400" spc="-1" strike="noStrike">
+                <a:latin typeface="Arial"/>
+              </a:rPr>
+              <a:t>Wheel Graph</a:t>
+            </a:r>
+            <a:r>
+              <a:rPr b="0" lang="en-US" sz="2400" spc="-1" strike="noStrike">
+                <a:latin typeface="Arial"/>
+              </a:rPr>
+              <a:t> is a cycle graph with an added central vertex to which all others connect.</a:t>
+            </a:r>
+            <a:endParaRPr b="0" lang="en-US" sz="2400" spc="-1" strike="noStrike">
+              <a:latin typeface="Arial"/>
+            </a:endParaRPr>
+          </a:p>
+          <a:p>
+            <a:pPr marL="432000" indent="-324000">
+              <a:lnSpc>
+                <a:spcPct val="100000"/>
+              </a:lnSpc>
+              <a:spcBef>
+                <a:spcPts val="1417"/>
+              </a:spcBef>
+              <a:buClr>
+                <a:srgbClr val="000000"/>
+              </a:buClr>
+              <a:buSzPct val="45000"/>
+              <a:buFont typeface="Wingdings" charset="2"/>
+              <a:buChar char=""/>
+            </a:pPr>
+            <a:r>
+              <a:rPr b="0" lang="en-US" sz="2400" spc="-1" strike="noStrike">
+                <a:latin typeface="Arial"/>
+              </a:rPr>
+              <a:t>A </a:t>
+            </a:r>
+            <a:r>
+              <a:rPr b="1" lang="en-US" sz="2400" spc="-1" strike="noStrike">
+                <a:latin typeface="Arial"/>
+              </a:rPr>
+              <a:t>Multipartite Graph</a:t>
+            </a:r>
+            <a:r>
+              <a:rPr b="0" lang="en-US" sz="2400" spc="-1" strike="noStrike">
+                <a:latin typeface="Arial"/>
+              </a:rPr>
+              <a:t> is a graph made up of several groups of vertices in which their vertices have no connection to each other, but are each strongly connected to another such group.</a:t>
+            </a:r>
+            <a:endParaRPr b="0" lang="en-US" sz="2400" spc="-1" strike="noStrike">
               <a:latin typeface="Arial"/>
             </a:endParaRPr>
           </a:p>
@@ -11364,7 +11541,7 @@
       </p:grpSpPr>
       <p:sp>
         <p:nvSpPr>
-          <p:cNvPr id="203" name="PlaceHolder 1"/>
+          <p:cNvPr id="204" name="PlaceHolder 1"/>
           <p:cNvSpPr>
             <a:spLocks noGrp="1"/>
           </p:cNvSpPr>
@@ -11375,7 +11552,7 @@
         <p:spPr>
           <a:xfrm>
             <a:off x="360000" y="225720"/>
-            <a:ext cx="9357840" cy="716760"/>
+            <a:ext cx="9356760" cy="715680"/>
           </a:xfrm>
           <a:prstGeom prst="rect">
             <a:avLst/>
@@ -11403,88 +11580,9 @@
                 </a:solidFill>
                 <a:latin typeface="Arial"/>
               </a:rPr>
-              <a:t>Objectives</a:t>
+              <a:t>Research</a:t>
             </a:r>
             <a:endParaRPr b="0" lang="en-US" sz="4400" spc="-1" strike="noStrike">
-              <a:latin typeface="Arial"/>
-            </a:endParaRPr>
-          </a:p>
-        </p:txBody>
-      </p:sp>
-      <p:sp>
-        <p:nvSpPr>
-          <p:cNvPr id="204" name="PlaceHolder 2"/>
-          <p:cNvSpPr>
-            <a:spLocks noGrp="1"/>
-          </p:cNvSpPr>
-          <p:nvPr>
-            <p:ph/>
-          </p:nvPr>
-        </p:nvSpPr>
-        <p:spPr>
-          <a:xfrm>
-            <a:off x="360000" y="1485000"/>
-            <a:ext cx="9357840" cy="3777840"/>
-          </a:xfrm>
-          <a:prstGeom prst="rect">
-            <a:avLst/>
-          </a:prstGeom>
-          <a:noFill/>
-          <a:ln w="0">
-            <a:noFill/>
-          </a:ln>
-        </p:spPr>
-        <p:txBody>
-          <a:bodyPr lIns="0" rIns="0" tIns="0" bIns="0" anchor="t">
-            <a:normAutofit/>
-          </a:bodyPr>
-          <a:p>
-            <a:pPr marL="432000" indent="-324000">
-              <a:lnSpc>
-                <a:spcPct val="100000"/>
-              </a:lnSpc>
-              <a:spcBef>
-                <a:spcPts val="1417"/>
-              </a:spcBef>
-              <a:buClr>
-                <a:srgbClr val="000000"/>
-              </a:buClr>
-              <a:buSzPct val="45000"/>
-              <a:buFont typeface="Wingdings" charset="2"/>
-              <a:buChar char=""/>
-            </a:pPr>
-            <a:r>
-              <a:rPr b="0" lang="en-US" sz="2480" spc="-1" strike="noStrike">
-                <a:latin typeface="Arial"/>
-              </a:rPr>
-              <a:t>While chip firing games with undirected graphs are well studied and explored, the directed case has not received as much attention.</a:t>
-            </a:r>
-            <a:endParaRPr b="0" lang="en-US" sz="2480" spc="-1" strike="noStrike">
-              <a:latin typeface="Arial"/>
-            </a:endParaRPr>
-          </a:p>
-          <a:p>
-            <a:pPr marL="432000" indent="-324000">
-              <a:lnSpc>
-                <a:spcPct val="100000"/>
-              </a:lnSpc>
-              <a:spcBef>
-                <a:spcPts val="1417"/>
-              </a:spcBef>
-              <a:buClr>
-                <a:srgbClr val="000000"/>
-              </a:buClr>
-              <a:buSzPct val="45000"/>
-              <a:buFont typeface="Wingdings" charset="2"/>
-              <a:buChar char=""/>
-            </a:pPr>
-            <a:r>
-              <a:rPr b="0" lang="en-US" sz="2480" spc="-1" strike="noStrike">
-                <a:latin typeface="Arial"/>
-              </a:rPr>
-              <a:t>Our goal is to explore ways to calculate these directed graphs and to study their relationships with their undirected counterparts.</a:t>
-            </a:r>
-            <a:endParaRPr b="0" lang="en-US" sz="2480" spc="-1" strike="noStrike">
               <a:latin typeface="Arial"/>
             </a:endParaRPr>
           </a:p>
@@ -11532,8 +11630,8 @@
         </p:nvSpPr>
         <p:spPr>
           <a:xfrm>
-            <a:off x="360000" y="-39960"/>
-            <a:ext cx="9357840" cy="1248480"/>
+            <a:off x="360000" y="225720"/>
+            <a:ext cx="9356760" cy="715680"/>
           </a:xfrm>
           <a:prstGeom prst="rect">
             <a:avLst/>
@@ -11561,7 +11659,7 @@
                 </a:solidFill>
                 <a:latin typeface="Arial"/>
               </a:rPr>
-              <a:t>Finding a Tree’s Picard Group</a:t>
+              <a:t>Objectives</a:t>
             </a:r>
             <a:endParaRPr b="0" lang="en-US" sz="4400" spc="-1" strike="noStrike">
               <a:latin typeface="Arial"/>
@@ -11582,7 +11680,7 @@
         <p:spPr>
           <a:xfrm>
             <a:off x="360000" y="1485000"/>
-            <a:ext cx="9357840" cy="3777840"/>
+            <a:ext cx="9356760" cy="3776760"/>
           </a:xfrm>
           <a:prstGeom prst="rect">
             <a:avLst/>
@@ -11594,170 +11692,8 @@
         </p:spPr>
         <p:txBody>
           <a:bodyPr lIns="0" rIns="0" tIns="0" bIns="0" anchor="t">
-            <a:normAutofit fontScale="53000"/>
-          </a:bodyPr>
-          <a:p>
-            <a:pPr>
-              <a:lnSpc>
-                <a:spcPct val="100000"/>
-              </a:lnSpc>
-              <a:spcBef>
-                <a:spcPts val="1417"/>
-              </a:spcBef>
-              <a:buNone/>
-            </a:pPr>
-            <a:r>
-              <a:rPr b="0" lang="en-US" sz="3200" spc="-1" strike="noStrike">
-                <a:latin typeface="Arial"/>
-              </a:rPr>
-              <a:t>The Picard group is commonly written in the form </a:t>
-            </a:r>
-            <a:r>
-              <a:rPr b="0" i="1" lang="en-US" sz="3200" spc="-1" strike="noStrike">
-                <a:latin typeface="Arial"/>
-              </a:rPr>
-              <a:t>Pic(G) = Jac(G) x ℤ</a:t>
-            </a:r>
-            <a:r>
-              <a:rPr b="0" i="1" lang="en-US" sz="3200" spc="-1" strike="noStrike" baseline="33000">
-                <a:latin typeface="Arial"/>
-              </a:rPr>
-              <a:t>n</a:t>
-            </a:r>
-            <a:r>
-              <a:rPr b="0" lang="en-US" sz="3200" spc="-1" strike="noStrike">
-                <a:latin typeface="Arial"/>
-              </a:rPr>
-              <a:t>, where </a:t>
-            </a:r>
-            <a:r>
-              <a:rPr b="0" i="1" lang="en-US" sz="3200" spc="-1" strike="noStrike">
-                <a:latin typeface="Arial"/>
-              </a:rPr>
-              <a:t>n</a:t>
-            </a:r>
-            <a:r>
-              <a:rPr b="0" lang="en-US" sz="3200" spc="-1" strike="noStrike">
-                <a:latin typeface="Arial"/>
-              </a:rPr>
-              <a:t> is the rank of the Picard group.</a:t>
-            </a:r>
-            <a:endParaRPr b="0" lang="en-US" sz="3200" spc="-1" strike="noStrike">
-              <a:latin typeface="Arial"/>
-            </a:endParaRPr>
-          </a:p>
-          <a:p>
-            <a:pPr lvl="1" marL="864000" indent="-324000">
-              <a:lnSpc>
-                <a:spcPct val="100000"/>
-              </a:lnSpc>
-              <a:spcBef>
-                <a:spcPts val="1134"/>
-              </a:spcBef>
-              <a:buClr>
-                <a:srgbClr val="000000"/>
-              </a:buClr>
-              <a:buSzPct val="75000"/>
-              <a:buFont typeface="Symbol" charset="2"/>
-              <a:buChar char=""/>
-            </a:pPr>
-            <a:r>
-              <a:rPr b="0" lang="en-US" sz="3200" spc="-1" strike="noStrike">
-                <a:solidFill>
-                  <a:srgbClr val="000000"/>
-                </a:solidFill>
-                <a:latin typeface="Arial"/>
-              </a:rPr>
-              <a:t>We have noticed that this rank for a tree graph can be easily calculated inductively.  By reconstructing an arbitrary tree edge by edge, its rank can be determined by following two rules.</a:t>
-            </a:r>
-            <a:endParaRPr b="0" lang="en-US" sz="3200" spc="-1" strike="noStrike">
-              <a:latin typeface="Arial"/>
-            </a:endParaRPr>
-          </a:p>
-          <a:p>
-            <a:pPr lvl="1" marL="864000" indent="-324000">
-              <a:lnSpc>
-                <a:spcPct val="100000"/>
-              </a:lnSpc>
-              <a:spcBef>
-                <a:spcPts val="1134"/>
-              </a:spcBef>
-              <a:buClr>
-                <a:srgbClr val="000000"/>
-              </a:buClr>
-              <a:buSzPct val="75000"/>
-              <a:buFont typeface="Symbol" charset="2"/>
-              <a:buChar char=""/>
-            </a:pPr>
-            <a:r>
-              <a:rPr b="0" lang="en-US" sz="3200" spc="-1" strike="noStrike">
-                <a:solidFill>
-                  <a:srgbClr val="000000"/>
-                </a:solidFill>
-                <a:latin typeface="Arial"/>
-              </a:rPr>
-              <a:t>If the next arrow drawn is pointing towards the graph or if it is bidirectional, the rank does not change.</a:t>
-            </a:r>
-            <a:endParaRPr b="0" lang="en-US" sz="3200" spc="-1" strike="noStrike">
-              <a:latin typeface="Arial"/>
-            </a:endParaRPr>
-          </a:p>
-          <a:p>
-            <a:pPr lvl="1" marL="864000" indent="-324000">
-              <a:lnSpc>
-                <a:spcPct val="100000"/>
-              </a:lnSpc>
-              <a:spcBef>
-                <a:spcPts val="1134"/>
-              </a:spcBef>
-              <a:buClr>
-                <a:srgbClr val="000000"/>
-              </a:buClr>
-              <a:buSzPct val="75000"/>
-              <a:buFont typeface="Symbol" charset="2"/>
-              <a:buChar char=""/>
-            </a:pPr>
-            <a:r>
-              <a:rPr b="0" lang="en-US" sz="3200" spc="-1" strike="noStrike">
-                <a:solidFill>
-                  <a:srgbClr val="000000"/>
-                </a:solidFill>
-                <a:latin typeface="Arial"/>
-              </a:rPr>
-              <a:t>If the next arrow is pointing towards the new vertex, the rank increases by one so long as the number of terminal strong components also grows as a result.</a:t>
-            </a:r>
-            <a:endParaRPr b="0" lang="en-US" sz="3200" spc="-1" strike="noStrike">
-              <a:latin typeface="Arial"/>
-            </a:endParaRPr>
-          </a:p>
-          <a:p>
-            <a:pPr lvl="1" marL="864000" indent="-324000">
-              <a:lnSpc>
-                <a:spcPct val="100000"/>
-              </a:lnSpc>
-              <a:spcBef>
-                <a:spcPts val="1134"/>
-              </a:spcBef>
-              <a:buClr>
-                <a:srgbClr val="000000"/>
-              </a:buClr>
-              <a:buSzPct val="75000"/>
-              <a:buFont typeface="Symbol" charset="2"/>
-              <a:buChar char=""/>
-            </a:pPr>
-            <a:r>
-              <a:rPr b="0" lang="en-US" sz="3200" spc="-1" strike="noStrike">
-                <a:solidFill>
-                  <a:srgbClr val="000000"/>
-                </a:solidFill>
-                <a:latin typeface="Arial"/>
-              </a:rPr>
-              <a:t>We can see that the rank of a tree corresponds to the number of terminal strong components of that tree, sections that are only connected to the rest of the graph by an incoming edge and have a path between all of its member vertices.</a:t>
-            </a:r>
-            <a:endParaRPr b="0" lang="en-US" sz="3200" spc="-1" strike="noStrike">
-              <a:latin typeface="Arial"/>
-            </a:endParaRPr>
-          </a:p>
+            <a:normAutofit/>
+          </a:bodyPr>
           <a:p>
             <a:pPr marL="432000" indent="-324000">
               <a:lnSpc>
@@ -11774,15 +11710,37 @@
               <a:buChar char=""/>
             </a:pPr>
             <a:r>
-              <a:rPr b="0" lang="en-US" sz="3200" spc="-1" strike="noStrike">
-                <a:solidFill>
-                  <a:srgbClr val="000000"/>
-                </a:solidFill>
-                <a:latin typeface="Arial"/>
-              </a:rPr>
-              <a:t>The Jacobian of a tree is relatively simple, it is always the trivial group.</a:t>
-            </a:r>
-            <a:endParaRPr b="0" lang="en-US" sz="3200" spc="-1" strike="noStrike">
+              <a:rPr b="0" lang="en-US" sz="2480" spc="-1" strike="noStrike">
+                <a:latin typeface="Arial"/>
+              </a:rPr>
+              <a:t>While chip firing games with undirected graphs are well studied and explored, the directed case has not received as much attention.</a:t>
+            </a:r>
+            <a:endParaRPr b="0" lang="en-US" sz="2480" spc="-1" strike="noStrike">
+              <a:latin typeface="Arial"/>
+            </a:endParaRPr>
+          </a:p>
+          <a:p>
+            <a:pPr marL="432000" indent="-324000">
+              <a:lnSpc>
+                <a:spcPct val="100000"/>
+              </a:lnSpc>
+              <a:spcBef>
+                <a:spcPts val="1417"/>
+              </a:spcBef>
+              <a:buClr>
+                <a:srgbClr val="000000"/>
+              </a:buClr>
+              <a:buSzPct val="45000"/>
+              <a:buFont typeface="Wingdings" charset="2"/>
+              <a:buChar char=""/>
+            </a:pPr>
+            <a:r>
+              <a:rPr b="0" lang="en-US" sz="2480" spc="-1" strike="noStrike">
+                <a:latin typeface="Arial"/>
+              </a:rPr>
+              <a:t>Our goal is to explore ways to calculate these directed graphs and to study their relationships with their undirected counterparts.</a:t>
+            </a:r>
+            <a:endParaRPr b="0" lang="en-US" sz="2480" spc="-1" strike="noStrike">
               <a:latin typeface="Arial"/>
             </a:endParaRPr>
           </a:p>
@@ -11831,7 +11789,7 @@
         <p:spPr>
           <a:xfrm>
             <a:off x="360000" y="-39960"/>
-            <a:ext cx="9357840" cy="1248480"/>
+            <a:ext cx="9356760" cy="1247400"/>
           </a:xfrm>
           <a:prstGeom prst="rect">
             <a:avLst/>
@@ -11859,7 +11817,7 @@
                 </a:solidFill>
                 <a:latin typeface="Arial"/>
               </a:rPr>
-              <a:t>Finding The Picard Group of a Cycle Graph</a:t>
+              <a:t>Finding a Tree’s Picard Group</a:t>
             </a:r>
             <a:endParaRPr b="0" lang="en-US" sz="4400" spc="-1" strike="noStrike">
               <a:latin typeface="Arial"/>
@@ -11880,7 +11838,7 @@
         <p:spPr>
           <a:xfrm>
             <a:off x="360000" y="1485000"/>
-            <a:ext cx="9357840" cy="3777840"/>
+            <a:ext cx="9356760" cy="3776760"/>
           </a:xfrm>
           <a:prstGeom prst="rect">
             <a:avLst/>
@@ -11894,6 +11852,168 @@
           <a:bodyPr lIns="0" rIns="0" tIns="0" bIns="0" anchor="t">
             <a:normAutofit fontScale="53000"/>
           </a:bodyPr>
+          <a:p>
+            <a:pPr>
+              <a:lnSpc>
+                <a:spcPct val="100000"/>
+              </a:lnSpc>
+              <a:spcBef>
+                <a:spcPts val="1417"/>
+              </a:spcBef>
+              <a:buNone/>
+            </a:pPr>
+            <a:r>
+              <a:rPr b="0" lang="en-US" sz="3200" spc="-1" strike="noStrike">
+                <a:latin typeface="Arial"/>
+              </a:rPr>
+              <a:t>The Picard group is commonly written in the form </a:t>
+            </a:r>
+            <a:r>
+              <a:rPr b="0" i="1" lang="en-US" sz="3200" spc="-1" strike="noStrike">
+                <a:latin typeface="Arial"/>
+              </a:rPr>
+              <a:t>Pic(G) = Jac(G) x ℤ</a:t>
+            </a:r>
+            <a:r>
+              <a:rPr b="0" i="1" lang="en-US" sz="3200" spc="-1" strike="noStrike" baseline="33000">
+                <a:latin typeface="Arial"/>
+              </a:rPr>
+              <a:t>n</a:t>
+            </a:r>
+            <a:r>
+              <a:rPr b="0" lang="en-US" sz="3200" spc="-1" strike="noStrike">
+                <a:latin typeface="Arial"/>
+              </a:rPr>
+              <a:t>, where </a:t>
+            </a:r>
+            <a:r>
+              <a:rPr b="0" i="1" lang="en-US" sz="3200" spc="-1" strike="noStrike">
+                <a:latin typeface="Arial"/>
+              </a:rPr>
+              <a:t>n</a:t>
+            </a:r>
+            <a:r>
+              <a:rPr b="0" lang="en-US" sz="3200" spc="-1" strike="noStrike">
+                <a:latin typeface="Arial"/>
+              </a:rPr>
+              <a:t> is the rank of the Picard group.</a:t>
+            </a:r>
+            <a:endParaRPr b="0" lang="en-US" sz="3200" spc="-1" strike="noStrike">
+              <a:latin typeface="Arial"/>
+            </a:endParaRPr>
+          </a:p>
+          <a:p>
+            <a:pPr lvl="1" marL="864000" indent="-324000">
+              <a:lnSpc>
+                <a:spcPct val="100000"/>
+              </a:lnSpc>
+              <a:spcBef>
+                <a:spcPts val="1134"/>
+              </a:spcBef>
+              <a:buClr>
+                <a:srgbClr val="000000"/>
+              </a:buClr>
+              <a:buSzPct val="75000"/>
+              <a:buFont typeface="Symbol"/>
+              <a:buChar char=""/>
+            </a:pPr>
+            <a:r>
+              <a:rPr b="0" lang="en-US" sz="3200" spc="-1" strike="noStrike">
+                <a:solidFill>
+                  <a:srgbClr val="000000"/>
+                </a:solidFill>
+                <a:latin typeface="Arial"/>
+              </a:rPr>
+              <a:t>We have noticed that this rank for a tree graph can be easily calculated inductively.  By reconstructing an arbitrary tree edge by edge, its rank can be determined by following two rules.</a:t>
+            </a:r>
+            <a:endParaRPr b="0" lang="en-US" sz="3200" spc="-1" strike="noStrike">
+              <a:latin typeface="Arial"/>
+            </a:endParaRPr>
+          </a:p>
+          <a:p>
+            <a:pPr lvl="1" marL="864000" indent="-324000">
+              <a:lnSpc>
+                <a:spcPct val="100000"/>
+              </a:lnSpc>
+              <a:spcBef>
+                <a:spcPts val="1134"/>
+              </a:spcBef>
+              <a:buClr>
+                <a:srgbClr val="000000"/>
+              </a:buClr>
+              <a:buSzPct val="75000"/>
+              <a:buFont typeface="Symbol"/>
+              <a:buChar char=""/>
+            </a:pPr>
+            <a:r>
+              <a:rPr b="0" lang="en-US" sz="3200" spc="-1" strike="noStrike">
+                <a:solidFill>
+                  <a:srgbClr val="000000"/>
+                </a:solidFill>
+                <a:latin typeface="Arial"/>
+              </a:rPr>
+              <a:t>If the next arrow drawn is pointing towards the graph or if it is bidirectional, the rank does not change.</a:t>
+            </a:r>
+            <a:endParaRPr b="0" lang="en-US" sz="3200" spc="-1" strike="noStrike">
+              <a:latin typeface="Arial"/>
+            </a:endParaRPr>
+          </a:p>
+          <a:p>
+            <a:pPr lvl="1" marL="864000" indent="-324000">
+              <a:lnSpc>
+                <a:spcPct val="100000"/>
+              </a:lnSpc>
+              <a:spcBef>
+                <a:spcPts val="1134"/>
+              </a:spcBef>
+              <a:buClr>
+                <a:srgbClr val="000000"/>
+              </a:buClr>
+              <a:buSzPct val="75000"/>
+              <a:buFont typeface="Symbol"/>
+              <a:buChar char=""/>
+            </a:pPr>
+            <a:r>
+              <a:rPr b="0" lang="en-US" sz="3200" spc="-1" strike="noStrike">
+                <a:solidFill>
+                  <a:srgbClr val="000000"/>
+                </a:solidFill>
+                <a:latin typeface="Arial"/>
+              </a:rPr>
+              <a:t>If the next arrow is pointing towards the new vertex, the rank increases by one so long as the number of terminal strong components also grows as a result.</a:t>
+            </a:r>
+            <a:endParaRPr b="0" lang="en-US" sz="3200" spc="-1" strike="noStrike">
+              <a:latin typeface="Arial"/>
+            </a:endParaRPr>
+          </a:p>
+          <a:p>
+            <a:pPr lvl="1" marL="864000" indent="-324000">
+              <a:lnSpc>
+                <a:spcPct val="100000"/>
+              </a:lnSpc>
+              <a:spcBef>
+                <a:spcPts val="1134"/>
+              </a:spcBef>
+              <a:buClr>
+                <a:srgbClr val="000000"/>
+              </a:buClr>
+              <a:buSzPct val="75000"/>
+              <a:buFont typeface="Symbol"/>
+              <a:buChar char=""/>
+            </a:pPr>
+            <a:r>
+              <a:rPr b="0" lang="en-US" sz="3200" spc="-1" strike="noStrike">
+                <a:solidFill>
+                  <a:srgbClr val="000000"/>
+                </a:solidFill>
+                <a:latin typeface="Arial"/>
+              </a:rPr>
+              <a:t>We can see that the rank of a tree corresponds to the number of terminal strong components of that tree, sections that are only connected to the rest of the graph by an incoming edge and have a path between all of its member vertices.</a:t>
+            </a:r>
+            <a:endParaRPr b="0" lang="en-US" sz="3200" spc="-1" strike="noStrike">
+              <a:latin typeface="Arial"/>
+            </a:endParaRPr>
+          </a:p>
           <a:p>
             <a:pPr marL="432000" indent="-324000">
               <a:lnSpc>
@@ -11915,414 +12035,8 @@
                   <a:srgbClr val="000000"/>
                 </a:solidFill>
                 <a:latin typeface="Arial"/>
-                <a:ea typeface="Noto Sans CJK SC"/>
-              </a:rPr>
-              <a:t>The rank of the Picard group of a cycle graph is similar to that of a tree.  It is the number of terminal strong components in the graph.</a:t>
-            </a:r>
-            <a:endParaRPr b="0" lang="en-US" sz="3200" spc="-1" strike="noStrike">
-              <a:latin typeface="Arial"/>
-            </a:endParaRPr>
-          </a:p>
-          <a:p>
-            <a:pPr marL="432000" indent="-324000">
-              <a:lnSpc>
-                <a:spcPct val="100000"/>
-              </a:lnSpc>
-              <a:spcBef>
-                <a:spcPts val="1417"/>
-              </a:spcBef>
-              <a:buClr>
-                <a:srgbClr val="000000"/>
-              </a:buClr>
-              <a:buSzPct val="45000"/>
-              <a:buFont typeface="Wingdings" charset="2"/>
-              <a:buChar char=""/>
-            </a:pPr>
-            <a:r>
-              <a:rPr b="0" lang="en-US" sz="3200" spc="-1" strike="noStrike">
-                <a:solidFill>
-                  <a:srgbClr val="000000"/>
-                </a:solidFill>
-                <a:latin typeface="Arial"/>
-                <a:ea typeface="Noto Sans CJK SC"/>
-              </a:rPr>
-              <a:t>The Jacobian of a Cycle graph is more complex than that of a tree, we have proved that there is always some orientation of a cycle such that the Jacobian is trivial or </a:t>
-            </a:r>
-            <a:r>
-              <a:rPr b="0" i="1" lang="en-US" sz="3200" spc="-1" strike="noStrike">
-                <a:solidFill>
-                  <a:srgbClr val="000000"/>
-                </a:solidFill>
-                <a:latin typeface="Arial"/>
-              </a:rPr>
-              <a:t>ℤ</a:t>
-            </a:r>
-            <a:r>
-              <a:rPr b="0" i="1" lang="en-US" sz="3200" spc="-1" strike="noStrike" baseline="-8000">
-                <a:solidFill>
-                  <a:srgbClr val="000000"/>
-                </a:solidFill>
-                <a:latin typeface="Arial"/>
-              </a:rPr>
-              <a:t>k</a:t>
-            </a:r>
-            <a:r>
-              <a:rPr b="0" lang="en-US" sz="3200" spc="-1" strike="noStrike" baseline="-8000">
-                <a:solidFill>
-                  <a:srgbClr val="000000"/>
-                </a:solidFill>
-                <a:latin typeface="Arial"/>
-              </a:rPr>
-              <a:t> </a:t>
-            </a:r>
-            <a:r>
-              <a:rPr b="0" lang="en-US" sz="3200" spc="-1" strike="noStrike">
-                <a:solidFill>
-                  <a:srgbClr val="000000"/>
-                </a:solidFill>
-                <a:latin typeface="Arial"/>
-              </a:rPr>
-              <a:t>where </a:t>
-            </a:r>
-            <a:r>
-              <a:rPr b="0" i="1" lang="en-US" sz="3200" spc="-1" strike="noStrike">
-                <a:solidFill>
-                  <a:srgbClr val="000000"/>
-                </a:solidFill>
-                <a:latin typeface="Arial"/>
-              </a:rPr>
-              <a:t>k≤n</a:t>
-            </a:r>
-            <a:r>
-              <a:rPr b="0" lang="en-US" sz="3200" spc="-1" strike="noStrike">
-                <a:solidFill>
-                  <a:srgbClr val="000000"/>
-                </a:solidFill>
-                <a:latin typeface="Arial"/>
-              </a:rPr>
-              <a:t> when </a:t>
-            </a:r>
-            <a:r>
-              <a:rPr b="0" i="1" lang="en-US" sz="3200" spc="-1" strike="noStrike">
-                <a:solidFill>
-                  <a:srgbClr val="000000"/>
-                </a:solidFill>
-                <a:latin typeface="Arial"/>
-              </a:rPr>
-              <a:t>n≥3</a:t>
-            </a:r>
-            <a:r>
-              <a:rPr b="0" lang="en-US" sz="3200" spc="-1" strike="noStrike">
-                <a:solidFill>
-                  <a:srgbClr val="000000"/>
-                </a:solidFill>
-                <a:latin typeface="Arial"/>
-              </a:rPr>
-              <a:t>.</a:t>
-            </a:r>
-            <a:endParaRPr b="0" lang="en-US" sz="3200" spc="-1" strike="noStrike">
-              <a:latin typeface="Arial"/>
-            </a:endParaRPr>
-          </a:p>
-          <a:p>
-            <a:pPr lvl="1" marL="864000" indent="-324000">
-              <a:lnSpc>
-                <a:spcPct val="100000"/>
-              </a:lnSpc>
-              <a:spcBef>
-                <a:spcPts val="1134"/>
-              </a:spcBef>
-              <a:buClr>
-                <a:srgbClr val="000000"/>
-              </a:buClr>
-              <a:buSzPct val="75000"/>
-              <a:buFont typeface="Symbol" charset="2"/>
-              <a:buChar char=""/>
-            </a:pPr>
-            <a:r>
-              <a:rPr b="0" lang="en-US" sz="3200" spc="-1" strike="noStrike">
-                <a:solidFill>
-                  <a:srgbClr val="000000"/>
-                </a:solidFill>
-                <a:latin typeface="Arial"/>
-                <a:ea typeface="Noto Sans CJK SC"/>
-              </a:rPr>
-              <a:t>The most common of these invariant factors are the trivial factor and </a:t>
-            </a:r>
-            <a:r>
-              <a:rPr b="0" i="1" lang="en-US" sz="3200" spc="-1" strike="noStrike">
-                <a:solidFill>
-                  <a:srgbClr val="000000"/>
-                </a:solidFill>
-                <a:latin typeface="Arial"/>
-              </a:rPr>
-              <a:t>ℤ</a:t>
-            </a:r>
-            <a:r>
-              <a:rPr b="0" i="1" lang="en-US" sz="3200" spc="-1" strike="noStrike" baseline="-8000">
-                <a:solidFill>
-                  <a:srgbClr val="000000"/>
-                </a:solidFill>
-                <a:latin typeface="Arial"/>
-              </a:rPr>
-              <a:t>k</a:t>
-            </a:r>
-            <a:r>
-              <a:rPr b="0" i="1" lang="en-US" sz="3200" spc="-1" strike="noStrike">
-                <a:solidFill>
-                  <a:srgbClr val="000000"/>
-                </a:solidFill>
-                <a:latin typeface="Arial"/>
-              </a:rPr>
-              <a:t> </a:t>
-            </a:r>
-            <a:r>
-              <a:rPr b="0" lang="en-US" sz="3200" spc="-1" strike="noStrike">
-                <a:solidFill>
-                  <a:srgbClr val="000000"/>
-                </a:solidFill>
-                <a:latin typeface="Arial"/>
-              </a:rPr>
-              <a:t>across all possible orientations.</a:t>
-            </a:r>
-            <a:endParaRPr b="0" lang="en-US" sz="3200" spc="-1" strike="noStrike">
-              <a:latin typeface="Arial"/>
-            </a:endParaRPr>
-          </a:p>
-          <a:p>
-            <a:pPr marL="432000" indent="-324000">
-              <a:lnSpc>
-                <a:spcPct val="100000"/>
-              </a:lnSpc>
-              <a:spcBef>
-                <a:spcPts val="1417"/>
-              </a:spcBef>
-              <a:buClr>
-                <a:srgbClr val="000000"/>
-              </a:buClr>
-              <a:buSzPct val="45000"/>
-              <a:buFont typeface="Wingdings" charset="2"/>
-              <a:buChar char=""/>
-            </a:pPr>
-            <a:r>
-              <a:rPr b="0" lang="en-US" sz="3200" spc="-1" strike="noStrike">
-                <a:solidFill>
-                  <a:srgbClr val="000000"/>
-                </a:solidFill>
-                <a:latin typeface="Arial"/>
-                <a:ea typeface="Noto Sans CJK SC"/>
-              </a:rPr>
-              <a:t>Additionally, we have been able to calculate the Jacobian for any arbitrary cycle graph (</a:t>
-            </a:r>
-            <a:r>
-              <a:rPr b="0" i="1" lang="en-US" sz="3200" spc="-1" strike="noStrike">
-                <a:solidFill>
-                  <a:srgbClr val="000000"/>
-                </a:solidFill>
-                <a:latin typeface="Arial"/>
-                <a:ea typeface="Noto Sans CJK SC"/>
-              </a:rPr>
-              <a:t>C</a:t>
-            </a:r>
-            <a:r>
-              <a:rPr b="0" i="1" lang="en-US" sz="3200" spc="-1" strike="noStrike" baseline="-8000">
-                <a:solidFill>
-                  <a:srgbClr val="000000"/>
-                </a:solidFill>
-                <a:latin typeface="Arial"/>
-                <a:ea typeface="Noto Sans CJK SC"/>
-              </a:rPr>
-              <a:t>n</a:t>
-            </a:r>
-            <a:r>
-              <a:rPr b="0" lang="en-US" sz="3200" spc="-1" strike="noStrike">
-                <a:solidFill>
-                  <a:srgbClr val="000000"/>
-                </a:solidFill>
-                <a:latin typeface="Arial"/>
-                <a:ea typeface="Noto Sans CJK SC"/>
-              </a:rPr>
-              <a:t>)with two </a:t>
-            </a:r>
-            <a:r>
-              <a:rPr b="0" i="1" lang="en-US" sz="3200" spc="-1" strike="noStrike">
-                <a:solidFill>
-                  <a:srgbClr val="000000"/>
-                </a:solidFill>
-                <a:latin typeface="Arial"/>
-                <a:ea typeface="Noto Sans CJK SC"/>
-              </a:rPr>
-              <a:t>paths. </a:t>
-            </a:r>
-            <a:r>
-              <a:rPr b="0" lang="en-US" sz="3200" spc="-1" strike="noStrike">
-                <a:solidFill>
-                  <a:srgbClr val="000000"/>
-                </a:solidFill>
-                <a:latin typeface="Arial"/>
-                <a:ea typeface="Noto Sans CJK SC"/>
-              </a:rPr>
-              <a:t> Here a </a:t>
-            </a:r>
-            <a:r>
-              <a:rPr b="0" i="1" lang="en-US" sz="3200" spc="-1" strike="noStrike">
-                <a:solidFill>
-                  <a:srgbClr val="000000"/>
-                </a:solidFill>
-                <a:latin typeface="Arial"/>
-                <a:ea typeface="Noto Sans CJK SC"/>
-              </a:rPr>
-              <a:t>path</a:t>
-            </a:r>
-            <a:r>
-              <a:rPr b="0" lang="en-US" sz="3200" spc="-1" strike="noStrike">
-                <a:solidFill>
-                  <a:srgbClr val="000000"/>
-                </a:solidFill>
-                <a:latin typeface="Arial"/>
-                <a:ea typeface="Noto Sans CJK SC"/>
-              </a:rPr>
-              <a:t> is a connected sub-graph of </a:t>
-            </a:r>
-            <a:r>
-              <a:rPr b="0" i="1" lang="en-US" sz="3200" spc="-1" strike="noStrike">
-                <a:solidFill>
-                  <a:srgbClr val="000000"/>
-                </a:solidFill>
-                <a:latin typeface="Arial"/>
-                <a:ea typeface="Noto Sans CJK SC"/>
-              </a:rPr>
-              <a:t>C</a:t>
-            </a:r>
-            <a:r>
-              <a:rPr b="0" i="1" lang="en-US" sz="3200" spc="-1" strike="noStrike" baseline="-8000">
-                <a:solidFill>
-                  <a:srgbClr val="000000"/>
-                </a:solidFill>
-                <a:latin typeface="Arial"/>
-                <a:ea typeface="Noto Sans CJK SC"/>
-              </a:rPr>
-              <a:t>n</a:t>
-            </a:r>
-            <a:r>
-              <a:rPr b="0" lang="en-US" sz="3200" spc="-1" strike="noStrike">
-                <a:solidFill>
-                  <a:srgbClr val="000000"/>
-                </a:solidFill>
-                <a:latin typeface="Arial"/>
-                <a:ea typeface="Noto Sans CJK SC"/>
-              </a:rPr>
-              <a:t> in which all arrows are oriented in a single direction or are bidirectional.  In other words, a path is a sub-graph of </a:t>
-            </a:r>
-            <a:r>
-              <a:rPr b="0" i="1" lang="en-US" sz="3200" spc="-1" strike="noStrike">
-                <a:solidFill>
-                  <a:srgbClr val="000000"/>
-                </a:solidFill>
-                <a:latin typeface="Arial"/>
-              </a:rPr>
-              <a:t>C</a:t>
-            </a:r>
-            <a:r>
-              <a:rPr b="0" i="1" lang="en-US" sz="3200" spc="-1" strike="noStrike" baseline="-8000">
-                <a:solidFill>
-                  <a:srgbClr val="000000"/>
-                </a:solidFill>
-                <a:latin typeface="Arial"/>
-              </a:rPr>
-              <a:t>n</a:t>
-            </a:r>
-            <a:r>
-              <a:rPr b="0" lang="en-US" sz="3200" spc="-1" strike="noStrike">
-                <a:solidFill>
-                  <a:srgbClr val="000000"/>
-                </a:solidFill>
-                <a:latin typeface="Arial"/>
-              </a:rPr>
-              <a:t> with one strong terminal component.  These paths either only comprise one edge or are terminated by one appropriate directed edge on each side.</a:t>
-            </a:r>
-            <a:endParaRPr b="0" lang="en-US" sz="3200" spc="-1" strike="noStrike">
-              <a:latin typeface="Arial"/>
-            </a:endParaRPr>
-          </a:p>
-          <a:p>
-            <a:pPr lvl="1" marL="864000" indent="-324000">
-              <a:lnSpc>
-                <a:spcPct val="100000"/>
-              </a:lnSpc>
-              <a:spcBef>
-                <a:spcPts val="1134"/>
-              </a:spcBef>
-              <a:buClr>
-                <a:srgbClr val="000000"/>
-              </a:buClr>
-              <a:buSzPct val="75000"/>
-              <a:buFont typeface="Symbol" charset="2"/>
-              <a:buChar char=""/>
-            </a:pPr>
-            <a:r>
-              <a:rPr b="0" lang="en-US" sz="3200" spc="-1" strike="noStrike">
-                <a:solidFill>
-                  <a:srgbClr val="000000"/>
-                </a:solidFill>
-                <a:latin typeface="Arial"/>
-                <a:ea typeface="Noto Sans CJK SC"/>
-              </a:rPr>
-              <a:t>For these graphs, the Jacobian is </a:t>
-            </a:r>
-            <a:r>
-              <a:rPr b="0" i="1" lang="en-US" sz="3200" spc="-1" strike="noStrike">
-                <a:solidFill>
-                  <a:srgbClr val="000000"/>
-                </a:solidFill>
-                <a:latin typeface="Arial"/>
-              </a:rPr>
-              <a:t>ℤ</a:t>
-            </a:r>
-            <a:r>
-              <a:rPr b="0" i="1" lang="en-US" sz="3200" spc="-1" strike="noStrike" baseline="-8000">
-                <a:solidFill>
-                  <a:srgbClr val="000000"/>
-                </a:solidFill>
-                <a:latin typeface="Arial"/>
-              </a:rPr>
-              <a:t>(x+2)</a:t>
-            </a:r>
-            <a:r>
-              <a:rPr b="0" i="1" lang="en-US" sz="3200" spc="-1" strike="noStrike">
-                <a:solidFill>
-                  <a:srgbClr val="000000"/>
-                </a:solidFill>
-                <a:latin typeface="Arial"/>
-              </a:rPr>
-              <a:t> </a:t>
-            </a:r>
-            <a:r>
-              <a:rPr b="0" lang="en-US" sz="3200" spc="-1" strike="noStrike">
-                <a:solidFill>
-                  <a:srgbClr val="000000"/>
-                </a:solidFill>
-                <a:latin typeface="Arial"/>
-              </a:rPr>
-              <a:t>where</a:t>
-            </a:r>
-            <a:r>
-              <a:rPr b="0" i="1" lang="en-US" sz="3200" spc="-1" strike="noStrike">
-                <a:solidFill>
-                  <a:srgbClr val="000000"/>
-                </a:solidFill>
-                <a:latin typeface="Arial"/>
-              </a:rPr>
-              <a:t> x</a:t>
-            </a:r>
-            <a:r>
-              <a:rPr b="0" lang="en-US" sz="3200" spc="-1" strike="noStrike">
-                <a:solidFill>
-                  <a:srgbClr val="000000"/>
-                </a:solidFill>
-                <a:latin typeface="Arial"/>
-              </a:rPr>
-              <a:t> is the number of bidirectional edges clockwise of the counter-clockwise path and counter-clockwise of the clockwise path.</a:t>
+              </a:rPr>
+              <a:t>The Jacobian of a tree is relatively simple, it is always the trivial group.</a:t>
             </a:r>
             <a:endParaRPr b="0" lang="en-US" sz="3200" spc="-1" strike="noStrike">
               <a:latin typeface="Arial"/>
@@ -12372,8 +12086,8 @@
         </p:nvSpPr>
         <p:spPr>
           <a:xfrm>
-            <a:off x="360000" y="225720"/>
-            <a:ext cx="9357840" cy="716760"/>
+            <a:off x="360000" y="-39960"/>
+            <a:ext cx="9356760" cy="1247400"/>
           </a:xfrm>
           <a:prstGeom prst="rect">
             <a:avLst/>
@@ -12401,6 +12115,784 @@
                 </a:solidFill>
                 <a:latin typeface="Arial"/>
               </a:rPr>
+              <a:t>Creating a Pseudo-Tree</a:t>
+            </a:r>
+            <a:endParaRPr b="0" lang="en-US" sz="4400" spc="-1" strike="noStrike">
+              <a:latin typeface="Arial"/>
+            </a:endParaRPr>
+          </a:p>
+        </p:txBody>
+      </p:sp>
+      <p:sp>
+        <p:nvSpPr>
+          <p:cNvPr id="210" name="PlaceHolder 2"/>
+          <p:cNvSpPr>
+            <a:spLocks noGrp="1"/>
+          </p:cNvSpPr>
+          <p:nvPr>
+            <p:ph/>
+          </p:nvPr>
+        </p:nvSpPr>
+        <p:spPr>
+          <a:xfrm>
+            <a:off x="360000" y="1485000"/>
+            <a:ext cx="9467280" cy="3776760"/>
+          </a:xfrm>
+          <a:prstGeom prst="rect">
+            <a:avLst/>
+          </a:prstGeom>
+          <a:noFill/>
+          <a:ln w="0">
+            <a:noFill/>
+          </a:ln>
+        </p:spPr>
+        <p:txBody>
+          <a:bodyPr lIns="0" rIns="0" tIns="0" bIns="0" anchor="t">
+            <a:normAutofit/>
+          </a:bodyPr>
+          <a:p>
+            <a:pPr marL="432000" indent="-324000">
+              <a:lnSpc>
+                <a:spcPct val="100000"/>
+              </a:lnSpc>
+              <a:spcBef>
+                <a:spcPts val="1417"/>
+              </a:spcBef>
+              <a:buClr>
+                <a:srgbClr val="000000"/>
+              </a:buClr>
+              <a:buSzPct val="45000"/>
+              <a:buFont typeface="Wingdings" charset="2"/>
+              <a:buChar char=""/>
+            </a:pPr>
+            <a:r>
+              <a:rPr b="0" lang="en-US" sz="2100" spc="-1" strike="noStrike">
+                <a:solidFill>
+                  <a:srgbClr val="000000"/>
+                </a:solidFill>
+                <a:latin typeface="Arial"/>
+                <a:ea typeface="JetBrains Mono"/>
+              </a:rPr>
+              <a:t>A Pseudo-tree can be created by gluing a tree to a cycle graph in one of two ways.</a:t>
+            </a:r>
+            <a:endParaRPr b="0" lang="en-US" sz="2100" spc="-1" strike="noStrike">
+              <a:latin typeface="Arial"/>
+            </a:endParaRPr>
+          </a:p>
+          <a:p>
+            <a:pPr marL="432000" indent="-324000">
+              <a:lnSpc>
+                <a:spcPct val="100000"/>
+              </a:lnSpc>
+              <a:spcBef>
+                <a:spcPts val="1417"/>
+              </a:spcBef>
+              <a:buClr>
+                <a:srgbClr val="000000"/>
+              </a:buClr>
+              <a:buSzPct val="45000"/>
+              <a:buFont typeface="Wingdings" charset="2"/>
+              <a:buChar char=""/>
+            </a:pPr>
+            <a:r>
+              <a:rPr b="0" lang="en-US" sz="2100" spc="-1" strike="noStrike">
+                <a:solidFill>
+                  <a:srgbClr val="000000"/>
+                </a:solidFill>
+                <a:latin typeface="Arial"/>
+                <a:ea typeface="JetBrains Mono"/>
+              </a:rPr>
+              <a:t>By Vertex – Here, whichever vertices will be glued together will be merged into one vertex.  With this way of gluing, one vertex will be shared between the two glued graphs.</a:t>
+            </a:r>
+            <a:endParaRPr b="0" lang="en-US" sz="2100" spc="-1" strike="noStrike">
+              <a:latin typeface="Arial"/>
+            </a:endParaRPr>
+          </a:p>
+          <a:p>
+            <a:pPr marL="432000" indent="-324000">
+              <a:lnSpc>
+                <a:spcPct val="100000"/>
+              </a:lnSpc>
+              <a:spcBef>
+                <a:spcPts val="1417"/>
+              </a:spcBef>
+              <a:buClr>
+                <a:srgbClr val="000000"/>
+              </a:buClr>
+              <a:buSzPct val="45000"/>
+              <a:buFont typeface="Wingdings" charset="2"/>
+              <a:buChar char=""/>
+            </a:pPr>
+            <a:r>
+              <a:rPr b="0" lang="en-US" sz="2100" spc="-1" strike="noStrike">
+                <a:solidFill>
+                  <a:srgbClr val="000000"/>
+                </a:solidFill>
+                <a:latin typeface="Arial"/>
+                <a:ea typeface="JetBrains Mono"/>
+              </a:rPr>
+              <a:t>By Edge – With this method, the two graphs are joined by an additional edge.  This helps to preserve the attributes of the original graphs into the resulting glues pseudo-tree, such as the Jacobian often being </a:t>
+            </a:r>
+            <a:r>
+              <a:rPr b="0" lang="en-US" sz="2100" spc="-1" strike="noStrike">
+                <a:solidFill>
+                  <a:srgbClr val="000000"/>
+                </a:solidFill>
+                <a:latin typeface="Arial"/>
+                <a:ea typeface="JetBrains Mono"/>
+              </a:rPr>
+              <a:t>	</a:t>
+            </a:r>
+            <a:r>
+              <a:rPr b="0" lang="en-US" sz="2100" spc="-1" strike="noStrike">
+                <a:solidFill>
+                  <a:srgbClr val="000000"/>
+                </a:solidFill>
+                <a:latin typeface="Arial"/>
+                <a:ea typeface="JetBrains Mono"/>
+              </a:rPr>
+              <a:t>Jac(cycle) x Jac(tree).</a:t>
+            </a:r>
+            <a:endParaRPr b="0" lang="en-US" sz="2100" spc="-1" strike="noStrike">
+              <a:latin typeface="Arial"/>
+            </a:endParaRPr>
+          </a:p>
+        </p:txBody>
+      </p:sp>
+    </p:spTree>
+  </p:cSld>
+  <mc:AlternateContent>
+    <mc:Choice Requires="p14">
+      <p:transition spd="slow" p14:dur="2000"/>
+    </mc:Choice>
+    <mc:Fallback>
+      <p:transition spd="slow"/>
+    </mc:Fallback>
+  </mc:AlternateContent>
+</p:sld>
+</file>
+
+<file path=ppt/slides/slide17.xml><?xml version="1.0" encoding="utf-8"?>
+<p:sld xmlns:a="http://schemas.openxmlformats.org/drawingml/2006/main" xmlns:p="http://schemas.openxmlformats.org/presentationml/2006/main" xmlns:r="http://schemas.openxmlformats.org/officeDocument/2006/relationships" xmlns:p14="http://schemas.microsoft.com/office/powerpoint/2010/main" xmlns:p15="http://schemas.microsoft.com/office/powerpoint/2012/main" xmlns:mc="http://schemas.openxmlformats.org/markup-compatibility/2006">
+  <p:cSld>
+    <p:spTree>
+      <p:nvGrpSpPr>
+        <p:cNvPr id="1" name=""/>
+        <p:cNvGrpSpPr/>
+        <p:nvPr/>
+      </p:nvGrpSpPr>
+      <p:grpSpPr>
+        <a:xfrm>
+          <a:off x="0" y="0"/>
+          <a:ext cx="0" cy="0"/>
+          <a:chOff x="0" y="0"/>
+          <a:chExt cx="0" cy="0"/>
+        </a:xfrm>
+      </p:grpSpPr>
+      <p:sp>
+        <p:nvSpPr>
+          <p:cNvPr id="211" name="PlaceHolder 1"/>
+          <p:cNvSpPr>
+            <a:spLocks noGrp="1"/>
+          </p:cNvSpPr>
+          <p:nvPr>
+            <p:ph type="title"/>
+          </p:nvPr>
+        </p:nvSpPr>
+        <p:spPr>
+          <a:xfrm>
+            <a:off x="360000" y="-39960"/>
+            <a:ext cx="9356760" cy="1247400"/>
+          </a:xfrm>
+          <a:prstGeom prst="rect">
+            <a:avLst/>
+          </a:prstGeom>
+          <a:noFill/>
+          <a:ln w="0">
+            <a:noFill/>
+          </a:ln>
+        </p:spPr>
+        <p:txBody>
+          <a:bodyPr lIns="0" rIns="0" tIns="0" bIns="0" anchor="ctr">
+            <a:noAutofit/>
+          </a:bodyPr>
+          <a:p>
+            <a:pPr algn="ctr">
+              <a:lnSpc>
+                <a:spcPct val="100000"/>
+              </a:lnSpc>
+              <a:buNone/>
+            </a:pPr>
+            <a:r>
+              <a:rPr b="0" lang="en-US" sz="4400" spc="-1" strike="noStrike">
+                <a:solidFill>
+                  <a:srgbClr val="ffffff"/>
+                </a:solidFill>
+                <a:latin typeface="Arial"/>
+              </a:rPr>
+              <a:t>Finding The Picard Group of a Cycle Graph</a:t>
+            </a:r>
+            <a:endParaRPr b="0" lang="en-US" sz="4400" spc="-1" strike="noStrike">
+              <a:latin typeface="Arial"/>
+            </a:endParaRPr>
+          </a:p>
+        </p:txBody>
+      </p:sp>
+      <p:sp>
+        <p:nvSpPr>
+          <p:cNvPr id="212" name="PlaceHolder 2"/>
+          <p:cNvSpPr>
+            <a:spLocks noGrp="1"/>
+          </p:cNvSpPr>
+          <p:nvPr>
+            <p:ph/>
+          </p:nvPr>
+        </p:nvSpPr>
+        <p:spPr>
+          <a:xfrm>
+            <a:off x="360000" y="1485000"/>
+            <a:ext cx="9356760" cy="3776760"/>
+          </a:xfrm>
+          <a:prstGeom prst="rect">
+            <a:avLst/>
+          </a:prstGeom>
+          <a:noFill/>
+          <a:ln w="0">
+            <a:noFill/>
+          </a:ln>
+        </p:spPr>
+        <p:txBody>
+          <a:bodyPr lIns="0" rIns="0" tIns="0" bIns="0" anchor="t">
+            <a:normAutofit fontScale="53000"/>
+          </a:bodyPr>
+          <a:p>
+            <a:pPr marL="432000" indent="-324000">
+              <a:lnSpc>
+                <a:spcPct val="100000"/>
+              </a:lnSpc>
+              <a:spcBef>
+                <a:spcPts val="1417"/>
+              </a:spcBef>
+              <a:buClr>
+                <a:srgbClr val="000000"/>
+              </a:buClr>
+              <a:buSzPct val="45000"/>
+              <a:buFont typeface="Wingdings" charset="2"/>
+              <a:buChar char=""/>
+            </a:pPr>
+            <a:r>
+              <a:rPr b="0" lang="en-US" sz="3200" spc="-1" strike="noStrike">
+                <a:solidFill>
+                  <a:srgbClr val="000000"/>
+                </a:solidFill>
+                <a:latin typeface="Arial"/>
+                <a:ea typeface="Noto Sans CJK SC"/>
+              </a:rPr>
+              <a:t>The rank of the Picard group of a cycle graph is similar to that of a tree.  It is the number of terminal strong components in the graph.</a:t>
+            </a:r>
+            <a:endParaRPr b="0" lang="en-US" sz="3200" spc="-1" strike="noStrike">
+              <a:latin typeface="Arial"/>
+            </a:endParaRPr>
+          </a:p>
+          <a:p>
+            <a:pPr marL="432000" indent="-324000">
+              <a:lnSpc>
+                <a:spcPct val="100000"/>
+              </a:lnSpc>
+              <a:spcBef>
+                <a:spcPts val="1417"/>
+              </a:spcBef>
+              <a:buClr>
+                <a:srgbClr val="000000"/>
+              </a:buClr>
+              <a:buSzPct val="45000"/>
+              <a:buFont typeface="Wingdings" charset="2"/>
+              <a:buChar char=""/>
+            </a:pPr>
+            <a:r>
+              <a:rPr b="0" lang="en-US" sz="3200" spc="-1" strike="noStrike">
+                <a:solidFill>
+                  <a:srgbClr val="000000"/>
+                </a:solidFill>
+                <a:latin typeface="Arial"/>
+                <a:ea typeface="Noto Sans CJK SC"/>
+              </a:rPr>
+              <a:t>The Jacobian of a Cycle graph is more complex than that of a tree, we have proved that there is always some orientation of a cycle such that the Jacobian is trivial or </a:t>
+            </a:r>
+            <a:r>
+              <a:rPr b="0" i="1" lang="en-US" sz="3200" spc="-1" strike="noStrike">
+                <a:solidFill>
+                  <a:srgbClr val="000000"/>
+                </a:solidFill>
+                <a:latin typeface="Arial"/>
+                <a:ea typeface="Noto Sans CJK SC"/>
+              </a:rPr>
+              <a:t>ℤ</a:t>
+            </a:r>
+            <a:r>
+              <a:rPr b="0" i="1" lang="en-US" sz="3200" spc="-1" strike="noStrike" baseline="-8000">
+                <a:solidFill>
+                  <a:srgbClr val="000000"/>
+                </a:solidFill>
+                <a:latin typeface="Arial"/>
+                <a:ea typeface="Noto Sans CJK SC"/>
+              </a:rPr>
+              <a:t>k</a:t>
+            </a:r>
+            <a:r>
+              <a:rPr b="0" lang="en-US" sz="3200" spc="-1" strike="noStrike" baseline="-8000">
+                <a:solidFill>
+                  <a:srgbClr val="000000"/>
+                </a:solidFill>
+                <a:latin typeface="Arial"/>
+                <a:ea typeface="Noto Sans CJK SC"/>
+              </a:rPr>
+              <a:t> </a:t>
+            </a:r>
+            <a:r>
+              <a:rPr b="0" lang="en-US" sz="3200" spc="-1" strike="noStrike">
+                <a:solidFill>
+                  <a:srgbClr val="000000"/>
+                </a:solidFill>
+                <a:latin typeface="Arial"/>
+                <a:ea typeface="Noto Sans CJK SC"/>
+              </a:rPr>
+              <a:t>where </a:t>
+            </a:r>
+            <a:r>
+              <a:rPr b="0" i="1" lang="en-US" sz="3200" spc="-1" strike="noStrike">
+                <a:solidFill>
+                  <a:srgbClr val="000000"/>
+                </a:solidFill>
+                <a:latin typeface="Arial"/>
+                <a:ea typeface="Noto Sans CJK SC"/>
+              </a:rPr>
+              <a:t>k≤n</a:t>
+            </a:r>
+            <a:r>
+              <a:rPr b="0" lang="en-US" sz="3200" spc="-1" strike="noStrike">
+                <a:solidFill>
+                  <a:srgbClr val="000000"/>
+                </a:solidFill>
+                <a:latin typeface="Arial"/>
+                <a:ea typeface="Noto Sans CJK SC"/>
+              </a:rPr>
+              <a:t> when </a:t>
+            </a:r>
+            <a:r>
+              <a:rPr b="0" i="1" lang="en-US" sz="3200" spc="-1" strike="noStrike">
+                <a:solidFill>
+                  <a:srgbClr val="000000"/>
+                </a:solidFill>
+                <a:latin typeface="Arial"/>
+                <a:ea typeface="Noto Sans CJK SC"/>
+              </a:rPr>
+              <a:t>n≥3</a:t>
+            </a:r>
+            <a:r>
+              <a:rPr b="0" lang="en-US" sz="3200" spc="-1" strike="noStrike">
+                <a:solidFill>
+                  <a:srgbClr val="000000"/>
+                </a:solidFill>
+                <a:latin typeface="Arial"/>
+                <a:ea typeface="Noto Sans CJK SC"/>
+              </a:rPr>
+              <a:t>.</a:t>
+            </a:r>
+            <a:endParaRPr b="0" lang="en-US" sz="3200" spc="-1" strike="noStrike">
+              <a:latin typeface="Arial"/>
+            </a:endParaRPr>
+          </a:p>
+          <a:p>
+            <a:pPr lvl="1" marL="864000" indent="-324000">
+              <a:lnSpc>
+                <a:spcPct val="100000"/>
+              </a:lnSpc>
+              <a:spcBef>
+                <a:spcPts val="1134"/>
+              </a:spcBef>
+              <a:buClr>
+                <a:srgbClr val="000000"/>
+              </a:buClr>
+              <a:buSzPct val="75000"/>
+              <a:buFont typeface="Symbol"/>
+              <a:buChar char=""/>
+            </a:pPr>
+            <a:r>
+              <a:rPr b="0" lang="en-US" sz="3200" spc="-1" strike="noStrike">
+                <a:solidFill>
+                  <a:srgbClr val="000000"/>
+                </a:solidFill>
+                <a:latin typeface="Arial"/>
+                <a:ea typeface="Noto Sans CJK SC"/>
+              </a:rPr>
+              <a:t>The most common of these invariant factors are the trivial factor and </a:t>
+            </a:r>
+            <a:r>
+              <a:rPr b="0" i="1" lang="en-US" sz="3200" spc="-1" strike="noStrike">
+                <a:solidFill>
+                  <a:srgbClr val="000000"/>
+                </a:solidFill>
+                <a:latin typeface="Arial"/>
+                <a:ea typeface="Noto Sans CJK SC"/>
+              </a:rPr>
+              <a:t>ℤ</a:t>
+            </a:r>
+            <a:r>
+              <a:rPr b="0" i="1" lang="en-US" sz="3200" spc="-1" strike="noStrike" baseline="-8000">
+                <a:solidFill>
+                  <a:srgbClr val="000000"/>
+                </a:solidFill>
+                <a:latin typeface="Arial"/>
+                <a:ea typeface="Noto Sans CJK SC"/>
+              </a:rPr>
+              <a:t>k</a:t>
+            </a:r>
+            <a:r>
+              <a:rPr b="0" i="1" lang="en-US" sz="3200" spc="-1" strike="noStrike">
+                <a:solidFill>
+                  <a:srgbClr val="000000"/>
+                </a:solidFill>
+                <a:latin typeface="Arial"/>
+                <a:ea typeface="Noto Sans CJK SC"/>
+              </a:rPr>
+              <a:t> </a:t>
+            </a:r>
+            <a:r>
+              <a:rPr b="0" lang="en-US" sz="3200" spc="-1" strike="noStrike">
+                <a:solidFill>
+                  <a:srgbClr val="000000"/>
+                </a:solidFill>
+                <a:latin typeface="Arial"/>
+                <a:ea typeface="Noto Sans CJK SC"/>
+              </a:rPr>
+              <a:t>across all possible orientations.</a:t>
+            </a:r>
+            <a:endParaRPr b="0" lang="en-US" sz="3200" spc="-1" strike="noStrike">
+              <a:latin typeface="Arial"/>
+            </a:endParaRPr>
+          </a:p>
+          <a:p>
+            <a:pPr marL="432000" indent="-324000">
+              <a:lnSpc>
+                <a:spcPct val="100000"/>
+              </a:lnSpc>
+              <a:spcBef>
+                <a:spcPts val="1417"/>
+              </a:spcBef>
+              <a:buClr>
+                <a:srgbClr val="000000"/>
+              </a:buClr>
+              <a:buSzPct val="45000"/>
+              <a:buFont typeface="Wingdings" charset="2"/>
+              <a:buChar char=""/>
+            </a:pPr>
+            <a:r>
+              <a:rPr b="0" lang="en-US" sz="3200" spc="-1" strike="noStrike">
+                <a:solidFill>
+                  <a:srgbClr val="000000"/>
+                </a:solidFill>
+                <a:latin typeface="Arial"/>
+                <a:ea typeface="Noto Sans CJK SC"/>
+              </a:rPr>
+              <a:t>Additionally, we have been able to calculate the Jacobian for any arbitrary cycle graph (</a:t>
+            </a:r>
+            <a:r>
+              <a:rPr b="0" i="1" lang="en-US" sz="3200" spc="-1" strike="noStrike">
+                <a:solidFill>
+                  <a:srgbClr val="000000"/>
+                </a:solidFill>
+                <a:latin typeface="Arial"/>
+                <a:ea typeface="Noto Sans CJK SC"/>
+              </a:rPr>
+              <a:t>C</a:t>
+            </a:r>
+            <a:r>
+              <a:rPr b="0" i="1" lang="en-US" sz="3200" spc="-1" strike="noStrike" baseline="-8000">
+                <a:solidFill>
+                  <a:srgbClr val="000000"/>
+                </a:solidFill>
+                <a:latin typeface="Arial"/>
+                <a:ea typeface="Noto Sans CJK SC"/>
+              </a:rPr>
+              <a:t>n</a:t>
+            </a:r>
+            <a:r>
+              <a:rPr b="0" lang="en-US" sz="3200" spc="-1" strike="noStrike">
+                <a:solidFill>
+                  <a:srgbClr val="000000"/>
+                </a:solidFill>
+                <a:latin typeface="Arial"/>
+                <a:ea typeface="Noto Sans CJK SC"/>
+              </a:rPr>
+              <a:t>)with two </a:t>
+            </a:r>
+            <a:r>
+              <a:rPr b="0" i="1" lang="en-US" sz="3200" spc="-1" strike="noStrike">
+                <a:solidFill>
+                  <a:srgbClr val="000000"/>
+                </a:solidFill>
+                <a:latin typeface="Arial"/>
+                <a:ea typeface="Noto Sans CJK SC"/>
+              </a:rPr>
+              <a:t>paths. </a:t>
+            </a:r>
+            <a:r>
+              <a:rPr b="0" lang="en-US" sz="3200" spc="-1" strike="noStrike">
+                <a:solidFill>
+                  <a:srgbClr val="000000"/>
+                </a:solidFill>
+                <a:latin typeface="Arial"/>
+                <a:ea typeface="Noto Sans CJK SC"/>
+              </a:rPr>
+              <a:t> Here a </a:t>
+            </a:r>
+            <a:r>
+              <a:rPr b="0" i="1" lang="en-US" sz="3200" spc="-1" strike="noStrike">
+                <a:solidFill>
+                  <a:srgbClr val="000000"/>
+                </a:solidFill>
+                <a:latin typeface="Arial"/>
+                <a:ea typeface="Noto Sans CJK SC"/>
+              </a:rPr>
+              <a:t>path</a:t>
+            </a:r>
+            <a:r>
+              <a:rPr b="0" lang="en-US" sz="3200" spc="-1" strike="noStrike">
+                <a:solidFill>
+                  <a:srgbClr val="000000"/>
+                </a:solidFill>
+                <a:latin typeface="Arial"/>
+                <a:ea typeface="Noto Sans CJK SC"/>
+              </a:rPr>
+              <a:t> is a connected sub-graph of </a:t>
+            </a:r>
+            <a:r>
+              <a:rPr b="0" i="1" lang="en-US" sz="3200" spc="-1" strike="noStrike">
+                <a:solidFill>
+                  <a:srgbClr val="000000"/>
+                </a:solidFill>
+                <a:latin typeface="Arial"/>
+                <a:ea typeface="Noto Sans CJK SC"/>
+              </a:rPr>
+              <a:t>C</a:t>
+            </a:r>
+            <a:r>
+              <a:rPr b="0" i="1" lang="en-US" sz="3200" spc="-1" strike="noStrike" baseline="-8000">
+                <a:solidFill>
+                  <a:srgbClr val="000000"/>
+                </a:solidFill>
+                <a:latin typeface="Arial"/>
+                <a:ea typeface="Noto Sans CJK SC"/>
+              </a:rPr>
+              <a:t>n</a:t>
+            </a:r>
+            <a:r>
+              <a:rPr b="0" lang="en-US" sz="3200" spc="-1" strike="noStrike">
+                <a:solidFill>
+                  <a:srgbClr val="000000"/>
+                </a:solidFill>
+                <a:latin typeface="Arial"/>
+                <a:ea typeface="Noto Sans CJK SC"/>
+              </a:rPr>
+              <a:t> in which all arrows are oriented in a single direction or are bidirectional.  In other words, a path is a sub-graph of </a:t>
+            </a:r>
+            <a:r>
+              <a:rPr b="0" i="1" lang="en-US" sz="3200" spc="-1" strike="noStrike">
+                <a:solidFill>
+                  <a:srgbClr val="000000"/>
+                </a:solidFill>
+                <a:latin typeface="Arial"/>
+                <a:ea typeface="Noto Sans CJK SC"/>
+              </a:rPr>
+              <a:t>C</a:t>
+            </a:r>
+            <a:r>
+              <a:rPr b="0" i="1" lang="en-US" sz="3200" spc="-1" strike="noStrike" baseline="-8000">
+                <a:solidFill>
+                  <a:srgbClr val="000000"/>
+                </a:solidFill>
+                <a:latin typeface="Arial"/>
+                <a:ea typeface="Noto Sans CJK SC"/>
+              </a:rPr>
+              <a:t>n</a:t>
+            </a:r>
+            <a:r>
+              <a:rPr b="0" lang="en-US" sz="3200" spc="-1" strike="noStrike">
+                <a:solidFill>
+                  <a:srgbClr val="000000"/>
+                </a:solidFill>
+                <a:latin typeface="Arial"/>
+                <a:ea typeface="Noto Sans CJK SC"/>
+              </a:rPr>
+              <a:t> with one strong terminal component.  These paths either only comprise one edge or are terminated by one appropriate directed edge on each side.</a:t>
+            </a:r>
+            <a:endParaRPr b="0" lang="en-US" sz="3200" spc="-1" strike="noStrike">
+              <a:latin typeface="Arial"/>
+            </a:endParaRPr>
+          </a:p>
+          <a:p>
+            <a:pPr lvl="1" marL="864000" indent="-324000">
+              <a:lnSpc>
+                <a:spcPct val="100000"/>
+              </a:lnSpc>
+              <a:spcBef>
+                <a:spcPts val="1134"/>
+              </a:spcBef>
+              <a:buClr>
+                <a:srgbClr val="000000"/>
+              </a:buClr>
+              <a:buSzPct val="75000"/>
+              <a:buFont typeface="Symbol"/>
+              <a:buChar char=""/>
+            </a:pPr>
+            <a:r>
+              <a:rPr b="0" lang="en-US" sz="3200" spc="-1" strike="noStrike">
+                <a:solidFill>
+                  <a:srgbClr val="000000"/>
+                </a:solidFill>
+                <a:latin typeface="Arial"/>
+                <a:ea typeface="Noto Sans CJK SC"/>
+              </a:rPr>
+              <a:t>For these graphs, the Jacobian is </a:t>
+            </a:r>
+            <a:r>
+              <a:rPr b="0" i="1" lang="en-US" sz="3200" spc="-1" strike="noStrike">
+                <a:solidFill>
+                  <a:srgbClr val="000000"/>
+                </a:solidFill>
+                <a:latin typeface="Arial"/>
+                <a:ea typeface="Noto Sans CJK SC"/>
+              </a:rPr>
+              <a:t>ℤ</a:t>
+            </a:r>
+            <a:r>
+              <a:rPr b="0" i="1" lang="en-US" sz="3200" spc="-1" strike="noStrike" baseline="-8000">
+                <a:solidFill>
+                  <a:srgbClr val="000000"/>
+                </a:solidFill>
+                <a:latin typeface="Arial"/>
+                <a:ea typeface="Noto Sans CJK SC"/>
+              </a:rPr>
+              <a:t>(x+2)</a:t>
+            </a:r>
+            <a:r>
+              <a:rPr b="0" i="1" lang="en-US" sz="3200" spc="-1" strike="noStrike">
+                <a:solidFill>
+                  <a:srgbClr val="000000"/>
+                </a:solidFill>
+                <a:latin typeface="Arial"/>
+                <a:ea typeface="Noto Sans CJK SC"/>
+              </a:rPr>
+              <a:t> </a:t>
+            </a:r>
+            <a:r>
+              <a:rPr b="0" lang="en-US" sz="3200" spc="-1" strike="noStrike">
+                <a:solidFill>
+                  <a:srgbClr val="000000"/>
+                </a:solidFill>
+                <a:latin typeface="Arial"/>
+                <a:ea typeface="Noto Sans CJK SC"/>
+              </a:rPr>
+              <a:t>where</a:t>
+            </a:r>
+            <a:r>
+              <a:rPr b="0" i="1" lang="en-US" sz="3200" spc="-1" strike="noStrike">
+                <a:solidFill>
+                  <a:srgbClr val="000000"/>
+                </a:solidFill>
+                <a:latin typeface="Arial"/>
+                <a:ea typeface="Noto Sans CJK SC"/>
+              </a:rPr>
+              <a:t> x</a:t>
+            </a:r>
+            <a:r>
+              <a:rPr b="0" lang="en-US" sz="3200" spc="-1" strike="noStrike">
+                <a:solidFill>
+                  <a:srgbClr val="000000"/>
+                </a:solidFill>
+                <a:latin typeface="Arial"/>
+                <a:ea typeface="Noto Sans CJK SC"/>
+              </a:rPr>
+              <a:t> is the number of bidirectional edges clockwise of the counter-clockwise path and counter-clockwise of the clockwise path.</a:t>
+            </a:r>
+            <a:endParaRPr b="0" lang="en-US" sz="3200" spc="-1" strike="noStrike">
+              <a:latin typeface="Arial"/>
+            </a:endParaRPr>
+          </a:p>
+        </p:txBody>
+      </p:sp>
+    </p:spTree>
+  </p:cSld>
+  <mc:AlternateContent>
+    <mc:Choice Requires="p14">
+      <p:transition spd="slow" p14:dur="2000"/>
+    </mc:Choice>
+    <mc:Fallback>
+      <p:transition spd="slow"/>
+    </mc:Fallback>
+  </mc:AlternateContent>
+</p:sld>
+</file>
+
+<file path=ppt/slides/slide18.xml><?xml version="1.0" encoding="utf-8"?>
+<p:sld xmlns:a="http://schemas.openxmlformats.org/drawingml/2006/main" xmlns:p="http://schemas.openxmlformats.org/presentationml/2006/main" xmlns:r="http://schemas.openxmlformats.org/officeDocument/2006/relationships" xmlns:p14="http://schemas.microsoft.com/office/powerpoint/2010/main" xmlns:p15="http://schemas.microsoft.com/office/powerpoint/2012/main" xmlns:mc="http://schemas.openxmlformats.org/markup-compatibility/2006">
+  <p:cSld>
+    <p:spTree>
+      <p:nvGrpSpPr>
+        <p:cNvPr id="1" name=""/>
+        <p:cNvGrpSpPr/>
+        <p:nvPr/>
+      </p:nvGrpSpPr>
+      <p:grpSpPr>
+        <a:xfrm>
+          <a:off x="0" y="0"/>
+          <a:ext cx="0" cy="0"/>
+          <a:chOff x="0" y="0"/>
+          <a:chExt cx="0" cy="0"/>
+        </a:xfrm>
+      </p:grpSpPr>
+      <p:sp>
+        <p:nvSpPr>
+          <p:cNvPr id="213" name="PlaceHolder 1"/>
+          <p:cNvSpPr>
+            <a:spLocks noGrp="1"/>
+          </p:cNvSpPr>
+          <p:nvPr>
+            <p:ph type="title"/>
+          </p:nvPr>
+        </p:nvSpPr>
+        <p:spPr>
+          <a:xfrm>
+            <a:off x="360000" y="225720"/>
+            <a:ext cx="9356760" cy="715680"/>
+          </a:xfrm>
+          <a:prstGeom prst="rect">
+            <a:avLst/>
+          </a:prstGeom>
+          <a:noFill/>
+          <a:ln w="0">
+            <a:noFill/>
+          </a:ln>
+        </p:spPr>
+        <p:txBody>
+          <a:bodyPr lIns="0" rIns="0" tIns="0" bIns="0" anchor="ctr">
+            <a:noAutofit/>
+          </a:bodyPr>
+          <a:p>
+            <a:pPr algn="ctr">
+              <a:lnSpc>
+                <a:spcPct val="100000"/>
+              </a:lnSpc>
+              <a:buNone/>
+            </a:pPr>
+            <a:r>
+              <a:rPr b="0" lang="en-US" sz="4400" spc="-1" strike="noStrike">
+                <a:solidFill>
+                  <a:srgbClr val="ffffff"/>
+                </a:solidFill>
+                <a:latin typeface="Arial"/>
+              </a:rPr>
               <a:t>Finding The Jacobian of a Cycle Graph</a:t>
             </a:r>
             <a:endParaRPr b="0" lang="en-US" sz="4400" spc="-1" strike="noStrike">
@@ -12411,7 +12903,7 @@
       </p:sp>
       <p:pic>
         <p:nvPicPr>
-          <p:cNvPr id="210" name="" descr=""/>
+          <p:cNvPr id="214" name="" descr=""/>
           <p:cNvPicPr/>
           <p:nvPr/>
         </p:nvPicPr>
@@ -12422,7 +12914,7 @@
         <p:spPr>
           <a:xfrm>
             <a:off x="2514600" y="2373120"/>
-            <a:ext cx="2932200" cy="2198880"/>
+            <a:ext cx="2931120" cy="2197800"/>
           </a:xfrm>
           <a:prstGeom prst="rect">
             <a:avLst/>
@@ -12434,7 +12926,7 @@
       </p:pic>
       <p:pic>
         <p:nvPicPr>
-          <p:cNvPr id="211" name="" descr=""/>
+          <p:cNvPr id="215" name="" descr=""/>
           <p:cNvPicPr/>
           <p:nvPr/>
         </p:nvPicPr>
@@ -12446,7 +12938,7 @@
         <p:spPr>
           <a:xfrm>
             <a:off x="209520" y="1290960"/>
-            <a:ext cx="2419200" cy="1928520"/>
+            <a:ext cx="2418120" cy="1927440"/>
           </a:xfrm>
           <a:prstGeom prst="rect">
             <a:avLst/>
@@ -12458,7 +12950,7 @@
       </p:pic>
       <p:pic>
         <p:nvPicPr>
-          <p:cNvPr id="212" name="" descr=""/>
+          <p:cNvPr id="216" name="" descr=""/>
           <p:cNvPicPr/>
           <p:nvPr/>
         </p:nvPicPr>
@@ -12470,7 +12962,7 @@
         <p:spPr>
           <a:xfrm>
             <a:off x="0" y="3200400"/>
-            <a:ext cx="2742840" cy="2057400"/>
+            <a:ext cx="2741760" cy="2056320"/>
           </a:xfrm>
           <a:prstGeom prst="rect">
             <a:avLst/>
@@ -12482,14 +12974,14 @@
       </p:pic>
       <p:sp>
         <p:nvSpPr>
-          <p:cNvPr id="213" name=""/>
+          <p:cNvPr id="217" name=""/>
           <p:cNvSpPr/>
           <p:nvPr/>
         </p:nvSpPr>
         <p:spPr>
           <a:xfrm rot="18160800">
-            <a:off x="221040" y="2124720"/>
-            <a:ext cx="1370160" cy="227160"/>
+            <a:off x="219960" y="2125080"/>
+            <a:ext cx="1369080" cy="226080"/>
           </a:xfrm>
           <a:custGeom>
             <a:avLst/>
@@ -12550,14 +13042,14 @@
       </p:sp>
       <p:sp>
         <p:nvSpPr>
-          <p:cNvPr id="214" name=""/>
+          <p:cNvPr id="218" name=""/>
           <p:cNvSpPr/>
           <p:nvPr/>
         </p:nvSpPr>
         <p:spPr>
           <a:xfrm rot="3178800">
-            <a:off x="1719720" y="1999080"/>
-            <a:ext cx="912960" cy="227160"/>
+            <a:off x="1719720" y="1998360"/>
+            <a:ext cx="911880" cy="226080"/>
           </a:xfrm>
           <a:custGeom>
             <a:avLst/>
@@ -12609,14 +13101,14 @@
       </p:sp>
       <p:sp>
         <p:nvSpPr>
-          <p:cNvPr id="215" name=""/>
+          <p:cNvPr id="219" name=""/>
           <p:cNvSpPr/>
           <p:nvPr/>
         </p:nvSpPr>
         <p:spPr>
           <a:xfrm>
             <a:off x="1143000" y="2973240"/>
-            <a:ext cx="912960" cy="227160"/>
+            <a:ext cx="911880" cy="226080"/>
           </a:xfrm>
           <a:custGeom>
             <a:avLst/>
@@ -12668,14 +13160,14 @@
       </p:sp>
       <p:sp>
         <p:nvSpPr>
-          <p:cNvPr id="216" name=""/>
+          <p:cNvPr id="220" name=""/>
           <p:cNvSpPr/>
           <p:nvPr/>
         </p:nvSpPr>
         <p:spPr>
           <a:xfrm rot="18160800">
-            <a:off x="221040" y="4048920"/>
-            <a:ext cx="1370160" cy="227160"/>
+            <a:off x="219960" y="4049280"/>
+            <a:ext cx="1369080" cy="226080"/>
           </a:xfrm>
           <a:custGeom>
             <a:avLst/>
@@ -12736,14 +13228,14 @@
       </p:sp>
       <p:sp>
         <p:nvSpPr>
-          <p:cNvPr id="217" name=""/>
+          <p:cNvPr id="221" name=""/>
           <p:cNvSpPr/>
           <p:nvPr/>
         </p:nvSpPr>
         <p:spPr>
           <a:xfrm rot="14195400">
-            <a:off x="1585800" y="4052520"/>
-            <a:ext cx="1370160" cy="227160"/>
+            <a:off x="1585440" y="4053240"/>
+            <a:ext cx="1369080" cy="226080"/>
           </a:xfrm>
           <a:custGeom>
             <a:avLst/>
@@ -12804,14 +13296,14 @@
       </p:sp>
       <p:sp>
         <p:nvSpPr>
-          <p:cNvPr id="218" name=""/>
+          <p:cNvPr id="222" name=""/>
           <p:cNvSpPr/>
           <p:nvPr/>
         </p:nvSpPr>
         <p:spPr>
           <a:xfrm rot="21568800">
-            <a:off x="832680" y="5021640"/>
-            <a:ext cx="1370160" cy="227160"/>
+            <a:off x="831600" y="5020560"/>
+            <a:ext cx="1369080" cy="226080"/>
           </a:xfrm>
           <a:custGeom>
             <a:avLst/>
@@ -12872,14 +13364,14 @@
       </p:sp>
       <p:sp>
         <p:nvSpPr>
-          <p:cNvPr id="219" name=""/>
+          <p:cNvPr id="223" name=""/>
           <p:cNvSpPr/>
           <p:nvPr/>
         </p:nvSpPr>
         <p:spPr>
           <a:xfrm>
             <a:off x="3657600" y="4116240"/>
-            <a:ext cx="912960" cy="227160"/>
+            <a:ext cx="911880" cy="226080"/>
           </a:xfrm>
           <a:custGeom>
             <a:avLst/>
@@ -12931,14 +13423,14 @@
       </p:sp>
       <p:sp>
         <p:nvSpPr>
-          <p:cNvPr id="220" name=""/>
+          <p:cNvPr id="224" name=""/>
           <p:cNvSpPr/>
           <p:nvPr/>
         </p:nvSpPr>
         <p:spPr>
           <a:xfrm rot="13918800">
-            <a:off x="4201920" y="3114360"/>
-            <a:ext cx="912960" cy="227160"/>
+            <a:off x="4201560" y="3115080"/>
+            <a:ext cx="911880" cy="226080"/>
           </a:xfrm>
           <a:custGeom>
             <a:avLst/>
@@ -12990,14 +13482,14 @@
       </p:sp>
       <p:sp>
         <p:nvSpPr>
-          <p:cNvPr id="221" name=""/>
+          <p:cNvPr id="225" name=""/>
           <p:cNvSpPr/>
           <p:nvPr/>
         </p:nvSpPr>
         <p:spPr>
           <a:xfrm rot="7579800">
-            <a:off x="2877120" y="3293280"/>
-            <a:ext cx="912960" cy="227160"/>
+            <a:off x="2877840" y="3292920"/>
+            <a:ext cx="911880" cy="226080"/>
           </a:xfrm>
           <a:custGeom>
             <a:avLst/>
@@ -13049,7 +13541,7 @@
       </p:sp>
       <p:pic>
         <p:nvPicPr>
-          <p:cNvPr id="222" name="" descr=""/>
+          <p:cNvPr id="226" name="" descr=""/>
           <p:cNvPicPr/>
           <p:nvPr/>
         </p:nvPicPr>
@@ -13060,7 +13552,7 @@
         <p:spPr>
           <a:xfrm>
             <a:off x="5181840" y="1600200"/>
-            <a:ext cx="4876560" cy="3657600"/>
+            <a:ext cx="4875480" cy="3656520"/>
           </a:xfrm>
           <a:prstGeom prst="rect">
             <a:avLst/>
@@ -13070,734 +13562,6 @@
           </a:ln>
         </p:spPr>
       </p:pic>
-    </p:spTree>
-  </p:cSld>
-  <mc:AlternateContent>
-    <mc:Choice Requires="p14">
-      <p:transition spd="slow" p14:dur="2000"/>
-    </mc:Choice>
-    <mc:Fallback>
-      <p:transition spd="slow"/>
-    </mc:Fallback>
-  </mc:AlternateContent>
-</p:sld>
-</file>
-
-<file path=ppt/slides/slide17.xml><?xml version="1.0" encoding="utf-8"?>
-<p:sld xmlns:a="http://schemas.openxmlformats.org/drawingml/2006/main" xmlns:p="http://schemas.openxmlformats.org/presentationml/2006/main" xmlns:r="http://schemas.openxmlformats.org/officeDocument/2006/relationships" xmlns:p14="http://schemas.microsoft.com/office/powerpoint/2010/main" xmlns:p15="http://schemas.microsoft.com/office/powerpoint/2012/main" xmlns:mc="http://schemas.openxmlformats.org/markup-compatibility/2006">
-  <p:cSld>
-    <p:spTree>
-      <p:nvGrpSpPr>
-        <p:cNvPr id="1" name=""/>
-        <p:cNvGrpSpPr/>
-        <p:nvPr/>
-      </p:nvGrpSpPr>
-      <p:grpSpPr>
-        <a:xfrm>
-          <a:off x="0" y="0"/>
-          <a:ext cx="0" cy="0"/>
-          <a:chOff x="0" y="0"/>
-          <a:chExt cx="0" cy="0"/>
-        </a:xfrm>
-      </p:grpSpPr>
-      <p:sp>
-        <p:nvSpPr>
-          <p:cNvPr id="223" name="PlaceHolder 1"/>
-          <p:cNvSpPr>
-            <a:spLocks noGrp="1"/>
-          </p:cNvSpPr>
-          <p:nvPr>
-            <p:ph type="title"/>
-          </p:nvPr>
-        </p:nvSpPr>
-        <p:spPr>
-          <a:xfrm>
-            <a:off x="360000" y="-39960"/>
-            <a:ext cx="9357840" cy="1248480"/>
-          </a:xfrm>
-          <a:prstGeom prst="rect">
-            <a:avLst/>
-          </a:prstGeom>
-          <a:noFill/>
-          <a:ln w="0">
-            <a:noFill/>
-          </a:ln>
-        </p:spPr>
-        <p:txBody>
-          <a:bodyPr lIns="0" rIns="0" tIns="0" bIns="0" anchor="ctr">
-            <a:noAutofit/>
-          </a:bodyPr>
-          <a:p>
-            <a:pPr algn="ctr">
-              <a:lnSpc>
-                <a:spcPct val="100000"/>
-              </a:lnSpc>
-              <a:buNone/>
-            </a:pPr>
-            <a:r>
-              <a:rPr b="0" lang="en-US" sz="4400" spc="-1" strike="noStrike">
-                <a:solidFill>
-                  <a:srgbClr val="ffffff"/>
-                </a:solidFill>
-                <a:latin typeface="Arial"/>
-              </a:rPr>
-              <a:t>Finding The Picard Group of a Wheel Graph</a:t>
-            </a:r>
-            <a:endParaRPr b="0" lang="en-US" sz="4400" spc="-1" strike="noStrike">
-              <a:latin typeface="Arial"/>
-            </a:endParaRPr>
-          </a:p>
-        </p:txBody>
-      </p:sp>
-      <p:sp>
-        <p:nvSpPr>
-          <p:cNvPr id="224" name="PlaceHolder 2"/>
-          <p:cNvSpPr>
-            <a:spLocks noGrp="1"/>
-          </p:cNvSpPr>
-          <p:nvPr>
-            <p:ph/>
-          </p:nvPr>
-        </p:nvSpPr>
-        <p:spPr>
-          <a:xfrm>
-            <a:off x="360000" y="1485000"/>
-            <a:ext cx="9357840" cy="3777840"/>
-          </a:xfrm>
-          <a:prstGeom prst="rect">
-            <a:avLst/>
-          </a:prstGeom>
-          <a:noFill/>
-          <a:ln w="0">
-            <a:noFill/>
-          </a:ln>
-        </p:spPr>
-        <p:txBody>
-          <a:bodyPr lIns="0" rIns="0" tIns="0" bIns="0" anchor="t">
-            <a:normAutofit fontScale="54000"/>
-          </a:bodyPr>
-          <a:p>
-            <a:pPr marL="432000" indent="-324000">
-              <a:lnSpc>
-                <a:spcPct val="100000"/>
-              </a:lnSpc>
-              <a:spcBef>
-                <a:spcPts val="1417"/>
-              </a:spcBef>
-              <a:buClr>
-                <a:srgbClr val="000000"/>
-              </a:buClr>
-              <a:buSzPct val="45000"/>
-              <a:buFont typeface="Wingdings" charset="2"/>
-              <a:buChar char=""/>
-            </a:pPr>
-            <a:r>
-              <a:rPr b="0" lang="en-US" sz="3200" spc="-1" strike="noStrike">
-                <a:solidFill>
-                  <a:srgbClr val="000000"/>
-                </a:solidFill>
-                <a:latin typeface="Arial"/>
-                <a:ea typeface="Noto Sans CJK SC"/>
-              </a:rPr>
-              <a:t>For wheel graphs, we looked for patterns that arose within the invariant factors of the Jacobian as a general formula was not immediately obvious.  For this strategy, we broke the edges of the wheel graph into their two most obvious groups, those belonging to the rim of the wheel and those of the spokes.  By orienting all the edges of either group the same way and trying all nine combinations, we noticed a well-defined pattern for each as the size of the wheel graph changed. These patterns fell into four distinct groups.</a:t>
-            </a:r>
-            <a:endParaRPr b="0" lang="en-US" sz="3200" spc="-1" strike="noStrike">
-              <a:latin typeface="Arial"/>
-            </a:endParaRPr>
-          </a:p>
-          <a:p>
-            <a:pPr marL="432000" indent="-324000">
-              <a:lnSpc>
-                <a:spcPct val="100000"/>
-              </a:lnSpc>
-              <a:spcBef>
-                <a:spcPts val="1417"/>
-              </a:spcBef>
-              <a:buClr>
-                <a:srgbClr val="000000"/>
-              </a:buClr>
-              <a:buSzPct val="45000"/>
-              <a:buFont typeface="Wingdings" charset="2"/>
-              <a:buChar char=""/>
-            </a:pPr>
-            <a:r>
-              <a:rPr b="0" lang="en-US" sz="3200" spc="-1" strike="noStrike">
-                <a:solidFill>
-                  <a:srgbClr val="000000"/>
-                </a:solidFill>
-                <a:latin typeface="Arial"/>
-                <a:ea typeface="Noto Sans CJK SC"/>
-              </a:rPr>
-              <a:t>The most interesting of these cases was for graphs whose rims were bidirectional and whose spokes pointed inward.  This orientation produces a result very similar to that of an undirected wheel graph where the Jacobians followed the pattern of </a:t>
-            </a:r>
-            <a:r>
-              <a:rPr b="0" i="1" lang="en-US" sz="3200" spc="-1" strike="noStrike">
-                <a:solidFill>
-                  <a:srgbClr val="000000"/>
-                </a:solidFill>
-                <a:latin typeface="Arial"/>
-                <a:ea typeface="Noto Sans CJK SC"/>
-              </a:rPr>
-              <a:t>ℤ</a:t>
-            </a:r>
-            <a:r>
-              <a:rPr b="0" i="1" lang="en-US" sz="3200" spc="-1" strike="noStrike" baseline="-8000">
-                <a:solidFill>
-                  <a:srgbClr val="000000"/>
-                </a:solidFill>
-                <a:latin typeface="Arial"/>
-                <a:ea typeface="Noto Sans CJK SC"/>
-              </a:rPr>
-              <a:t>αφ^n </a:t>
-            </a:r>
-            <a:r>
-              <a:rPr b="0" i="1" lang="en-US" sz="3200" spc="-1" strike="noStrike">
-                <a:solidFill>
-                  <a:srgbClr val="000000"/>
-                </a:solidFill>
-                <a:latin typeface="Arial"/>
-                <a:ea typeface="Noto Sans CJK SC"/>
-              </a:rPr>
-              <a:t>x ℤ</a:t>
-            </a:r>
-            <a:r>
-              <a:rPr b="0" i="1" lang="en-US" sz="3200" spc="-1" strike="noStrike" baseline="-8000">
-                <a:solidFill>
-                  <a:srgbClr val="000000"/>
-                </a:solidFill>
-                <a:latin typeface="Arial"/>
-                <a:ea typeface="Noto Sans CJK SC"/>
-              </a:rPr>
-              <a:t>cαφ^n</a:t>
-            </a:r>
-            <a:r>
-              <a:rPr b="0" lang="en-US" sz="3200" spc="-1" strike="noStrike">
-                <a:solidFill>
-                  <a:srgbClr val="000000"/>
-                </a:solidFill>
-                <a:latin typeface="Arial"/>
-                <a:ea typeface="Noto Sans CJK SC"/>
-              </a:rPr>
-              <a:t> when the size was odd where </a:t>
-            </a:r>
-            <a:r>
-              <a:rPr b="0" i="1" lang="en-US" sz="3200" spc="-1" strike="noStrike">
-                <a:solidFill>
-                  <a:srgbClr val="000000"/>
-                </a:solidFill>
-                <a:latin typeface="Arial"/>
-                <a:ea typeface="Noto Sans CJK SC"/>
-              </a:rPr>
-              <a:t>α≊0.27555</a:t>
-            </a:r>
-            <a:r>
-              <a:rPr b="0" lang="en-US" sz="3200" spc="-1" strike="noStrike">
-                <a:solidFill>
-                  <a:srgbClr val="000000"/>
-                </a:solidFill>
-                <a:latin typeface="Arial"/>
-                <a:ea typeface="Noto Sans CJK SC"/>
-              </a:rPr>
-              <a:t> and </a:t>
-            </a:r>
-            <a:r>
-              <a:rPr b="0" i="1" lang="en-US" sz="3200" spc="-1" strike="noStrike">
-                <a:solidFill>
-                  <a:srgbClr val="000000"/>
-                </a:solidFill>
-                <a:latin typeface="Arial"/>
-                <a:ea typeface="Noto Sans CJK SC"/>
-              </a:rPr>
-              <a:t>ℤ</a:t>
-            </a:r>
-            <a:r>
-              <a:rPr b="0" i="1" lang="en-US" sz="3200" spc="-1" strike="noStrike" baseline="-8000">
-                <a:solidFill>
-                  <a:srgbClr val="000000"/>
-                </a:solidFill>
-                <a:latin typeface="Arial"/>
-                <a:ea typeface="Noto Sans CJK SC"/>
-              </a:rPr>
-              <a:t>βφ^n </a:t>
-            </a:r>
-            <a:r>
-              <a:rPr b="0" i="1" lang="en-US" sz="3200" spc="-1" strike="noStrike">
-                <a:solidFill>
-                  <a:srgbClr val="000000"/>
-                </a:solidFill>
-                <a:latin typeface="Arial"/>
-                <a:ea typeface="Noto Sans CJK SC"/>
-              </a:rPr>
-              <a:t>x ℤ</a:t>
-            </a:r>
-            <a:r>
-              <a:rPr b="0" i="1" lang="en-US" sz="3200" spc="-1" strike="noStrike" baseline="-8000">
-                <a:solidFill>
-                  <a:srgbClr val="000000"/>
-                </a:solidFill>
-                <a:latin typeface="Arial"/>
-                <a:ea typeface="Noto Sans CJK SC"/>
-              </a:rPr>
-              <a:t>βφ^n</a:t>
-            </a:r>
-            <a:r>
-              <a:rPr b="0" lang="en-US" sz="3200" spc="-1" strike="noStrike">
-                <a:solidFill>
-                  <a:srgbClr val="000000"/>
-                </a:solidFill>
-                <a:latin typeface="Arial"/>
-                <a:ea typeface="Noto Sans CJK SC"/>
-              </a:rPr>
-              <a:t> when the size was even where </a:t>
-            </a:r>
-            <a:r>
-              <a:rPr b="0" i="1" lang="en-US" sz="3200" spc="-1" strike="noStrike">
-                <a:solidFill>
-                  <a:srgbClr val="000000"/>
-                </a:solidFill>
-                <a:latin typeface="Arial"/>
-                <a:ea typeface="Noto Sans CJK SC"/>
-              </a:rPr>
-              <a:t>β≊0.618035</a:t>
-            </a:r>
-            <a:r>
-              <a:rPr b="0" lang="en-US" sz="3200" spc="-1" strike="noStrike">
-                <a:solidFill>
-                  <a:srgbClr val="000000"/>
-                </a:solidFill>
-                <a:latin typeface="Arial"/>
-                <a:ea typeface="Noto Sans CJK SC"/>
-              </a:rPr>
-              <a:t>.  In both of these patterns, φ represents the golden ratio.</a:t>
-            </a:r>
-            <a:endParaRPr b="0" lang="en-US" sz="3200" spc="-1" strike="noStrike">
-              <a:latin typeface="Arial"/>
-            </a:endParaRPr>
-          </a:p>
-          <a:p>
-            <a:pPr lvl="1" marL="864000" indent="-324000">
-              <a:lnSpc>
-                <a:spcPct val="100000"/>
-              </a:lnSpc>
-              <a:spcBef>
-                <a:spcPts val="1134"/>
-              </a:spcBef>
-              <a:buClr>
-                <a:srgbClr val="000000"/>
-              </a:buClr>
-              <a:buSzPct val="75000"/>
-              <a:buFont typeface="Symbol" charset="2"/>
-              <a:buChar char=""/>
-            </a:pPr>
-            <a:r>
-              <a:rPr b="0" lang="en-US" sz="3200" spc="-1" strike="noStrike">
-                <a:solidFill>
-                  <a:srgbClr val="000000"/>
-                </a:solidFill>
-                <a:latin typeface="Arial"/>
-                <a:ea typeface="Noto Sans CJK SC"/>
-              </a:rPr>
-              <a:t>In our directed case, </a:t>
-            </a:r>
-            <a:r>
-              <a:rPr b="0" i="1" lang="en-US" sz="3200" spc="-1" strike="noStrike">
-                <a:solidFill>
-                  <a:srgbClr val="000000"/>
-                </a:solidFill>
-                <a:latin typeface="Arial"/>
-                <a:ea typeface="Noto Sans CJK SC"/>
-              </a:rPr>
-              <a:t>c=4</a:t>
-            </a:r>
-            <a:r>
-              <a:rPr b="0" lang="en-US" sz="3200" spc="-1" strike="noStrike">
-                <a:solidFill>
-                  <a:srgbClr val="000000"/>
-                </a:solidFill>
-                <a:latin typeface="Arial"/>
-                <a:ea typeface="Noto Sans CJK SC"/>
-              </a:rPr>
-              <a:t> while in the undirected case, </a:t>
-            </a:r>
-            <a:r>
-              <a:rPr b="0" i="1" lang="en-US" sz="3200" spc="-1" strike="noStrike">
-                <a:solidFill>
-                  <a:srgbClr val="000000"/>
-                </a:solidFill>
-                <a:latin typeface="Arial"/>
-                <a:ea typeface="Noto Sans CJK SC"/>
-              </a:rPr>
-              <a:t>c=5</a:t>
-            </a:r>
-            <a:r>
-              <a:rPr b="0" lang="en-US" sz="3200" spc="-1" strike="noStrike">
-                <a:solidFill>
-                  <a:srgbClr val="000000"/>
-                </a:solidFill>
-                <a:latin typeface="Arial"/>
-                <a:ea typeface="Noto Sans CJK SC"/>
-              </a:rPr>
-              <a:t>.</a:t>
-            </a:r>
-            <a:endParaRPr b="0" lang="en-US" sz="3200" spc="-1" strike="noStrike">
-              <a:latin typeface="Arial"/>
-            </a:endParaRPr>
-          </a:p>
-          <a:p>
-            <a:pPr lvl="1" marL="864000" indent="-324000">
-              <a:lnSpc>
-                <a:spcPct val="100000"/>
-              </a:lnSpc>
-              <a:spcBef>
-                <a:spcPts val="1134"/>
-              </a:spcBef>
-              <a:buClr>
-                <a:srgbClr val="000000"/>
-              </a:buClr>
-              <a:buSzPct val="75000"/>
-              <a:buFont typeface="Symbol" charset="2"/>
-              <a:buChar char=""/>
-            </a:pPr>
-            <a:r>
-              <a:rPr b="0" lang="en-US" sz="3200" spc="-1" strike="noStrike">
-                <a:solidFill>
-                  <a:srgbClr val="000000"/>
-                </a:solidFill>
-                <a:latin typeface="Arial"/>
-                <a:ea typeface="Noto Sans CJK SC"/>
-              </a:rPr>
-              <a:t>This can also be modeled as a series similar to the Lucas numbers.</a:t>
-            </a:r>
-            <a:endParaRPr b="0" lang="en-US" sz="3200" spc="-1" strike="noStrike">
-              <a:latin typeface="Arial"/>
-            </a:endParaRPr>
-          </a:p>
-        </p:txBody>
-      </p:sp>
-    </p:spTree>
-  </p:cSld>
-  <mc:AlternateContent>
-    <mc:Choice Requires="p14">
-      <p:transition spd="slow" p14:dur="2000"/>
-    </mc:Choice>
-    <mc:Fallback>
-      <p:transition spd="slow"/>
-    </mc:Fallback>
-  </mc:AlternateContent>
-</p:sld>
-</file>
-
-<file path=ppt/slides/slide18.xml><?xml version="1.0" encoding="utf-8"?>
-<p:sld xmlns:a="http://schemas.openxmlformats.org/drawingml/2006/main" xmlns:p="http://schemas.openxmlformats.org/presentationml/2006/main" xmlns:r="http://schemas.openxmlformats.org/officeDocument/2006/relationships" xmlns:p14="http://schemas.microsoft.com/office/powerpoint/2010/main" xmlns:p15="http://schemas.microsoft.com/office/powerpoint/2012/main" xmlns:mc="http://schemas.openxmlformats.org/markup-compatibility/2006">
-  <p:cSld>
-    <p:spTree>
-      <p:nvGrpSpPr>
-        <p:cNvPr id="1" name=""/>
-        <p:cNvGrpSpPr/>
-        <p:nvPr/>
-      </p:nvGrpSpPr>
-      <p:grpSpPr>
-        <a:xfrm>
-          <a:off x="0" y="0"/>
-          <a:ext cx="0" cy="0"/>
-          <a:chOff x="0" y="0"/>
-          <a:chExt cx="0" cy="0"/>
-        </a:xfrm>
-      </p:grpSpPr>
-      <p:sp>
-        <p:nvSpPr>
-          <p:cNvPr id="225" name="PlaceHolder 1"/>
-          <p:cNvSpPr>
-            <a:spLocks noGrp="1"/>
-          </p:cNvSpPr>
-          <p:nvPr>
-            <p:ph type="title"/>
-          </p:nvPr>
-        </p:nvSpPr>
-        <p:spPr>
-          <a:xfrm>
-            <a:off x="360000" y="-39960"/>
-            <a:ext cx="9357840" cy="1248480"/>
-          </a:xfrm>
-          <a:prstGeom prst="rect">
-            <a:avLst/>
-          </a:prstGeom>
-          <a:noFill/>
-          <a:ln w="0">
-            <a:noFill/>
-          </a:ln>
-        </p:spPr>
-        <p:txBody>
-          <a:bodyPr lIns="0" rIns="0" tIns="0" bIns="0" anchor="ctr">
-            <a:noAutofit/>
-          </a:bodyPr>
-          <a:p>
-            <a:pPr algn="ctr">
-              <a:lnSpc>
-                <a:spcPct val="100000"/>
-              </a:lnSpc>
-              <a:buNone/>
-            </a:pPr>
-            <a:r>
-              <a:rPr b="0" lang="en-US" sz="4400" spc="-1" strike="noStrike">
-                <a:solidFill>
-                  <a:srgbClr val="ffffff"/>
-                </a:solidFill>
-                <a:latin typeface="Arial"/>
-              </a:rPr>
-              <a:t>Connections Between Wheel and Cycle Graphs</a:t>
-            </a:r>
-            <a:endParaRPr b="0" lang="en-US" sz="4400" spc="-1" strike="noStrike">
-              <a:latin typeface="Arial"/>
-            </a:endParaRPr>
-          </a:p>
-        </p:txBody>
-      </p:sp>
-      <p:sp>
-        <p:nvSpPr>
-          <p:cNvPr id="226" name="PlaceHolder 2"/>
-          <p:cNvSpPr>
-            <a:spLocks noGrp="1"/>
-          </p:cNvSpPr>
-          <p:nvPr>
-            <p:ph/>
-          </p:nvPr>
-        </p:nvSpPr>
-        <p:spPr>
-          <a:xfrm>
-            <a:off x="360000" y="1485000"/>
-            <a:ext cx="9357840" cy="3777840"/>
-          </a:xfrm>
-          <a:prstGeom prst="rect">
-            <a:avLst/>
-          </a:prstGeom>
-          <a:noFill/>
-          <a:ln w="0">
-            <a:noFill/>
-          </a:ln>
-        </p:spPr>
-        <p:txBody>
-          <a:bodyPr lIns="0" rIns="0" tIns="0" bIns="0" anchor="t">
-            <a:normAutofit fontScale="64000"/>
-          </a:bodyPr>
-          <a:p>
-            <a:pPr marL="432000" indent="-324000">
-              <a:lnSpc>
-                <a:spcPct val="100000"/>
-              </a:lnSpc>
-              <a:spcBef>
-                <a:spcPts val="1417"/>
-              </a:spcBef>
-              <a:buClr>
-                <a:srgbClr val="000000"/>
-              </a:buClr>
-              <a:buSzPct val="45000"/>
-              <a:buFont typeface="Wingdings" charset="2"/>
-              <a:buChar char=""/>
-            </a:pPr>
-            <a:r>
-              <a:rPr b="0" lang="en-US" sz="3200" spc="-1" strike="noStrike">
-                <a:solidFill>
-                  <a:srgbClr val="000000"/>
-                </a:solidFill>
-                <a:latin typeface="Arial"/>
-                <a:ea typeface="Noto Sans CJK SC"/>
-              </a:rPr>
-              <a:t>During our experiments with wheel graphs whose spokes pointed outward, their Picard groups behave similarly to the cycle graph one size smaller, as if the central vertex was not there at all.  This was true for any arbitrary orientation of the rim that we tried.</a:t>
-            </a:r>
-            <a:endParaRPr b="0" lang="en-US" sz="3200" spc="-1" strike="noStrike">
-              <a:latin typeface="Arial"/>
-            </a:endParaRPr>
-          </a:p>
-          <a:p>
-            <a:pPr marL="432000" indent="-324000">
-              <a:lnSpc>
-                <a:spcPct val="100000"/>
-              </a:lnSpc>
-              <a:spcBef>
-                <a:spcPts val="1417"/>
-              </a:spcBef>
-              <a:buClr>
-                <a:srgbClr val="000000"/>
-              </a:buClr>
-              <a:buSzPct val="45000"/>
-              <a:buFont typeface="Wingdings" charset="2"/>
-              <a:buChar char=""/>
-            </a:pPr>
-            <a:r>
-              <a:rPr b="0" lang="en-US" sz="3200" spc="-1" strike="noStrike">
-                <a:solidFill>
-                  <a:srgbClr val="000000"/>
-                </a:solidFill>
-                <a:latin typeface="Arial"/>
-                <a:ea typeface="Noto Sans CJK SC"/>
-              </a:rPr>
-              <a:t>This is due to the fact that chips are only fired along outgoing edges.  If all of the spokes point outward, the vertices on the rim cannot interact with the axle, functioning similarly to a cycle graph.</a:t>
-            </a:r>
-            <a:endParaRPr b="0" lang="en-US" sz="3200" spc="-1" strike="noStrike">
-              <a:latin typeface="Arial"/>
-            </a:endParaRPr>
-          </a:p>
-          <a:p>
-            <a:pPr marL="432000" indent="-324000">
-              <a:lnSpc>
-                <a:spcPct val="100000"/>
-              </a:lnSpc>
-              <a:spcBef>
-                <a:spcPts val="1417"/>
-              </a:spcBef>
-              <a:buClr>
-                <a:srgbClr val="000000"/>
-              </a:buClr>
-              <a:buSzPct val="45000"/>
-              <a:buFont typeface="Wingdings" charset="2"/>
-              <a:buChar char=""/>
-            </a:pPr>
-            <a:r>
-              <a:rPr b="0" lang="en-US" sz="3200" spc="-1" strike="noStrike">
-                <a:solidFill>
-                  <a:srgbClr val="000000"/>
-                </a:solidFill>
-                <a:latin typeface="Arial"/>
-                <a:ea typeface="Noto Sans CJK SC"/>
-              </a:rPr>
-              <a:t>These relations are also split into several cases, for example:</a:t>
-            </a:r>
-            <a:endParaRPr b="0" lang="en-US" sz="3200" spc="-1" strike="noStrike">
-              <a:latin typeface="Arial"/>
-            </a:endParaRPr>
-          </a:p>
-          <a:p>
-            <a:pPr lvl="1" marL="864000" indent="-324000">
-              <a:lnSpc>
-                <a:spcPct val="100000"/>
-              </a:lnSpc>
-              <a:spcBef>
-                <a:spcPts val="1134"/>
-              </a:spcBef>
-              <a:buClr>
-                <a:srgbClr val="000000"/>
-              </a:buClr>
-              <a:buSzPct val="75000"/>
-              <a:buFont typeface="Symbol" charset="2"/>
-              <a:buChar char=""/>
-            </a:pPr>
-            <a:r>
-              <a:rPr b="0" lang="en-US" sz="3200" spc="-1" strike="noStrike">
-                <a:solidFill>
-                  <a:srgbClr val="000000"/>
-                </a:solidFill>
-                <a:latin typeface="Arial"/>
-                <a:ea typeface="Noto Sans CJK SC"/>
-              </a:rPr>
-              <a:t>For even wheel graphs, arbitrary Picard groups of wheel graphs of size </a:t>
-            </a:r>
-            <a:r>
-              <a:rPr b="0" i="1" lang="en-US" sz="3200" spc="-1" strike="noStrike">
-                <a:solidFill>
-                  <a:srgbClr val="000000"/>
-                </a:solidFill>
-                <a:latin typeface="Arial"/>
-                <a:ea typeface="Noto Sans CJK SC"/>
-              </a:rPr>
-              <a:t>n</a:t>
-            </a:r>
-            <a:r>
-              <a:rPr b="0" lang="en-US" sz="3200" spc="-1" strike="noStrike">
-                <a:solidFill>
-                  <a:srgbClr val="000000"/>
-                </a:solidFill>
-                <a:latin typeface="Arial"/>
-                <a:ea typeface="Noto Sans CJK SC"/>
-              </a:rPr>
-              <a:t> appear to be </a:t>
-            </a:r>
-            <a:r>
-              <a:rPr b="0" i="1" lang="en-US" sz="3200" spc="-1" strike="noStrike">
-                <a:solidFill>
-                  <a:srgbClr val="000000"/>
-                </a:solidFill>
-                <a:latin typeface="Arial"/>
-                <a:ea typeface="Noto Sans CJK SC"/>
-              </a:rPr>
-              <a:t>ℤ</a:t>
-            </a:r>
-            <a:r>
-              <a:rPr b="0" i="1" lang="en-US" sz="3200" spc="-1" strike="noStrike" baseline="-8000">
-                <a:solidFill>
-                  <a:srgbClr val="000000"/>
-                </a:solidFill>
-                <a:latin typeface="Arial"/>
-                <a:ea typeface="Noto Sans CJK SC"/>
-              </a:rPr>
-              <a:t>(n-1)*a</a:t>
-            </a:r>
-            <a:r>
-              <a:rPr b="0" i="1" lang="en-US" sz="3200" spc="-1" strike="noStrike">
-                <a:solidFill>
-                  <a:srgbClr val="000000"/>
-                </a:solidFill>
-                <a:latin typeface="Arial"/>
-                <a:ea typeface="Noto Sans CJK SC"/>
-              </a:rPr>
-              <a:t> x ℤ</a:t>
-            </a:r>
-            <a:r>
-              <a:rPr b="0" lang="en-US" sz="3200" spc="-1" strike="noStrike">
-                <a:solidFill>
-                  <a:srgbClr val="000000"/>
-                </a:solidFill>
-                <a:latin typeface="Arial"/>
-                <a:ea typeface="Noto Sans CJK SC"/>
-              </a:rPr>
-              <a:t> where a is in the Picard group of cycle graph </a:t>
-            </a:r>
-            <a:r>
-              <a:rPr b="0" i="1" lang="en-US" sz="3200" spc="-1" strike="noStrike">
-                <a:solidFill>
-                  <a:srgbClr val="000000"/>
-                </a:solidFill>
-                <a:latin typeface="Arial"/>
-                <a:ea typeface="Noto Sans CJK SC"/>
-              </a:rPr>
-              <a:t>n-1 ℤ</a:t>
-            </a:r>
-            <a:r>
-              <a:rPr b="0" i="1" lang="en-US" sz="3200" spc="-1" strike="noStrike" baseline="-8000">
-                <a:solidFill>
-                  <a:srgbClr val="000000"/>
-                </a:solidFill>
-                <a:latin typeface="Arial"/>
-                <a:ea typeface="Noto Sans CJK SC"/>
-              </a:rPr>
-              <a:t>a</a:t>
-            </a:r>
-            <a:r>
-              <a:rPr b="0" i="1" lang="en-US" sz="3200" spc="-1" strike="noStrike">
-                <a:solidFill>
-                  <a:srgbClr val="000000"/>
-                </a:solidFill>
-                <a:latin typeface="Arial"/>
-                <a:ea typeface="Noto Sans CJK SC"/>
-              </a:rPr>
-              <a:t> x ℤ </a:t>
-            </a:r>
-            <a:r>
-              <a:rPr b="0" lang="en-US" sz="3200" spc="-1" strike="noStrike">
-                <a:solidFill>
-                  <a:srgbClr val="000000"/>
-                </a:solidFill>
-                <a:latin typeface="Arial"/>
-                <a:ea typeface="Noto Sans CJK SC"/>
-              </a:rPr>
-              <a:t>when all spokes point outward.</a:t>
-            </a:r>
-            <a:endParaRPr b="0" lang="en-US" sz="3200" spc="-1" strike="noStrike">
-              <a:latin typeface="Arial"/>
-            </a:endParaRPr>
-          </a:p>
-        </p:txBody>
-      </p:sp>
     </p:spTree>
   </p:cSld>
   <mc:AlternateContent>
@@ -13841,7 +13605,7 @@
         <p:spPr>
           <a:xfrm>
             <a:off x="360000" y="-39960"/>
-            <a:ext cx="9357840" cy="1248480"/>
+            <a:ext cx="9356760" cy="1247400"/>
           </a:xfrm>
           <a:prstGeom prst="rect">
             <a:avLst/>
@@ -13869,7 +13633,7 @@
                 </a:solidFill>
                 <a:latin typeface="Arial"/>
               </a:rPr>
-              <a:t>Finding The Picard Group of a Multipartite Graph</a:t>
+              <a:t>Finding The Picard Group of a Wheel Graph</a:t>
             </a:r>
             <a:endParaRPr b="0" lang="en-US" sz="4400" spc="-1" strike="noStrike">
               <a:latin typeface="Arial"/>
@@ -13890,7 +13654,7 @@
         <p:spPr>
           <a:xfrm>
             <a:off x="360000" y="1485000"/>
-            <a:ext cx="9357840" cy="3777840"/>
+            <a:ext cx="9356760" cy="3776760"/>
           </a:xfrm>
           <a:prstGeom prst="rect">
             <a:avLst/>
@@ -13902,10 +13666,13 @@
         </p:spPr>
         <p:txBody>
           <a:bodyPr lIns="0" rIns="0" tIns="0" bIns="0" anchor="t">
-            <a:normAutofit fontScale="60000"/>
+            <a:normAutofit fontScale="54000"/>
           </a:bodyPr>
           <a:p>
             <a:pPr marL="432000" indent="-324000">
+              <a:lnSpc>
+                <a:spcPct val="100000"/>
+              </a:lnSpc>
               <a:spcBef>
                 <a:spcPts val="1417"/>
               </a:spcBef>
@@ -13918,45 +13685,13 @@
             </a:pPr>
             <a:r>
               <a:rPr b="0" lang="en-US" sz="3200" spc="-1" strike="noStrike">
-                <a:latin typeface="Arial"/>
-              </a:rPr>
-              <a:t>The  structure  of  the  graphs  that  we  investigate  are  intentionally  designed  to  resemble  artificial neural networks.  To further facilitate this comparison, we direct all edges </a:t>
-            </a:r>
-            <a:r>
-              <a:rPr b="0" i="1" lang="en-US" sz="3200" spc="-1" strike="noStrike">
-                <a:latin typeface="Arial"/>
-              </a:rPr>
-              <a:t>forward</a:t>
-            </a:r>
-            <a:r>
-              <a:rPr b="0" lang="en-US" sz="3200" spc="-1" strike="noStrike">
-                <a:latin typeface="Arial"/>
-              </a:rPr>
-              <a:t> such that, after numbering the groupings of these vertices in some order, edges always point towards the next highest numbered grouping. We were able to find notable patterns in both a </a:t>
-            </a:r>
-            <a:r>
-              <a:rPr b="0" i="1" lang="en-US" sz="3200" spc="-1" strike="noStrike">
-                <a:latin typeface="Arial"/>
-              </a:rPr>
-              <a:t>Perceptron</a:t>
-            </a:r>
-            <a:r>
-              <a:rPr b="0" lang="en-US" sz="3200" spc="-1" strike="noStrike">
-                <a:latin typeface="Arial"/>
-              </a:rPr>
-              <a:t> style model with two layers and a </a:t>
-            </a:r>
-            <a:r>
-              <a:rPr b="0" i="1" lang="en-US" sz="3200" spc="-1" strike="noStrike">
-                <a:latin typeface="Arial"/>
-              </a:rPr>
-              <a:t>Hidden Layer</a:t>
-            </a:r>
-            <a:r>
-              <a:rPr b="0" lang="en-US" sz="3200" spc="-1" strike="noStrike">
-                <a:latin typeface="Arial"/>
-              </a:rPr>
-              <a:t> model with three layers.</a:t>
+                <a:solidFill>
+                  <a:srgbClr val="000000"/>
+                </a:solidFill>
+                <a:latin typeface="Arial"/>
+                <a:ea typeface="Noto Sans CJK SC"/>
+              </a:rPr>
+              <a:t>For wheel graphs, we looked for patterns that arose within the invariant factors of the Jacobian as a general formula was not immediately obvious.  For this strategy, we broke the edges of the wheel graph into their two most obvious groups, those belonging to the rim of the wheel and those of the spokes.  By orienting all the edges of either group the same way and trying all nine combinations, we noticed a well-defined pattern for each as the size of the wheel graph changed. These patterns fell into four distinct groups.</a:t>
             </a:r>
             <a:endParaRPr b="0" lang="en-US" sz="3200" spc="-1" strike="noStrike">
               <a:latin typeface="Arial"/>
@@ -13964,6 +13699,9 @@
           </a:p>
           <a:p>
             <a:pPr marL="432000" indent="-324000">
+              <a:lnSpc>
+                <a:spcPct val="100000"/>
+              </a:lnSpc>
               <a:spcBef>
                 <a:spcPts val="1417"/>
               </a:spcBef>
@@ -13976,59 +13714,13 @@
             </a:pPr>
             <a:r>
               <a:rPr b="0" lang="en-US" sz="3200" spc="-1" strike="noStrike">
+                <a:solidFill>
+                  <a:srgbClr val="000000"/>
+                </a:solidFill>
                 <a:latin typeface="Arial"/>
                 <a:ea typeface="Noto Sans CJK SC"/>
               </a:rPr>
-              <a:t>For two layers in the form of </a:t>
-            </a:r>
-            <a:r>
-              <a:rPr b="0" i="1" lang="en-US" sz="3200" spc="-1" strike="noStrike">
-                <a:latin typeface="Arial"/>
-                <a:ea typeface="Noto Sans CJK SC"/>
-              </a:rPr>
-              <a:t>f→s</a:t>
-            </a:r>
-            <a:r>
-              <a:rPr b="0" lang="en-US" sz="3200" spc="-1" strike="noStrike">
-                <a:latin typeface="Arial"/>
-                <a:ea typeface="Noto Sans CJK SC"/>
-              </a:rPr>
-              <a:t> where </a:t>
-            </a:r>
-            <a:r>
-              <a:rPr b="0" i="1" lang="en-US" sz="3200" spc="-1" strike="noStrike">
-                <a:latin typeface="Arial"/>
-                <a:ea typeface="Noto Sans CJK SC"/>
-              </a:rPr>
-              <a:t>f</a:t>
-            </a:r>
-            <a:r>
-              <a:rPr b="0" lang="en-US" sz="3200" spc="-1" strike="noStrike">
-                <a:latin typeface="Arial"/>
-                <a:ea typeface="Noto Sans CJK SC"/>
-              </a:rPr>
-              <a:t> and </a:t>
-            </a:r>
-            <a:r>
-              <a:rPr b="0" i="1" lang="en-US" sz="3200" spc="-1" strike="noStrike">
-                <a:latin typeface="Arial"/>
-                <a:ea typeface="Noto Sans CJK SC"/>
-              </a:rPr>
-              <a:t>s</a:t>
-            </a:r>
-            <a:r>
-              <a:rPr b="0" lang="en-US" sz="3200" spc="-1" strike="noStrike">
-                <a:latin typeface="Arial"/>
-                <a:ea typeface="Noto Sans CJK SC"/>
-              </a:rPr>
-              <a:t> are the number of nodes in the first and second layers, respectively. For these graphs, </a:t>
-            </a:r>
-            <a:r>
-              <a:rPr b="0" i="1" lang="en-US" sz="3200" spc="-1" strike="noStrike">
-                <a:latin typeface="Arial"/>
-                <a:ea typeface="Noto Sans CJK SC"/>
-              </a:rPr>
-              <a:t>Pic(G) = </a:t>
+              <a:t>The most interesting of these cases was for graphs whose rims were bidirectional and whose spokes pointed inward.  This orientation produces a result very similar to that of an undirected wheel graph where the Jacobians followed the pattern of </a:t>
             </a:r>
             <a:r>
               <a:rPr b="0" i="1" lang="en-US" sz="3200" spc="-1" strike="noStrike">
@@ -14042,24 +13734,13 @@
             </a:r>
             <a:r>
               <a:rPr b="0" i="1" lang="en-US" sz="3200" spc="-1" strike="noStrike" baseline="-8000">
+                <a:solidFill>
+                  <a:srgbClr val="000000"/>
+                </a:solidFill>
                 <a:latin typeface="Arial"/>
                 <a:ea typeface="Noto Sans CJK SC"/>
               </a:rPr>
-              <a:t>f−1</a:t>
-            </a:r>
-            <a:r>
-              <a:rPr b="0" i="1" lang="en-US" sz="3200" spc="-1" strike="noStrike" baseline="33000">
-                <a:latin typeface="Arial"/>
-                <a:ea typeface="Noto Sans CJK SC"/>
-              </a:rPr>
-              <a:t>s </a:t>
-            </a:r>
-            <a:r>
-              <a:rPr b="0" i="1" lang="en-US" sz="3200" spc="-1" strike="noStrike">
-                <a:latin typeface="Arial"/>
-                <a:ea typeface="Noto Sans CJK SC"/>
-              </a:rPr>
-              <a:t>x </a:t>
+              <a:t>αφ^n </a:t>
             </a:r>
             <a:r>
               <a:rPr b="0" i="1" lang="en-US" sz="3200" spc="-1" strike="noStrike">
@@ -14069,41 +13750,215 @@
                 <a:latin typeface="Arial"/>
                 <a:ea typeface="Noto Sans CJK SC"/>
               </a:rPr>
+              <a:t>x ℤ</a:t>
+            </a:r>
+            <a:r>
+              <a:rPr b="0" i="1" lang="en-US" sz="3200" spc="-1" strike="noStrike" baseline="-8000">
+                <a:solidFill>
+                  <a:srgbClr val="000000"/>
+                </a:solidFill>
+                <a:latin typeface="Arial"/>
+                <a:ea typeface="Noto Sans CJK SC"/>
+              </a:rPr>
+              <a:t>cαφ^n</a:t>
+            </a:r>
+            <a:r>
+              <a:rPr b="0" lang="en-US" sz="3200" spc="-1" strike="noStrike">
+                <a:solidFill>
+                  <a:srgbClr val="000000"/>
+                </a:solidFill>
+                <a:latin typeface="Arial"/>
+                <a:ea typeface="Noto Sans CJK SC"/>
+              </a:rPr>
+              <a:t> when the size was odd where </a:t>
+            </a:r>
+            <a:r>
+              <a:rPr b="0" i="1" lang="en-US" sz="3200" spc="-1" strike="noStrike">
+                <a:solidFill>
+                  <a:srgbClr val="000000"/>
+                </a:solidFill>
+                <a:latin typeface="Arial"/>
+                <a:ea typeface="Noto Sans CJK SC"/>
+              </a:rPr>
+              <a:t>α≊0.27555</a:t>
+            </a:r>
+            <a:r>
+              <a:rPr b="0" lang="en-US" sz="3200" spc="-1" strike="noStrike">
+                <a:solidFill>
+                  <a:srgbClr val="000000"/>
+                </a:solidFill>
+                <a:latin typeface="Arial"/>
+                <a:ea typeface="Noto Sans CJK SC"/>
+              </a:rPr>
+              <a:t> and </a:t>
+            </a:r>
+            <a:r>
+              <a:rPr b="0" i="1" lang="en-US" sz="3200" spc="-1" strike="noStrike">
+                <a:solidFill>
+                  <a:srgbClr val="000000"/>
+                </a:solidFill>
+                <a:latin typeface="Arial"/>
+                <a:ea typeface="Noto Sans CJK SC"/>
+              </a:rPr>
               <a:t>ℤ</a:t>
             </a:r>
             <a:r>
-              <a:rPr b="0" i="1" lang="en-US" sz="3200" spc="-1" strike="noStrike" baseline="33000">
-                <a:latin typeface="Arial"/>
-              </a:rPr>
-              <a:t>s</a:t>
+              <a:rPr b="0" i="1" lang="en-US" sz="3200" spc="-1" strike="noStrike" baseline="-8000">
+                <a:solidFill>
+                  <a:srgbClr val="000000"/>
+                </a:solidFill>
+                <a:latin typeface="Arial"/>
+                <a:ea typeface="Noto Sans CJK SC"/>
+              </a:rPr>
+              <a:t>βφ^n </a:t>
+            </a:r>
+            <a:r>
+              <a:rPr b="0" i="1" lang="en-US" sz="3200" spc="-1" strike="noStrike">
+                <a:solidFill>
+                  <a:srgbClr val="000000"/>
+                </a:solidFill>
+                <a:latin typeface="Arial"/>
+                <a:ea typeface="Noto Sans CJK SC"/>
+              </a:rPr>
+              <a:t>x ℤ</a:t>
+            </a:r>
+            <a:r>
+              <a:rPr b="0" i="1" lang="en-US" sz="3200" spc="-1" strike="noStrike" baseline="-8000">
+                <a:solidFill>
+                  <a:srgbClr val="000000"/>
+                </a:solidFill>
+                <a:latin typeface="Arial"/>
+                <a:ea typeface="Noto Sans CJK SC"/>
+              </a:rPr>
+              <a:t>βφ^n</a:t>
             </a:r>
             <a:r>
               <a:rPr b="0" lang="en-US" sz="3200" spc="-1" strike="noStrike">
-                <a:latin typeface="Arial"/>
-              </a:rPr>
-              <a:t>.</a:t>
+                <a:solidFill>
+                  <a:srgbClr val="000000"/>
+                </a:solidFill>
+                <a:latin typeface="Arial"/>
+                <a:ea typeface="Noto Sans CJK SC"/>
+              </a:rPr>
+              <a:t> when the size was even where </a:t>
+            </a:r>
+            <a:r>
+              <a:rPr b="0" i="1" lang="en-US" sz="3200" spc="-1" strike="noStrike">
+                <a:solidFill>
+                  <a:srgbClr val="000000"/>
+                </a:solidFill>
+                <a:latin typeface="Arial"/>
+                <a:ea typeface="Noto Sans CJK SC"/>
+              </a:rPr>
+              <a:t>β≊0.618035</a:t>
+            </a:r>
+            <a:r>
+              <a:rPr b="0" lang="en-US" sz="3200" spc="-1" strike="noStrike">
+                <a:solidFill>
+                  <a:srgbClr val="000000"/>
+                </a:solidFill>
+                <a:latin typeface="Arial"/>
+                <a:ea typeface="Noto Sans CJK SC"/>
+              </a:rPr>
+              <a:t>.  In both of these patterns, φ represents the golden ratio.</a:t>
             </a:r>
             <a:endParaRPr b="0" lang="en-US" sz="3200" spc="-1" strike="noStrike">
               <a:latin typeface="Arial"/>
             </a:endParaRPr>
           </a:p>
           <a:p>
-            <a:pPr marL="432000" indent="-324000">
+            <a:pPr lvl="1" marL="864000" indent="-324000">
+              <a:lnSpc>
+                <a:spcPct val="100000"/>
+              </a:lnSpc>
               <a:spcBef>
-                <a:spcPts val="1417"/>
+                <a:spcPts val="1134"/>
               </a:spcBef>
               <a:buClr>
                 <a:srgbClr val="000000"/>
               </a:buClr>
-              <a:buSzPct val="45000"/>
-              <a:buFont typeface="Wingdings" charset="2"/>
-              <a:buChar char=""/>
+              <a:buSzPct val="75000"/>
+              <a:buFont typeface="Symbol"/>
+              <a:buChar char=""/>
             </a:pPr>
             <a:r>
               <a:rPr b="0" lang="en-US" sz="3200" spc="-1" strike="noStrike">
-                <a:latin typeface="Arial"/>
-              </a:rPr>
-              <a:t>For the three layer model, things once again become more complex, being split into cases.  There are similarly structured to the two layer models where the invariant factors are based off of the size of all three layers and the rank is just the size of the last layer.</a:t>
+                <a:solidFill>
+                  <a:srgbClr val="000000"/>
+                </a:solidFill>
+                <a:latin typeface="Arial"/>
+                <a:ea typeface="Noto Sans CJK SC"/>
+              </a:rPr>
+              <a:t>In our directed case, </a:t>
+            </a:r>
+            <a:r>
+              <a:rPr b="0" i="1" lang="en-US" sz="3200" spc="-1" strike="noStrike">
+                <a:solidFill>
+                  <a:srgbClr val="000000"/>
+                </a:solidFill>
+                <a:latin typeface="Arial"/>
+                <a:ea typeface="Noto Sans CJK SC"/>
+              </a:rPr>
+              <a:t>c=4</a:t>
+            </a:r>
+            <a:r>
+              <a:rPr b="0" lang="en-US" sz="3200" spc="-1" strike="noStrike">
+                <a:solidFill>
+                  <a:srgbClr val="000000"/>
+                </a:solidFill>
+                <a:latin typeface="Arial"/>
+                <a:ea typeface="Noto Sans CJK SC"/>
+              </a:rPr>
+              <a:t> while in the undirected case, </a:t>
+            </a:r>
+            <a:r>
+              <a:rPr b="0" i="1" lang="en-US" sz="3200" spc="-1" strike="noStrike">
+                <a:solidFill>
+                  <a:srgbClr val="000000"/>
+                </a:solidFill>
+                <a:latin typeface="Arial"/>
+                <a:ea typeface="Noto Sans CJK SC"/>
+              </a:rPr>
+              <a:t>c=5</a:t>
+            </a:r>
+            <a:r>
+              <a:rPr b="0" lang="en-US" sz="3200" spc="-1" strike="noStrike">
+                <a:solidFill>
+                  <a:srgbClr val="000000"/>
+                </a:solidFill>
+                <a:latin typeface="Arial"/>
+                <a:ea typeface="Noto Sans CJK SC"/>
+              </a:rPr>
+              <a:t>.</a:t>
+            </a:r>
+            <a:endParaRPr b="0" lang="en-US" sz="3200" spc="-1" strike="noStrike">
+              <a:latin typeface="Arial"/>
+            </a:endParaRPr>
+          </a:p>
+          <a:p>
+            <a:pPr lvl="1" marL="864000" indent="-324000">
+              <a:lnSpc>
+                <a:spcPct val="100000"/>
+              </a:lnSpc>
+              <a:spcBef>
+                <a:spcPts val="1134"/>
+              </a:spcBef>
+              <a:buClr>
+                <a:srgbClr val="000000"/>
+              </a:buClr>
+              <a:buSzPct val="75000"/>
+              <a:buFont typeface="Symbol"/>
+              <a:buChar char=""/>
+            </a:pPr>
+            <a:r>
+              <a:rPr b="0" lang="en-US" sz="3200" spc="-1" strike="noStrike">
+                <a:solidFill>
+                  <a:srgbClr val="000000"/>
+                </a:solidFill>
+                <a:latin typeface="Arial"/>
+                <a:ea typeface="Noto Sans CJK SC"/>
+              </a:rPr>
+              <a:t>This can also be modeled as a series similar to the Lucas numbers.</a:t>
             </a:r>
             <a:endParaRPr b="0" lang="en-US" sz="3200" spc="-1" strike="noStrike">
               <a:latin typeface="Arial"/>
@@ -14154,7 +14009,7 @@
         <p:spPr>
           <a:xfrm>
             <a:off x="360000" y="225720"/>
-            <a:ext cx="9357840" cy="716760"/>
+            <a:ext cx="9356760" cy="715680"/>
           </a:xfrm>
           <a:prstGeom prst="rect">
             <a:avLst/>
@@ -14182,9 +14037,126 @@
                 </a:solidFill>
                 <a:latin typeface="Arial"/>
               </a:rPr>
-              <a:t>Preliminaries</a:t>
+              <a:t>Introduction</a:t>
             </a:r>
             <a:endParaRPr b="0" lang="en-US" sz="4400" spc="-1" strike="noStrike">
+              <a:latin typeface="Arial"/>
+            </a:endParaRPr>
+          </a:p>
+        </p:txBody>
+      </p:sp>
+      <p:sp>
+        <p:nvSpPr>
+          <p:cNvPr id="178" name="PlaceHolder 2"/>
+          <p:cNvSpPr>
+            <a:spLocks noGrp="1"/>
+          </p:cNvSpPr>
+          <p:nvPr>
+            <p:ph/>
+          </p:nvPr>
+        </p:nvSpPr>
+        <p:spPr>
+          <a:xfrm>
+            <a:off x="360000" y="1485000"/>
+            <a:ext cx="9356760" cy="3776760"/>
+          </a:xfrm>
+          <a:prstGeom prst="rect">
+            <a:avLst/>
+          </a:prstGeom>
+          <a:noFill/>
+          <a:ln w="0">
+            <a:noFill/>
+          </a:ln>
+        </p:spPr>
+        <p:txBody>
+          <a:bodyPr lIns="0" rIns="0" tIns="0" bIns="0" anchor="t">
+            <a:normAutofit fontScale="63000"/>
+          </a:bodyPr>
+          <a:p>
+            <a:pPr marL="432000" indent="-324000">
+              <a:spcBef>
+                <a:spcPts val="1417"/>
+              </a:spcBef>
+              <a:buClr>
+                <a:srgbClr val="000000"/>
+              </a:buClr>
+              <a:buSzPct val="45000"/>
+              <a:buFont typeface="Wingdings" charset="2"/>
+              <a:buChar char=""/>
+            </a:pPr>
+            <a:r>
+              <a:rPr b="0" lang="en-US" sz="3200" spc="-1" strike="noStrike">
+                <a:latin typeface="Arial"/>
+              </a:rPr>
+              <a:t>A chip firing game is a one player game played on a graph where integer amounts of chips are fired between vertices along their adjacent edges.</a:t>
+            </a:r>
+            <a:endParaRPr b="0" lang="en-US" sz="3200" spc="-1" strike="noStrike">
+              <a:latin typeface="Arial"/>
+            </a:endParaRPr>
+          </a:p>
+          <a:p>
+            <a:pPr marL="432000" indent="-324000">
+              <a:spcBef>
+                <a:spcPts val="1417"/>
+              </a:spcBef>
+              <a:buClr>
+                <a:srgbClr val="000000"/>
+              </a:buClr>
+              <a:buSzPct val="45000"/>
+              <a:buFont typeface="Wingdings" charset="2"/>
+              <a:buChar char=""/>
+            </a:pPr>
+            <a:r>
+              <a:rPr b="0" lang="en-US" sz="3200" spc="-1" strike="noStrike">
+                <a:latin typeface="Arial"/>
+              </a:rPr>
+              <a:t>Since its origin in 1983, it has since become an important tool in structural combinatorics and other areas of mathematics. For instance, from a perspective motivated by algebraic geometry,  one may view finite graphs as a discrete model for Riemann surfaces.</a:t>
+            </a:r>
+            <a:endParaRPr b="0" lang="en-US" sz="3200" spc="-1" strike="noStrike">
+              <a:latin typeface="Arial"/>
+            </a:endParaRPr>
+          </a:p>
+          <a:p>
+            <a:pPr marL="432000" indent="-324000">
+              <a:spcBef>
+                <a:spcPts val="1417"/>
+              </a:spcBef>
+              <a:buClr>
+                <a:srgbClr val="000000"/>
+              </a:buClr>
+              <a:buSzPct val="45000"/>
+              <a:buFont typeface="Wingdings" charset="2"/>
+              <a:buChar char=""/>
+            </a:pPr>
+            <a:r>
+              <a:rPr b="0" lang="en-US" sz="3200" spc="-1" strike="noStrike">
+                <a:latin typeface="Arial"/>
+              </a:rPr>
+              <a:t>The main area of study of this game is on the undirected variant.  However, this game can also be played on directed graphs.</a:t>
+            </a:r>
+            <a:endParaRPr b="0" lang="en-US" sz="3200" spc="-1" strike="noStrike">
+              <a:latin typeface="Arial"/>
+            </a:endParaRPr>
+          </a:p>
+          <a:p>
+            <a:pPr marL="432000" indent="-324000">
+              <a:spcBef>
+                <a:spcPts val="1417"/>
+              </a:spcBef>
+              <a:buClr>
+                <a:srgbClr val="000000"/>
+              </a:buClr>
+              <a:buSzPct val="45000"/>
+              <a:buFont typeface="Wingdings" charset="2"/>
+              <a:buChar char=""/>
+            </a:pPr>
+            <a:r>
+              <a:rPr b="0" lang="en-US" sz="3200" spc="-1" strike="noStrike">
+                <a:latin typeface="Arial"/>
+              </a:rPr>
+              <a:t>Since this area has been comparatively less researched, we hope to change that through the patterns and techniques we have developed in our investigation.</a:t>
+            </a:r>
+            <a:endParaRPr b="0" lang="en-US" sz="3200" spc="-1" strike="noStrike">
               <a:latin typeface="Arial"/>
             </a:endParaRPr>
           </a:p>
@@ -14233,7 +14205,7 @@
         <p:spPr>
           <a:xfrm>
             <a:off x="360000" y="-39960"/>
-            <a:ext cx="9357840" cy="1248480"/>
+            <a:ext cx="9356760" cy="1247400"/>
           </a:xfrm>
           <a:prstGeom prst="rect">
             <a:avLst/>
@@ -14261,7 +14233,7 @@
                 </a:solidFill>
                 <a:latin typeface="Arial"/>
               </a:rPr>
-              <a:t>Creating a Pseudo-Tree</a:t>
+              <a:t>Connections Between Wheel and Cycle Graphs</a:t>
             </a:r>
             <a:endParaRPr b="0" lang="en-US" sz="4400" spc="-1" strike="noStrike">
               <a:latin typeface="Arial"/>
@@ -14282,7 +14254,7 @@
         <p:spPr>
           <a:xfrm>
             <a:off x="360000" y="1485000"/>
-            <a:ext cx="9468360" cy="3777840"/>
+            <a:ext cx="9356760" cy="3776760"/>
           </a:xfrm>
           <a:prstGeom prst="rect">
             <a:avLst/>
@@ -14294,7 +14266,7 @@
         </p:spPr>
         <p:txBody>
           <a:bodyPr lIns="0" rIns="0" tIns="0" bIns="0" anchor="t">
-            <a:normAutofit/>
+            <a:normAutofit fontScale="64000"/>
           </a:bodyPr>
           <a:p>
             <a:pPr marL="432000" indent="-324000">
@@ -14312,16 +14284,16 @@
               <a:buChar char=""/>
             </a:pPr>
             <a:r>
-              <a:rPr b="0" lang="en-US" sz="2100" spc="-1" strike="noStrike">
+              <a:rPr b="0" lang="en-US" sz="3200" spc="-1" strike="noStrike">
                 <a:solidFill>
                   <a:srgbClr val="000000"/>
                 </a:solidFill>
                 <a:latin typeface="Arial"/>
-                <a:ea typeface="JetBrains Mono"/>
-              </a:rPr>
-              <a:t>A Pseudo-tree can be created by gluing a tree to a cycle graph in one of two ways.</a:t>
-            </a:r>
-            <a:endParaRPr b="0" lang="en-US" sz="2100" spc="-1" strike="noStrike">
+                <a:ea typeface="Noto Sans CJK SC"/>
+              </a:rPr>
+              <a:t>During our experiments with wheel graphs whose spokes pointed outward, their Picard groups behave similarly to the cycle graph one size smaller, as if the central vertex was not there at all.  This was true for any arbitrary orientation of the rim that we tried.</a:t>
+            </a:r>
+            <a:endParaRPr b="0" lang="en-US" sz="3200" spc="-1" strike="noStrike">
               <a:latin typeface="Arial"/>
             </a:endParaRPr>
           </a:p>
@@ -14341,16 +14313,16 @@
               <a:buChar char=""/>
             </a:pPr>
             <a:r>
-              <a:rPr b="0" lang="en-US" sz="2100" spc="-1" strike="noStrike">
+              <a:rPr b="0" lang="en-US" sz="3200" spc="-1" strike="noStrike">
                 <a:solidFill>
                   <a:srgbClr val="000000"/>
                 </a:solidFill>
                 <a:latin typeface="Arial"/>
-                <a:ea typeface="JetBrains Mono"/>
-              </a:rPr>
-              <a:t>By Vertex – Here, whichever vertices will be glued together will be merged into one vertex.  With this way of gluing, one vertex will be shared between the two glued graphs.</a:t>
-            </a:r>
-            <a:endParaRPr b="0" lang="en-US" sz="2100" spc="-1" strike="noStrike">
+                <a:ea typeface="Noto Sans CJK SC"/>
+              </a:rPr>
+              <a:t>This is due to the fact that chips are only fired along outgoing edges.  If all of the spokes point outward, the vertices on the rim cannot interact with the axle, functioning similarly to a cycle graph.</a:t>
+            </a:r>
+            <a:endParaRPr b="0" lang="en-US" sz="3200" spc="-1" strike="noStrike">
               <a:latin typeface="Arial"/>
             </a:endParaRPr>
           </a:p>
@@ -14370,36 +14342,145 @@
               <a:buChar char=""/>
             </a:pPr>
             <a:r>
-              <a:rPr b="0" lang="en-US" sz="2100" spc="-1" strike="noStrike">
+              <a:rPr b="0" lang="en-US" sz="3200" spc="-1" strike="noStrike">
                 <a:solidFill>
                   <a:srgbClr val="000000"/>
                 </a:solidFill>
                 <a:latin typeface="Arial"/>
-                <a:ea typeface="JetBrains Mono"/>
-              </a:rPr>
-              <a:t>By Edge – With this method, the two graphs are joined by an additional edge.  This helps to preserve the attributes of the original graphs into the resulting glues pseudo-tree, such as the Jacobian often being </a:t>
-            </a:r>
-            <a:r>
-              <a:rPr b="0" lang="en-US" sz="2100" spc="-1" strike="noStrike">
+                <a:ea typeface="Noto Sans CJK SC"/>
+              </a:rPr>
+              <a:t>These relations are also split into several cases, for example:</a:t>
+            </a:r>
+            <a:endParaRPr b="0" lang="en-US" sz="3200" spc="-1" strike="noStrike">
+              <a:latin typeface="Arial"/>
+            </a:endParaRPr>
+          </a:p>
+          <a:p>
+            <a:pPr lvl="1" marL="864000" indent="-324000">
+              <a:lnSpc>
+                <a:spcPct val="100000"/>
+              </a:lnSpc>
+              <a:spcBef>
+                <a:spcPts val="1134"/>
+              </a:spcBef>
+              <a:buClr>
+                <a:srgbClr val="000000"/>
+              </a:buClr>
+              <a:buSzPct val="75000"/>
+              <a:buFont typeface="Symbol"/>
+              <a:buChar char=""/>
+            </a:pPr>
+            <a:r>
+              <a:rPr b="0" lang="en-US" sz="3200" spc="-1" strike="noStrike">
                 <a:solidFill>
                   <a:srgbClr val="000000"/>
                 </a:solidFill>
                 <a:latin typeface="Arial"/>
-                <a:ea typeface="JetBrains Mono"/>
-              </a:rPr>
-              <a:t>	</a:t>
-            </a:r>
-            <a:r>
-              <a:rPr b="0" lang="en-US" sz="2100" spc="-1" strike="noStrike">
+                <a:ea typeface="Noto Sans CJK SC"/>
+              </a:rPr>
+              <a:t>For even wheel graphs, arbitrary Picard groups of wheel graphs of size </a:t>
+            </a:r>
+            <a:r>
+              <a:rPr b="0" i="1" lang="en-US" sz="3200" spc="-1" strike="noStrike">
                 <a:solidFill>
                   <a:srgbClr val="000000"/>
                 </a:solidFill>
                 <a:latin typeface="Arial"/>
-                <a:ea typeface="JetBrains Mono"/>
-              </a:rPr>
-              <a:t>Jac(cycle) x Jac(tree).</a:t>
-            </a:r>
-            <a:endParaRPr b="0" lang="en-US" sz="2100" spc="-1" strike="noStrike">
+                <a:ea typeface="Noto Sans CJK SC"/>
+              </a:rPr>
+              <a:t>n</a:t>
+            </a:r>
+            <a:r>
+              <a:rPr b="0" lang="en-US" sz="3200" spc="-1" strike="noStrike">
+                <a:solidFill>
+                  <a:srgbClr val="000000"/>
+                </a:solidFill>
+                <a:latin typeface="Arial"/>
+                <a:ea typeface="Noto Sans CJK SC"/>
+              </a:rPr>
+              <a:t> appear to be </a:t>
+            </a:r>
+            <a:r>
+              <a:rPr b="0" i="1" lang="en-US" sz="3200" spc="-1" strike="noStrike">
+                <a:solidFill>
+                  <a:srgbClr val="000000"/>
+                </a:solidFill>
+                <a:latin typeface="Arial"/>
+                <a:ea typeface="Noto Sans CJK SC"/>
+              </a:rPr>
+              <a:t>ℤ</a:t>
+            </a:r>
+            <a:r>
+              <a:rPr b="0" i="1" lang="en-US" sz="3200" spc="-1" strike="noStrike" baseline="-8000">
+                <a:solidFill>
+                  <a:srgbClr val="000000"/>
+                </a:solidFill>
+                <a:latin typeface="Arial"/>
+                <a:ea typeface="Noto Sans CJK SC"/>
+              </a:rPr>
+              <a:t>(n-1)*a</a:t>
+            </a:r>
+            <a:r>
+              <a:rPr b="0" i="1" lang="en-US" sz="3200" spc="-1" strike="noStrike">
+                <a:solidFill>
+                  <a:srgbClr val="000000"/>
+                </a:solidFill>
+                <a:latin typeface="Arial"/>
+                <a:ea typeface="Noto Sans CJK SC"/>
+              </a:rPr>
+              <a:t> x ℤ</a:t>
+            </a:r>
+            <a:r>
+              <a:rPr b="0" lang="en-US" sz="3200" spc="-1" strike="noStrike">
+                <a:solidFill>
+                  <a:srgbClr val="000000"/>
+                </a:solidFill>
+                <a:latin typeface="Arial"/>
+                <a:ea typeface="Noto Sans CJK SC"/>
+              </a:rPr>
+              <a:t> where a is in the Picard group of cycle graph </a:t>
+            </a:r>
+            <a:r>
+              <a:rPr b="0" i="1" lang="en-US" sz="3200" spc="-1" strike="noStrike">
+                <a:solidFill>
+                  <a:srgbClr val="000000"/>
+                </a:solidFill>
+                <a:latin typeface="Arial"/>
+                <a:ea typeface="Noto Sans CJK SC"/>
+              </a:rPr>
+              <a:t>n-1 ℤ</a:t>
+            </a:r>
+            <a:r>
+              <a:rPr b="0" i="1" lang="en-US" sz="3200" spc="-1" strike="noStrike" baseline="-8000">
+                <a:solidFill>
+                  <a:srgbClr val="000000"/>
+                </a:solidFill>
+                <a:latin typeface="Arial"/>
+                <a:ea typeface="Noto Sans CJK SC"/>
+              </a:rPr>
+              <a:t>a</a:t>
+            </a:r>
+            <a:r>
+              <a:rPr b="0" i="1" lang="en-US" sz="3200" spc="-1" strike="noStrike">
+                <a:solidFill>
+                  <a:srgbClr val="000000"/>
+                </a:solidFill>
+                <a:latin typeface="Arial"/>
+                <a:ea typeface="Noto Sans CJK SC"/>
+              </a:rPr>
+              <a:t> x ℤ </a:t>
+            </a:r>
+            <a:r>
+              <a:rPr b="0" lang="en-US" sz="3200" spc="-1" strike="noStrike">
+                <a:solidFill>
+                  <a:srgbClr val="000000"/>
+                </a:solidFill>
+                <a:latin typeface="Arial"/>
+                <a:ea typeface="Noto Sans CJK SC"/>
+              </a:rPr>
+              <a:t>when all spokes point outward.</a:t>
+            </a:r>
+            <a:endParaRPr b="0" lang="en-US" sz="3200" spc="-1" strike="noStrike">
               <a:latin typeface="Arial"/>
             </a:endParaRPr>
           </a:p>
@@ -14448,7 +14529,7 @@
         <p:spPr>
           <a:xfrm>
             <a:off x="360000" y="-39960"/>
-            <a:ext cx="9357840" cy="1248480"/>
+            <a:ext cx="9356760" cy="1247400"/>
           </a:xfrm>
           <a:prstGeom prst="rect">
             <a:avLst/>
@@ -14476,7 +14557,7 @@
                 </a:solidFill>
                 <a:latin typeface="Arial"/>
               </a:rPr>
-              <a:t>Further Research</a:t>
+              <a:t>Finding The Picard Group of a Multipartite Graph</a:t>
             </a:r>
             <a:endParaRPr b="0" lang="en-US" sz="4400" spc="-1" strike="noStrike">
               <a:latin typeface="Arial"/>
@@ -14497,7 +14578,7 @@
         <p:spPr>
           <a:xfrm>
             <a:off x="360000" y="1485000"/>
-            <a:ext cx="9468360" cy="3777840"/>
+            <a:ext cx="9356760" cy="3776760"/>
           </a:xfrm>
           <a:prstGeom prst="rect">
             <a:avLst/>
@@ -14509,32 +14590,8 @@
         </p:spPr>
         <p:txBody>
           <a:bodyPr lIns="0" rIns="0" tIns="0" bIns="0" anchor="t">
-            <a:normAutofit/>
-          </a:bodyPr>
-          <a:p>
-            <a:pPr>
-              <a:lnSpc>
-                <a:spcPct val="100000"/>
-              </a:lnSpc>
-              <a:spcBef>
-                <a:spcPts val="1417"/>
-              </a:spcBef>
-              <a:buNone/>
-            </a:pPr>
-            <a:r>
-              <a:rPr b="0" lang="en-US" sz="2100" spc="-1" strike="noStrike">
-                <a:solidFill>
-                  <a:srgbClr val="000000"/>
-                </a:solidFill>
-                <a:latin typeface="Arial"/>
-                <a:ea typeface="JetBrains Mono"/>
-              </a:rPr>
-              <a:t>Going forward, we plan to consolidate the findings we already have and extend our reasoning to other graphs.  This includes</a:t>
-            </a:r>
-            <a:endParaRPr b="0" lang="en-US" sz="2100" spc="-1" strike="noStrike">
-              <a:latin typeface="Arial"/>
-            </a:endParaRPr>
-          </a:p>
+            <a:normAutofit fontScale="60000"/>
+          </a:bodyPr>
           <a:p>
             <a:pPr marL="432000" indent="-324000">
               <a:lnSpc>
@@ -14551,16 +14608,48 @@
               <a:buChar char=""/>
             </a:pPr>
             <a:r>
-              <a:rPr b="0" lang="en-US" sz="2100" spc="-1" strike="noStrike">
-                <a:solidFill>
-                  <a:srgbClr val="000000"/>
-                </a:solidFill>
-                <a:latin typeface="Arial"/>
-                <a:ea typeface="JetBrains Mono"/>
-              </a:rPr>
-              <a:t>Finalizing our methods for cycle graphs and trees.</a:t>
-            </a:r>
-            <a:endParaRPr b="0" lang="en-US" sz="2100" spc="-1" strike="noStrike">
+              <a:rPr b="0" lang="en-US" sz="3200" spc="-1" strike="noStrike">
+                <a:latin typeface="Arial"/>
+              </a:rPr>
+              <a:t>The  structure  of  the  graphs  that  we  investigate  are  intentionally  designed  to  resemble  artificial neural networks.  To further facilitate this comparison, we direct all edges </a:t>
+            </a:r>
+            <a:r>
+              <a:rPr b="0" i="1" lang="en-US" sz="3200" spc="-1" strike="noStrike">
+                <a:latin typeface="Arial"/>
+              </a:rPr>
+              <a:t>forward</a:t>
+            </a:r>
+            <a:r>
+              <a:rPr b="0" lang="en-US" sz="3200" spc="-1" strike="noStrike">
+                <a:latin typeface="Arial"/>
+              </a:rPr>
+              <a:t> such that, after numbering the groupings of these vertices in some order, edges always point towards the next highest numbered grouping. We were able to find notable patterns in both a </a:t>
+            </a:r>
+            <a:r>
+              <a:rPr b="0" i="1" lang="en-US" sz="3200" spc="-1" strike="noStrike">
+                <a:latin typeface="Arial"/>
+              </a:rPr>
+              <a:t>Perceptron</a:t>
+            </a:r>
+            <a:r>
+              <a:rPr b="0" lang="en-US" sz="3200" spc="-1" strike="noStrike">
+                <a:latin typeface="Arial"/>
+              </a:rPr>
+              <a:t> style model with two layers and a </a:t>
+            </a:r>
+            <a:r>
+              <a:rPr b="0" i="1" lang="en-US" sz="3200" spc="-1" strike="noStrike">
+                <a:latin typeface="Arial"/>
+              </a:rPr>
+              <a:t>Hidden Layer</a:t>
+            </a:r>
+            <a:r>
+              <a:rPr b="0" lang="en-US" sz="3200" spc="-1" strike="noStrike">
+                <a:latin typeface="Arial"/>
+              </a:rPr>
+              <a:t> model with three layers.</a:t>
+            </a:r>
+            <a:endParaRPr b="0" lang="en-US" sz="3200" spc="-1" strike="noStrike">
               <a:latin typeface="Arial"/>
             </a:endParaRPr>
           </a:p>
@@ -14580,16 +14669,117 @@
               <a:buChar char=""/>
             </a:pPr>
             <a:r>
-              <a:rPr b="0" lang="en-US" sz="2100" spc="-1" strike="noStrike">
+              <a:rPr b="0" lang="en-US" sz="3200" spc="-1" strike="noStrike">
+                <a:latin typeface="Arial"/>
+                <a:ea typeface="Noto Sans CJK SC"/>
+              </a:rPr>
+              <a:t>For two layers in the form of </a:t>
+            </a:r>
+            <a:r>
+              <a:rPr b="0" i="1" lang="en-US" sz="3200" spc="-1" strike="noStrike">
+                <a:latin typeface="Arial"/>
+                <a:ea typeface="Noto Sans CJK SC"/>
+              </a:rPr>
+              <a:t>f→s</a:t>
+            </a:r>
+            <a:r>
+              <a:rPr b="0" lang="en-US" sz="3200" spc="-1" strike="noStrike">
+                <a:latin typeface="Arial"/>
+                <a:ea typeface="Noto Sans CJK SC"/>
+              </a:rPr>
+              <a:t> where </a:t>
+            </a:r>
+            <a:r>
+              <a:rPr b="0" i="1" lang="en-US" sz="3200" spc="-1" strike="noStrike">
+                <a:latin typeface="Arial"/>
+                <a:ea typeface="Noto Sans CJK SC"/>
+              </a:rPr>
+              <a:t>f</a:t>
+            </a:r>
+            <a:r>
+              <a:rPr b="0" lang="en-US" sz="3200" spc="-1" strike="noStrike">
+                <a:latin typeface="Arial"/>
+                <a:ea typeface="Noto Sans CJK SC"/>
+              </a:rPr>
+              <a:t> and </a:t>
+            </a:r>
+            <a:r>
+              <a:rPr b="0" i="1" lang="en-US" sz="3200" spc="-1" strike="noStrike">
+                <a:latin typeface="Arial"/>
+                <a:ea typeface="Noto Sans CJK SC"/>
+              </a:rPr>
+              <a:t>s</a:t>
+            </a:r>
+            <a:r>
+              <a:rPr b="0" lang="en-US" sz="3200" spc="-1" strike="noStrike">
+                <a:latin typeface="Arial"/>
+                <a:ea typeface="Noto Sans CJK SC"/>
+              </a:rPr>
+              <a:t> are the number of nodes in the first and second layers, respectively. For these graphs, </a:t>
+            </a:r>
+            <a:r>
+              <a:rPr b="0" i="1" lang="en-US" sz="3200" spc="-1" strike="noStrike">
+                <a:latin typeface="Arial"/>
+                <a:ea typeface="Noto Sans CJK SC"/>
+              </a:rPr>
+              <a:t>Pic(G) = </a:t>
+            </a:r>
+            <a:r>
+              <a:rPr b="0" i="1" lang="en-US" sz="3200" spc="-1" strike="noStrike">
                 <a:solidFill>
                   <a:srgbClr val="000000"/>
                 </a:solidFill>
                 <a:latin typeface="Arial"/>
-                <a:ea typeface="JetBrains Mono"/>
-              </a:rPr>
-              <a:t>Expanding those methods to pseudo trees to notice a more concrete pattern.</a:t>
-            </a:r>
-            <a:endParaRPr b="0" lang="en-US" sz="2100" spc="-1" strike="noStrike">
+                <a:ea typeface="Noto Sans CJK SC"/>
+              </a:rPr>
+              <a:t>ℤ</a:t>
+            </a:r>
+            <a:r>
+              <a:rPr b="0" i="1" lang="en-US" sz="3200" spc="-1" strike="noStrike" baseline="-8000">
+                <a:latin typeface="Arial"/>
+                <a:ea typeface="Noto Sans CJK SC"/>
+              </a:rPr>
+              <a:t>f−1</a:t>
+            </a:r>
+            <a:r>
+              <a:rPr b="0" i="1" lang="en-US" sz="3200" spc="-1" strike="noStrike" baseline="33000">
+                <a:latin typeface="Arial"/>
+                <a:ea typeface="Noto Sans CJK SC"/>
+              </a:rPr>
+              <a:t>s </a:t>
+            </a:r>
+            <a:r>
+              <a:rPr b="0" i="1" lang="en-US" sz="3200" spc="-1" strike="noStrike">
+                <a:latin typeface="Arial"/>
+                <a:ea typeface="Noto Sans CJK SC"/>
+              </a:rPr>
+              <a:t>x </a:t>
+            </a:r>
+            <a:r>
+              <a:rPr b="0" i="1" lang="en-US" sz="3200" spc="-1" strike="noStrike">
+                <a:solidFill>
+                  <a:srgbClr val="000000"/>
+                </a:solidFill>
+                <a:latin typeface="Arial"/>
+                <a:ea typeface="Noto Sans CJK SC"/>
+              </a:rPr>
+              <a:t>ℤ</a:t>
+            </a:r>
+            <a:r>
+              <a:rPr b="0" i="1" lang="en-US" sz="3200" spc="-1" strike="noStrike" baseline="33000">
+                <a:latin typeface="Arial"/>
+                <a:ea typeface="Noto Sans CJK SC"/>
+              </a:rPr>
+              <a:t>s</a:t>
+            </a:r>
+            <a:r>
+              <a:rPr b="0" lang="en-US" sz="3200" spc="-1" strike="noStrike">
+                <a:latin typeface="Arial"/>
+                <a:ea typeface="Noto Sans CJK SC"/>
+              </a:rPr>
+              <a:t>.</a:t>
+            </a:r>
+            <a:endParaRPr b="0" lang="en-US" sz="3200" spc="-1" strike="noStrike">
               <a:latin typeface="Arial"/>
             </a:endParaRPr>
           </a:p>
@@ -14609,16 +14799,13 @@
               <a:buChar char=""/>
             </a:pPr>
             <a:r>
-              <a:rPr b="0" lang="en-US" sz="2100" spc="-1" strike="noStrike">
-                <a:solidFill>
-                  <a:srgbClr val="000000"/>
-                </a:solidFill>
-                <a:latin typeface="Arial"/>
-                <a:ea typeface="JetBrains Mono"/>
-              </a:rPr>
-              <a:t>Expanding our research to include complete and wheel graphs.</a:t>
-            </a:r>
-            <a:endParaRPr b="0" lang="en-US" sz="2100" spc="-1" strike="noStrike">
+              <a:rPr b="0" lang="en-US" sz="3200" spc="-1" strike="noStrike">
+                <a:latin typeface="Arial"/>
+                <a:ea typeface="Noto Sans CJK SC"/>
+              </a:rPr>
+              <a:t>For the three layer model, things once again become more complex, being split into cases.  There are similarly structured to the two layer models where the invariant factors are based off of the size of all three layers and the rank is just the size of the last layer.</a:t>
+            </a:r>
+            <a:endParaRPr b="0" lang="en-US" sz="3200" spc="-1" strike="noStrike">
               <a:latin typeface="Arial"/>
             </a:endParaRPr>
           </a:p>
@@ -14667,7 +14854,7 @@
         <p:spPr>
           <a:xfrm>
             <a:off x="360000" y="225720"/>
-            <a:ext cx="9357840" cy="716760"/>
+            <a:ext cx="9356760" cy="715680"/>
           </a:xfrm>
           <a:prstGeom prst="rect">
             <a:avLst/>
@@ -14716,7 +14903,7 @@
         <p:spPr>
           <a:xfrm>
             <a:off x="360000" y="1485000"/>
-            <a:ext cx="9357840" cy="3777840"/>
+            <a:ext cx="9356760" cy="3776760"/>
           </a:xfrm>
           <a:prstGeom prst="rect">
             <a:avLst/>
@@ -14795,7 +14982,7 @@
       </p:grpSpPr>
       <p:sp>
         <p:nvSpPr>
-          <p:cNvPr id="178" name="PlaceHolder 1"/>
+          <p:cNvPr id="179" name="PlaceHolder 1"/>
           <p:cNvSpPr>
             <a:spLocks noGrp="1"/>
           </p:cNvSpPr>
@@ -14806,7 +14993,7 @@
         <p:spPr>
           <a:xfrm>
             <a:off x="360000" y="225720"/>
-            <a:ext cx="9357840" cy="716760"/>
+            <a:ext cx="9356760" cy="715680"/>
           </a:xfrm>
           <a:prstGeom prst="rect">
             <a:avLst/>
@@ -14834,138 +15021,9 @@
                 </a:solidFill>
                 <a:latin typeface="Arial"/>
               </a:rPr>
-              <a:t>The Chip Firing Game</a:t>
+              <a:t>Preliminaries</a:t>
             </a:r>
             <a:endParaRPr b="0" lang="en-US" sz="4400" spc="-1" strike="noStrike">
-              <a:latin typeface="Arial"/>
-            </a:endParaRPr>
-          </a:p>
-        </p:txBody>
-      </p:sp>
-      <p:sp>
-        <p:nvSpPr>
-          <p:cNvPr id="179" name="PlaceHolder 2"/>
-          <p:cNvSpPr>
-            <a:spLocks noGrp="1"/>
-          </p:cNvSpPr>
-          <p:nvPr>
-            <p:ph/>
-          </p:nvPr>
-        </p:nvSpPr>
-        <p:spPr>
-          <a:xfrm>
-            <a:off x="360000" y="1485000"/>
-            <a:ext cx="9357840" cy="3777840"/>
-          </a:xfrm>
-          <a:prstGeom prst="rect">
-            <a:avLst/>
-          </a:prstGeom>
-          <a:noFill/>
-          <a:ln w="0">
-            <a:noFill/>
-          </a:ln>
-        </p:spPr>
-        <p:txBody>
-          <a:bodyPr lIns="0" rIns="0" tIns="0" bIns="0" anchor="t">
-            <a:normAutofit fontScale="76000"/>
-          </a:bodyPr>
-          <a:p>
-            <a:pPr marL="432000" indent="-324000">
-              <a:lnSpc>
-                <a:spcPct val="100000"/>
-              </a:lnSpc>
-              <a:spcBef>
-                <a:spcPts val="1417"/>
-              </a:spcBef>
-              <a:buClr>
-                <a:srgbClr val="000000"/>
-              </a:buClr>
-              <a:buSzPct val="45000"/>
-              <a:buFont typeface="Wingdings" charset="2"/>
-              <a:buChar char=""/>
-            </a:pPr>
-            <a:r>
-              <a:rPr b="0" lang="en-US" sz="3200" spc="-1" strike="noStrike">
-                <a:latin typeface="Arial"/>
-              </a:rPr>
-              <a:t>When a game is started, each vertex on a graph is assigned a certain number of chips.</a:t>
-            </a:r>
-            <a:endParaRPr b="0" lang="en-US" sz="3200" spc="-1" strike="noStrike">
-              <a:latin typeface="Arial"/>
-            </a:endParaRPr>
-          </a:p>
-          <a:p>
-            <a:pPr marL="432000" indent="-324000">
-              <a:lnSpc>
-                <a:spcPct val="100000"/>
-              </a:lnSpc>
-              <a:spcBef>
-                <a:spcPts val="1417"/>
-              </a:spcBef>
-              <a:buClr>
-                <a:srgbClr val="000000"/>
-              </a:buClr>
-              <a:buSzPct val="45000"/>
-              <a:buFont typeface="Wingdings" charset="2"/>
-              <a:buChar char=""/>
-            </a:pPr>
-            <a:r>
-              <a:rPr b="0" lang="en-US" sz="3200" spc="-1" strike="noStrike">
-                <a:latin typeface="Arial"/>
-              </a:rPr>
-              <a:t>During play, chips can be lent or borrowed at each node where one or more chips are either sent or received along each outgoing edge equally.  </a:t>
-            </a:r>
-            <a:endParaRPr b="0" lang="en-US" sz="3200" spc="-1" strike="noStrike">
-              <a:latin typeface="Arial"/>
-            </a:endParaRPr>
-          </a:p>
-          <a:p>
-            <a:pPr marL="432000" indent="-324000">
-              <a:lnSpc>
-                <a:spcPct val="100000"/>
-              </a:lnSpc>
-              <a:spcBef>
-                <a:spcPts val="1417"/>
-              </a:spcBef>
-              <a:buClr>
-                <a:srgbClr val="000000"/>
-              </a:buClr>
-              <a:buSzPct val="45000"/>
-              <a:buFont typeface="Wingdings" charset="2"/>
-              <a:buChar char=""/>
-            </a:pPr>
-            <a:r>
-              <a:rPr b="0" lang="en-US" sz="3200" spc="-1" strike="noStrike">
-                <a:latin typeface="Arial"/>
-              </a:rPr>
-              <a:t>In the case of a directed graph, vertices can only interact with another along an outgoing or bidirectional edge. </a:t>
-            </a:r>
-            <a:endParaRPr b="0" lang="en-US" sz="3200" spc="-1" strike="noStrike">
-              <a:latin typeface="Arial"/>
-            </a:endParaRPr>
-          </a:p>
-          <a:p>
-            <a:pPr marL="432000" indent="-324000">
-              <a:lnSpc>
-                <a:spcPct val="100000"/>
-              </a:lnSpc>
-              <a:spcBef>
-                <a:spcPts val="1417"/>
-              </a:spcBef>
-              <a:buClr>
-                <a:srgbClr val="000000"/>
-              </a:buClr>
-              <a:buSzPct val="45000"/>
-              <a:buFont typeface="Wingdings" charset="2"/>
-              <a:buChar char=""/>
-            </a:pPr>
-            <a:r>
-              <a:rPr b="0" lang="en-US" sz="3200" spc="-1" strike="noStrike">
-                <a:latin typeface="Arial"/>
-              </a:rPr>
-              <a:t>The game is won once every vertex has a zero or greater number of chips (i.e. this vertex is not in debt).</a:t>
-            </a:r>
-            <a:endParaRPr b="0" lang="en-US" sz="3200" spc="-1" strike="noStrike">
               <a:latin typeface="Arial"/>
             </a:endParaRPr>
           </a:p>
@@ -15014,7 +15072,7 @@
         <p:spPr>
           <a:xfrm>
             <a:off x="360000" y="225720"/>
-            <a:ext cx="9357840" cy="716760"/>
+            <a:ext cx="9356760" cy="715680"/>
           </a:xfrm>
           <a:prstGeom prst="rect">
             <a:avLst/>
@@ -15050,29 +15108,135 @@
           </a:p>
         </p:txBody>
       </p:sp>
-      <p:pic>
-        <p:nvPicPr>
-          <p:cNvPr id="181" name="" descr=""/>
-          <p:cNvPicPr/>
-          <p:nvPr/>
-        </p:nvPicPr>
-        <p:blipFill>
-          <a:blip r:embed="rId1"/>
-          <a:stretch/>
-        </p:blipFill>
-        <p:spPr>
-          <a:xfrm>
-            <a:off x="2057400" y="2286000"/>
-            <a:ext cx="6198480" cy="1788480"/>
-          </a:xfrm>
-          <a:prstGeom prst="rect">
-            <a:avLst/>
-          </a:prstGeom>
-          <a:ln w="0">
-            <a:noFill/>
-          </a:ln>
-        </p:spPr>
-      </p:pic>
+      <p:sp>
+        <p:nvSpPr>
+          <p:cNvPr id="181" name="PlaceHolder 2"/>
+          <p:cNvSpPr>
+            <a:spLocks noGrp="1"/>
+          </p:cNvSpPr>
+          <p:nvPr>
+            <p:ph/>
+          </p:nvPr>
+        </p:nvSpPr>
+        <p:spPr>
+          <a:xfrm>
+            <a:off x="360000" y="1485000"/>
+            <a:ext cx="9356760" cy="3776760"/>
+          </a:xfrm>
+          <a:prstGeom prst="rect">
+            <a:avLst/>
+          </a:prstGeom>
+          <a:noFill/>
+          <a:ln w="0">
+            <a:noFill/>
+          </a:ln>
+        </p:spPr>
+        <p:txBody>
+          <a:bodyPr lIns="0" rIns="0" tIns="0" bIns="0" anchor="t">
+            <a:normAutofit fontScale="76000"/>
+          </a:bodyPr>
+          <a:p>
+            <a:pPr marL="432000" indent="-324000">
+              <a:lnSpc>
+                <a:spcPct val="100000"/>
+              </a:lnSpc>
+              <a:spcBef>
+                <a:spcPts val="1417"/>
+              </a:spcBef>
+              <a:buClr>
+                <a:srgbClr val="000000"/>
+              </a:buClr>
+              <a:buSzPct val="45000"/>
+              <a:buFont typeface="Wingdings" charset="2"/>
+              <a:buChar char=""/>
+            </a:pPr>
+            <a:r>
+              <a:rPr b="0" lang="en-US" sz="3200" spc="-1" strike="noStrike">
+                <a:latin typeface="Arial"/>
+              </a:rPr>
+              <a:t>When a game is started, each vertex on a graph is assigned a certain number of chips.</a:t>
+            </a:r>
+            <a:endParaRPr b="0" lang="en-US" sz="3200" spc="-1" strike="noStrike">
+              <a:latin typeface="Arial"/>
+            </a:endParaRPr>
+          </a:p>
+          <a:p>
+            <a:pPr marL="432000" indent="-324000">
+              <a:lnSpc>
+                <a:spcPct val="100000"/>
+              </a:lnSpc>
+              <a:spcBef>
+                <a:spcPts val="1417"/>
+              </a:spcBef>
+              <a:buClr>
+                <a:srgbClr val="000000"/>
+              </a:buClr>
+              <a:buSzPct val="45000"/>
+              <a:buFont typeface="Wingdings" charset="2"/>
+              <a:buChar char=""/>
+            </a:pPr>
+            <a:r>
+              <a:rPr b="0" lang="en-US" sz="3200" spc="-1" strike="noStrike">
+                <a:latin typeface="Arial"/>
+              </a:rPr>
+              <a:t>During play, chips can be lent or borrowed at each node where one or more chips are either sent or received along each outgoing edge equally.  </a:t>
+            </a:r>
+            <a:endParaRPr b="0" lang="en-US" sz="3200" spc="-1" strike="noStrike">
+              <a:latin typeface="Arial"/>
+            </a:endParaRPr>
+          </a:p>
+          <a:p>
+            <a:pPr marL="432000" indent="-324000">
+              <a:lnSpc>
+                <a:spcPct val="100000"/>
+              </a:lnSpc>
+              <a:spcBef>
+                <a:spcPts val="1417"/>
+              </a:spcBef>
+              <a:buClr>
+                <a:srgbClr val="000000"/>
+              </a:buClr>
+              <a:buSzPct val="45000"/>
+              <a:buFont typeface="Wingdings" charset="2"/>
+              <a:buChar char=""/>
+            </a:pPr>
+            <a:r>
+              <a:rPr b="0" lang="en-US" sz="3200" spc="-1" strike="noStrike">
+                <a:latin typeface="Arial"/>
+              </a:rPr>
+              <a:t>In the case of a directed graph, vertices can only interact with another along an outgoing or bidirectional edge. </a:t>
+            </a:r>
+            <a:endParaRPr b="0" lang="en-US" sz="3200" spc="-1" strike="noStrike">
+              <a:latin typeface="Arial"/>
+            </a:endParaRPr>
+          </a:p>
+          <a:p>
+            <a:pPr marL="432000" indent="-324000">
+              <a:lnSpc>
+                <a:spcPct val="100000"/>
+              </a:lnSpc>
+              <a:spcBef>
+                <a:spcPts val="1417"/>
+              </a:spcBef>
+              <a:buClr>
+                <a:srgbClr val="000000"/>
+              </a:buClr>
+              <a:buSzPct val="45000"/>
+              <a:buFont typeface="Wingdings" charset="2"/>
+              <a:buChar char=""/>
+            </a:pPr>
+            <a:r>
+              <a:rPr b="0" lang="en-US" sz="3200" spc="-1" strike="noStrike">
+                <a:latin typeface="Arial"/>
+              </a:rPr>
+              <a:t>The game is won once every vertex has a zero or greater number of chips (i.e. this vertex is not in debt).</a:t>
+            </a:r>
+            <a:endParaRPr b="0" lang="en-US" sz="3200" spc="-1" strike="noStrike">
+              <a:latin typeface="Arial"/>
+            </a:endParaRPr>
+          </a:p>
+        </p:txBody>
+      </p:sp>
     </p:spTree>
   </p:cSld>
   <mc:AlternateContent>
@@ -15115,8 +15279,8 @@
         </p:nvSpPr>
         <p:spPr>
           <a:xfrm>
-            <a:off x="360000" y="-39960"/>
-            <a:ext cx="9357840" cy="1248480"/>
+            <a:off x="360000" y="225720"/>
+            <a:ext cx="9356760" cy="715680"/>
           </a:xfrm>
           <a:prstGeom prst="rect">
             <a:avLst/>
@@ -15144,7 +15308,7 @@
                 </a:solidFill>
                 <a:latin typeface="Arial"/>
               </a:rPr>
-              <a:t>Applications</a:t>
+              <a:t>The Chip Firing Game</a:t>
             </a:r>
             <a:endParaRPr b="0" lang="en-US" sz="4400" spc="-1" strike="noStrike">
               <a:latin typeface="Arial"/>
@@ -15152,152 +15316,29 @@
           </a:p>
         </p:txBody>
       </p:sp>
-      <p:sp>
-        <p:nvSpPr>
-          <p:cNvPr id="183" name="PlaceHolder 2"/>
-          <p:cNvSpPr>
-            <a:spLocks noGrp="1"/>
-          </p:cNvSpPr>
-          <p:nvPr>
-            <p:ph/>
-          </p:nvPr>
-        </p:nvSpPr>
-        <p:spPr>
-          <a:xfrm>
-            <a:off x="360000" y="1485000"/>
-            <a:ext cx="9468360" cy="3777840"/>
-          </a:xfrm>
-          <a:prstGeom prst="rect">
-            <a:avLst/>
-          </a:prstGeom>
-          <a:noFill/>
-          <a:ln w="0">
-            <a:noFill/>
-          </a:ln>
-        </p:spPr>
-        <p:txBody>
-          <a:bodyPr lIns="0" rIns="0" tIns="0" bIns="0" anchor="t">
-            <a:normAutofit/>
-          </a:bodyPr>
-          <a:p>
-            <a:pPr marL="432000" indent="-324000">
-              <a:lnSpc>
-                <a:spcPct val="100000"/>
-              </a:lnSpc>
-              <a:spcBef>
-                <a:spcPts val="1417"/>
-              </a:spcBef>
-              <a:buClr>
-                <a:srgbClr val="000000"/>
-              </a:buClr>
-              <a:buSzPct val="45000"/>
-              <a:buFont typeface="Wingdings" charset="2"/>
-              <a:buChar char=""/>
-            </a:pPr>
-            <a:r>
-              <a:rPr b="0" lang="en-US" sz="2100" spc="-1" strike="noStrike">
-                <a:solidFill>
-                  <a:srgbClr val="000000"/>
-                </a:solidFill>
-                <a:latin typeface="Arial"/>
-                <a:ea typeface="JetBrains Mono"/>
-              </a:rPr>
-              <a:t>By further understanding how to analyze the possible moves and winning strategies of more complex graphs, Chip-Firing games become more easily usable in different applications.</a:t>
-            </a:r>
-            <a:endParaRPr b="0" lang="en-US" sz="2100" spc="-1" strike="noStrike">
-              <a:latin typeface="Arial"/>
-            </a:endParaRPr>
-          </a:p>
-          <a:p>
-            <a:pPr marL="432000" indent="-324000">
-              <a:lnSpc>
-                <a:spcPct val="100000"/>
-              </a:lnSpc>
-              <a:spcBef>
-                <a:spcPts val="1417"/>
-              </a:spcBef>
-              <a:buClr>
-                <a:srgbClr val="000000"/>
-              </a:buClr>
-              <a:buSzPct val="45000"/>
-              <a:buFont typeface="Wingdings" charset="2"/>
-              <a:buChar char=""/>
-            </a:pPr>
-            <a:r>
-              <a:rPr b="0" lang="en-US" sz="2100" spc="-1" strike="noStrike">
-                <a:solidFill>
-                  <a:srgbClr val="000000"/>
-                </a:solidFill>
-                <a:latin typeface="Arial"/>
-                <a:ea typeface="JetBrains Mono"/>
-              </a:rPr>
-              <a:t>A notable usage of these games is in economics, where these games, especially the directed variants can be used to model the flow of money</a:t>
-            </a:r>
-            <a:r>
-              <a:rPr b="0" lang="en-US" sz="2100" spc="-1" strike="noStrike">
-                <a:solidFill>
-                  <a:srgbClr val="000000"/>
-                </a:solidFill>
-                <a:latin typeface="Arial"/>
-                <a:ea typeface="JetBrains Mono"/>
-              </a:rPr>
-              <a:t> or assets from one entity to another.</a:t>
-            </a:r>
-            <a:endParaRPr b="0" lang="en-US" sz="2100" spc="-1" strike="noStrike">
-              <a:latin typeface="Arial"/>
-            </a:endParaRPr>
-          </a:p>
-          <a:p>
-            <a:pPr marL="432000" indent="-324000">
-              <a:lnSpc>
-                <a:spcPct val="100000"/>
-              </a:lnSpc>
-              <a:spcBef>
-                <a:spcPts val="1417"/>
-              </a:spcBef>
-              <a:buClr>
-                <a:srgbClr val="000000"/>
-              </a:buClr>
-              <a:buSzPct val="45000"/>
-              <a:buFont typeface="Wingdings" charset="2"/>
-              <a:buChar char=""/>
-            </a:pPr>
-            <a:r>
-              <a:rPr b="0" lang="en-US" sz="2100" spc="-1" strike="noStrike">
-                <a:solidFill>
-                  <a:srgbClr val="000000"/>
-                </a:solidFill>
-                <a:latin typeface="Arial"/>
-                <a:ea typeface="JetBrains Mono"/>
-              </a:rPr>
-              <a:t>A more entertaining usage is through map-based board games such as </a:t>
-            </a:r>
-            <a:r>
-              <a:rPr b="0" i="1" lang="en-US" sz="2100" spc="-1" strike="noStrike">
-                <a:solidFill>
-                  <a:srgbClr val="000000"/>
-                </a:solidFill>
-                <a:latin typeface="Arial"/>
-                <a:ea typeface="JetBrains Mono"/>
-              </a:rPr>
-              <a:t>RISK</a:t>
-            </a:r>
-            <a:r>
-              <a:rPr b="0" lang="en-US" sz="2100" spc="-1" strike="noStrike">
-                <a:solidFill>
-                  <a:srgbClr val="000000"/>
-                </a:solidFill>
-                <a:latin typeface="Arial"/>
-                <a:ea typeface="JetBrains Mono"/>
-              </a:rPr>
-              <a:t> where armies are sent to neutralize neighboring enemies until the game is won when no other enemies are on the board.</a:t>
-            </a:r>
-            <a:endParaRPr b="0" lang="en-US" sz="2100" spc="-1" strike="noStrike">
-              <a:latin typeface="Arial"/>
-            </a:endParaRPr>
-          </a:p>
-        </p:txBody>
-      </p:sp>
+      <p:pic>
+        <p:nvPicPr>
+          <p:cNvPr id="183" name="" descr=""/>
+          <p:cNvPicPr/>
+          <p:nvPr/>
+        </p:nvPicPr>
+        <p:blipFill>
+          <a:blip r:embed="rId1"/>
+          <a:stretch/>
+        </p:blipFill>
+        <p:spPr>
+          <a:xfrm>
+            <a:off x="2057400" y="2286000"/>
+            <a:ext cx="6197400" cy="1787400"/>
+          </a:xfrm>
+          <a:prstGeom prst="rect">
+            <a:avLst/>
+          </a:prstGeom>
+          <a:ln w="0">
+            <a:noFill/>
+          </a:ln>
+        </p:spPr>
+      </p:pic>
     </p:spTree>
   </p:cSld>
   <mc:AlternateContent>
@@ -15335,13 +15376,62 @@
             <a:spLocks noGrp="1"/>
           </p:cNvSpPr>
           <p:nvPr>
+            <p:ph type="title"/>
+          </p:nvPr>
+        </p:nvSpPr>
+        <p:spPr>
+          <a:xfrm>
+            <a:off x="360000" y="-39960"/>
+            <a:ext cx="9356760" cy="1247400"/>
+          </a:xfrm>
+          <a:prstGeom prst="rect">
+            <a:avLst/>
+          </a:prstGeom>
+          <a:noFill/>
+          <a:ln w="0">
+            <a:noFill/>
+          </a:ln>
+        </p:spPr>
+        <p:txBody>
+          <a:bodyPr lIns="0" rIns="0" tIns="0" bIns="0" anchor="ctr">
+            <a:noAutofit/>
+          </a:bodyPr>
+          <a:p>
+            <a:pPr algn="ctr">
+              <a:lnSpc>
+                <a:spcPct val="100000"/>
+              </a:lnSpc>
+              <a:buNone/>
+            </a:pPr>
+            <a:r>
+              <a:rPr b="0" lang="en-US" sz="4400" spc="-1" strike="noStrike">
+                <a:solidFill>
+                  <a:srgbClr val="ffffff"/>
+                </a:solidFill>
+                <a:latin typeface="Arial"/>
+              </a:rPr>
+              <a:t>Applications</a:t>
+            </a:r>
+            <a:endParaRPr b="0" lang="en-US" sz="4400" spc="-1" strike="noStrike">
+              <a:latin typeface="Arial"/>
+            </a:endParaRPr>
+          </a:p>
+        </p:txBody>
+      </p:sp>
+      <p:sp>
+        <p:nvSpPr>
+          <p:cNvPr id="185" name="PlaceHolder 2"/>
+          <p:cNvSpPr>
+            <a:spLocks noGrp="1"/>
+          </p:cNvSpPr>
+          <p:nvPr>
             <p:ph/>
           </p:nvPr>
         </p:nvSpPr>
         <p:spPr>
           <a:xfrm>
             <a:off x="360000" y="1485000"/>
-            <a:ext cx="9357840" cy="3777840"/>
+            <a:ext cx="9467280" cy="3776760"/>
           </a:xfrm>
           <a:prstGeom prst="rect">
             <a:avLst/>
@@ -15353,7 +15443,7 @@
         </p:spPr>
         <p:txBody>
           <a:bodyPr lIns="0" rIns="0" tIns="0" bIns="0" anchor="t">
-            <a:normAutofit fontScale="79000"/>
+            <a:normAutofit/>
           </a:bodyPr>
           <a:p>
             <a:pPr marL="432000" indent="-324000">
@@ -15371,146 +15461,16 @@
               <a:buChar char=""/>
             </a:pPr>
             <a:r>
-              <a:rPr b="0" lang="en-US" sz="3200" spc="-1" strike="noStrike">
-                <a:latin typeface="Arial"/>
-                <a:ea typeface="Noto Sans CJK SC"/>
-              </a:rPr>
-              <a:t>In the study of this game a </a:t>
-            </a:r>
-            <a:r>
-              <a:rPr b="1" lang="en-US" sz="3200" spc="-1" strike="noStrike">
-                <a:latin typeface="Arial"/>
-                <a:ea typeface="Noto Sans CJK SC"/>
-              </a:rPr>
-              <a:t>Divisor</a:t>
-            </a:r>
-            <a:r>
-              <a:rPr b="0" lang="en-US" sz="3200" spc="-1" strike="noStrike">
-                <a:latin typeface="Arial"/>
-                <a:ea typeface="Noto Sans CJK SC"/>
-              </a:rPr>
-              <a:t> of a graph </a:t>
-            </a:r>
-            <a:r>
-              <a:rPr b="0" i="1" lang="en-US" sz="3200" spc="-1" strike="noStrike">
-                <a:latin typeface="Arial"/>
-                <a:ea typeface="Noto Sans CJK SC"/>
-              </a:rPr>
-              <a:t>G</a:t>
-            </a:r>
-            <a:r>
-              <a:rPr b="0" lang="en-US" sz="3200" spc="-1" strike="noStrike">
-                <a:latin typeface="Arial"/>
-                <a:ea typeface="Noto Sans CJK SC"/>
-              </a:rPr>
-              <a:t>,</a:t>
-            </a:r>
-            <a:r>
-              <a:rPr b="0" i="1" lang="en-US" sz="3200" spc="-1" strike="noStrike">
-                <a:latin typeface="Arial"/>
-                <a:ea typeface="Noto Sans CJK SC"/>
-              </a:rPr>
-              <a:t> Div(G)</a:t>
-            </a:r>
-            <a:r>
-              <a:rPr b="0" lang="en-US" sz="3200" spc="-1" strike="noStrike">
-                <a:latin typeface="Arial"/>
-                <a:ea typeface="Noto Sans CJK SC"/>
-              </a:rPr>
-              <a:t>, is an integer vector </a:t>
-            </a:r>
-            <a:r>
-              <a:rPr b="0" i="1" lang="en-US" sz="3200" spc="-1" strike="noStrike">
-                <a:latin typeface="Arial"/>
-                <a:ea typeface="Noto Sans CJK SC"/>
-              </a:rPr>
-              <a:t>v ∈ ℤ</a:t>
-            </a:r>
-            <a:r>
-              <a:rPr b="0" i="1" lang="en-US" sz="3200" spc="-1" strike="noStrike" baseline="33000">
-                <a:latin typeface="Arial"/>
-                <a:ea typeface="Noto Sans CJK SC"/>
-              </a:rPr>
-              <a:t>n</a:t>
-            </a:r>
-            <a:r>
-              <a:rPr b="0" lang="en-US" sz="3200" spc="-1" strike="noStrike">
-                <a:latin typeface="Arial"/>
-                <a:ea typeface="Noto Sans CJK SC"/>
-              </a:rPr>
-              <a:t> where </a:t>
-            </a:r>
-            <a:r>
-              <a:rPr b="0" i="1" lang="en-US" sz="3200" spc="-1" strike="noStrike">
-                <a:latin typeface="Arial"/>
-                <a:ea typeface="Noto Sans CJK SC"/>
-              </a:rPr>
-              <a:t>n</a:t>
-            </a:r>
-            <a:r>
-              <a:rPr b="0" lang="en-US" sz="3200" spc="-1" strike="noStrike">
-                <a:latin typeface="Arial"/>
-                <a:ea typeface="Noto Sans CJK SC"/>
-              </a:rPr>
-              <a:t> is the number of vertices in the graph.  The </a:t>
-            </a:r>
-            <a:r>
-              <a:rPr b="0" i="1" lang="en-US" sz="3200" spc="-1" strike="noStrike">
-                <a:latin typeface="Arial"/>
-                <a:ea typeface="Noto Sans CJK SC"/>
-              </a:rPr>
-              <a:t>i</a:t>
-            </a:r>
-            <a:r>
-              <a:rPr b="0" i="1" lang="en-US" sz="3200" spc="-1" strike="noStrike" baseline="33000">
-                <a:latin typeface="Arial"/>
-                <a:ea typeface="Noto Sans CJK SC"/>
-              </a:rPr>
-              <a:t>th</a:t>
-            </a:r>
-            <a:r>
-              <a:rPr b="0" lang="en-US" sz="3200" spc="-1" strike="noStrike">
-                <a:latin typeface="Arial"/>
-                <a:ea typeface="Noto Sans CJK SC"/>
-              </a:rPr>
-              <a:t> element of </a:t>
-            </a:r>
-            <a:r>
-              <a:rPr b="0" i="1" lang="en-US" sz="3200" spc="-1" strike="noStrike">
-                <a:latin typeface="Arial"/>
-                <a:ea typeface="Noto Sans CJK SC"/>
-              </a:rPr>
-              <a:t>v</a:t>
-            </a:r>
-            <a:r>
-              <a:rPr b="0" lang="en-US" sz="3200" spc="-1" strike="noStrike">
-                <a:latin typeface="Arial"/>
-                <a:ea typeface="Noto Sans CJK SC"/>
-              </a:rPr>
-              <a:t> is the number of chips on the </a:t>
-            </a:r>
-            <a:r>
-              <a:rPr b="0" i="1" lang="en-US" sz="3200" spc="-1" strike="noStrike">
-                <a:latin typeface="Arial"/>
-                <a:ea typeface="Noto Sans CJK SC"/>
-              </a:rPr>
-              <a:t>i</a:t>
-            </a:r>
-            <a:r>
-              <a:rPr b="0" i="1" lang="en-US" sz="3200" spc="-1" strike="noStrike" baseline="33000">
-                <a:latin typeface="Arial"/>
-                <a:ea typeface="Noto Sans CJK SC"/>
-              </a:rPr>
-              <a:t>th </a:t>
-            </a:r>
-            <a:r>
-              <a:rPr b="0" lang="en-US" sz="3200" spc="-1" strike="noStrike">
-                <a:latin typeface="Arial"/>
-                <a:ea typeface="Noto Sans CJK SC"/>
-              </a:rPr>
-              <a:t>vertex of the graph.  </a:t>
-            </a:r>
-            <a:endParaRPr b="0" lang="en-US" sz="3200" spc="-1" strike="noStrike">
+              <a:rPr b="0" lang="en-US" sz="2100" spc="-1" strike="noStrike">
+                <a:solidFill>
+                  <a:srgbClr val="000000"/>
+                </a:solidFill>
+                <a:latin typeface="Arial"/>
+                <a:ea typeface="JetBrains Mono"/>
+              </a:rPr>
+              <a:t>By further understanding how to analyze the possible moves and winning strategies of more complex graphs, Chip-Firing games become more easily usable in different applications.</a:t>
+            </a:r>
+            <a:endParaRPr b="0" lang="en-US" sz="2100" spc="-1" strike="noStrike">
               <a:latin typeface="Arial"/>
             </a:endParaRPr>
           </a:p>
@@ -15530,41 +15490,16 @@
               <a:buChar char=""/>
             </a:pPr>
             <a:r>
-              <a:rPr b="0" lang="en-US" sz="3200" spc="-1" strike="noStrike">
-                <a:latin typeface="Arial"/>
-                <a:ea typeface="Noto Sans CJK SC"/>
-              </a:rPr>
-              <a:t>Two divisors have an </a:t>
-            </a:r>
-            <a:r>
-              <a:rPr b="1" lang="en-US" sz="3200" spc="-1" strike="noStrike">
-                <a:latin typeface="Arial"/>
-                <a:ea typeface="Noto Sans CJK SC"/>
-              </a:rPr>
-              <a:t>Equivalence Relation</a:t>
-            </a:r>
-            <a:r>
-              <a:rPr b="0" lang="en-US" sz="3200" spc="-1" strike="noStrike">
-                <a:latin typeface="Arial"/>
-                <a:ea typeface="Noto Sans CJK SC"/>
-              </a:rPr>
-              <a:t> (</a:t>
-            </a:r>
-            <a:r>
-              <a:rPr b="0" i="1" lang="en-US" sz="3200" spc="-1" strike="noStrike">
-                <a:latin typeface="Arial"/>
-                <a:ea typeface="Noto Sans CJK SC"/>
-              </a:rPr>
-              <a:t>∼</a:t>
-            </a:r>
-            <a:r>
-              <a:rPr b="0" lang="en-US" sz="3200" spc="-1" strike="noStrike">
-                <a:latin typeface="Arial"/>
-                <a:ea typeface="Noto Sans CJK SC"/>
-              </a:rPr>
-              <a:t>) if one divisor can be obtained from the other by a finite series of lending or borrowing moves.   </a:t>
-            </a:r>
-            <a:endParaRPr b="0" lang="en-US" sz="3200" spc="-1" strike="noStrike">
+              <a:rPr b="0" lang="en-US" sz="2100" spc="-1" strike="noStrike">
+                <a:solidFill>
+                  <a:srgbClr val="000000"/>
+                </a:solidFill>
+                <a:latin typeface="Arial"/>
+                <a:ea typeface="JetBrains Mono"/>
+              </a:rPr>
+              <a:t>A notable usage of these games is in economics, where these games, especially the directed variants can be used to model the flow of money or assets from one entity to another.</a:t>
+            </a:r>
+            <a:endParaRPr b="0" lang="en-US" sz="2100" spc="-1" strike="noStrike">
               <a:latin typeface="Arial"/>
             </a:endParaRPr>
           </a:p>
@@ -15584,83 +15519,36 @@
               <a:buChar char=""/>
             </a:pPr>
             <a:r>
-              <a:rPr b="0" lang="en-US" sz="3200" spc="-1" strike="noStrike">
-                <a:latin typeface="Arial"/>
-                <a:ea typeface="Noto Sans CJK SC"/>
-              </a:rPr>
-              <a:t>An </a:t>
-            </a:r>
-            <a:r>
-              <a:rPr b="1" i="1" lang="en-US" sz="3200" spc="-1" strike="noStrike">
-                <a:latin typeface="Arial"/>
-                <a:ea typeface="Noto Sans CJK SC"/>
-              </a:rPr>
-              <a:t>Equivalence Class</a:t>
-            </a:r>
-            <a:r>
-              <a:rPr b="0" i="1" lang="en-US" sz="3200" spc="-1" strike="noStrike">
-                <a:latin typeface="Arial"/>
-                <a:ea typeface="Noto Sans CJK SC"/>
-              </a:rPr>
-              <a:t>, [D]</a:t>
-            </a:r>
-            <a:r>
-              <a:rPr b="0" lang="en-US" sz="3200" spc="-1" strike="noStrike">
-                <a:latin typeface="Arial"/>
-                <a:ea typeface="Noto Sans CJK SC"/>
-              </a:rPr>
-              <a:t>, is the set of all divisors that are equivalent to each other.</a:t>
-            </a:r>
-            <a:endParaRPr b="0" lang="en-US" sz="3200" spc="-1" strike="noStrike">
-              <a:latin typeface="Arial"/>
-            </a:endParaRPr>
-          </a:p>
-        </p:txBody>
-      </p:sp>
-      <p:sp>
-        <p:nvSpPr>
-          <p:cNvPr id="185" name="PlaceHolder 2"/>
-          <p:cNvSpPr>
-            <a:spLocks noGrp="1"/>
-          </p:cNvSpPr>
-          <p:nvPr>
-            <p:ph type="title"/>
-          </p:nvPr>
-        </p:nvSpPr>
-        <p:spPr>
-          <a:xfrm>
-            <a:off x="360000" y="225720"/>
-            <a:ext cx="9357840" cy="716760"/>
-          </a:xfrm>
-          <a:prstGeom prst="rect">
-            <a:avLst/>
-          </a:prstGeom>
-          <a:noFill/>
-          <a:ln w="0">
-            <a:noFill/>
-          </a:ln>
-        </p:spPr>
-        <p:txBody>
-          <a:bodyPr lIns="0" rIns="0" tIns="0" bIns="0" anchor="ctr">
-            <a:noAutofit/>
-          </a:bodyPr>
-          <a:p>
-            <a:pPr algn="ctr">
-              <a:lnSpc>
-                <a:spcPct val="100000"/>
-              </a:lnSpc>
-              <a:buNone/>
-            </a:pPr>
-            <a:r>
-              <a:rPr b="0" lang="en-US" sz="4400" spc="-1" strike="noStrike">
+              <a:rPr b="0" lang="en-US" sz="2100" spc="-1" strike="noStrike">
                 <a:solidFill>
-                  <a:srgbClr val="ffffff"/>
+                  <a:srgbClr val="000000"/>
                 </a:solidFill>
                 <a:latin typeface="Arial"/>
-              </a:rPr>
-              <a:t>Divisors and Equivalence Relations</a:t>
-            </a:r>
-            <a:endParaRPr b="0" lang="en-US" sz="4400" spc="-1" strike="noStrike">
+                <a:ea typeface="JetBrains Mono"/>
+              </a:rPr>
+              <a:t>A more entertaining usage is through map-based board games such as </a:t>
+            </a:r>
+            <a:r>
+              <a:rPr b="0" i="1" lang="en-US" sz="2100" spc="-1" strike="noStrike">
+                <a:solidFill>
+                  <a:srgbClr val="000000"/>
+                </a:solidFill>
+                <a:latin typeface="Arial"/>
+                <a:ea typeface="JetBrains Mono"/>
+              </a:rPr>
+              <a:t>RISK</a:t>
+            </a:r>
+            <a:r>
+              <a:rPr b="0" lang="en-US" sz="2100" spc="-1" strike="noStrike">
+                <a:solidFill>
+                  <a:srgbClr val="000000"/>
+                </a:solidFill>
+                <a:latin typeface="Arial"/>
+                <a:ea typeface="JetBrains Mono"/>
+              </a:rPr>
+              <a:t> where armies are sent to neutralize neighboring enemies until the game is won when no other enemies are on the board.</a:t>
+            </a:r>
+            <a:endParaRPr b="0" lang="en-US" sz="2100" spc="-1" strike="noStrike">
               <a:latin typeface="Arial"/>
             </a:endParaRPr>
           </a:p>
@@ -15703,13 +15591,302 @@
             <a:spLocks noGrp="1"/>
           </p:cNvSpPr>
           <p:nvPr>
+            <p:ph/>
+          </p:nvPr>
+        </p:nvSpPr>
+        <p:spPr>
+          <a:xfrm>
+            <a:off x="360000" y="1485000"/>
+            <a:ext cx="9356760" cy="3776760"/>
+          </a:xfrm>
+          <a:prstGeom prst="rect">
+            <a:avLst/>
+          </a:prstGeom>
+          <a:noFill/>
+          <a:ln w="0">
+            <a:noFill/>
+          </a:ln>
+        </p:spPr>
+        <p:txBody>
+          <a:bodyPr lIns="0" rIns="0" tIns="0" bIns="0" anchor="t">
+            <a:normAutofit fontScale="79000"/>
+          </a:bodyPr>
+          <a:p>
+            <a:pPr marL="432000" indent="-324000">
+              <a:lnSpc>
+                <a:spcPct val="100000"/>
+              </a:lnSpc>
+              <a:spcBef>
+                <a:spcPts val="1417"/>
+              </a:spcBef>
+              <a:buClr>
+                <a:srgbClr val="000000"/>
+              </a:buClr>
+              <a:buSzPct val="45000"/>
+              <a:buFont typeface="Wingdings" charset="2"/>
+              <a:buChar char=""/>
+            </a:pPr>
+            <a:r>
+              <a:rPr b="0" lang="en-US" sz="3200" spc="-1" strike="noStrike">
+                <a:latin typeface="Arial"/>
+                <a:ea typeface="Noto Sans CJK SC"/>
+              </a:rPr>
+              <a:t>In the study of this game a </a:t>
+            </a:r>
+            <a:r>
+              <a:rPr b="1" lang="en-US" sz="3200" spc="-1" strike="noStrike">
+                <a:latin typeface="Arial"/>
+                <a:ea typeface="Noto Sans CJK SC"/>
+              </a:rPr>
+              <a:t>Divisor</a:t>
+            </a:r>
+            <a:r>
+              <a:rPr b="0" lang="en-US" sz="3200" spc="-1" strike="noStrike">
+                <a:latin typeface="Arial"/>
+                <a:ea typeface="Noto Sans CJK SC"/>
+              </a:rPr>
+              <a:t> of a graph </a:t>
+            </a:r>
+            <a:r>
+              <a:rPr b="0" i="1" lang="en-US" sz="3200" spc="-1" strike="noStrike">
+                <a:latin typeface="Arial"/>
+                <a:ea typeface="Noto Sans CJK SC"/>
+              </a:rPr>
+              <a:t>G</a:t>
+            </a:r>
+            <a:r>
+              <a:rPr b="0" lang="en-US" sz="3200" spc="-1" strike="noStrike">
+                <a:latin typeface="Arial"/>
+                <a:ea typeface="Noto Sans CJK SC"/>
+              </a:rPr>
+              <a:t>,</a:t>
+            </a:r>
+            <a:r>
+              <a:rPr b="0" i="1" lang="en-US" sz="3200" spc="-1" strike="noStrike">
+                <a:latin typeface="Arial"/>
+                <a:ea typeface="Noto Sans CJK SC"/>
+              </a:rPr>
+              <a:t> Div(G)</a:t>
+            </a:r>
+            <a:r>
+              <a:rPr b="0" lang="en-US" sz="3200" spc="-1" strike="noStrike">
+                <a:latin typeface="Arial"/>
+                <a:ea typeface="Noto Sans CJK SC"/>
+              </a:rPr>
+              <a:t>, is an integer vector </a:t>
+            </a:r>
+            <a:r>
+              <a:rPr b="0" i="1" lang="en-US" sz="3200" spc="-1" strike="noStrike">
+                <a:latin typeface="Arial"/>
+                <a:ea typeface="Noto Sans CJK SC"/>
+              </a:rPr>
+              <a:t>v ∈ ℤ</a:t>
+            </a:r>
+            <a:r>
+              <a:rPr b="0" i="1" lang="en-US" sz="3200" spc="-1" strike="noStrike" baseline="33000">
+                <a:latin typeface="Arial"/>
+                <a:ea typeface="Noto Sans CJK SC"/>
+              </a:rPr>
+              <a:t>n</a:t>
+            </a:r>
+            <a:r>
+              <a:rPr b="0" lang="en-US" sz="3200" spc="-1" strike="noStrike">
+                <a:latin typeface="Arial"/>
+                <a:ea typeface="Noto Sans CJK SC"/>
+              </a:rPr>
+              <a:t> where </a:t>
+            </a:r>
+            <a:r>
+              <a:rPr b="0" i="1" lang="en-US" sz="3200" spc="-1" strike="noStrike">
+                <a:latin typeface="Arial"/>
+                <a:ea typeface="Noto Sans CJK SC"/>
+              </a:rPr>
+              <a:t>n</a:t>
+            </a:r>
+            <a:r>
+              <a:rPr b="0" lang="en-US" sz="3200" spc="-1" strike="noStrike">
+                <a:latin typeface="Arial"/>
+                <a:ea typeface="Noto Sans CJK SC"/>
+              </a:rPr>
+              <a:t> is the number of vertices in the graph.  The </a:t>
+            </a:r>
+            <a:r>
+              <a:rPr b="0" i="1" lang="en-US" sz="3200" spc="-1" strike="noStrike">
+                <a:latin typeface="Arial"/>
+                <a:ea typeface="Noto Sans CJK SC"/>
+              </a:rPr>
+              <a:t>i</a:t>
+            </a:r>
+            <a:r>
+              <a:rPr b="0" i="1" lang="en-US" sz="3200" spc="-1" strike="noStrike" baseline="33000">
+                <a:latin typeface="Arial"/>
+                <a:ea typeface="Noto Sans CJK SC"/>
+              </a:rPr>
+              <a:t>th</a:t>
+            </a:r>
+            <a:r>
+              <a:rPr b="0" lang="en-US" sz="3200" spc="-1" strike="noStrike">
+                <a:latin typeface="Arial"/>
+                <a:ea typeface="Noto Sans CJK SC"/>
+              </a:rPr>
+              <a:t> element of </a:t>
+            </a:r>
+            <a:r>
+              <a:rPr b="0" i="1" lang="en-US" sz="3200" spc="-1" strike="noStrike">
+                <a:latin typeface="Arial"/>
+                <a:ea typeface="Noto Sans CJK SC"/>
+              </a:rPr>
+              <a:t>v</a:t>
+            </a:r>
+            <a:r>
+              <a:rPr b="0" lang="en-US" sz="3200" spc="-1" strike="noStrike">
+                <a:latin typeface="Arial"/>
+                <a:ea typeface="Noto Sans CJK SC"/>
+              </a:rPr>
+              <a:t> is the number of chips on the </a:t>
+            </a:r>
+            <a:r>
+              <a:rPr b="0" i="1" lang="en-US" sz="3200" spc="-1" strike="noStrike">
+                <a:latin typeface="Arial"/>
+                <a:ea typeface="Noto Sans CJK SC"/>
+              </a:rPr>
+              <a:t>i</a:t>
+            </a:r>
+            <a:r>
+              <a:rPr b="0" i="1" lang="en-US" sz="3200" spc="-1" strike="noStrike" baseline="33000">
+                <a:latin typeface="Arial"/>
+                <a:ea typeface="Noto Sans CJK SC"/>
+              </a:rPr>
+              <a:t>th </a:t>
+            </a:r>
+            <a:r>
+              <a:rPr b="0" lang="en-US" sz="3200" spc="-1" strike="noStrike">
+                <a:latin typeface="Arial"/>
+                <a:ea typeface="Noto Sans CJK SC"/>
+              </a:rPr>
+              <a:t>vertex of the graph.  </a:t>
+            </a:r>
+            <a:endParaRPr b="0" lang="en-US" sz="3200" spc="-1" strike="noStrike">
+              <a:latin typeface="Arial"/>
+            </a:endParaRPr>
+          </a:p>
+          <a:p>
+            <a:pPr marL="432000" indent="-324000">
+              <a:lnSpc>
+                <a:spcPct val="100000"/>
+              </a:lnSpc>
+              <a:spcBef>
+                <a:spcPts val="1417"/>
+              </a:spcBef>
+              <a:buClr>
+                <a:srgbClr val="000000"/>
+              </a:buClr>
+              <a:buSzPct val="45000"/>
+              <a:buFont typeface="Wingdings" charset="2"/>
+              <a:buChar char=""/>
+            </a:pPr>
+            <a:r>
+              <a:rPr b="0" lang="en-US" sz="3200" spc="-1" strike="noStrike">
+                <a:latin typeface="Arial"/>
+                <a:ea typeface="Noto Sans CJK SC"/>
+              </a:rPr>
+              <a:t>Two divisors have an </a:t>
+            </a:r>
+            <a:r>
+              <a:rPr b="1" lang="en-US" sz="3200" spc="-1" strike="noStrike">
+                <a:latin typeface="Arial"/>
+                <a:ea typeface="Noto Sans CJK SC"/>
+              </a:rPr>
+              <a:t>Equivalence Relation</a:t>
+            </a:r>
+            <a:r>
+              <a:rPr b="0" lang="en-US" sz="3200" spc="-1" strike="noStrike">
+                <a:latin typeface="Arial"/>
+                <a:ea typeface="Noto Sans CJK SC"/>
+              </a:rPr>
+              <a:t> (</a:t>
+            </a:r>
+            <a:r>
+              <a:rPr b="0" i="1" lang="en-US" sz="3200" spc="-1" strike="noStrike">
+                <a:latin typeface="Arial"/>
+                <a:ea typeface="Noto Sans CJK SC"/>
+              </a:rPr>
+              <a:t>∼</a:t>
+            </a:r>
+            <a:r>
+              <a:rPr b="0" lang="en-US" sz="3200" spc="-1" strike="noStrike">
+                <a:latin typeface="Arial"/>
+                <a:ea typeface="Noto Sans CJK SC"/>
+              </a:rPr>
+              <a:t>) if one divisor can be obtained from the other by a finite series of lending or borrowing moves.   </a:t>
+            </a:r>
+            <a:endParaRPr b="0" lang="en-US" sz="3200" spc="-1" strike="noStrike">
+              <a:latin typeface="Arial"/>
+            </a:endParaRPr>
+          </a:p>
+          <a:p>
+            <a:pPr marL="432000" indent="-324000">
+              <a:lnSpc>
+                <a:spcPct val="100000"/>
+              </a:lnSpc>
+              <a:spcBef>
+                <a:spcPts val="1417"/>
+              </a:spcBef>
+              <a:buClr>
+                <a:srgbClr val="000000"/>
+              </a:buClr>
+              <a:buSzPct val="45000"/>
+              <a:buFont typeface="Wingdings" charset="2"/>
+              <a:buChar char=""/>
+            </a:pPr>
+            <a:r>
+              <a:rPr b="0" lang="en-US" sz="3200" spc="-1" strike="noStrike">
+                <a:latin typeface="Arial"/>
+                <a:ea typeface="Noto Sans CJK SC"/>
+              </a:rPr>
+              <a:t>An </a:t>
+            </a:r>
+            <a:r>
+              <a:rPr b="1" i="1" lang="en-US" sz="3200" spc="-1" strike="noStrike">
+                <a:latin typeface="Arial"/>
+                <a:ea typeface="Noto Sans CJK SC"/>
+              </a:rPr>
+              <a:t>Equivalence Class</a:t>
+            </a:r>
+            <a:r>
+              <a:rPr b="0" i="1" lang="en-US" sz="3200" spc="-1" strike="noStrike">
+                <a:latin typeface="Arial"/>
+                <a:ea typeface="Noto Sans CJK SC"/>
+              </a:rPr>
+              <a:t>, [D]</a:t>
+            </a:r>
+            <a:r>
+              <a:rPr b="0" lang="en-US" sz="3200" spc="-1" strike="noStrike">
+                <a:latin typeface="Arial"/>
+                <a:ea typeface="Noto Sans CJK SC"/>
+              </a:rPr>
+              <a:t>, is the set of all divisors that are equivalent to each other.</a:t>
+            </a:r>
+            <a:endParaRPr b="0" lang="en-US" sz="3200" spc="-1" strike="noStrike">
+              <a:latin typeface="Arial"/>
+            </a:endParaRPr>
+          </a:p>
+        </p:txBody>
+      </p:sp>
+      <p:sp>
+        <p:nvSpPr>
+          <p:cNvPr id="187" name="PlaceHolder 2"/>
+          <p:cNvSpPr>
+            <a:spLocks noGrp="1"/>
+          </p:cNvSpPr>
+          <p:nvPr>
             <p:ph type="title"/>
           </p:nvPr>
         </p:nvSpPr>
         <p:spPr>
           <a:xfrm>
             <a:off x="360000" y="225720"/>
-            <a:ext cx="9357840" cy="716760"/>
+            <a:ext cx="9356760" cy="715680"/>
           </a:xfrm>
           <a:prstGeom prst="rect">
             <a:avLst/>
@@ -15737,282 +15914,9 @@
                 </a:solidFill>
                 <a:latin typeface="Arial"/>
               </a:rPr>
-              <a:t>Divisors</a:t>
+              <a:t>Divisors and Equivalence Relations</a:t>
             </a:r>
             <a:endParaRPr b="0" lang="en-US" sz="4400" spc="-1" strike="noStrike">
-              <a:latin typeface="Arial"/>
-            </a:endParaRPr>
-          </a:p>
-        </p:txBody>
-      </p:sp>
-      <p:pic>
-        <p:nvPicPr>
-          <p:cNvPr id="187" name="" descr=""/>
-          <p:cNvPicPr/>
-          <p:nvPr/>
-        </p:nvPicPr>
-        <p:blipFill>
-          <a:blip r:embed="rId1"/>
-          <a:stretch/>
-        </p:blipFill>
-        <p:spPr>
-          <a:xfrm>
-            <a:off x="1022400" y="1509840"/>
-            <a:ext cx="4690800" cy="3517560"/>
-          </a:xfrm>
-          <a:prstGeom prst="rect">
-            <a:avLst/>
-          </a:prstGeom>
-          <a:ln w="0">
-            <a:noFill/>
-          </a:ln>
-        </p:spPr>
-      </p:pic>
-      <p:sp>
-        <p:nvSpPr>
-          <p:cNvPr id="188" name="PlaceHolder 2"/>
-          <p:cNvSpPr>
-            <a:spLocks noGrp="1"/>
-          </p:cNvSpPr>
-          <p:nvPr>
-            <p:ph type="subTitle"/>
-          </p:nvPr>
-        </p:nvSpPr>
-        <p:spPr>
-          <a:xfrm>
-            <a:off x="360000" y="2507760"/>
-            <a:ext cx="1467000" cy="1605240"/>
-          </a:xfrm>
-          <a:prstGeom prst="rect">
-            <a:avLst/>
-          </a:prstGeom>
-          <a:noFill/>
-          <a:ln w="0">
-            <a:noFill/>
-          </a:ln>
-        </p:spPr>
-        <p:txBody>
-          <a:bodyPr lIns="0" rIns="0" tIns="0" bIns="0" anchor="ctr">
-            <a:noAutofit/>
-          </a:bodyPr>
-          <a:p>
-            <a:pPr algn="ctr">
-              <a:lnSpc>
-                <a:spcPct val="100000"/>
-              </a:lnSpc>
-              <a:buNone/>
-            </a:pPr>
-            <a:r>
-              <a:rPr b="0" lang="en-US" sz="3200" spc="-1" strike="noStrike">
-                <a:latin typeface="Arial"/>
-              </a:rPr>
-              <a:t>G=</a:t>
-            </a:r>
-            <a:endParaRPr b="0" lang="en-US" sz="3200" spc="-1" strike="noStrike">
-              <a:latin typeface="Arial"/>
-            </a:endParaRPr>
-          </a:p>
-        </p:txBody>
-      </p:sp>
-      <p:sp>
-        <p:nvSpPr>
-          <p:cNvPr id="189" name=""/>
-          <p:cNvSpPr/>
-          <p:nvPr/>
-        </p:nvSpPr>
-        <p:spPr>
-          <a:xfrm>
-            <a:off x="5486400" y="1828800"/>
-            <a:ext cx="4341600" cy="1482840"/>
-          </a:xfrm>
-          <a:prstGeom prst="rect">
-            <a:avLst/>
-          </a:prstGeom>
-          <a:noFill/>
-          <a:ln w="0">
-            <a:noFill/>
-          </a:ln>
-        </p:spPr>
-        <p:style>
-          <a:lnRef idx="0"/>
-          <a:fillRef idx="0"/>
-          <a:effectRef idx="0"/>
-          <a:fontRef idx="minor"/>
-        </p:style>
-        <p:txBody>
-          <a:bodyPr lIns="90000" rIns="90000" tIns="45000" bIns="45000" anchor="t">
-            <a:noAutofit/>
-          </a:bodyPr>
-          <a:p>
-            <a:pPr>
-              <a:lnSpc>
-                <a:spcPct val="100000"/>
-              </a:lnSpc>
-              <a:buNone/>
-            </a:pPr>
-            <a:r>
-              <a:rPr b="0" lang="en-US" sz="3200" spc="-1" strike="noStrike">
-                <a:solidFill>
-                  <a:srgbClr val="000000"/>
-                </a:solidFill>
-                <a:latin typeface="Arial"/>
-                <a:ea typeface="JetBrains Mono"/>
-              </a:rPr>
-              <a:t>Where divisor</a:t>
-            </a:r>
-            <a:endParaRPr b="0" lang="en-US" sz="3200" spc="-1" strike="noStrike">
-              <a:latin typeface="Arial"/>
-            </a:endParaRPr>
-          </a:p>
-          <a:p>
-            <a:pPr>
-              <a:lnSpc>
-                <a:spcPct val="100000"/>
-              </a:lnSpc>
-              <a:buNone/>
-            </a:pPr>
-            <a:r>
-              <a:rPr b="0" lang="en-US" sz="3200" spc="-1" strike="noStrike">
-                <a:solidFill>
-                  <a:srgbClr val="000000"/>
-                </a:solidFill>
-                <a:latin typeface="Arial"/>
-                <a:ea typeface="JetBrains Mono"/>
-              </a:rPr>
-              <a:t> </a:t>
-            </a:r>
-            <a:endParaRPr b="0" lang="en-US" sz="3200" spc="-1" strike="noStrike">
-              <a:latin typeface="Arial"/>
-            </a:endParaRPr>
-          </a:p>
-          <a:p>
-            <a:pPr>
-              <a:lnSpc>
-                <a:spcPct val="100000"/>
-              </a:lnSpc>
-              <a:buNone/>
-            </a:pPr>
-            <a:r>
-              <a:rPr b="0" lang="en-US" sz="3200" spc="-1" strike="noStrike">
-                <a:solidFill>
-                  <a:srgbClr val="000000"/>
-                </a:solidFill>
-                <a:latin typeface="Arial"/>
-                <a:ea typeface="JetBrains Mono"/>
-              </a:rPr>
-              <a:t>D=</a:t>
-            </a:r>
-            <a:r>
-              <a:rPr b="0" lang="en-US" sz="3200" spc="-1" strike="noStrike">
-                <a:solidFill>
-                  <a:srgbClr val="a9b7c6"/>
-                </a:solidFill>
-                <a:latin typeface="Arial"/>
-                <a:ea typeface="JetBrains Mono"/>
-              </a:rPr>
-              <a:t>[</a:t>
-            </a:r>
-            <a:r>
-              <a:rPr b="0" lang="en-US" sz="3200" spc="-1" strike="noStrike">
-                <a:solidFill>
-                  <a:srgbClr val="2abadb"/>
-                </a:solidFill>
-                <a:latin typeface="Arial"/>
-                <a:ea typeface="JetBrains Mono"/>
-              </a:rPr>
-              <a:t>16</a:t>
-            </a:r>
-            <a:r>
-              <a:rPr b="0" lang="en-US" sz="3200" spc="-1" strike="noStrike">
-                <a:solidFill>
-                  <a:srgbClr val="4a4df3"/>
-                </a:solidFill>
-                <a:latin typeface="Arial"/>
-                <a:ea typeface="JetBrains Mono"/>
-              </a:rPr>
-              <a:t>, </a:t>
-            </a:r>
-            <a:r>
-              <a:rPr b="0" lang="en-US" sz="3200" spc="-1" strike="noStrike">
-                <a:solidFill>
-                  <a:srgbClr val="a9b7c6"/>
-                </a:solidFill>
-                <a:latin typeface="Arial"/>
-                <a:ea typeface="JetBrains Mono"/>
-              </a:rPr>
-              <a:t>-</a:t>
-            </a:r>
-            <a:r>
-              <a:rPr b="0" lang="en-US" sz="3200" spc="-1" strike="noStrike">
-                <a:solidFill>
-                  <a:srgbClr val="2abadb"/>
-                </a:solidFill>
-                <a:latin typeface="Arial"/>
-                <a:ea typeface="JetBrains Mono"/>
-              </a:rPr>
-              <a:t>4</a:t>
-            </a:r>
-            <a:r>
-              <a:rPr b="0" lang="en-US" sz="3200" spc="-1" strike="noStrike">
-                <a:solidFill>
-                  <a:srgbClr val="4a4df3"/>
-                </a:solidFill>
-                <a:latin typeface="Arial"/>
-                <a:ea typeface="JetBrains Mono"/>
-              </a:rPr>
-              <a:t>, </a:t>
-            </a:r>
-            <a:r>
-              <a:rPr b="0" lang="en-US" sz="3200" spc="-1" strike="noStrike">
-                <a:solidFill>
-                  <a:srgbClr val="a9b7c6"/>
-                </a:solidFill>
-                <a:latin typeface="Arial"/>
-                <a:ea typeface="JetBrains Mono"/>
-              </a:rPr>
-              <a:t>-</a:t>
-            </a:r>
-            <a:r>
-              <a:rPr b="0" lang="en-US" sz="3200" spc="-1" strike="noStrike">
-                <a:solidFill>
-                  <a:srgbClr val="2abadb"/>
-                </a:solidFill>
-                <a:latin typeface="Arial"/>
-                <a:ea typeface="JetBrains Mono"/>
-              </a:rPr>
-              <a:t>5</a:t>
-            </a:r>
-            <a:r>
-              <a:rPr b="0" lang="en-US" sz="3200" spc="-1" strike="noStrike">
-                <a:solidFill>
-                  <a:srgbClr val="4a4df3"/>
-                </a:solidFill>
-                <a:latin typeface="Arial"/>
-                <a:ea typeface="JetBrains Mono"/>
-              </a:rPr>
-              <a:t>,</a:t>
-            </a:r>
-            <a:r>
-              <a:rPr b="0" lang="en-US" sz="3200" spc="-1" strike="noStrike">
-                <a:solidFill>
-                  <a:srgbClr val="2abadb"/>
-                </a:solidFill>
-                <a:latin typeface="Arial"/>
-                <a:ea typeface="JetBrains Mono"/>
-              </a:rPr>
-              <a:t>0</a:t>
-            </a:r>
-            <a:r>
-              <a:rPr b="0" lang="en-US" sz="3200" spc="-1" strike="noStrike">
-                <a:solidFill>
-                  <a:srgbClr val="a9b7c6"/>
-                </a:solidFill>
-                <a:latin typeface="Arial"/>
-                <a:ea typeface="JetBrains Mono"/>
-              </a:rPr>
-              <a:t>]</a:t>
-            </a:r>
-            <a:endParaRPr b="0" lang="en-US" sz="3200" spc="-1" strike="noStrike">
               <a:latin typeface="Arial"/>
             </a:endParaRPr>
           </a:p>
@@ -16050,7 +15954,7 @@
       </p:grpSpPr>
       <p:sp>
         <p:nvSpPr>
-          <p:cNvPr id="190" name="PlaceHolder 1"/>
+          <p:cNvPr id="188" name="PlaceHolder 1"/>
           <p:cNvSpPr>
             <a:spLocks noGrp="1"/>
           </p:cNvSpPr>
@@ -16061,7 +15965,7 @@
         <p:spPr>
           <a:xfrm>
             <a:off x="360000" y="225720"/>
-            <a:ext cx="9357840" cy="716760"/>
+            <a:ext cx="9356760" cy="715680"/>
           </a:xfrm>
           <a:prstGeom prst="rect">
             <a:avLst/>
@@ -16089,7 +15993,7 @@
                 </a:solidFill>
                 <a:latin typeface="Arial"/>
               </a:rPr>
-              <a:t>The Picard Group and The Jacobian</a:t>
+              <a:t>Divisors</a:t>
             </a:r>
             <a:endParaRPr b="0" lang="en-US" sz="4400" spc="-1" strike="noStrike">
               <a:latin typeface="Arial"/>
@@ -16097,199 +16001,272 @@
           </a:p>
         </p:txBody>
       </p:sp>
-      <p:sp>
-        <p:nvSpPr>
-          <p:cNvPr id="191" name="PlaceHolder 2"/>
-          <p:cNvSpPr>
-            <a:spLocks noGrp="1"/>
-          </p:cNvSpPr>
-          <p:nvPr>
-            <p:ph/>
-          </p:nvPr>
-        </p:nvSpPr>
-        <p:spPr>
-          <a:xfrm>
-            <a:off x="360000" y="1485000"/>
-            <a:ext cx="9357840" cy="3777840"/>
-          </a:xfrm>
-          <a:prstGeom prst="rect">
-            <a:avLst/>
-          </a:prstGeom>
-          <a:noFill/>
-          <a:ln w="0">
-            <a:noFill/>
-          </a:ln>
-        </p:spPr>
-        <p:txBody>
-          <a:bodyPr lIns="0" rIns="0" tIns="0" bIns="0" anchor="t">
-            <a:normAutofit fontScale="71000"/>
-          </a:bodyPr>
-          <a:p>
-            <a:pPr marL="432000" indent="-324000">
+      <p:pic>
+        <p:nvPicPr>
+          <p:cNvPr id="189" name="" descr=""/>
+          <p:cNvPicPr/>
+          <p:nvPr/>
+        </p:nvPicPr>
+        <p:blipFill>
+          <a:blip r:embed="rId1"/>
+          <a:stretch/>
+        </p:blipFill>
+        <p:spPr>
+          <a:xfrm>
+            <a:off x="1022400" y="1509840"/>
+            <a:ext cx="4689720" cy="3516480"/>
+          </a:xfrm>
+          <a:prstGeom prst="rect">
+            <a:avLst/>
+          </a:prstGeom>
+          <a:ln w="0">
+            <a:noFill/>
+          </a:ln>
+        </p:spPr>
+      </p:pic>
+      <p:sp>
+        <p:nvSpPr>
+          <p:cNvPr id="190" name="PlaceHolder 2"/>
+          <p:cNvSpPr>
+            <a:spLocks noGrp="1"/>
+          </p:cNvSpPr>
+          <p:nvPr>
+            <p:ph type="subTitle"/>
+          </p:nvPr>
+        </p:nvSpPr>
+        <p:spPr>
+          <a:xfrm>
+            <a:off x="360000" y="2507760"/>
+            <a:ext cx="1465920" cy="1604160"/>
+          </a:xfrm>
+          <a:prstGeom prst="rect">
+            <a:avLst/>
+          </a:prstGeom>
+          <a:noFill/>
+          <a:ln w="0">
+            <a:noFill/>
+          </a:ln>
+        </p:spPr>
+        <p:txBody>
+          <a:bodyPr lIns="0" rIns="0" tIns="0" bIns="0" anchor="ctr">
+            <a:noAutofit/>
+          </a:bodyPr>
+          <a:p>
+            <a:pPr algn="ctr">
               <a:lnSpc>
                 <a:spcPct val="100000"/>
               </a:lnSpc>
-              <a:spcBef>
-                <a:spcPts val="1417"/>
-              </a:spcBef>
-              <a:buClr>
-                <a:srgbClr val="000000"/>
-              </a:buClr>
-              <a:buSzPct val="45000"/>
-              <a:buFont typeface="Wingdings" charset="2"/>
-              <a:buChar char=""/>
+              <a:buNone/>
             </a:pPr>
             <a:r>
               <a:rPr b="0" lang="en-US" sz="3200" spc="-1" strike="noStrike">
                 <a:latin typeface="Arial"/>
               </a:rPr>
-              <a:t>The </a:t>
-            </a:r>
-            <a:r>
-              <a:rPr b="1" lang="en-US" sz="3200" spc="-1" strike="noStrike">
-                <a:latin typeface="Arial"/>
-              </a:rPr>
-              <a:t>Picard Group</a:t>
-            </a:r>
-            <a:r>
-              <a:rPr b="0" lang="en-US" sz="3200" spc="-1" strike="noStrike">
-                <a:latin typeface="Arial"/>
-              </a:rPr>
-              <a:t> of a graph, </a:t>
-            </a:r>
-            <a:r>
-              <a:rPr b="0" i="1" lang="en-US" sz="3200" spc="-1" strike="noStrike">
-                <a:latin typeface="Arial"/>
-              </a:rPr>
-              <a:t>Pic(G)</a:t>
-            </a:r>
-            <a:r>
-              <a:rPr b="0" lang="en-US" sz="3200" spc="-1" strike="noStrike">
-                <a:latin typeface="Arial"/>
-              </a:rPr>
-              <a:t>, is the set of all equivalence classes that the divisors of that graph </a:t>
-            </a:r>
-            <a:r>
-              <a:rPr b="0" i="1" lang="en-US" sz="3200" spc="-1" strike="noStrike">
-                <a:latin typeface="Arial"/>
-              </a:rPr>
-              <a:t>G </a:t>
-            </a:r>
-            <a:r>
-              <a:rPr b="0" lang="en-US" sz="3200" spc="-1" strike="noStrike">
-                <a:latin typeface="Arial"/>
-              </a:rPr>
-              <a:t>can be a part of.  The larger the size of the Picard Group, the more ways a game can be played.</a:t>
+              <a:t>G=</a:t>
             </a:r>
             <a:endParaRPr b="0" lang="en-US" sz="3200" spc="-1" strike="noStrike">
               <a:latin typeface="Arial"/>
             </a:endParaRPr>
           </a:p>
-          <a:p>
-            <a:pPr marL="432000" indent="-324000">
+        </p:txBody>
+      </p:sp>
+      <p:sp>
+        <p:nvSpPr>
+          <p:cNvPr id="191" name=""/>
+          <p:cNvSpPr/>
+          <p:nvPr/>
+        </p:nvSpPr>
+        <p:spPr>
+          <a:xfrm>
+            <a:off x="5486400" y="1828800"/>
+            <a:ext cx="4340520" cy="1481760"/>
+          </a:xfrm>
+          <a:prstGeom prst="rect">
+            <a:avLst/>
+          </a:prstGeom>
+          <a:noFill/>
+          <a:ln w="0">
+            <a:noFill/>
+          </a:ln>
+        </p:spPr>
+        <p:style>
+          <a:lnRef idx="0"/>
+          <a:fillRef idx="0"/>
+          <a:effectRef idx="0"/>
+          <a:fontRef idx="minor"/>
+        </p:style>
+        <p:txBody>
+          <a:bodyPr lIns="90000" rIns="90000" tIns="45000" bIns="45000" anchor="t">
+            <a:noAutofit/>
+          </a:bodyPr>
+          <a:p>
+            <a:pPr>
               <a:lnSpc>
                 <a:spcPct val="100000"/>
               </a:lnSpc>
-              <a:spcBef>
-                <a:spcPts val="1417"/>
-              </a:spcBef>
-              <a:buClr>
-                <a:srgbClr val="000000"/>
-              </a:buClr>
-              <a:buSzPct val="45000"/>
-              <a:buFont typeface="Wingdings" charset="2"/>
-              <a:buChar char=""/>
+              <a:buNone/>
             </a:pPr>
             <a:r>
               <a:rPr b="0" lang="en-US" sz="3200" spc="-1" strike="noStrike">
-                <a:latin typeface="Arial"/>
-              </a:rPr>
-              <a:t>The degree of a divisor, </a:t>
-            </a:r>
-            <a:r>
-              <a:rPr b="0" i="1" lang="en-US" sz="3200" spc="-1" strike="noStrike">
-                <a:latin typeface="Arial"/>
-              </a:rPr>
-              <a:t>deg(D)</a:t>
-            </a:r>
-            <a:r>
-              <a:rPr b="0" lang="en-US" sz="3200" spc="-1" strike="noStrike">
-                <a:latin typeface="Arial"/>
-              </a:rPr>
-              <a:t>, is the sum of each of the divisor’s elements.</a:t>
+                <a:solidFill>
+                  <a:srgbClr val="000000"/>
+                </a:solidFill>
+                <a:latin typeface="Arial"/>
+                <a:ea typeface="JetBrains Mono"/>
+              </a:rPr>
+              <a:t>Where divisor</a:t>
             </a:r>
             <a:endParaRPr b="0" lang="en-US" sz="3200" spc="-1" strike="noStrike">
               <a:latin typeface="Arial"/>
             </a:endParaRPr>
           </a:p>
           <a:p>
-            <a:pPr marL="432000" indent="-324000">
+            <a:pPr>
               <a:lnSpc>
                 <a:spcPct val="100000"/>
               </a:lnSpc>
-              <a:spcBef>
-                <a:spcPts val="1417"/>
-              </a:spcBef>
-              <a:buClr>
-                <a:srgbClr val="000000"/>
-              </a:buClr>
-              <a:buSzPct val="45000"/>
-              <a:buFont typeface="Wingdings" charset="2"/>
-              <a:buChar char=""/>
+              <a:buNone/>
             </a:pPr>
             <a:r>
               <a:rPr b="0" lang="en-US" sz="3200" spc="-1" strike="noStrike">
-                <a:latin typeface="Arial"/>
-              </a:rPr>
-              <a:t>The </a:t>
-            </a:r>
-            <a:r>
-              <a:rPr b="1" lang="en-US" sz="3200" spc="-1" strike="noStrike">
-                <a:latin typeface="Arial"/>
-              </a:rPr>
-              <a:t>Jacobian</a:t>
-            </a:r>
+                <a:solidFill>
+                  <a:srgbClr val="000000"/>
+                </a:solidFill>
+                <a:latin typeface="Arial"/>
+                <a:ea typeface="JetBrains Mono"/>
+              </a:rPr>
+              <a:t> </a:t>
+            </a:r>
+            <a:endParaRPr b="0" lang="en-US" sz="3200" spc="-1" strike="noStrike">
+              <a:latin typeface="Arial"/>
+            </a:endParaRPr>
+          </a:p>
+          <a:p>
+            <a:pPr>
+              <a:lnSpc>
+                <a:spcPct val="100000"/>
+              </a:lnSpc>
+              <a:buNone/>
+            </a:pPr>
             <a:r>
               <a:rPr b="0" lang="en-US" sz="3200" spc="-1" strike="noStrike">
-                <a:latin typeface="Arial"/>
-              </a:rPr>
-              <a:t> of a graph, </a:t>
-            </a:r>
-            <a:r>
-              <a:rPr b="0" i="1" lang="en-US" sz="3200" spc="-1" strike="noStrike">
-                <a:latin typeface="Arial"/>
-              </a:rPr>
-              <a:t>Jac(G)</a:t>
+                <a:solidFill>
+                  <a:srgbClr val="000000"/>
+                </a:solidFill>
+                <a:latin typeface="Arial"/>
+                <a:ea typeface="JetBrains Mono"/>
+              </a:rPr>
+              <a:t>D=</a:t>
             </a:r>
             <a:r>
               <a:rPr b="0" lang="en-US" sz="3200" spc="-1" strike="noStrike">
-                <a:latin typeface="Arial"/>
-              </a:rPr>
-              <a:t>, is a special subset of </a:t>
-            </a:r>
-            <a:r>
-              <a:rPr b="0" i="1" lang="en-US" sz="3200" spc="-1" strike="noStrike">
-                <a:latin typeface="Arial"/>
-              </a:rPr>
-              <a:t>Pic(G)</a:t>
+                <a:solidFill>
+                  <a:srgbClr val="a9b7c6"/>
+                </a:solidFill>
+                <a:latin typeface="Arial"/>
+                <a:ea typeface="JetBrains Mono"/>
+              </a:rPr>
+              <a:t>[</a:t>
             </a:r>
             <a:r>
               <a:rPr b="0" lang="en-US" sz="3200" spc="-1" strike="noStrike">
-                <a:latin typeface="Arial"/>
-              </a:rPr>
-              <a:t> such that every divisor in each equivalency class has a degree of </a:t>
-            </a:r>
-            <a:r>
-              <a:rPr b="0" i="1" lang="en-US" sz="3200" spc="-1" strike="noStrike">
-                <a:latin typeface="Arial"/>
-              </a:rPr>
-              <a:t>0.</a:t>
+                <a:solidFill>
+                  <a:srgbClr val="2abadb"/>
+                </a:solidFill>
+                <a:latin typeface="Arial"/>
+                <a:ea typeface="JetBrains Mono"/>
+              </a:rPr>
+              <a:t>16</a:t>
             </a:r>
             <a:r>
               <a:rPr b="0" lang="en-US" sz="3200" spc="-1" strike="noStrike">
-                <a:latin typeface="Arial"/>
-              </a:rPr>
-              <a:t>  If a divisor is in one of the Jacobian’s classes, it can be made winning after a finite series of moves.  The larger the size of the Jacobian, the more configurations exist where the vertices are debt free.</a:t>
+                <a:solidFill>
+                  <a:srgbClr val="4a4df3"/>
+                </a:solidFill>
+                <a:latin typeface="Arial"/>
+                <a:ea typeface="JetBrains Mono"/>
+              </a:rPr>
+              <a:t>, </a:t>
+            </a:r>
+            <a:r>
+              <a:rPr b="0" lang="en-US" sz="3200" spc="-1" strike="noStrike">
+                <a:solidFill>
+                  <a:srgbClr val="a9b7c6"/>
+                </a:solidFill>
+                <a:latin typeface="Arial"/>
+                <a:ea typeface="JetBrains Mono"/>
+              </a:rPr>
+              <a:t>-</a:t>
+            </a:r>
+            <a:r>
+              <a:rPr b="0" lang="en-US" sz="3200" spc="-1" strike="noStrike">
+                <a:solidFill>
+                  <a:srgbClr val="2abadb"/>
+                </a:solidFill>
+                <a:latin typeface="Arial"/>
+                <a:ea typeface="JetBrains Mono"/>
+              </a:rPr>
+              <a:t>4</a:t>
+            </a:r>
+            <a:r>
+              <a:rPr b="0" lang="en-US" sz="3200" spc="-1" strike="noStrike">
+                <a:solidFill>
+                  <a:srgbClr val="4a4df3"/>
+                </a:solidFill>
+                <a:latin typeface="Arial"/>
+                <a:ea typeface="JetBrains Mono"/>
+              </a:rPr>
+              <a:t>, </a:t>
+            </a:r>
+            <a:r>
+              <a:rPr b="0" lang="en-US" sz="3200" spc="-1" strike="noStrike">
+                <a:solidFill>
+                  <a:srgbClr val="a9b7c6"/>
+                </a:solidFill>
+                <a:latin typeface="Arial"/>
+                <a:ea typeface="JetBrains Mono"/>
+              </a:rPr>
+              <a:t>-</a:t>
+            </a:r>
+            <a:r>
+              <a:rPr b="0" lang="en-US" sz="3200" spc="-1" strike="noStrike">
+                <a:solidFill>
+                  <a:srgbClr val="2abadb"/>
+                </a:solidFill>
+                <a:latin typeface="Arial"/>
+                <a:ea typeface="JetBrains Mono"/>
+              </a:rPr>
+              <a:t>5</a:t>
+            </a:r>
+            <a:r>
+              <a:rPr b="0" lang="en-US" sz="3200" spc="-1" strike="noStrike">
+                <a:solidFill>
+                  <a:srgbClr val="4a4df3"/>
+                </a:solidFill>
+                <a:latin typeface="Arial"/>
+                <a:ea typeface="JetBrains Mono"/>
+              </a:rPr>
+              <a:t>,</a:t>
+            </a:r>
+            <a:r>
+              <a:rPr b="0" lang="en-US" sz="3200" spc="-1" strike="noStrike">
+                <a:solidFill>
+                  <a:srgbClr val="2abadb"/>
+                </a:solidFill>
+                <a:latin typeface="Arial"/>
+                <a:ea typeface="JetBrains Mono"/>
+              </a:rPr>
+              <a:t>0</a:t>
+            </a:r>
+            <a:r>
+              <a:rPr b="0" lang="en-US" sz="3200" spc="-1" strike="noStrike">
+                <a:solidFill>
+                  <a:srgbClr val="a9b7c6"/>
+                </a:solidFill>
+                <a:latin typeface="Arial"/>
+                <a:ea typeface="JetBrains Mono"/>
+              </a:rPr>
+              <a:t>]</a:t>
             </a:r>
             <a:endParaRPr b="0" lang="en-US" sz="3200" spc="-1" strike="noStrike">
               <a:latin typeface="Arial"/>
@@ -16340,7 +16317,7 @@
         <p:spPr>
           <a:xfrm>
             <a:off x="360000" y="225720"/>
-            <a:ext cx="9357840" cy="716760"/>
+            <a:ext cx="9356760" cy="715680"/>
           </a:xfrm>
           <a:prstGeom prst="rect">
             <a:avLst/>
@@ -16368,19 +16345,7 @@
                 </a:solidFill>
                 <a:latin typeface="Arial"/>
               </a:rPr>
-              <a:t>The Laplacian and </a:t>
-            </a:r>
-            <a:br>
-              <a:rPr sz="4400"/>
-            </a:br>
-            <a:r>
-              <a:rPr b="0" lang="en-US" sz="4400" spc="-1" strike="noStrike">
-                <a:solidFill>
-                  <a:srgbClr val="ffffff"/>
-                </a:solidFill>
-                <a:latin typeface="Arial"/>
-              </a:rPr>
-              <a:t>The Smith Normal Form</a:t>
+              <a:t>The Picard Group and The Jacobian</a:t>
             </a:r>
             <a:endParaRPr b="0" lang="en-US" sz="4400" spc="-1" strike="noStrike">
               <a:latin typeface="Arial"/>
@@ -16401,7 +16366,7 @@
         <p:spPr>
           <a:xfrm>
             <a:off x="360000" y="1485000"/>
-            <a:ext cx="9357840" cy="3777840"/>
+            <a:ext cx="9356760" cy="3776760"/>
           </a:xfrm>
           <a:prstGeom prst="rect">
             <a:avLst/>
@@ -16413,7 +16378,7 @@
         </p:spPr>
         <p:txBody>
           <a:bodyPr lIns="0" rIns="0" tIns="0" bIns="0" anchor="t">
-            <a:normAutofit fontScale="61000"/>
+            <a:normAutofit fontScale="71000"/>
           </a:bodyPr>
           <a:p>
             <a:pPr marL="432000" indent="-324000">
@@ -16433,79 +16398,44 @@
             <a:r>
               <a:rPr b="0" lang="en-US" sz="3200" spc="-1" strike="noStrike">
                 <a:latin typeface="Arial"/>
-                <a:ea typeface="Noto Sans CJK SC"/>
               </a:rPr>
               <a:t>The </a:t>
             </a:r>
             <a:r>
               <a:rPr b="1" lang="en-US" sz="3200" spc="-1" strike="noStrike">
                 <a:latin typeface="Arial"/>
-                <a:ea typeface="Noto Sans CJK SC"/>
-              </a:rPr>
-              <a:t>Laplacian</a:t>
+              </a:rPr>
+              <a:t>Picard Group</a:t>
             </a:r>
             <a:r>
               <a:rPr b="0" lang="en-US" sz="3200" spc="-1" strike="noStrike">
                 <a:latin typeface="Arial"/>
-                <a:ea typeface="Noto Sans CJK SC"/>
-              </a:rPr>
-              <a:t> of a graph of size </a:t>
+              </a:rPr>
+              <a:t> of a graph, </a:t>
             </a:r>
             <a:r>
               <a:rPr b="0" i="1" lang="en-US" sz="3200" spc="-1" strike="noStrike">
                 <a:latin typeface="Arial"/>
-                <a:ea typeface="Noto Sans CJK SC"/>
-              </a:rPr>
-              <a:t>n</a:t>
+              </a:rPr>
+              <a:t>Pic(G)</a:t>
             </a:r>
             <a:r>
               <a:rPr b="0" lang="en-US" sz="3200" spc="-1" strike="noStrike">
                 <a:latin typeface="Arial"/>
-                <a:ea typeface="Noto Sans CJK SC"/>
-              </a:rPr>
-              <a:t> is an </a:t>
+              </a:rPr>
+              <a:t>, is the set of all equivalence classes that the divisors of that graph </a:t>
             </a:r>
             <a:r>
               <a:rPr b="0" i="1" lang="en-US" sz="3200" spc="-1" strike="noStrike">
                 <a:latin typeface="Arial"/>
-                <a:ea typeface="Noto Sans CJK SC"/>
-              </a:rPr>
-              <a:t>n x n</a:t>
+              </a:rPr>
+              <a:t>G </a:t>
             </a:r>
             <a:r>
               <a:rPr b="0" lang="en-US" sz="3200" spc="-1" strike="noStrike">
                 <a:latin typeface="Arial"/>
-                <a:ea typeface="Noto Sans CJK SC"/>
-              </a:rPr>
-              <a:t> matrix representing all valid lending or borrowing moves that graph can make.  Multiplying the transpose of the i</a:t>
-            </a:r>
-            <a:r>
-              <a:rPr b="0" i="1" lang="en-US" sz="3200" spc="-1" strike="noStrike" baseline="33000">
-                <a:latin typeface="Arial"/>
-                <a:ea typeface="Noto Sans CJK SC"/>
-              </a:rPr>
-              <a:t>th </a:t>
-            </a:r>
-            <a:r>
-              <a:rPr b="0" lang="en-US" sz="3200" spc="-1" strike="noStrike">
-                <a:latin typeface="Arial"/>
-                <a:ea typeface="Noto Sans CJK SC"/>
-              </a:rPr>
-              <a:t>row of the Laplacian by a divisor results in the divisor of the graph after making a move at the i</a:t>
-            </a:r>
-            <a:r>
-              <a:rPr b="0" i="1" lang="en-US" sz="3200" spc="-1" strike="noStrike" baseline="33000">
-                <a:latin typeface="Arial"/>
-                <a:ea typeface="Noto Sans CJK SC"/>
-              </a:rPr>
-              <a:t>th </a:t>
-            </a:r>
-            <a:r>
-              <a:rPr b="0" lang="en-US" sz="3200" spc="-1" strike="noStrike">
-                <a:latin typeface="Arial"/>
-                <a:ea typeface="Noto Sans CJK SC"/>
-              </a:rPr>
-              <a:t>vertex.  It helps to serve as a bridge between the conceptual game and the mathematics behind those concepts.</a:t>
+              </a:rPr>
+              <a:t>can be a part of.  The larger the size of the Picard Group, the more ways a game can be played.</a:t>
             </a:r>
             <a:endParaRPr b="0" lang="en-US" sz="3200" spc="-1" strike="noStrike">
               <a:latin typeface="Arial"/>
@@ -16529,23 +16459,93 @@
             <a:r>
               <a:rPr b="0" lang="en-US" sz="3200" spc="-1" strike="noStrike">
                 <a:latin typeface="Arial"/>
-                <a:ea typeface="Noto Sans CJK SC"/>
+              </a:rPr>
+              <a:t>The degree of a divisor, </a:t>
+            </a:r>
+            <a:r>
+              <a:rPr b="0" i="1" lang="en-US" sz="3200" spc="-1" strike="noStrike">
+                <a:latin typeface="Arial"/>
+              </a:rPr>
+              <a:t>deg(D)</a:t>
+            </a:r>
+            <a:r>
+              <a:rPr b="0" lang="en-US" sz="3200" spc="-1" strike="noStrike">
+                <a:latin typeface="Arial"/>
+              </a:rPr>
+              <a:t>, is the sum of each of the divisor’s elements.</a:t>
+            </a:r>
+            <a:endParaRPr b="0" lang="en-US" sz="3200" spc="-1" strike="noStrike">
+              <a:latin typeface="Arial"/>
+            </a:endParaRPr>
+          </a:p>
+          <a:p>
+            <a:pPr marL="432000" indent="-324000">
+              <a:lnSpc>
+                <a:spcPct val="100000"/>
+              </a:lnSpc>
+              <a:spcBef>
+                <a:spcPts val="1417"/>
+              </a:spcBef>
+              <a:buClr>
+                <a:srgbClr val="000000"/>
+              </a:buClr>
+              <a:buSzPct val="45000"/>
+              <a:buFont typeface="Wingdings" charset="2"/>
+              <a:buChar char=""/>
+            </a:pPr>
+            <a:r>
+              <a:rPr b="0" lang="en-US" sz="3200" spc="-1" strike="noStrike">
+                <a:latin typeface="Arial"/>
               </a:rPr>
               <a:t>The </a:t>
             </a:r>
             <a:r>
               <a:rPr b="1" lang="en-US" sz="3200" spc="-1" strike="noStrike">
                 <a:latin typeface="Arial"/>
-                <a:ea typeface="Noto Sans CJK SC"/>
-              </a:rPr>
-              <a:t>Smith Normal Form</a:t>
+              </a:rPr>
+              <a:t>Jacobian</a:t>
             </a:r>
             <a:r>
               <a:rPr b="0" lang="en-US" sz="3200" spc="-1" strike="noStrike">
                 <a:latin typeface="Arial"/>
-                <a:ea typeface="Noto Sans CJK SC"/>
-              </a:rPr>
-              <a:t> (SNF) of a Laplacian is a diagonal matrix obtained from a series of row and column operations preformed on the Laplacian of a graph, similarly to Gaussian elimination except all elements of the matrix must be integers.  While the Laplacian itself encodes information about lending or borrowing moves, the SNF encodes information about the Picard Group and the Jacobian in its diagonal elements.  Calculating the SNF allows us to know more information on the possible ways a game can be played out.</a:t>
+              </a:rPr>
+              <a:t> of a graph, </a:t>
+            </a:r>
+            <a:r>
+              <a:rPr b="0" i="1" lang="en-US" sz="3200" spc="-1" strike="noStrike">
+                <a:latin typeface="Arial"/>
+              </a:rPr>
+              <a:t>Jac(G)</a:t>
+            </a:r>
+            <a:r>
+              <a:rPr b="0" lang="en-US" sz="3200" spc="-1" strike="noStrike">
+                <a:latin typeface="Arial"/>
+              </a:rPr>
+              <a:t>, is a special subset of </a:t>
+            </a:r>
+            <a:r>
+              <a:rPr b="0" i="1" lang="en-US" sz="3200" spc="-1" strike="noStrike">
+                <a:latin typeface="Arial"/>
+              </a:rPr>
+              <a:t>Pic(G)</a:t>
+            </a:r>
+            <a:r>
+              <a:rPr b="0" lang="en-US" sz="3200" spc="-1" strike="noStrike">
+                <a:latin typeface="Arial"/>
+              </a:rPr>
+              <a:t> such that every divisor in each equivalency class has a degree of </a:t>
+            </a:r>
+            <a:r>
+              <a:rPr b="0" i="1" lang="en-US" sz="3200" spc="-1" strike="noStrike">
+                <a:latin typeface="Arial"/>
+              </a:rPr>
+              <a:t>0.</a:t>
+            </a:r>
+            <a:r>
+              <a:rPr b="0" lang="en-US" sz="3200" spc="-1" strike="noStrike">
+                <a:latin typeface="Arial"/>
+              </a:rPr>
+              <a:t>  If a divisor is in one of the Jacobian’s classes, it can be made winning after a finite series of moves.  The larger the size of the Jacobian, the more configurations exist where the vertices are debt free.</a:t>
             </a:r>
             <a:endParaRPr b="0" lang="en-US" sz="3200" spc="-1" strike="noStrike">
               <a:latin typeface="Arial"/>

--- a/Docs/JMMPresentation.pptx
+++ b/Docs/JMMPresentation.pptx
@@ -30,6 +30,10 @@
     <p:sldId id="275" r:id="rId25"/>
     <p:sldId id="276" r:id="rId26"/>
     <p:sldId id="277" r:id="rId27"/>
+    <p:sldId id="278" r:id="rId28"/>
+    <p:sldId id="279" r:id="rId29"/>
+    <p:sldId id="280" r:id="rId30"/>
+    <p:sldId id="281" r:id="rId31"/>
   </p:sldIdLst>
   <p:sldSz cx="10080625" cy="5670550"/>
   <p:notesSz cx="7772400" cy="10058400"/>
@@ -87,7 +91,7 @@
         <p:txBody>
           <a:bodyPr/>
           <a:p>
-            <a:fld id="{0CB6AEF6-A667-41D0-AD28-27CF441D9C8A}" type="slidenum">
+            <a:fld id="{F86E4FA7-8494-4D77-8E51-C166A70F9771}" type="slidenum">
               <a:t>&lt;#&gt;</a:t>
             </a:fld>
           </a:p>
@@ -275,7 +279,7 @@
         <p:txBody>
           <a:bodyPr/>
           <a:p>
-            <a:fld id="{19F12003-0D7A-48E3-835A-03E92C743F23}" type="slidenum">
+            <a:fld id="{FEC50541-AC90-4899-BDEC-64B7CC0E1448}" type="slidenum">
               <a:t>&lt;#&gt;</a:t>
             </a:fld>
           </a:p>
@@ -531,7 +535,7 @@
         <p:txBody>
           <a:bodyPr/>
           <a:p>
-            <a:fld id="{35927E5B-8076-45F3-AB0B-6AC478660FDC}" type="slidenum">
+            <a:fld id="{7D1DD6C9-E266-4C4B-BC26-C345F645B2B5}" type="slidenum">
               <a:t>&lt;#&gt;</a:t>
             </a:fld>
           </a:p>
@@ -855,7 +859,7 @@
         <p:txBody>
           <a:bodyPr/>
           <a:p>
-            <a:fld id="{966C5442-A6F5-4271-8A95-4B483FAA1670}" type="slidenum">
+            <a:fld id="{93295E9B-EA16-418F-9262-29B5CFE4234A}" type="slidenum">
               <a:t>&lt;#&gt;</a:t>
             </a:fld>
           </a:p>
@@ -1916,7 +1920,7 @@
         <p:txBody>
           <a:bodyPr/>
           <a:p>
-            <a:fld id="{49A9EFB3-A347-4071-B1F2-610125E60039}" type="slidenum">
+            <a:fld id="{C863B06B-1DAE-463F-9C61-3C5288ECC5B7}" type="slidenum">
               <a:t>&lt;#&gt;</a:t>
             </a:fld>
           </a:p>
@@ -3784,7 +3788,7 @@
         <p:txBody>
           <a:bodyPr/>
           <a:p>
-            <a:fld id="{FEC984B0-A009-4D2C-B13F-BC452F0D8417}" type="slidenum">
+            <a:fld id="{842AD06D-E717-4AA3-8540-1EFBB74AC50A}" type="slidenum">
               <a:t>&lt;#&gt;</a:t>
             </a:fld>
           </a:p>
@@ -5720,7 +5724,7 @@
         <p:txBody>
           <a:bodyPr/>
           <a:p>
-            <a:fld id="{59722C78-94D0-41AE-8FDA-CB8ADD5B55D4}" type="slidenum">
+            <a:fld id="{71981F3F-347C-4E74-9531-DC08A9C6C121}" type="slidenum">
               <a:t>&lt;#&gt;</a:t>
             </a:fld>
           </a:p>
@@ -7522,7 +7526,7 @@
         <p:txBody>
           <a:bodyPr/>
           <a:p>
-            <a:fld id="{0068B2DD-5A1D-48F1-9065-B46DC47DCD39}" type="slidenum">
+            <a:fld id="{8B3DF5B6-3AB1-4F8D-AAB4-D70DCA648E66}" type="slidenum">
               <a:t>&lt;#&gt;</a:t>
             </a:fld>
           </a:p>
@@ -7642,7 +7646,7 @@
         <p:txBody>
           <a:bodyPr/>
           <a:p>
-            <a:fld id="{23877867-756F-41C8-A5CA-C95DE4FAB055}" type="slidenum">
+            <a:fld id="{8F38C6AE-DF9F-4688-9134-CE1A0F4E4946}" type="slidenum">
               <a:t>&lt;#&gt;</a:t>
             </a:fld>
           </a:p>
@@ -7864,7 +7868,7 @@
         <p:txBody>
           <a:bodyPr/>
           <a:p>
-            <a:fld id="{BCD1A3DD-1DBD-4686-BBDA-7A37559FA56A}" type="slidenum">
+            <a:fld id="{22C1A5BE-B7A5-466F-BF08-1ED907A84608}" type="slidenum">
               <a:t>&lt;#&gt;</a:t>
             </a:fld>
           </a:p>
@@ -8086,7 +8090,7 @@
         <p:txBody>
           <a:bodyPr/>
           <a:p>
-            <a:fld id="{01DEEC02-E75F-4D27-9943-24737D95A46B}" type="slidenum">
+            <a:fld id="{8506ACCF-2F4B-4841-8A61-2E4A69A484BF}" type="slidenum">
               <a:t>&lt;#&gt;</a:t>
             </a:fld>
           </a:p>
@@ -8308,7 +8312,7 @@
         <p:txBody>
           <a:bodyPr/>
           <a:p>
-            <a:fld id="{CD10E890-B87D-46D5-98F9-603FAB1FFC05}" type="slidenum">
+            <a:fld id="{52CEE843-150F-4A93-B8D9-D2DB8CC46C40}" type="slidenum">
               <a:t>&lt;#&gt;</a:t>
             </a:fld>
           </a:p>
@@ -8366,7 +8370,7 @@
         <p:spPr>
           <a:xfrm>
             <a:off x="0" y="0"/>
-            <a:ext cx="10076760" cy="5666760"/>
+            <a:ext cx="10076040" cy="5666040"/>
           </a:xfrm>
           <a:prstGeom prst="rect">
             <a:avLst/>
@@ -8394,7 +8398,7 @@
         <p:spPr>
           <a:xfrm>
             <a:off x="0" y="0"/>
-            <a:ext cx="10076760" cy="3776760"/>
+            <a:ext cx="10076040" cy="3776040"/>
           </a:xfrm>
           <a:prstGeom prst="rect">
             <a:avLst/>
@@ -8429,7 +8433,7 @@
         <p:spPr>
           <a:xfrm>
             <a:off x="3420000" y="5400000"/>
-            <a:ext cx="3236760" cy="266760"/>
+            <a:ext cx="3236040" cy="266040"/>
           </a:xfrm>
           <a:prstGeom prst="rect">
             <a:avLst/>
@@ -8492,7 +8496,7 @@
         <p:spPr>
           <a:xfrm>
             <a:off x="9180000" y="5130000"/>
-            <a:ext cx="716760" cy="536760"/>
+            <a:ext cx="716040" cy="536040"/>
           </a:xfrm>
           <a:prstGeom prst="rect">
             <a:avLst/>
@@ -8527,7 +8531,7 @@
               </a:lnSpc>
               <a:buNone/>
             </a:pPr>
-            <a:fld id="{9F22A253-B005-44E8-A083-2CB4486D5CC0}" type="slidenum">
+            <a:fld id="{F5EAE989-35AD-4399-92F9-0FF5593C6B42}" type="slidenum">
               <a:rPr b="1" lang="en-US" sz="1800" spc="-1" strike="noStrike">
                 <a:solidFill>
                   <a:srgbClr val="ffffff"/>
@@ -8555,7 +8559,7 @@
         <p:spPr>
           <a:xfrm>
             <a:off x="360000" y="5400000"/>
-            <a:ext cx="2876760" cy="266760"/>
+            <a:ext cx="2876040" cy="266040"/>
           </a:xfrm>
           <a:prstGeom prst="rect">
             <a:avLst/>
@@ -8861,7 +8865,7 @@
         <p:spPr>
           <a:xfrm>
             <a:off x="0" y="5400000"/>
-            <a:ext cx="10076760" cy="266760"/>
+            <a:ext cx="10076040" cy="266040"/>
           </a:xfrm>
           <a:prstGeom prst="rect">
             <a:avLst/>
@@ -8889,7 +8893,7 @@
         <p:spPr>
           <a:xfrm>
             <a:off x="0" y="0"/>
-            <a:ext cx="10076760" cy="1211760"/>
+            <a:ext cx="10076040" cy="1211040"/>
           </a:xfrm>
           <a:prstGeom prst="rect">
             <a:avLst/>
@@ -8917,7 +8921,7 @@
         <p:spPr>
           <a:xfrm>
             <a:off x="9315000" y="5175000"/>
-            <a:ext cx="446760" cy="446760"/>
+            <a:ext cx="446040" cy="446040"/>
           </a:xfrm>
           <a:prstGeom prst="ellipse">
             <a:avLst/>
@@ -8948,7 +8952,7 @@
         <p:spPr>
           <a:xfrm>
             <a:off x="9180000" y="5130000"/>
-            <a:ext cx="716760" cy="536760"/>
+            <a:ext cx="716040" cy="536040"/>
           </a:xfrm>
           <a:prstGeom prst="rect">
             <a:avLst/>
@@ -8975,7 +8979,7 @@
               </a:lnSpc>
               <a:buNone/>
             </a:pPr>
-            <a:fld id="{1E1C251F-D700-4920-B8A9-C58773B9BE0F}" type="slidenum">
+            <a:fld id="{32700C02-F9CE-46E0-9A30-9865142D02EE}" type="slidenum">
               <a:rPr b="1" lang="en-US" sz="1800" spc="-1" strike="noStrike">
                 <a:solidFill>
                   <a:srgbClr val="ffffff"/>
@@ -8998,53 +9002,13 @@
             <a:spLocks noGrp="1"/>
           </p:cNvSpPr>
           <p:nvPr>
-            <p:ph type="title"/>
-          </p:nvPr>
-        </p:nvSpPr>
-        <p:spPr>
-          <a:xfrm>
-            <a:off x="504000" y="226080"/>
-            <a:ext cx="9071640" cy="946080"/>
-          </a:xfrm>
-          <a:prstGeom prst="rect">
-            <a:avLst/>
-          </a:prstGeom>
-          <a:noFill/>
-          <a:ln w="0">
-            <a:noFill/>
-          </a:ln>
-        </p:spPr>
-        <p:txBody>
-          <a:bodyPr lIns="0" rIns="0" tIns="0" bIns="0" anchor="ctr">
-            <a:noAutofit/>
-          </a:bodyPr>
-          <a:p>
-            <a:r>
-              <a:rPr b="0" lang="en-US" sz="1800" spc="-1" strike="noStrike">
-                <a:latin typeface="Arial"/>
-              </a:rPr>
-              <a:t>Click to edit the title text format</a:t>
-            </a:r>
-            <a:endParaRPr b="0" lang="en-US" sz="1800" spc="-1" strike="noStrike">
-              <a:latin typeface="Arial"/>
-            </a:endParaRPr>
-          </a:p>
-        </p:txBody>
-      </p:sp>
-      <p:sp>
-        <p:nvSpPr>
-          <p:cNvPr id="48" name="PlaceHolder 2"/>
-          <p:cNvSpPr>
-            <a:spLocks noGrp="1"/>
-          </p:cNvSpPr>
-          <p:nvPr>
             <p:ph type="ftr" idx="4"/>
           </p:nvPr>
         </p:nvSpPr>
         <p:spPr>
           <a:xfrm>
             <a:off x="3420000" y="5400000"/>
-            <a:ext cx="3236760" cy="266760"/>
+            <a:ext cx="3236040" cy="266040"/>
           </a:xfrm>
           <a:prstGeom prst="rect">
             <a:avLst/>
@@ -9096,7 +9060,7 @@
       </p:sp>
       <p:sp>
         <p:nvSpPr>
-          <p:cNvPr id="49" name="PlaceHolder 3"/>
+          <p:cNvPr id="48" name="PlaceHolder 2"/>
           <p:cNvSpPr>
             <a:spLocks noGrp="1"/>
           </p:cNvSpPr>
@@ -9107,7 +9071,7 @@
         <p:spPr>
           <a:xfrm>
             <a:off x="360000" y="5400000"/>
-            <a:ext cx="2876760" cy="266760"/>
+            <a:ext cx="2876040" cy="266040"/>
           </a:xfrm>
           <a:prstGeom prst="rect">
             <a:avLst/>
@@ -9137,6 +9101,49 @@
             </a:r>
             <a:endParaRPr b="0" lang="en-US" sz="1400" spc="-1" strike="noStrike">
               <a:latin typeface="Times New Roman"/>
+            </a:endParaRPr>
+          </a:p>
+        </p:txBody>
+      </p:sp>
+      <p:sp>
+        <p:nvSpPr>
+          <p:cNvPr id="49" name="PlaceHolder 3"/>
+          <p:cNvSpPr>
+            <a:spLocks noGrp="1"/>
+          </p:cNvSpPr>
+          <p:nvPr>
+            <p:ph type="title"/>
+          </p:nvPr>
+        </p:nvSpPr>
+        <p:spPr>
+          <a:xfrm>
+            <a:off x="504000" y="226080"/>
+            <a:ext cx="9072000" cy="946440"/>
+          </a:xfrm>
+          <a:prstGeom prst="rect">
+            <a:avLst/>
+          </a:prstGeom>
+          <a:noFill/>
+          <a:ln w="0">
+            <a:noFill/>
+          </a:ln>
+        </p:spPr>
+        <p:txBody>
+          <a:bodyPr lIns="0" rIns="0" tIns="0" bIns="0" anchor="ctr">
+            <a:noAutofit/>
+          </a:bodyPr>
+          <a:p>
+            <a:pPr algn="ctr">
+              <a:buNone/>
+            </a:pPr>
+            <a:r>
+              <a:rPr b="0" lang="en-US" sz="4400" spc="-1" strike="noStrike">
+                <a:latin typeface="Arial"/>
+              </a:rPr>
+              <a:t>Click to edit the title text format</a:t>
+            </a:r>
+            <a:endParaRPr b="0" lang="en-US" sz="4400" spc="-1" strike="noStrike">
+              <a:latin typeface="Arial"/>
             </a:endParaRPr>
           </a:p>
         </p:txBody>
@@ -9370,7 +9377,7 @@
         <p:spPr>
           <a:xfrm>
             <a:off x="0" y="5400000"/>
-            <a:ext cx="10076760" cy="266760"/>
+            <a:ext cx="10076040" cy="266040"/>
           </a:xfrm>
           <a:prstGeom prst="rect">
             <a:avLst/>
@@ -9398,7 +9405,7 @@
         <p:spPr>
           <a:xfrm>
             <a:off x="0" y="0"/>
-            <a:ext cx="10076760" cy="1211760"/>
+            <a:ext cx="10076040" cy="1211040"/>
           </a:xfrm>
           <a:prstGeom prst="rect">
             <a:avLst/>
@@ -9426,7 +9433,7 @@
         <p:spPr>
           <a:xfrm>
             <a:off x="9315000" y="5175000"/>
-            <a:ext cx="446760" cy="446760"/>
+            <a:ext cx="446040" cy="446040"/>
           </a:xfrm>
           <a:prstGeom prst="ellipse">
             <a:avLst/>
@@ -9457,7 +9464,7 @@
         <p:spPr>
           <a:xfrm>
             <a:off x="9180000" y="5130000"/>
-            <a:ext cx="716760" cy="536760"/>
+            <a:ext cx="716040" cy="536040"/>
           </a:xfrm>
           <a:prstGeom prst="rect">
             <a:avLst/>
@@ -9484,7 +9491,7 @@
               </a:lnSpc>
               <a:buNone/>
             </a:pPr>
-            <a:fld id="{053F89A1-A89A-432F-8D93-36A5F40BE064}" type="slidenum">
+            <a:fld id="{300D0E9E-8156-448C-95ED-EAF9B68AE254}" type="slidenum">
               <a:rPr b="1" lang="en-US" sz="1800" spc="-1" strike="noStrike">
                 <a:solidFill>
                   <a:srgbClr val="ffffff"/>
@@ -9507,13 +9514,53 @@
             <a:spLocks noGrp="1"/>
           </p:cNvSpPr>
           <p:nvPr>
+            <p:ph type="title"/>
+          </p:nvPr>
+        </p:nvSpPr>
+        <p:spPr>
+          <a:xfrm>
+            <a:off x="504000" y="226080"/>
+            <a:ext cx="9071640" cy="946080"/>
+          </a:xfrm>
+          <a:prstGeom prst="rect">
+            <a:avLst/>
+          </a:prstGeom>
+          <a:noFill/>
+          <a:ln w="0">
+            <a:noFill/>
+          </a:ln>
+        </p:spPr>
+        <p:txBody>
+          <a:bodyPr lIns="0" rIns="0" tIns="0" bIns="0" anchor="ctr">
+            <a:noAutofit/>
+          </a:bodyPr>
+          <a:p>
+            <a:r>
+              <a:rPr b="0" lang="en-US" sz="1800" spc="-1" strike="noStrike">
+                <a:latin typeface="Arial"/>
+              </a:rPr>
+              <a:t>Click to edit the title text format</a:t>
+            </a:r>
+            <a:endParaRPr b="0" lang="en-US" sz="1800" spc="-1" strike="noStrike">
+              <a:latin typeface="Arial"/>
+            </a:endParaRPr>
+          </a:p>
+        </p:txBody>
+      </p:sp>
+      <p:sp>
+        <p:nvSpPr>
+          <p:cNvPr id="92" name="PlaceHolder 2"/>
+          <p:cNvSpPr>
+            <a:spLocks noGrp="1"/>
+          </p:cNvSpPr>
+          <p:nvPr>
             <p:ph type="ftr" idx="6"/>
           </p:nvPr>
         </p:nvSpPr>
         <p:spPr>
           <a:xfrm>
             <a:off x="3420000" y="5400000"/>
-            <a:ext cx="3236760" cy="266760"/>
+            <a:ext cx="3236040" cy="266040"/>
           </a:xfrm>
           <a:prstGeom prst="rect">
             <a:avLst/>
@@ -9565,7 +9612,7 @@
       </p:sp>
       <p:sp>
         <p:nvSpPr>
-          <p:cNvPr id="92" name="PlaceHolder 2"/>
+          <p:cNvPr id="93" name="PlaceHolder 3"/>
           <p:cNvSpPr>
             <a:spLocks noGrp="1"/>
           </p:cNvSpPr>
@@ -9576,7 +9623,7 @@
         <p:spPr>
           <a:xfrm>
             <a:off x="360000" y="5400000"/>
-            <a:ext cx="2876760" cy="266760"/>
+            <a:ext cx="2876040" cy="266040"/>
           </a:xfrm>
           <a:prstGeom prst="rect">
             <a:avLst/>
@@ -9606,49 +9653,6 @@
             </a:r>
             <a:endParaRPr b="0" lang="en-US" sz="1400" spc="-1" strike="noStrike">
               <a:latin typeface="Times New Roman"/>
-            </a:endParaRPr>
-          </a:p>
-        </p:txBody>
-      </p:sp>
-      <p:sp>
-        <p:nvSpPr>
-          <p:cNvPr id="93" name="PlaceHolder 3"/>
-          <p:cNvSpPr>
-            <a:spLocks noGrp="1"/>
-          </p:cNvSpPr>
-          <p:nvPr>
-            <p:ph type="title"/>
-          </p:nvPr>
-        </p:nvSpPr>
-        <p:spPr>
-          <a:xfrm>
-            <a:off x="504000" y="226080"/>
-            <a:ext cx="9072000" cy="946440"/>
-          </a:xfrm>
-          <a:prstGeom prst="rect">
-            <a:avLst/>
-          </a:prstGeom>
-          <a:noFill/>
-          <a:ln w="0">
-            <a:noFill/>
-          </a:ln>
-        </p:spPr>
-        <p:txBody>
-          <a:bodyPr lIns="0" rIns="0" tIns="0" bIns="0" anchor="ctr">
-            <a:noAutofit/>
-          </a:bodyPr>
-          <a:p>
-            <a:pPr algn="ctr">
-              <a:buNone/>
-            </a:pPr>
-            <a:r>
-              <a:rPr b="0" lang="en-US" sz="4400" spc="-1" strike="noStrike">
-                <a:latin typeface="Arial"/>
-              </a:rPr>
-              <a:t>Click to edit the title text format</a:t>
-            </a:r>
-            <a:endParaRPr b="0" lang="en-US" sz="4400" spc="-1" strike="noStrike">
-              <a:latin typeface="Arial"/>
             </a:endParaRPr>
           </a:p>
         </p:txBody>
@@ -9882,7 +9886,7 @@
         <p:spPr>
           <a:xfrm>
             <a:off x="0" y="5400000"/>
-            <a:ext cx="10076760" cy="266760"/>
+            <a:ext cx="10076040" cy="266040"/>
           </a:xfrm>
           <a:prstGeom prst="rect">
             <a:avLst/>
@@ -9910,7 +9914,7 @@
         <p:spPr>
           <a:xfrm>
             <a:off x="0" y="0"/>
-            <a:ext cx="10076760" cy="1211760"/>
+            <a:ext cx="10076040" cy="1211040"/>
           </a:xfrm>
           <a:prstGeom prst="rect">
             <a:avLst/>
@@ -9938,7 +9942,7 @@
         <p:spPr>
           <a:xfrm>
             <a:off x="9315000" y="5175000"/>
-            <a:ext cx="446760" cy="446760"/>
+            <a:ext cx="446040" cy="446040"/>
           </a:xfrm>
           <a:prstGeom prst="ellipse">
             <a:avLst/>
@@ -9969,7 +9973,7 @@
         <p:spPr>
           <a:xfrm>
             <a:off x="9180000" y="5130000"/>
-            <a:ext cx="716760" cy="536760"/>
+            <a:ext cx="716040" cy="536040"/>
           </a:xfrm>
           <a:prstGeom prst="rect">
             <a:avLst/>
@@ -9996,7 +10000,7 @@
               </a:lnSpc>
               <a:buNone/>
             </a:pPr>
-            <a:fld id="{C750A06E-F776-47BA-9C92-DB05B01BE525}" type="slidenum">
+            <a:fld id="{4322157D-3123-4026-8DBA-F71C17CFE4F8}" type="slidenum">
               <a:rPr b="1" lang="en-US" sz="1800" spc="-1" strike="noStrike">
                 <a:solidFill>
                   <a:srgbClr val="ffffff"/>
@@ -10025,7 +10029,7 @@
         <p:spPr>
           <a:xfrm>
             <a:off x="3420000" y="5400000"/>
-            <a:ext cx="3236760" cy="266760"/>
+            <a:ext cx="3236040" cy="266040"/>
           </a:xfrm>
           <a:prstGeom prst="rect">
             <a:avLst/>
@@ -10088,7 +10092,7 @@
         <p:spPr>
           <a:xfrm>
             <a:off x="360000" y="5400000"/>
-            <a:ext cx="2876760" cy="266760"/>
+            <a:ext cx="2876040" cy="266040"/>
           </a:xfrm>
           <a:prstGeom prst="rect">
             <a:avLst/>
@@ -10398,7 +10402,7 @@
         <p:spPr>
           <a:xfrm>
             <a:off x="360000" y="225720"/>
-            <a:ext cx="9356760" cy="2743200"/>
+            <a:ext cx="9356040" cy="2742480"/>
           </a:xfrm>
           <a:prstGeom prst="rect">
             <a:avLst/>
@@ -10444,7 +10448,7 @@
         <p:spPr>
           <a:xfrm>
             <a:off x="504000" y="4071960"/>
-            <a:ext cx="9069120" cy="1183320"/>
+            <a:ext cx="9068400" cy="1182600"/>
           </a:xfrm>
           <a:prstGeom prst="rect">
             <a:avLst/>
@@ -10473,6 +10477,26 @@
                 <a:latin typeface="Arial"/>
               </a:rPr>
               <a:t>JAIUNG JUN</a:t>
+            </a:r>
+            <a:endParaRPr b="0" lang="en-US" sz="2000" spc="-1" strike="noStrike">
+              <a:latin typeface="Arial"/>
+            </a:endParaRPr>
+          </a:p>
+          <a:p>
+            <a:pPr algn="ctr">
+              <a:lnSpc>
+                <a:spcPct val="100000"/>
+              </a:lnSpc>
+              <a:buNone/>
+            </a:pPr>
+            <a:r>
+              <a:rPr b="0" lang="en-US" sz="2000" spc="-1" strike="noStrike">
+                <a:solidFill>
+                  <a:srgbClr val="ffffff"/>
+                </a:solidFill>
+                <a:latin typeface="Arial"/>
+              </a:rPr>
+              <a:t>YOUNGSU KIM</a:t>
             </a:r>
             <a:endParaRPr b="0" lang="en-US" sz="2000" spc="-1" strike="noStrike">
               <a:latin typeface="Arial"/>
@@ -10543,7 +10567,7 @@
         <p:spPr>
           <a:xfrm>
             <a:off x="360000" y="225720"/>
-            <a:ext cx="9356760" cy="715680"/>
+            <a:ext cx="9356040" cy="714960"/>
           </a:xfrm>
           <a:prstGeom prst="rect">
             <a:avLst/>
@@ -10571,19 +10595,7 @@
                 </a:solidFill>
                 <a:latin typeface="Arial"/>
               </a:rPr>
-              <a:t>The Laplacian and </a:t>
-            </a:r>
-            <a:br>
-              <a:rPr sz="4400"/>
-            </a:br>
-            <a:r>
-              <a:rPr b="0" lang="en-US" sz="4400" spc="-1" strike="noStrike">
-                <a:solidFill>
-                  <a:srgbClr val="ffffff"/>
-                </a:solidFill>
-                <a:latin typeface="Arial"/>
-              </a:rPr>
-              <a:t>The Smith Normal Form</a:t>
+              <a:t>The Picard Group and The Jacobian</a:t>
             </a:r>
             <a:endParaRPr b="0" lang="en-US" sz="4400" spc="-1" strike="noStrike">
               <a:latin typeface="Arial"/>
@@ -10604,7 +10616,7 @@
         <p:spPr>
           <a:xfrm>
             <a:off x="360000" y="1485000"/>
-            <a:ext cx="9356760" cy="3776760"/>
+            <a:ext cx="9356040" cy="3776040"/>
           </a:xfrm>
           <a:prstGeom prst="rect">
             <a:avLst/>
@@ -10616,7 +10628,7 @@
         </p:spPr>
         <p:txBody>
           <a:bodyPr lIns="0" rIns="0" tIns="0" bIns="0" anchor="t">
-            <a:normAutofit fontScale="61000"/>
+            <a:normAutofit fontScale="70000"/>
           </a:bodyPr>
           <a:p>
             <a:pPr marL="432000" indent="-324000">
@@ -10636,79 +10648,44 @@
             <a:r>
               <a:rPr b="0" lang="en-US" sz="3200" spc="-1" strike="noStrike">
                 <a:latin typeface="Arial"/>
-                <a:ea typeface="Noto Sans CJK SC"/>
               </a:rPr>
               <a:t>The </a:t>
             </a:r>
             <a:r>
               <a:rPr b="1" lang="en-US" sz="3200" spc="-1" strike="noStrike">
                 <a:latin typeface="Arial"/>
-                <a:ea typeface="Noto Sans CJK SC"/>
-              </a:rPr>
-              <a:t>Laplacian</a:t>
+              </a:rPr>
+              <a:t>Picard Group</a:t>
             </a:r>
             <a:r>
               <a:rPr b="0" lang="en-US" sz="3200" spc="-1" strike="noStrike">
                 <a:latin typeface="Arial"/>
-                <a:ea typeface="Noto Sans CJK SC"/>
-              </a:rPr>
-              <a:t> of a graph of size </a:t>
+              </a:rPr>
+              <a:t> of a graph, </a:t>
             </a:r>
             <a:r>
               <a:rPr b="0" i="1" lang="en-US" sz="3200" spc="-1" strike="noStrike">
                 <a:latin typeface="Arial"/>
-                <a:ea typeface="Noto Sans CJK SC"/>
-              </a:rPr>
-              <a:t>n</a:t>
+              </a:rPr>
+              <a:t>Pic(G)</a:t>
             </a:r>
             <a:r>
               <a:rPr b="0" lang="en-US" sz="3200" spc="-1" strike="noStrike">
                 <a:latin typeface="Arial"/>
-                <a:ea typeface="Noto Sans CJK SC"/>
-              </a:rPr>
-              <a:t> is an </a:t>
+              </a:rPr>
+              <a:t>, is the set of all equivalence classes that the divisors of that graph </a:t>
             </a:r>
             <a:r>
               <a:rPr b="0" i="1" lang="en-US" sz="3200" spc="-1" strike="noStrike">
                 <a:latin typeface="Arial"/>
-                <a:ea typeface="Noto Sans CJK SC"/>
-              </a:rPr>
-              <a:t>n x n</a:t>
+              </a:rPr>
+              <a:t>G </a:t>
             </a:r>
             <a:r>
               <a:rPr b="0" lang="en-US" sz="3200" spc="-1" strike="noStrike">
                 <a:latin typeface="Arial"/>
-                <a:ea typeface="Noto Sans CJK SC"/>
-              </a:rPr>
-              <a:t> matrix representing all valid lending or borrowing moves that graph can make.  Multiplying the transpose of the i</a:t>
-            </a:r>
-            <a:r>
-              <a:rPr b="0" i="1" lang="en-US" sz="3200" spc="-1" strike="noStrike" baseline="33000">
-                <a:latin typeface="Arial"/>
-                <a:ea typeface="Noto Sans CJK SC"/>
-              </a:rPr>
-              <a:t>th </a:t>
-            </a:r>
-            <a:r>
-              <a:rPr b="0" lang="en-US" sz="3200" spc="-1" strike="noStrike">
-                <a:latin typeface="Arial"/>
-                <a:ea typeface="Noto Sans CJK SC"/>
-              </a:rPr>
-              <a:t>row of the Laplacian by a divisor results in the divisor of the graph after making a move at the i</a:t>
-            </a:r>
-            <a:r>
-              <a:rPr b="0" i="1" lang="en-US" sz="3200" spc="-1" strike="noStrike" baseline="33000">
-                <a:latin typeface="Arial"/>
-                <a:ea typeface="Noto Sans CJK SC"/>
-              </a:rPr>
-              <a:t>th </a:t>
-            </a:r>
-            <a:r>
-              <a:rPr b="0" lang="en-US" sz="3200" spc="-1" strike="noStrike">
-                <a:latin typeface="Arial"/>
-                <a:ea typeface="Noto Sans CJK SC"/>
-              </a:rPr>
-              <a:t>vertex.  It helps to serve as a bridge between the conceptual game and the mathematics behind those concepts.</a:t>
+              </a:rPr>
+              <a:t>can be a part of.  The larger the size of the Picard Group, the more ways a game can be played.</a:t>
             </a:r>
             <a:endParaRPr b="0" lang="en-US" sz="3200" spc="-1" strike="noStrike">
               <a:latin typeface="Arial"/>
@@ -10732,23 +10709,81 @@
             <a:r>
               <a:rPr b="0" lang="en-US" sz="3200" spc="-1" strike="noStrike">
                 <a:latin typeface="Arial"/>
-                <a:ea typeface="Noto Sans CJK SC"/>
+              </a:rPr>
+              <a:t>The degree of a divisor is the sum of each of the divisor’s elements.</a:t>
+            </a:r>
+            <a:endParaRPr b="0" lang="en-US" sz="3200" spc="-1" strike="noStrike">
+              <a:latin typeface="Arial"/>
+            </a:endParaRPr>
+          </a:p>
+          <a:p>
+            <a:pPr marL="432000" indent="-324000">
+              <a:lnSpc>
+                <a:spcPct val="100000"/>
+              </a:lnSpc>
+              <a:spcBef>
+                <a:spcPts val="1417"/>
+              </a:spcBef>
+              <a:buClr>
+                <a:srgbClr val="000000"/>
+              </a:buClr>
+              <a:buSzPct val="45000"/>
+              <a:buFont typeface="Wingdings" charset="2"/>
+              <a:buChar char=""/>
+            </a:pPr>
+            <a:r>
+              <a:rPr b="0" lang="en-US" sz="3200" spc="-1" strike="noStrike">
+                <a:latin typeface="Arial"/>
               </a:rPr>
               <a:t>The </a:t>
             </a:r>
             <a:r>
               <a:rPr b="1" lang="en-US" sz="3200" spc="-1" strike="noStrike">
                 <a:latin typeface="Arial"/>
-                <a:ea typeface="Noto Sans CJK SC"/>
-              </a:rPr>
-              <a:t>Smith Normal Form</a:t>
+              </a:rPr>
+              <a:t>Jacobian</a:t>
             </a:r>
             <a:r>
               <a:rPr b="0" lang="en-US" sz="3200" spc="-1" strike="noStrike">
                 <a:latin typeface="Arial"/>
-                <a:ea typeface="Noto Sans CJK SC"/>
-              </a:rPr>
-              <a:t> (SNF) of a Laplacian is a diagonal matrix obtained from a series of row and column operations preformed on the Laplacian of a graph, similarly to Gaussian elimination except all elements of the matrix must be integers.  While the Laplacian itself encodes information about lending or borrowing moves, the SNF encodes information about the Picard Group and the Jacobian in its diagonal elements.  Calculating the SNF allows us to know more information on the possible ways a game can be played out.</a:t>
+              </a:rPr>
+              <a:t> of a graph, </a:t>
+            </a:r>
+            <a:r>
+              <a:rPr b="0" i="1" lang="en-US" sz="3200" spc="-1" strike="noStrike">
+                <a:latin typeface="Arial"/>
+              </a:rPr>
+              <a:t>Jac(G)</a:t>
+            </a:r>
+            <a:r>
+              <a:rPr b="0" lang="en-US" sz="3200" spc="-1" strike="noStrike">
+                <a:latin typeface="Arial"/>
+              </a:rPr>
+              <a:t>, is a special subset of </a:t>
+            </a:r>
+            <a:r>
+              <a:rPr b="0" i="1" lang="en-US" sz="3200" spc="-1" strike="noStrike">
+                <a:latin typeface="Arial"/>
+              </a:rPr>
+              <a:t>Pic(G)</a:t>
+            </a:r>
+            <a:r>
+              <a:rPr b="0" lang="en-US" sz="3200" spc="-1" strike="noStrike">
+                <a:latin typeface="Arial"/>
+              </a:rPr>
+              <a:t> such that every divisor in each equivalency class has a degree of </a:t>
+            </a:r>
+            <a:r>
+              <a:rPr b="0" i="1" lang="en-US" sz="3200" spc="-1" strike="noStrike">
+                <a:latin typeface="Arial"/>
+              </a:rPr>
+              <a:t>0.</a:t>
+            </a:r>
+            <a:r>
+              <a:rPr b="0" lang="en-US" sz="3200" spc="-1" strike="noStrike">
+                <a:latin typeface="Arial"/>
+              </a:rPr>
+              <a:t>  If a divisor is in one of the Jacobian’s classes, it can be made winning after a finite series of moves.  The larger the size of the Jacobian, the more configurations exist where the vertices can be made debt free.</a:t>
             </a:r>
             <a:endParaRPr b="0" lang="en-US" sz="3200" spc="-1" strike="noStrike">
               <a:latin typeface="Arial"/>
@@ -10799,7 +10834,7 @@
         <p:spPr>
           <a:xfrm>
             <a:off x="360000" y="225720"/>
-            <a:ext cx="9356760" cy="715680"/>
+            <a:ext cx="9356040" cy="714960"/>
           </a:xfrm>
           <a:prstGeom prst="rect">
             <a:avLst/>
@@ -10827,19 +10862,7 @@
                 </a:solidFill>
                 <a:latin typeface="Arial"/>
               </a:rPr>
-              <a:t>The Laplacian and </a:t>
-            </a:r>
-            <a:br>
-              <a:rPr sz="4400"/>
-            </a:br>
-            <a:r>
-              <a:rPr b="0" lang="en-US" sz="4400" spc="-1" strike="noStrike">
-                <a:solidFill>
-                  <a:srgbClr val="ffffff"/>
-                </a:solidFill>
-                <a:latin typeface="Arial"/>
-              </a:rPr>
-              <a:t>The Smith Normal Form</a:t>
+              <a:t>The Picard Group and The Jacobian</a:t>
             </a:r>
             <a:endParaRPr b="0" lang="en-US" sz="4400" spc="-1" strike="noStrike">
               <a:latin typeface="Arial"/>
@@ -10859,8 +10882,8 @@
         </p:nvSpPr>
         <p:spPr>
           <a:xfrm>
-            <a:off x="457200" y="1744920"/>
-            <a:ext cx="1113480" cy="3053520"/>
+            <a:off x="360000" y="1485000"/>
+            <a:ext cx="9356040" cy="3776040"/>
           </a:xfrm>
           <a:prstGeom prst="rect">
             <a:avLst/>
@@ -10872,345 +10895,230 @@
         </p:spPr>
         <p:txBody>
           <a:bodyPr lIns="0" rIns="0" tIns="0" bIns="0" anchor="t">
-            <a:normAutofit/>
-          </a:bodyPr>
+            <a:normAutofit fontScale="51000"/>
+          </a:bodyPr>
+          <a:p>
+            <a:pPr marL="91440">
+              <a:lnSpc>
+                <a:spcPct val="100000"/>
+              </a:lnSpc>
+              <a:buNone/>
+            </a:pPr>
+            <a:r>
+              <a:rPr b="0" lang="en-US" sz="3200" spc="-1" strike="noStrike">
+                <a:latin typeface="Arial"/>
+              </a:rPr>
+              <a:t>The Picard Group is comprised of two parts:</a:t>
+            </a:r>
+            <a:endParaRPr b="0" lang="en-US" sz="3200" spc="-1" strike="noStrike">
+              <a:latin typeface="Arial"/>
+              <a:ea typeface="Noto Sans CJK SC"/>
+            </a:endParaRPr>
+          </a:p>
+          <a:p>
+            <a:pPr marL="432000" indent="-324000">
+              <a:lnSpc>
+                <a:spcPct val="100000"/>
+              </a:lnSpc>
+              <a:spcBef>
+                <a:spcPts val="1417"/>
+              </a:spcBef>
+              <a:buClr>
+                <a:srgbClr val="000000"/>
+              </a:buClr>
+              <a:buSzPct val="45000"/>
+              <a:buFont typeface="Wingdings" charset="2"/>
+              <a:buChar char=""/>
+            </a:pPr>
+            <a:r>
+              <a:rPr b="0" lang="en-US" sz="3200" spc="-1" strike="noStrike">
+                <a:latin typeface="Arial"/>
+              </a:rPr>
+              <a:t>The Jacobian</a:t>
+            </a:r>
+            <a:endParaRPr b="0" lang="en-US" sz="3200" spc="-1" strike="noStrike">
+              <a:latin typeface="Arial"/>
+            </a:endParaRPr>
+          </a:p>
+          <a:p>
+            <a:pPr lvl="1" marL="864000" indent="-324000">
+              <a:lnSpc>
+                <a:spcPct val="100000"/>
+              </a:lnSpc>
+              <a:spcBef>
+                <a:spcPts val="1134"/>
+              </a:spcBef>
+              <a:buClr>
+                <a:srgbClr val="000000"/>
+              </a:buClr>
+              <a:buSzPct val="75000"/>
+              <a:buFont typeface="Symbol" charset="2"/>
+              <a:buChar char=""/>
+            </a:pPr>
+            <a:r>
+              <a:rPr b="0" lang="en-US" sz="3200" spc="-1" strike="noStrike">
+                <a:latin typeface="Arial"/>
+                <a:ea typeface="Noto Sans CJK SC"/>
+              </a:rPr>
+              <a:t>The Jacobian itself is comprised of one or more invariant factors which are each in the form of </a:t>
+            </a:r>
+            <a:r>
+              <a:rPr b="0" i="1" lang="en-US" sz="3200" spc="-1" strike="noStrike">
+                <a:latin typeface="Arial"/>
+              </a:rPr>
+              <a:t>ℤ</a:t>
+            </a:r>
+            <a:r>
+              <a:rPr b="0" i="1" lang="en-US" sz="3200" spc="-1" strike="noStrike" baseline="-8000">
+                <a:latin typeface="Arial"/>
+              </a:rPr>
+              <a:t>x</a:t>
+            </a:r>
+            <a:r>
+              <a:rPr b="0" i="1" lang="en-US" sz="3200" spc="-1" strike="noStrike">
+                <a:latin typeface="Arial"/>
+              </a:rPr>
+              <a:t>. </a:t>
+            </a:r>
+            <a:r>
+              <a:rPr b="0" lang="en-US" sz="3200" spc="-1" strike="noStrike">
+                <a:latin typeface="Arial"/>
+              </a:rPr>
+              <a:t> Here, </a:t>
+            </a:r>
+            <a:r>
+              <a:rPr b="0" i="1" lang="en-US" sz="3200" spc="-1" strike="noStrike">
+                <a:latin typeface="Arial"/>
+              </a:rPr>
+              <a:t>x</a:t>
+            </a:r>
+            <a:r>
+              <a:rPr b="0" lang="en-US" sz="3200" spc="-1" strike="noStrike">
+                <a:latin typeface="Arial"/>
+              </a:rPr>
+              <a:t> represents the number of distinct equivalency classes with a degree of zero the graph can support.</a:t>
+            </a:r>
+            <a:endParaRPr b="0" lang="en-US" sz="3200" spc="-1" strike="noStrike">
+              <a:latin typeface="Arial"/>
+            </a:endParaRPr>
+          </a:p>
+          <a:p>
+            <a:pPr lvl="1" marL="864000" indent="-324000">
+              <a:lnSpc>
+                <a:spcPct val="100000"/>
+              </a:lnSpc>
+              <a:spcBef>
+                <a:spcPts val="1134"/>
+              </a:spcBef>
+              <a:buClr>
+                <a:srgbClr val="000000"/>
+              </a:buClr>
+              <a:buSzPct val="75000"/>
+              <a:buFont typeface="Symbol" charset="2"/>
+              <a:buChar char=""/>
+            </a:pPr>
+            <a:r>
+              <a:rPr b="0" lang="en-US" sz="3200" spc="-1" strike="noStrike">
+                <a:latin typeface="Arial"/>
+              </a:rPr>
+              <a:t>Two invariant factors multiplied together represent a tuple.  These represent a graph state that is a combination of multiple classes combined together.</a:t>
+            </a:r>
+            <a:endParaRPr b="0" lang="en-US" sz="3200" spc="-1" strike="noStrike">
+              <a:latin typeface="Arial"/>
+            </a:endParaRPr>
+          </a:p>
+          <a:p>
+            <a:pPr marL="432000" indent="-324000">
+              <a:lnSpc>
+                <a:spcPct val="100000"/>
+              </a:lnSpc>
+              <a:spcBef>
+                <a:spcPts val="1417"/>
+              </a:spcBef>
+              <a:buClr>
+                <a:srgbClr val="000000"/>
+              </a:buClr>
+              <a:buSzPct val="45000"/>
+              <a:buFont typeface="Wingdings" charset="2"/>
+              <a:buChar char=""/>
+            </a:pPr>
+            <a:r>
+              <a:rPr b="0" lang="en-US" sz="3200" spc="-1" strike="noStrike">
+                <a:latin typeface="Arial"/>
+              </a:rPr>
+              <a:t>The sets of integers represented by its rank</a:t>
+            </a:r>
+            <a:endParaRPr b="0" lang="en-US" sz="3200" spc="-1" strike="noStrike">
+              <a:latin typeface="Arial"/>
+            </a:endParaRPr>
+          </a:p>
+          <a:p>
+            <a:pPr lvl="1" marL="864000" indent="-324000">
+              <a:lnSpc>
+                <a:spcPct val="100000"/>
+              </a:lnSpc>
+              <a:spcBef>
+                <a:spcPts val="1134"/>
+              </a:spcBef>
+              <a:buClr>
+                <a:srgbClr val="000000"/>
+              </a:buClr>
+              <a:buSzPct val="75000"/>
+              <a:buFont typeface="Symbol" charset="2"/>
+              <a:buChar char=""/>
+            </a:pPr>
+            <a:r>
+              <a:rPr b="0" lang="en-US" sz="3200" spc="-1" strike="noStrike">
+                <a:latin typeface="Arial"/>
+                <a:ea typeface="Noto Sans CJK SC"/>
+              </a:rPr>
+              <a:t>In the form of </a:t>
+            </a:r>
+            <a:r>
+              <a:rPr b="0" i="1" lang="en-US" sz="3200" spc="-1" strike="noStrike">
+                <a:latin typeface="Arial"/>
+              </a:rPr>
+              <a:t>ℤ</a:t>
+            </a:r>
+            <a:r>
+              <a:rPr b="0" i="1" lang="en-US" sz="3200" spc="-1" strike="noStrike" baseline="33000">
+                <a:latin typeface="Arial"/>
+              </a:rPr>
+              <a:t>n </a:t>
+            </a:r>
+            <a:r>
+              <a:rPr b="0" i="1" lang="en-US" sz="3200" spc="-1" strike="noStrike">
+                <a:latin typeface="Arial"/>
+              </a:rPr>
+              <a:t>(an n-tuple of integers)</a:t>
+            </a:r>
+            <a:r>
+              <a:rPr b="0" lang="en-US" sz="3200" spc="-1" strike="noStrike">
+                <a:latin typeface="Arial"/>
+              </a:rPr>
+              <a:t>, representing the number of ways any number of chips can be distributed along classes represented by the Jacobian.  This tuple can represent the scaling up or down of the invariant factor(s) that make up the Jacobian</a:t>
+            </a:r>
+            <a:endParaRPr b="0" lang="en-US" sz="3200" spc="-1" strike="noStrike">
+              <a:latin typeface="Arial"/>
+            </a:endParaRPr>
+          </a:p>
           <a:p>
             <a:pPr>
               <a:lnSpc>
                 <a:spcPct val="100000"/>
               </a:lnSpc>
+              <a:spcBef>
+                <a:spcPts val="1417"/>
+              </a:spcBef>
               <a:buNone/>
             </a:pPr>
             <a:r>
-              <a:rPr b="0" lang="en-US" sz="1650" spc="-1" strike="noStrike">
-                <a:latin typeface="Arial"/>
-              </a:rPr>
-              <a:t>Laplacian</a:t>
-            </a:r>
-            <a:endParaRPr b="0" lang="en-US" sz="1650" spc="-1" strike="noStrike">
-              <a:latin typeface="Arial"/>
-            </a:endParaRPr>
-          </a:p>
-          <a:p>
-            <a:pPr>
-              <a:lnSpc>
-                <a:spcPct val="100000"/>
-              </a:lnSpc>
-              <a:buNone/>
-            </a:pPr>
-            <a:endParaRPr b="0" lang="en-US" sz="1650" spc="-1" strike="noStrike">
-              <a:latin typeface="Arial"/>
-            </a:endParaRPr>
-          </a:p>
-          <a:p>
-            <a:pPr>
-              <a:lnSpc>
-                <a:spcPct val="100000"/>
-              </a:lnSpc>
-              <a:buNone/>
-            </a:pPr>
-            <a:endParaRPr b="0" lang="en-US" sz="1650" spc="-1" strike="noStrike">
-              <a:latin typeface="Arial"/>
-            </a:endParaRPr>
-          </a:p>
-          <a:p>
-            <a:pPr>
-              <a:lnSpc>
-                <a:spcPct val="100000"/>
-              </a:lnSpc>
-              <a:buNone/>
-            </a:pPr>
-            <a:endParaRPr b="0" lang="en-US" sz="1650" spc="-1" strike="noStrike">
-              <a:latin typeface="Arial"/>
-            </a:endParaRPr>
-          </a:p>
-          <a:p>
-            <a:pPr>
-              <a:lnSpc>
-                <a:spcPct val="100000"/>
-              </a:lnSpc>
-              <a:buNone/>
-            </a:pPr>
-            <a:endParaRPr b="0" lang="en-US" sz="1650" spc="-1" strike="noStrike">
-              <a:latin typeface="Arial"/>
-            </a:endParaRPr>
-          </a:p>
-          <a:p>
-            <a:pPr>
-              <a:lnSpc>
-                <a:spcPct val="100000"/>
-              </a:lnSpc>
-              <a:buNone/>
-            </a:pPr>
-            <a:r>
-              <a:rPr b="0" lang="en-US" sz="1650" spc="-1" strike="noStrike">
-                <a:latin typeface="Arial"/>
-              </a:rPr>
-              <a:t>Smith Normal Form</a:t>
-            </a:r>
-            <a:endParaRPr b="0" lang="en-US" sz="1650" spc="-1" strike="noStrike">
-              <a:latin typeface="Arial"/>
-            </a:endParaRPr>
-          </a:p>
-        </p:txBody>
-      </p:sp>
-      <p:pic>
-        <p:nvPicPr>
-          <p:cNvPr id="198" name="" descr=""/>
-          <p:cNvPicPr/>
-          <p:nvPr/>
-        </p:nvPicPr>
-        <p:blipFill>
-          <a:blip r:embed="rId1"/>
-          <a:stretch/>
-        </p:blipFill>
-        <p:spPr>
-          <a:xfrm>
-            <a:off x="1572840" y="1371600"/>
-            <a:ext cx="6197400" cy="2016360"/>
-          </a:xfrm>
-          <a:prstGeom prst="rect">
-            <a:avLst/>
-          </a:prstGeom>
-          <a:ln w="0">
-            <a:noFill/>
-          </a:ln>
-        </p:spPr>
-      </p:pic>
-      <p:pic>
-        <p:nvPicPr>
-          <p:cNvPr id="199" name="" descr=""/>
-          <p:cNvPicPr/>
-          <p:nvPr/>
-        </p:nvPicPr>
-        <p:blipFill>
-          <a:blip r:embed="rId2"/>
-          <a:stretch/>
-        </p:blipFill>
-        <p:spPr>
-          <a:xfrm>
-            <a:off x="1572840" y="3390120"/>
-            <a:ext cx="6197400" cy="2016360"/>
-          </a:xfrm>
-          <a:prstGeom prst="rect">
-            <a:avLst/>
-          </a:prstGeom>
-          <a:ln w="0">
-            <a:noFill/>
-          </a:ln>
-        </p:spPr>
-      </p:pic>
-      <p:sp>
-        <p:nvSpPr>
-          <p:cNvPr id="200" name=""/>
-          <p:cNvSpPr/>
-          <p:nvPr/>
-        </p:nvSpPr>
-        <p:spPr>
-          <a:xfrm>
-            <a:off x="7794720" y="3390120"/>
-            <a:ext cx="2283840" cy="1112040"/>
-          </a:xfrm>
-          <a:prstGeom prst="rect">
-            <a:avLst/>
-          </a:prstGeom>
-          <a:noFill/>
-          <a:ln w="0">
-            <a:noFill/>
-          </a:ln>
-        </p:spPr>
-        <p:style>
-          <a:lnRef idx="0"/>
-          <a:fillRef idx="0"/>
-          <a:effectRef idx="0"/>
-          <a:fontRef idx="minor"/>
-        </p:style>
-        <p:txBody>
-          <a:bodyPr lIns="90000" rIns="90000" tIns="45000" bIns="45000" anchor="t">
-            <a:noAutofit/>
-          </a:bodyPr>
-          <a:p>
-            <a:pPr>
-              <a:lnSpc>
-                <a:spcPct val="100000"/>
-              </a:lnSpc>
-              <a:buNone/>
-            </a:pPr>
-            <a:r>
-              <a:rPr b="0" lang="en-US" sz="1800" spc="-1" strike="noStrike">
-                <a:solidFill>
-                  <a:srgbClr val="000000"/>
-                </a:solidFill>
-                <a:latin typeface="Arial"/>
-                <a:ea typeface="DejaVu Sans"/>
-              </a:rPr>
-              <a:t>Pic(G) = ℤ</a:t>
-            </a:r>
-            <a:r>
-              <a:rPr b="0" lang="en-US" sz="1800" spc="-1" strike="noStrike" baseline="-8000">
-                <a:solidFill>
-                  <a:srgbClr val="000000"/>
-                </a:solidFill>
-                <a:latin typeface="Arial"/>
-                <a:ea typeface="DejaVu Sans"/>
-              </a:rPr>
-              <a:t>3</a:t>
-            </a:r>
-            <a:r>
-              <a:rPr b="0" lang="en-US" sz="1800" spc="-1" strike="noStrike">
-                <a:solidFill>
-                  <a:srgbClr val="000000"/>
-                </a:solidFill>
-                <a:latin typeface="Arial"/>
-                <a:ea typeface="DejaVu Sans"/>
-              </a:rPr>
-              <a:t> x ℤ</a:t>
-            </a:r>
-            <a:r>
-              <a:rPr b="0" lang="en-US" sz="1800" spc="-1" strike="noStrike" baseline="33000">
-                <a:solidFill>
-                  <a:srgbClr val="000000"/>
-                </a:solidFill>
-                <a:latin typeface="Arial"/>
-                <a:ea typeface="DejaVu Sans"/>
-              </a:rPr>
-              <a:t>3</a:t>
-            </a:r>
-            <a:endParaRPr b="0" lang="en-US" sz="1800" spc="-1" strike="noStrike">
-              <a:latin typeface="Arial"/>
-            </a:endParaRPr>
-          </a:p>
-          <a:p>
-            <a:pPr>
-              <a:lnSpc>
-                <a:spcPct val="100000"/>
-              </a:lnSpc>
-              <a:buNone/>
-            </a:pPr>
-            <a:r>
-              <a:rPr b="0" lang="en-US" sz="1800" spc="-1" strike="noStrike">
-                <a:solidFill>
-                  <a:srgbClr val="000000"/>
-                </a:solidFill>
-                <a:latin typeface="Arial"/>
-                <a:ea typeface="DejaVu Sans"/>
-              </a:rPr>
-              <a:t>From 3 at M</a:t>
-            </a:r>
-            <a:r>
-              <a:rPr b="0" lang="en-US" sz="1800" spc="-1" strike="noStrike" baseline="-8000">
-                <a:solidFill>
-                  <a:srgbClr val="000000"/>
-                </a:solidFill>
-                <a:latin typeface="Arial"/>
-                <a:ea typeface="DejaVu Sans"/>
-              </a:rPr>
-              <a:t>4,4</a:t>
-            </a:r>
-            <a:r>
-              <a:rPr b="0" lang="en-US" sz="1800" spc="-1" strike="noStrike">
-                <a:solidFill>
-                  <a:srgbClr val="000000"/>
-                </a:solidFill>
-                <a:latin typeface="Arial"/>
-                <a:ea typeface="DejaVu Sans"/>
-              </a:rPr>
-              <a:t> and from 3 empty rows</a:t>
-            </a:r>
-            <a:endParaRPr b="0" lang="en-US" sz="1800" spc="-1" strike="noStrike">
-              <a:latin typeface="Arial"/>
-            </a:endParaRPr>
-          </a:p>
-        </p:txBody>
-      </p:sp>
-      <p:sp>
-        <p:nvSpPr>
-          <p:cNvPr id="201" name=""/>
-          <p:cNvSpPr/>
-          <p:nvPr/>
-        </p:nvSpPr>
-        <p:spPr>
-          <a:xfrm>
-            <a:off x="7772400" y="4343400"/>
-            <a:ext cx="2306160" cy="600120"/>
-          </a:xfrm>
-          <a:prstGeom prst="rect">
-            <a:avLst/>
-          </a:prstGeom>
-          <a:noFill/>
-          <a:ln w="0">
-            <a:noFill/>
-          </a:ln>
-        </p:spPr>
-        <p:style>
-          <a:lnRef idx="0"/>
-          <a:fillRef idx="0"/>
-          <a:effectRef idx="0"/>
-          <a:fontRef idx="minor"/>
-        </p:style>
-        <p:txBody>
-          <a:bodyPr lIns="90000" rIns="90000" tIns="45000" bIns="45000" anchor="t">
-            <a:noAutofit/>
-          </a:bodyPr>
-          <a:p>
-            <a:pPr>
-              <a:lnSpc>
-                <a:spcPct val="100000"/>
-              </a:lnSpc>
-              <a:buNone/>
-            </a:pPr>
-            <a:r>
-              <a:rPr b="0" lang="en-US" sz="1800" spc="-1" strike="noStrike">
-                <a:solidFill>
-                  <a:srgbClr val="000000"/>
-                </a:solidFill>
-                <a:latin typeface="Arial"/>
-                <a:ea typeface="DejaVu Sans"/>
-              </a:rPr>
-              <a:t>Jac(G) = ℤ</a:t>
-            </a:r>
-            <a:r>
-              <a:rPr b="0" lang="en-US" sz="1800" spc="-1" strike="noStrike" baseline="-8000">
-                <a:solidFill>
-                  <a:srgbClr val="000000"/>
-                </a:solidFill>
-                <a:latin typeface="Arial"/>
-                <a:ea typeface="DejaVu Sans"/>
-              </a:rPr>
-              <a:t>3</a:t>
-            </a:r>
-            <a:endParaRPr b="0" lang="en-US" sz="1800" spc="-1" strike="noStrike">
-              <a:latin typeface="Arial"/>
-            </a:endParaRPr>
-          </a:p>
-          <a:p>
-            <a:pPr>
-              <a:lnSpc>
-                <a:spcPct val="100000"/>
-              </a:lnSpc>
-              <a:buNone/>
-            </a:pPr>
-            <a:r>
-              <a:rPr b="0" lang="en-US" sz="1800" spc="-1" strike="noStrike">
-                <a:solidFill>
-                  <a:srgbClr val="000000"/>
-                </a:solidFill>
-                <a:latin typeface="Arial"/>
-                <a:ea typeface="DejaVu Sans"/>
-              </a:rPr>
-              <a:t>From 3 at M</a:t>
-            </a:r>
-            <a:r>
-              <a:rPr b="0" lang="en-US" sz="1800" spc="-1" strike="noStrike" baseline="-8000">
-                <a:solidFill>
-                  <a:srgbClr val="000000"/>
-                </a:solidFill>
-                <a:latin typeface="Arial"/>
-                <a:ea typeface="DejaVu Sans"/>
-              </a:rPr>
-              <a:t>4,4</a:t>
-            </a:r>
-            <a:endParaRPr b="0" lang="en-US" sz="1800" spc="-1" strike="noStrike">
+              <a:rPr b="0" lang="en-US" sz="3200" spc="-1" strike="noStrike">
+                <a:latin typeface="Arial"/>
+              </a:rPr>
+              <a:t>Using the Picard Group, we can completely describe any initial or intermediate state of a game, given the graph that it is played on.</a:t>
+            </a:r>
+            <a:endParaRPr b="0" lang="en-US" sz="3200" spc="-1" strike="noStrike">
               <a:latin typeface="Arial"/>
             </a:endParaRPr>
           </a:p>
@@ -11248,7 +11156,7 @@
       </p:grpSpPr>
       <p:sp>
         <p:nvSpPr>
-          <p:cNvPr id="202" name="PlaceHolder 1"/>
+          <p:cNvPr id="198" name="PlaceHolder 1"/>
           <p:cNvSpPr>
             <a:spLocks noGrp="1"/>
           </p:cNvSpPr>
@@ -11259,7 +11167,7 @@
         <p:spPr>
           <a:xfrm>
             <a:off x="360000" y="225720"/>
-            <a:ext cx="9356760" cy="715680"/>
+            <a:ext cx="9356040" cy="714960"/>
           </a:xfrm>
           <a:prstGeom prst="rect">
             <a:avLst/>
@@ -11287,7 +11195,19 @@
                 </a:solidFill>
                 <a:latin typeface="Arial"/>
               </a:rPr>
-              <a:t>Focused Graphs</a:t>
+              <a:t>The Laplacian and </a:t>
+            </a:r>
+            <a:br>
+              <a:rPr sz="4400"/>
+            </a:br>
+            <a:r>
+              <a:rPr b="0" lang="en-US" sz="4400" spc="-1" strike="noStrike">
+                <a:solidFill>
+                  <a:srgbClr val="ffffff"/>
+                </a:solidFill>
+                <a:latin typeface="Arial"/>
+              </a:rPr>
+              <a:t>The Smith Normal Form</a:t>
             </a:r>
             <a:endParaRPr b="0" lang="en-US" sz="4400" spc="-1" strike="noStrike">
               <a:latin typeface="Arial"/>
@@ -11297,7 +11217,7 @@
       </p:sp>
       <p:sp>
         <p:nvSpPr>
-          <p:cNvPr id="203" name="PlaceHolder 2"/>
+          <p:cNvPr id="199" name="PlaceHolder 2"/>
           <p:cNvSpPr>
             <a:spLocks noGrp="1"/>
           </p:cNvSpPr>
@@ -11308,7 +11228,7 @@
         <p:spPr>
           <a:xfrm>
             <a:off x="360000" y="1485000"/>
-            <a:ext cx="9356760" cy="3776760"/>
+            <a:ext cx="9356040" cy="3776040"/>
           </a:xfrm>
           <a:prstGeom prst="rect">
             <a:avLst/>
@@ -11320,7 +11240,7 @@
         </p:spPr>
         <p:txBody>
           <a:bodyPr lIns="0" rIns="0" tIns="0" bIns="0" anchor="t">
-            <a:normAutofit fontScale="79000"/>
+            <a:normAutofit fontScale="56000"/>
           </a:bodyPr>
           <a:p>
             <a:pPr marL="432000" indent="-324000">
@@ -11338,24 +11258,109 @@
               <a:buChar char=""/>
             </a:pPr>
             <a:r>
-              <a:rPr b="0" lang="en-US" sz="2400" spc="-1" strike="noStrike">
-                <a:latin typeface="Arial"/>
-              </a:rPr>
-              <a:t>A </a:t>
-            </a:r>
-            <a:r>
-              <a:rPr b="1" lang="en-US" sz="2400" spc="-1" strike="noStrike">
-                <a:latin typeface="Arial"/>
-              </a:rPr>
-              <a:t>Tree Graph</a:t>
-            </a:r>
-            <a:r>
-              <a:rPr b="0" lang="en-US" sz="2400" spc="-1" strike="noStrike">
-                <a:latin typeface="Arial"/>
-              </a:rPr>
-              <a:t> is a graph where there is only one path between vertices and contains no cycles.</a:t>
-            </a:r>
-            <a:endParaRPr b="0" lang="en-US" sz="2400" spc="-1" strike="noStrike">
+              <a:rPr b="0" lang="en-US" sz="3200" spc="-1" strike="noStrike">
+                <a:latin typeface="Arial"/>
+                <a:ea typeface="Noto Sans CJK SC"/>
+              </a:rPr>
+              <a:t>The </a:t>
+            </a:r>
+            <a:r>
+              <a:rPr b="1" lang="en-US" sz="3200" spc="-1" strike="noStrike">
+                <a:latin typeface="Arial"/>
+                <a:ea typeface="Noto Sans CJK SC"/>
+              </a:rPr>
+              <a:t>Laplacian</a:t>
+            </a:r>
+            <a:r>
+              <a:rPr b="0" lang="en-US" sz="3200" spc="-1" strike="noStrike">
+                <a:latin typeface="Arial"/>
+                <a:ea typeface="Noto Sans CJK SC"/>
+              </a:rPr>
+              <a:t> of a graph helps to serve as a bridge between the conceptual game and the mathematics behind those concepts.</a:t>
+            </a:r>
+            <a:endParaRPr b="0" lang="en-US" sz="3200" spc="-1" strike="noStrike">
+              <a:latin typeface="Arial"/>
+            </a:endParaRPr>
+          </a:p>
+          <a:p>
+            <a:pPr lvl="1" marL="864000" indent="-324000">
+              <a:lnSpc>
+                <a:spcPct val="100000"/>
+              </a:lnSpc>
+              <a:spcBef>
+                <a:spcPts val="1134"/>
+              </a:spcBef>
+              <a:buClr>
+                <a:srgbClr val="000000"/>
+              </a:buClr>
+              <a:buSzPct val="75000"/>
+              <a:buFont typeface="Symbol"/>
+              <a:buChar char=""/>
+            </a:pPr>
+            <a:r>
+              <a:rPr b="0" lang="en-US" sz="3200" spc="-1" strike="noStrike">
+                <a:latin typeface="Arial"/>
+                <a:ea typeface="Noto Sans CJK SC"/>
+              </a:rPr>
+              <a:t>For a graph of size </a:t>
+            </a:r>
+            <a:r>
+              <a:rPr b="0" i="1" lang="en-US" sz="3200" spc="-1" strike="noStrike">
+                <a:latin typeface="Arial"/>
+                <a:ea typeface="Noto Sans CJK SC"/>
+              </a:rPr>
+              <a:t>n</a:t>
+            </a:r>
+            <a:r>
+              <a:rPr b="0" lang="en-US" sz="3200" spc="-1" strike="noStrike">
+                <a:latin typeface="Arial"/>
+                <a:ea typeface="Noto Sans CJK SC"/>
+              </a:rPr>
+              <a:t>, it is an </a:t>
+            </a:r>
+            <a:r>
+              <a:rPr b="0" i="1" lang="en-US" sz="3200" spc="-1" strike="noStrike">
+                <a:latin typeface="Arial"/>
+                <a:ea typeface="Noto Sans CJK SC"/>
+              </a:rPr>
+              <a:t>n x n</a:t>
+            </a:r>
+            <a:r>
+              <a:rPr b="0" lang="en-US" sz="3200" spc="-1" strike="noStrike">
+                <a:latin typeface="Arial"/>
+                <a:ea typeface="Noto Sans CJK SC"/>
+              </a:rPr>
+              <a:t> matrix representing all valid lending or borrowing moves that graph can make.  Multiplying the transpose of the i</a:t>
+            </a:r>
+            <a:r>
+              <a:rPr b="0" i="1" lang="en-US" sz="3200" spc="-1" strike="noStrike" baseline="33000">
+                <a:latin typeface="Arial"/>
+                <a:ea typeface="Noto Sans CJK SC"/>
+              </a:rPr>
+              <a:t>th </a:t>
+            </a:r>
+            <a:r>
+              <a:rPr b="0" lang="en-US" sz="3200" spc="-1" strike="noStrike">
+                <a:latin typeface="Arial"/>
+                <a:ea typeface="Noto Sans CJK SC"/>
+              </a:rPr>
+              <a:t>row of the Laplacian by a divisor results in the divisor of the graph after making a move at the i</a:t>
+            </a:r>
+            <a:r>
+              <a:rPr b="0" i="1" lang="en-US" sz="3200" spc="-1" strike="noStrike" baseline="33000">
+                <a:latin typeface="Arial"/>
+                <a:ea typeface="Noto Sans CJK SC"/>
+              </a:rPr>
+              <a:t>th </a:t>
+            </a:r>
+            <a:r>
+              <a:rPr b="0" lang="en-US" sz="3200" spc="-1" strike="noStrike">
+                <a:latin typeface="Arial"/>
+                <a:ea typeface="Noto Sans CJK SC"/>
+              </a:rPr>
+              <a:t>vertex.</a:t>
+            </a:r>
+            <a:endParaRPr b="0" lang="en-US" sz="3200" spc="-1" strike="noStrike">
               <a:latin typeface="Arial"/>
             </a:endParaRPr>
           </a:p>
@@ -11375,135 +11380,53 @@
               <a:buChar char=""/>
             </a:pPr>
             <a:r>
-              <a:rPr b="0" lang="en-US" sz="2400" spc="-1" strike="noStrike">
-                <a:latin typeface="Arial"/>
-              </a:rPr>
-              <a:t>A </a:t>
-            </a:r>
-            <a:r>
-              <a:rPr b="1" lang="en-US" sz="2400" spc="-1" strike="noStrike">
-                <a:latin typeface="Arial"/>
-              </a:rPr>
-              <a:t>Cycle Graph</a:t>
-            </a:r>
-            <a:r>
-              <a:rPr b="0" lang="en-US" sz="2400" spc="-1" strike="noStrike">
-                <a:latin typeface="Arial"/>
-              </a:rPr>
-              <a:t> is a graph that only has one cycle, or a line graph with another connection between the first and last vertices.</a:t>
-            </a:r>
-            <a:endParaRPr b="0" lang="en-US" sz="2400" spc="-1" strike="noStrike">
-              <a:latin typeface="Arial"/>
-            </a:endParaRPr>
-          </a:p>
-          <a:p>
-            <a:pPr marL="432000" indent="-324000">
+              <a:rPr b="0" lang="en-US" sz="3200" spc="-1" strike="noStrike">
+                <a:latin typeface="Arial"/>
+                <a:ea typeface="Noto Sans CJK SC"/>
+              </a:rPr>
+              <a:t>The </a:t>
+            </a:r>
+            <a:r>
+              <a:rPr b="1" lang="en-US" sz="3200" spc="-1" strike="noStrike">
+                <a:latin typeface="Arial"/>
+                <a:ea typeface="Noto Sans CJK SC"/>
+              </a:rPr>
+              <a:t>Smith Normal Form</a:t>
+            </a:r>
+            <a:r>
+              <a:rPr b="0" lang="en-US" sz="3200" spc="-1" strike="noStrike">
+                <a:latin typeface="Arial"/>
+                <a:ea typeface="Noto Sans CJK SC"/>
+              </a:rPr>
+              <a:t> (SNF) of a Laplacian is a matrix obtained from the Laplacian. While the Laplacian itself encodes information about lending or borrowing moves, the SNF encodes information about the Picard Group and the Jacobian in its diagonal elements.</a:t>
+            </a:r>
+            <a:endParaRPr b="0" lang="en-US" sz="3200" spc="-1" strike="noStrike">
+              <a:latin typeface="Arial"/>
+            </a:endParaRPr>
+          </a:p>
+          <a:p>
+            <a:pPr lvl="1" marL="864000" indent="-324000">
               <a:lnSpc>
                 <a:spcPct val="100000"/>
               </a:lnSpc>
               <a:spcBef>
-                <a:spcPts val="1417"/>
+                <a:spcPts val="1134"/>
               </a:spcBef>
               <a:buClr>
                 <a:srgbClr val="000000"/>
               </a:buClr>
-              <a:buSzPct val="45000"/>
-              <a:buFont typeface="Wingdings" charset="2"/>
-              <a:buChar char=""/>
-            </a:pPr>
-            <a:r>
-              <a:rPr b="0" lang="en-US" sz="2400" spc="-1" strike="noStrike">
-                <a:latin typeface="Arial"/>
-              </a:rPr>
-              <a:t>A </a:t>
-            </a:r>
-            <a:r>
-              <a:rPr b="1" lang="en-US" sz="2400" spc="-1" strike="noStrike">
-                <a:latin typeface="Arial"/>
-              </a:rPr>
-              <a:t>Pseudo-Tree Graph</a:t>
-            </a:r>
-            <a:r>
-              <a:rPr b="0" lang="en-US" sz="2400" spc="-1" strike="noStrike">
-                <a:latin typeface="Arial"/>
-              </a:rPr>
-              <a:t> is a combination of these two.  This graph is created by gluing a tree to one of the vertices of a cycle graph.</a:t>
-            </a:r>
-            <a:endParaRPr b="0" lang="en-US" sz="2400" spc="-1" strike="noStrike">
-              <a:latin typeface="Arial"/>
-            </a:endParaRPr>
-          </a:p>
-          <a:p>
-            <a:pPr marL="432000" indent="-324000">
-              <a:lnSpc>
-                <a:spcPct val="100000"/>
-              </a:lnSpc>
-              <a:spcBef>
-                <a:spcPts val="1417"/>
-              </a:spcBef>
-              <a:buClr>
-                <a:srgbClr val="000000"/>
-              </a:buClr>
-              <a:buSzPct val="45000"/>
-              <a:buFont typeface="Wingdings" charset="2"/>
-              <a:buChar char=""/>
-            </a:pPr>
-            <a:r>
-              <a:rPr b="0" lang="en-US" sz="2400" spc="-1" strike="noStrike">
-                <a:latin typeface="Arial"/>
-              </a:rPr>
-              <a:t>A </a:t>
-            </a:r>
-            <a:r>
-              <a:rPr b="1" lang="en-US" sz="2400" spc="-1" strike="noStrike">
-                <a:latin typeface="Arial"/>
-              </a:rPr>
-              <a:t>Wheel Graph</a:t>
-            </a:r>
-            <a:r>
-              <a:rPr b="0" lang="en-US" sz="2400" spc="-1" strike="noStrike">
-                <a:latin typeface="Arial"/>
-              </a:rPr>
-              <a:t> is a cycle graph with an added central vertex to which all others connect.</a:t>
-            </a:r>
-            <a:endParaRPr b="0" lang="en-US" sz="2400" spc="-1" strike="noStrike">
-              <a:latin typeface="Arial"/>
-            </a:endParaRPr>
-          </a:p>
-          <a:p>
-            <a:pPr marL="432000" indent="-324000">
-              <a:lnSpc>
-                <a:spcPct val="100000"/>
-              </a:lnSpc>
-              <a:spcBef>
-                <a:spcPts val="1417"/>
-              </a:spcBef>
-              <a:buClr>
-                <a:srgbClr val="000000"/>
-              </a:buClr>
-              <a:buSzPct val="45000"/>
-              <a:buFont typeface="Wingdings" charset="2"/>
-              <a:buChar char=""/>
-            </a:pPr>
-            <a:r>
-              <a:rPr b="0" lang="en-US" sz="2400" spc="-1" strike="noStrike">
-                <a:latin typeface="Arial"/>
-              </a:rPr>
-              <a:t>A </a:t>
-            </a:r>
-            <a:r>
-              <a:rPr b="1" lang="en-US" sz="2400" spc="-1" strike="noStrike">
-                <a:latin typeface="Arial"/>
-              </a:rPr>
-              <a:t>Multipartite Graph</a:t>
-            </a:r>
-            <a:r>
-              <a:rPr b="0" lang="en-US" sz="2400" spc="-1" strike="noStrike">
-                <a:latin typeface="Arial"/>
-              </a:rPr>
-              <a:t> is a graph made up of several groups of vertices in which their vertices have no connection to each other, but are each strongly connected to another such group.</a:t>
-            </a:r>
-            <a:endParaRPr b="0" lang="en-US" sz="2400" spc="-1" strike="noStrike">
+              <a:buSzPct val="75000"/>
+              <a:buFont typeface="Symbol"/>
+              <a:buChar char=""/>
+            </a:pPr>
+            <a:r>
+              <a:rPr b="0" lang="en-US" sz="3200" spc="-1" strike="noStrike">
+                <a:latin typeface="Arial"/>
+                <a:ea typeface="Noto Sans CJK SC"/>
+              </a:rPr>
+              <a:t>Calculating the SNF allows us to know more information on the possible ways a game can be played out.  Similarly to Gaussian elimination, the Laplacian is reduced to a diagonal matrix through a series of row and column operations.  The difference being that all elements of the matrix must be integers.</a:t>
+            </a:r>
+            <a:endParaRPr b="0" lang="en-US" sz="3200" spc="-1" strike="noStrike">
               <a:latin typeface="Arial"/>
             </a:endParaRPr>
           </a:p>
@@ -11541,7 +11464,7 @@
       </p:grpSpPr>
       <p:sp>
         <p:nvSpPr>
-          <p:cNvPr id="204" name="PlaceHolder 1"/>
+          <p:cNvPr id="200" name="PlaceHolder 1"/>
           <p:cNvSpPr>
             <a:spLocks noGrp="1"/>
           </p:cNvSpPr>
@@ -11552,7 +11475,7 @@
         <p:spPr>
           <a:xfrm>
             <a:off x="360000" y="225720"/>
-            <a:ext cx="9356760" cy="715680"/>
+            <a:ext cx="9356040" cy="714960"/>
           </a:xfrm>
           <a:prstGeom prst="rect">
             <a:avLst/>
@@ -11580,13 +11503,394 @@
                 </a:solidFill>
                 <a:latin typeface="Arial"/>
               </a:rPr>
-              <a:t>Research</a:t>
+              <a:t>The Laplacian and </a:t>
+            </a:r>
+            <a:br>
+              <a:rPr sz="4400"/>
+            </a:br>
+            <a:r>
+              <a:rPr b="0" lang="en-US" sz="4400" spc="-1" strike="noStrike">
+                <a:solidFill>
+                  <a:srgbClr val="ffffff"/>
+                </a:solidFill>
+                <a:latin typeface="Arial"/>
+              </a:rPr>
+              <a:t>The Smith Normal Form</a:t>
             </a:r>
             <a:endParaRPr b="0" lang="en-US" sz="4400" spc="-1" strike="noStrike">
               <a:latin typeface="Arial"/>
             </a:endParaRPr>
           </a:p>
         </p:txBody>
+      </p:sp>
+      <p:sp>
+        <p:nvSpPr>
+          <p:cNvPr id="201" name="PlaceHolder 2"/>
+          <p:cNvSpPr>
+            <a:spLocks noGrp="1"/>
+          </p:cNvSpPr>
+          <p:nvPr>
+            <p:ph/>
+          </p:nvPr>
+        </p:nvSpPr>
+        <p:spPr>
+          <a:xfrm>
+            <a:off x="457200" y="1744920"/>
+            <a:ext cx="1112760" cy="3052800"/>
+          </a:xfrm>
+          <a:prstGeom prst="rect">
+            <a:avLst/>
+          </a:prstGeom>
+          <a:noFill/>
+          <a:ln w="0">
+            <a:noFill/>
+          </a:ln>
+        </p:spPr>
+        <p:txBody>
+          <a:bodyPr lIns="0" rIns="0" tIns="0" bIns="0" anchor="t">
+            <a:normAutofit/>
+          </a:bodyPr>
+          <a:p>
+            <a:pPr>
+              <a:lnSpc>
+                <a:spcPct val="100000"/>
+              </a:lnSpc>
+              <a:buNone/>
+            </a:pPr>
+            <a:endParaRPr b="0" lang="en-US" sz="1650" spc="-1" strike="noStrike">
+              <a:latin typeface="Arial"/>
+            </a:endParaRPr>
+          </a:p>
+          <a:p>
+            <a:pPr>
+              <a:lnSpc>
+                <a:spcPct val="100000"/>
+              </a:lnSpc>
+              <a:buNone/>
+            </a:pPr>
+            <a:r>
+              <a:rPr b="0" lang="en-US" sz="1650" spc="-1" strike="noStrike">
+                <a:latin typeface="Arial"/>
+              </a:rPr>
+              <a:t>Laplacian</a:t>
+            </a:r>
+            <a:endParaRPr b="0" lang="en-US" sz="1650" spc="-1" strike="noStrike">
+              <a:latin typeface="Arial"/>
+            </a:endParaRPr>
+          </a:p>
+          <a:p>
+            <a:pPr>
+              <a:lnSpc>
+                <a:spcPct val="100000"/>
+              </a:lnSpc>
+              <a:buNone/>
+            </a:pPr>
+            <a:endParaRPr b="0" lang="en-US" sz="1650" spc="-1" strike="noStrike">
+              <a:latin typeface="Arial"/>
+            </a:endParaRPr>
+          </a:p>
+          <a:p>
+            <a:pPr>
+              <a:lnSpc>
+                <a:spcPct val="100000"/>
+              </a:lnSpc>
+              <a:buNone/>
+            </a:pPr>
+            <a:endParaRPr b="0" lang="en-US" sz="1650" spc="-1" strike="noStrike">
+              <a:latin typeface="Arial"/>
+            </a:endParaRPr>
+          </a:p>
+          <a:p>
+            <a:pPr>
+              <a:lnSpc>
+                <a:spcPct val="100000"/>
+              </a:lnSpc>
+              <a:buNone/>
+            </a:pPr>
+            <a:endParaRPr b="0" lang="en-US" sz="1650" spc="-1" strike="noStrike">
+              <a:latin typeface="Arial"/>
+            </a:endParaRPr>
+          </a:p>
+          <a:p>
+            <a:pPr>
+              <a:lnSpc>
+                <a:spcPct val="100000"/>
+              </a:lnSpc>
+              <a:buNone/>
+            </a:pPr>
+            <a:endParaRPr b="0" lang="en-US" sz="1650" spc="-1" strike="noStrike">
+              <a:latin typeface="Arial"/>
+            </a:endParaRPr>
+          </a:p>
+          <a:p>
+            <a:pPr>
+              <a:lnSpc>
+                <a:spcPct val="100000"/>
+              </a:lnSpc>
+              <a:buNone/>
+            </a:pPr>
+            <a:endParaRPr b="0" lang="en-US" sz="1650" spc="-1" strike="noStrike">
+              <a:latin typeface="Arial"/>
+            </a:endParaRPr>
+          </a:p>
+          <a:p>
+            <a:pPr>
+              <a:lnSpc>
+                <a:spcPct val="100000"/>
+              </a:lnSpc>
+              <a:buNone/>
+            </a:pPr>
+            <a:endParaRPr b="0" lang="en-US" sz="1650" spc="-1" strike="noStrike">
+              <a:latin typeface="Arial"/>
+            </a:endParaRPr>
+          </a:p>
+          <a:p>
+            <a:pPr>
+              <a:lnSpc>
+                <a:spcPct val="100000"/>
+              </a:lnSpc>
+              <a:buNone/>
+            </a:pPr>
+            <a:r>
+              <a:rPr b="0" lang="en-US" sz="1650" spc="-1" strike="noStrike">
+                <a:latin typeface="Arial"/>
+              </a:rPr>
+              <a:t>Smith Normal Form</a:t>
+            </a:r>
+            <a:endParaRPr b="0" lang="en-US" sz="1650" spc="-1" strike="noStrike">
+              <a:latin typeface="Arial"/>
+            </a:endParaRPr>
+          </a:p>
+        </p:txBody>
+      </p:sp>
+      <p:pic>
+        <p:nvPicPr>
+          <p:cNvPr id="202" name="" descr=""/>
+          <p:cNvPicPr/>
+          <p:nvPr/>
+        </p:nvPicPr>
+        <p:blipFill>
+          <a:blip r:embed="rId1"/>
+          <a:stretch/>
+        </p:blipFill>
+        <p:spPr>
+          <a:xfrm>
+            <a:off x="1572840" y="1371600"/>
+            <a:ext cx="6196680" cy="2015640"/>
+          </a:xfrm>
+          <a:prstGeom prst="rect">
+            <a:avLst/>
+          </a:prstGeom>
+          <a:ln w="0">
+            <a:noFill/>
+          </a:ln>
+        </p:spPr>
+      </p:pic>
+      <p:pic>
+        <p:nvPicPr>
+          <p:cNvPr id="203" name="" descr=""/>
+          <p:cNvPicPr/>
+          <p:nvPr/>
+        </p:nvPicPr>
+        <p:blipFill>
+          <a:blip r:embed="rId2"/>
+          <a:stretch/>
+        </p:blipFill>
+        <p:spPr>
+          <a:xfrm>
+            <a:off x="1572840" y="3390120"/>
+            <a:ext cx="6196680" cy="2015640"/>
+          </a:xfrm>
+          <a:prstGeom prst="rect">
+            <a:avLst/>
+          </a:prstGeom>
+          <a:ln w="0">
+            <a:noFill/>
+          </a:ln>
+        </p:spPr>
+      </p:pic>
+      <p:sp>
+        <p:nvSpPr>
+          <p:cNvPr id="204" name=""/>
+          <p:cNvSpPr/>
+          <p:nvPr/>
+        </p:nvSpPr>
+        <p:spPr>
+          <a:xfrm>
+            <a:off x="7772400" y="1371600"/>
+            <a:ext cx="2283120" cy="3885840"/>
+          </a:xfrm>
+          <a:prstGeom prst="rect">
+            <a:avLst/>
+          </a:prstGeom>
+          <a:noFill/>
+          <a:ln w="0">
+            <a:noFill/>
+          </a:ln>
+        </p:spPr>
+        <p:style>
+          <a:lnRef idx="0"/>
+          <a:fillRef idx="0"/>
+          <a:effectRef idx="0"/>
+          <a:fontRef idx="minor"/>
+        </p:style>
+        <p:txBody>
+          <a:bodyPr lIns="90000" rIns="90000" tIns="45000" bIns="45000" anchor="t">
+            <a:noAutofit/>
+          </a:bodyPr>
+          <a:p>
+            <a:pPr>
+              <a:lnSpc>
+                <a:spcPct val="100000"/>
+              </a:lnSpc>
+              <a:buNone/>
+            </a:pPr>
+            <a:r>
+              <a:rPr b="0" lang="en-US" sz="1800" spc="-1" strike="noStrike">
+                <a:solidFill>
+                  <a:srgbClr val="000000"/>
+                </a:solidFill>
+                <a:latin typeface="Arial"/>
+                <a:ea typeface="DejaVu Sans"/>
+              </a:rPr>
+              <a:t>The non-zero elements of the diagonal represent the Jacobian of a graph while the diagonal zeros represent the rank of the Picard Group.</a:t>
+            </a:r>
+            <a:endParaRPr b="0" lang="en-US" sz="1800" spc="-1" strike="noStrike">
+              <a:latin typeface="Arial"/>
+            </a:endParaRPr>
+          </a:p>
+          <a:p>
+            <a:pPr>
+              <a:lnSpc>
+                <a:spcPct val="100000"/>
+              </a:lnSpc>
+              <a:buNone/>
+            </a:pPr>
+            <a:r>
+              <a:rPr b="0" lang="en-US" sz="1800" spc="-1" strike="noStrike">
+                <a:solidFill>
+                  <a:srgbClr val="000000"/>
+                </a:solidFill>
+                <a:latin typeface="Arial"/>
+                <a:ea typeface="DejaVu Sans"/>
+              </a:rPr>
+              <a:t>Here, </a:t>
+            </a:r>
+            <a:endParaRPr b="0" lang="en-US" sz="1800" spc="-1" strike="noStrike">
+              <a:latin typeface="Arial"/>
+            </a:endParaRPr>
+          </a:p>
+          <a:p>
+            <a:pPr>
+              <a:lnSpc>
+                <a:spcPct val="100000"/>
+              </a:lnSpc>
+              <a:buNone/>
+            </a:pPr>
+            <a:r>
+              <a:rPr b="0" lang="en-US" sz="1800" spc="-1" strike="noStrike">
+                <a:solidFill>
+                  <a:srgbClr val="000000"/>
+                </a:solidFill>
+                <a:latin typeface="Arial"/>
+                <a:ea typeface="DejaVu Sans"/>
+              </a:rPr>
+              <a:t>Pic(G) = ℤ</a:t>
+            </a:r>
+            <a:r>
+              <a:rPr b="0" lang="en-US" sz="1800" spc="-1" strike="noStrike" baseline="-8000">
+                <a:solidFill>
+                  <a:srgbClr val="000000"/>
+                </a:solidFill>
+                <a:latin typeface="Arial"/>
+                <a:ea typeface="DejaVu Sans"/>
+              </a:rPr>
+              <a:t>3</a:t>
+            </a:r>
+            <a:r>
+              <a:rPr b="0" lang="en-US" sz="1800" spc="-1" strike="noStrike">
+                <a:solidFill>
+                  <a:srgbClr val="000000"/>
+                </a:solidFill>
+                <a:latin typeface="Arial"/>
+                <a:ea typeface="DejaVu Sans"/>
+              </a:rPr>
+              <a:t> x ℤ</a:t>
+            </a:r>
+            <a:r>
+              <a:rPr b="0" lang="en-US" sz="1800" spc="-1" strike="noStrike" baseline="33000">
+                <a:solidFill>
+                  <a:srgbClr val="000000"/>
+                </a:solidFill>
+                <a:latin typeface="Arial"/>
+                <a:ea typeface="DejaVu Sans"/>
+              </a:rPr>
+              <a:t>3 </a:t>
+            </a:r>
+            <a:r>
+              <a:rPr b="0" lang="en-US" sz="1800" spc="-1" strike="noStrike">
+                <a:solidFill>
+                  <a:srgbClr val="000000"/>
+                </a:solidFill>
+                <a:latin typeface="Arial"/>
+                <a:ea typeface="DejaVu Sans"/>
+              </a:rPr>
+              <a:t>, the Jacobian comes from the 3 at M</a:t>
+            </a:r>
+            <a:r>
+              <a:rPr b="0" lang="en-US" sz="1800" spc="-1" strike="noStrike" baseline="-8000">
+                <a:solidFill>
+                  <a:srgbClr val="000000"/>
+                </a:solidFill>
+                <a:latin typeface="Arial"/>
+                <a:ea typeface="DejaVu Sans"/>
+              </a:rPr>
+              <a:t>4,4</a:t>
+            </a:r>
+            <a:r>
+              <a:rPr b="0" lang="en-US" sz="1800" spc="-1" strike="noStrike">
+                <a:solidFill>
+                  <a:srgbClr val="000000"/>
+                </a:solidFill>
+                <a:latin typeface="Arial"/>
+                <a:ea typeface="DejaVu Sans"/>
+              </a:rPr>
+              <a:t> and the rank from 3 empty rows.</a:t>
+            </a:r>
+            <a:endParaRPr b="0" lang="en-US" sz="1800" spc="-1" strike="noStrike">
+              <a:latin typeface="Arial"/>
+            </a:endParaRPr>
+          </a:p>
+        </p:txBody>
+      </p:sp>
+      <p:sp>
+        <p:nvSpPr>
+          <p:cNvPr id="205" name=""/>
+          <p:cNvSpPr/>
+          <p:nvPr/>
+        </p:nvSpPr>
+        <p:spPr>
+          <a:xfrm>
+            <a:off x="685800" y="2514600"/>
+            <a:ext cx="360" cy="1143000"/>
+          </a:xfrm>
+          <a:prstGeom prst="line">
+            <a:avLst/>
+          </a:prstGeom>
+          <a:ln w="57240">
+            <a:solidFill>
+              <a:srgbClr val="3465a4"/>
+            </a:solidFill>
+            <a:round/>
+            <a:tailEnd len="med" type="triangle" w="med"/>
+          </a:ln>
+        </p:spPr>
+        <p:style>
+          <a:lnRef idx="0"/>
+          <a:fillRef idx="0"/>
+          <a:effectRef idx="0"/>
+          <a:fontRef idx="minor"/>
+        </p:style>
       </p:sp>
     </p:spTree>
   </p:cSld>
@@ -11620,7 +11924,7 @@
       </p:grpSpPr>
       <p:sp>
         <p:nvSpPr>
-          <p:cNvPr id="205" name="PlaceHolder 1"/>
+          <p:cNvPr id="206" name="PlaceHolder 1"/>
           <p:cNvSpPr>
             <a:spLocks noGrp="1"/>
           </p:cNvSpPr>
@@ -11631,7 +11935,7 @@
         <p:spPr>
           <a:xfrm>
             <a:off x="360000" y="225720"/>
-            <a:ext cx="9356760" cy="715680"/>
+            <a:ext cx="9356040" cy="714960"/>
           </a:xfrm>
           <a:prstGeom prst="rect">
             <a:avLst/>
@@ -11659,7 +11963,7 @@
                 </a:solidFill>
                 <a:latin typeface="Arial"/>
               </a:rPr>
-              <a:t>Objectives</a:t>
+              <a:t>Focused Graphs</a:t>
             </a:r>
             <a:endParaRPr b="0" lang="en-US" sz="4400" spc="-1" strike="noStrike">
               <a:latin typeface="Arial"/>
@@ -11667,80 +11971,356 @@
           </a:p>
         </p:txBody>
       </p:sp>
-      <p:sp>
-        <p:nvSpPr>
-          <p:cNvPr id="206" name="PlaceHolder 2"/>
-          <p:cNvSpPr>
-            <a:spLocks noGrp="1"/>
-          </p:cNvSpPr>
-          <p:nvPr>
-            <p:ph/>
-          </p:nvPr>
-        </p:nvSpPr>
-        <p:spPr>
-          <a:xfrm>
-            <a:off x="360000" y="1485000"/>
-            <a:ext cx="9356760" cy="3776760"/>
-          </a:xfrm>
-          <a:prstGeom prst="rect">
-            <a:avLst/>
-          </a:prstGeom>
-          <a:noFill/>
-          <a:ln w="0">
-            <a:noFill/>
-          </a:ln>
-        </p:spPr>
-        <p:txBody>
-          <a:bodyPr lIns="0" rIns="0" tIns="0" bIns="0" anchor="t">
-            <a:normAutofit/>
-          </a:bodyPr>
-          <a:p>
-            <a:pPr marL="432000" indent="-324000">
+      <p:pic>
+        <p:nvPicPr>
+          <p:cNvPr id="207" name="" descr=""/>
+          <p:cNvPicPr/>
+          <p:nvPr/>
+        </p:nvPicPr>
+        <p:blipFill>
+          <a:blip r:embed="rId1"/>
+          <a:stretch/>
+        </p:blipFill>
+        <p:spPr>
+          <a:xfrm>
+            <a:off x="228600" y="1279440"/>
+            <a:ext cx="2742840" cy="2057040"/>
+          </a:xfrm>
+          <a:prstGeom prst="rect">
+            <a:avLst/>
+          </a:prstGeom>
+          <a:ln w="0">
+            <a:noFill/>
+          </a:ln>
+        </p:spPr>
+      </p:pic>
+      <p:pic>
+        <p:nvPicPr>
+          <p:cNvPr id="208" name="" descr=""/>
+          <p:cNvPicPr/>
+          <p:nvPr/>
+        </p:nvPicPr>
+        <p:blipFill>
+          <a:blip r:embed="rId2"/>
+          <a:stretch/>
+        </p:blipFill>
+        <p:spPr>
+          <a:xfrm>
+            <a:off x="228600" y="3336840"/>
+            <a:ext cx="2742840" cy="2057040"/>
+          </a:xfrm>
+          <a:prstGeom prst="rect">
+            <a:avLst/>
+          </a:prstGeom>
+          <a:ln w="0">
+            <a:noFill/>
+          </a:ln>
+        </p:spPr>
+      </p:pic>
+      <p:pic>
+        <p:nvPicPr>
+          <p:cNvPr id="209" name="" descr=""/>
+          <p:cNvPicPr/>
+          <p:nvPr/>
+        </p:nvPicPr>
+        <p:blipFill>
+          <a:blip r:embed="rId3"/>
+          <a:stretch/>
+        </p:blipFill>
+        <p:spPr>
+          <a:xfrm>
+            <a:off x="3657600" y="1279440"/>
+            <a:ext cx="2742840" cy="2057040"/>
+          </a:xfrm>
+          <a:prstGeom prst="rect">
+            <a:avLst/>
+          </a:prstGeom>
+          <a:ln w="0">
+            <a:noFill/>
+          </a:ln>
+        </p:spPr>
+      </p:pic>
+      <p:pic>
+        <p:nvPicPr>
+          <p:cNvPr id="210" name="" descr=""/>
+          <p:cNvPicPr/>
+          <p:nvPr/>
+        </p:nvPicPr>
+        <p:blipFill>
+          <a:blip r:embed="rId4"/>
+          <a:stretch/>
+        </p:blipFill>
+        <p:spPr>
+          <a:xfrm>
+            <a:off x="3657600" y="3336840"/>
+            <a:ext cx="2742840" cy="2057040"/>
+          </a:xfrm>
+          <a:prstGeom prst="rect">
+            <a:avLst/>
+          </a:prstGeom>
+          <a:ln w="0">
+            <a:noFill/>
+          </a:ln>
+        </p:spPr>
+      </p:pic>
+      <p:pic>
+        <p:nvPicPr>
+          <p:cNvPr id="211" name="" descr=""/>
+          <p:cNvPicPr/>
+          <p:nvPr/>
+        </p:nvPicPr>
+        <p:blipFill>
+          <a:blip r:embed="rId5"/>
+          <a:stretch/>
+        </p:blipFill>
+        <p:spPr>
+          <a:xfrm>
+            <a:off x="6354000" y="1828800"/>
+            <a:ext cx="3475440" cy="2606400"/>
+          </a:xfrm>
+          <a:prstGeom prst="rect">
+            <a:avLst/>
+          </a:prstGeom>
+          <a:ln w="0">
+            <a:noFill/>
+          </a:ln>
+        </p:spPr>
+      </p:pic>
+      <p:sp>
+        <p:nvSpPr>
+          <p:cNvPr id="212" name=""/>
+          <p:cNvSpPr/>
+          <p:nvPr/>
+        </p:nvSpPr>
+        <p:spPr>
+          <a:xfrm>
+            <a:off x="457200" y="1143000"/>
+            <a:ext cx="2285640" cy="345960"/>
+          </a:xfrm>
+          <a:prstGeom prst="rect">
+            <a:avLst/>
+          </a:prstGeom>
+          <a:noFill/>
+          <a:ln w="0">
+            <a:noFill/>
+          </a:ln>
+        </p:spPr>
+        <p:style>
+          <a:lnRef idx="0"/>
+          <a:fillRef idx="0"/>
+          <a:effectRef idx="0"/>
+          <a:fontRef idx="minor"/>
+        </p:style>
+        <p:txBody>
+          <a:bodyPr lIns="90000" rIns="90000" tIns="45000" bIns="45000" anchor="t">
+            <a:noAutofit/>
+          </a:bodyPr>
+          <a:p>
+            <a:pPr algn="ctr">
               <a:lnSpc>
                 <a:spcPct val="100000"/>
               </a:lnSpc>
-              <a:spcBef>
-                <a:spcPts val="1417"/>
-              </a:spcBef>
-              <a:buClr>
-                <a:srgbClr val="000000"/>
-              </a:buClr>
-              <a:buSzPct val="45000"/>
-              <a:buFont typeface="Wingdings" charset="2"/>
-              <a:buChar char=""/>
-            </a:pPr>
-            <a:r>
-              <a:rPr b="0" lang="en-US" sz="2480" spc="-1" strike="noStrike">
-                <a:latin typeface="Arial"/>
-              </a:rPr>
-              <a:t>While chip firing games with undirected graphs are well studied and explored, the directed case has not received as much attention.</a:t>
-            </a:r>
-            <a:endParaRPr b="0" lang="en-US" sz="2480" spc="-1" strike="noStrike">
-              <a:latin typeface="Arial"/>
-            </a:endParaRPr>
-          </a:p>
-          <a:p>
-            <a:pPr marL="432000" indent="-324000">
+              <a:buNone/>
+            </a:pPr>
+            <a:r>
+              <a:rPr b="0" lang="en-US" sz="1800" spc="-1" strike="noStrike">
+                <a:latin typeface="Arial"/>
+              </a:rPr>
+              <a:t>Tree Graph</a:t>
+            </a:r>
+            <a:endParaRPr b="0" lang="en-US" sz="1800" spc="-1" strike="noStrike">
+              <a:latin typeface="Arial"/>
+            </a:endParaRPr>
+          </a:p>
+        </p:txBody>
+      </p:sp>
+      <p:sp>
+        <p:nvSpPr>
+          <p:cNvPr id="213" name=""/>
+          <p:cNvSpPr/>
+          <p:nvPr/>
+        </p:nvSpPr>
+        <p:spPr>
+          <a:xfrm>
+            <a:off x="7086600" y="1711080"/>
+            <a:ext cx="2285640" cy="345960"/>
+          </a:xfrm>
+          <a:prstGeom prst="rect">
+            <a:avLst/>
+          </a:prstGeom>
+          <a:noFill/>
+          <a:ln w="0">
+            <a:noFill/>
+          </a:ln>
+        </p:spPr>
+        <p:style>
+          <a:lnRef idx="0"/>
+          <a:fillRef idx="0"/>
+          <a:effectRef idx="0"/>
+          <a:fontRef idx="minor"/>
+        </p:style>
+        <p:txBody>
+          <a:bodyPr lIns="90000" rIns="90000" tIns="45000" bIns="45000" anchor="t">
+            <a:noAutofit/>
+          </a:bodyPr>
+          <a:p>
+            <a:pPr algn="ctr">
               <a:lnSpc>
                 <a:spcPct val="100000"/>
               </a:lnSpc>
-              <a:spcBef>
-                <a:spcPts val="1417"/>
-              </a:spcBef>
-              <a:buClr>
-                <a:srgbClr val="000000"/>
-              </a:buClr>
-              <a:buSzPct val="45000"/>
-              <a:buFont typeface="Wingdings" charset="2"/>
-              <a:buChar char=""/>
-            </a:pPr>
-            <a:r>
-              <a:rPr b="0" lang="en-US" sz="2480" spc="-1" strike="noStrike">
-                <a:latin typeface="Arial"/>
-              </a:rPr>
-              <a:t>Our goal is to explore ways to calculate these directed graphs and to study their relationships with their undirected counterparts.</a:t>
-            </a:r>
-            <a:endParaRPr b="0" lang="en-US" sz="2480" spc="-1" strike="noStrike">
+              <a:buNone/>
+            </a:pPr>
+            <a:r>
+              <a:rPr b="0" lang="en-US" sz="1800" spc="-1" strike="noStrike">
+                <a:latin typeface="Arial"/>
+              </a:rPr>
+              <a:t>Multipartite Graph</a:t>
+            </a:r>
+            <a:endParaRPr b="0" lang="en-US" sz="1800" spc="-1" strike="noStrike">
+              <a:latin typeface="Arial"/>
+            </a:endParaRPr>
+          </a:p>
+        </p:txBody>
+      </p:sp>
+      <p:sp>
+        <p:nvSpPr>
+          <p:cNvPr id="214" name=""/>
+          <p:cNvSpPr/>
+          <p:nvPr/>
+        </p:nvSpPr>
+        <p:spPr>
+          <a:xfrm>
+            <a:off x="3909240" y="3207600"/>
+            <a:ext cx="2285640" cy="345960"/>
+          </a:xfrm>
+          <a:prstGeom prst="rect">
+            <a:avLst/>
+          </a:prstGeom>
+          <a:noFill/>
+          <a:ln w="0">
+            <a:noFill/>
+          </a:ln>
+        </p:spPr>
+        <p:style>
+          <a:lnRef idx="0"/>
+          <a:fillRef idx="0"/>
+          <a:effectRef idx="0"/>
+          <a:fontRef idx="minor"/>
+        </p:style>
+        <p:txBody>
+          <a:bodyPr lIns="90000" rIns="90000" tIns="45000" bIns="45000" anchor="t">
+            <a:noAutofit/>
+          </a:bodyPr>
+          <a:p>
+            <a:pPr algn="ctr">
+              <a:lnSpc>
+                <a:spcPct val="100000"/>
+              </a:lnSpc>
+              <a:buNone/>
+            </a:pPr>
+            <a:r>
+              <a:rPr b="0" lang="en-US" sz="1800" spc="-1" strike="noStrike">
+                <a:latin typeface="Arial"/>
+              </a:rPr>
+              <a:t>Wheel Graph</a:t>
+            </a:r>
+            <a:endParaRPr b="0" lang="en-US" sz="1800" spc="-1" strike="noStrike">
+              <a:latin typeface="Arial"/>
+            </a:endParaRPr>
+          </a:p>
+        </p:txBody>
+      </p:sp>
+      <p:sp>
+        <p:nvSpPr>
+          <p:cNvPr id="215" name=""/>
+          <p:cNvSpPr/>
+          <p:nvPr/>
+        </p:nvSpPr>
+        <p:spPr>
+          <a:xfrm>
+            <a:off x="3886200" y="1143000"/>
+            <a:ext cx="2285640" cy="345960"/>
+          </a:xfrm>
+          <a:prstGeom prst="rect">
+            <a:avLst/>
+          </a:prstGeom>
+          <a:noFill/>
+          <a:ln w="0">
+            <a:noFill/>
+          </a:ln>
+        </p:spPr>
+        <p:style>
+          <a:lnRef idx="0"/>
+          <a:fillRef idx="0"/>
+          <a:effectRef idx="0"/>
+          <a:fontRef idx="minor"/>
+        </p:style>
+        <p:txBody>
+          <a:bodyPr lIns="90000" rIns="90000" tIns="45000" bIns="45000" anchor="t">
+            <a:noAutofit/>
+          </a:bodyPr>
+          <a:p>
+            <a:pPr algn="ctr">
+              <a:lnSpc>
+                <a:spcPct val="100000"/>
+              </a:lnSpc>
+              <a:buNone/>
+            </a:pPr>
+            <a:r>
+              <a:rPr b="0" lang="en-US" sz="1800" spc="-1" strike="noStrike">
+                <a:latin typeface="Arial"/>
+              </a:rPr>
+              <a:t>Pseudo-Tree Graph</a:t>
+            </a:r>
+            <a:endParaRPr b="0" lang="en-US" sz="1800" spc="-1" strike="noStrike">
+              <a:latin typeface="Arial"/>
+            </a:endParaRPr>
+          </a:p>
+        </p:txBody>
+      </p:sp>
+      <p:sp>
+        <p:nvSpPr>
+          <p:cNvPr id="216" name=""/>
+          <p:cNvSpPr/>
+          <p:nvPr/>
+        </p:nvSpPr>
+        <p:spPr>
+          <a:xfrm>
+            <a:off x="457200" y="3200400"/>
+            <a:ext cx="2285640" cy="345960"/>
+          </a:xfrm>
+          <a:prstGeom prst="rect">
+            <a:avLst/>
+          </a:prstGeom>
+          <a:noFill/>
+          <a:ln w="0">
+            <a:noFill/>
+          </a:ln>
+        </p:spPr>
+        <p:style>
+          <a:lnRef idx="0"/>
+          <a:fillRef idx="0"/>
+          <a:effectRef idx="0"/>
+          <a:fontRef idx="minor"/>
+        </p:style>
+        <p:txBody>
+          <a:bodyPr lIns="90000" rIns="90000" tIns="45000" bIns="45000" anchor="t">
+            <a:noAutofit/>
+          </a:bodyPr>
+          <a:p>
+            <a:pPr algn="ctr">
+              <a:lnSpc>
+                <a:spcPct val="100000"/>
+              </a:lnSpc>
+              <a:buNone/>
+            </a:pPr>
+            <a:r>
+              <a:rPr b="0" lang="en-US" sz="1800" spc="-1" strike="noStrike">
+                <a:latin typeface="Arial"/>
+              </a:rPr>
+              <a:t>Cycle Graph</a:t>
+            </a:r>
+            <a:endParaRPr b="0" lang="en-US" sz="1800" spc="-1" strike="noStrike">
               <a:latin typeface="Arial"/>
             </a:endParaRPr>
           </a:p>
@@ -11778,7 +12358,7 @@
       </p:grpSpPr>
       <p:sp>
         <p:nvSpPr>
-          <p:cNvPr id="207" name="PlaceHolder 1"/>
+          <p:cNvPr id="217" name="PlaceHolder 1"/>
           <p:cNvSpPr>
             <a:spLocks noGrp="1"/>
           </p:cNvSpPr>
@@ -11788,8 +12368,8 @@
         </p:nvSpPr>
         <p:spPr>
           <a:xfrm>
-            <a:off x="360000" y="-39960"/>
-            <a:ext cx="9356760" cy="1247400"/>
+            <a:off x="360000" y="225720"/>
+            <a:ext cx="9356040" cy="714960"/>
           </a:xfrm>
           <a:prstGeom prst="rect">
             <a:avLst/>
@@ -11817,7 +12397,7 @@
                 </a:solidFill>
                 <a:latin typeface="Arial"/>
               </a:rPr>
-              <a:t>Finding a Tree’s Picard Group</a:t>
+              <a:t>Focused Graphs</a:t>
             </a:r>
             <a:endParaRPr b="0" lang="en-US" sz="4400" spc="-1" strike="noStrike">
               <a:latin typeface="Arial"/>
@@ -11827,7 +12407,7 @@
       </p:sp>
       <p:sp>
         <p:nvSpPr>
-          <p:cNvPr id="208" name="PlaceHolder 2"/>
+          <p:cNvPr id="218" name="PlaceHolder 2"/>
           <p:cNvSpPr>
             <a:spLocks noGrp="1"/>
           </p:cNvSpPr>
@@ -11838,7 +12418,7 @@
         <p:spPr>
           <a:xfrm>
             <a:off x="360000" y="1485000"/>
-            <a:ext cx="9356760" cy="3776760"/>
+            <a:ext cx="9356040" cy="3776040"/>
           </a:xfrm>
           <a:prstGeom prst="rect">
             <a:avLst/>
@@ -11850,170 +12430,8 @@
         </p:spPr>
         <p:txBody>
           <a:bodyPr lIns="0" rIns="0" tIns="0" bIns="0" anchor="t">
-            <a:normAutofit fontScale="53000"/>
-          </a:bodyPr>
-          <a:p>
-            <a:pPr>
-              <a:lnSpc>
-                <a:spcPct val="100000"/>
-              </a:lnSpc>
-              <a:spcBef>
-                <a:spcPts val="1417"/>
-              </a:spcBef>
-              <a:buNone/>
-            </a:pPr>
-            <a:r>
-              <a:rPr b="0" lang="en-US" sz="3200" spc="-1" strike="noStrike">
-                <a:latin typeface="Arial"/>
-              </a:rPr>
-              <a:t>The Picard group is commonly written in the form </a:t>
-            </a:r>
-            <a:r>
-              <a:rPr b="0" i="1" lang="en-US" sz="3200" spc="-1" strike="noStrike">
-                <a:latin typeface="Arial"/>
-              </a:rPr>
-              <a:t>Pic(G) = Jac(G) x ℤ</a:t>
-            </a:r>
-            <a:r>
-              <a:rPr b="0" i="1" lang="en-US" sz="3200" spc="-1" strike="noStrike" baseline="33000">
-                <a:latin typeface="Arial"/>
-              </a:rPr>
-              <a:t>n</a:t>
-            </a:r>
-            <a:r>
-              <a:rPr b="0" lang="en-US" sz="3200" spc="-1" strike="noStrike">
-                <a:latin typeface="Arial"/>
-              </a:rPr>
-              <a:t>, where </a:t>
-            </a:r>
-            <a:r>
-              <a:rPr b="0" i="1" lang="en-US" sz="3200" spc="-1" strike="noStrike">
-                <a:latin typeface="Arial"/>
-              </a:rPr>
-              <a:t>n</a:t>
-            </a:r>
-            <a:r>
-              <a:rPr b="0" lang="en-US" sz="3200" spc="-1" strike="noStrike">
-                <a:latin typeface="Arial"/>
-              </a:rPr>
-              <a:t> is the rank of the Picard group.</a:t>
-            </a:r>
-            <a:endParaRPr b="0" lang="en-US" sz="3200" spc="-1" strike="noStrike">
-              <a:latin typeface="Arial"/>
-            </a:endParaRPr>
-          </a:p>
-          <a:p>
-            <a:pPr lvl="1" marL="864000" indent="-324000">
-              <a:lnSpc>
-                <a:spcPct val="100000"/>
-              </a:lnSpc>
-              <a:spcBef>
-                <a:spcPts val="1134"/>
-              </a:spcBef>
-              <a:buClr>
-                <a:srgbClr val="000000"/>
-              </a:buClr>
-              <a:buSzPct val="75000"/>
-              <a:buFont typeface="Symbol"/>
-              <a:buChar char=""/>
-            </a:pPr>
-            <a:r>
-              <a:rPr b="0" lang="en-US" sz="3200" spc="-1" strike="noStrike">
-                <a:solidFill>
-                  <a:srgbClr val="000000"/>
-                </a:solidFill>
-                <a:latin typeface="Arial"/>
-              </a:rPr>
-              <a:t>We have noticed that this rank for a tree graph can be easily calculated inductively.  By reconstructing an arbitrary tree edge by edge, its rank can be determined by following two rules.</a:t>
-            </a:r>
-            <a:endParaRPr b="0" lang="en-US" sz="3200" spc="-1" strike="noStrike">
-              <a:latin typeface="Arial"/>
-            </a:endParaRPr>
-          </a:p>
-          <a:p>
-            <a:pPr lvl="1" marL="864000" indent="-324000">
-              <a:lnSpc>
-                <a:spcPct val="100000"/>
-              </a:lnSpc>
-              <a:spcBef>
-                <a:spcPts val="1134"/>
-              </a:spcBef>
-              <a:buClr>
-                <a:srgbClr val="000000"/>
-              </a:buClr>
-              <a:buSzPct val="75000"/>
-              <a:buFont typeface="Symbol"/>
-              <a:buChar char=""/>
-            </a:pPr>
-            <a:r>
-              <a:rPr b="0" lang="en-US" sz="3200" spc="-1" strike="noStrike">
-                <a:solidFill>
-                  <a:srgbClr val="000000"/>
-                </a:solidFill>
-                <a:latin typeface="Arial"/>
-              </a:rPr>
-              <a:t>If the next arrow drawn is pointing towards the graph or if it is bidirectional, the rank does not change.</a:t>
-            </a:r>
-            <a:endParaRPr b="0" lang="en-US" sz="3200" spc="-1" strike="noStrike">
-              <a:latin typeface="Arial"/>
-            </a:endParaRPr>
-          </a:p>
-          <a:p>
-            <a:pPr lvl="1" marL="864000" indent="-324000">
-              <a:lnSpc>
-                <a:spcPct val="100000"/>
-              </a:lnSpc>
-              <a:spcBef>
-                <a:spcPts val="1134"/>
-              </a:spcBef>
-              <a:buClr>
-                <a:srgbClr val="000000"/>
-              </a:buClr>
-              <a:buSzPct val="75000"/>
-              <a:buFont typeface="Symbol"/>
-              <a:buChar char=""/>
-            </a:pPr>
-            <a:r>
-              <a:rPr b="0" lang="en-US" sz="3200" spc="-1" strike="noStrike">
-                <a:solidFill>
-                  <a:srgbClr val="000000"/>
-                </a:solidFill>
-                <a:latin typeface="Arial"/>
-              </a:rPr>
-              <a:t>If the next arrow is pointing towards the new vertex, the rank increases by one so long as the number of terminal strong components also grows as a result.</a:t>
-            </a:r>
-            <a:endParaRPr b="0" lang="en-US" sz="3200" spc="-1" strike="noStrike">
-              <a:latin typeface="Arial"/>
-            </a:endParaRPr>
-          </a:p>
-          <a:p>
-            <a:pPr lvl="1" marL="864000" indent="-324000">
-              <a:lnSpc>
-                <a:spcPct val="100000"/>
-              </a:lnSpc>
-              <a:spcBef>
-                <a:spcPts val="1134"/>
-              </a:spcBef>
-              <a:buClr>
-                <a:srgbClr val="000000"/>
-              </a:buClr>
-              <a:buSzPct val="75000"/>
-              <a:buFont typeface="Symbol"/>
-              <a:buChar char=""/>
-            </a:pPr>
-            <a:r>
-              <a:rPr b="0" lang="en-US" sz="3200" spc="-1" strike="noStrike">
-                <a:solidFill>
-                  <a:srgbClr val="000000"/>
-                </a:solidFill>
-                <a:latin typeface="Arial"/>
-              </a:rPr>
-              <a:t>We can see that the rank of a tree corresponds to the number of terminal strong components of that tree, sections that are only connected to the rest of the graph by an incoming edge and have a path between all of its member vertices.</a:t>
-            </a:r>
-            <a:endParaRPr b="0" lang="en-US" sz="3200" spc="-1" strike="noStrike">
-              <a:latin typeface="Arial"/>
-            </a:endParaRPr>
-          </a:p>
+            <a:normAutofit fontScale="79000"/>
+          </a:bodyPr>
           <a:p>
             <a:pPr marL="432000" indent="-324000">
               <a:lnSpc>
@@ -12030,15 +12448,172 @@
               <a:buChar char=""/>
             </a:pPr>
             <a:r>
-              <a:rPr b="0" lang="en-US" sz="3200" spc="-1" strike="noStrike">
-                <a:solidFill>
-                  <a:srgbClr val="000000"/>
-                </a:solidFill>
-                <a:latin typeface="Arial"/>
-              </a:rPr>
-              <a:t>The Jacobian of a tree is relatively simple, it is always the trivial group.</a:t>
-            </a:r>
-            <a:endParaRPr b="0" lang="en-US" sz="3200" spc="-1" strike="noStrike">
+              <a:rPr b="0" lang="en-US" sz="2400" spc="-1" strike="noStrike">
+                <a:latin typeface="Arial"/>
+              </a:rPr>
+              <a:t>A </a:t>
+            </a:r>
+            <a:r>
+              <a:rPr b="1" lang="en-US" sz="2400" spc="-1" strike="noStrike">
+                <a:latin typeface="Arial"/>
+              </a:rPr>
+              <a:t>Tree Graph</a:t>
+            </a:r>
+            <a:r>
+              <a:rPr b="0" lang="en-US" sz="2400" spc="-1" strike="noStrike">
+                <a:latin typeface="Arial"/>
+              </a:rPr>
+              <a:t> is a graph where there is only one path between vertices and contains no cycles.</a:t>
+            </a:r>
+            <a:endParaRPr b="0" lang="en-US" sz="2400" spc="-1" strike="noStrike">
+              <a:latin typeface="Arial"/>
+            </a:endParaRPr>
+          </a:p>
+          <a:p>
+            <a:pPr marL="432000" indent="-324000">
+              <a:lnSpc>
+                <a:spcPct val="100000"/>
+              </a:lnSpc>
+              <a:spcBef>
+                <a:spcPts val="1417"/>
+              </a:spcBef>
+              <a:buClr>
+                <a:srgbClr val="000000"/>
+              </a:buClr>
+              <a:buSzPct val="45000"/>
+              <a:buFont typeface="Wingdings" charset="2"/>
+              <a:buChar char=""/>
+            </a:pPr>
+            <a:r>
+              <a:rPr b="0" lang="en-US" sz="2400" spc="-1" strike="noStrike">
+                <a:latin typeface="Arial"/>
+              </a:rPr>
+              <a:t>A </a:t>
+            </a:r>
+            <a:r>
+              <a:rPr b="1" lang="en-US" sz="2400" spc="-1" strike="noStrike">
+                <a:latin typeface="Arial"/>
+              </a:rPr>
+              <a:t>Cycle Graph</a:t>
+            </a:r>
+            <a:r>
+              <a:rPr b="0" lang="en-US" sz="2400" spc="-1" strike="noStrike">
+                <a:latin typeface="Arial"/>
+              </a:rPr>
+              <a:t> is a graph that only has one cycle, or a line graph with another connection between the first and last vertices.</a:t>
+            </a:r>
+            <a:endParaRPr b="0" lang="en-US" sz="2400" spc="-1" strike="noStrike">
+              <a:latin typeface="Arial"/>
+            </a:endParaRPr>
+          </a:p>
+          <a:p>
+            <a:pPr marL="432000" indent="-324000">
+              <a:lnSpc>
+                <a:spcPct val="100000"/>
+              </a:lnSpc>
+              <a:spcBef>
+                <a:spcPts val="1417"/>
+              </a:spcBef>
+              <a:buClr>
+                <a:srgbClr val="000000"/>
+              </a:buClr>
+              <a:buSzPct val="45000"/>
+              <a:buFont typeface="Wingdings" charset="2"/>
+              <a:buChar char=""/>
+            </a:pPr>
+            <a:r>
+              <a:rPr b="0" lang="en-US" sz="2400" spc="-1" strike="noStrike">
+                <a:latin typeface="Arial"/>
+              </a:rPr>
+              <a:t>A </a:t>
+            </a:r>
+            <a:r>
+              <a:rPr b="1" lang="en-US" sz="2400" spc="-1" strike="noStrike">
+                <a:latin typeface="Arial"/>
+              </a:rPr>
+              <a:t>Pseudo-Tree Graph</a:t>
+            </a:r>
+            <a:r>
+              <a:rPr b="0" lang="en-US" sz="2400" spc="-1" strike="noStrike">
+                <a:latin typeface="Arial"/>
+              </a:rPr>
+              <a:t> is a combination of these two.  This graph is created by gluing a tree to one of the vertices of a cycle graph.</a:t>
+            </a:r>
+            <a:endParaRPr b="0" lang="en-US" sz="2400" spc="-1" strike="noStrike">
+              <a:latin typeface="Arial"/>
+            </a:endParaRPr>
+          </a:p>
+          <a:p>
+            <a:pPr marL="432000" indent="-324000">
+              <a:lnSpc>
+                <a:spcPct val="100000"/>
+              </a:lnSpc>
+              <a:spcBef>
+                <a:spcPts val="1417"/>
+              </a:spcBef>
+              <a:buClr>
+                <a:srgbClr val="000000"/>
+              </a:buClr>
+              <a:buSzPct val="45000"/>
+              <a:buFont typeface="Wingdings" charset="2"/>
+              <a:buChar char=""/>
+            </a:pPr>
+            <a:r>
+              <a:rPr b="0" lang="en-US" sz="2400" spc="-1" strike="noStrike">
+                <a:latin typeface="Arial"/>
+              </a:rPr>
+              <a:t>A </a:t>
+            </a:r>
+            <a:r>
+              <a:rPr b="1" lang="en-US" sz="2400" spc="-1" strike="noStrike">
+                <a:latin typeface="Arial"/>
+              </a:rPr>
+              <a:t>Wheel Graph</a:t>
+            </a:r>
+            <a:r>
+              <a:rPr b="0" lang="en-US" sz="2400" spc="-1" strike="noStrike">
+                <a:latin typeface="Arial"/>
+              </a:rPr>
+              <a:t> is a cycle graph with an added central vertex to which all others connect.</a:t>
+            </a:r>
+            <a:endParaRPr b="0" lang="en-US" sz="2400" spc="-1" strike="noStrike">
+              <a:latin typeface="Arial"/>
+            </a:endParaRPr>
+          </a:p>
+          <a:p>
+            <a:pPr marL="432000" indent="-324000">
+              <a:lnSpc>
+                <a:spcPct val="100000"/>
+              </a:lnSpc>
+              <a:spcBef>
+                <a:spcPts val="1417"/>
+              </a:spcBef>
+              <a:buClr>
+                <a:srgbClr val="000000"/>
+              </a:buClr>
+              <a:buSzPct val="45000"/>
+              <a:buFont typeface="Wingdings" charset="2"/>
+              <a:buChar char=""/>
+            </a:pPr>
+            <a:r>
+              <a:rPr b="0" lang="en-US" sz="2400" spc="-1" strike="noStrike">
+                <a:latin typeface="Arial"/>
+              </a:rPr>
+              <a:t>A </a:t>
+            </a:r>
+            <a:r>
+              <a:rPr b="1" lang="en-US" sz="2400" spc="-1" strike="noStrike">
+                <a:latin typeface="Arial"/>
+              </a:rPr>
+              <a:t>Multipartite Graph</a:t>
+            </a:r>
+            <a:r>
+              <a:rPr b="0" lang="en-US" sz="2400" spc="-1" strike="noStrike">
+                <a:latin typeface="Arial"/>
+              </a:rPr>
+              <a:t> is a graph made up of several groups of vertices in which their vertices have no connection to each other, but are each strongly connected to another such group.</a:t>
+            </a:r>
+            <a:endParaRPr b="0" lang="en-US" sz="2400" spc="-1" strike="noStrike">
               <a:latin typeface="Arial"/>
             </a:endParaRPr>
           </a:p>
@@ -12076,7 +12651,7 @@
       </p:grpSpPr>
       <p:sp>
         <p:nvSpPr>
-          <p:cNvPr id="209" name="PlaceHolder 1"/>
+          <p:cNvPr id="219" name="PlaceHolder 1"/>
           <p:cNvSpPr>
             <a:spLocks noGrp="1"/>
           </p:cNvSpPr>
@@ -12086,8 +12661,8 @@
         </p:nvSpPr>
         <p:spPr>
           <a:xfrm>
-            <a:off x="360000" y="-39960"/>
-            <a:ext cx="9356760" cy="1247400"/>
+            <a:off x="360000" y="225720"/>
+            <a:ext cx="9356040" cy="714960"/>
           </a:xfrm>
           <a:prstGeom prst="rect">
             <a:avLst/>
@@ -12115,145 +12690,9 @@
                 </a:solidFill>
                 <a:latin typeface="Arial"/>
               </a:rPr>
-              <a:t>Creating a Pseudo-Tree</a:t>
+              <a:t>Research</a:t>
             </a:r>
             <a:endParaRPr b="0" lang="en-US" sz="4400" spc="-1" strike="noStrike">
-              <a:latin typeface="Arial"/>
-            </a:endParaRPr>
-          </a:p>
-        </p:txBody>
-      </p:sp>
-      <p:sp>
-        <p:nvSpPr>
-          <p:cNvPr id="210" name="PlaceHolder 2"/>
-          <p:cNvSpPr>
-            <a:spLocks noGrp="1"/>
-          </p:cNvSpPr>
-          <p:nvPr>
-            <p:ph/>
-          </p:nvPr>
-        </p:nvSpPr>
-        <p:spPr>
-          <a:xfrm>
-            <a:off x="360000" y="1485000"/>
-            <a:ext cx="9467280" cy="3776760"/>
-          </a:xfrm>
-          <a:prstGeom prst="rect">
-            <a:avLst/>
-          </a:prstGeom>
-          <a:noFill/>
-          <a:ln w="0">
-            <a:noFill/>
-          </a:ln>
-        </p:spPr>
-        <p:txBody>
-          <a:bodyPr lIns="0" rIns="0" tIns="0" bIns="0" anchor="t">
-            <a:normAutofit/>
-          </a:bodyPr>
-          <a:p>
-            <a:pPr marL="432000" indent="-324000">
-              <a:lnSpc>
-                <a:spcPct val="100000"/>
-              </a:lnSpc>
-              <a:spcBef>
-                <a:spcPts val="1417"/>
-              </a:spcBef>
-              <a:buClr>
-                <a:srgbClr val="000000"/>
-              </a:buClr>
-              <a:buSzPct val="45000"/>
-              <a:buFont typeface="Wingdings" charset="2"/>
-              <a:buChar char=""/>
-            </a:pPr>
-            <a:r>
-              <a:rPr b="0" lang="en-US" sz="2100" spc="-1" strike="noStrike">
-                <a:solidFill>
-                  <a:srgbClr val="000000"/>
-                </a:solidFill>
-                <a:latin typeface="Arial"/>
-                <a:ea typeface="JetBrains Mono"/>
-              </a:rPr>
-              <a:t>A Pseudo-tree can be created by gluing a tree to a cycle graph in one of two ways.</a:t>
-            </a:r>
-            <a:endParaRPr b="0" lang="en-US" sz="2100" spc="-1" strike="noStrike">
-              <a:latin typeface="Arial"/>
-            </a:endParaRPr>
-          </a:p>
-          <a:p>
-            <a:pPr marL="432000" indent="-324000">
-              <a:lnSpc>
-                <a:spcPct val="100000"/>
-              </a:lnSpc>
-              <a:spcBef>
-                <a:spcPts val="1417"/>
-              </a:spcBef>
-              <a:buClr>
-                <a:srgbClr val="000000"/>
-              </a:buClr>
-              <a:buSzPct val="45000"/>
-              <a:buFont typeface="Wingdings" charset="2"/>
-              <a:buChar char=""/>
-            </a:pPr>
-            <a:r>
-              <a:rPr b="0" lang="en-US" sz="2100" spc="-1" strike="noStrike">
-                <a:solidFill>
-                  <a:srgbClr val="000000"/>
-                </a:solidFill>
-                <a:latin typeface="Arial"/>
-                <a:ea typeface="JetBrains Mono"/>
-              </a:rPr>
-              <a:t>By Vertex – Here, whichever vertices will be glued together will be merged into one vertex.  With this way of gluing, one vertex will be shared between the two glued graphs.</a:t>
-            </a:r>
-            <a:endParaRPr b="0" lang="en-US" sz="2100" spc="-1" strike="noStrike">
-              <a:latin typeface="Arial"/>
-            </a:endParaRPr>
-          </a:p>
-          <a:p>
-            <a:pPr marL="432000" indent="-324000">
-              <a:lnSpc>
-                <a:spcPct val="100000"/>
-              </a:lnSpc>
-              <a:spcBef>
-                <a:spcPts val="1417"/>
-              </a:spcBef>
-              <a:buClr>
-                <a:srgbClr val="000000"/>
-              </a:buClr>
-              <a:buSzPct val="45000"/>
-              <a:buFont typeface="Wingdings" charset="2"/>
-              <a:buChar char=""/>
-            </a:pPr>
-            <a:r>
-              <a:rPr b="0" lang="en-US" sz="2100" spc="-1" strike="noStrike">
-                <a:solidFill>
-                  <a:srgbClr val="000000"/>
-                </a:solidFill>
-                <a:latin typeface="Arial"/>
-                <a:ea typeface="JetBrains Mono"/>
-              </a:rPr>
-              <a:t>By Edge – With this method, the two graphs are joined by an additional edge.  This helps to preserve the attributes of the original graphs into the resulting glues pseudo-tree, such as the Jacobian often being </a:t>
-            </a:r>
-            <a:r>
-              <a:rPr b="0" lang="en-US" sz="2100" spc="-1" strike="noStrike">
-                <a:solidFill>
-                  <a:srgbClr val="000000"/>
-                </a:solidFill>
-                <a:latin typeface="Arial"/>
-                <a:ea typeface="JetBrains Mono"/>
-              </a:rPr>
-              <a:t>	</a:t>
-            </a:r>
-            <a:r>
-              <a:rPr b="0" lang="en-US" sz="2100" spc="-1" strike="noStrike">
-                <a:solidFill>
-                  <a:srgbClr val="000000"/>
-                </a:solidFill>
-                <a:latin typeface="Arial"/>
-                <a:ea typeface="JetBrains Mono"/>
-              </a:rPr>
-              <a:t>Jac(cycle) x Jac(tree).</a:t>
-            </a:r>
-            <a:endParaRPr b="0" lang="en-US" sz="2100" spc="-1" strike="noStrike">
               <a:latin typeface="Arial"/>
             </a:endParaRPr>
           </a:p>
@@ -12291,7 +12730,7 @@
       </p:grpSpPr>
       <p:sp>
         <p:nvSpPr>
-          <p:cNvPr id="211" name="PlaceHolder 1"/>
+          <p:cNvPr id="220" name="PlaceHolder 1"/>
           <p:cNvSpPr>
             <a:spLocks noGrp="1"/>
           </p:cNvSpPr>
@@ -12301,8 +12740,8 @@
         </p:nvSpPr>
         <p:spPr>
           <a:xfrm>
-            <a:off x="360000" y="-39960"/>
-            <a:ext cx="9356760" cy="1247400"/>
+            <a:off x="360000" y="225720"/>
+            <a:ext cx="9356040" cy="714960"/>
           </a:xfrm>
           <a:prstGeom prst="rect">
             <a:avLst/>
@@ -12330,7 +12769,7 @@
                 </a:solidFill>
                 <a:latin typeface="Arial"/>
               </a:rPr>
-              <a:t>Finding The Picard Group of a Cycle Graph</a:t>
+              <a:t>Objectives</a:t>
             </a:r>
             <a:endParaRPr b="0" lang="en-US" sz="4400" spc="-1" strike="noStrike">
               <a:latin typeface="Arial"/>
@@ -12340,7 +12779,7 @@
       </p:sp>
       <p:sp>
         <p:nvSpPr>
-          <p:cNvPr id="212" name="PlaceHolder 2"/>
+          <p:cNvPr id="221" name="PlaceHolder 2"/>
           <p:cNvSpPr>
             <a:spLocks noGrp="1"/>
           </p:cNvSpPr>
@@ -12351,7 +12790,7 @@
         <p:spPr>
           <a:xfrm>
             <a:off x="360000" y="1485000"/>
-            <a:ext cx="9356760" cy="3776760"/>
+            <a:ext cx="9356040" cy="3776040"/>
           </a:xfrm>
           <a:prstGeom prst="rect">
             <a:avLst/>
@@ -12363,7 +12802,7 @@
         </p:spPr>
         <p:txBody>
           <a:bodyPr lIns="0" rIns="0" tIns="0" bIns="0" anchor="t">
-            <a:normAutofit fontScale="53000"/>
+            <a:normAutofit/>
           </a:bodyPr>
           <a:p>
             <a:pPr marL="432000" indent="-324000">
@@ -12381,16 +12820,12 @@
               <a:buChar char=""/>
             </a:pPr>
             <a:r>
-              <a:rPr b="0" lang="en-US" sz="3200" spc="-1" strike="noStrike">
-                <a:solidFill>
-                  <a:srgbClr val="000000"/>
-                </a:solidFill>
-                <a:latin typeface="Arial"/>
-                <a:ea typeface="Noto Sans CJK SC"/>
-              </a:rPr>
-              <a:t>The rank of the Picard group of a cycle graph is similar to that of a tree.  It is the number of terminal strong components in the graph.</a:t>
-            </a:r>
-            <a:endParaRPr b="0" lang="en-US" sz="3200" spc="-1" strike="noStrike">
+              <a:rPr b="0" lang="en-US" sz="2480" spc="-1" strike="noStrike">
+                <a:latin typeface="Arial"/>
+              </a:rPr>
+              <a:t>While chip firing games with undirected graphs are well studied and explored, the directed case has not received as much attention.</a:t>
+            </a:r>
+            <a:endParaRPr b="0" lang="en-US" sz="2480" spc="-1" strike="noStrike">
               <a:latin typeface="Arial"/>
             </a:endParaRPr>
           </a:p>
@@ -12410,413 +12845,12 @@
               <a:buChar char=""/>
             </a:pPr>
             <a:r>
-              <a:rPr b="0" lang="en-US" sz="3200" spc="-1" strike="noStrike">
-                <a:solidFill>
-                  <a:srgbClr val="000000"/>
-                </a:solidFill>
-                <a:latin typeface="Arial"/>
-                <a:ea typeface="Noto Sans CJK SC"/>
-              </a:rPr>
-              <a:t>The Jacobian of a Cycle graph is more complex than that of a tree, we have proved that there is always some orientation of a cycle such that the Jacobian is trivial or </a:t>
-            </a:r>
-            <a:r>
-              <a:rPr b="0" i="1" lang="en-US" sz="3200" spc="-1" strike="noStrike">
-                <a:solidFill>
-                  <a:srgbClr val="000000"/>
-                </a:solidFill>
-                <a:latin typeface="Arial"/>
-                <a:ea typeface="Noto Sans CJK SC"/>
-              </a:rPr>
-              <a:t>ℤ</a:t>
-            </a:r>
-            <a:r>
-              <a:rPr b="0" i="1" lang="en-US" sz="3200" spc="-1" strike="noStrike" baseline="-8000">
-                <a:solidFill>
-                  <a:srgbClr val="000000"/>
-                </a:solidFill>
-                <a:latin typeface="Arial"/>
-                <a:ea typeface="Noto Sans CJK SC"/>
-              </a:rPr>
-              <a:t>k</a:t>
-            </a:r>
-            <a:r>
-              <a:rPr b="0" lang="en-US" sz="3200" spc="-1" strike="noStrike" baseline="-8000">
-                <a:solidFill>
-                  <a:srgbClr val="000000"/>
-                </a:solidFill>
-                <a:latin typeface="Arial"/>
-                <a:ea typeface="Noto Sans CJK SC"/>
-              </a:rPr>
-              <a:t> </a:t>
-            </a:r>
-            <a:r>
-              <a:rPr b="0" lang="en-US" sz="3200" spc="-1" strike="noStrike">
-                <a:solidFill>
-                  <a:srgbClr val="000000"/>
-                </a:solidFill>
-                <a:latin typeface="Arial"/>
-                <a:ea typeface="Noto Sans CJK SC"/>
-              </a:rPr>
-              <a:t>where </a:t>
-            </a:r>
-            <a:r>
-              <a:rPr b="0" i="1" lang="en-US" sz="3200" spc="-1" strike="noStrike">
-                <a:solidFill>
-                  <a:srgbClr val="000000"/>
-                </a:solidFill>
-                <a:latin typeface="Arial"/>
-                <a:ea typeface="Noto Sans CJK SC"/>
-              </a:rPr>
-              <a:t>k≤n</a:t>
-            </a:r>
-            <a:r>
-              <a:rPr b="0" lang="en-US" sz="3200" spc="-1" strike="noStrike">
-                <a:solidFill>
-                  <a:srgbClr val="000000"/>
-                </a:solidFill>
-                <a:latin typeface="Arial"/>
-                <a:ea typeface="Noto Sans CJK SC"/>
-              </a:rPr>
-              <a:t> when </a:t>
-            </a:r>
-            <a:r>
-              <a:rPr b="0" i="1" lang="en-US" sz="3200" spc="-1" strike="noStrike">
-                <a:solidFill>
-                  <a:srgbClr val="000000"/>
-                </a:solidFill>
-                <a:latin typeface="Arial"/>
-                <a:ea typeface="Noto Sans CJK SC"/>
-              </a:rPr>
-              <a:t>n≥3</a:t>
-            </a:r>
-            <a:r>
-              <a:rPr b="0" lang="en-US" sz="3200" spc="-1" strike="noStrike">
-                <a:solidFill>
-                  <a:srgbClr val="000000"/>
-                </a:solidFill>
-                <a:latin typeface="Arial"/>
-                <a:ea typeface="Noto Sans CJK SC"/>
-              </a:rPr>
-              <a:t>.</a:t>
-            </a:r>
-            <a:endParaRPr b="0" lang="en-US" sz="3200" spc="-1" strike="noStrike">
-              <a:latin typeface="Arial"/>
-            </a:endParaRPr>
-          </a:p>
-          <a:p>
-            <a:pPr lvl="1" marL="864000" indent="-324000">
-              <a:lnSpc>
-                <a:spcPct val="100000"/>
-              </a:lnSpc>
-              <a:spcBef>
-                <a:spcPts val="1134"/>
-              </a:spcBef>
-              <a:buClr>
-                <a:srgbClr val="000000"/>
-              </a:buClr>
-              <a:buSzPct val="75000"/>
-              <a:buFont typeface="Symbol"/>
-              <a:buChar char=""/>
-            </a:pPr>
-            <a:r>
-              <a:rPr b="0" lang="en-US" sz="3200" spc="-1" strike="noStrike">
-                <a:solidFill>
-                  <a:srgbClr val="000000"/>
-                </a:solidFill>
-                <a:latin typeface="Arial"/>
-                <a:ea typeface="Noto Sans CJK SC"/>
-              </a:rPr>
-              <a:t>The most common of these invariant factors are the trivial factor and </a:t>
-            </a:r>
-            <a:r>
-              <a:rPr b="0" i="1" lang="en-US" sz="3200" spc="-1" strike="noStrike">
-                <a:solidFill>
-                  <a:srgbClr val="000000"/>
-                </a:solidFill>
-                <a:latin typeface="Arial"/>
-                <a:ea typeface="Noto Sans CJK SC"/>
-              </a:rPr>
-              <a:t>ℤ</a:t>
-            </a:r>
-            <a:r>
-              <a:rPr b="0" i="1" lang="en-US" sz="3200" spc="-1" strike="noStrike" baseline="-8000">
-                <a:solidFill>
-                  <a:srgbClr val="000000"/>
-                </a:solidFill>
-                <a:latin typeface="Arial"/>
-                <a:ea typeface="Noto Sans CJK SC"/>
-              </a:rPr>
-              <a:t>k</a:t>
-            </a:r>
-            <a:r>
-              <a:rPr b="0" i="1" lang="en-US" sz="3200" spc="-1" strike="noStrike">
-                <a:solidFill>
-                  <a:srgbClr val="000000"/>
-                </a:solidFill>
-                <a:latin typeface="Arial"/>
-                <a:ea typeface="Noto Sans CJK SC"/>
-              </a:rPr>
-              <a:t> </a:t>
-            </a:r>
-            <a:r>
-              <a:rPr b="0" lang="en-US" sz="3200" spc="-1" strike="noStrike">
-                <a:solidFill>
-                  <a:srgbClr val="000000"/>
-                </a:solidFill>
-                <a:latin typeface="Arial"/>
-                <a:ea typeface="Noto Sans CJK SC"/>
-              </a:rPr>
-              <a:t>across all possible orientations.</a:t>
-            </a:r>
-            <a:endParaRPr b="0" lang="en-US" sz="3200" spc="-1" strike="noStrike">
-              <a:latin typeface="Arial"/>
-            </a:endParaRPr>
-          </a:p>
-          <a:p>
-            <a:pPr marL="432000" indent="-324000">
-              <a:lnSpc>
-                <a:spcPct val="100000"/>
-              </a:lnSpc>
-              <a:spcBef>
-                <a:spcPts val="1417"/>
-              </a:spcBef>
-              <a:buClr>
-                <a:srgbClr val="000000"/>
-              </a:buClr>
-              <a:buSzPct val="45000"/>
-              <a:buFont typeface="Wingdings" charset="2"/>
-              <a:buChar char=""/>
-            </a:pPr>
-            <a:r>
-              <a:rPr b="0" lang="en-US" sz="3200" spc="-1" strike="noStrike">
-                <a:solidFill>
-                  <a:srgbClr val="000000"/>
-                </a:solidFill>
-                <a:latin typeface="Arial"/>
-                <a:ea typeface="Noto Sans CJK SC"/>
-              </a:rPr>
-              <a:t>Additionally, we have been able to calculate the Jacobian for any arbitrary cycle graph (</a:t>
-            </a:r>
-            <a:r>
-              <a:rPr b="0" i="1" lang="en-US" sz="3200" spc="-1" strike="noStrike">
-                <a:solidFill>
-                  <a:srgbClr val="000000"/>
-                </a:solidFill>
-                <a:latin typeface="Arial"/>
-                <a:ea typeface="Noto Sans CJK SC"/>
-              </a:rPr>
-              <a:t>C</a:t>
-            </a:r>
-            <a:r>
-              <a:rPr b="0" i="1" lang="en-US" sz="3200" spc="-1" strike="noStrike" baseline="-8000">
-                <a:solidFill>
-                  <a:srgbClr val="000000"/>
-                </a:solidFill>
-                <a:latin typeface="Arial"/>
-                <a:ea typeface="Noto Sans CJK SC"/>
-              </a:rPr>
-              <a:t>n</a:t>
-            </a:r>
-            <a:r>
-              <a:rPr b="0" lang="en-US" sz="3200" spc="-1" strike="noStrike">
-                <a:solidFill>
-                  <a:srgbClr val="000000"/>
-                </a:solidFill>
-                <a:latin typeface="Arial"/>
-                <a:ea typeface="Noto Sans CJK SC"/>
-              </a:rPr>
-              <a:t>)with two </a:t>
-            </a:r>
-            <a:r>
-              <a:rPr b="0" i="1" lang="en-US" sz="3200" spc="-1" strike="noStrike">
-                <a:solidFill>
-                  <a:srgbClr val="000000"/>
-                </a:solidFill>
-                <a:latin typeface="Arial"/>
-                <a:ea typeface="Noto Sans CJK SC"/>
-              </a:rPr>
-              <a:t>paths. </a:t>
-            </a:r>
-            <a:r>
-              <a:rPr b="0" lang="en-US" sz="3200" spc="-1" strike="noStrike">
-                <a:solidFill>
-                  <a:srgbClr val="000000"/>
-                </a:solidFill>
-                <a:latin typeface="Arial"/>
-                <a:ea typeface="Noto Sans CJK SC"/>
-              </a:rPr>
-              <a:t> Here a </a:t>
-            </a:r>
-            <a:r>
-              <a:rPr b="0" i="1" lang="en-US" sz="3200" spc="-1" strike="noStrike">
-                <a:solidFill>
-                  <a:srgbClr val="000000"/>
-                </a:solidFill>
-                <a:latin typeface="Arial"/>
-                <a:ea typeface="Noto Sans CJK SC"/>
-              </a:rPr>
-              <a:t>path</a:t>
-            </a:r>
-            <a:r>
-              <a:rPr b="0" lang="en-US" sz="3200" spc="-1" strike="noStrike">
-                <a:solidFill>
-                  <a:srgbClr val="000000"/>
-                </a:solidFill>
-                <a:latin typeface="Arial"/>
-                <a:ea typeface="Noto Sans CJK SC"/>
-              </a:rPr>
-              <a:t> is a connected sub-graph of </a:t>
-            </a:r>
-            <a:r>
-              <a:rPr b="0" i="1" lang="en-US" sz="3200" spc="-1" strike="noStrike">
-                <a:solidFill>
-                  <a:srgbClr val="000000"/>
-                </a:solidFill>
-                <a:latin typeface="Arial"/>
-                <a:ea typeface="Noto Sans CJK SC"/>
-              </a:rPr>
-              <a:t>C</a:t>
-            </a:r>
-            <a:r>
-              <a:rPr b="0" i="1" lang="en-US" sz="3200" spc="-1" strike="noStrike" baseline="-8000">
-                <a:solidFill>
-                  <a:srgbClr val="000000"/>
-                </a:solidFill>
-                <a:latin typeface="Arial"/>
-                <a:ea typeface="Noto Sans CJK SC"/>
-              </a:rPr>
-              <a:t>n</a:t>
-            </a:r>
-            <a:r>
-              <a:rPr b="0" lang="en-US" sz="3200" spc="-1" strike="noStrike">
-                <a:solidFill>
-                  <a:srgbClr val="000000"/>
-                </a:solidFill>
-                <a:latin typeface="Arial"/>
-                <a:ea typeface="Noto Sans CJK SC"/>
-              </a:rPr>
-              <a:t> in which all arrows are oriented in a single direction or are bidirectional.  In other words, a path is a sub-graph of </a:t>
-            </a:r>
-            <a:r>
-              <a:rPr b="0" i="1" lang="en-US" sz="3200" spc="-1" strike="noStrike">
-                <a:solidFill>
-                  <a:srgbClr val="000000"/>
-                </a:solidFill>
-                <a:latin typeface="Arial"/>
-                <a:ea typeface="Noto Sans CJK SC"/>
-              </a:rPr>
-              <a:t>C</a:t>
-            </a:r>
-            <a:r>
-              <a:rPr b="0" i="1" lang="en-US" sz="3200" spc="-1" strike="noStrike" baseline="-8000">
-                <a:solidFill>
-                  <a:srgbClr val="000000"/>
-                </a:solidFill>
-                <a:latin typeface="Arial"/>
-                <a:ea typeface="Noto Sans CJK SC"/>
-              </a:rPr>
-              <a:t>n</a:t>
-            </a:r>
-            <a:r>
-              <a:rPr b="0" lang="en-US" sz="3200" spc="-1" strike="noStrike">
-                <a:solidFill>
-                  <a:srgbClr val="000000"/>
-                </a:solidFill>
-                <a:latin typeface="Arial"/>
-                <a:ea typeface="Noto Sans CJK SC"/>
-              </a:rPr>
-              <a:t> with one strong terminal component.  These paths either only comprise one edge or are terminated by one appropriate directed edge on each side.</a:t>
-            </a:r>
-            <a:endParaRPr b="0" lang="en-US" sz="3200" spc="-1" strike="noStrike">
-              <a:latin typeface="Arial"/>
-            </a:endParaRPr>
-          </a:p>
-          <a:p>
-            <a:pPr lvl="1" marL="864000" indent="-324000">
-              <a:lnSpc>
-                <a:spcPct val="100000"/>
-              </a:lnSpc>
-              <a:spcBef>
-                <a:spcPts val="1134"/>
-              </a:spcBef>
-              <a:buClr>
-                <a:srgbClr val="000000"/>
-              </a:buClr>
-              <a:buSzPct val="75000"/>
-              <a:buFont typeface="Symbol"/>
-              <a:buChar char=""/>
-            </a:pPr>
-            <a:r>
-              <a:rPr b="0" lang="en-US" sz="3200" spc="-1" strike="noStrike">
-                <a:solidFill>
-                  <a:srgbClr val="000000"/>
-                </a:solidFill>
-                <a:latin typeface="Arial"/>
-                <a:ea typeface="Noto Sans CJK SC"/>
-              </a:rPr>
-              <a:t>For these graphs, the Jacobian is </a:t>
-            </a:r>
-            <a:r>
-              <a:rPr b="0" i="1" lang="en-US" sz="3200" spc="-1" strike="noStrike">
-                <a:solidFill>
-                  <a:srgbClr val="000000"/>
-                </a:solidFill>
-                <a:latin typeface="Arial"/>
-                <a:ea typeface="Noto Sans CJK SC"/>
-              </a:rPr>
-              <a:t>ℤ</a:t>
-            </a:r>
-            <a:r>
-              <a:rPr b="0" i="1" lang="en-US" sz="3200" spc="-1" strike="noStrike" baseline="-8000">
-                <a:solidFill>
-                  <a:srgbClr val="000000"/>
-                </a:solidFill>
-                <a:latin typeface="Arial"/>
-                <a:ea typeface="Noto Sans CJK SC"/>
-              </a:rPr>
-              <a:t>(x+2)</a:t>
-            </a:r>
-            <a:r>
-              <a:rPr b="0" i="1" lang="en-US" sz="3200" spc="-1" strike="noStrike">
-                <a:solidFill>
-                  <a:srgbClr val="000000"/>
-                </a:solidFill>
-                <a:latin typeface="Arial"/>
-                <a:ea typeface="Noto Sans CJK SC"/>
-              </a:rPr>
-              <a:t> </a:t>
-            </a:r>
-            <a:r>
-              <a:rPr b="0" lang="en-US" sz="3200" spc="-1" strike="noStrike">
-                <a:solidFill>
-                  <a:srgbClr val="000000"/>
-                </a:solidFill>
-                <a:latin typeface="Arial"/>
-                <a:ea typeface="Noto Sans CJK SC"/>
-              </a:rPr>
-              <a:t>where</a:t>
-            </a:r>
-            <a:r>
-              <a:rPr b="0" i="1" lang="en-US" sz="3200" spc="-1" strike="noStrike">
-                <a:solidFill>
-                  <a:srgbClr val="000000"/>
-                </a:solidFill>
-                <a:latin typeface="Arial"/>
-                <a:ea typeface="Noto Sans CJK SC"/>
-              </a:rPr>
-              <a:t> x</a:t>
-            </a:r>
-            <a:r>
-              <a:rPr b="0" lang="en-US" sz="3200" spc="-1" strike="noStrike">
-                <a:solidFill>
-                  <a:srgbClr val="000000"/>
-                </a:solidFill>
-                <a:latin typeface="Arial"/>
-                <a:ea typeface="Noto Sans CJK SC"/>
-              </a:rPr>
-              <a:t> is the number of bidirectional edges clockwise of the counter-clockwise path and counter-clockwise of the clockwise path.</a:t>
-            </a:r>
-            <a:endParaRPr b="0" lang="en-US" sz="3200" spc="-1" strike="noStrike">
+              <a:rPr b="0" lang="en-US" sz="2480" spc="-1" strike="noStrike">
+                <a:latin typeface="Arial"/>
+              </a:rPr>
+              <a:t>Our goal is to explore ways to calculate these directed graphs and to study their relationships with their undirected counterparts.</a:t>
+            </a:r>
+            <a:endParaRPr b="0" lang="en-US" sz="2480" spc="-1" strike="noStrike">
               <a:latin typeface="Arial"/>
             </a:endParaRPr>
           </a:p>
@@ -12854,7 +12888,7 @@
       </p:grpSpPr>
       <p:sp>
         <p:nvSpPr>
-          <p:cNvPr id="213" name="PlaceHolder 1"/>
+          <p:cNvPr id="222" name="PlaceHolder 1"/>
           <p:cNvSpPr>
             <a:spLocks noGrp="1"/>
           </p:cNvSpPr>
@@ -12865,7 +12899,7 @@
         <p:spPr>
           <a:xfrm>
             <a:off x="360000" y="225720"/>
-            <a:ext cx="9356760" cy="715680"/>
+            <a:ext cx="9356040" cy="714960"/>
           </a:xfrm>
           <a:prstGeom prst="rect">
             <a:avLst/>
@@ -12893,6 +12927,1582 @@
                 </a:solidFill>
                 <a:latin typeface="Arial"/>
               </a:rPr>
+              <a:t>Methods</a:t>
+            </a:r>
+            <a:endParaRPr b="0" lang="en-US" sz="4400" spc="-1" strike="noStrike">
+              <a:latin typeface="Arial"/>
+            </a:endParaRPr>
+          </a:p>
+        </p:txBody>
+      </p:sp>
+      <p:sp>
+        <p:nvSpPr>
+          <p:cNvPr id="223" name="PlaceHolder 2"/>
+          <p:cNvSpPr>
+            <a:spLocks noGrp="1"/>
+          </p:cNvSpPr>
+          <p:nvPr>
+            <p:ph/>
+          </p:nvPr>
+        </p:nvSpPr>
+        <p:spPr>
+          <a:xfrm>
+            <a:off x="360000" y="1485000"/>
+            <a:ext cx="9356040" cy="3776040"/>
+          </a:xfrm>
+          <a:prstGeom prst="rect">
+            <a:avLst/>
+          </a:prstGeom>
+          <a:noFill/>
+          <a:ln w="0">
+            <a:noFill/>
+          </a:ln>
+        </p:spPr>
+        <p:txBody>
+          <a:bodyPr lIns="0" rIns="0" tIns="0" bIns="0" anchor="t">
+            <a:normAutofit/>
+          </a:bodyPr>
+          <a:p>
+            <a:pPr marL="432000" indent="-324000">
+              <a:lnSpc>
+                <a:spcPct val="100000"/>
+              </a:lnSpc>
+              <a:spcBef>
+                <a:spcPts val="1417"/>
+              </a:spcBef>
+              <a:buClr>
+                <a:srgbClr val="000000"/>
+              </a:buClr>
+              <a:buSzPct val="45000"/>
+              <a:buFont typeface="Wingdings" charset="2"/>
+              <a:buChar char=""/>
+            </a:pPr>
+            <a:r>
+              <a:rPr b="0" lang="en-US" sz="2480" spc="-1" strike="noStrike">
+                <a:latin typeface="Arial"/>
+              </a:rPr>
+              <a:t>By using our target graphs as a guide, we conducted our research by looking for patterns within different configurations and graph sizes.</a:t>
+            </a:r>
+            <a:endParaRPr b="0" lang="en-US" sz="2480" spc="-1" strike="noStrike">
+              <a:latin typeface="Arial"/>
+            </a:endParaRPr>
+          </a:p>
+          <a:p>
+            <a:pPr marL="432000" indent="-324000">
+              <a:lnSpc>
+                <a:spcPct val="100000"/>
+              </a:lnSpc>
+              <a:spcBef>
+                <a:spcPts val="1417"/>
+              </a:spcBef>
+              <a:buClr>
+                <a:srgbClr val="000000"/>
+              </a:buClr>
+              <a:buSzPct val="45000"/>
+              <a:buFont typeface="Wingdings" charset="2"/>
+              <a:buChar char=""/>
+            </a:pPr>
+            <a:r>
+              <a:rPr b="0" lang="en-US" sz="2480" spc="-1" strike="noStrike">
+                <a:latin typeface="Arial"/>
+              </a:rPr>
+              <a:t>We then computed many examples of said configuration to see if our original guesses held up.</a:t>
+            </a:r>
+            <a:endParaRPr b="0" lang="en-US" sz="2480" spc="-1" strike="noStrike">
+              <a:latin typeface="Arial"/>
+            </a:endParaRPr>
+          </a:p>
+          <a:p>
+            <a:pPr marL="432000" indent="-324000">
+              <a:lnSpc>
+                <a:spcPct val="100000"/>
+              </a:lnSpc>
+              <a:spcBef>
+                <a:spcPts val="1417"/>
+              </a:spcBef>
+              <a:buClr>
+                <a:srgbClr val="000000"/>
+              </a:buClr>
+              <a:buSzPct val="45000"/>
+              <a:buFont typeface="Wingdings" charset="2"/>
+              <a:buChar char=""/>
+            </a:pPr>
+            <a:r>
+              <a:rPr b="0" lang="en-US" sz="2480" spc="-1" strike="noStrike">
+                <a:latin typeface="Arial"/>
+              </a:rPr>
+              <a:t>If that was the case, we then moved on to rigorously proving the conjectures that we could and adding even more computational results to those that we could not.</a:t>
+            </a:r>
+            <a:endParaRPr b="0" lang="en-US" sz="2480" spc="-1" strike="noStrike">
+              <a:latin typeface="Arial"/>
+            </a:endParaRPr>
+          </a:p>
+        </p:txBody>
+      </p:sp>
+    </p:spTree>
+  </p:cSld>
+  <mc:AlternateContent>
+    <mc:Choice Requires="p14">
+      <p:transition spd="slow" p14:dur="2000"/>
+    </mc:Choice>
+    <mc:Fallback>
+      <p:transition spd="slow"/>
+    </mc:Fallback>
+  </mc:AlternateContent>
+</p:sld>
+</file>
+
+<file path=ppt/slides/slide19.xml><?xml version="1.0" encoding="utf-8"?>
+<p:sld xmlns:a="http://schemas.openxmlformats.org/drawingml/2006/main" xmlns:p="http://schemas.openxmlformats.org/presentationml/2006/main" xmlns:r="http://schemas.openxmlformats.org/officeDocument/2006/relationships" xmlns:p14="http://schemas.microsoft.com/office/powerpoint/2010/main" xmlns:p15="http://schemas.microsoft.com/office/powerpoint/2012/main" xmlns:mc="http://schemas.openxmlformats.org/markup-compatibility/2006">
+  <p:cSld>
+    <p:spTree>
+      <p:nvGrpSpPr>
+        <p:cNvPr id="1" name=""/>
+        <p:cNvGrpSpPr/>
+        <p:nvPr/>
+      </p:nvGrpSpPr>
+      <p:grpSpPr>
+        <a:xfrm>
+          <a:off x="0" y="0"/>
+          <a:ext cx="0" cy="0"/>
+          <a:chOff x="0" y="0"/>
+          <a:chExt cx="0" cy="0"/>
+        </a:xfrm>
+      </p:grpSpPr>
+      <p:sp>
+        <p:nvSpPr>
+          <p:cNvPr id="224" name="PlaceHolder 1"/>
+          <p:cNvSpPr>
+            <a:spLocks noGrp="1"/>
+          </p:cNvSpPr>
+          <p:nvPr>
+            <p:ph type="title"/>
+          </p:nvPr>
+        </p:nvSpPr>
+        <p:spPr>
+          <a:xfrm>
+            <a:off x="360000" y="-39960"/>
+            <a:ext cx="9356040" cy="1246680"/>
+          </a:xfrm>
+          <a:prstGeom prst="rect">
+            <a:avLst/>
+          </a:prstGeom>
+          <a:noFill/>
+          <a:ln w="0">
+            <a:noFill/>
+          </a:ln>
+        </p:spPr>
+        <p:txBody>
+          <a:bodyPr lIns="0" rIns="0" tIns="0" bIns="0" anchor="ctr">
+            <a:noAutofit/>
+          </a:bodyPr>
+          <a:p>
+            <a:pPr algn="ctr">
+              <a:lnSpc>
+                <a:spcPct val="100000"/>
+              </a:lnSpc>
+              <a:buNone/>
+            </a:pPr>
+            <a:r>
+              <a:rPr b="0" lang="en-US" sz="4400" spc="-1" strike="noStrike">
+                <a:solidFill>
+                  <a:srgbClr val="ffffff"/>
+                </a:solidFill>
+                <a:latin typeface="Arial"/>
+              </a:rPr>
+              <a:t>Finding a Tree’s Picard Group</a:t>
+            </a:r>
+            <a:endParaRPr b="0" lang="en-US" sz="4400" spc="-1" strike="noStrike">
+              <a:latin typeface="Arial"/>
+            </a:endParaRPr>
+          </a:p>
+        </p:txBody>
+      </p:sp>
+      <p:sp>
+        <p:nvSpPr>
+          <p:cNvPr id="225" name="PlaceHolder 2"/>
+          <p:cNvSpPr>
+            <a:spLocks noGrp="1"/>
+          </p:cNvSpPr>
+          <p:nvPr>
+            <p:ph/>
+          </p:nvPr>
+        </p:nvSpPr>
+        <p:spPr>
+          <a:xfrm>
+            <a:off x="360000" y="1485000"/>
+            <a:ext cx="9356040" cy="3776040"/>
+          </a:xfrm>
+          <a:prstGeom prst="rect">
+            <a:avLst/>
+          </a:prstGeom>
+          <a:noFill/>
+          <a:ln w="0">
+            <a:noFill/>
+          </a:ln>
+        </p:spPr>
+        <p:txBody>
+          <a:bodyPr lIns="0" rIns="0" tIns="0" bIns="0" anchor="t">
+            <a:normAutofit fontScale="49000"/>
+          </a:bodyPr>
+          <a:p>
+            <a:pPr marL="216000" indent="-216000">
+              <a:lnSpc>
+                <a:spcPct val="100000"/>
+              </a:lnSpc>
+              <a:spcBef>
+                <a:spcPts val="1417"/>
+              </a:spcBef>
+              <a:buClr>
+                <a:srgbClr val="000000"/>
+              </a:buClr>
+              <a:buSzPct val="45000"/>
+              <a:buFont typeface="Wingdings" charset="2"/>
+              <a:buChar char=""/>
+            </a:pPr>
+            <a:r>
+              <a:rPr b="0" lang="en-US" sz="3200" spc="-1" strike="noStrike">
+                <a:latin typeface="Arial"/>
+              </a:rPr>
+              <a:t>The Picard group is commonly written in the form </a:t>
+            </a:r>
+            <a:r>
+              <a:rPr b="0" i="1" lang="en-US" sz="3200" spc="-1" strike="noStrike">
+                <a:latin typeface="Arial"/>
+              </a:rPr>
+              <a:t>Pic(G) = Jac(G) x ℤ</a:t>
+            </a:r>
+            <a:r>
+              <a:rPr b="0" i="1" lang="en-US" sz="3200" spc="-1" strike="noStrike" baseline="33000">
+                <a:latin typeface="Arial"/>
+              </a:rPr>
+              <a:t>n</a:t>
+            </a:r>
+            <a:r>
+              <a:rPr b="0" lang="en-US" sz="3200" spc="-1" strike="noStrike">
+                <a:latin typeface="Arial"/>
+              </a:rPr>
+              <a:t>, where </a:t>
+            </a:r>
+            <a:r>
+              <a:rPr b="0" i="1" lang="en-US" sz="3200" spc="-1" strike="noStrike">
+                <a:latin typeface="Arial"/>
+              </a:rPr>
+              <a:t>n</a:t>
+            </a:r>
+            <a:r>
+              <a:rPr b="0" lang="en-US" sz="3200" spc="-1" strike="noStrike">
+                <a:latin typeface="Arial"/>
+              </a:rPr>
+              <a:t> is the rank of the Picard group.</a:t>
+            </a:r>
+            <a:endParaRPr b="0" lang="en-US" sz="3200" spc="-1" strike="noStrike">
+              <a:latin typeface="Arial"/>
+            </a:endParaRPr>
+          </a:p>
+          <a:p>
+            <a:pPr lvl="1" marL="864000" indent="-324000">
+              <a:lnSpc>
+                <a:spcPct val="100000"/>
+              </a:lnSpc>
+              <a:spcBef>
+                <a:spcPts val="1134"/>
+              </a:spcBef>
+              <a:buClr>
+                <a:srgbClr val="000000"/>
+              </a:buClr>
+              <a:buSzPct val="75000"/>
+              <a:buFont typeface="Symbol"/>
+              <a:buChar char=""/>
+            </a:pPr>
+            <a:r>
+              <a:rPr b="0" lang="en-US" sz="3200" spc="-1" strike="noStrike">
+                <a:solidFill>
+                  <a:srgbClr val="000000"/>
+                </a:solidFill>
+                <a:latin typeface="Arial"/>
+              </a:rPr>
+              <a:t>We have noticed that this rank for a tree graph can be easily calculated inductively.  By reconstructing an arbitrary tree edge by edge, its rank can be determined by following two rules </a:t>
+            </a:r>
+            <a:r>
+              <a:rPr b="0" i="1" lang="en-US" sz="2200" spc="-1" strike="noStrike">
+                <a:solidFill>
+                  <a:srgbClr val="000000"/>
+                </a:solidFill>
+                <a:latin typeface="Arial"/>
+              </a:rPr>
+              <a:t>(thrm)</a:t>
+            </a:r>
+            <a:r>
+              <a:rPr b="0" lang="en-US" sz="3200" spc="-1" strike="noStrike">
+                <a:solidFill>
+                  <a:srgbClr val="000000"/>
+                </a:solidFill>
+                <a:latin typeface="Arial"/>
+              </a:rPr>
+              <a:t>.</a:t>
+            </a:r>
+            <a:endParaRPr b="0" lang="en-US" sz="3200" spc="-1" strike="noStrike">
+              <a:latin typeface="Arial"/>
+            </a:endParaRPr>
+          </a:p>
+          <a:p>
+            <a:pPr lvl="2" marL="1296000" indent="-288000">
+              <a:lnSpc>
+                <a:spcPct val="100000"/>
+              </a:lnSpc>
+              <a:spcBef>
+                <a:spcPts val="850"/>
+              </a:spcBef>
+              <a:buClr>
+                <a:srgbClr val="000000"/>
+              </a:buClr>
+              <a:buSzPct val="45000"/>
+              <a:buFont typeface="Wingdings" charset="2"/>
+              <a:buChar char=""/>
+            </a:pPr>
+            <a:r>
+              <a:rPr b="0" lang="en-US" sz="3200" spc="-1" strike="noStrike">
+                <a:solidFill>
+                  <a:srgbClr val="000000"/>
+                </a:solidFill>
+                <a:latin typeface="Arial"/>
+              </a:rPr>
+              <a:t>If the next arrow drawn is pointing towards the graph or if it is bidirectional, the rank does not change.</a:t>
+            </a:r>
+            <a:endParaRPr b="0" lang="en-US" sz="3200" spc="-1" strike="noStrike">
+              <a:latin typeface="Arial"/>
+            </a:endParaRPr>
+          </a:p>
+          <a:p>
+            <a:pPr lvl="2" marL="1296000" indent="-288000">
+              <a:lnSpc>
+                <a:spcPct val="100000"/>
+              </a:lnSpc>
+              <a:spcBef>
+                <a:spcPts val="850"/>
+              </a:spcBef>
+              <a:buClr>
+                <a:srgbClr val="000000"/>
+              </a:buClr>
+              <a:buSzPct val="45000"/>
+              <a:buFont typeface="Wingdings" charset="2"/>
+              <a:buChar char=""/>
+            </a:pPr>
+            <a:r>
+              <a:rPr b="0" lang="en-US" sz="3200" spc="-1" strike="noStrike">
+                <a:solidFill>
+                  <a:srgbClr val="000000"/>
+                </a:solidFill>
+                <a:latin typeface="Arial"/>
+              </a:rPr>
+              <a:t>If the next arrow is pointing towards the new vertex, the rank increases by one so long as the number of terminal strong components also grows as a result.</a:t>
+            </a:r>
+            <a:endParaRPr b="0" lang="en-US" sz="3200" spc="-1" strike="noStrike">
+              <a:latin typeface="Arial"/>
+            </a:endParaRPr>
+          </a:p>
+          <a:p>
+            <a:pPr lvl="1" marL="864000" indent="-324000">
+              <a:lnSpc>
+                <a:spcPct val="100000"/>
+              </a:lnSpc>
+              <a:spcBef>
+                <a:spcPts val="1134"/>
+              </a:spcBef>
+              <a:buClr>
+                <a:srgbClr val="000000"/>
+              </a:buClr>
+              <a:buSzPct val="75000"/>
+              <a:buFont typeface="Symbol"/>
+              <a:buChar char=""/>
+            </a:pPr>
+            <a:r>
+              <a:rPr b="0" lang="en-US" sz="3200" spc="-1" strike="noStrike">
+                <a:solidFill>
+                  <a:srgbClr val="000000"/>
+                </a:solidFill>
+                <a:latin typeface="Arial"/>
+              </a:rPr>
+              <a:t>We can see that the rank of a tree corresponds to the number of terminal strong components of that tree, sections that are only connected to the rest of the graph by an incoming edge and have a path between all of its member vertices.</a:t>
+            </a:r>
+            <a:endParaRPr b="0" lang="en-US" sz="3200" spc="-1" strike="noStrike">
+              <a:latin typeface="Arial"/>
+            </a:endParaRPr>
+          </a:p>
+          <a:p>
+            <a:pPr marL="432000" indent="-324000">
+              <a:lnSpc>
+                <a:spcPct val="100000"/>
+              </a:lnSpc>
+              <a:spcBef>
+                <a:spcPts val="1417"/>
+              </a:spcBef>
+              <a:buClr>
+                <a:srgbClr val="000000"/>
+              </a:buClr>
+              <a:buSzPct val="45000"/>
+              <a:buFont typeface="Wingdings" charset="2"/>
+              <a:buChar char=""/>
+            </a:pPr>
+            <a:r>
+              <a:rPr b="0" lang="en-US" sz="3200" spc="-1" strike="noStrike">
+                <a:solidFill>
+                  <a:srgbClr val="000000"/>
+                </a:solidFill>
+                <a:latin typeface="Arial"/>
+              </a:rPr>
+              <a:t>The Jacobian of a tree is relatively simple, it is always the trivial group </a:t>
+            </a:r>
+            <a:r>
+              <a:rPr b="0" i="1" lang="en-US" sz="2200" spc="-1" strike="noStrike">
+                <a:solidFill>
+                  <a:srgbClr val="000000"/>
+                </a:solidFill>
+                <a:latin typeface="Arial"/>
+              </a:rPr>
+              <a:t>(thrm)</a:t>
+            </a:r>
+            <a:r>
+              <a:rPr b="0" lang="en-US" sz="3200" spc="-1" strike="noStrike">
+                <a:solidFill>
+                  <a:srgbClr val="000000"/>
+                </a:solidFill>
+                <a:latin typeface="Arial"/>
+              </a:rPr>
+              <a:t>.</a:t>
+            </a:r>
+            <a:endParaRPr b="0" lang="en-US" sz="3200" spc="-1" strike="noStrike">
+              <a:latin typeface="Arial"/>
+            </a:endParaRPr>
+          </a:p>
+          <a:p>
+            <a:pPr lvl="1" marL="864000" indent="-324000">
+              <a:lnSpc>
+                <a:spcPct val="100000"/>
+              </a:lnSpc>
+              <a:spcBef>
+                <a:spcPts val="1134"/>
+              </a:spcBef>
+              <a:buClr>
+                <a:srgbClr val="000000"/>
+              </a:buClr>
+              <a:buSzPct val="75000"/>
+              <a:buFont typeface="Symbol"/>
+              <a:buChar char=""/>
+            </a:pPr>
+            <a:r>
+              <a:rPr b="0" lang="en-US" sz="3200" spc="-1" strike="noStrike">
+                <a:solidFill>
+                  <a:srgbClr val="000000"/>
+                </a:solidFill>
+                <a:latin typeface="Arial"/>
+              </a:rPr>
+              <a:t>This comes from the directed version of the matrix tree theorem, where the rank of a graph corresponds to the number f spanning trees.  This is one in the case of tree graphs.</a:t>
+            </a:r>
+            <a:endParaRPr b="0" lang="en-US" sz="3200" spc="-1" strike="noStrike">
+              <a:latin typeface="Arial"/>
+            </a:endParaRPr>
+          </a:p>
+        </p:txBody>
+      </p:sp>
+    </p:spTree>
+  </p:cSld>
+  <mc:AlternateContent>
+    <mc:Choice Requires="p14">
+      <p:transition spd="slow" p14:dur="2000"/>
+    </mc:Choice>
+    <mc:Fallback>
+      <p:transition spd="slow"/>
+    </mc:Fallback>
+  </mc:AlternateContent>
+</p:sld>
+</file>
+
+<file path=ppt/slides/slide2.xml><?xml version="1.0" encoding="utf-8"?>
+<p:sld xmlns:a="http://schemas.openxmlformats.org/drawingml/2006/main" xmlns:p="http://schemas.openxmlformats.org/presentationml/2006/main" xmlns:r="http://schemas.openxmlformats.org/officeDocument/2006/relationships" xmlns:p14="http://schemas.microsoft.com/office/powerpoint/2010/main" xmlns:p15="http://schemas.microsoft.com/office/powerpoint/2012/main" xmlns:mc="http://schemas.openxmlformats.org/markup-compatibility/2006">
+  <p:cSld>
+    <p:spTree>
+      <p:nvGrpSpPr>
+        <p:cNvPr id="1" name=""/>
+        <p:cNvGrpSpPr/>
+        <p:nvPr/>
+      </p:nvGrpSpPr>
+      <p:grpSpPr>
+        <a:xfrm>
+          <a:off x="0" y="0"/>
+          <a:ext cx="0" cy="0"/>
+          <a:chOff x="0" y="0"/>
+          <a:chExt cx="0" cy="0"/>
+        </a:xfrm>
+      </p:grpSpPr>
+      <p:sp>
+        <p:nvSpPr>
+          <p:cNvPr id="177" name="PlaceHolder 1"/>
+          <p:cNvSpPr>
+            <a:spLocks noGrp="1"/>
+          </p:cNvSpPr>
+          <p:nvPr>
+            <p:ph type="title"/>
+          </p:nvPr>
+        </p:nvSpPr>
+        <p:spPr>
+          <a:xfrm>
+            <a:off x="360000" y="225720"/>
+            <a:ext cx="9356040" cy="714960"/>
+          </a:xfrm>
+          <a:prstGeom prst="rect">
+            <a:avLst/>
+          </a:prstGeom>
+          <a:noFill/>
+          <a:ln w="0">
+            <a:noFill/>
+          </a:ln>
+        </p:spPr>
+        <p:txBody>
+          <a:bodyPr lIns="0" rIns="0" tIns="0" bIns="0" anchor="ctr">
+            <a:noAutofit/>
+          </a:bodyPr>
+          <a:p>
+            <a:pPr algn="ctr">
+              <a:lnSpc>
+                <a:spcPct val="100000"/>
+              </a:lnSpc>
+              <a:buNone/>
+            </a:pPr>
+            <a:r>
+              <a:rPr b="0" lang="en-US" sz="4400" spc="-1" strike="noStrike">
+                <a:solidFill>
+                  <a:srgbClr val="ffffff"/>
+                </a:solidFill>
+                <a:latin typeface="Arial"/>
+              </a:rPr>
+              <a:t>Introduction</a:t>
+            </a:r>
+            <a:endParaRPr b="0" lang="en-US" sz="4400" spc="-1" strike="noStrike">
+              <a:latin typeface="Arial"/>
+            </a:endParaRPr>
+          </a:p>
+        </p:txBody>
+      </p:sp>
+      <p:sp>
+        <p:nvSpPr>
+          <p:cNvPr id="178" name="PlaceHolder 2"/>
+          <p:cNvSpPr>
+            <a:spLocks noGrp="1"/>
+          </p:cNvSpPr>
+          <p:nvPr>
+            <p:ph/>
+          </p:nvPr>
+        </p:nvSpPr>
+        <p:spPr>
+          <a:xfrm>
+            <a:off x="360000" y="1485000"/>
+            <a:ext cx="9356040" cy="3776040"/>
+          </a:xfrm>
+          <a:prstGeom prst="rect">
+            <a:avLst/>
+          </a:prstGeom>
+          <a:noFill/>
+          <a:ln w="0">
+            <a:noFill/>
+          </a:ln>
+        </p:spPr>
+        <p:txBody>
+          <a:bodyPr lIns="0" rIns="0" tIns="0" bIns="0" anchor="t">
+            <a:normAutofit fontScale="64000"/>
+          </a:bodyPr>
+          <a:p>
+            <a:pPr marL="432000" indent="-324000">
+              <a:lnSpc>
+                <a:spcPct val="100000"/>
+              </a:lnSpc>
+              <a:spcBef>
+                <a:spcPts val="1417"/>
+              </a:spcBef>
+              <a:buClr>
+                <a:srgbClr val="000000"/>
+              </a:buClr>
+              <a:buSzPct val="45000"/>
+              <a:buFont typeface="Wingdings" charset="2"/>
+              <a:buChar char=""/>
+            </a:pPr>
+            <a:r>
+              <a:rPr b="0" lang="en-US" sz="3200" spc="-1" strike="noStrike">
+                <a:latin typeface="Arial"/>
+              </a:rPr>
+              <a:t>A chip firing game is a one player game played on a graph where integer amounts of chips are fired between vertices along their adjacent edges.</a:t>
+            </a:r>
+            <a:endParaRPr b="0" lang="en-US" sz="3200" spc="-1" strike="noStrike">
+              <a:latin typeface="Arial"/>
+            </a:endParaRPr>
+          </a:p>
+          <a:p>
+            <a:pPr marL="432000" indent="-324000">
+              <a:lnSpc>
+                <a:spcPct val="100000"/>
+              </a:lnSpc>
+              <a:spcBef>
+                <a:spcPts val="1417"/>
+              </a:spcBef>
+              <a:buClr>
+                <a:srgbClr val="000000"/>
+              </a:buClr>
+              <a:buSzPct val="45000"/>
+              <a:buFont typeface="Wingdings" charset="2"/>
+              <a:buChar char=""/>
+            </a:pPr>
+            <a:r>
+              <a:rPr b="0" lang="en-US" sz="3200" spc="-1" strike="noStrike">
+                <a:latin typeface="Arial"/>
+              </a:rPr>
+              <a:t>Since its origin in 1983, it has since become an important tool in structural combinatorics and other areas of mathematics. For instance, from a perspective motivated by algebraic geometry,  one may view finite graphs as a discrete model for Riemann surfaces.</a:t>
+            </a:r>
+            <a:endParaRPr b="0" lang="en-US" sz="3200" spc="-1" strike="noStrike">
+              <a:latin typeface="Arial"/>
+            </a:endParaRPr>
+          </a:p>
+          <a:p>
+            <a:pPr marL="432000" indent="-324000">
+              <a:lnSpc>
+                <a:spcPct val="100000"/>
+              </a:lnSpc>
+              <a:spcBef>
+                <a:spcPts val="1417"/>
+              </a:spcBef>
+              <a:buClr>
+                <a:srgbClr val="000000"/>
+              </a:buClr>
+              <a:buSzPct val="45000"/>
+              <a:buFont typeface="Wingdings" charset="2"/>
+              <a:buChar char=""/>
+            </a:pPr>
+            <a:r>
+              <a:rPr b="0" lang="en-US" sz="3200" spc="-1" strike="noStrike">
+                <a:latin typeface="Arial"/>
+              </a:rPr>
+              <a:t>The main area of study of this game is on its standard, undirected variant.  However, this game can also be played on directed graphs.</a:t>
+            </a:r>
+            <a:endParaRPr b="0" lang="en-US" sz="3200" spc="-1" strike="noStrike">
+              <a:latin typeface="Arial"/>
+            </a:endParaRPr>
+          </a:p>
+          <a:p>
+            <a:pPr lvl="1" marL="864000" indent="-324000">
+              <a:lnSpc>
+                <a:spcPct val="100000"/>
+              </a:lnSpc>
+              <a:spcBef>
+                <a:spcPts val="1134"/>
+              </a:spcBef>
+              <a:buClr>
+                <a:srgbClr val="000000"/>
+              </a:buClr>
+              <a:buSzPct val="75000"/>
+              <a:buFont typeface="Symbol"/>
+              <a:buChar char=""/>
+            </a:pPr>
+            <a:r>
+              <a:rPr b="0" lang="en-US" sz="3200" spc="-1" strike="noStrike">
+                <a:latin typeface="Arial"/>
+              </a:rPr>
+              <a:t>Though this area has been comparatively less researched, we hope to change that through the patterns and techniques we have developed in our investigation.</a:t>
+            </a:r>
+            <a:endParaRPr b="0" lang="en-US" sz="3200" spc="-1" strike="noStrike">
+              <a:latin typeface="Arial"/>
+            </a:endParaRPr>
+          </a:p>
+        </p:txBody>
+      </p:sp>
+    </p:spTree>
+  </p:cSld>
+  <mc:AlternateContent>
+    <mc:Choice Requires="p14">
+      <p:transition spd="slow" p14:dur="2000"/>
+    </mc:Choice>
+    <mc:Fallback>
+      <p:transition spd="slow"/>
+    </mc:Fallback>
+  </mc:AlternateContent>
+</p:sld>
+</file>
+
+<file path=ppt/slides/slide20.xml><?xml version="1.0" encoding="utf-8"?>
+<p:sld xmlns:a="http://schemas.openxmlformats.org/drawingml/2006/main" xmlns:p="http://schemas.openxmlformats.org/presentationml/2006/main" xmlns:r="http://schemas.openxmlformats.org/officeDocument/2006/relationships" xmlns:p14="http://schemas.microsoft.com/office/powerpoint/2010/main" xmlns:p15="http://schemas.microsoft.com/office/powerpoint/2012/main" xmlns:mc="http://schemas.openxmlformats.org/markup-compatibility/2006">
+  <p:cSld>
+    <p:spTree>
+      <p:nvGrpSpPr>
+        <p:cNvPr id="1" name=""/>
+        <p:cNvGrpSpPr/>
+        <p:nvPr/>
+      </p:nvGrpSpPr>
+      <p:grpSpPr>
+        <a:xfrm>
+          <a:off x="0" y="0"/>
+          <a:ext cx="0" cy="0"/>
+          <a:chOff x="0" y="0"/>
+          <a:chExt cx="0" cy="0"/>
+        </a:xfrm>
+      </p:grpSpPr>
+      <p:sp>
+        <p:nvSpPr>
+          <p:cNvPr id="226" name="PlaceHolder 1"/>
+          <p:cNvSpPr>
+            <a:spLocks noGrp="1"/>
+          </p:cNvSpPr>
+          <p:nvPr>
+            <p:ph type="title"/>
+          </p:nvPr>
+        </p:nvSpPr>
+        <p:spPr>
+          <a:xfrm>
+            <a:off x="360000" y="-39960"/>
+            <a:ext cx="9356040" cy="1246680"/>
+          </a:xfrm>
+          <a:prstGeom prst="rect">
+            <a:avLst/>
+          </a:prstGeom>
+          <a:noFill/>
+          <a:ln w="0">
+            <a:noFill/>
+          </a:ln>
+        </p:spPr>
+        <p:txBody>
+          <a:bodyPr lIns="0" rIns="0" tIns="0" bIns="0" anchor="ctr">
+            <a:noAutofit/>
+          </a:bodyPr>
+          <a:p>
+            <a:pPr algn="ctr">
+              <a:lnSpc>
+                <a:spcPct val="100000"/>
+              </a:lnSpc>
+              <a:buNone/>
+            </a:pPr>
+            <a:r>
+              <a:rPr b="0" lang="en-US" sz="4400" spc="-1" strike="noStrike">
+                <a:solidFill>
+                  <a:srgbClr val="ffffff"/>
+                </a:solidFill>
+                <a:latin typeface="Arial"/>
+              </a:rPr>
+              <a:t>Creating a Pseudo-Tree</a:t>
+            </a:r>
+            <a:endParaRPr b="0" lang="en-US" sz="4400" spc="-1" strike="noStrike">
+              <a:latin typeface="Arial"/>
+            </a:endParaRPr>
+          </a:p>
+        </p:txBody>
+      </p:sp>
+      <p:sp>
+        <p:nvSpPr>
+          <p:cNvPr id="227" name="PlaceHolder 2"/>
+          <p:cNvSpPr>
+            <a:spLocks noGrp="1"/>
+          </p:cNvSpPr>
+          <p:nvPr>
+            <p:ph/>
+          </p:nvPr>
+        </p:nvSpPr>
+        <p:spPr>
+          <a:xfrm>
+            <a:off x="360000" y="1485000"/>
+            <a:ext cx="9466560" cy="3776040"/>
+          </a:xfrm>
+          <a:prstGeom prst="rect">
+            <a:avLst/>
+          </a:prstGeom>
+          <a:noFill/>
+          <a:ln w="0">
+            <a:noFill/>
+          </a:ln>
+        </p:spPr>
+        <p:txBody>
+          <a:bodyPr lIns="0" rIns="0" tIns="0" bIns="0" anchor="t">
+            <a:normAutofit/>
+          </a:bodyPr>
+          <a:p>
+            <a:pPr marL="432000" indent="-324000">
+              <a:lnSpc>
+                <a:spcPct val="100000"/>
+              </a:lnSpc>
+              <a:spcBef>
+                <a:spcPts val="1417"/>
+              </a:spcBef>
+              <a:buClr>
+                <a:srgbClr val="000000"/>
+              </a:buClr>
+              <a:buSzPct val="45000"/>
+              <a:buFont typeface="Wingdings" charset="2"/>
+              <a:buChar char=""/>
+            </a:pPr>
+            <a:r>
+              <a:rPr b="0" lang="en-US" sz="2100" spc="-1" strike="noStrike">
+                <a:solidFill>
+                  <a:srgbClr val="000000"/>
+                </a:solidFill>
+                <a:latin typeface="Arial"/>
+                <a:ea typeface="JetBrains Mono"/>
+              </a:rPr>
+              <a:t>A Pseudo-tree can be created by gluing a tree to a cycle graph in one of two ways.</a:t>
+            </a:r>
+            <a:endParaRPr b="0" lang="en-US" sz="2100" spc="-1" strike="noStrike">
+              <a:latin typeface="Arial"/>
+            </a:endParaRPr>
+          </a:p>
+          <a:p>
+            <a:pPr marL="432000" indent="-324000">
+              <a:lnSpc>
+                <a:spcPct val="100000"/>
+              </a:lnSpc>
+              <a:spcBef>
+                <a:spcPts val="1417"/>
+              </a:spcBef>
+              <a:buClr>
+                <a:srgbClr val="000000"/>
+              </a:buClr>
+              <a:buSzPct val="45000"/>
+              <a:buFont typeface="Wingdings" charset="2"/>
+              <a:buChar char=""/>
+            </a:pPr>
+            <a:r>
+              <a:rPr b="0" lang="en-US" sz="2100" spc="-1" strike="noStrike">
+                <a:solidFill>
+                  <a:srgbClr val="000000"/>
+                </a:solidFill>
+                <a:latin typeface="Arial"/>
+                <a:ea typeface="JetBrains Mono"/>
+              </a:rPr>
+              <a:t>By Vertex – Here, whichever vertices will be glued together will be merged into one vertex.  With this way of gluing, one vertex will be shared between the two glued graphs.</a:t>
+            </a:r>
+            <a:endParaRPr b="0" lang="en-US" sz="2100" spc="-1" strike="noStrike">
+              <a:latin typeface="Arial"/>
+            </a:endParaRPr>
+          </a:p>
+          <a:p>
+            <a:pPr marL="432000" indent="-324000">
+              <a:lnSpc>
+                <a:spcPct val="100000"/>
+              </a:lnSpc>
+              <a:spcBef>
+                <a:spcPts val="1417"/>
+              </a:spcBef>
+              <a:buClr>
+                <a:srgbClr val="000000"/>
+              </a:buClr>
+              <a:buSzPct val="45000"/>
+              <a:buFont typeface="Wingdings" charset="2"/>
+              <a:buChar char=""/>
+            </a:pPr>
+            <a:r>
+              <a:rPr b="0" lang="en-US" sz="2100" spc="-1" strike="noStrike">
+                <a:solidFill>
+                  <a:srgbClr val="000000"/>
+                </a:solidFill>
+                <a:latin typeface="Arial"/>
+                <a:ea typeface="JetBrains Mono"/>
+              </a:rPr>
+              <a:t>By Edge – With this method, the two graphs are joined by an additional edge.  This helps to preserve the attributes of the original graphs into the resulting glues pseudo-tree, such as the Jacobian often being </a:t>
+            </a:r>
+            <a:r>
+              <a:rPr b="0" lang="en-US" sz="2100" spc="-1" strike="noStrike">
+                <a:solidFill>
+                  <a:srgbClr val="000000"/>
+                </a:solidFill>
+                <a:latin typeface="Arial"/>
+                <a:ea typeface="JetBrains Mono"/>
+              </a:rPr>
+              <a:t>	</a:t>
+            </a:r>
+            <a:r>
+              <a:rPr b="0" i="1" lang="en-US" sz="2100" spc="-1" strike="noStrike">
+                <a:solidFill>
+                  <a:srgbClr val="000000"/>
+                </a:solidFill>
+                <a:latin typeface="Arial"/>
+                <a:ea typeface="JetBrains Mono"/>
+              </a:rPr>
+              <a:t>Jac(cycle) x Jac(tree)</a:t>
+            </a:r>
+            <a:r>
+              <a:rPr b="0" lang="en-US" sz="2100" spc="-1" strike="noStrike">
+                <a:solidFill>
+                  <a:srgbClr val="000000"/>
+                </a:solidFill>
+                <a:latin typeface="Arial"/>
+                <a:ea typeface="JetBrains Mono"/>
+              </a:rPr>
+              <a:t>.</a:t>
+            </a:r>
+            <a:endParaRPr b="0" lang="en-US" sz="2100" spc="-1" strike="noStrike">
+              <a:latin typeface="Arial"/>
+            </a:endParaRPr>
+          </a:p>
+        </p:txBody>
+      </p:sp>
+    </p:spTree>
+  </p:cSld>
+  <mc:AlternateContent>
+    <mc:Choice Requires="p14">
+      <p:transition spd="slow" p14:dur="2000"/>
+    </mc:Choice>
+    <mc:Fallback>
+      <p:transition spd="slow"/>
+    </mc:Fallback>
+  </mc:AlternateContent>
+</p:sld>
+</file>
+
+<file path=ppt/slides/slide21.xml><?xml version="1.0" encoding="utf-8"?>
+<p:sld xmlns:a="http://schemas.openxmlformats.org/drawingml/2006/main" xmlns:p="http://schemas.openxmlformats.org/presentationml/2006/main" xmlns:r="http://schemas.openxmlformats.org/officeDocument/2006/relationships" xmlns:p14="http://schemas.microsoft.com/office/powerpoint/2010/main" xmlns:p15="http://schemas.microsoft.com/office/powerpoint/2012/main" xmlns:mc="http://schemas.openxmlformats.org/markup-compatibility/2006">
+  <p:cSld>
+    <p:spTree>
+      <p:nvGrpSpPr>
+        <p:cNvPr id="1" name=""/>
+        <p:cNvGrpSpPr/>
+        <p:nvPr/>
+      </p:nvGrpSpPr>
+      <p:grpSpPr>
+        <a:xfrm>
+          <a:off x="0" y="0"/>
+          <a:ext cx="0" cy="0"/>
+          <a:chOff x="0" y="0"/>
+          <a:chExt cx="0" cy="0"/>
+        </a:xfrm>
+      </p:grpSpPr>
+      <p:sp>
+        <p:nvSpPr>
+          <p:cNvPr id="228" name="PlaceHolder 1"/>
+          <p:cNvSpPr>
+            <a:spLocks noGrp="1"/>
+          </p:cNvSpPr>
+          <p:nvPr>
+            <p:ph type="title"/>
+          </p:nvPr>
+        </p:nvSpPr>
+        <p:spPr>
+          <a:xfrm>
+            <a:off x="360000" y="-39960"/>
+            <a:ext cx="9356040" cy="1246680"/>
+          </a:xfrm>
+          <a:prstGeom prst="rect">
+            <a:avLst/>
+          </a:prstGeom>
+          <a:noFill/>
+          <a:ln w="0">
+            <a:noFill/>
+          </a:ln>
+        </p:spPr>
+        <p:txBody>
+          <a:bodyPr lIns="0" rIns="0" tIns="0" bIns="0" anchor="ctr">
+            <a:noAutofit/>
+          </a:bodyPr>
+          <a:p>
+            <a:pPr algn="ctr">
+              <a:lnSpc>
+                <a:spcPct val="100000"/>
+              </a:lnSpc>
+              <a:buNone/>
+            </a:pPr>
+            <a:r>
+              <a:rPr b="0" lang="en-US" sz="4400" spc="-1" strike="noStrike">
+                <a:solidFill>
+                  <a:srgbClr val="ffffff"/>
+                </a:solidFill>
+                <a:latin typeface="Arial"/>
+              </a:rPr>
+              <a:t>Finding The Picard Group of a Cycle Graph</a:t>
+            </a:r>
+            <a:endParaRPr b="0" lang="en-US" sz="4400" spc="-1" strike="noStrike">
+              <a:latin typeface="Arial"/>
+            </a:endParaRPr>
+          </a:p>
+        </p:txBody>
+      </p:sp>
+      <p:sp>
+        <p:nvSpPr>
+          <p:cNvPr id="229" name="PlaceHolder 2"/>
+          <p:cNvSpPr>
+            <a:spLocks noGrp="1"/>
+          </p:cNvSpPr>
+          <p:nvPr>
+            <p:ph/>
+          </p:nvPr>
+        </p:nvSpPr>
+        <p:spPr>
+          <a:xfrm>
+            <a:off x="360000" y="1485000"/>
+            <a:ext cx="9356040" cy="3776040"/>
+          </a:xfrm>
+          <a:prstGeom prst="rect">
+            <a:avLst/>
+          </a:prstGeom>
+          <a:noFill/>
+          <a:ln w="0">
+            <a:noFill/>
+          </a:ln>
+        </p:spPr>
+        <p:txBody>
+          <a:bodyPr lIns="0" rIns="0" tIns="0" bIns="0" anchor="t">
+            <a:normAutofit fontScale="51000"/>
+          </a:bodyPr>
+          <a:p>
+            <a:pPr marL="432000" indent="-324000">
+              <a:lnSpc>
+                <a:spcPct val="100000"/>
+              </a:lnSpc>
+              <a:spcBef>
+                <a:spcPts val="1417"/>
+              </a:spcBef>
+              <a:buClr>
+                <a:srgbClr val="000000"/>
+              </a:buClr>
+              <a:buSzPct val="45000"/>
+              <a:buFont typeface="Wingdings" charset="2"/>
+              <a:buChar char=""/>
+            </a:pPr>
+            <a:r>
+              <a:rPr b="0" lang="en-US" sz="3200" spc="-1" strike="noStrike">
+                <a:solidFill>
+                  <a:srgbClr val="000000"/>
+                </a:solidFill>
+                <a:latin typeface="Arial"/>
+                <a:ea typeface="Noto Sans CJK SC"/>
+              </a:rPr>
+              <a:t>The rank of the Picard group of a cycle graph is similar to that of a tree.  It is the number of terminal strong components in the graph.</a:t>
+            </a:r>
+            <a:endParaRPr b="0" lang="en-US" sz="3200" spc="-1" strike="noStrike">
+              <a:latin typeface="Arial"/>
+            </a:endParaRPr>
+          </a:p>
+          <a:p>
+            <a:pPr marL="432000" indent="-324000">
+              <a:lnSpc>
+                <a:spcPct val="100000"/>
+              </a:lnSpc>
+              <a:spcBef>
+                <a:spcPts val="1417"/>
+              </a:spcBef>
+              <a:buClr>
+                <a:srgbClr val="000000"/>
+              </a:buClr>
+              <a:buSzPct val="45000"/>
+              <a:buFont typeface="Wingdings" charset="2"/>
+              <a:buChar char=""/>
+            </a:pPr>
+            <a:r>
+              <a:rPr b="0" lang="en-US" sz="3200" spc="-1" strike="noStrike">
+                <a:solidFill>
+                  <a:srgbClr val="000000"/>
+                </a:solidFill>
+                <a:latin typeface="Arial"/>
+                <a:ea typeface="Noto Sans CJK SC"/>
+              </a:rPr>
+              <a:t>The Jacobian of a Cycle graph is more complex than that of a tree, we have proved that there is always some orientation of a cycle such that the Jacobian is trivial or </a:t>
+            </a:r>
+            <a:r>
+              <a:rPr b="0" i="1" lang="en-US" sz="3200" spc="-1" strike="noStrike">
+                <a:solidFill>
+                  <a:srgbClr val="000000"/>
+                </a:solidFill>
+                <a:latin typeface="Arial"/>
+                <a:ea typeface="Noto Sans CJK SC"/>
+              </a:rPr>
+              <a:t>ℤ</a:t>
+            </a:r>
+            <a:r>
+              <a:rPr b="0" i="1" lang="en-US" sz="3200" spc="-1" strike="noStrike" baseline="-8000">
+                <a:solidFill>
+                  <a:srgbClr val="000000"/>
+                </a:solidFill>
+                <a:latin typeface="Arial"/>
+                <a:ea typeface="Noto Sans CJK SC"/>
+              </a:rPr>
+              <a:t>k</a:t>
+            </a:r>
+            <a:r>
+              <a:rPr b="0" lang="en-US" sz="3200" spc="-1" strike="noStrike" baseline="-8000">
+                <a:solidFill>
+                  <a:srgbClr val="000000"/>
+                </a:solidFill>
+                <a:latin typeface="Arial"/>
+                <a:ea typeface="Noto Sans CJK SC"/>
+              </a:rPr>
+              <a:t> </a:t>
+            </a:r>
+            <a:r>
+              <a:rPr b="0" lang="en-US" sz="3200" spc="-1" strike="noStrike">
+                <a:solidFill>
+                  <a:srgbClr val="000000"/>
+                </a:solidFill>
+                <a:latin typeface="Arial"/>
+                <a:ea typeface="Noto Sans CJK SC"/>
+              </a:rPr>
+              <a:t>where </a:t>
+            </a:r>
+            <a:r>
+              <a:rPr b="0" i="1" lang="en-US" sz="3200" spc="-1" strike="noStrike">
+                <a:solidFill>
+                  <a:srgbClr val="000000"/>
+                </a:solidFill>
+                <a:latin typeface="Arial"/>
+                <a:ea typeface="Noto Sans CJK SC"/>
+              </a:rPr>
+              <a:t>k≤n</a:t>
+            </a:r>
+            <a:r>
+              <a:rPr b="0" lang="en-US" sz="3200" spc="-1" strike="noStrike">
+                <a:solidFill>
+                  <a:srgbClr val="000000"/>
+                </a:solidFill>
+                <a:latin typeface="Arial"/>
+                <a:ea typeface="Noto Sans CJK SC"/>
+              </a:rPr>
+              <a:t> when </a:t>
+            </a:r>
+            <a:r>
+              <a:rPr b="0" i="1" lang="en-US" sz="3200" spc="-1" strike="noStrike">
+                <a:solidFill>
+                  <a:srgbClr val="000000"/>
+                </a:solidFill>
+                <a:latin typeface="Arial"/>
+                <a:ea typeface="Noto Sans CJK SC"/>
+              </a:rPr>
+              <a:t>n≥3 </a:t>
+            </a:r>
+            <a:r>
+              <a:rPr b="0" i="1" lang="en-US" sz="2200" spc="-1" strike="noStrike">
+                <a:solidFill>
+                  <a:srgbClr val="000000"/>
+                </a:solidFill>
+                <a:latin typeface="Arial"/>
+                <a:ea typeface="Noto Sans CJK SC"/>
+              </a:rPr>
+              <a:t>(thrm)</a:t>
+            </a:r>
+            <a:r>
+              <a:rPr b="0" lang="en-US" sz="3200" spc="-1" strike="noStrike">
+                <a:solidFill>
+                  <a:srgbClr val="000000"/>
+                </a:solidFill>
+                <a:latin typeface="Arial"/>
+                <a:ea typeface="Noto Sans CJK SC"/>
+              </a:rPr>
+              <a:t>.</a:t>
+            </a:r>
+            <a:endParaRPr b="0" lang="en-US" sz="3200" spc="-1" strike="noStrike">
+              <a:latin typeface="Arial"/>
+            </a:endParaRPr>
+          </a:p>
+          <a:p>
+            <a:pPr lvl="1" marL="864000" indent="-324000">
+              <a:lnSpc>
+                <a:spcPct val="100000"/>
+              </a:lnSpc>
+              <a:spcBef>
+                <a:spcPts val="1134"/>
+              </a:spcBef>
+              <a:buClr>
+                <a:srgbClr val="000000"/>
+              </a:buClr>
+              <a:buSzPct val="75000"/>
+              <a:buFont typeface="Symbol"/>
+              <a:buChar char=""/>
+            </a:pPr>
+            <a:r>
+              <a:rPr b="0" lang="en-US" sz="3200" spc="-1" strike="noStrike">
+                <a:solidFill>
+                  <a:srgbClr val="000000"/>
+                </a:solidFill>
+                <a:latin typeface="Arial"/>
+                <a:ea typeface="Noto Sans CJK SC"/>
+              </a:rPr>
+              <a:t>The most common of these invariant factors are the trivial factor and </a:t>
+            </a:r>
+            <a:r>
+              <a:rPr b="0" i="1" lang="en-US" sz="3200" spc="-1" strike="noStrike">
+                <a:solidFill>
+                  <a:srgbClr val="000000"/>
+                </a:solidFill>
+                <a:latin typeface="Arial"/>
+                <a:ea typeface="Noto Sans CJK SC"/>
+              </a:rPr>
+              <a:t>ℤ</a:t>
+            </a:r>
+            <a:r>
+              <a:rPr b="0" i="1" lang="en-US" sz="3200" spc="-1" strike="noStrike" baseline="-8000">
+                <a:solidFill>
+                  <a:srgbClr val="000000"/>
+                </a:solidFill>
+                <a:latin typeface="Arial"/>
+                <a:ea typeface="Noto Sans CJK SC"/>
+              </a:rPr>
+              <a:t>2</a:t>
+            </a:r>
+            <a:r>
+              <a:rPr b="0" i="1" lang="en-US" sz="3200" spc="-1" strike="noStrike">
+                <a:solidFill>
+                  <a:srgbClr val="000000"/>
+                </a:solidFill>
+                <a:latin typeface="Arial"/>
+                <a:ea typeface="Noto Sans CJK SC"/>
+              </a:rPr>
+              <a:t> </a:t>
+            </a:r>
+            <a:r>
+              <a:rPr b="0" lang="en-US" sz="3200" spc="-1" strike="noStrike">
+                <a:solidFill>
+                  <a:srgbClr val="000000"/>
+                </a:solidFill>
+                <a:latin typeface="Arial"/>
+                <a:ea typeface="Noto Sans CJK SC"/>
+              </a:rPr>
+              <a:t>across all possible orientations.</a:t>
+            </a:r>
+            <a:endParaRPr b="0" lang="en-US" sz="3200" spc="-1" strike="noStrike">
+              <a:latin typeface="Arial"/>
+            </a:endParaRPr>
+          </a:p>
+          <a:p>
+            <a:pPr marL="432000" indent="-324000">
+              <a:lnSpc>
+                <a:spcPct val="100000"/>
+              </a:lnSpc>
+              <a:spcBef>
+                <a:spcPts val="1417"/>
+              </a:spcBef>
+              <a:buClr>
+                <a:srgbClr val="000000"/>
+              </a:buClr>
+              <a:buSzPct val="45000"/>
+              <a:buFont typeface="Wingdings" charset="2"/>
+              <a:buChar char=""/>
+            </a:pPr>
+            <a:r>
+              <a:rPr b="0" lang="en-US" sz="3200" spc="-1" strike="noStrike">
+                <a:solidFill>
+                  <a:srgbClr val="000000"/>
+                </a:solidFill>
+                <a:latin typeface="Arial"/>
+                <a:ea typeface="Noto Sans CJK SC"/>
+              </a:rPr>
+              <a:t>Additionally, we have been able to calculate the Jacobian for any arbitrary cycle graph (</a:t>
+            </a:r>
+            <a:r>
+              <a:rPr b="0" i="1" lang="en-US" sz="3200" spc="-1" strike="noStrike">
+                <a:solidFill>
+                  <a:srgbClr val="000000"/>
+                </a:solidFill>
+                <a:latin typeface="Arial"/>
+                <a:ea typeface="Noto Sans CJK SC"/>
+              </a:rPr>
+              <a:t>C</a:t>
+            </a:r>
+            <a:r>
+              <a:rPr b="0" i="1" lang="en-US" sz="3200" spc="-1" strike="noStrike" baseline="-8000">
+                <a:solidFill>
+                  <a:srgbClr val="000000"/>
+                </a:solidFill>
+                <a:latin typeface="Arial"/>
+                <a:ea typeface="Noto Sans CJK SC"/>
+              </a:rPr>
+              <a:t>n</a:t>
+            </a:r>
+            <a:r>
+              <a:rPr b="0" lang="en-US" sz="3200" spc="-1" strike="noStrike">
+                <a:solidFill>
+                  <a:srgbClr val="000000"/>
+                </a:solidFill>
+                <a:latin typeface="Arial"/>
+                <a:ea typeface="Noto Sans CJK SC"/>
+              </a:rPr>
+              <a:t>) with two </a:t>
+            </a:r>
+            <a:r>
+              <a:rPr b="0" i="1" lang="en-US" sz="3200" spc="-1" strike="noStrike">
+                <a:solidFill>
+                  <a:srgbClr val="000000"/>
+                </a:solidFill>
+                <a:latin typeface="Arial"/>
+                <a:ea typeface="Noto Sans CJK SC"/>
+              </a:rPr>
+              <a:t>paths. </a:t>
+            </a:r>
+            <a:r>
+              <a:rPr b="0" lang="en-US" sz="3200" spc="-1" strike="noStrike">
+                <a:solidFill>
+                  <a:srgbClr val="000000"/>
+                </a:solidFill>
+                <a:latin typeface="Arial"/>
+                <a:ea typeface="Noto Sans CJK SC"/>
+              </a:rPr>
+              <a:t> Here a </a:t>
+            </a:r>
+            <a:r>
+              <a:rPr b="0" i="1" lang="en-US" sz="3200" spc="-1" strike="noStrike">
+                <a:solidFill>
+                  <a:srgbClr val="000000"/>
+                </a:solidFill>
+                <a:latin typeface="Arial"/>
+                <a:ea typeface="Noto Sans CJK SC"/>
+              </a:rPr>
+              <a:t>path</a:t>
+            </a:r>
+            <a:r>
+              <a:rPr b="0" lang="en-US" sz="3200" spc="-1" strike="noStrike">
+                <a:solidFill>
+                  <a:srgbClr val="000000"/>
+                </a:solidFill>
+                <a:latin typeface="Arial"/>
+                <a:ea typeface="Noto Sans CJK SC"/>
+              </a:rPr>
+              <a:t> is a connected sub-graph of </a:t>
+            </a:r>
+            <a:r>
+              <a:rPr b="0" i="1" lang="en-US" sz="3200" spc="-1" strike="noStrike">
+                <a:solidFill>
+                  <a:srgbClr val="000000"/>
+                </a:solidFill>
+                <a:latin typeface="Arial"/>
+                <a:ea typeface="Noto Sans CJK SC"/>
+              </a:rPr>
+              <a:t>C</a:t>
+            </a:r>
+            <a:r>
+              <a:rPr b="0" i="1" lang="en-US" sz="3200" spc="-1" strike="noStrike" baseline="-8000">
+                <a:solidFill>
+                  <a:srgbClr val="000000"/>
+                </a:solidFill>
+                <a:latin typeface="Arial"/>
+                <a:ea typeface="Noto Sans CJK SC"/>
+              </a:rPr>
+              <a:t>n</a:t>
+            </a:r>
+            <a:r>
+              <a:rPr b="0" lang="en-US" sz="3200" spc="-1" strike="noStrike">
+                <a:solidFill>
+                  <a:srgbClr val="000000"/>
+                </a:solidFill>
+                <a:latin typeface="Arial"/>
+                <a:ea typeface="Noto Sans CJK SC"/>
+              </a:rPr>
+              <a:t> in which all arrows are oriented in a single direction or are bidirectional.  In other words, a path is a sub-graph of </a:t>
+            </a:r>
+            <a:r>
+              <a:rPr b="0" i="1" lang="en-US" sz="3200" spc="-1" strike="noStrike">
+                <a:solidFill>
+                  <a:srgbClr val="000000"/>
+                </a:solidFill>
+                <a:latin typeface="Arial"/>
+                <a:ea typeface="Noto Sans CJK SC"/>
+              </a:rPr>
+              <a:t>C</a:t>
+            </a:r>
+            <a:r>
+              <a:rPr b="0" i="1" lang="en-US" sz="3200" spc="-1" strike="noStrike" baseline="-8000">
+                <a:solidFill>
+                  <a:srgbClr val="000000"/>
+                </a:solidFill>
+                <a:latin typeface="Arial"/>
+                <a:ea typeface="Noto Sans CJK SC"/>
+              </a:rPr>
+              <a:t>n</a:t>
+            </a:r>
+            <a:r>
+              <a:rPr b="0" lang="en-US" sz="3200" spc="-1" strike="noStrike">
+                <a:solidFill>
+                  <a:srgbClr val="000000"/>
+                </a:solidFill>
+                <a:latin typeface="Arial"/>
+                <a:ea typeface="Noto Sans CJK SC"/>
+              </a:rPr>
+              <a:t> with one strong terminal component.  These paths either only comprise one edge or are terminated by one appropriate directed edge on each side </a:t>
+            </a:r>
+            <a:r>
+              <a:rPr b="0" i="1" lang="en-US" sz="2200" spc="-1" strike="noStrike">
+                <a:solidFill>
+                  <a:srgbClr val="000000"/>
+                </a:solidFill>
+                <a:latin typeface="Arial"/>
+                <a:ea typeface="Noto Sans CJK SC"/>
+              </a:rPr>
+              <a:t>(thrm)</a:t>
+            </a:r>
+            <a:r>
+              <a:rPr b="0" lang="en-US" sz="3200" spc="-1" strike="noStrike">
+                <a:solidFill>
+                  <a:srgbClr val="000000"/>
+                </a:solidFill>
+                <a:latin typeface="Arial"/>
+                <a:ea typeface="Noto Sans CJK SC"/>
+              </a:rPr>
+              <a:t>.</a:t>
+            </a:r>
+            <a:endParaRPr b="0" lang="en-US" sz="3200" spc="-1" strike="noStrike">
+              <a:latin typeface="Arial"/>
+            </a:endParaRPr>
+          </a:p>
+          <a:p>
+            <a:pPr lvl="1" marL="864000" indent="-324000">
+              <a:lnSpc>
+                <a:spcPct val="100000"/>
+              </a:lnSpc>
+              <a:spcBef>
+                <a:spcPts val="1134"/>
+              </a:spcBef>
+              <a:buClr>
+                <a:srgbClr val="000000"/>
+              </a:buClr>
+              <a:buSzPct val="75000"/>
+              <a:buFont typeface="Symbol"/>
+              <a:buChar char=""/>
+            </a:pPr>
+            <a:r>
+              <a:rPr b="0" lang="en-US" sz="3200" spc="-1" strike="noStrike">
+                <a:solidFill>
+                  <a:srgbClr val="000000"/>
+                </a:solidFill>
+                <a:latin typeface="Arial"/>
+                <a:ea typeface="Noto Sans CJK SC"/>
+              </a:rPr>
+              <a:t>For these graphs, the Jacobian is </a:t>
+            </a:r>
+            <a:r>
+              <a:rPr b="0" i="1" lang="en-US" sz="3200" spc="-1" strike="noStrike">
+                <a:solidFill>
+                  <a:srgbClr val="000000"/>
+                </a:solidFill>
+                <a:latin typeface="Arial"/>
+                <a:ea typeface="Noto Sans CJK SC"/>
+              </a:rPr>
+              <a:t>ℤ</a:t>
+            </a:r>
+            <a:r>
+              <a:rPr b="0" i="1" lang="en-US" sz="3200" spc="-1" strike="noStrike" baseline="-8000">
+                <a:solidFill>
+                  <a:srgbClr val="000000"/>
+                </a:solidFill>
+                <a:latin typeface="Arial"/>
+                <a:ea typeface="Noto Sans CJK SC"/>
+              </a:rPr>
+              <a:t>(x+2)</a:t>
+            </a:r>
+            <a:r>
+              <a:rPr b="0" i="1" lang="en-US" sz="3200" spc="-1" strike="noStrike">
+                <a:solidFill>
+                  <a:srgbClr val="000000"/>
+                </a:solidFill>
+                <a:latin typeface="Arial"/>
+                <a:ea typeface="Noto Sans CJK SC"/>
+              </a:rPr>
+              <a:t> </a:t>
+            </a:r>
+            <a:r>
+              <a:rPr b="0" lang="en-US" sz="3200" spc="-1" strike="noStrike">
+                <a:solidFill>
+                  <a:srgbClr val="000000"/>
+                </a:solidFill>
+                <a:latin typeface="Arial"/>
+                <a:ea typeface="Noto Sans CJK SC"/>
+              </a:rPr>
+              <a:t>where</a:t>
+            </a:r>
+            <a:r>
+              <a:rPr b="0" i="1" lang="en-US" sz="3200" spc="-1" strike="noStrike">
+                <a:solidFill>
+                  <a:srgbClr val="000000"/>
+                </a:solidFill>
+                <a:latin typeface="Arial"/>
+                <a:ea typeface="Noto Sans CJK SC"/>
+              </a:rPr>
+              <a:t> x</a:t>
+            </a:r>
+            <a:r>
+              <a:rPr b="0" lang="en-US" sz="3200" spc="-1" strike="noStrike">
+                <a:solidFill>
+                  <a:srgbClr val="000000"/>
+                </a:solidFill>
+                <a:latin typeface="Arial"/>
+                <a:ea typeface="Noto Sans CJK SC"/>
+              </a:rPr>
+              <a:t> is the number of bidirectional edges clockwise of the counter-clockwise path and counter-clockwise of the clockwise path.</a:t>
+            </a:r>
+            <a:endParaRPr b="0" lang="en-US" sz="3200" spc="-1" strike="noStrike">
+              <a:latin typeface="Arial"/>
+            </a:endParaRPr>
+          </a:p>
+        </p:txBody>
+      </p:sp>
+    </p:spTree>
+  </p:cSld>
+  <mc:AlternateContent>
+    <mc:Choice Requires="p14">
+      <p:transition spd="slow" p14:dur="2000"/>
+    </mc:Choice>
+    <mc:Fallback>
+      <p:transition spd="slow"/>
+    </mc:Fallback>
+  </mc:AlternateContent>
+</p:sld>
+</file>
+
+<file path=ppt/slides/slide22.xml><?xml version="1.0" encoding="utf-8"?>
+<p:sld xmlns:a="http://schemas.openxmlformats.org/drawingml/2006/main" xmlns:p="http://schemas.openxmlformats.org/presentationml/2006/main" xmlns:r="http://schemas.openxmlformats.org/officeDocument/2006/relationships" xmlns:p14="http://schemas.microsoft.com/office/powerpoint/2010/main" xmlns:p15="http://schemas.microsoft.com/office/powerpoint/2012/main" xmlns:mc="http://schemas.openxmlformats.org/markup-compatibility/2006">
+  <p:cSld>
+    <p:spTree>
+      <p:nvGrpSpPr>
+        <p:cNvPr id="1" name=""/>
+        <p:cNvGrpSpPr/>
+        <p:nvPr/>
+      </p:nvGrpSpPr>
+      <p:grpSpPr>
+        <a:xfrm>
+          <a:off x="0" y="0"/>
+          <a:ext cx="0" cy="0"/>
+          <a:chOff x="0" y="0"/>
+          <a:chExt cx="0" cy="0"/>
+        </a:xfrm>
+      </p:grpSpPr>
+      <p:sp>
+        <p:nvSpPr>
+          <p:cNvPr id="230" name="PlaceHolder 1"/>
+          <p:cNvSpPr>
+            <a:spLocks noGrp="1"/>
+          </p:cNvSpPr>
+          <p:nvPr>
+            <p:ph type="title"/>
+          </p:nvPr>
+        </p:nvSpPr>
+        <p:spPr>
+          <a:xfrm>
+            <a:off x="360000" y="225720"/>
+            <a:ext cx="9356040" cy="714960"/>
+          </a:xfrm>
+          <a:prstGeom prst="rect">
+            <a:avLst/>
+          </a:prstGeom>
+          <a:noFill/>
+          <a:ln w="0">
+            <a:noFill/>
+          </a:ln>
+        </p:spPr>
+        <p:txBody>
+          <a:bodyPr lIns="0" rIns="0" tIns="0" bIns="0" anchor="ctr">
+            <a:noAutofit/>
+          </a:bodyPr>
+          <a:p>
+            <a:pPr algn="ctr">
+              <a:lnSpc>
+                <a:spcPct val="100000"/>
+              </a:lnSpc>
+              <a:buNone/>
+            </a:pPr>
+            <a:r>
+              <a:rPr b="0" lang="en-US" sz="4400" spc="-1" strike="noStrike">
+                <a:solidFill>
+                  <a:srgbClr val="ffffff"/>
+                </a:solidFill>
+                <a:latin typeface="Arial"/>
+              </a:rPr>
               <a:t>Finding The Jacobian of a Cycle Graph</a:t>
             </a:r>
             <a:endParaRPr b="0" lang="en-US" sz="4400" spc="-1" strike="noStrike">
@@ -12903,7 +14513,7 @@
       </p:sp>
       <p:pic>
         <p:nvPicPr>
-          <p:cNvPr id="214" name="" descr=""/>
+          <p:cNvPr id="231" name="" descr=""/>
           <p:cNvPicPr/>
           <p:nvPr/>
         </p:nvPicPr>
@@ -12914,7 +14524,7 @@
         <p:spPr>
           <a:xfrm>
             <a:off x="2514600" y="2373120"/>
-            <a:ext cx="2931120" cy="2197800"/>
+            <a:ext cx="2930400" cy="2197080"/>
           </a:xfrm>
           <a:prstGeom prst="rect">
             <a:avLst/>
@@ -12926,7 +14536,7 @@
       </p:pic>
       <p:pic>
         <p:nvPicPr>
-          <p:cNvPr id="215" name="" descr=""/>
+          <p:cNvPr id="232" name="" descr=""/>
           <p:cNvPicPr/>
           <p:nvPr/>
         </p:nvPicPr>
@@ -12938,7 +14548,7 @@
         <p:spPr>
           <a:xfrm>
             <a:off x="209520" y="1290960"/>
-            <a:ext cx="2418120" cy="1927440"/>
+            <a:ext cx="2417400" cy="1926720"/>
           </a:xfrm>
           <a:prstGeom prst="rect">
             <a:avLst/>
@@ -12950,7 +14560,7 @@
       </p:pic>
       <p:pic>
         <p:nvPicPr>
-          <p:cNvPr id="216" name="" descr=""/>
+          <p:cNvPr id="233" name="" descr=""/>
           <p:cNvPicPr/>
           <p:nvPr/>
         </p:nvPicPr>
@@ -12962,7 +14572,7 @@
         <p:spPr>
           <a:xfrm>
             <a:off x="0" y="3200400"/>
-            <a:ext cx="2741760" cy="2056320"/>
+            <a:ext cx="2741040" cy="2055600"/>
           </a:xfrm>
           <a:prstGeom prst="rect">
             <a:avLst/>
@@ -12974,14 +14584,14 @@
       </p:pic>
       <p:sp>
         <p:nvSpPr>
-          <p:cNvPr id="217" name=""/>
+          <p:cNvPr id="234" name=""/>
           <p:cNvSpPr/>
           <p:nvPr/>
         </p:nvSpPr>
         <p:spPr>
           <a:xfrm rot="18160800">
-            <a:off x="219960" y="2125080"/>
-            <a:ext cx="1369080" cy="226080"/>
+            <a:off x="219600" y="2125080"/>
+            <a:ext cx="1368360" cy="225360"/>
           </a:xfrm>
           <a:custGeom>
             <a:avLst/>
@@ -13042,14 +14652,14 @@
       </p:sp>
       <p:sp>
         <p:nvSpPr>
-          <p:cNvPr id="218" name=""/>
+          <p:cNvPr id="235" name=""/>
           <p:cNvSpPr/>
           <p:nvPr/>
         </p:nvSpPr>
         <p:spPr>
           <a:xfrm rot="3178800">
-            <a:off x="1719720" y="1998360"/>
-            <a:ext cx="911880" cy="226080"/>
+            <a:off x="1719720" y="1998000"/>
+            <a:ext cx="911160" cy="225360"/>
           </a:xfrm>
           <a:custGeom>
             <a:avLst/>
@@ -13101,14 +14711,14 @@
       </p:sp>
       <p:sp>
         <p:nvSpPr>
-          <p:cNvPr id="219" name=""/>
+          <p:cNvPr id="236" name=""/>
           <p:cNvSpPr/>
           <p:nvPr/>
         </p:nvSpPr>
         <p:spPr>
           <a:xfrm>
             <a:off x="1143000" y="2973240"/>
-            <a:ext cx="911880" cy="226080"/>
+            <a:ext cx="911160" cy="225360"/>
           </a:xfrm>
           <a:custGeom>
             <a:avLst/>
@@ -13160,14 +14770,14 @@
       </p:sp>
       <p:sp>
         <p:nvSpPr>
-          <p:cNvPr id="220" name=""/>
+          <p:cNvPr id="237" name=""/>
           <p:cNvSpPr/>
           <p:nvPr/>
         </p:nvSpPr>
         <p:spPr>
           <a:xfrm rot="18160800">
-            <a:off x="219960" y="4049280"/>
-            <a:ext cx="1369080" cy="226080"/>
+            <a:off x="219600" y="4049280"/>
+            <a:ext cx="1368360" cy="225360"/>
           </a:xfrm>
           <a:custGeom>
             <a:avLst/>
@@ -13228,14 +14838,14 @@
       </p:sp>
       <p:sp>
         <p:nvSpPr>
-          <p:cNvPr id="221" name=""/>
+          <p:cNvPr id="238" name=""/>
           <p:cNvSpPr/>
           <p:nvPr/>
         </p:nvSpPr>
         <p:spPr>
           <a:xfrm rot="14195400">
-            <a:off x="1585440" y="4053240"/>
-            <a:ext cx="1369080" cy="226080"/>
+            <a:off x="1585080" y="4053960"/>
+            <a:ext cx="1368360" cy="225360"/>
           </a:xfrm>
           <a:custGeom>
             <a:avLst/>
@@ -13296,14 +14906,14 @@
       </p:sp>
       <p:sp>
         <p:nvSpPr>
-          <p:cNvPr id="222" name=""/>
+          <p:cNvPr id="239" name=""/>
           <p:cNvSpPr/>
           <p:nvPr/>
         </p:nvSpPr>
         <p:spPr>
           <a:xfrm rot="21568800">
-            <a:off x="831600" y="5020560"/>
-            <a:ext cx="1369080" cy="226080"/>
+            <a:off x="830880" y="5019840"/>
+            <a:ext cx="1368360" cy="225360"/>
           </a:xfrm>
           <a:custGeom>
             <a:avLst/>
@@ -13364,14 +14974,14 @@
       </p:sp>
       <p:sp>
         <p:nvSpPr>
-          <p:cNvPr id="223" name=""/>
+          <p:cNvPr id="240" name=""/>
           <p:cNvSpPr/>
           <p:nvPr/>
         </p:nvSpPr>
         <p:spPr>
           <a:xfrm>
             <a:off x="3657600" y="4116240"/>
-            <a:ext cx="911880" cy="226080"/>
+            <a:ext cx="911160" cy="225360"/>
           </a:xfrm>
           <a:custGeom>
             <a:avLst/>
@@ -13423,14 +15033,14 @@
       </p:sp>
       <p:sp>
         <p:nvSpPr>
-          <p:cNvPr id="224" name=""/>
+          <p:cNvPr id="241" name=""/>
           <p:cNvSpPr/>
           <p:nvPr/>
         </p:nvSpPr>
         <p:spPr>
           <a:xfrm rot="13918800">
-            <a:off x="4201560" y="3115080"/>
-            <a:ext cx="911880" cy="226080"/>
+            <a:off x="4201560" y="3115800"/>
+            <a:ext cx="911160" cy="225360"/>
           </a:xfrm>
           <a:custGeom>
             <a:avLst/>
@@ -13482,14 +15092,14 @@
       </p:sp>
       <p:sp>
         <p:nvSpPr>
-          <p:cNvPr id="225" name=""/>
+          <p:cNvPr id="242" name=""/>
           <p:cNvSpPr/>
           <p:nvPr/>
         </p:nvSpPr>
         <p:spPr>
           <a:xfrm rot="7579800">
-            <a:off x="2877840" y="3292920"/>
-            <a:ext cx="911880" cy="226080"/>
+            <a:off x="2878560" y="3292920"/>
+            <a:ext cx="911160" cy="225360"/>
           </a:xfrm>
           <a:custGeom>
             <a:avLst/>
@@ -13541,7 +15151,7 @@
       </p:sp>
       <p:pic>
         <p:nvPicPr>
-          <p:cNvPr id="226" name="" descr=""/>
+          <p:cNvPr id="243" name="" descr=""/>
           <p:cNvPicPr/>
           <p:nvPr/>
         </p:nvPicPr>
@@ -13552,7 +15162,7 @@
         <p:spPr>
           <a:xfrm>
             <a:off x="5181840" y="1600200"/>
-            <a:ext cx="4875480" cy="3656520"/>
+            <a:ext cx="4874760" cy="3655800"/>
           </a:xfrm>
           <a:prstGeom prst="rect">
             <a:avLst/>
@@ -13575,7 +15185,7 @@
 </p:sld>
 </file>
 
-<file path=ppt/slides/slide19.xml><?xml version="1.0" encoding="utf-8"?>
+<file path=ppt/slides/slide23.xml><?xml version="1.0" encoding="utf-8"?>
 <p:sld xmlns:a="http://schemas.openxmlformats.org/drawingml/2006/main" xmlns:p="http://schemas.openxmlformats.org/presentationml/2006/main" xmlns:r="http://schemas.openxmlformats.org/officeDocument/2006/relationships" xmlns:p14="http://schemas.microsoft.com/office/powerpoint/2010/main" xmlns:p15="http://schemas.microsoft.com/office/powerpoint/2012/main" xmlns:mc="http://schemas.openxmlformats.org/markup-compatibility/2006">
   <p:cSld>
     <p:spTree>
@@ -13594,7 +15204,7 @@
       </p:grpSpPr>
       <p:sp>
         <p:nvSpPr>
-          <p:cNvPr id="227" name="PlaceHolder 1"/>
+          <p:cNvPr id="244" name="PlaceHolder 1"/>
           <p:cNvSpPr>
             <a:spLocks noGrp="1"/>
           </p:cNvSpPr>
@@ -13605,7 +15215,7 @@
         <p:spPr>
           <a:xfrm>
             <a:off x="360000" y="-39960"/>
-            <a:ext cx="9356760" cy="1247400"/>
+            <a:ext cx="9356040" cy="1246680"/>
           </a:xfrm>
           <a:prstGeom prst="rect">
             <a:avLst/>
@@ -13643,7 +15253,7 @@
       </p:sp>
       <p:sp>
         <p:nvSpPr>
-          <p:cNvPr id="228" name="PlaceHolder 2"/>
+          <p:cNvPr id="245" name="PlaceHolder 2"/>
           <p:cNvSpPr>
             <a:spLocks noGrp="1"/>
           </p:cNvSpPr>
@@ -13654,7 +15264,7 @@
         <p:spPr>
           <a:xfrm>
             <a:off x="360000" y="1485000"/>
-            <a:ext cx="9356760" cy="3776760"/>
+            <a:ext cx="9356040" cy="3776040"/>
           </a:xfrm>
           <a:prstGeom prst="rect">
             <a:avLst/>
@@ -13691,7 +15301,7 @@
                 <a:latin typeface="Arial"/>
                 <a:ea typeface="Noto Sans CJK SC"/>
               </a:rPr>
-              <a:t>For wheel graphs, we looked for patterns that arose within the invariant factors of the Jacobian as a general formula was not immediately obvious.  For this strategy, we broke the edges of the wheel graph into their two most obvious groups, those belonging to the rim of the wheel and those of the spokes.  By orienting all the edges of either group the same way and trying all nine combinations, we noticed a well-defined pattern for each as the size of the wheel graph changed. These patterns fell into four distinct groups.</a:t>
+              <a:t>For wheel graphs, we looked for patterns that arose within the invariant factors of the Jacobian as a general formula was not immediately obvious.  For this strategy, we broke the edges of the wheel graph into their two most obvious groups, those belonging to the rim of the wheel and those of the spokes.  By orienting all the edges of either group the same way and trying all nine combinations, we noticed a well-defined pattern for each as the size of the wheel graph changed. These patterns fell into four distinct cases.</a:t>
             </a:r>
             <a:endParaRPr b="0" lang="en-US" sz="3200" spc="-1" strike="noStrike">
               <a:latin typeface="Arial"/>
@@ -13860,7 +15470,27 @@
                 <a:latin typeface="Arial"/>
                 <a:ea typeface="Noto Sans CJK SC"/>
               </a:rPr>
-              <a:t>.  In both of these patterns, φ represents the golden ratio.</a:t>
+              <a:t>.  In both of these patterns, φ represents the golden ratio </a:t>
+            </a:r>
+            <a:r>
+              <a:rPr b="0" i="1" lang="en-US" sz="2200" spc="-1" strike="noStrike">
+                <a:solidFill>
+                  <a:srgbClr val="000000"/>
+                </a:solidFill>
+                <a:latin typeface="Arial"/>
+                <a:ea typeface="Noto Sans CJK SC"/>
+              </a:rPr>
+              <a:t>(conj)</a:t>
+            </a:r>
+            <a:r>
+              <a:rPr b="0" lang="en-US" sz="3200" spc="-1" strike="noStrike">
+                <a:solidFill>
+                  <a:srgbClr val="000000"/>
+                </a:solidFill>
+                <a:latin typeface="Arial"/>
+                <a:ea typeface="Noto Sans CJK SC"/>
+              </a:rPr>
+              <a:t>.</a:t>
             </a:r>
             <a:endParaRPr b="0" lang="en-US" sz="3200" spc="-1" strike="noStrike">
               <a:latin typeface="Arial"/>
@@ -13979,7 +15609,7 @@
 </p:sld>
 </file>
 
-<file path=ppt/slides/slide2.xml><?xml version="1.0" encoding="utf-8"?>
+<file path=ppt/slides/slide24.xml><?xml version="1.0" encoding="utf-8"?>
 <p:sld xmlns:a="http://schemas.openxmlformats.org/drawingml/2006/main" xmlns:p="http://schemas.openxmlformats.org/presentationml/2006/main" xmlns:r="http://schemas.openxmlformats.org/officeDocument/2006/relationships" xmlns:p14="http://schemas.microsoft.com/office/powerpoint/2010/main" xmlns:p15="http://schemas.microsoft.com/office/powerpoint/2012/main" xmlns:mc="http://schemas.openxmlformats.org/markup-compatibility/2006">
   <p:cSld>
     <p:spTree>
@@ -13998,7 +15628,7 @@
       </p:grpSpPr>
       <p:sp>
         <p:nvSpPr>
-          <p:cNvPr id="177" name="PlaceHolder 1"/>
+          <p:cNvPr id="246" name="PlaceHolder 1"/>
           <p:cNvSpPr>
             <a:spLocks noGrp="1"/>
           </p:cNvSpPr>
@@ -14008,8 +15638,8 @@
         </p:nvSpPr>
         <p:spPr>
           <a:xfrm>
-            <a:off x="360000" y="225720"/>
-            <a:ext cx="9356760" cy="715680"/>
+            <a:off x="360000" y="-39960"/>
+            <a:ext cx="9356040" cy="1246680"/>
           </a:xfrm>
           <a:prstGeom prst="rect">
             <a:avLst/>
@@ -14037,7 +15667,7 @@
                 </a:solidFill>
                 <a:latin typeface="Arial"/>
               </a:rPr>
-              <a:t>Introduction</a:t>
+              <a:t>Connections Between Wheel and Cycle Graphs</a:t>
             </a:r>
             <a:endParaRPr b="0" lang="en-US" sz="4400" spc="-1" strike="noStrike">
               <a:latin typeface="Arial"/>
@@ -14047,7 +15677,7 @@
       </p:sp>
       <p:sp>
         <p:nvSpPr>
-          <p:cNvPr id="178" name="PlaceHolder 2"/>
+          <p:cNvPr id="247" name="PlaceHolder 2"/>
           <p:cNvSpPr>
             <a:spLocks noGrp="1"/>
           </p:cNvSpPr>
@@ -14058,7 +15688,7 @@
         <p:spPr>
           <a:xfrm>
             <a:off x="360000" y="1485000"/>
-            <a:ext cx="9356760" cy="3776760"/>
+            <a:ext cx="9356040" cy="3776040"/>
           </a:xfrm>
           <a:prstGeom prst="rect">
             <a:avLst/>
@@ -14070,10 +15700,13 @@
         </p:spPr>
         <p:txBody>
           <a:bodyPr lIns="0" rIns="0" tIns="0" bIns="0" anchor="t">
-            <a:normAutofit fontScale="63000"/>
+            <a:normAutofit fontScale="62000"/>
           </a:bodyPr>
           <a:p>
             <a:pPr marL="432000" indent="-324000">
+              <a:lnSpc>
+                <a:spcPct val="100000"/>
+              </a:lnSpc>
               <a:spcBef>
                 <a:spcPts val="1417"/>
               </a:spcBef>
@@ -14086,9 +15719,33 @@
             </a:pPr>
             <a:r>
               <a:rPr b="0" lang="en-US" sz="3200" spc="-1" strike="noStrike">
-                <a:latin typeface="Arial"/>
-              </a:rPr>
-              <a:t>A chip firing game is a one player game played on a graph where integer amounts of chips are fired between vertices along their adjacent edges.</a:t>
+                <a:solidFill>
+                  <a:srgbClr val="000000"/>
+                </a:solidFill>
+                <a:latin typeface="Arial"/>
+                <a:ea typeface="Noto Sans CJK SC"/>
+              </a:rPr>
+              <a:t>During our experiments with wheel graphs whose spokes pointed outward, their Picard groups behave similarly to the cycle graph one size smaller, as if the central vertex was not there at all.  This was true for any arbitrary orientation of the rim </a:t>
+            </a:r>
+            <a:r>
+              <a:rPr b="0" i="1" lang="en-US" sz="2200" spc="-1" strike="noStrike">
+                <a:solidFill>
+                  <a:srgbClr val="000000"/>
+                </a:solidFill>
+                <a:latin typeface="Arial"/>
+                <a:ea typeface="Noto Sans CJK SC"/>
+              </a:rPr>
+              <a:t>(thrm)</a:t>
+            </a:r>
+            <a:r>
+              <a:rPr b="0" lang="en-US" sz="3200" spc="-1" strike="noStrike">
+                <a:solidFill>
+                  <a:srgbClr val="000000"/>
+                </a:solidFill>
+                <a:latin typeface="Arial"/>
+                <a:ea typeface="Noto Sans CJK SC"/>
+              </a:rPr>
+              <a:t>.</a:t>
             </a:r>
             <a:endParaRPr b="0" lang="en-US" sz="3200" spc="-1" strike="noStrike">
               <a:latin typeface="Arial"/>
@@ -14096,6 +15753,9 @@
           </a:p>
           <a:p>
             <a:pPr marL="432000" indent="-324000">
+              <a:lnSpc>
+                <a:spcPct val="100000"/>
+              </a:lnSpc>
               <a:spcBef>
                 <a:spcPts val="1417"/>
               </a:spcBef>
@@ -14108,9 +15768,13 @@
             </a:pPr>
             <a:r>
               <a:rPr b="0" lang="en-US" sz="3200" spc="-1" strike="noStrike">
-                <a:latin typeface="Arial"/>
-              </a:rPr>
-              <a:t>Since its origin in 1983, it has since become an important tool in structural combinatorics and other areas of mathematics. For instance, from a perspective motivated by algebraic geometry,  one may view finite graphs as a discrete model for Riemann surfaces.</a:t>
+                <a:solidFill>
+                  <a:srgbClr val="000000"/>
+                </a:solidFill>
+                <a:latin typeface="Arial"/>
+                <a:ea typeface="Noto Sans CJK SC"/>
+              </a:rPr>
+              <a:t>This is due to the fact that chips are only fired along outgoing edges.  If all of the spokes point outward, the vertices on the rim cannot interact with the axle, functioning similarly to a cycle graph.</a:t>
             </a:r>
             <a:endParaRPr b="0" lang="en-US" sz="3200" spc="-1" strike="noStrike">
               <a:latin typeface="Arial"/>
@@ -14118,6 +15782,9 @@
           </a:p>
           <a:p>
             <a:pPr marL="432000" indent="-324000">
+              <a:lnSpc>
+                <a:spcPct val="100000"/>
+              </a:lnSpc>
               <a:spcBef>
                 <a:spcPts val="1417"/>
               </a:spcBef>
@@ -14130,31 +15797,181 @@
             </a:pPr>
             <a:r>
               <a:rPr b="0" lang="en-US" sz="3200" spc="-1" strike="noStrike">
-                <a:latin typeface="Arial"/>
-              </a:rPr>
-              <a:t>The main area of study of this game is on the undirected variant.  However, this game can also be played on directed graphs.</a:t>
+                <a:solidFill>
+                  <a:srgbClr val="000000"/>
+                </a:solidFill>
+                <a:latin typeface="Arial"/>
+                <a:ea typeface="Noto Sans CJK SC"/>
+              </a:rPr>
+              <a:t>These relations are also split into several cases, for example:</a:t>
             </a:r>
             <a:endParaRPr b="0" lang="en-US" sz="3200" spc="-1" strike="noStrike">
               <a:latin typeface="Arial"/>
             </a:endParaRPr>
           </a:p>
           <a:p>
-            <a:pPr marL="432000" indent="-324000">
+            <a:pPr lvl="1" marL="864000" indent="-324000">
+              <a:lnSpc>
+                <a:spcPct val="100000"/>
+              </a:lnSpc>
               <a:spcBef>
-                <a:spcPts val="1417"/>
+                <a:spcPts val="1134"/>
               </a:spcBef>
               <a:buClr>
                 <a:srgbClr val="000000"/>
               </a:buClr>
-              <a:buSzPct val="45000"/>
-              <a:buFont typeface="Wingdings" charset="2"/>
-              <a:buChar char=""/>
+              <a:buSzPct val="75000"/>
+              <a:buFont typeface="Symbol"/>
+              <a:buChar char=""/>
             </a:pPr>
             <a:r>
               <a:rPr b="0" lang="en-US" sz="3200" spc="-1" strike="noStrike">
-                <a:latin typeface="Arial"/>
-              </a:rPr>
-              <a:t>Since this area has been comparatively less researched, we hope to change that through the patterns and techniques we have developed in our investigation.</a:t>
+                <a:solidFill>
+                  <a:srgbClr val="000000"/>
+                </a:solidFill>
+                <a:latin typeface="Arial"/>
+                <a:ea typeface="Noto Sans CJK SC"/>
+              </a:rPr>
+              <a:t>For even wheel graphs, arbitrary Picard groups of Wheel</a:t>
+            </a:r>
+            <a:r>
+              <a:rPr b="0" i="1" lang="en-US" sz="3200" spc="-1" strike="noStrike" baseline="-8000">
+                <a:solidFill>
+                  <a:srgbClr val="000000"/>
+                </a:solidFill>
+                <a:latin typeface="Arial"/>
+                <a:ea typeface="Noto Sans CJK SC"/>
+              </a:rPr>
+              <a:t>n</a:t>
+            </a:r>
+            <a:r>
+              <a:rPr b="0" lang="en-US" sz="3200" spc="-1" strike="noStrike">
+                <a:solidFill>
+                  <a:srgbClr val="000000"/>
+                </a:solidFill>
+                <a:latin typeface="Arial"/>
+                <a:ea typeface="Noto Sans CJK SC"/>
+              </a:rPr>
+              <a:t> appear to be </a:t>
+            </a:r>
+            <a:endParaRPr b="0" lang="en-US" sz="3200" spc="-1" strike="noStrike">
+              <a:latin typeface="Arial"/>
+            </a:endParaRPr>
+          </a:p>
+          <a:p>
+            <a:pPr lvl="1" marL="864000" indent="-324000">
+              <a:lnSpc>
+                <a:spcPct val="100000"/>
+              </a:lnSpc>
+              <a:spcBef>
+                <a:spcPts val="1134"/>
+              </a:spcBef>
+              <a:buClr>
+                <a:srgbClr val="000000"/>
+              </a:buClr>
+              <a:buSzPct val="75000"/>
+              <a:buFont typeface="Symbol"/>
+              <a:buChar char=""/>
+            </a:pPr>
+            <a:r>
+              <a:rPr b="0" i="1" lang="en-US" sz="3200" spc="-1" strike="noStrike">
+                <a:solidFill>
+                  <a:srgbClr val="000000"/>
+                </a:solidFill>
+                <a:latin typeface="Arial"/>
+                <a:ea typeface="Noto Sans CJK SC"/>
+              </a:rPr>
+              <a:t>ℤ</a:t>
+            </a:r>
+            <a:r>
+              <a:rPr b="0" i="1" lang="en-US" sz="3200" spc="-1" strike="noStrike" baseline="-8000">
+                <a:solidFill>
+                  <a:srgbClr val="000000"/>
+                </a:solidFill>
+                <a:latin typeface="Arial"/>
+                <a:ea typeface="Noto Sans CJK SC"/>
+              </a:rPr>
+              <a:t>(n-1)*a</a:t>
+            </a:r>
+            <a:r>
+              <a:rPr b="0" i="1" lang="en-US" sz="3200" spc="-1" strike="noStrike">
+                <a:solidFill>
+                  <a:srgbClr val="000000"/>
+                </a:solidFill>
+                <a:latin typeface="Arial"/>
+                <a:ea typeface="Noto Sans CJK SC"/>
+              </a:rPr>
+              <a:t> x ℤ</a:t>
+            </a:r>
+            <a:r>
+              <a:rPr b="0" lang="en-US" sz="3200" spc="-1" strike="noStrike">
+                <a:solidFill>
+                  <a:srgbClr val="000000"/>
+                </a:solidFill>
+                <a:latin typeface="Arial"/>
+                <a:ea typeface="Noto Sans CJK SC"/>
+              </a:rPr>
+              <a:t> where a is in the Picard group of Cycle</a:t>
+            </a:r>
+            <a:r>
+              <a:rPr b="0" lang="en-US" sz="3200" spc="-1" strike="noStrike" baseline="-8000">
+                <a:solidFill>
+                  <a:srgbClr val="000000"/>
+                </a:solidFill>
+                <a:latin typeface="Arial"/>
+                <a:ea typeface="Noto Sans CJK SC"/>
+              </a:rPr>
+              <a:t>(</a:t>
+            </a:r>
+            <a:r>
+              <a:rPr b="0" i="1" lang="en-US" sz="3200" spc="-1" strike="noStrike" baseline="-8000">
+                <a:solidFill>
+                  <a:srgbClr val="000000"/>
+                </a:solidFill>
+                <a:latin typeface="Arial"/>
+                <a:ea typeface="Noto Sans CJK SC"/>
+              </a:rPr>
+              <a:t>n-1)</a:t>
+            </a:r>
+            <a:r>
+              <a:rPr b="0" i="1" lang="en-US" sz="3200" spc="-1" strike="noStrike">
+                <a:solidFill>
+                  <a:srgbClr val="000000"/>
+                </a:solidFill>
+                <a:latin typeface="Arial"/>
+                <a:ea typeface="Noto Sans CJK SC"/>
+              </a:rPr>
+              <a:t> ℤ</a:t>
+            </a:r>
+            <a:r>
+              <a:rPr b="0" i="1" lang="en-US" sz="3200" spc="-1" strike="noStrike" baseline="-8000">
+                <a:solidFill>
+                  <a:srgbClr val="000000"/>
+                </a:solidFill>
+                <a:latin typeface="Arial"/>
+                <a:ea typeface="Noto Sans CJK SC"/>
+              </a:rPr>
+              <a:t>a</a:t>
+            </a:r>
+            <a:r>
+              <a:rPr b="0" i="1" lang="en-US" sz="3200" spc="-1" strike="noStrike">
+                <a:solidFill>
+                  <a:srgbClr val="000000"/>
+                </a:solidFill>
+                <a:latin typeface="Arial"/>
+                <a:ea typeface="Noto Sans CJK SC"/>
+              </a:rPr>
+              <a:t> x ℤ </a:t>
+            </a:r>
+            <a:r>
+              <a:rPr b="0" lang="en-US" sz="3200" spc="-1" strike="noStrike">
+                <a:solidFill>
+                  <a:srgbClr val="000000"/>
+                </a:solidFill>
+                <a:latin typeface="Arial"/>
+                <a:ea typeface="Noto Sans CJK SC"/>
+              </a:rPr>
+              <a:t>when all spokes point outward.</a:t>
             </a:r>
             <a:endParaRPr b="0" lang="en-US" sz="3200" spc="-1" strike="noStrike">
               <a:latin typeface="Arial"/>
@@ -14175,7 +15992,7 @@
 </p:sld>
 </file>
 
-<file path=ppt/slides/slide20.xml><?xml version="1.0" encoding="utf-8"?>
+<file path=ppt/slides/slide25.xml><?xml version="1.0" encoding="utf-8"?>
 <p:sld xmlns:a="http://schemas.openxmlformats.org/drawingml/2006/main" xmlns:p="http://schemas.openxmlformats.org/presentationml/2006/main" xmlns:r="http://schemas.openxmlformats.org/officeDocument/2006/relationships" xmlns:p14="http://schemas.microsoft.com/office/powerpoint/2010/main" xmlns:p15="http://schemas.microsoft.com/office/powerpoint/2012/main" xmlns:mc="http://schemas.openxmlformats.org/markup-compatibility/2006">
   <p:cSld>
     <p:spTree>
@@ -14194,7 +16011,7 @@
       </p:grpSpPr>
       <p:sp>
         <p:nvSpPr>
-          <p:cNvPr id="229" name="PlaceHolder 1"/>
+          <p:cNvPr id="248" name="PlaceHolder 1"/>
           <p:cNvSpPr>
             <a:spLocks noGrp="1"/>
           </p:cNvSpPr>
@@ -14205,7 +16022,7 @@
         <p:spPr>
           <a:xfrm>
             <a:off x="360000" y="-39960"/>
-            <a:ext cx="9356760" cy="1247400"/>
+            <a:ext cx="9356040" cy="1246680"/>
           </a:xfrm>
           <a:prstGeom prst="rect">
             <a:avLst/>
@@ -14241,250 +16058,327 @@
           </a:p>
         </p:txBody>
       </p:sp>
-      <p:sp>
-        <p:nvSpPr>
-          <p:cNvPr id="230" name="PlaceHolder 2"/>
-          <p:cNvSpPr>
-            <a:spLocks noGrp="1"/>
-          </p:cNvSpPr>
-          <p:nvPr>
-            <p:ph/>
-          </p:nvPr>
-        </p:nvSpPr>
-        <p:spPr>
-          <a:xfrm>
-            <a:off x="360000" y="1485000"/>
-            <a:ext cx="9356760" cy="3776760"/>
-          </a:xfrm>
-          <a:prstGeom prst="rect">
-            <a:avLst/>
-          </a:prstGeom>
-          <a:noFill/>
-          <a:ln w="0">
-            <a:noFill/>
-          </a:ln>
-        </p:spPr>
-        <p:txBody>
-          <a:bodyPr lIns="0" rIns="0" tIns="0" bIns="0" anchor="t">
-            <a:normAutofit fontScale="64000"/>
-          </a:bodyPr>
-          <a:p>
-            <a:pPr marL="432000" indent="-324000">
+      <p:pic>
+        <p:nvPicPr>
+          <p:cNvPr id="249" name="" descr=""/>
+          <p:cNvPicPr/>
+          <p:nvPr/>
+        </p:nvPicPr>
+        <p:blipFill>
+          <a:blip r:embed="rId1"/>
+          <a:stretch/>
+        </p:blipFill>
+        <p:spPr>
+          <a:xfrm>
+            <a:off x="1143000" y="2196720"/>
+            <a:ext cx="3776400" cy="2832120"/>
+          </a:xfrm>
+          <a:prstGeom prst="rect">
+            <a:avLst/>
+          </a:prstGeom>
+          <a:ln w="0">
+            <a:noFill/>
+          </a:ln>
+        </p:spPr>
+      </p:pic>
+      <p:pic>
+        <p:nvPicPr>
+          <p:cNvPr id="250" name="" descr=""/>
+          <p:cNvPicPr/>
+          <p:nvPr/>
+        </p:nvPicPr>
+        <p:blipFill>
+          <a:blip r:embed="rId2"/>
+          <a:stretch/>
+        </p:blipFill>
+        <p:spPr>
+          <a:xfrm>
+            <a:off x="4910040" y="2196720"/>
+            <a:ext cx="3776400" cy="2832120"/>
+          </a:xfrm>
+          <a:prstGeom prst="rect">
+            <a:avLst/>
+          </a:prstGeom>
+          <a:ln w="0">
+            <a:noFill/>
+          </a:ln>
+        </p:spPr>
+      </p:pic>
+      <p:sp>
+        <p:nvSpPr>
+          <p:cNvPr id="251" name=""/>
+          <p:cNvSpPr/>
+          <p:nvPr/>
+        </p:nvSpPr>
+        <p:spPr>
+          <a:xfrm>
+            <a:off x="1600200" y="1828800"/>
+            <a:ext cx="6629040" cy="345960"/>
+          </a:xfrm>
+          <a:prstGeom prst="rect">
+            <a:avLst/>
+          </a:prstGeom>
+          <a:noFill/>
+          <a:ln w="0">
+            <a:noFill/>
+          </a:ln>
+        </p:spPr>
+        <p:style>
+          <a:lnRef idx="0"/>
+          <a:fillRef idx="0"/>
+          <a:effectRef idx="0"/>
+          <a:fontRef idx="minor"/>
+        </p:style>
+        <p:txBody>
+          <a:bodyPr lIns="90000" rIns="90000" tIns="45000" bIns="45000" anchor="t">
+            <a:noAutofit/>
+          </a:bodyPr>
+          <a:p>
+            <a:pPr algn="ctr">
               <a:lnSpc>
                 <a:spcPct val="100000"/>
               </a:lnSpc>
-              <a:spcBef>
-                <a:spcPts val="1417"/>
-              </a:spcBef>
-              <a:buClr>
-                <a:srgbClr val="000000"/>
-              </a:buClr>
-              <a:buSzPct val="45000"/>
-              <a:buFont typeface="Wingdings" charset="2"/>
-              <a:buChar char=""/>
-            </a:pPr>
-            <a:r>
-              <a:rPr b="0" lang="en-US" sz="3200" spc="-1" strike="noStrike">
-                <a:solidFill>
-                  <a:srgbClr val="000000"/>
-                </a:solidFill>
-                <a:latin typeface="Arial"/>
-                <a:ea typeface="Noto Sans CJK SC"/>
-              </a:rPr>
-              <a:t>During our experiments with wheel graphs whose spokes pointed outward, their Picard groups behave similarly to the cycle graph one size smaller, as if the central vertex was not there at all.  This was true for any arbitrary orientation of the rim that we tried.</a:t>
-            </a:r>
-            <a:endParaRPr b="0" lang="en-US" sz="3200" spc="-1" strike="noStrike">
-              <a:latin typeface="Arial"/>
-            </a:endParaRPr>
-          </a:p>
-          <a:p>
-            <a:pPr marL="432000" indent="-324000">
-              <a:lnSpc>
-                <a:spcPct val="100000"/>
-              </a:lnSpc>
-              <a:spcBef>
-                <a:spcPts val="1417"/>
-              </a:spcBef>
-              <a:buClr>
-                <a:srgbClr val="000000"/>
-              </a:buClr>
-              <a:buSzPct val="45000"/>
-              <a:buFont typeface="Wingdings" charset="2"/>
-              <a:buChar char=""/>
-            </a:pPr>
-            <a:r>
-              <a:rPr b="0" lang="en-US" sz="3200" spc="-1" strike="noStrike">
-                <a:solidFill>
-                  <a:srgbClr val="000000"/>
-                </a:solidFill>
-                <a:latin typeface="Arial"/>
-                <a:ea typeface="Noto Sans CJK SC"/>
-              </a:rPr>
-              <a:t>This is due to the fact that chips are only fired along outgoing edges.  If all of the spokes point outward, the vertices on the rim cannot interact with the axle, functioning similarly to a cycle graph.</a:t>
-            </a:r>
-            <a:endParaRPr b="0" lang="en-US" sz="3200" spc="-1" strike="noStrike">
-              <a:latin typeface="Arial"/>
-            </a:endParaRPr>
-          </a:p>
-          <a:p>
-            <a:pPr marL="432000" indent="-324000">
-              <a:lnSpc>
-                <a:spcPct val="100000"/>
-              </a:lnSpc>
-              <a:spcBef>
-                <a:spcPts val="1417"/>
-              </a:spcBef>
-              <a:buClr>
-                <a:srgbClr val="000000"/>
-              </a:buClr>
-              <a:buSzPct val="45000"/>
-              <a:buFont typeface="Wingdings" charset="2"/>
-              <a:buChar char=""/>
-            </a:pPr>
-            <a:r>
-              <a:rPr b="0" lang="en-US" sz="3200" spc="-1" strike="noStrike">
-                <a:solidFill>
-                  <a:srgbClr val="000000"/>
-                </a:solidFill>
-                <a:latin typeface="Arial"/>
-                <a:ea typeface="Noto Sans CJK SC"/>
-              </a:rPr>
-              <a:t>These relations are also split into several cases, for example:</a:t>
-            </a:r>
-            <a:endParaRPr b="0" lang="en-US" sz="3200" spc="-1" strike="noStrike">
-              <a:latin typeface="Arial"/>
-            </a:endParaRPr>
-          </a:p>
-          <a:p>
-            <a:pPr lvl="1" marL="864000" indent="-324000">
-              <a:lnSpc>
-                <a:spcPct val="100000"/>
-              </a:lnSpc>
-              <a:spcBef>
-                <a:spcPts val="1134"/>
-              </a:spcBef>
-              <a:buClr>
-                <a:srgbClr val="000000"/>
-              </a:buClr>
-              <a:buSzPct val="75000"/>
-              <a:buFont typeface="Symbol"/>
-              <a:buChar char=""/>
-            </a:pPr>
-            <a:r>
-              <a:rPr b="0" lang="en-US" sz="3200" spc="-1" strike="noStrike">
-                <a:solidFill>
-                  <a:srgbClr val="000000"/>
-                </a:solidFill>
-                <a:latin typeface="Arial"/>
-                <a:ea typeface="Noto Sans CJK SC"/>
-              </a:rPr>
-              <a:t>For even wheel graphs, arbitrary Picard groups of wheel graphs of size </a:t>
-            </a:r>
-            <a:r>
-              <a:rPr b="0" i="1" lang="en-US" sz="3200" spc="-1" strike="noStrike">
-                <a:solidFill>
-                  <a:srgbClr val="000000"/>
-                </a:solidFill>
-                <a:latin typeface="Arial"/>
-                <a:ea typeface="Noto Sans CJK SC"/>
-              </a:rPr>
-              <a:t>n</a:t>
-            </a:r>
-            <a:r>
-              <a:rPr b="0" lang="en-US" sz="3200" spc="-1" strike="noStrike">
-                <a:solidFill>
-                  <a:srgbClr val="000000"/>
-                </a:solidFill>
-                <a:latin typeface="Arial"/>
-                <a:ea typeface="Noto Sans CJK SC"/>
-              </a:rPr>
-              <a:t> appear to be </a:t>
-            </a:r>
-            <a:r>
-              <a:rPr b="0" i="1" lang="en-US" sz="3200" spc="-1" strike="noStrike">
-                <a:solidFill>
-                  <a:srgbClr val="000000"/>
-                </a:solidFill>
-                <a:latin typeface="Arial"/>
-                <a:ea typeface="Noto Sans CJK SC"/>
-              </a:rPr>
-              <a:t>ℤ</a:t>
-            </a:r>
-            <a:r>
-              <a:rPr b="0" i="1" lang="en-US" sz="3200" spc="-1" strike="noStrike" baseline="-8000">
-                <a:solidFill>
-                  <a:srgbClr val="000000"/>
-                </a:solidFill>
-                <a:latin typeface="Arial"/>
-                <a:ea typeface="Noto Sans CJK SC"/>
-              </a:rPr>
-              <a:t>(n-1)*a</a:t>
-            </a:r>
-            <a:r>
-              <a:rPr b="0" i="1" lang="en-US" sz="3200" spc="-1" strike="noStrike">
-                <a:solidFill>
-                  <a:srgbClr val="000000"/>
-                </a:solidFill>
-                <a:latin typeface="Arial"/>
-                <a:ea typeface="Noto Sans CJK SC"/>
+              <a:buNone/>
+            </a:pPr>
+            <a:r>
+              <a:rPr b="0" lang="en-US" sz="1800" spc="-1" strike="noStrike">
+                <a:latin typeface="Arial"/>
+              </a:rPr>
+              <a:t>Pic(C</a:t>
+            </a:r>
+            <a:r>
+              <a:rPr b="0" lang="en-US" sz="1800" spc="-1" strike="noStrike" baseline="-8000">
+                <a:latin typeface="Arial"/>
+              </a:rPr>
+              <a:t>7</a:t>
+            </a:r>
+            <a:r>
+              <a:rPr b="0" lang="en-US" sz="1800" spc="-1" strike="noStrike">
+                <a:latin typeface="Arial"/>
+              </a:rPr>
+              <a:t>) = ℤ</a:t>
+            </a:r>
+            <a:r>
+              <a:rPr b="0" lang="en-US" sz="1800" spc="-1" strike="noStrike" baseline="-8000">
+                <a:latin typeface="Arial"/>
+              </a:rPr>
+              <a:t>5</a:t>
+            </a:r>
+            <a:r>
+              <a:rPr b="0" lang="en-US" sz="1800" spc="-1" strike="noStrike">
+                <a:latin typeface="Arial"/>
+              </a:rPr>
+              <a:t> x ℤ                               Pic(W</a:t>
+            </a:r>
+            <a:r>
+              <a:rPr b="0" lang="en-US" sz="1800" spc="-1" strike="noStrike" baseline="-8000">
+                <a:latin typeface="Arial"/>
+              </a:rPr>
+              <a:t>8</a:t>
+            </a:r>
+            <a:r>
+              <a:rPr b="0" lang="en-US" sz="1800" spc="-1" strike="noStrike">
+                <a:latin typeface="Arial"/>
+              </a:rPr>
+              <a:t>) = ℤ</a:t>
+            </a:r>
+            <a:r>
+              <a:rPr b="0" lang="en-US" sz="1800" spc="-1" strike="noStrike" baseline="-8000">
+                <a:latin typeface="Arial"/>
+              </a:rPr>
+              <a:t>35</a:t>
+            </a:r>
+            <a:r>
+              <a:rPr b="0" lang="en-US" sz="1800" spc="-1" strike="noStrike">
+                <a:latin typeface="Arial"/>
               </a:rPr>
               <a:t> x ℤ</a:t>
             </a:r>
-            <a:r>
-              <a:rPr b="0" lang="en-US" sz="3200" spc="-1" strike="noStrike">
-                <a:solidFill>
-                  <a:srgbClr val="000000"/>
-                </a:solidFill>
-                <a:latin typeface="Arial"/>
-                <a:ea typeface="Noto Sans CJK SC"/>
-              </a:rPr>
-              <a:t> where a is in the Picard group of cycle graph </a:t>
-            </a:r>
-            <a:r>
-              <a:rPr b="0" i="1" lang="en-US" sz="3200" spc="-1" strike="noStrike">
-                <a:solidFill>
-                  <a:srgbClr val="000000"/>
-                </a:solidFill>
-                <a:latin typeface="Arial"/>
-                <a:ea typeface="Noto Sans CJK SC"/>
-              </a:rPr>
-              <a:t>n-1 ℤ</a:t>
-            </a:r>
-            <a:r>
-              <a:rPr b="0" i="1" lang="en-US" sz="3200" spc="-1" strike="noStrike" baseline="-8000">
-                <a:solidFill>
-                  <a:srgbClr val="000000"/>
-                </a:solidFill>
-                <a:latin typeface="Arial"/>
-                <a:ea typeface="Noto Sans CJK SC"/>
-              </a:rPr>
-              <a:t>a</a:t>
-            </a:r>
-            <a:r>
-              <a:rPr b="0" i="1" lang="en-US" sz="3200" spc="-1" strike="noStrike">
-                <a:solidFill>
-                  <a:srgbClr val="000000"/>
-                </a:solidFill>
-                <a:latin typeface="Arial"/>
-                <a:ea typeface="Noto Sans CJK SC"/>
-              </a:rPr>
-              <a:t> x ℤ </a:t>
-            </a:r>
-            <a:r>
-              <a:rPr b="0" lang="en-US" sz="3200" spc="-1" strike="noStrike">
-                <a:solidFill>
-                  <a:srgbClr val="000000"/>
-                </a:solidFill>
-                <a:latin typeface="Arial"/>
-                <a:ea typeface="Noto Sans CJK SC"/>
-              </a:rPr>
-              <a:t>when all spokes point outward.</a:t>
-            </a:r>
-            <a:endParaRPr b="0" lang="en-US" sz="3200" spc="-1" strike="noStrike">
-              <a:latin typeface="Arial"/>
-            </a:endParaRPr>
-          </a:p>
-        </p:txBody>
+            <a:endParaRPr b="0" lang="en-US" sz="1800" spc="-1" strike="noStrike">
+              <a:latin typeface="Arial"/>
+            </a:endParaRPr>
+          </a:p>
+        </p:txBody>
+      </p:sp>
+      <p:sp>
+        <p:nvSpPr>
+          <p:cNvPr id="252" name=""/>
+          <p:cNvSpPr/>
+          <p:nvPr/>
+        </p:nvSpPr>
+        <p:spPr>
+          <a:xfrm flipV="1">
+            <a:off x="1969560" y="3017520"/>
+            <a:ext cx="500040" cy="520200"/>
+          </a:xfrm>
+          <a:prstGeom prst="line">
+            <a:avLst/>
+          </a:prstGeom>
+          <a:ln w="57240">
+            <a:solidFill>
+              <a:srgbClr val="729fcf"/>
+            </a:solidFill>
+            <a:round/>
+            <a:headEnd len="med" type="triangle" w="med"/>
+            <a:tailEnd len="med" type="triangle" w="med"/>
+          </a:ln>
+        </p:spPr>
+        <p:style>
+          <a:lnRef idx="0"/>
+          <a:fillRef idx="0"/>
+          <a:effectRef idx="0"/>
+          <a:fontRef idx="minor"/>
+        </p:style>
+      </p:sp>
+      <p:sp>
+        <p:nvSpPr>
+          <p:cNvPr id="253" name=""/>
+          <p:cNvSpPr/>
+          <p:nvPr/>
+        </p:nvSpPr>
+        <p:spPr>
+          <a:xfrm>
+            <a:off x="7471440" y="2754720"/>
+            <a:ext cx="484200" cy="182880"/>
+          </a:xfrm>
+          <a:prstGeom prst="line">
+            <a:avLst/>
+          </a:prstGeom>
+          <a:ln w="57240">
+            <a:solidFill>
+              <a:srgbClr val="729fcf"/>
+            </a:solidFill>
+            <a:round/>
+            <a:headEnd len="med" type="triangle" w="med"/>
+            <a:tailEnd len="med" type="triangle" w="med"/>
+          </a:ln>
+        </p:spPr>
+        <p:style>
+          <a:lnRef idx="0"/>
+          <a:fillRef idx="0"/>
+          <a:effectRef idx="0"/>
+          <a:fontRef idx="minor"/>
+        </p:style>
+      </p:sp>
+      <p:sp>
+        <p:nvSpPr>
+          <p:cNvPr id="254" name=""/>
+          <p:cNvSpPr/>
+          <p:nvPr/>
+        </p:nvSpPr>
+        <p:spPr>
+          <a:xfrm flipV="1">
+            <a:off x="6450480" y="2758680"/>
+            <a:ext cx="784800" cy="182880"/>
+          </a:xfrm>
+          <a:prstGeom prst="line">
+            <a:avLst/>
+          </a:prstGeom>
+          <a:ln w="57240">
+            <a:solidFill>
+              <a:srgbClr val="729fcf"/>
+            </a:solidFill>
+            <a:round/>
+            <a:headEnd len="med" type="triangle" w="med"/>
+            <a:tailEnd len="med" type="triangle" w="med"/>
+          </a:ln>
+        </p:spPr>
+        <p:style>
+          <a:lnRef idx="0"/>
+          <a:fillRef idx="0"/>
+          <a:effectRef idx="0"/>
+          <a:fontRef idx="minor"/>
+        </p:style>
+      </p:sp>
+      <p:sp>
+        <p:nvSpPr>
+          <p:cNvPr id="255" name=""/>
+          <p:cNvSpPr/>
+          <p:nvPr/>
+        </p:nvSpPr>
+        <p:spPr>
+          <a:xfrm flipV="1">
+            <a:off x="5715000" y="3017520"/>
+            <a:ext cx="510840" cy="182880"/>
+          </a:xfrm>
+          <a:prstGeom prst="line">
+            <a:avLst/>
+          </a:prstGeom>
+          <a:ln w="57240">
+            <a:solidFill>
+              <a:srgbClr val="729fcf"/>
+            </a:solidFill>
+            <a:round/>
+            <a:headEnd len="med" type="triangle" w="med"/>
+            <a:tailEnd len="med" type="triangle" w="med"/>
+          </a:ln>
+        </p:spPr>
+        <p:style>
+          <a:lnRef idx="0"/>
+          <a:fillRef idx="0"/>
+          <a:effectRef idx="0"/>
+          <a:fontRef idx="minor"/>
+        </p:style>
+      </p:sp>
+      <p:sp>
+        <p:nvSpPr>
+          <p:cNvPr id="256" name=""/>
+          <p:cNvSpPr/>
+          <p:nvPr/>
+        </p:nvSpPr>
+        <p:spPr>
+          <a:xfrm>
+            <a:off x="3512880" y="2750760"/>
+            <a:ext cx="659160" cy="160200"/>
+          </a:xfrm>
+          <a:prstGeom prst="line">
+            <a:avLst/>
+          </a:prstGeom>
+          <a:ln w="57240">
+            <a:solidFill>
+              <a:srgbClr val="729fcf"/>
+            </a:solidFill>
+            <a:round/>
+            <a:headEnd len="med" type="triangle" w="med"/>
+            <a:tailEnd len="med" type="triangle" w="med"/>
+          </a:ln>
+        </p:spPr>
+        <p:style>
+          <a:lnRef idx="0"/>
+          <a:fillRef idx="0"/>
+          <a:effectRef idx="0"/>
+          <a:fontRef idx="minor"/>
+        </p:style>
+      </p:sp>
+      <p:sp>
+        <p:nvSpPr>
+          <p:cNvPr id="257" name=""/>
+          <p:cNvSpPr/>
+          <p:nvPr/>
+        </p:nvSpPr>
+        <p:spPr>
+          <a:xfrm flipV="1">
+            <a:off x="2674800" y="2754720"/>
+            <a:ext cx="571680" cy="167400"/>
+          </a:xfrm>
+          <a:prstGeom prst="line">
+            <a:avLst/>
+          </a:prstGeom>
+          <a:ln w="57240">
+            <a:solidFill>
+              <a:srgbClr val="729fcf"/>
+            </a:solidFill>
+            <a:round/>
+            <a:headEnd len="med" type="triangle" w="med"/>
+            <a:tailEnd len="med" type="triangle" w="med"/>
+          </a:ln>
+        </p:spPr>
+        <p:style>
+          <a:lnRef idx="0"/>
+          <a:fillRef idx="0"/>
+          <a:effectRef idx="0"/>
+          <a:fontRef idx="minor"/>
+        </p:style>
       </p:sp>
     </p:spTree>
   </p:cSld>
@@ -14499,7 +16393,7 @@
 </p:sld>
 </file>
 
-<file path=ppt/slides/slide21.xml><?xml version="1.0" encoding="utf-8"?>
+<file path=ppt/slides/slide26.xml><?xml version="1.0" encoding="utf-8"?>
 <p:sld xmlns:a="http://schemas.openxmlformats.org/drawingml/2006/main" xmlns:p="http://schemas.openxmlformats.org/presentationml/2006/main" xmlns:r="http://schemas.openxmlformats.org/officeDocument/2006/relationships" xmlns:p14="http://schemas.microsoft.com/office/powerpoint/2010/main" xmlns:p15="http://schemas.microsoft.com/office/powerpoint/2012/main" xmlns:mc="http://schemas.openxmlformats.org/markup-compatibility/2006">
   <p:cSld>
     <p:spTree>
@@ -14518,7 +16412,7 @@
       </p:grpSpPr>
       <p:sp>
         <p:nvSpPr>
-          <p:cNvPr id="231" name="PlaceHolder 1"/>
+          <p:cNvPr id="258" name="PlaceHolder 1"/>
           <p:cNvSpPr>
             <a:spLocks noGrp="1"/>
           </p:cNvSpPr>
@@ -14529,7 +16423,7 @@
         <p:spPr>
           <a:xfrm>
             <a:off x="360000" y="-39960"/>
-            <a:ext cx="9356760" cy="1247400"/>
+            <a:ext cx="9356040" cy="1246680"/>
           </a:xfrm>
           <a:prstGeom prst="rect">
             <a:avLst/>
@@ -14567,7 +16461,7 @@
       </p:sp>
       <p:sp>
         <p:nvSpPr>
-          <p:cNvPr id="232" name="PlaceHolder 2"/>
+          <p:cNvPr id="259" name="PlaceHolder 2"/>
           <p:cNvSpPr>
             <a:spLocks noGrp="1"/>
           </p:cNvSpPr>
@@ -14578,7 +16472,7 @@
         <p:spPr>
           <a:xfrm>
             <a:off x="360000" y="1485000"/>
-            <a:ext cx="9356760" cy="3776760"/>
+            <a:ext cx="9356040" cy="3776040"/>
           </a:xfrm>
           <a:prstGeom prst="rect">
             <a:avLst/>
@@ -14590,7 +16484,7 @@
         </p:spPr>
         <p:txBody>
           <a:bodyPr lIns="0" rIns="0" tIns="0" bIns="0" anchor="t">
-            <a:normAutofit fontScale="60000"/>
+            <a:normAutofit fontScale="59000"/>
           </a:bodyPr>
           <a:p>
             <a:pPr marL="432000" indent="-324000">
@@ -14623,31 +16517,7 @@
               <a:rPr b="0" lang="en-US" sz="3200" spc="-1" strike="noStrike">
                 <a:latin typeface="Arial"/>
               </a:rPr>
-              <a:t> such that, after numbering the groupings of these vertices in some order, edges always point towards the next highest numbered grouping. We were able to find notable patterns in both a </a:t>
-            </a:r>
-            <a:r>
-              <a:rPr b="0" i="1" lang="en-US" sz="3200" spc="-1" strike="noStrike">
-                <a:latin typeface="Arial"/>
-              </a:rPr>
-              <a:t>Perceptron</a:t>
-            </a:r>
-            <a:r>
-              <a:rPr b="0" lang="en-US" sz="3200" spc="-1" strike="noStrike">
-                <a:latin typeface="Arial"/>
-              </a:rPr>
-              <a:t> style model with two layers and a </a:t>
-            </a:r>
-            <a:r>
-              <a:rPr b="0" i="1" lang="en-US" sz="3200" spc="-1" strike="noStrike">
-                <a:latin typeface="Arial"/>
-              </a:rPr>
-              <a:t>Hidden Layer</a:t>
-            </a:r>
-            <a:r>
-              <a:rPr b="0" lang="en-US" sz="3200" spc="-1" strike="noStrike">
-                <a:latin typeface="Arial"/>
-              </a:rPr>
-              <a:t> model with three layers.</a:t>
+              <a:t> such that, after numbering the groupings of these vertices in some order, edges always point towards the next highest numbered grouping.</a:t>
             </a:r>
             <a:endParaRPr b="0" lang="en-US" sz="3200" spc="-1" strike="noStrike">
               <a:latin typeface="Arial"/>
@@ -14673,6 +16543,75 @@
                 <a:latin typeface="Arial"/>
                 <a:ea typeface="Noto Sans CJK SC"/>
               </a:rPr>
+              <a:t>We were able to find notable patterns in both a </a:t>
+            </a:r>
+            <a:r>
+              <a:rPr b="0" i="1" lang="en-US" sz="3200" spc="-1" strike="noStrike">
+                <a:latin typeface="Arial"/>
+                <a:ea typeface="Noto Sans CJK SC"/>
+              </a:rPr>
+              <a:t>Perceptron</a:t>
+            </a:r>
+            <a:r>
+              <a:rPr b="0" lang="en-US" sz="3200" spc="-1" strike="noStrike">
+                <a:latin typeface="Arial"/>
+                <a:ea typeface="Noto Sans CJK SC"/>
+              </a:rPr>
+              <a:t> style model with two layers and a </a:t>
+            </a:r>
+            <a:r>
+              <a:rPr b="0" i="1" lang="en-US" sz="3200" spc="-1" strike="noStrike">
+                <a:latin typeface="Arial"/>
+                <a:ea typeface="Noto Sans CJK SC"/>
+              </a:rPr>
+              <a:t>Hidden Layer</a:t>
+            </a:r>
+            <a:r>
+              <a:rPr b="0" lang="en-US" sz="3200" spc="-1" strike="noStrike">
+                <a:latin typeface="Arial"/>
+                <a:ea typeface="Noto Sans CJK SC"/>
+              </a:rPr>
+              <a:t> model with three layers </a:t>
+            </a:r>
+            <a:r>
+              <a:rPr b="0" i="1" lang="en-US" sz="2200" spc="-1" strike="noStrike">
+                <a:solidFill>
+                  <a:srgbClr val="000000"/>
+                </a:solidFill>
+                <a:latin typeface="Arial"/>
+              </a:rPr>
+              <a:t>(conj)</a:t>
+            </a:r>
+            <a:r>
+              <a:rPr b="0" lang="en-US" sz="3200" spc="-1" strike="noStrike">
+                <a:latin typeface="Arial"/>
+              </a:rPr>
+              <a:t>.</a:t>
+            </a:r>
+            <a:endParaRPr b="0" lang="en-US" sz="3200" spc="-1" strike="noStrike">
+              <a:latin typeface="Arial"/>
+            </a:endParaRPr>
+          </a:p>
+          <a:p>
+            <a:pPr lvl="1" marL="864000" indent="-324000">
+              <a:lnSpc>
+                <a:spcPct val="100000"/>
+              </a:lnSpc>
+              <a:spcBef>
+                <a:spcPts val="1134"/>
+              </a:spcBef>
+              <a:buClr>
+                <a:srgbClr val="000000"/>
+              </a:buClr>
+              <a:buSzPct val="75000"/>
+              <a:buFont typeface="Symbol"/>
+              <a:buChar char=""/>
+            </a:pPr>
+            <a:r>
+              <a:rPr b="0" lang="en-US" sz="3200" spc="-1" strike="noStrike">
+                <a:latin typeface="Arial"/>
+                <a:ea typeface="Noto Sans CJK SC"/>
+              </a:rPr>
               <a:t>For two layers in the form of </a:t>
             </a:r>
             <a:r>
@@ -14784,19 +16723,19 @@
             </a:endParaRPr>
           </a:p>
           <a:p>
-            <a:pPr marL="432000" indent="-324000">
+            <a:pPr lvl="1" marL="864000" indent="-324000">
               <a:lnSpc>
                 <a:spcPct val="100000"/>
               </a:lnSpc>
               <a:spcBef>
-                <a:spcPts val="1417"/>
+                <a:spcPts val="1134"/>
               </a:spcBef>
               <a:buClr>
                 <a:srgbClr val="000000"/>
               </a:buClr>
-              <a:buSzPct val="45000"/>
-              <a:buFont typeface="Wingdings" charset="2"/>
-              <a:buChar char=""/>
+              <a:buSzPct val="75000"/>
+              <a:buFont typeface="Symbol"/>
+              <a:buChar char=""/>
             </a:pPr>
             <a:r>
               <a:rPr b="0" lang="en-US" sz="3200" spc="-1" strike="noStrike">
@@ -14804,145 +16743,6 @@
                 <a:ea typeface="Noto Sans CJK SC"/>
               </a:rPr>
               <a:t>For the three layer model, things once again become more complex, being split into cases.  There are similarly structured to the two layer models where the invariant factors are based off of the size of all three layers and the rank is just the size of the last layer.</a:t>
-            </a:r>
-            <a:endParaRPr b="0" lang="en-US" sz="3200" spc="-1" strike="noStrike">
-              <a:latin typeface="Arial"/>
-            </a:endParaRPr>
-          </a:p>
-        </p:txBody>
-      </p:sp>
-    </p:spTree>
-  </p:cSld>
-  <mc:AlternateContent>
-    <mc:Choice Requires="p14">
-      <p:transition spd="slow" p14:dur="2000"/>
-    </mc:Choice>
-    <mc:Fallback>
-      <p:transition spd="slow"/>
-    </mc:Fallback>
-  </mc:AlternateContent>
-</p:sld>
-</file>
-
-<file path=ppt/slides/slide22.xml><?xml version="1.0" encoding="utf-8"?>
-<p:sld xmlns:a="http://schemas.openxmlformats.org/drawingml/2006/main" xmlns:p="http://schemas.openxmlformats.org/presentationml/2006/main" xmlns:r="http://schemas.openxmlformats.org/officeDocument/2006/relationships" xmlns:p14="http://schemas.microsoft.com/office/powerpoint/2010/main" xmlns:p15="http://schemas.microsoft.com/office/powerpoint/2012/main" xmlns:mc="http://schemas.openxmlformats.org/markup-compatibility/2006">
-  <p:cSld>
-    <p:spTree>
-      <p:nvGrpSpPr>
-        <p:cNvPr id="1" name=""/>
-        <p:cNvGrpSpPr/>
-        <p:nvPr/>
-      </p:nvGrpSpPr>
-      <p:grpSpPr>
-        <a:xfrm>
-          <a:off x="0" y="0"/>
-          <a:ext cx="0" cy="0"/>
-          <a:chOff x="0" y="0"/>
-          <a:chExt cx="0" cy="0"/>
-        </a:xfrm>
-      </p:grpSpPr>
-      <p:sp>
-        <p:nvSpPr>
-          <p:cNvPr id="233" name="PlaceHolder 1"/>
-          <p:cNvSpPr>
-            <a:spLocks noGrp="1"/>
-          </p:cNvSpPr>
-          <p:nvPr>
-            <p:ph type="title"/>
-          </p:nvPr>
-        </p:nvSpPr>
-        <p:spPr>
-          <a:xfrm>
-            <a:off x="360000" y="225720"/>
-            <a:ext cx="9356760" cy="715680"/>
-          </a:xfrm>
-          <a:prstGeom prst="rect">
-            <a:avLst/>
-          </a:prstGeom>
-          <a:noFill/>
-          <a:ln w="0">
-            <a:noFill/>
-          </a:ln>
-        </p:spPr>
-        <p:txBody>
-          <a:bodyPr lIns="0" rIns="0" tIns="0" bIns="0" anchor="ctr">
-            <a:noAutofit/>
-          </a:bodyPr>
-          <a:p>
-            <a:pPr algn="ctr">
-              <a:lnSpc>
-                <a:spcPct val="100000"/>
-              </a:lnSpc>
-              <a:buNone/>
-            </a:pPr>
-            <a:r>
-              <a:rPr b="0" lang="en-US" sz="4400" spc="-1" strike="noStrike">
-                <a:solidFill>
-                  <a:srgbClr val="ffffff"/>
-                </a:solidFill>
-                <a:latin typeface="Arial"/>
-              </a:rPr>
-              <a:t>Credits</a:t>
-            </a:r>
-            <a:endParaRPr b="0" lang="en-US" sz="4400" spc="-1" strike="noStrike">
-              <a:latin typeface="Arial"/>
-            </a:endParaRPr>
-          </a:p>
-        </p:txBody>
-      </p:sp>
-      <p:sp>
-        <p:nvSpPr>
-          <p:cNvPr id="234" name="PlaceHolder 2"/>
-          <p:cNvSpPr>
-            <a:spLocks noGrp="1"/>
-          </p:cNvSpPr>
-          <p:nvPr>
-            <p:ph/>
-          </p:nvPr>
-        </p:nvSpPr>
-        <p:spPr>
-          <a:xfrm>
-            <a:off x="360000" y="1485000"/>
-            <a:ext cx="9356760" cy="3776760"/>
-          </a:xfrm>
-          <a:prstGeom prst="rect">
-            <a:avLst/>
-          </a:prstGeom>
-          <a:noFill/>
-          <a:ln w="0">
-            <a:noFill/>
-          </a:ln>
-        </p:spPr>
-        <p:txBody>
-          <a:bodyPr lIns="0" rIns="0" tIns="0" bIns="0" anchor="t">
-            <a:normAutofit/>
-          </a:bodyPr>
-          <a:p>
-            <a:pPr marL="432000" indent="-324000">
-              <a:lnSpc>
-                <a:spcPct val="100000"/>
-              </a:lnSpc>
-              <a:spcBef>
-                <a:spcPts val="1417"/>
-              </a:spcBef>
-              <a:buClr>
-                <a:srgbClr val="000000"/>
-              </a:buClr>
-              <a:buSzPct val="45000"/>
-              <a:buFont typeface="Wingdings" charset="2"/>
-              <a:buChar char=""/>
-            </a:pPr>
-            <a:r>
-              <a:rPr b="0" lang="en-US" sz="3200" spc="-1" strike="noStrike">
-                <a:latin typeface="Arial"/>
-              </a:rPr>
-              <a:t>Image of chip firing game: </a:t>
-            </a:r>
-            <a:r>
-              <a:rPr b="0" i="1" lang="en-US" sz="3200" spc="-1" strike="noStrike">
-                <a:latin typeface="Arial"/>
-              </a:rPr>
-              <a:t>https://www.wikiwand.com/en/Chip-firing_game</a:t>
             </a:r>
             <a:endParaRPr b="0" lang="en-US" sz="3200" spc="-1" strike="noStrike">
               <a:latin typeface="Arial"/>
@@ -14993,7 +16793,7 @@
         <p:spPr>
           <a:xfrm>
             <a:off x="360000" y="225720"/>
-            <a:ext cx="9356760" cy="715680"/>
+            <a:ext cx="9356040" cy="714960"/>
           </a:xfrm>
           <a:prstGeom prst="rect">
             <a:avLst/>
@@ -15072,7 +16872,7 @@
         <p:spPr>
           <a:xfrm>
             <a:off x="360000" y="225720"/>
-            <a:ext cx="9356760" cy="715680"/>
+            <a:ext cx="9356040" cy="714960"/>
           </a:xfrm>
           <a:prstGeom prst="rect">
             <a:avLst/>
@@ -15108,135 +16908,29 @@
           </a:p>
         </p:txBody>
       </p:sp>
-      <p:sp>
-        <p:nvSpPr>
-          <p:cNvPr id="181" name="PlaceHolder 2"/>
-          <p:cNvSpPr>
-            <a:spLocks noGrp="1"/>
-          </p:cNvSpPr>
-          <p:nvPr>
-            <p:ph/>
-          </p:nvPr>
-        </p:nvSpPr>
-        <p:spPr>
-          <a:xfrm>
-            <a:off x="360000" y="1485000"/>
-            <a:ext cx="9356760" cy="3776760"/>
-          </a:xfrm>
-          <a:prstGeom prst="rect">
-            <a:avLst/>
-          </a:prstGeom>
-          <a:noFill/>
-          <a:ln w="0">
-            <a:noFill/>
-          </a:ln>
-        </p:spPr>
-        <p:txBody>
-          <a:bodyPr lIns="0" rIns="0" tIns="0" bIns="0" anchor="t">
-            <a:normAutofit fontScale="76000"/>
-          </a:bodyPr>
-          <a:p>
-            <a:pPr marL="432000" indent="-324000">
-              <a:lnSpc>
-                <a:spcPct val="100000"/>
-              </a:lnSpc>
-              <a:spcBef>
-                <a:spcPts val="1417"/>
-              </a:spcBef>
-              <a:buClr>
-                <a:srgbClr val="000000"/>
-              </a:buClr>
-              <a:buSzPct val="45000"/>
-              <a:buFont typeface="Wingdings" charset="2"/>
-              <a:buChar char=""/>
-            </a:pPr>
-            <a:r>
-              <a:rPr b="0" lang="en-US" sz="3200" spc="-1" strike="noStrike">
-                <a:latin typeface="Arial"/>
-              </a:rPr>
-              <a:t>When a game is started, each vertex on a graph is assigned a certain number of chips.</a:t>
-            </a:r>
-            <a:endParaRPr b="0" lang="en-US" sz="3200" spc="-1" strike="noStrike">
-              <a:latin typeface="Arial"/>
-            </a:endParaRPr>
-          </a:p>
-          <a:p>
-            <a:pPr marL="432000" indent="-324000">
-              <a:lnSpc>
-                <a:spcPct val="100000"/>
-              </a:lnSpc>
-              <a:spcBef>
-                <a:spcPts val="1417"/>
-              </a:spcBef>
-              <a:buClr>
-                <a:srgbClr val="000000"/>
-              </a:buClr>
-              <a:buSzPct val="45000"/>
-              <a:buFont typeface="Wingdings" charset="2"/>
-              <a:buChar char=""/>
-            </a:pPr>
-            <a:r>
-              <a:rPr b="0" lang="en-US" sz="3200" spc="-1" strike="noStrike">
-                <a:latin typeface="Arial"/>
-              </a:rPr>
-              <a:t>During play, chips can be lent or borrowed at each node where one or more chips are either sent or received along each outgoing edge equally.  </a:t>
-            </a:r>
-            <a:endParaRPr b="0" lang="en-US" sz="3200" spc="-1" strike="noStrike">
-              <a:latin typeface="Arial"/>
-            </a:endParaRPr>
-          </a:p>
-          <a:p>
-            <a:pPr marL="432000" indent="-324000">
-              <a:lnSpc>
-                <a:spcPct val="100000"/>
-              </a:lnSpc>
-              <a:spcBef>
-                <a:spcPts val="1417"/>
-              </a:spcBef>
-              <a:buClr>
-                <a:srgbClr val="000000"/>
-              </a:buClr>
-              <a:buSzPct val="45000"/>
-              <a:buFont typeface="Wingdings" charset="2"/>
-              <a:buChar char=""/>
-            </a:pPr>
-            <a:r>
-              <a:rPr b="0" lang="en-US" sz="3200" spc="-1" strike="noStrike">
-                <a:latin typeface="Arial"/>
-              </a:rPr>
-              <a:t>In the case of a directed graph, vertices can only interact with another along an outgoing or bidirectional edge. </a:t>
-            </a:r>
-            <a:endParaRPr b="0" lang="en-US" sz="3200" spc="-1" strike="noStrike">
-              <a:latin typeface="Arial"/>
-            </a:endParaRPr>
-          </a:p>
-          <a:p>
-            <a:pPr marL="432000" indent="-324000">
-              <a:lnSpc>
-                <a:spcPct val="100000"/>
-              </a:lnSpc>
-              <a:spcBef>
-                <a:spcPts val="1417"/>
-              </a:spcBef>
-              <a:buClr>
-                <a:srgbClr val="000000"/>
-              </a:buClr>
-              <a:buSzPct val="45000"/>
-              <a:buFont typeface="Wingdings" charset="2"/>
-              <a:buChar char=""/>
-            </a:pPr>
-            <a:r>
-              <a:rPr b="0" lang="en-US" sz="3200" spc="-1" strike="noStrike">
-                <a:latin typeface="Arial"/>
-              </a:rPr>
-              <a:t>The game is won once every vertex has a zero or greater number of chips (i.e. this vertex is not in debt).</a:t>
-            </a:r>
-            <a:endParaRPr b="0" lang="en-US" sz="3200" spc="-1" strike="noStrike">
-              <a:latin typeface="Arial"/>
-            </a:endParaRPr>
-          </a:p>
-        </p:txBody>
-      </p:sp>
+      <p:pic>
+        <p:nvPicPr>
+          <p:cNvPr id="181" name="" descr=""/>
+          <p:cNvPicPr/>
+          <p:nvPr/>
+        </p:nvPicPr>
+        <p:blipFill>
+          <a:blip r:embed="rId1"/>
+          <a:stretch/>
+        </p:blipFill>
+        <p:spPr>
+          <a:xfrm>
+            <a:off x="797400" y="1870560"/>
+            <a:ext cx="8574840" cy="2472480"/>
+          </a:xfrm>
+          <a:prstGeom prst="rect">
+            <a:avLst/>
+          </a:prstGeom>
+          <a:ln w="0">
+            <a:noFill/>
+          </a:ln>
+        </p:spPr>
+      </p:pic>
     </p:spTree>
   </p:cSld>
   <mc:AlternateContent>
@@ -15280,7 +16974,7 @@
         <p:spPr>
           <a:xfrm>
             <a:off x="360000" y="225720"/>
-            <a:ext cx="9356760" cy="715680"/>
+            <a:ext cx="9356040" cy="714960"/>
           </a:xfrm>
           <a:prstGeom prst="rect">
             <a:avLst/>
@@ -15316,29 +17010,135 @@
           </a:p>
         </p:txBody>
       </p:sp>
-      <p:pic>
-        <p:nvPicPr>
-          <p:cNvPr id="183" name="" descr=""/>
-          <p:cNvPicPr/>
-          <p:nvPr/>
-        </p:nvPicPr>
-        <p:blipFill>
-          <a:blip r:embed="rId1"/>
-          <a:stretch/>
-        </p:blipFill>
-        <p:spPr>
-          <a:xfrm>
-            <a:off x="2057400" y="2286000"/>
-            <a:ext cx="6197400" cy="1787400"/>
-          </a:xfrm>
-          <a:prstGeom prst="rect">
-            <a:avLst/>
-          </a:prstGeom>
-          <a:ln w="0">
-            <a:noFill/>
-          </a:ln>
-        </p:spPr>
-      </p:pic>
+      <p:sp>
+        <p:nvSpPr>
+          <p:cNvPr id="183" name="PlaceHolder 2"/>
+          <p:cNvSpPr>
+            <a:spLocks noGrp="1"/>
+          </p:cNvSpPr>
+          <p:nvPr>
+            <p:ph/>
+          </p:nvPr>
+        </p:nvSpPr>
+        <p:spPr>
+          <a:xfrm>
+            <a:off x="360000" y="1485000"/>
+            <a:ext cx="9356040" cy="3776040"/>
+          </a:xfrm>
+          <a:prstGeom prst="rect">
+            <a:avLst/>
+          </a:prstGeom>
+          <a:noFill/>
+          <a:ln w="0">
+            <a:noFill/>
+          </a:ln>
+        </p:spPr>
+        <p:txBody>
+          <a:bodyPr lIns="0" rIns="0" tIns="0" bIns="0" anchor="t">
+            <a:normAutofit fontScale="76000"/>
+          </a:bodyPr>
+          <a:p>
+            <a:pPr marL="432000" indent="-324000">
+              <a:lnSpc>
+                <a:spcPct val="100000"/>
+              </a:lnSpc>
+              <a:spcBef>
+                <a:spcPts val="1417"/>
+              </a:spcBef>
+              <a:buClr>
+                <a:srgbClr val="000000"/>
+              </a:buClr>
+              <a:buSzPct val="45000"/>
+              <a:buFont typeface="Wingdings" charset="2"/>
+              <a:buChar char=""/>
+            </a:pPr>
+            <a:r>
+              <a:rPr b="0" lang="en-US" sz="3200" spc="-1" strike="noStrike">
+                <a:latin typeface="Arial"/>
+              </a:rPr>
+              <a:t>When a game is started, each vertex on a graph is assigned a certain number of chips.</a:t>
+            </a:r>
+            <a:endParaRPr b="0" lang="en-US" sz="3200" spc="-1" strike="noStrike">
+              <a:latin typeface="Arial"/>
+            </a:endParaRPr>
+          </a:p>
+          <a:p>
+            <a:pPr marL="432000" indent="-324000">
+              <a:lnSpc>
+                <a:spcPct val="100000"/>
+              </a:lnSpc>
+              <a:spcBef>
+                <a:spcPts val="1417"/>
+              </a:spcBef>
+              <a:buClr>
+                <a:srgbClr val="000000"/>
+              </a:buClr>
+              <a:buSzPct val="45000"/>
+              <a:buFont typeface="Wingdings" charset="2"/>
+              <a:buChar char=""/>
+            </a:pPr>
+            <a:r>
+              <a:rPr b="0" lang="en-US" sz="3200" spc="-1" strike="noStrike">
+                <a:latin typeface="Arial"/>
+              </a:rPr>
+              <a:t>During play, chips can be lent or borrowed at each node where one or more chips are either sent or received along each outgoing edge equally.  </a:t>
+            </a:r>
+            <a:endParaRPr b="0" lang="en-US" sz="3200" spc="-1" strike="noStrike">
+              <a:latin typeface="Arial"/>
+            </a:endParaRPr>
+          </a:p>
+          <a:p>
+            <a:pPr marL="432000" indent="-324000">
+              <a:lnSpc>
+                <a:spcPct val="100000"/>
+              </a:lnSpc>
+              <a:spcBef>
+                <a:spcPts val="1417"/>
+              </a:spcBef>
+              <a:buClr>
+                <a:srgbClr val="000000"/>
+              </a:buClr>
+              <a:buSzPct val="45000"/>
+              <a:buFont typeface="Wingdings" charset="2"/>
+              <a:buChar char=""/>
+            </a:pPr>
+            <a:r>
+              <a:rPr b="0" lang="en-US" sz="3200" spc="-1" strike="noStrike">
+                <a:latin typeface="Arial"/>
+              </a:rPr>
+              <a:t>In the case of a directed graph, vertices can only interact with another along an outgoing or bidirectional edge. </a:t>
+            </a:r>
+            <a:endParaRPr b="0" lang="en-US" sz="3200" spc="-1" strike="noStrike">
+              <a:latin typeface="Arial"/>
+            </a:endParaRPr>
+          </a:p>
+          <a:p>
+            <a:pPr marL="432000" indent="-324000">
+              <a:lnSpc>
+                <a:spcPct val="100000"/>
+              </a:lnSpc>
+              <a:spcBef>
+                <a:spcPts val="1417"/>
+              </a:spcBef>
+              <a:buClr>
+                <a:srgbClr val="000000"/>
+              </a:buClr>
+              <a:buSzPct val="45000"/>
+              <a:buFont typeface="Wingdings" charset="2"/>
+              <a:buChar char=""/>
+            </a:pPr>
+            <a:r>
+              <a:rPr b="0" lang="en-US" sz="3200" spc="-1" strike="noStrike">
+                <a:latin typeface="Arial"/>
+              </a:rPr>
+              <a:t>The game is won once every vertex has a zero or greater number of chips, meaning that no vertex is in debt.</a:t>
+            </a:r>
+            <a:endParaRPr b="0" lang="en-US" sz="3200" spc="-1" strike="noStrike">
+              <a:latin typeface="Arial"/>
+            </a:endParaRPr>
+          </a:p>
+        </p:txBody>
+      </p:sp>
     </p:spTree>
   </p:cSld>
   <mc:AlternateContent>
@@ -15382,7 +17182,7 @@
         <p:spPr>
           <a:xfrm>
             <a:off x="360000" y="-39960"/>
-            <a:ext cx="9356760" cy="1247400"/>
+            <a:ext cx="9356040" cy="1246680"/>
           </a:xfrm>
           <a:prstGeom prst="rect">
             <a:avLst/>
@@ -15431,7 +17231,7 @@
         <p:spPr>
           <a:xfrm>
             <a:off x="360000" y="1485000"/>
-            <a:ext cx="9467280" cy="3776760"/>
+            <a:ext cx="9466560" cy="3776040"/>
           </a:xfrm>
           <a:prstGeom prst="rect">
             <a:avLst/>
@@ -15497,26 +17297,26 @@
                 <a:latin typeface="Arial"/>
                 <a:ea typeface="JetBrains Mono"/>
               </a:rPr>
-              <a:t>A notable usage of these games is in economics, where these games, especially the directed variants can be used to model the flow of money or assets from one entity to another.</a:t>
+              <a:t>Aside from their usage in mathematics, one notable usage of these games is in economics where these games, especially the directed variants, can be used to model the flow of money or assets from one entity to another.</a:t>
             </a:r>
             <a:endParaRPr b="0" lang="en-US" sz="2100" spc="-1" strike="noStrike">
               <a:latin typeface="Arial"/>
             </a:endParaRPr>
           </a:p>
           <a:p>
-            <a:pPr marL="432000" indent="-324000">
+            <a:pPr lvl="1" marL="864000" indent="-324000">
               <a:lnSpc>
                 <a:spcPct val="100000"/>
               </a:lnSpc>
               <a:spcBef>
-                <a:spcPts val="1417"/>
+                <a:spcPts val="1134"/>
               </a:spcBef>
               <a:buClr>
                 <a:srgbClr val="000000"/>
               </a:buClr>
-              <a:buSzPct val="45000"/>
-              <a:buFont typeface="Wingdings" charset="2"/>
-              <a:buChar char=""/>
+              <a:buSzPct val="75000"/>
+              <a:buFont typeface="Symbol"/>
+              <a:buChar char=""/>
             </a:pPr>
             <a:r>
               <a:rPr b="0" lang="en-US" sz="2100" spc="-1" strike="noStrike">
@@ -15591,13 +17391,62 @@
             <a:spLocks noGrp="1"/>
           </p:cNvSpPr>
           <p:nvPr>
+            <p:ph type="title"/>
+          </p:nvPr>
+        </p:nvSpPr>
+        <p:spPr>
+          <a:xfrm>
+            <a:off x="360000" y="-39960"/>
+            <a:ext cx="9356040" cy="1246680"/>
+          </a:xfrm>
+          <a:prstGeom prst="rect">
+            <a:avLst/>
+          </a:prstGeom>
+          <a:noFill/>
+          <a:ln w="0">
+            <a:noFill/>
+          </a:ln>
+        </p:spPr>
+        <p:txBody>
+          <a:bodyPr lIns="0" rIns="0" tIns="0" bIns="0" anchor="ctr">
+            <a:noAutofit/>
+          </a:bodyPr>
+          <a:p>
+            <a:pPr algn="ctr">
+              <a:lnSpc>
+                <a:spcPct val="100000"/>
+              </a:lnSpc>
+              <a:buNone/>
+            </a:pPr>
+            <a:r>
+              <a:rPr b="0" lang="en-US" sz="4400" spc="-1" strike="noStrike">
+                <a:solidFill>
+                  <a:srgbClr val="ffffff"/>
+                </a:solidFill>
+                <a:latin typeface="Arial"/>
+              </a:rPr>
+              <a:t>Terminal Strong Components</a:t>
+            </a:r>
+            <a:endParaRPr b="0" lang="en-US" sz="4400" spc="-1" strike="noStrike">
+              <a:latin typeface="Arial"/>
+            </a:endParaRPr>
+          </a:p>
+        </p:txBody>
+      </p:sp>
+      <p:sp>
+        <p:nvSpPr>
+          <p:cNvPr id="187" name="PlaceHolder 2"/>
+          <p:cNvSpPr>
+            <a:spLocks noGrp="1"/>
+          </p:cNvSpPr>
+          <p:nvPr>
             <p:ph/>
           </p:nvPr>
         </p:nvSpPr>
         <p:spPr>
           <a:xfrm>
             <a:off x="360000" y="1485000"/>
-            <a:ext cx="9356760" cy="3776760"/>
+            <a:ext cx="9466560" cy="3776040"/>
           </a:xfrm>
           <a:prstGeom prst="rect">
             <a:avLst/>
@@ -15609,7 +17458,7 @@
         </p:spPr>
         <p:txBody>
           <a:bodyPr lIns="0" rIns="0" tIns="0" bIns="0" anchor="t">
-            <a:normAutofit fontScale="79000"/>
+            <a:normAutofit/>
           </a:bodyPr>
           <a:p>
             <a:pPr marL="432000" indent="-324000">
@@ -15627,146 +17476,74 @@
               <a:buChar char=""/>
             </a:pPr>
             <a:r>
-              <a:rPr b="0" lang="en-US" sz="3200" spc="-1" strike="noStrike">
-                <a:latin typeface="Arial"/>
-                <a:ea typeface="Noto Sans CJK SC"/>
-              </a:rPr>
-              <a:t>In the study of this game a </a:t>
-            </a:r>
-            <a:r>
-              <a:rPr b="1" lang="en-US" sz="3200" spc="-1" strike="noStrike">
-                <a:latin typeface="Arial"/>
-                <a:ea typeface="Noto Sans CJK SC"/>
-              </a:rPr>
-              <a:t>Divisor</a:t>
-            </a:r>
-            <a:r>
-              <a:rPr b="0" lang="en-US" sz="3200" spc="-1" strike="noStrike">
-                <a:latin typeface="Arial"/>
-                <a:ea typeface="Noto Sans CJK SC"/>
-              </a:rPr>
-              <a:t> of a graph </a:t>
-            </a:r>
-            <a:r>
-              <a:rPr b="0" i="1" lang="en-US" sz="3200" spc="-1" strike="noStrike">
-                <a:latin typeface="Arial"/>
-                <a:ea typeface="Noto Sans CJK SC"/>
-              </a:rPr>
-              <a:t>G</a:t>
-            </a:r>
-            <a:r>
-              <a:rPr b="0" lang="en-US" sz="3200" spc="-1" strike="noStrike">
-                <a:latin typeface="Arial"/>
-                <a:ea typeface="Noto Sans CJK SC"/>
-              </a:rPr>
-              <a:t>,</a:t>
-            </a:r>
-            <a:r>
-              <a:rPr b="0" i="1" lang="en-US" sz="3200" spc="-1" strike="noStrike">
-                <a:latin typeface="Arial"/>
-                <a:ea typeface="Noto Sans CJK SC"/>
-              </a:rPr>
-              <a:t> Div(G)</a:t>
-            </a:r>
-            <a:r>
-              <a:rPr b="0" lang="en-US" sz="3200" spc="-1" strike="noStrike">
-                <a:latin typeface="Arial"/>
-                <a:ea typeface="Noto Sans CJK SC"/>
-              </a:rPr>
-              <a:t>, is an integer vector </a:t>
-            </a:r>
-            <a:r>
-              <a:rPr b="0" i="1" lang="en-US" sz="3200" spc="-1" strike="noStrike">
-                <a:latin typeface="Arial"/>
-                <a:ea typeface="Noto Sans CJK SC"/>
-              </a:rPr>
-              <a:t>v ∈ ℤ</a:t>
-            </a:r>
-            <a:r>
-              <a:rPr b="0" i="1" lang="en-US" sz="3200" spc="-1" strike="noStrike" baseline="33000">
-                <a:latin typeface="Arial"/>
-                <a:ea typeface="Noto Sans CJK SC"/>
-              </a:rPr>
-              <a:t>n</a:t>
-            </a:r>
-            <a:r>
-              <a:rPr b="0" lang="en-US" sz="3200" spc="-1" strike="noStrike">
-                <a:latin typeface="Arial"/>
-                <a:ea typeface="Noto Sans CJK SC"/>
-              </a:rPr>
-              <a:t> where </a:t>
-            </a:r>
-            <a:r>
-              <a:rPr b="0" i="1" lang="en-US" sz="3200" spc="-1" strike="noStrike">
-                <a:latin typeface="Arial"/>
-                <a:ea typeface="Noto Sans CJK SC"/>
-              </a:rPr>
-              <a:t>n</a:t>
-            </a:r>
-            <a:r>
-              <a:rPr b="0" lang="en-US" sz="3200" spc="-1" strike="noStrike">
-                <a:latin typeface="Arial"/>
-                <a:ea typeface="Noto Sans CJK SC"/>
-              </a:rPr>
-              <a:t> is the number of vertices in the graph.  The </a:t>
-            </a:r>
-            <a:r>
-              <a:rPr b="0" i="1" lang="en-US" sz="3200" spc="-1" strike="noStrike">
-                <a:latin typeface="Arial"/>
-                <a:ea typeface="Noto Sans CJK SC"/>
-              </a:rPr>
-              <a:t>i</a:t>
-            </a:r>
-            <a:r>
-              <a:rPr b="0" i="1" lang="en-US" sz="3200" spc="-1" strike="noStrike" baseline="33000">
-                <a:latin typeface="Arial"/>
-                <a:ea typeface="Noto Sans CJK SC"/>
-              </a:rPr>
-              <a:t>th</a:t>
-            </a:r>
-            <a:r>
-              <a:rPr b="0" lang="en-US" sz="3200" spc="-1" strike="noStrike">
-                <a:latin typeface="Arial"/>
-                <a:ea typeface="Noto Sans CJK SC"/>
-              </a:rPr>
-              <a:t> element of </a:t>
-            </a:r>
-            <a:r>
-              <a:rPr b="0" i="1" lang="en-US" sz="3200" spc="-1" strike="noStrike">
-                <a:latin typeface="Arial"/>
-                <a:ea typeface="Noto Sans CJK SC"/>
-              </a:rPr>
-              <a:t>v</a:t>
-            </a:r>
-            <a:r>
-              <a:rPr b="0" lang="en-US" sz="3200" spc="-1" strike="noStrike">
-                <a:latin typeface="Arial"/>
-                <a:ea typeface="Noto Sans CJK SC"/>
-              </a:rPr>
-              <a:t> is the number of chips on the </a:t>
-            </a:r>
-            <a:r>
-              <a:rPr b="0" i="1" lang="en-US" sz="3200" spc="-1" strike="noStrike">
-                <a:latin typeface="Arial"/>
-                <a:ea typeface="Noto Sans CJK SC"/>
-              </a:rPr>
-              <a:t>i</a:t>
-            </a:r>
-            <a:r>
-              <a:rPr b="0" i="1" lang="en-US" sz="3200" spc="-1" strike="noStrike" baseline="33000">
-                <a:latin typeface="Arial"/>
-                <a:ea typeface="Noto Sans CJK SC"/>
-              </a:rPr>
-              <a:t>th </a:t>
-            </a:r>
-            <a:r>
-              <a:rPr b="0" lang="en-US" sz="3200" spc="-1" strike="noStrike">
-                <a:latin typeface="Arial"/>
-                <a:ea typeface="Noto Sans CJK SC"/>
-              </a:rPr>
-              <a:t>vertex of the graph.  </a:t>
-            </a:r>
-            <a:endParaRPr b="0" lang="en-US" sz="3200" spc="-1" strike="noStrike">
+              <a:rPr b="0" lang="en-US" sz="2100" spc="-1" strike="noStrike">
+                <a:solidFill>
+                  <a:srgbClr val="000000"/>
+                </a:solidFill>
+                <a:latin typeface="Arial"/>
+                <a:ea typeface="JetBrains Mono"/>
+              </a:rPr>
+              <a:t>Terminal strong components are sub-sections of a larger oriented graph.</a:t>
+            </a:r>
+            <a:endParaRPr b="0" lang="en-US" sz="2100" spc="-1" strike="noStrike">
+              <a:latin typeface="Arial"/>
+            </a:endParaRPr>
+          </a:p>
+          <a:p>
+            <a:pPr lvl="1" marL="864000" indent="-324000">
+              <a:lnSpc>
+                <a:spcPct val="100000"/>
+              </a:lnSpc>
+              <a:spcBef>
+                <a:spcPts val="1134"/>
+              </a:spcBef>
+              <a:buClr>
+                <a:srgbClr val="000000"/>
+              </a:buClr>
+              <a:buSzPct val="75000"/>
+              <a:buFont typeface="Symbol"/>
+              <a:buChar char=""/>
+            </a:pPr>
+            <a:r>
+              <a:rPr b="0" lang="en-US" sz="2100" spc="-1" strike="noStrike">
+                <a:solidFill>
+                  <a:srgbClr val="000000"/>
+                </a:solidFill>
+                <a:latin typeface="Arial"/>
+                <a:ea typeface="JetBrains Mono"/>
+              </a:rPr>
+              <a:t>They are defined as regions of a graph that are strongly connected, in other words, every vertex has a directed path to all other vertices.</a:t>
+            </a:r>
+            <a:endParaRPr b="0" lang="en-US" sz="2100" spc="-1" strike="noStrike">
+              <a:latin typeface="Arial"/>
+            </a:endParaRPr>
+          </a:p>
+          <a:p>
+            <a:pPr lvl="1" marL="864000" indent="-324000">
+              <a:lnSpc>
+                <a:spcPct val="100000"/>
+              </a:lnSpc>
+              <a:spcBef>
+                <a:spcPts val="1134"/>
+              </a:spcBef>
+              <a:buClr>
+                <a:srgbClr val="000000"/>
+              </a:buClr>
+              <a:buSzPct val="75000"/>
+              <a:buFont typeface="Symbol"/>
+              <a:buChar char=""/>
+            </a:pPr>
+            <a:r>
+              <a:rPr b="0" lang="en-US" sz="2100" spc="-1" strike="noStrike">
+                <a:solidFill>
+                  <a:srgbClr val="000000"/>
+                </a:solidFill>
+                <a:latin typeface="Arial"/>
+                <a:ea typeface="JetBrains Mono"/>
+              </a:rPr>
+              <a:t>They are also terminal, as in there are only edges pointing into the sub-section, with none coming out of it.</a:t>
+            </a:r>
+            <a:endParaRPr b="0" lang="en-US" sz="2100" spc="-1" strike="noStrike">
               <a:latin typeface="Arial"/>
             </a:endParaRPr>
           </a:p>
@@ -15786,137 +17563,16 @@
               <a:buChar char=""/>
             </a:pPr>
             <a:r>
-              <a:rPr b="0" lang="en-US" sz="3200" spc="-1" strike="noStrike">
-                <a:latin typeface="Arial"/>
-                <a:ea typeface="Noto Sans CJK SC"/>
-              </a:rPr>
-              <a:t>Two divisors have an </a:t>
-            </a:r>
-            <a:r>
-              <a:rPr b="1" lang="en-US" sz="3200" spc="-1" strike="noStrike">
-                <a:latin typeface="Arial"/>
-                <a:ea typeface="Noto Sans CJK SC"/>
-              </a:rPr>
-              <a:t>Equivalence Relation</a:t>
-            </a:r>
-            <a:r>
-              <a:rPr b="0" lang="en-US" sz="3200" spc="-1" strike="noStrike">
-                <a:latin typeface="Arial"/>
-                <a:ea typeface="Noto Sans CJK SC"/>
-              </a:rPr>
-              <a:t> (</a:t>
-            </a:r>
-            <a:r>
-              <a:rPr b="0" i="1" lang="en-US" sz="3200" spc="-1" strike="noStrike">
-                <a:latin typeface="Arial"/>
-                <a:ea typeface="Noto Sans CJK SC"/>
-              </a:rPr>
-              <a:t>∼</a:t>
-            </a:r>
-            <a:r>
-              <a:rPr b="0" lang="en-US" sz="3200" spc="-1" strike="noStrike">
-                <a:latin typeface="Arial"/>
-                <a:ea typeface="Noto Sans CJK SC"/>
-              </a:rPr>
-              <a:t>) if one divisor can be obtained from the other by a finite series of lending or borrowing moves.   </a:t>
-            </a:r>
-            <a:endParaRPr b="0" lang="en-US" sz="3200" spc="-1" strike="noStrike">
-              <a:latin typeface="Arial"/>
-            </a:endParaRPr>
-          </a:p>
-          <a:p>
-            <a:pPr marL="432000" indent="-324000">
-              <a:lnSpc>
-                <a:spcPct val="100000"/>
-              </a:lnSpc>
-              <a:spcBef>
-                <a:spcPts val="1417"/>
-              </a:spcBef>
-              <a:buClr>
-                <a:srgbClr val="000000"/>
-              </a:buClr>
-              <a:buSzPct val="45000"/>
-              <a:buFont typeface="Wingdings" charset="2"/>
-              <a:buChar char=""/>
-            </a:pPr>
-            <a:r>
-              <a:rPr b="0" lang="en-US" sz="3200" spc="-1" strike="noStrike">
-                <a:latin typeface="Arial"/>
-                <a:ea typeface="Noto Sans CJK SC"/>
-              </a:rPr>
-              <a:t>An </a:t>
-            </a:r>
-            <a:r>
-              <a:rPr b="1" i="1" lang="en-US" sz="3200" spc="-1" strike="noStrike">
-                <a:latin typeface="Arial"/>
-                <a:ea typeface="Noto Sans CJK SC"/>
-              </a:rPr>
-              <a:t>Equivalence Class</a:t>
-            </a:r>
-            <a:r>
-              <a:rPr b="0" i="1" lang="en-US" sz="3200" spc="-1" strike="noStrike">
-                <a:latin typeface="Arial"/>
-                <a:ea typeface="Noto Sans CJK SC"/>
-              </a:rPr>
-              <a:t>, [D]</a:t>
-            </a:r>
-            <a:r>
-              <a:rPr b="0" lang="en-US" sz="3200" spc="-1" strike="noStrike">
-                <a:latin typeface="Arial"/>
-                <a:ea typeface="Noto Sans CJK SC"/>
-              </a:rPr>
-              <a:t>, is the set of all divisors that are equivalent to each other.</a:t>
-            </a:r>
-            <a:endParaRPr b="0" lang="en-US" sz="3200" spc="-1" strike="noStrike">
-              <a:latin typeface="Arial"/>
-            </a:endParaRPr>
-          </a:p>
-        </p:txBody>
-      </p:sp>
-      <p:sp>
-        <p:nvSpPr>
-          <p:cNvPr id="187" name="PlaceHolder 2"/>
-          <p:cNvSpPr>
-            <a:spLocks noGrp="1"/>
-          </p:cNvSpPr>
-          <p:nvPr>
-            <p:ph type="title"/>
-          </p:nvPr>
-        </p:nvSpPr>
-        <p:spPr>
-          <a:xfrm>
-            <a:off x="360000" y="225720"/>
-            <a:ext cx="9356760" cy="715680"/>
-          </a:xfrm>
-          <a:prstGeom prst="rect">
-            <a:avLst/>
-          </a:prstGeom>
-          <a:noFill/>
-          <a:ln w="0">
-            <a:noFill/>
-          </a:ln>
-        </p:spPr>
-        <p:txBody>
-          <a:bodyPr lIns="0" rIns="0" tIns="0" bIns="0" anchor="ctr">
-            <a:noAutofit/>
-          </a:bodyPr>
-          <a:p>
-            <a:pPr algn="ctr">
-              <a:lnSpc>
-                <a:spcPct val="100000"/>
-              </a:lnSpc>
-              <a:buNone/>
-            </a:pPr>
-            <a:r>
-              <a:rPr b="0" lang="en-US" sz="4400" spc="-1" strike="noStrike">
+              <a:rPr b="0" lang="en-US" sz="2100" spc="-1" strike="noStrike">
                 <a:solidFill>
-                  <a:srgbClr val="ffffff"/>
+                  <a:srgbClr val="000000"/>
                 </a:solidFill>
                 <a:latin typeface="Arial"/>
-              </a:rPr>
-              <a:t>Divisors and Equivalence Relations</a:t>
-            </a:r>
-            <a:endParaRPr b="0" lang="en-US" sz="4400" spc="-1" strike="noStrike">
+                <a:ea typeface="JetBrains Mono"/>
+              </a:rPr>
+              <a:t>Understanding these regions is important for understanding how the game is played.  An example of their importance is how chips can only be lent into these regions, trapping them until a borrowing move has been made.</a:t>
+            </a:r>
+            <a:endParaRPr b="0" lang="en-US" sz="2100" spc="-1" strike="noStrike">
               <a:latin typeface="Arial"/>
             </a:endParaRPr>
           </a:p>
@@ -15965,7 +17621,7 @@
         <p:spPr>
           <a:xfrm>
             <a:off x="360000" y="225720"/>
-            <a:ext cx="9356760" cy="715680"/>
+            <a:ext cx="9356040" cy="714960"/>
           </a:xfrm>
           <a:prstGeom prst="rect">
             <a:avLst/>
@@ -16014,7 +17670,7 @@
         <p:spPr>
           <a:xfrm>
             <a:off x="1022400" y="1509840"/>
-            <a:ext cx="4689720" cy="3516480"/>
+            <a:ext cx="4689000" cy="3515760"/>
           </a:xfrm>
           <a:prstGeom prst="rect">
             <a:avLst/>
@@ -16037,7 +17693,7 @@
         <p:spPr>
           <a:xfrm>
             <a:off x="360000" y="2507760"/>
-            <a:ext cx="1465920" cy="1604160"/>
+            <a:ext cx="1465200" cy="1603440"/>
           </a:xfrm>
           <a:prstGeom prst="rect">
             <a:avLst/>
@@ -16062,7 +17718,7 @@
               <a:rPr b="0" lang="en-US" sz="3200" spc="-1" strike="noStrike">
                 <a:latin typeface="Arial"/>
               </a:rPr>
-              <a:t>G=</a:t>
+              <a:t>G =</a:t>
             </a:r>
             <a:endParaRPr b="0" lang="en-US" sz="3200" spc="-1" strike="noStrike">
               <a:latin typeface="Arial"/>
@@ -16079,7 +17735,7 @@
         <p:spPr>
           <a:xfrm>
             <a:off x="5486400" y="1828800"/>
-            <a:ext cx="4340520" cy="1481760"/>
+            <a:ext cx="4339800" cy="1481040"/>
           </a:xfrm>
           <a:prstGeom prst="rect">
             <a:avLst/>
@@ -16156,7 +17812,7 @@
                 <a:latin typeface="Arial"/>
                 <a:ea typeface="JetBrains Mono"/>
               </a:rPr>
-              <a:t>D=</a:t>
+              <a:t>D = </a:t>
             </a:r>
             <a:r>
               <a:rPr b="0" lang="en-US" sz="3200" spc="-1" strike="noStrike">
@@ -16311,62 +17967,13 @@
             <a:spLocks noGrp="1"/>
           </p:cNvSpPr>
           <p:nvPr>
-            <p:ph type="title"/>
-          </p:nvPr>
-        </p:nvSpPr>
-        <p:spPr>
-          <a:xfrm>
-            <a:off x="360000" y="225720"/>
-            <a:ext cx="9356760" cy="715680"/>
-          </a:xfrm>
-          <a:prstGeom prst="rect">
-            <a:avLst/>
-          </a:prstGeom>
-          <a:noFill/>
-          <a:ln w="0">
-            <a:noFill/>
-          </a:ln>
-        </p:spPr>
-        <p:txBody>
-          <a:bodyPr lIns="0" rIns="0" tIns="0" bIns="0" anchor="ctr">
-            <a:noAutofit/>
-          </a:bodyPr>
-          <a:p>
-            <a:pPr algn="ctr">
-              <a:lnSpc>
-                <a:spcPct val="100000"/>
-              </a:lnSpc>
-              <a:buNone/>
-            </a:pPr>
-            <a:r>
-              <a:rPr b="0" lang="en-US" sz="4400" spc="-1" strike="noStrike">
-                <a:solidFill>
-                  <a:srgbClr val="ffffff"/>
-                </a:solidFill>
-                <a:latin typeface="Arial"/>
-              </a:rPr>
-              <a:t>The Picard Group and The Jacobian</a:t>
-            </a:r>
-            <a:endParaRPr b="0" lang="en-US" sz="4400" spc="-1" strike="noStrike">
-              <a:latin typeface="Arial"/>
-            </a:endParaRPr>
-          </a:p>
-        </p:txBody>
-      </p:sp>
-      <p:sp>
-        <p:nvSpPr>
-          <p:cNvPr id="193" name="PlaceHolder 2"/>
-          <p:cNvSpPr>
-            <a:spLocks noGrp="1"/>
-          </p:cNvSpPr>
-          <p:nvPr>
             <p:ph/>
           </p:nvPr>
         </p:nvSpPr>
         <p:spPr>
           <a:xfrm>
             <a:off x="360000" y="1485000"/>
-            <a:ext cx="9356760" cy="3776760"/>
+            <a:ext cx="9356040" cy="3776040"/>
           </a:xfrm>
           <a:prstGeom prst="rect">
             <a:avLst/>
@@ -16378,7 +17985,7 @@
         </p:spPr>
         <p:txBody>
           <a:bodyPr lIns="0" rIns="0" tIns="0" bIns="0" anchor="t">
-            <a:normAutofit fontScale="71000"/>
+            <a:normAutofit fontScale="78000"/>
           </a:bodyPr>
           <a:p>
             <a:pPr marL="432000" indent="-324000">
@@ -16398,44 +18005,142 @@
             <a:r>
               <a:rPr b="0" lang="en-US" sz="3200" spc="-1" strike="noStrike">
                 <a:latin typeface="Arial"/>
-              </a:rPr>
-              <a:t>The </a:t>
+                <a:ea typeface="Noto Sans CJK SC"/>
+              </a:rPr>
+              <a:t>In the study of this game a </a:t>
             </a:r>
             <a:r>
               <a:rPr b="1" lang="en-US" sz="3200" spc="-1" strike="noStrike">
                 <a:latin typeface="Arial"/>
-              </a:rPr>
-              <a:t>Picard Group</a:t>
+                <a:ea typeface="Noto Sans CJK SC"/>
+              </a:rPr>
+              <a:t>Divisor</a:t>
             </a:r>
             <a:r>
               <a:rPr b="0" lang="en-US" sz="3200" spc="-1" strike="noStrike">
                 <a:latin typeface="Arial"/>
-              </a:rPr>
-              <a:t> of a graph, </a:t>
+                <a:ea typeface="Noto Sans CJK SC"/>
+              </a:rPr>
+              <a:t> of a graph </a:t>
             </a:r>
             <a:r>
               <a:rPr b="0" i="1" lang="en-US" sz="3200" spc="-1" strike="noStrike">
                 <a:latin typeface="Arial"/>
-              </a:rPr>
-              <a:t>Pic(G)</a:t>
+                <a:ea typeface="Noto Sans CJK SC"/>
+              </a:rPr>
+              <a:t>G</a:t>
             </a:r>
             <a:r>
               <a:rPr b="0" lang="en-US" sz="3200" spc="-1" strike="noStrike">
                 <a:latin typeface="Arial"/>
-              </a:rPr>
-              <a:t>, is the set of all equivalence classes that the divisors of that graph </a:t>
+                <a:ea typeface="Noto Sans CJK SC"/>
+              </a:rPr>
+              <a:t>,</a:t>
             </a:r>
             <a:r>
               <a:rPr b="0" i="1" lang="en-US" sz="3200" spc="-1" strike="noStrike">
                 <a:latin typeface="Arial"/>
-              </a:rPr>
-              <a:t>G </a:t>
+                <a:ea typeface="Noto Sans CJK SC"/>
+              </a:rPr>
+              <a:t> Div(G)</a:t>
             </a:r>
             <a:r>
               <a:rPr b="0" lang="en-US" sz="3200" spc="-1" strike="noStrike">
                 <a:latin typeface="Arial"/>
-              </a:rPr>
-              <a:t>can be a part of.  The larger the size of the Picard Group, the more ways a game can be played.</a:t>
+                <a:ea typeface="Noto Sans CJK SC"/>
+              </a:rPr>
+              <a:t>, is an integer vector </a:t>
+            </a:r>
+            <a:r>
+              <a:rPr b="0" i="1" lang="en-US" sz="3200" spc="-1" strike="noStrike">
+                <a:latin typeface="Arial"/>
+                <a:ea typeface="Noto Sans CJK SC"/>
+              </a:rPr>
+              <a:t>v ∈ ℤ</a:t>
+            </a:r>
+            <a:r>
+              <a:rPr b="0" i="1" lang="en-US" sz="3200" spc="-1" strike="noStrike" baseline="33000">
+                <a:latin typeface="Arial"/>
+                <a:ea typeface="Noto Sans CJK SC"/>
+              </a:rPr>
+              <a:t>n</a:t>
+            </a:r>
+            <a:r>
+              <a:rPr b="0" lang="en-US" sz="3200" spc="-1" strike="noStrike">
+                <a:latin typeface="Arial"/>
+                <a:ea typeface="Noto Sans CJK SC"/>
+              </a:rPr>
+              <a:t> where </a:t>
+            </a:r>
+            <a:r>
+              <a:rPr b="0" i="1" lang="en-US" sz="3200" spc="-1" strike="noStrike">
+                <a:latin typeface="Arial"/>
+                <a:ea typeface="Noto Sans CJK SC"/>
+              </a:rPr>
+              <a:t>n</a:t>
+            </a:r>
+            <a:r>
+              <a:rPr b="0" lang="en-US" sz="3200" spc="-1" strike="noStrike">
+                <a:latin typeface="Arial"/>
+                <a:ea typeface="Noto Sans CJK SC"/>
+              </a:rPr>
+              <a:t> is the number of vertices in the graph.  The </a:t>
+            </a:r>
+            <a:r>
+              <a:rPr b="0" i="1" lang="en-US" sz="3200" spc="-1" strike="noStrike">
+                <a:latin typeface="Arial"/>
+                <a:ea typeface="Noto Sans CJK SC"/>
+              </a:rPr>
+              <a:t>i</a:t>
+            </a:r>
+            <a:r>
+              <a:rPr b="0" i="1" lang="en-US" sz="3200" spc="-1" strike="noStrike" baseline="33000">
+                <a:latin typeface="Arial"/>
+                <a:ea typeface="Noto Sans CJK SC"/>
+              </a:rPr>
+              <a:t>th</a:t>
+            </a:r>
+            <a:r>
+              <a:rPr b="0" lang="en-US" sz="3200" spc="-1" strike="noStrike">
+                <a:latin typeface="Arial"/>
+                <a:ea typeface="Noto Sans CJK SC"/>
+              </a:rPr>
+              <a:t> element of </a:t>
+            </a:r>
+            <a:r>
+              <a:rPr b="0" i="1" lang="en-US" sz="3200" spc="-1" strike="noStrike">
+                <a:latin typeface="Arial"/>
+                <a:ea typeface="Noto Sans CJK SC"/>
+              </a:rPr>
+              <a:t>v</a:t>
+            </a:r>
+            <a:r>
+              <a:rPr b="0" lang="en-US" sz="3200" spc="-1" strike="noStrike">
+                <a:latin typeface="Arial"/>
+                <a:ea typeface="Noto Sans CJK SC"/>
+              </a:rPr>
+              <a:t> is the number of chips on the </a:t>
+            </a:r>
+            <a:r>
+              <a:rPr b="0" i="1" lang="en-US" sz="3200" spc="-1" strike="noStrike">
+                <a:latin typeface="Arial"/>
+                <a:ea typeface="Noto Sans CJK SC"/>
+              </a:rPr>
+              <a:t>i</a:t>
+            </a:r>
+            <a:r>
+              <a:rPr b="0" i="1" lang="en-US" sz="3200" spc="-1" strike="noStrike" baseline="33000">
+                <a:latin typeface="Arial"/>
+                <a:ea typeface="Noto Sans CJK SC"/>
+              </a:rPr>
+              <a:t>th </a:t>
+            </a:r>
+            <a:r>
+              <a:rPr b="0" lang="en-US" sz="3200" spc="-1" strike="noStrike">
+                <a:latin typeface="Arial"/>
+                <a:ea typeface="Noto Sans CJK SC"/>
+              </a:rPr>
+              <a:t>vertex of the graph.  </a:t>
             </a:r>
             <a:endParaRPr b="0" lang="en-US" sz="3200" spc="-1" strike="noStrike">
               <a:latin typeface="Arial"/>
@@ -16459,20 +18164,37 @@
             <a:r>
               <a:rPr b="0" lang="en-US" sz="3200" spc="-1" strike="noStrike">
                 <a:latin typeface="Arial"/>
-              </a:rPr>
-              <a:t>The degree of a divisor, </a:t>
+                <a:ea typeface="Noto Sans CJK SC"/>
+              </a:rPr>
+              <a:t>Two divisors have an </a:t>
+            </a:r>
+            <a:r>
+              <a:rPr b="1" lang="en-US" sz="3200" spc="-1" strike="noStrike">
+                <a:latin typeface="Arial"/>
+                <a:ea typeface="Noto Sans CJK SC"/>
+              </a:rPr>
+              <a:t>Equivalence Relation</a:t>
+            </a:r>
+            <a:r>
+              <a:rPr b="0" lang="en-US" sz="3200" spc="-1" strike="noStrike">
+                <a:latin typeface="Arial"/>
+                <a:ea typeface="Noto Sans CJK SC"/>
+              </a:rPr>
+              <a:t> (</a:t>
             </a:r>
             <a:r>
               <a:rPr b="0" i="1" lang="en-US" sz="3200" spc="-1" strike="noStrike">
                 <a:latin typeface="Arial"/>
-              </a:rPr>
-              <a:t>deg(D)</a:t>
+                <a:ea typeface="Noto Sans CJK SC"/>
+              </a:rPr>
+              <a:t>∼</a:t>
             </a:r>
             <a:r>
               <a:rPr b="0" lang="en-US" sz="3200" spc="-1" strike="noStrike">
                 <a:latin typeface="Arial"/>
-              </a:rPr>
-              <a:t>, is the sum of each of the divisor’s elements.</a:t>
+                <a:ea typeface="Noto Sans CJK SC"/>
+              </a:rPr>
+              <a:t>) if one divisor can be obtained from the other by a finite series of lending or borrowing moves made on a certain graph.   </a:t>
             </a:r>
             <a:endParaRPr b="0" lang="en-US" sz="3200" spc="-1" strike="noStrike">
               <a:latin typeface="Arial"/>
@@ -16496,58 +18218,81 @@
             <a:r>
               <a:rPr b="0" lang="en-US" sz="3200" spc="-1" strike="noStrike">
                 <a:latin typeface="Arial"/>
-              </a:rPr>
-              <a:t>The </a:t>
-            </a:r>
-            <a:r>
-              <a:rPr b="1" lang="en-US" sz="3200" spc="-1" strike="noStrike">
-                <a:latin typeface="Arial"/>
-              </a:rPr>
-              <a:t>Jacobian</a:t>
+                <a:ea typeface="Noto Sans CJK SC"/>
+              </a:rPr>
+              <a:t>An </a:t>
+            </a:r>
+            <a:r>
+              <a:rPr b="1" i="1" lang="en-US" sz="3200" spc="-1" strike="noStrike">
+                <a:latin typeface="Arial"/>
+                <a:ea typeface="Noto Sans CJK SC"/>
+              </a:rPr>
+              <a:t>Equivalence Class</a:t>
+            </a:r>
+            <a:r>
+              <a:rPr b="0" i="1" lang="en-US" sz="3200" spc="-1" strike="noStrike">
+                <a:latin typeface="Arial"/>
+                <a:ea typeface="Noto Sans CJK SC"/>
+              </a:rPr>
+              <a:t>, [D]</a:t>
             </a:r>
             <a:r>
               <a:rPr b="0" lang="en-US" sz="3200" spc="-1" strike="noStrike">
                 <a:latin typeface="Arial"/>
-              </a:rPr>
-              <a:t> of a graph, </a:t>
-            </a:r>
-            <a:r>
-              <a:rPr b="0" i="1" lang="en-US" sz="3200" spc="-1" strike="noStrike">
-                <a:latin typeface="Arial"/>
-              </a:rPr>
-              <a:t>Jac(G)</a:t>
-            </a:r>
-            <a:r>
-              <a:rPr b="0" lang="en-US" sz="3200" spc="-1" strike="noStrike">
-                <a:latin typeface="Arial"/>
-              </a:rPr>
-              <a:t>, is a special subset of </a:t>
-            </a:r>
-            <a:r>
-              <a:rPr b="0" i="1" lang="en-US" sz="3200" spc="-1" strike="noStrike">
-                <a:latin typeface="Arial"/>
-              </a:rPr>
-              <a:t>Pic(G)</a:t>
-            </a:r>
-            <a:r>
-              <a:rPr b="0" lang="en-US" sz="3200" spc="-1" strike="noStrike">
-                <a:latin typeface="Arial"/>
-              </a:rPr>
-              <a:t> such that every divisor in each equivalency class has a degree of </a:t>
-            </a:r>
-            <a:r>
-              <a:rPr b="0" i="1" lang="en-US" sz="3200" spc="-1" strike="noStrike">
-                <a:latin typeface="Arial"/>
-              </a:rPr>
-              <a:t>0.</a:t>
-            </a:r>
-            <a:r>
-              <a:rPr b="0" lang="en-US" sz="3200" spc="-1" strike="noStrike">
-                <a:latin typeface="Arial"/>
-              </a:rPr>
-              <a:t>  If a divisor is in one of the Jacobian’s classes, it can be made winning after a finite series of moves.  The larger the size of the Jacobian, the more configurations exist where the vertices are debt free.</a:t>
+                <a:ea typeface="Noto Sans CJK SC"/>
+              </a:rPr>
+              <a:t>, is the set of all divisors that are equivalent to each other when based on that graph.</a:t>
             </a:r>
             <a:endParaRPr b="0" lang="en-US" sz="3200" spc="-1" strike="noStrike">
+              <a:latin typeface="Arial"/>
+            </a:endParaRPr>
+          </a:p>
+        </p:txBody>
+      </p:sp>
+      <p:sp>
+        <p:nvSpPr>
+          <p:cNvPr id="193" name="PlaceHolder 2"/>
+          <p:cNvSpPr>
+            <a:spLocks noGrp="1"/>
+          </p:cNvSpPr>
+          <p:nvPr>
+            <p:ph type="title"/>
+          </p:nvPr>
+        </p:nvSpPr>
+        <p:spPr>
+          <a:xfrm>
+            <a:off x="360000" y="225720"/>
+            <a:ext cx="9356040" cy="714960"/>
+          </a:xfrm>
+          <a:prstGeom prst="rect">
+            <a:avLst/>
+          </a:prstGeom>
+          <a:noFill/>
+          <a:ln w="0">
+            <a:noFill/>
+          </a:ln>
+        </p:spPr>
+        <p:txBody>
+          <a:bodyPr lIns="0" rIns="0" tIns="0" bIns="0" anchor="ctr">
+            <a:noAutofit/>
+          </a:bodyPr>
+          <a:p>
+            <a:pPr algn="ctr">
+              <a:lnSpc>
+                <a:spcPct val="100000"/>
+              </a:lnSpc>
+              <a:buNone/>
+            </a:pPr>
+            <a:r>
+              <a:rPr b="0" lang="en-US" sz="4400" spc="-1" strike="noStrike">
+                <a:solidFill>
+                  <a:srgbClr val="ffffff"/>
+                </a:solidFill>
+                <a:latin typeface="Arial"/>
+              </a:rPr>
+              <a:t>Divisors and Equivalence Relations</a:t>
+            </a:r>
+            <a:endParaRPr b="0" lang="en-US" sz="4400" spc="-1" strike="noStrike">
               <a:latin typeface="Arial"/>
             </a:endParaRPr>
           </a:p>

--- a/Docs/JMMPresentation.pptx
+++ b/Docs/JMMPresentation.pptx
@@ -91,7 +91,7 @@
         <p:txBody>
           <a:bodyPr/>
           <a:p>
-            <a:fld id="{F86E4FA7-8494-4D77-8E51-C166A70F9771}" type="slidenum">
+            <a:fld id="{E62097B1-AE47-4ED3-B236-7B31EF217D91}" type="slidenum">
               <a:t>&lt;#&gt;</a:t>
             </a:fld>
           </a:p>
@@ -279,7 +279,7 @@
         <p:txBody>
           <a:bodyPr/>
           <a:p>
-            <a:fld id="{FEC50541-AC90-4899-BDEC-64B7CC0E1448}" type="slidenum">
+            <a:fld id="{D7E8F524-4DEF-437B-90F6-2D0275D02066}" type="slidenum">
               <a:t>&lt;#&gt;</a:t>
             </a:fld>
           </a:p>
@@ -535,7 +535,7 @@
         <p:txBody>
           <a:bodyPr/>
           <a:p>
-            <a:fld id="{7D1DD6C9-E266-4C4B-BC26-C345F645B2B5}" type="slidenum">
+            <a:fld id="{334BA6AB-664E-4CDE-9FE7-5A6905FEE902}" type="slidenum">
               <a:t>&lt;#&gt;</a:t>
             </a:fld>
           </a:p>
@@ -859,7 +859,7 @@
         <p:txBody>
           <a:bodyPr/>
           <a:p>
-            <a:fld id="{93295E9B-EA16-418F-9262-29B5CFE4234A}" type="slidenum">
+            <a:fld id="{8F4F4F26-5FF3-4DE8-9144-4F5BAA7C8711}" type="slidenum">
               <a:t>&lt;#&gt;</a:t>
             </a:fld>
           </a:p>
@@ -1920,7 +1920,7 @@
         <p:txBody>
           <a:bodyPr/>
           <a:p>
-            <a:fld id="{C863B06B-1DAE-463F-9C61-3C5288ECC5B7}" type="slidenum">
+            <a:fld id="{A2210CE8-7CAF-4496-8610-5DA1A079297B}" type="slidenum">
               <a:t>&lt;#&gt;</a:t>
             </a:fld>
           </a:p>
@@ -3788,7 +3788,7 @@
         <p:txBody>
           <a:bodyPr/>
           <a:p>
-            <a:fld id="{842AD06D-E717-4AA3-8540-1EFBB74AC50A}" type="slidenum">
+            <a:fld id="{798A2BD2-D211-4314-A6B0-C4362DDE6E2E}" type="slidenum">
               <a:t>&lt;#&gt;</a:t>
             </a:fld>
           </a:p>
@@ -5724,7 +5724,7 @@
         <p:txBody>
           <a:bodyPr/>
           <a:p>
-            <a:fld id="{71981F3F-347C-4E74-9531-DC08A9C6C121}" type="slidenum">
+            <a:fld id="{7443D7A2-D66D-4BB7-B53B-60A2D7B79632}" type="slidenum">
               <a:t>&lt;#&gt;</a:t>
             </a:fld>
           </a:p>
@@ -7526,7 +7526,7 @@
         <p:txBody>
           <a:bodyPr/>
           <a:p>
-            <a:fld id="{8B3DF5B6-3AB1-4F8D-AAB4-D70DCA648E66}" type="slidenum">
+            <a:fld id="{94DC7472-55F8-4C08-996E-BC1EB8B47F0F}" type="slidenum">
               <a:t>&lt;#&gt;</a:t>
             </a:fld>
           </a:p>
@@ -7646,7 +7646,7 @@
         <p:txBody>
           <a:bodyPr/>
           <a:p>
-            <a:fld id="{8F38C6AE-DF9F-4688-9134-CE1A0F4E4946}" type="slidenum">
+            <a:fld id="{B60B38F1-08B0-4997-B30B-1B32700FD80B}" type="slidenum">
               <a:t>&lt;#&gt;</a:t>
             </a:fld>
           </a:p>
@@ -7868,7 +7868,7 @@
         <p:txBody>
           <a:bodyPr/>
           <a:p>
-            <a:fld id="{22C1A5BE-B7A5-466F-BF08-1ED907A84608}" type="slidenum">
+            <a:fld id="{4A568656-81EA-479B-B321-86AC6F9338EF}" type="slidenum">
               <a:t>&lt;#&gt;</a:t>
             </a:fld>
           </a:p>
@@ -8090,7 +8090,7 @@
         <p:txBody>
           <a:bodyPr/>
           <a:p>
-            <a:fld id="{8506ACCF-2F4B-4841-8A61-2E4A69A484BF}" type="slidenum">
+            <a:fld id="{F4B77BB5-8E10-4F42-AFF0-DA6DC881F8B9}" type="slidenum">
               <a:t>&lt;#&gt;</a:t>
             </a:fld>
           </a:p>
@@ -8312,7 +8312,7 @@
         <p:txBody>
           <a:bodyPr/>
           <a:p>
-            <a:fld id="{52CEE843-150F-4A93-B8D9-D2DB8CC46C40}" type="slidenum">
+            <a:fld id="{1A68C96E-9216-4ED0-B1AF-B36713EFB147}" type="slidenum">
               <a:t>&lt;#&gt;</a:t>
             </a:fld>
           </a:p>
@@ -8370,7 +8370,7 @@
         <p:spPr>
           <a:xfrm>
             <a:off x="0" y="0"/>
-            <a:ext cx="10076040" cy="5666040"/>
+            <a:ext cx="10074960" cy="5664960"/>
           </a:xfrm>
           <a:prstGeom prst="rect">
             <a:avLst/>
@@ -8398,7 +8398,7 @@
         <p:spPr>
           <a:xfrm>
             <a:off x="0" y="0"/>
-            <a:ext cx="10076040" cy="3776040"/>
+            <a:ext cx="10074960" cy="3774960"/>
           </a:xfrm>
           <a:prstGeom prst="rect">
             <a:avLst/>
@@ -8433,7 +8433,7 @@
         <p:spPr>
           <a:xfrm>
             <a:off x="3420000" y="5400000"/>
-            <a:ext cx="3236040" cy="266040"/>
+            <a:ext cx="3234960" cy="264960"/>
           </a:xfrm>
           <a:prstGeom prst="rect">
             <a:avLst/>
@@ -8496,7 +8496,7 @@
         <p:spPr>
           <a:xfrm>
             <a:off x="9180000" y="5130000"/>
-            <a:ext cx="716040" cy="536040"/>
+            <a:ext cx="714960" cy="534960"/>
           </a:xfrm>
           <a:prstGeom prst="rect">
             <a:avLst/>
@@ -8531,7 +8531,7 @@
               </a:lnSpc>
               <a:buNone/>
             </a:pPr>
-            <a:fld id="{F5EAE989-35AD-4399-92F9-0FF5593C6B42}" type="slidenum">
+            <a:fld id="{702D914C-ED13-46E1-8740-4BFC57F58D6A}" type="slidenum">
               <a:rPr b="1" lang="en-US" sz="1800" spc="-1" strike="noStrike">
                 <a:solidFill>
                   <a:srgbClr val="ffffff"/>
@@ -8559,7 +8559,7 @@
         <p:spPr>
           <a:xfrm>
             <a:off x="360000" y="5400000"/>
-            <a:ext cx="2876040" cy="266040"/>
+            <a:ext cx="2874960" cy="264960"/>
           </a:xfrm>
           <a:prstGeom prst="rect">
             <a:avLst/>
@@ -8865,7 +8865,7 @@
         <p:spPr>
           <a:xfrm>
             <a:off x="0" y="5400000"/>
-            <a:ext cx="10076040" cy="266040"/>
+            <a:ext cx="10074960" cy="264960"/>
           </a:xfrm>
           <a:prstGeom prst="rect">
             <a:avLst/>
@@ -8893,7 +8893,7 @@
         <p:spPr>
           <a:xfrm>
             <a:off x="0" y="0"/>
-            <a:ext cx="10076040" cy="1211040"/>
+            <a:ext cx="10074960" cy="1209960"/>
           </a:xfrm>
           <a:prstGeom prst="rect">
             <a:avLst/>
@@ -8921,7 +8921,7 @@
         <p:spPr>
           <a:xfrm>
             <a:off x="9315000" y="5175000"/>
-            <a:ext cx="446040" cy="446040"/>
+            <a:ext cx="444960" cy="444960"/>
           </a:xfrm>
           <a:prstGeom prst="ellipse">
             <a:avLst/>
@@ -8952,7 +8952,7 @@
         <p:spPr>
           <a:xfrm>
             <a:off x="9180000" y="5130000"/>
-            <a:ext cx="716040" cy="536040"/>
+            <a:ext cx="714960" cy="534960"/>
           </a:xfrm>
           <a:prstGeom prst="rect">
             <a:avLst/>
@@ -8979,7 +8979,7 @@
               </a:lnSpc>
               <a:buNone/>
             </a:pPr>
-            <a:fld id="{32700C02-F9CE-46E0-9A30-9865142D02EE}" type="slidenum">
+            <a:fld id="{115DDAB8-C384-434B-A6E9-2641FB6FE2B3}" type="slidenum">
               <a:rPr b="1" lang="en-US" sz="1800" spc="-1" strike="noStrike">
                 <a:solidFill>
                   <a:srgbClr val="ffffff"/>
@@ -9008,7 +9008,7 @@
         <p:spPr>
           <a:xfrm>
             <a:off x="3420000" y="5400000"/>
-            <a:ext cx="3236040" cy="266040"/>
+            <a:ext cx="3234960" cy="264960"/>
           </a:xfrm>
           <a:prstGeom prst="rect">
             <a:avLst/>
@@ -9071,7 +9071,7 @@
         <p:spPr>
           <a:xfrm>
             <a:off x="360000" y="5400000"/>
-            <a:ext cx="2876040" cy="266040"/>
+            <a:ext cx="2874960" cy="264960"/>
           </a:xfrm>
           <a:prstGeom prst="rect">
             <a:avLst/>
@@ -9377,7 +9377,7 @@
         <p:spPr>
           <a:xfrm>
             <a:off x="0" y="5400000"/>
-            <a:ext cx="10076040" cy="266040"/>
+            <a:ext cx="10074960" cy="264960"/>
           </a:xfrm>
           <a:prstGeom prst="rect">
             <a:avLst/>
@@ -9405,7 +9405,7 @@
         <p:spPr>
           <a:xfrm>
             <a:off x="0" y="0"/>
-            <a:ext cx="10076040" cy="1211040"/>
+            <a:ext cx="10074960" cy="1209960"/>
           </a:xfrm>
           <a:prstGeom prst="rect">
             <a:avLst/>
@@ -9433,7 +9433,7 @@
         <p:spPr>
           <a:xfrm>
             <a:off x="9315000" y="5175000"/>
-            <a:ext cx="446040" cy="446040"/>
+            <a:ext cx="444960" cy="444960"/>
           </a:xfrm>
           <a:prstGeom prst="ellipse">
             <a:avLst/>
@@ -9464,7 +9464,7 @@
         <p:spPr>
           <a:xfrm>
             <a:off x="9180000" y="5130000"/>
-            <a:ext cx="716040" cy="536040"/>
+            <a:ext cx="714960" cy="534960"/>
           </a:xfrm>
           <a:prstGeom prst="rect">
             <a:avLst/>
@@ -9491,7 +9491,7 @@
               </a:lnSpc>
               <a:buNone/>
             </a:pPr>
-            <a:fld id="{300D0E9E-8156-448C-95ED-EAF9B68AE254}" type="slidenum">
+            <a:fld id="{9FCB2D94-628E-4677-B64E-55DF33B9E27B}" type="slidenum">
               <a:rPr b="1" lang="en-US" sz="1800" spc="-1" strike="noStrike">
                 <a:solidFill>
                   <a:srgbClr val="ffffff"/>
@@ -9560,7 +9560,7 @@
         <p:spPr>
           <a:xfrm>
             <a:off x="3420000" y="5400000"/>
-            <a:ext cx="3236040" cy="266040"/>
+            <a:ext cx="3234960" cy="264960"/>
           </a:xfrm>
           <a:prstGeom prst="rect">
             <a:avLst/>
@@ -9623,7 +9623,7 @@
         <p:spPr>
           <a:xfrm>
             <a:off x="360000" y="5400000"/>
-            <a:ext cx="2876040" cy="266040"/>
+            <a:ext cx="2874960" cy="264960"/>
           </a:xfrm>
           <a:prstGeom prst="rect">
             <a:avLst/>
@@ -9886,7 +9886,7 @@
         <p:spPr>
           <a:xfrm>
             <a:off x="0" y="5400000"/>
-            <a:ext cx="10076040" cy="266040"/>
+            <a:ext cx="10074960" cy="264960"/>
           </a:xfrm>
           <a:prstGeom prst="rect">
             <a:avLst/>
@@ -9914,7 +9914,7 @@
         <p:spPr>
           <a:xfrm>
             <a:off x="0" y="0"/>
-            <a:ext cx="10076040" cy="1211040"/>
+            <a:ext cx="10074960" cy="1209960"/>
           </a:xfrm>
           <a:prstGeom prst="rect">
             <a:avLst/>
@@ -9942,7 +9942,7 @@
         <p:spPr>
           <a:xfrm>
             <a:off x="9315000" y="5175000"/>
-            <a:ext cx="446040" cy="446040"/>
+            <a:ext cx="444960" cy="444960"/>
           </a:xfrm>
           <a:prstGeom prst="ellipse">
             <a:avLst/>
@@ -9973,7 +9973,7 @@
         <p:spPr>
           <a:xfrm>
             <a:off x="9180000" y="5130000"/>
-            <a:ext cx="716040" cy="536040"/>
+            <a:ext cx="714960" cy="534960"/>
           </a:xfrm>
           <a:prstGeom prst="rect">
             <a:avLst/>
@@ -10000,7 +10000,7 @@
               </a:lnSpc>
               <a:buNone/>
             </a:pPr>
-            <a:fld id="{4322157D-3123-4026-8DBA-F71C17CFE4F8}" type="slidenum">
+            <a:fld id="{F13D5C0F-15C2-4A4F-ACD5-BF938AAD0520}" type="slidenum">
               <a:rPr b="1" lang="en-US" sz="1800" spc="-1" strike="noStrike">
                 <a:solidFill>
                   <a:srgbClr val="ffffff"/>
@@ -10029,7 +10029,7 @@
         <p:spPr>
           <a:xfrm>
             <a:off x="3420000" y="5400000"/>
-            <a:ext cx="3236040" cy="266040"/>
+            <a:ext cx="3234960" cy="264960"/>
           </a:xfrm>
           <a:prstGeom prst="rect">
             <a:avLst/>
@@ -10092,7 +10092,7 @@
         <p:spPr>
           <a:xfrm>
             <a:off x="360000" y="5400000"/>
-            <a:ext cx="2876040" cy="266040"/>
+            <a:ext cx="2874960" cy="264960"/>
           </a:xfrm>
           <a:prstGeom prst="rect">
             <a:avLst/>
@@ -10402,7 +10402,7 @@
         <p:spPr>
           <a:xfrm>
             <a:off x="360000" y="225720"/>
-            <a:ext cx="9356040" cy="2742480"/>
+            <a:ext cx="9354960" cy="2741400"/>
           </a:xfrm>
           <a:prstGeom prst="rect">
             <a:avLst/>
@@ -10448,7 +10448,7 @@
         <p:spPr>
           <a:xfrm>
             <a:off x="504000" y="4071960"/>
-            <a:ext cx="9068400" cy="1182600"/>
+            <a:ext cx="9067320" cy="1181520"/>
           </a:xfrm>
           <a:prstGeom prst="rect">
             <a:avLst/>
@@ -10567,7 +10567,7 @@
         <p:spPr>
           <a:xfrm>
             <a:off x="360000" y="225720"/>
-            <a:ext cx="9356040" cy="714960"/>
+            <a:ext cx="9354960" cy="713880"/>
           </a:xfrm>
           <a:prstGeom prst="rect">
             <a:avLst/>
@@ -10616,7 +10616,7 @@
         <p:spPr>
           <a:xfrm>
             <a:off x="360000" y="1485000"/>
-            <a:ext cx="9356040" cy="3776040"/>
+            <a:ext cx="9354960" cy="3774960"/>
           </a:xfrm>
           <a:prstGeom prst="rect">
             <a:avLst/>
@@ -10628,7 +10628,7 @@
         </p:spPr>
         <p:txBody>
           <a:bodyPr lIns="0" rIns="0" tIns="0" bIns="0" anchor="t">
-            <a:normAutofit fontScale="70000"/>
+            <a:normAutofit fontScale="71000"/>
           </a:bodyPr>
           <a:p>
             <a:pPr marL="432000" indent="-324000">
@@ -10709,8 +10709,9 @@
             <a:r>
               <a:rPr b="0" lang="en-US" sz="3200" spc="-1" strike="noStrike">
                 <a:latin typeface="Arial"/>
-              </a:rPr>
-              <a:t>The degree of a divisor is the sum of each of the divisor’s elements.</a:t>
+                <a:ea typeface="Noto Sans CJK SC"/>
+              </a:rPr>
+              <a:t>The degree of a divisor or an equivalency class is the sum of each of the divisor’s elements.</a:t>
             </a:r>
             <a:endParaRPr b="0" lang="en-US" sz="3200" spc="-1" strike="noStrike">
               <a:latin typeface="Arial"/>
@@ -10734,54 +10735,63 @@
             <a:r>
               <a:rPr b="0" lang="en-US" sz="3200" spc="-1" strike="noStrike">
                 <a:latin typeface="Arial"/>
+                <a:ea typeface="Noto Sans CJK SC"/>
               </a:rPr>
               <a:t>The </a:t>
             </a:r>
             <a:r>
               <a:rPr b="1" lang="en-US" sz="3200" spc="-1" strike="noStrike">
                 <a:latin typeface="Arial"/>
+                <a:ea typeface="Noto Sans CJK SC"/>
               </a:rPr>
               <a:t>Jacobian</a:t>
             </a:r>
             <a:r>
               <a:rPr b="0" lang="en-US" sz="3200" spc="-1" strike="noStrike">
                 <a:latin typeface="Arial"/>
+                <a:ea typeface="Noto Sans CJK SC"/>
               </a:rPr>
               <a:t> of a graph, </a:t>
             </a:r>
             <a:r>
               <a:rPr b="0" i="1" lang="en-US" sz="3200" spc="-1" strike="noStrike">
                 <a:latin typeface="Arial"/>
+                <a:ea typeface="Noto Sans CJK SC"/>
               </a:rPr>
               <a:t>Jac(G)</a:t>
             </a:r>
             <a:r>
               <a:rPr b="0" lang="en-US" sz="3200" spc="-1" strike="noStrike">
                 <a:latin typeface="Arial"/>
+                <a:ea typeface="Noto Sans CJK SC"/>
               </a:rPr>
               <a:t>, is a special subset of </a:t>
             </a:r>
             <a:r>
               <a:rPr b="0" i="1" lang="en-US" sz="3200" spc="-1" strike="noStrike">
                 <a:latin typeface="Arial"/>
+                <a:ea typeface="Noto Sans CJK SC"/>
               </a:rPr>
               <a:t>Pic(G)</a:t>
             </a:r>
             <a:r>
               <a:rPr b="0" lang="en-US" sz="3200" spc="-1" strike="noStrike">
                 <a:latin typeface="Arial"/>
+                <a:ea typeface="Noto Sans CJK SC"/>
               </a:rPr>
               <a:t> such that every divisor in each equivalency class has a degree of </a:t>
             </a:r>
             <a:r>
               <a:rPr b="0" i="1" lang="en-US" sz="3200" spc="-1" strike="noStrike">
                 <a:latin typeface="Arial"/>
+                <a:ea typeface="Noto Sans CJK SC"/>
               </a:rPr>
               <a:t>0.</a:t>
             </a:r>
             <a:r>
               <a:rPr b="0" lang="en-US" sz="3200" spc="-1" strike="noStrike">
                 <a:latin typeface="Arial"/>
+                <a:ea typeface="Noto Sans CJK SC"/>
               </a:rPr>
               <a:t>  If a divisor is in one of the Jacobian’s classes, it can be made winning after a finite series of moves.  The larger the size of the Jacobian, the more configurations exist where the vertices can be made debt free.</a:t>
             </a:r>
@@ -10834,7 +10844,7 @@
         <p:spPr>
           <a:xfrm>
             <a:off x="360000" y="225720"/>
-            <a:ext cx="9356040" cy="714960"/>
+            <a:ext cx="9354960" cy="713880"/>
           </a:xfrm>
           <a:prstGeom prst="rect">
             <a:avLst/>
@@ -10883,7 +10893,7 @@
         <p:spPr>
           <a:xfrm>
             <a:off x="360000" y="1485000"/>
-            <a:ext cx="9356040" cy="3776040"/>
+            <a:ext cx="9354960" cy="3774960"/>
           </a:xfrm>
           <a:prstGeom prst="rect">
             <a:avLst/>
@@ -10912,7 +10922,6 @@
             </a:r>
             <a:endParaRPr b="0" lang="en-US" sz="3200" spc="-1" strike="noStrike">
               <a:latin typeface="Arial"/>
-              <a:ea typeface="Noto Sans CJK SC"/>
             </a:endParaRPr>
           </a:p>
           <a:p>
@@ -10952,7 +10961,7 @@
                 <a:srgbClr val="000000"/>
               </a:buClr>
               <a:buSzPct val="75000"/>
-              <a:buFont typeface="Symbol" charset="2"/>
+              <a:buFont typeface="Symbol"/>
               <a:buChar char=""/>
             </a:pPr>
             <a:r>
@@ -10965,36 +10974,42 @@
             <a:r>
               <a:rPr b="0" i="1" lang="en-US" sz="3200" spc="-1" strike="noStrike">
                 <a:latin typeface="Arial"/>
+                <a:ea typeface="Noto Sans CJK SC"/>
               </a:rPr>
               <a:t>ℤ</a:t>
             </a:r>
             <a:r>
               <a:rPr b="0" i="1" lang="en-US" sz="3200" spc="-1" strike="noStrike" baseline="-8000">
                 <a:latin typeface="Arial"/>
+                <a:ea typeface="Noto Sans CJK SC"/>
               </a:rPr>
               <a:t>x</a:t>
             </a:r>
             <a:r>
               <a:rPr b="0" i="1" lang="en-US" sz="3200" spc="-1" strike="noStrike">
                 <a:latin typeface="Arial"/>
+                <a:ea typeface="Noto Sans CJK SC"/>
               </a:rPr>
               <a:t>. </a:t>
             </a:r>
             <a:r>
               <a:rPr b="0" lang="en-US" sz="3200" spc="-1" strike="noStrike">
                 <a:latin typeface="Arial"/>
+                <a:ea typeface="Noto Sans CJK SC"/>
               </a:rPr>
               <a:t> Here, </a:t>
             </a:r>
             <a:r>
               <a:rPr b="0" i="1" lang="en-US" sz="3200" spc="-1" strike="noStrike">
                 <a:latin typeface="Arial"/>
+                <a:ea typeface="Noto Sans CJK SC"/>
               </a:rPr>
               <a:t>x</a:t>
             </a:r>
             <a:r>
               <a:rPr b="0" lang="en-US" sz="3200" spc="-1" strike="noStrike">
                 <a:latin typeface="Arial"/>
+                <a:ea typeface="Noto Sans CJK SC"/>
               </a:rPr>
               <a:t> represents the number of distinct equivalency classes with a degree of zero the graph can support.</a:t>
             </a:r>
@@ -11014,12 +11029,13 @@
                 <a:srgbClr val="000000"/>
               </a:buClr>
               <a:buSzPct val="75000"/>
-              <a:buFont typeface="Symbol" charset="2"/>
+              <a:buFont typeface="Symbol"/>
               <a:buChar char=""/>
             </a:pPr>
             <a:r>
               <a:rPr b="0" lang="en-US" sz="3200" spc="-1" strike="noStrike">
                 <a:latin typeface="Arial"/>
+                <a:ea typeface="Noto Sans CJK SC"/>
               </a:rPr>
               <a:t>Two invariant factors multiplied together represent a tuple.  These represent a graph state that is a combination of multiple classes combined together.</a:t>
             </a:r>
@@ -11045,6 +11061,7 @@
             <a:r>
               <a:rPr b="0" lang="en-US" sz="3200" spc="-1" strike="noStrike">
                 <a:latin typeface="Arial"/>
+                <a:ea typeface="Noto Sans CJK SC"/>
               </a:rPr>
               <a:t>The sets of integers represented by its rank</a:t>
             </a:r>
@@ -11064,7 +11081,7 @@
                 <a:srgbClr val="000000"/>
               </a:buClr>
               <a:buSzPct val="75000"/>
-              <a:buFont typeface="Symbol" charset="2"/>
+              <a:buFont typeface="Symbol"/>
               <a:buChar char=""/>
             </a:pPr>
             <a:r>
@@ -11077,24 +11094,28 @@
             <a:r>
               <a:rPr b="0" i="1" lang="en-US" sz="3200" spc="-1" strike="noStrike">
                 <a:latin typeface="Arial"/>
+                <a:ea typeface="Noto Sans CJK SC"/>
               </a:rPr>
               <a:t>ℤ</a:t>
             </a:r>
             <a:r>
               <a:rPr b="0" i="1" lang="en-US" sz="3200" spc="-1" strike="noStrike" baseline="33000">
                 <a:latin typeface="Arial"/>
+                <a:ea typeface="Noto Sans CJK SC"/>
               </a:rPr>
               <a:t>n </a:t>
             </a:r>
             <a:r>
               <a:rPr b="0" i="1" lang="en-US" sz="3200" spc="-1" strike="noStrike">
                 <a:latin typeface="Arial"/>
+                <a:ea typeface="Noto Sans CJK SC"/>
               </a:rPr>
               <a:t>(an n-tuple of integers)</a:t>
             </a:r>
             <a:r>
               <a:rPr b="0" lang="en-US" sz="3200" spc="-1" strike="noStrike">
                 <a:latin typeface="Arial"/>
+                <a:ea typeface="Noto Sans CJK SC"/>
               </a:rPr>
               <a:t>, representing the number of ways any number of chips can be distributed along classes represented by the Jacobian.  This tuple can represent the scaling up or down of the invariant factor(s) that make up the Jacobian</a:t>
             </a:r>
@@ -11115,6 +11136,7 @@
             <a:r>
               <a:rPr b="0" lang="en-US" sz="3200" spc="-1" strike="noStrike">
                 <a:latin typeface="Arial"/>
+                <a:ea typeface="Noto Sans CJK SC"/>
               </a:rPr>
               <a:t>Using the Picard Group, we can completely describe any initial or intermediate state of a game, given the graph that it is played on.</a:t>
             </a:r>
@@ -11167,7 +11189,7 @@
         <p:spPr>
           <a:xfrm>
             <a:off x="360000" y="225720"/>
-            <a:ext cx="9356040" cy="714960"/>
+            <a:ext cx="9354960" cy="713880"/>
           </a:xfrm>
           <a:prstGeom prst="rect">
             <a:avLst/>
@@ -11228,7 +11250,7 @@
         <p:spPr>
           <a:xfrm>
             <a:off x="360000" y="1485000"/>
-            <a:ext cx="9356040" cy="3776040"/>
+            <a:ext cx="9354960" cy="3774960"/>
           </a:xfrm>
           <a:prstGeom prst="rect">
             <a:avLst/>
@@ -11475,7 +11497,7 @@
         <p:spPr>
           <a:xfrm>
             <a:off x="360000" y="225720"/>
-            <a:ext cx="9356040" cy="714960"/>
+            <a:ext cx="9354960" cy="713880"/>
           </a:xfrm>
           <a:prstGeom prst="rect">
             <a:avLst/>
@@ -11536,7 +11558,7 @@
         <p:spPr>
           <a:xfrm>
             <a:off x="457200" y="1744920"/>
-            <a:ext cx="1112760" cy="3052800"/>
+            <a:ext cx="1111680" cy="3051720"/>
           </a:xfrm>
           <a:prstGeom prst="rect">
             <a:avLst/>
@@ -11676,7 +11698,7 @@
         <p:spPr>
           <a:xfrm>
             <a:off x="1572840" y="1371600"/>
-            <a:ext cx="6196680" cy="2015640"/>
+            <a:ext cx="6195600" cy="2014560"/>
           </a:xfrm>
           <a:prstGeom prst="rect">
             <a:avLst/>
@@ -11699,7 +11721,7 @@
         <p:spPr>
           <a:xfrm>
             <a:off x="1572840" y="3390120"/>
-            <a:ext cx="6196680" cy="2015640"/>
+            <a:ext cx="6195600" cy="2014560"/>
           </a:xfrm>
           <a:prstGeom prst="rect">
             <a:avLst/>
@@ -11718,7 +11740,7 @@
         <p:spPr>
           <a:xfrm>
             <a:off x="7772400" y="1371600"/>
-            <a:ext cx="2283120" cy="3885840"/>
+            <a:ext cx="2282040" cy="3884760"/>
           </a:xfrm>
           <a:prstGeom prst="rect">
             <a:avLst/>
@@ -11935,7 +11957,7 @@
         <p:spPr>
           <a:xfrm>
             <a:off x="360000" y="225720"/>
-            <a:ext cx="9356040" cy="714960"/>
+            <a:ext cx="9354960" cy="713880"/>
           </a:xfrm>
           <a:prstGeom prst="rect">
             <a:avLst/>
@@ -11984,7 +12006,7 @@
         <p:spPr>
           <a:xfrm>
             <a:off x="228600" y="1279440"/>
-            <a:ext cx="2742840" cy="2057040"/>
+            <a:ext cx="2741760" cy="2055960"/>
           </a:xfrm>
           <a:prstGeom prst="rect">
             <a:avLst/>
@@ -12007,7 +12029,7 @@
         <p:spPr>
           <a:xfrm>
             <a:off x="228600" y="3336840"/>
-            <a:ext cx="2742840" cy="2057040"/>
+            <a:ext cx="2741760" cy="2055960"/>
           </a:xfrm>
           <a:prstGeom prst="rect">
             <a:avLst/>
@@ -12030,7 +12052,7 @@
         <p:spPr>
           <a:xfrm>
             <a:off x="3657600" y="1279440"/>
-            <a:ext cx="2742840" cy="2057040"/>
+            <a:ext cx="2741760" cy="2055960"/>
           </a:xfrm>
           <a:prstGeom prst="rect">
             <a:avLst/>
@@ -12053,7 +12075,7 @@
         <p:spPr>
           <a:xfrm>
             <a:off x="3657600" y="3336840"/>
-            <a:ext cx="2742840" cy="2057040"/>
+            <a:ext cx="2741760" cy="2055960"/>
           </a:xfrm>
           <a:prstGeom prst="rect">
             <a:avLst/>
@@ -12076,7 +12098,7 @@
         <p:spPr>
           <a:xfrm>
             <a:off x="6354000" y="1828800"/>
-            <a:ext cx="3475440" cy="2606400"/>
+            <a:ext cx="3474360" cy="2605320"/>
           </a:xfrm>
           <a:prstGeom prst="rect">
             <a:avLst/>
@@ -12095,7 +12117,7 @@
         <p:spPr>
           <a:xfrm>
             <a:off x="457200" y="1143000"/>
-            <a:ext cx="2285640" cy="345960"/>
+            <a:ext cx="2284560" cy="344880"/>
           </a:xfrm>
           <a:prstGeom prst="rect">
             <a:avLst/>
@@ -12124,7 +12146,11 @@
             </a:pPr>
             <a:r>
               <a:rPr b="0" lang="en-US" sz="1800" spc="-1" strike="noStrike">
-                <a:latin typeface="Arial"/>
+                <a:solidFill>
+                  <a:srgbClr val="000000"/>
+                </a:solidFill>
+                <a:latin typeface="Arial"/>
+                <a:ea typeface="DejaVu Sans"/>
               </a:rPr>
               <a:t>Tree Graph</a:t>
             </a:r>
@@ -12143,7 +12169,7 @@
         <p:spPr>
           <a:xfrm>
             <a:off x="7086600" y="1711080"/>
-            <a:ext cx="2285640" cy="345960"/>
+            <a:ext cx="2284560" cy="344880"/>
           </a:xfrm>
           <a:prstGeom prst="rect">
             <a:avLst/>
@@ -12172,7 +12198,11 @@
             </a:pPr>
             <a:r>
               <a:rPr b="0" lang="en-US" sz="1800" spc="-1" strike="noStrike">
-                <a:latin typeface="Arial"/>
+                <a:solidFill>
+                  <a:srgbClr val="000000"/>
+                </a:solidFill>
+                <a:latin typeface="Arial"/>
+                <a:ea typeface="DejaVu Sans"/>
               </a:rPr>
               <a:t>Multipartite Graph</a:t>
             </a:r>
@@ -12191,7 +12221,7 @@
         <p:spPr>
           <a:xfrm>
             <a:off x="3909240" y="3207600"/>
-            <a:ext cx="2285640" cy="345960"/>
+            <a:ext cx="2284560" cy="344880"/>
           </a:xfrm>
           <a:prstGeom prst="rect">
             <a:avLst/>
@@ -12220,7 +12250,11 @@
             </a:pPr>
             <a:r>
               <a:rPr b="0" lang="en-US" sz="1800" spc="-1" strike="noStrike">
-                <a:latin typeface="Arial"/>
+                <a:solidFill>
+                  <a:srgbClr val="000000"/>
+                </a:solidFill>
+                <a:latin typeface="Arial"/>
+                <a:ea typeface="DejaVu Sans"/>
               </a:rPr>
               <a:t>Wheel Graph</a:t>
             </a:r>
@@ -12239,7 +12273,7 @@
         <p:spPr>
           <a:xfrm>
             <a:off x="3886200" y="1143000"/>
-            <a:ext cx="2285640" cy="345960"/>
+            <a:ext cx="2284560" cy="344880"/>
           </a:xfrm>
           <a:prstGeom prst="rect">
             <a:avLst/>
@@ -12268,7 +12302,11 @@
             </a:pPr>
             <a:r>
               <a:rPr b="0" lang="en-US" sz="1800" spc="-1" strike="noStrike">
-                <a:latin typeface="Arial"/>
+                <a:solidFill>
+                  <a:srgbClr val="000000"/>
+                </a:solidFill>
+                <a:latin typeface="Arial"/>
+                <a:ea typeface="DejaVu Sans"/>
               </a:rPr>
               <a:t>Pseudo-Tree Graph</a:t>
             </a:r>
@@ -12287,7 +12325,7 @@
         <p:spPr>
           <a:xfrm>
             <a:off x="457200" y="3200400"/>
-            <a:ext cx="2285640" cy="345960"/>
+            <a:ext cx="2284560" cy="344880"/>
           </a:xfrm>
           <a:prstGeom prst="rect">
             <a:avLst/>
@@ -12316,7 +12354,11 @@
             </a:pPr>
             <a:r>
               <a:rPr b="0" lang="en-US" sz="1800" spc="-1" strike="noStrike">
-                <a:latin typeface="Arial"/>
+                <a:solidFill>
+                  <a:srgbClr val="000000"/>
+                </a:solidFill>
+                <a:latin typeface="Arial"/>
+                <a:ea typeface="DejaVu Sans"/>
               </a:rPr>
               <a:t>Cycle Graph</a:t>
             </a:r>
@@ -12369,7 +12411,7 @@
         <p:spPr>
           <a:xfrm>
             <a:off x="360000" y="225720"/>
-            <a:ext cx="9356040" cy="714960"/>
+            <a:ext cx="9354960" cy="713880"/>
           </a:xfrm>
           <a:prstGeom prst="rect">
             <a:avLst/>
@@ -12418,7 +12460,7 @@
         <p:spPr>
           <a:xfrm>
             <a:off x="360000" y="1485000"/>
-            <a:ext cx="9356040" cy="3776040"/>
+            <a:ext cx="9354960" cy="3774960"/>
           </a:xfrm>
           <a:prstGeom prst="rect">
             <a:avLst/>
@@ -12662,7 +12704,7 @@
         <p:spPr>
           <a:xfrm>
             <a:off x="360000" y="225720"/>
-            <a:ext cx="9356040" cy="714960"/>
+            <a:ext cx="9354960" cy="713880"/>
           </a:xfrm>
           <a:prstGeom prst="rect">
             <a:avLst/>
@@ -12741,7 +12783,7 @@
         <p:spPr>
           <a:xfrm>
             <a:off x="360000" y="225720"/>
-            <a:ext cx="9356040" cy="714960"/>
+            <a:ext cx="9354960" cy="713880"/>
           </a:xfrm>
           <a:prstGeom prst="rect">
             <a:avLst/>
@@ -12790,7 +12832,7 @@
         <p:spPr>
           <a:xfrm>
             <a:off x="360000" y="1485000"/>
-            <a:ext cx="9356040" cy="3776040"/>
+            <a:ext cx="9354960" cy="3774960"/>
           </a:xfrm>
           <a:prstGeom prst="rect">
             <a:avLst/>
@@ -12899,7 +12941,7 @@
         <p:spPr>
           <a:xfrm>
             <a:off x="360000" y="225720"/>
-            <a:ext cx="9356040" cy="714960"/>
+            <a:ext cx="9354960" cy="713880"/>
           </a:xfrm>
           <a:prstGeom prst="rect">
             <a:avLst/>
@@ -12948,7 +12990,7 @@
         <p:spPr>
           <a:xfrm>
             <a:off x="360000" y="1485000"/>
-            <a:ext cx="9356040" cy="3776040"/>
+            <a:ext cx="9354960" cy="3774960"/>
           </a:xfrm>
           <a:prstGeom prst="rect">
             <a:avLst/>
@@ -13082,7 +13124,7 @@
         <p:spPr>
           <a:xfrm>
             <a:off x="360000" y="-39960"/>
-            <a:ext cx="9356040" cy="1246680"/>
+            <a:ext cx="9354960" cy="1245600"/>
           </a:xfrm>
           <a:prstGeom prst="rect">
             <a:avLst/>
@@ -13131,7 +13173,7 @@
         <p:spPr>
           <a:xfrm>
             <a:off x="360000" y="1485000"/>
-            <a:ext cx="9356040" cy="3776040"/>
+            <a:ext cx="9354960" cy="3774960"/>
           </a:xfrm>
           <a:prstGeom prst="rect">
             <a:avLst/>
@@ -13398,7 +13440,7 @@
                 </a:solidFill>
                 <a:latin typeface="Arial"/>
               </a:rPr>
-              <a:t>This comes from the directed version of the matrix tree theorem, where the rank of a graph corresponds to the number f spanning trees.  This is one in the case of tree graphs.</a:t>
+              <a:t>This comes from the directed version of the matrix tree theorem, where the rank of a graph corresponds to the number of spanning trees.  This is one in the case of tree graphs.</a:t>
             </a:r>
             <a:endParaRPr b="0" lang="en-US" sz="3200" spc="-1" strike="noStrike">
               <a:latin typeface="Arial"/>
@@ -13449,7 +13491,7 @@
         <p:spPr>
           <a:xfrm>
             <a:off x="360000" y="225720"/>
-            <a:ext cx="9356040" cy="714960"/>
+            <a:ext cx="9354960" cy="713880"/>
           </a:xfrm>
           <a:prstGeom prst="rect">
             <a:avLst/>
@@ -13498,7 +13540,7 @@
         <p:spPr>
           <a:xfrm>
             <a:off x="360000" y="1485000"/>
-            <a:ext cx="9356040" cy="3776040"/>
+            <a:ext cx="9354960" cy="3774960"/>
           </a:xfrm>
           <a:prstGeom prst="rect">
             <a:avLst/>
@@ -13657,7 +13699,7 @@
         <p:spPr>
           <a:xfrm>
             <a:off x="360000" y="-39960"/>
-            <a:ext cx="9356040" cy="1246680"/>
+            <a:ext cx="9354960" cy="1245600"/>
           </a:xfrm>
           <a:prstGeom prst="rect">
             <a:avLst/>
@@ -13706,7 +13748,7 @@
         <p:spPr>
           <a:xfrm>
             <a:off x="360000" y="1485000"/>
-            <a:ext cx="9466560" cy="3776040"/>
+            <a:ext cx="9465480" cy="3774960"/>
           </a:xfrm>
           <a:prstGeom prst="rect">
             <a:avLst/>
@@ -13882,7 +13924,7 @@
         <p:spPr>
           <a:xfrm>
             <a:off x="360000" y="-39960"/>
-            <a:ext cx="9356040" cy="1246680"/>
+            <a:ext cx="9354960" cy="1245600"/>
           </a:xfrm>
           <a:prstGeom prst="rect">
             <a:avLst/>
@@ -13931,7 +13973,7 @@
         <p:spPr>
           <a:xfrm>
             <a:off x="360000" y="1485000"/>
-            <a:ext cx="9356040" cy="3776040"/>
+            <a:ext cx="9354960" cy="3774960"/>
           </a:xfrm>
           <a:prstGeom prst="rect">
             <a:avLst/>
@@ -14475,7 +14517,7 @@
         <p:spPr>
           <a:xfrm>
             <a:off x="360000" y="225720"/>
-            <a:ext cx="9356040" cy="714960"/>
+            <a:ext cx="9354960" cy="713880"/>
           </a:xfrm>
           <a:prstGeom prst="rect">
             <a:avLst/>
@@ -14524,7 +14566,7 @@
         <p:spPr>
           <a:xfrm>
             <a:off x="2514600" y="2373120"/>
-            <a:ext cx="2930400" cy="2197080"/>
+            <a:ext cx="2929320" cy="2196000"/>
           </a:xfrm>
           <a:prstGeom prst="rect">
             <a:avLst/>
@@ -14548,7 +14590,7 @@
         <p:spPr>
           <a:xfrm>
             <a:off x="209520" y="1290960"/>
-            <a:ext cx="2417400" cy="1926720"/>
+            <a:ext cx="2416320" cy="1925640"/>
           </a:xfrm>
           <a:prstGeom prst="rect">
             <a:avLst/>
@@ -14572,7 +14614,7 @@
         <p:spPr>
           <a:xfrm>
             <a:off x="0" y="3200400"/>
-            <a:ext cx="2741040" cy="2055600"/>
+            <a:ext cx="2739960" cy="2054520"/>
           </a:xfrm>
           <a:prstGeom prst="rect">
             <a:avLst/>
@@ -14590,8 +14632,8 @@
         </p:nvSpPr>
         <p:spPr>
           <a:xfrm rot="18160800">
-            <a:off x="219600" y="2125080"/>
-            <a:ext cx="1368360" cy="225360"/>
+            <a:off x="218520" y="2125440"/>
+            <a:ext cx="1367280" cy="224280"/>
           </a:xfrm>
           <a:custGeom>
             <a:avLst/>
@@ -14658,8 +14700,8 @@
         </p:nvSpPr>
         <p:spPr>
           <a:xfrm rot="3178800">
-            <a:off x="1719720" y="1998000"/>
-            <a:ext cx="911160" cy="225360"/>
+            <a:off x="1719720" y="1997280"/>
+            <a:ext cx="910080" cy="224280"/>
           </a:xfrm>
           <a:custGeom>
             <a:avLst/>
@@ -14718,7 +14760,7 @@
         <p:spPr>
           <a:xfrm>
             <a:off x="1143000" y="2973240"/>
-            <a:ext cx="911160" cy="225360"/>
+            <a:ext cx="910080" cy="224280"/>
           </a:xfrm>
           <a:custGeom>
             <a:avLst/>
@@ -14776,8 +14818,8 @@
         </p:nvSpPr>
         <p:spPr>
           <a:xfrm rot="18160800">
-            <a:off x="219600" y="4049280"/>
-            <a:ext cx="1368360" cy="225360"/>
+            <a:off x="218520" y="4049640"/>
+            <a:ext cx="1367280" cy="224280"/>
           </a:xfrm>
           <a:custGeom>
             <a:avLst/>
@@ -14844,8 +14886,8 @@
         </p:nvSpPr>
         <p:spPr>
           <a:xfrm rot="14195400">
-            <a:off x="1585080" y="4053960"/>
-            <a:ext cx="1368360" cy="225360"/>
+            <a:off x="1585080" y="4054680"/>
+            <a:ext cx="1367280" cy="224280"/>
           </a:xfrm>
           <a:custGeom>
             <a:avLst/>
@@ -14912,8 +14954,8 @@
         </p:nvSpPr>
         <p:spPr>
           <a:xfrm rot="21568800">
-            <a:off x="830880" y="5019840"/>
-            <a:ext cx="1368360" cy="225360"/>
+            <a:off x="829800" y="5018760"/>
+            <a:ext cx="1367280" cy="224280"/>
           </a:xfrm>
           <a:custGeom>
             <a:avLst/>
@@ -14981,7 +15023,7 @@
         <p:spPr>
           <a:xfrm>
             <a:off x="3657600" y="4116240"/>
-            <a:ext cx="911160" cy="225360"/>
+            <a:ext cx="910080" cy="224280"/>
           </a:xfrm>
           <a:custGeom>
             <a:avLst/>
@@ -15039,8 +15081,8 @@
         </p:nvSpPr>
         <p:spPr>
           <a:xfrm rot="13918800">
-            <a:off x="4201560" y="3115800"/>
-            <a:ext cx="911160" cy="225360"/>
+            <a:off x="4201560" y="3116520"/>
+            <a:ext cx="910080" cy="224280"/>
           </a:xfrm>
           <a:custGeom>
             <a:avLst/>
@@ -15098,8 +15140,8 @@
         </p:nvSpPr>
         <p:spPr>
           <a:xfrm rot="7579800">
-            <a:off x="2878560" y="3292920"/>
-            <a:ext cx="911160" cy="225360"/>
+            <a:off x="2879280" y="3292920"/>
+            <a:ext cx="910080" cy="224280"/>
           </a:xfrm>
           <a:custGeom>
             <a:avLst/>
@@ -15162,7 +15204,7 @@
         <p:spPr>
           <a:xfrm>
             <a:off x="5181840" y="1600200"/>
-            <a:ext cx="4874760" cy="3655800"/>
+            <a:ext cx="4873680" cy="3654720"/>
           </a:xfrm>
           <a:prstGeom prst="rect">
             <a:avLst/>
@@ -15215,7 +15257,7 @@
         <p:spPr>
           <a:xfrm>
             <a:off x="360000" y="-39960"/>
-            <a:ext cx="9356040" cy="1246680"/>
+            <a:ext cx="9354960" cy="1245600"/>
           </a:xfrm>
           <a:prstGeom prst="rect">
             <a:avLst/>
@@ -15264,7 +15306,7 @@
         <p:spPr>
           <a:xfrm>
             <a:off x="360000" y="1485000"/>
-            <a:ext cx="9356040" cy="3776040"/>
+            <a:ext cx="9354960" cy="3774960"/>
           </a:xfrm>
           <a:prstGeom prst="rect">
             <a:avLst/>
@@ -15639,7 +15681,7 @@
         <p:spPr>
           <a:xfrm>
             <a:off x="360000" y="-39960"/>
-            <a:ext cx="9356040" cy="1246680"/>
+            <a:ext cx="9354960" cy="1245600"/>
           </a:xfrm>
           <a:prstGeom prst="rect">
             <a:avLst/>
@@ -15688,7 +15730,7 @@
         <p:spPr>
           <a:xfrm>
             <a:off x="360000" y="1485000"/>
-            <a:ext cx="9356040" cy="3776040"/>
+            <a:ext cx="9354960" cy="3774960"/>
           </a:xfrm>
           <a:prstGeom prst="rect">
             <a:avLst/>
@@ -15700,7 +15742,7 @@
         </p:spPr>
         <p:txBody>
           <a:bodyPr lIns="0" rIns="0" tIns="0" bIns="0" anchor="t">
-            <a:normAutofit fontScale="62000"/>
+            <a:normAutofit fontScale="64000"/>
           </a:bodyPr>
           <a:p>
             <a:pPr marL="432000" indent="-324000">
@@ -15854,25 +15896,6 @@
               </a:rPr>
               <a:t> appear to be </a:t>
             </a:r>
-            <a:endParaRPr b="0" lang="en-US" sz="3200" spc="-1" strike="noStrike">
-              <a:latin typeface="Arial"/>
-            </a:endParaRPr>
-          </a:p>
-          <a:p>
-            <a:pPr lvl="1" marL="864000" indent="-324000">
-              <a:lnSpc>
-                <a:spcPct val="100000"/>
-              </a:lnSpc>
-              <a:spcBef>
-                <a:spcPts val="1134"/>
-              </a:spcBef>
-              <a:buClr>
-                <a:srgbClr val="000000"/>
-              </a:buClr>
-              <a:buSzPct val="75000"/>
-              <a:buFont typeface="Symbol"/>
-              <a:buChar char=""/>
-            </a:pPr>
             <a:r>
               <a:rPr b="0" i="1" lang="en-US" sz="3200" spc="-1" strike="noStrike">
                 <a:solidFill>
@@ -16022,7 +16045,7 @@
         <p:spPr>
           <a:xfrm>
             <a:off x="360000" y="-39960"/>
-            <a:ext cx="9356040" cy="1246680"/>
+            <a:ext cx="9354960" cy="1245600"/>
           </a:xfrm>
           <a:prstGeom prst="rect">
             <a:avLst/>
@@ -16071,7 +16094,7 @@
         <p:spPr>
           <a:xfrm>
             <a:off x="1143000" y="2196720"/>
-            <a:ext cx="3776400" cy="2832120"/>
+            <a:ext cx="3775320" cy="2831040"/>
           </a:xfrm>
           <a:prstGeom prst="rect">
             <a:avLst/>
@@ -16094,7 +16117,7 @@
         <p:spPr>
           <a:xfrm>
             <a:off x="4910040" y="2196720"/>
-            <a:ext cx="3776400" cy="2832120"/>
+            <a:ext cx="3775320" cy="2831040"/>
           </a:xfrm>
           <a:prstGeom prst="rect">
             <a:avLst/>
@@ -16113,7 +16136,7 @@
         <p:spPr>
           <a:xfrm>
             <a:off x="1600200" y="1828800"/>
-            <a:ext cx="6629040" cy="345960"/>
+            <a:ext cx="6627960" cy="344880"/>
           </a:xfrm>
           <a:prstGeom prst="rect">
             <a:avLst/>
@@ -16142,55 +16165,91 @@
             </a:pPr>
             <a:r>
               <a:rPr b="0" lang="en-US" sz="1800" spc="-1" strike="noStrike">
-                <a:latin typeface="Arial"/>
+                <a:solidFill>
+                  <a:srgbClr val="000000"/>
+                </a:solidFill>
+                <a:latin typeface="Arial"/>
+                <a:ea typeface="DejaVu Sans"/>
               </a:rPr>
               <a:t>Pic(C</a:t>
             </a:r>
             <a:r>
               <a:rPr b="0" lang="en-US" sz="1800" spc="-1" strike="noStrike" baseline="-8000">
-                <a:latin typeface="Arial"/>
+                <a:solidFill>
+                  <a:srgbClr val="000000"/>
+                </a:solidFill>
+                <a:latin typeface="Arial"/>
+                <a:ea typeface="DejaVu Sans"/>
               </a:rPr>
               <a:t>7</a:t>
             </a:r>
             <a:r>
               <a:rPr b="0" lang="en-US" sz="1800" spc="-1" strike="noStrike">
-                <a:latin typeface="Arial"/>
+                <a:solidFill>
+                  <a:srgbClr val="000000"/>
+                </a:solidFill>
+                <a:latin typeface="Arial"/>
+                <a:ea typeface="DejaVu Sans"/>
               </a:rPr>
               <a:t>) = ℤ</a:t>
             </a:r>
             <a:r>
               <a:rPr b="0" lang="en-US" sz="1800" spc="-1" strike="noStrike" baseline="-8000">
-                <a:latin typeface="Arial"/>
+                <a:solidFill>
+                  <a:srgbClr val="000000"/>
+                </a:solidFill>
+                <a:latin typeface="Arial"/>
+                <a:ea typeface="DejaVu Sans"/>
               </a:rPr>
               <a:t>5</a:t>
             </a:r>
             <a:r>
               <a:rPr b="0" lang="en-US" sz="1800" spc="-1" strike="noStrike">
-                <a:latin typeface="Arial"/>
+                <a:solidFill>
+                  <a:srgbClr val="000000"/>
+                </a:solidFill>
+                <a:latin typeface="Arial"/>
+                <a:ea typeface="DejaVu Sans"/>
               </a:rPr>
               <a:t> x ℤ                               Pic(W</a:t>
             </a:r>
             <a:r>
               <a:rPr b="0" lang="en-US" sz="1800" spc="-1" strike="noStrike" baseline="-8000">
-                <a:latin typeface="Arial"/>
+                <a:solidFill>
+                  <a:srgbClr val="000000"/>
+                </a:solidFill>
+                <a:latin typeface="Arial"/>
+                <a:ea typeface="DejaVu Sans"/>
               </a:rPr>
               <a:t>8</a:t>
             </a:r>
             <a:r>
               <a:rPr b="0" lang="en-US" sz="1800" spc="-1" strike="noStrike">
-                <a:latin typeface="Arial"/>
+                <a:solidFill>
+                  <a:srgbClr val="000000"/>
+                </a:solidFill>
+                <a:latin typeface="Arial"/>
+                <a:ea typeface="DejaVu Sans"/>
               </a:rPr>
               <a:t>) = ℤ</a:t>
             </a:r>
             <a:r>
               <a:rPr b="0" lang="en-US" sz="1800" spc="-1" strike="noStrike" baseline="-8000">
-                <a:latin typeface="Arial"/>
+                <a:solidFill>
+                  <a:srgbClr val="000000"/>
+                </a:solidFill>
+                <a:latin typeface="Arial"/>
+                <a:ea typeface="DejaVu Sans"/>
               </a:rPr>
               <a:t>35</a:t>
             </a:r>
             <a:r>
               <a:rPr b="0" lang="en-US" sz="1800" spc="-1" strike="noStrike">
-                <a:latin typeface="Arial"/>
+                <a:solidFill>
+                  <a:srgbClr val="000000"/>
+                </a:solidFill>
+                <a:latin typeface="Arial"/>
+                <a:ea typeface="DejaVu Sans"/>
               </a:rPr>
               <a:t> x ℤ</a:t>
             </a:r>
@@ -16423,7 +16482,7 @@
         <p:spPr>
           <a:xfrm>
             <a:off x="360000" y="-39960"/>
-            <a:ext cx="9356040" cy="1246680"/>
+            <a:ext cx="9354960" cy="1245600"/>
           </a:xfrm>
           <a:prstGeom prst="rect">
             <a:avLst/>
@@ -16472,7 +16531,7 @@
         <p:spPr>
           <a:xfrm>
             <a:off x="360000" y="1485000"/>
-            <a:ext cx="9356040" cy="3776040"/>
+            <a:ext cx="9354960" cy="3774960"/>
           </a:xfrm>
           <a:prstGeom prst="rect">
             <a:avLst/>
@@ -16579,12 +16638,14 @@
                   <a:srgbClr val="000000"/>
                 </a:solidFill>
                 <a:latin typeface="Arial"/>
+                <a:ea typeface="Noto Sans CJK SC"/>
               </a:rPr>
               <a:t>(conj)</a:t>
             </a:r>
             <a:r>
               <a:rPr b="0" lang="en-US" sz="3200" spc="-1" strike="noStrike">
                 <a:latin typeface="Arial"/>
+                <a:ea typeface="Noto Sans CJK SC"/>
               </a:rPr>
               <a:t>.</a:t>
             </a:r>
@@ -16793,7 +16854,7 @@
         <p:spPr>
           <a:xfrm>
             <a:off x="360000" y="225720"/>
-            <a:ext cx="9356040" cy="714960"/>
+            <a:ext cx="9354960" cy="713880"/>
           </a:xfrm>
           <a:prstGeom prst="rect">
             <a:avLst/>
@@ -16872,7 +16933,7 @@
         <p:spPr>
           <a:xfrm>
             <a:off x="360000" y="225720"/>
-            <a:ext cx="9356040" cy="714960"/>
+            <a:ext cx="9354960" cy="713880"/>
           </a:xfrm>
           <a:prstGeom prst="rect">
             <a:avLst/>
@@ -16921,7 +16982,7 @@
         <p:spPr>
           <a:xfrm>
             <a:off x="797400" y="1870560"/>
-            <a:ext cx="8574840" cy="2472480"/>
+            <a:ext cx="8573760" cy="2471400"/>
           </a:xfrm>
           <a:prstGeom prst="rect">
             <a:avLst/>
@@ -16974,7 +17035,7 @@
         <p:spPr>
           <a:xfrm>
             <a:off x="360000" y="225720"/>
-            <a:ext cx="9356040" cy="714960"/>
+            <a:ext cx="9354960" cy="713880"/>
           </a:xfrm>
           <a:prstGeom prst="rect">
             <a:avLst/>
@@ -17023,7 +17084,7 @@
         <p:spPr>
           <a:xfrm>
             <a:off x="360000" y="1485000"/>
-            <a:ext cx="9356040" cy="3776040"/>
+            <a:ext cx="9354960" cy="3774960"/>
           </a:xfrm>
           <a:prstGeom prst="rect">
             <a:avLst/>
@@ -17182,7 +17243,7 @@
         <p:spPr>
           <a:xfrm>
             <a:off x="360000" y="-39960"/>
-            <a:ext cx="9356040" cy="1246680"/>
+            <a:ext cx="9354960" cy="1245600"/>
           </a:xfrm>
           <a:prstGeom prst="rect">
             <a:avLst/>
@@ -17231,7 +17292,7 @@
         <p:spPr>
           <a:xfrm>
             <a:off x="360000" y="1485000"/>
-            <a:ext cx="9466560" cy="3776040"/>
+            <a:ext cx="9465480" cy="3774960"/>
           </a:xfrm>
           <a:prstGeom prst="rect">
             <a:avLst/>
@@ -17397,7 +17458,7 @@
         <p:spPr>
           <a:xfrm>
             <a:off x="360000" y="-39960"/>
-            <a:ext cx="9356040" cy="1246680"/>
+            <a:ext cx="9354960" cy="1245600"/>
           </a:xfrm>
           <a:prstGeom prst="rect">
             <a:avLst/>
@@ -17446,7 +17507,7 @@
         <p:spPr>
           <a:xfrm>
             <a:off x="360000" y="1485000"/>
-            <a:ext cx="9466560" cy="3776040"/>
+            <a:ext cx="9465480" cy="3774960"/>
           </a:xfrm>
           <a:prstGeom prst="rect">
             <a:avLst/>
@@ -17621,7 +17682,7 @@
         <p:spPr>
           <a:xfrm>
             <a:off x="360000" y="225720"/>
-            <a:ext cx="9356040" cy="714960"/>
+            <a:ext cx="9354960" cy="713880"/>
           </a:xfrm>
           <a:prstGeom prst="rect">
             <a:avLst/>
@@ -17670,7 +17731,7 @@
         <p:spPr>
           <a:xfrm>
             <a:off x="1022400" y="1509840"/>
-            <a:ext cx="4689000" cy="3515760"/>
+            <a:ext cx="4687920" cy="3514680"/>
           </a:xfrm>
           <a:prstGeom prst="rect">
             <a:avLst/>
@@ -17693,7 +17754,7 @@
         <p:spPr>
           <a:xfrm>
             <a:off x="360000" y="2507760"/>
-            <a:ext cx="1465200" cy="1603440"/>
+            <a:ext cx="1464120" cy="1602360"/>
           </a:xfrm>
           <a:prstGeom prst="rect">
             <a:avLst/>
@@ -17735,7 +17796,7 @@
         <p:spPr>
           <a:xfrm>
             <a:off x="5486400" y="1828800"/>
-            <a:ext cx="4339800" cy="1481040"/>
+            <a:ext cx="4338720" cy="1479960"/>
           </a:xfrm>
           <a:prstGeom prst="rect">
             <a:avLst/>
@@ -17973,7 +18034,7 @@
         <p:spPr>
           <a:xfrm>
             <a:off x="360000" y="1485000"/>
-            <a:ext cx="9356040" cy="3776040"/>
+            <a:ext cx="9354960" cy="3774960"/>
           </a:xfrm>
           <a:prstGeom prst="rect">
             <a:avLst/>
@@ -17985,7 +18046,7 @@
         </p:spPr>
         <p:txBody>
           <a:bodyPr lIns="0" rIns="0" tIns="0" bIns="0" anchor="t">
-            <a:normAutofit fontScale="78000"/>
+            <a:normAutofit fontScale="60000"/>
           </a:bodyPr>
           <a:p>
             <a:pPr marL="432000" indent="-324000">
@@ -18035,56 +18096,77 @@
                 <a:latin typeface="Arial"/>
                 <a:ea typeface="Noto Sans CJK SC"/>
               </a:rPr>
-              <a:t>,</a:t>
+              <a:t>, is an integer vector </a:t>
             </a:r>
             <a:r>
               <a:rPr b="0" i="1" lang="en-US" sz="3200" spc="-1" strike="noStrike">
                 <a:latin typeface="Arial"/>
                 <a:ea typeface="Noto Sans CJK SC"/>
               </a:rPr>
-              <a:t> Div(G)</a:t>
+              <a:t>v ∈ ℤ</a:t>
+            </a:r>
+            <a:r>
+              <a:rPr b="0" i="1" lang="en-US" sz="3200" spc="-1" strike="noStrike" baseline="33000">
+                <a:latin typeface="Arial"/>
+                <a:ea typeface="Noto Sans CJK SC"/>
+              </a:rPr>
+              <a:t>n</a:t>
             </a:r>
             <a:r>
               <a:rPr b="0" lang="en-US" sz="3200" spc="-1" strike="noStrike">
                 <a:latin typeface="Arial"/>
                 <a:ea typeface="Noto Sans CJK SC"/>
               </a:rPr>
-              <a:t>, is an integer vector </a:t>
+              <a:t> where </a:t>
             </a:r>
             <a:r>
               <a:rPr b="0" i="1" lang="en-US" sz="3200" spc="-1" strike="noStrike">
                 <a:latin typeface="Arial"/>
                 <a:ea typeface="Noto Sans CJK SC"/>
               </a:rPr>
-              <a:t>v ∈ ℤ</a:t>
+              <a:t>n</a:t>
+            </a:r>
+            <a:r>
+              <a:rPr b="0" lang="en-US" sz="3200" spc="-1" strike="noStrike">
+                <a:latin typeface="Arial"/>
+                <a:ea typeface="Noto Sans CJK SC"/>
+              </a:rPr>
+              <a:t> is the number of vertices in the graph.  The </a:t>
+            </a:r>
+            <a:r>
+              <a:rPr b="0" i="1" lang="en-US" sz="3200" spc="-1" strike="noStrike">
+                <a:latin typeface="Arial"/>
+                <a:ea typeface="Noto Sans CJK SC"/>
+              </a:rPr>
+              <a:t>i</a:t>
             </a:r>
             <a:r>
               <a:rPr b="0" i="1" lang="en-US" sz="3200" spc="-1" strike="noStrike" baseline="33000">
                 <a:latin typeface="Arial"/>
                 <a:ea typeface="Noto Sans CJK SC"/>
               </a:rPr>
-              <a:t>n</a:t>
+              <a:t>th</a:t>
             </a:r>
             <a:r>
               <a:rPr b="0" lang="en-US" sz="3200" spc="-1" strike="noStrike">
                 <a:latin typeface="Arial"/>
                 <a:ea typeface="Noto Sans CJK SC"/>
               </a:rPr>
-              <a:t> where </a:t>
+              <a:t> element of </a:t>
             </a:r>
             <a:r>
               <a:rPr b="0" i="1" lang="en-US" sz="3200" spc="-1" strike="noStrike">
                 <a:latin typeface="Arial"/>
                 <a:ea typeface="Noto Sans CJK SC"/>
               </a:rPr>
-              <a:t>n</a:t>
+              <a:t>v</a:t>
             </a:r>
             <a:r>
               <a:rPr b="0" lang="en-US" sz="3200" spc="-1" strike="noStrike">
                 <a:latin typeface="Arial"/>
                 <a:ea typeface="Noto Sans CJK SC"/>
               </a:rPr>
-              <a:t> is the number of vertices in the graph.  The </a:t>
+              <a:t> is the number of chips on the </a:t>
             </a:r>
             <a:r>
               <a:rPr b="0" i="1" lang="en-US" sz="3200" spc="-1" strike="noStrike">
@@ -18098,49 +18180,14 @@
                 <a:latin typeface="Arial"/>
                 <a:ea typeface="Noto Sans CJK SC"/>
               </a:rPr>
-              <a:t>th</a:t>
+              <a:t>th </a:t>
             </a:r>
             <a:r>
               <a:rPr b="0" lang="en-US" sz="3200" spc="-1" strike="noStrike">
                 <a:latin typeface="Arial"/>
                 <a:ea typeface="Noto Sans CJK SC"/>
               </a:rPr>
-              <a:t> element of </a:t>
-            </a:r>
-            <a:r>
-              <a:rPr b="0" i="1" lang="en-US" sz="3200" spc="-1" strike="noStrike">
-                <a:latin typeface="Arial"/>
-                <a:ea typeface="Noto Sans CJK SC"/>
-              </a:rPr>
-              <a:t>v</a:t>
-            </a:r>
-            <a:r>
-              <a:rPr b="0" lang="en-US" sz="3200" spc="-1" strike="noStrike">
-                <a:latin typeface="Arial"/>
-                <a:ea typeface="Noto Sans CJK SC"/>
-              </a:rPr>
-              <a:t> is the number of chips on the </a:t>
-            </a:r>
-            <a:r>
-              <a:rPr b="0" i="1" lang="en-US" sz="3200" spc="-1" strike="noStrike">
-                <a:latin typeface="Arial"/>
-                <a:ea typeface="Noto Sans CJK SC"/>
-              </a:rPr>
-              <a:t>i</a:t>
-            </a:r>
-            <a:r>
-              <a:rPr b="0" i="1" lang="en-US" sz="3200" spc="-1" strike="noStrike" baseline="33000">
-                <a:latin typeface="Arial"/>
-                <a:ea typeface="Noto Sans CJK SC"/>
-              </a:rPr>
-              <a:t>th </a:t>
-            </a:r>
-            <a:r>
-              <a:rPr b="0" lang="en-US" sz="3200" spc="-1" strike="noStrike">
-                <a:latin typeface="Arial"/>
-                <a:ea typeface="Noto Sans CJK SC"/>
-              </a:rPr>
-              <a:t>vertex of the graph.  </a:t>
+              <a:t>vertex of the graph.</a:t>
             </a:r>
             <a:endParaRPr b="0" lang="en-US" sz="3200" spc="-1" strike="noStrike">
               <a:latin typeface="Arial"/>
@@ -18247,6 +18294,32 @@
               <a:latin typeface="Arial"/>
             </a:endParaRPr>
           </a:p>
+          <a:p>
+            <a:pPr marL="432000" indent="-324000">
+              <a:lnSpc>
+                <a:spcPct val="100000"/>
+              </a:lnSpc>
+              <a:spcBef>
+                <a:spcPts val="1417"/>
+              </a:spcBef>
+              <a:buClr>
+                <a:srgbClr val="000000"/>
+              </a:buClr>
+              <a:buSzPct val="45000"/>
+              <a:buFont typeface="Wingdings" charset="2"/>
+              <a:buChar char=""/>
+            </a:pPr>
+            <a:r>
+              <a:rPr b="0" lang="en-US" sz="3200" spc="-1" strike="noStrike">
+                <a:latin typeface="Arial"/>
+                <a:ea typeface="Noto Sans CJK SC"/>
+              </a:rPr>
+              <a:t>The collection of all divisors on a graph defines a free abelian group Div(G), the divisor group of G.  All members of this group are related to one of the graph’s equivalency classes and are generated through some combination of lending or borrowing moves.</a:t>
+            </a:r>
+            <a:endParaRPr b="0" lang="en-US" sz="3200" spc="-1" strike="noStrike">
+              <a:latin typeface="Arial"/>
+            </a:endParaRPr>
+          </a:p>
         </p:txBody>
       </p:sp>
       <p:sp>
@@ -18262,7 +18335,7 @@
         <p:spPr>
           <a:xfrm>
             <a:off x="360000" y="225720"/>
-            <a:ext cx="9356040" cy="714960"/>
+            <a:ext cx="9354960" cy="713880"/>
           </a:xfrm>
           <a:prstGeom prst="rect">
             <a:avLst/>

--- a/Docs/JMMPresentation.pptx
+++ b/Docs/JMMPresentation.pptx
@@ -91,7 +91,7 @@
         <p:txBody>
           <a:bodyPr/>
           <a:p>
-            <a:fld id="{E62097B1-AE47-4ED3-B236-7B31EF217D91}" type="slidenum">
+            <a:fld id="{904F0F3F-C09D-4AAE-8121-7AB7BE79361F}" type="slidenum">
               <a:t>&lt;#&gt;</a:t>
             </a:fld>
           </a:p>
@@ -279,7 +279,7 @@
         <p:txBody>
           <a:bodyPr/>
           <a:p>
-            <a:fld id="{D7E8F524-4DEF-437B-90F6-2D0275D02066}" type="slidenum">
+            <a:fld id="{9E32F671-E93E-4415-A87F-4D970271F083}" type="slidenum">
               <a:t>&lt;#&gt;</a:t>
             </a:fld>
           </a:p>
@@ -535,7 +535,7 @@
         <p:txBody>
           <a:bodyPr/>
           <a:p>
-            <a:fld id="{334BA6AB-664E-4CDE-9FE7-5A6905FEE902}" type="slidenum">
+            <a:fld id="{D54A8437-3AD3-4703-87A0-4F9D9FB6A9DA}" type="slidenum">
               <a:t>&lt;#&gt;</a:t>
             </a:fld>
           </a:p>
@@ -859,7 +859,7 @@
         <p:txBody>
           <a:bodyPr/>
           <a:p>
-            <a:fld id="{8F4F4F26-5FF3-4DE8-9144-4F5BAA7C8711}" type="slidenum">
+            <a:fld id="{057E87C9-22C2-4879-9C07-DE148E276DEF}" type="slidenum">
               <a:t>&lt;#&gt;</a:t>
             </a:fld>
           </a:p>
@@ -1920,7 +1920,7 @@
         <p:txBody>
           <a:bodyPr/>
           <a:p>
-            <a:fld id="{A2210CE8-7CAF-4496-8610-5DA1A079297B}" type="slidenum">
+            <a:fld id="{ECB58025-6141-4EA4-9CC7-98055205C7E4}" type="slidenum">
               <a:t>&lt;#&gt;</a:t>
             </a:fld>
           </a:p>
@@ -3788,7 +3788,7 @@
         <p:txBody>
           <a:bodyPr/>
           <a:p>
-            <a:fld id="{798A2BD2-D211-4314-A6B0-C4362DDE6E2E}" type="slidenum">
+            <a:fld id="{CB77B6FF-EF40-4A71-8171-A08786242A1A}" type="slidenum">
               <a:t>&lt;#&gt;</a:t>
             </a:fld>
           </a:p>
@@ -5724,7 +5724,7 @@
         <p:txBody>
           <a:bodyPr/>
           <a:p>
-            <a:fld id="{7443D7A2-D66D-4BB7-B53B-60A2D7B79632}" type="slidenum">
+            <a:fld id="{5CA401A2-1C98-4F25-9C8B-89949B4DA0B3}" type="slidenum">
               <a:t>&lt;#&gt;</a:t>
             </a:fld>
           </a:p>
@@ -7526,7 +7526,7 @@
         <p:txBody>
           <a:bodyPr/>
           <a:p>
-            <a:fld id="{94DC7472-55F8-4C08-996E-BC1EB8B47F0F}" type="slidenum">
+            <a:fld id="{B961F56D-639C-48BC-A8CF-746267B4DD31}" type="slidenum">
               <a:t>&lt;#&gt;</a:t>
             </a:fld>
           </a:p>
@@ -7646,7 +7646,7 @@
         <p:txBody>
           <a:bodyPr/>
           <a:p>
-            <a:fld id="{B60B38F1-08B0-4997-B30B-1B32700FD80B}" type="slidenum">
+            <a:fld id="{339973D8-B0A7-469F-9BF0-5F1AAD1227B2}" type="slidenum">
               <a:t>&lt;#&gt;</a:t>
             </a:fld>
           </a:p>
@@ -7868,7 +7868,7 @@
         <p:txBody>
           <a:bodyPr/>
           <a:p>
-            <a:fld id="{4A568656-81EA-479B-B321-86AC6F9338EF}" type="slidenum">
+            <a:fld id="{BEB9D1C4-634F-409A-8A7A-EB9E9575463C}" type="slidenum">
               <a:t>&lt;#&gt;</a:t>
             </a:fld>
           </a:p>
@@ -8090,7 +8090,7 @@
         <p:txBody>
           <a:bodyPr/>
           <a:p>
-            <a:fld id="{F4B77BB5-8E10-4F42-AFF0-DA6DC881F8B9}" type="slidenum">
+            <a:fld id="{440C6270-2511-4AB9-8932-769F97B9D1DC}" type="slidenum">
               <a:t>&lt;#&gt;</a:t>
             </a:fld>
           </a:p>
@@ -8312,7 +8312,7 @@
         <p:txBody>
           <a:bodyPr/>
           <a:p>
-            <a:fld id="{1A68C96E-9216-4ED0-B1AF-B36713EFB147}" type="slidenum">
+            <a:fld id="{3AEC5242-6FB2-481D-A8E1-DF8A16276823}" type="slidenum">
               <a:t>&lt;#&gt;</a:t>
             </a:fld>
           </a:p>
@@ -8370,7 +8370,7 @@
         <p:spPr>
           <a:xfrm>
             <a:off x="0" y="0"/>
-            <a:ext cx="10074960" cy="5664960"/>
+            <a:ext cx="10074240" cy="5664240"/>
           </a:xfrm>
           <a:prstGeom prst="rect">
             <a:avLst/>
@@ -8398,7 +8398,7 @@
         <p:spPr>
           <a:xfrm>
             <a:off x="0" y="0"/>
-            <a:ext cx="10074960" cy="3774960"/>
+            <a:ext cx="10074240" cy="3774240"/>
           </a:xfrm>
           <a:prstGeom prst="rect">
             <a:avLst/>
@@ -8433,7 +8433,7 @@
         <p:spPr>
           <a:xfrm>
             <a:off x="3420000" y="5400000"/>
-            <a:ext cx="3234960" cy="264960"/>
+            <a:ext cx="3234240" cy="264240"/>
           </a:xfrm>
           <a:prstGeom prst="rect">
             <a:avLst/>
@@ -8496,7 +8496,7 @@
         <p:spPr>
           <a:xfrm>
             <a:off x="9180000" y="5130000"/>
-            <a:ext cx="714960" cy="534960"/>
+            <a:ext cx="714240" cy="534240"/>
           </a:xfrm>
           <a:prstGeom prst="rect">
             <a:avLst/>
@@ -8531,7 +8531,7 @@
               </a:lnSpc>
               <a:buNone/>
             </a:pPr>
-            <a:fld id="{702D914C-ED13-46E1-8740-4BFC57F58D6A}" type="slidenum">
+            <a:fld id="{025DE906-BDB9-4E7C-8A22-B9629CC87A73}" type="slidenum">
               <a:rPr b="1" lang="en-US" sz="1800" spc="-1" strike="noStrike">
                 <a:solidFill>
                   <a:srgbClr val="ffffff"/>
@@ -8559,7 +8559,7 @@
         <p:spPr>
           <a:xfrm>
             <a:off x="360000" y="5400000"/>
-            <a:ext cx="2874960" cy="264960"/>
+            <a:ext cx="2874240" cy="264240"/>
           </a:xfrm>
           <a:prstGeom prst="rect">
             <a:avLst/>
@@ -8865,7 +8865,7 @@
         <p:spPr>
           <a:xfrm>
             <a:off x="0" y="5400000"/>
-            <a:ext cx="10074960" cy="264960"/>
+            <a:ext cx="10074240" cy="264240"/>
           </a:xfrm>
           <a:prstGeom prst="rect">
             <a:avLst/>
@@ -8893,7 +8893,7 @@
         <p:spPr>
           <a:xfrm>
             <a:off x="0" y="0"/>
-            <a:ext cx="10074960" cy="1209960"/>
+            <a:ext cx="10074240" cy="1209240"/>
           </a:xfrm>
           <a:prstGeom prst="rect">
             <a:avLst/>
@@ -8921,7 +8921,7 @@
         <p:spPr>
           <a:xfrm>
             <a:off x="9315000" y="5175000"/>
-            <a:ext cx="444960" cy="444960"/>
+            <a:ext cx="444240" cy="444240"/>
           </a:xfrm>
           <a:prstGeom prst="ellipse">
             <a:avLst/>
@@ -8952,7 +8952,7 @@
         <p:spPr>
           <a:xfrm>
             <a:off x="9180000" y="5130000"/>
-            <a:ext cx="714960" cy="534960"/>
+            <a:ext cx="714240" cy="534240"/>
           </a:xfrm>
           <a:prstGeom prst="rect">
             <a:avLst/>
@@ -8979,7 +8979,7 @@
               </a:lnSpc>
               <a:buNone/>
             </a:pPr>
-            <a:fld id="{115DDAB8-C384-434B-A6E9-2641FB6FE2B3}" type="slidenum">
+            <a:fld id="{B4BD26B4-583E-430D-8325-3B8B2D9BAED0}" type="slidenum">
               <a:rPr b="1" lang="en-US" sz="1800" spc="-1" strike="noStrike">
                 <a:solidFill>
                   <a:srgbClr val="ffffff"/>
@@ -9008,7 +9008,7 @@
         <p:spPr>
           <a:xfrm>
             <a:off x="3420000" y="5400000"/>
-            <a:ext cx="3234960" cy="264960"/>
+            <a:ext cx="3234240" cy="264240"/>
           </a:xfrm>
           <a:prstGeom prst="rect">
             <a:avLst/>
@@ -9071,7 +9071,7 @@
         <p:spPr>
           <a:xfrm>
             <a:off x="360000" y="5400000"/>
-            <a:ext cx="2874960" cy="264960"/>
+            <a:ext cx="2874240" cy="264240"/>
           </a:xfrm>
           <a:prstGeom prst="rect">
             <a:avLst/>
@@ -9377,7 +9377,7 @@
         <p:spPr>
           <a:xfrm>
             <a:off x="0" y="5400000"/>
-            <a:ext cx="10074960" cy="264960"/>
+            <a:ext cx="10074240" cy="264240"/>
           </a:xfrm>
           <a:prstGeom prst="rect">
             <a:avLst/>
@@ -9405,7 +9405,7 @@
         <p:spPr>
           <a:xfrm>
             <a:off x="0" y="0"/>
-            <a:ext cx="10074960" cy="1209960"/>
+            <a:ext cx="10074240" cy="1209240"/>
           </a:xfrm>
           <a:prstGeom prst="rect">
             <a:avLst/>
@@ -9433,7 +9433,7 @@
         <p:spPr>
           <a:xfrm>
             <a:off x="9315000" y="5175000"/>
-            <a:ext cx="444960" cy="444960"/>
+            <a:ext cx="444240" cy="444240"/>
           </a:xfrm>
           <a:prstGeom prst="ellipse">
             <a:avLst/>
@@ -9464,7 +9464,7 @@
         <p:spPr>
           <a:xfrm>
             <a:off x="9180000" y="5130000"/>
-            <a:ext cx="714960" cy="534960"/>
+            <a:ext cx="714240" cy="534240"/>
           </a:xfrm>
           <a:prstGeom prst="rect">
             <a:avLst/>
@@ -9491,7 +9491,7 @@
               </a:lnSpc>
               <a:buNone/>
             </a:pPr>
-            <a:fld id="{9FCB2D94-628E-4677-B64E-55DF33B9E27B}" type="slidenum">
+            <a:fld id="{3756CB38-5BB0-4FD6-A41B-517108DE2ED0}" type="slidenum">
               <a:rPr b="1" lang="en-US" sz="1800" spc="-1" strike="noStrike">
                 <a:solidFill>
                   <a:srgbClr val="ffffff"/>
@@ -9560,7 +9560,7 @@
         <p:spPr>
           <a:xfrm>
             <a:off x="3420000" y="5400000"/>
-            <a:ext cx="3234960" cy="264960"/>
+            <a:ext cx="3234240" cy="264240"/>
           </a:xfrm>
           <a:prstGeom prst="rect">
             <a:avLst/>
@@ -9623,7 +9623,7 @@
         <p:spPr>
           <a:xfrm>
             <a:off x="360000" y="5400000"/>
-            <a:ext cx="2874960" cy="264960"/>
+            <a:ext cx="2874240" cy="264240"/>
           </a:xfrm>
           <a:prstGeom prst="rect">
             <a:avLst/>
@@ -9886,7 +9886,7 @@
         <p:spPr>
           <a:xfrm>
             <a:off x="0" y="5400000"/>
-            <a:ext cx="10074960" cy="264960"/>
+            <a:ext cx="10074240" cy="264240"/>
           </a:xfrm>
           <a:prstGeom prst="rect">
             <a:avLst/>
@@ -9914,7 +9914,7 @@
         <p:spPr>
           <a:xfrm>
             <a:off x="0" y="0"/>
-            <a:ext cx="10074960" cy="1209960"/>
+            <a:ext cx="10074240" cy="1209240"/>
           </a:xfrm>
           <a:prstGeom prst="rect">
             <a:avLst/>
@@ -9942,7 +9942,7 @@
         <p:spPr>
           <a:xfrm>
             <a:off x="9315000" y="5175000"/>
-            <a:ext cx="444960" cy="444960"/>
+            <a:ext cx="444240" cy="444240"/>
           </a:xfrm>
           <a:prstGeom prst="ellipse">
             <a:avLst/>
@@ -9973,7 +9973,7 @@
         <p:spPr>
           <a:xfrm>
             <a:off x="9180000" y="5130000"/>
-            <a:ext cx="714960" cy="534960"/>
+            <a:ext cx="714240" cy="534240"/>
           </a:xfrm>
           <a:prstGeom prst="rect">
             <a:avLst/>
@@ -10000,7 +10000,7 @@
               </a:lnSpc>
               <a:buNone/>
             </a:pPr>
-            <a:fld id="{F13D5C0F-15C2-4A4F-ACD5-BF938AAD0520}" type="slidenum">
+            <a:fld id="{FFCA7740-8CAF-4477-8214-1D2A857AD63A}" type="slidenum">
               <a:rPr b="1" lang="en-US" sz="1800" spc="-1" strike="noStrike">
                 <a:solidFill>
                   <a:srgbClr val="ffffff"/>
@@ -10029,7 +10029,7 @@
         <p:spPr>
           <a:xfrm>
             <a:off x="3420000" y="5400000"/>
-            <a:ext cx="3234960" cy="264960"/>
+            <a:ext cx="3234240" cy="264240"/>
           </a:xfrm>
           <a:prstGeom prst="rect">
             <a:avLst/>
@@ -10092,7 +10092,7 @@
         <p:spPr>
           <a:xfrm>
             <a:off x="360000" y="5400000"/>
-            <a:ext cx="2874960" cy="264960"/>
+            <a:ext cx="2874240" cy="264240"/>
           </a:xfrm>
           <a:prstGeom prst="rect">
             <a:avLst/>
@@ -10402,7 +10402,7 @@
         <p:spPr>
           <a:xfrm>
             <a:off x="360000" y="225720"/>
-            <a:ext cx="9354960" cy="2741400"/>
+            <a:ext cx="9354240" cy="2740680"/>
           </a:xfrm>
           <a:prstGeom prst="rect">
             <a:avLst/>
@@ -10448,7 +10448,7 @@
         <p:spPr>
           <a:xfrm>
             <a:off x="504000" y="4071960"/>
-            <a:ext cx="9067320" cy="1181520"/>
+            <a:ext cx="9066600" cy="1180800"/>
           </a:xfrm>
           <a:prstGeom prst="rect">
             <a:avLst/>
@@ -10567,7 +10567,7 @@
         <p:spPr>
           <a:xfrm>
             <a:off x="360000" y="225720"/>
-            <a:ext cx="9354960" cy="713880"/>
+            <a:ext cx="9354240" cy="713160"/>
           </a:xfrm>
           <a:prstGeom prst="rect">
             <a:avLst/>
@@ -10616,7 +10616,7 @@
         <p:spPr>
           <a:xfrm>
             <a:off x="360000" y="1485000"/>
-            <a:ext cx="9354960" cy="3774960"/>
+            <a:ext cx="9354240" cy="3774240"/>
           </a:xfrm>
           <a:prstGeom prst="rect">
             <a:avLst/>
@@ -10844,7 +10844,7 @@
         <p:spPr>
           <a:xfrm>
             <a:off x="360000" y="225720"/>
-            <a:ext cx="9354960" cy="713880"/>
+            <a:ext cx="9354240" cy="713160"/>
           </a:xfrm>
           <a:prstGeom prst="rect">
             <a:avLst/>
@@ -10893,7 +10893,7 @@
         <p:spPr>
           <a:xfrm>
             <a:off x="360000" y="1485000"/>
-            <a:ext cx="9354960" cy="3774960"/>
+            <a:ext cx="9354240" cy="3774240"/>
           </a:xfrm>
           <a:prstGeom prst="rect">
             <a:avLst/>
@@ -10905,7 +10905,7 @@
         </p:spPr>
         <p:txBody>
           <a:bodyPr lIns="0" rIns="0" tIns="0" bIns="0" anchor="t">
-            <a:normAutofit fontScale="51000"/>
+            <a:normAutofit fontScale="48000"/>
           </a:bodyPr>
           <a:p>
             <a:pPr marL="91440">
@@ -11037,7 +11037,7 @@
                 <a:latin typeface="Arial"/>
                 <a:ea typeface="Noto Sans CJK SC"/>
               </a:rPr>
-              <a:t>Two invariant factors multiplied together represent a tuple.  These represent a graph state that is a combination of multiple classes combined together.</a:t>
+              <a:t>Two invariant factors multiplied together represent a tuple.  These represent a graph state that is a combination of multiple classes combined together.  This is similar to a basis would function in a vector space.</a:t>
             </a:r>
             <a:endParaRPr b="0" lang="en-US" sz="3200" spc="-1" strike="noStrike">
               <a:latin typeface="Arial"/>
@@ -11189,7 +11189,7 @@
         <p:spPr>
           <a:xfrm>
             <a:off x="360000" y="225720"/>
-            <a:ext cx="9354960" cy="713880"/>
+            <a:ext cx="9354240" cy="713160"/>
           </a:xfrm>
           <a:prstGeom prst="rect">
             <a:avLst/>
@@ -11250,7 +11250,7 @@
         <p:spPr>
           <a:xfrm>
             <a:off x="360000" y="1485000"/>
-            <a:ext cx="9354960" cy="3774960"/>
+            <a:ext cx="9354240" cy="3774240"/>
           </a:xfrm>
           <a:prstGeom prst="rect">
             <a:avLst/>
@@ -11497,7 +11497,7 @@
         <p:spPr>
           <a:xfrm>
             <a:off x="360000" y="225720"/>
-            <a:ext cx="9354960" cy="713880"/>
+            <a:ext cx="9354240" cy="713160"/>
           </a:xfrm>
           <a:prstGeom prst="rect">
             <a:avLst/>
@@ -11558,7 +11558,7 @@
         <p:spPr>
           <a:xfrm>
             <a:off x="457200" y="1744920"/>
-            <a:ext cx="1111680" cy="3051720"/>
+            <a:ext cx="1110960" cy="3051000"/>
           </a:xfrm>
           <a:prstGeom prst="rect">
             <a:avLst/>
@@ -11698,7 +11698,7 @@
         <p:spPr>
           <a:xfrm>
             <a:off x="1572840" y="1371600"/>
-            <a:ext cx="6195600" cy="2014560"/>
+            <a:ext cx="6194880" cy="2013840"/>
           </a:xfrm>
           <a:prstGeom prst="rect">
             <a:avLst/>
@@ -11721,7 +11721,7 @@
         <p:spPr>
           <a:xfrm>
             <a:off x="1572840" y="3390120"/>
-            <a:ext cx="6195600" cy="2014560"/>
+            <a:ext cx="6194880" cy="2013840"/>
           </a:xfrm>
           <a:prstGeom prst="rect">
             <a:avLst/>
@@ -11740,7 +11740,7 @@
         <p:spPr>
           <a:xfrm>
             <a:off x="7772400" y="1371600"/>
-            <a:ext cx="2282040" cy="3884760"/>
+            <a:ext cx="2281320" cy="3884040"/>
           </a:xfrm>
           <a:prstGeom prst="rect">
             <a:avLst/>
@@ -11957,7 +11957,7 @@
         <p:spPr>
           <a:xfrm>
             <a:off x="360000" y="225720"/>
-            <a:ext cx="9354960" cy="713880"/>
+            <a:ext cx="9354240" cy="713160"/>
           </a:xfrm>
           <a:prstGeom prst="rect">
             <a:avLst/>
@@ -12006,7 +12006,7 @@
         <p:spPr>
           <a:xfrm>
             <a:off x="228600" y="1279440"/>
-            <a:ext cx="2741760" cy="2055960"/>
+            <a:ext cx="2741040" cy="2055240"/>
           </a:xfrm>
           <a:prstGeom prst="rect">
             <a:avLst/>
@@ -12029,7 +12029,7 @@
         <p:spPr>
           <a:xfrm>
             <a:off x="228600" y="3336840"/>
-            <a:ext cx="2741760" cy="2055960"/>
+            <a:ext cx="2741040" cy="2055240"/>
           </a:xfrm>
           <a:prstGeom prst="rect">
             <a:avLst/>
@@ -12052,7 +12052,7 @@
         <p:spPr>
           <a:xfrm>
             <a:off x="3657600" y="1279440"/>
-            <a:ext cx="2741760" cy="2055960"/>
+            <a:ext cx="2741040" cy="2055240"/>
           </a:xfrm>
           <a:prstGeom prst="rect">
             <a:avLst/>
@@ -12075,7 +12075,7 @@
         <p:spPr>
           <a:xfrm>
             <a:off x="3657600" y="3336840"/>
-            <a:ext cx="2741760" cy="2055960"/>
+            <a:ext cx="2741040" cy="2055240"/>
           </a:xfrm>
           <a:prstGeom prst="rect">
             <a:avLst/>
@@ -12098,7 +12098,7 @@
         <p:spPr>
           <a:xfrm>
             <a:off x="6354000" y="1828800"/>
-            <a:ext cx="3474360" cy="2605320"/>
+            <a:ext cx="3473640" cy="2604600"/>
           </a:xfrm>
           <a:prstGeom prst="rect">
             <a:avLst/>
@@ -12117,7 +12117,7 @@
         <p:spPr>
           <a:xfrm>
             <a:off x="457200" y="1143000"/>
-            <a:ext cx="2284560" cy="344880"/>
+            <a:ext cx="2283840" cy="344160"/>
           </a:xfrm>
           <a:prstGeom prst="rect">
             <a:avLst/>
@@ -12169,7 +12169,7 @@
         <p:spPr>
           <a:xfrm>
             <a:off x="7086600" y="1711080"/>
-            <a:ext cx="2284560" cy="344880"/>
+            <a:ext cx="2283840" cy="344160"/>
           </a:xfrm>
           <a:prstGeom prst="rect">
             <a:avLst/>
@@ -12221,7 +12221,7 @@
         <p:spPr>
           <a:xfrm>
             <a:off x="3909240" y="3207600"/>
-            <a:ext cx="2284560" cy="344880"/>
+            <a:ext cx="2283840" cy="344160"/>
           </a:xfrm>
           <a:prstGeom prst="rect">
             <a:avLst/>
@@ -12273,7 +12273,7 @@
         <p:spPr>
           <a:xfrm>
             <a:off x="3886200" y="1143000"/>
-            <a:ext cx="2284560" cy="344880"/>
+            <a:ext cx="2283840" cy="344160"/>
           </a:xfrm>
           <a:prstGeom prst="rect">
             <a:avLst/>
@@ -12325,7 +12325,7 @@
         <p:spPr>
           <a:xfrm>
             <a:off x="457200" y="3200400"/>
-            <a:ext cx="2284560" cy="344880"/>
+            <a:ext cx="2283840" cy="344160"/>
           </a:xfrm>
           <a:prstGeom prst="rect">
             <a:avLst/>
@@ -12411,7 +12411,7 @@
         <p:spPr>
           <a:xfrm>
             <a:off x="360000" y="225720"/>
-            <a:ext cx="9354960" cy="713880"/>
+            <a:ext cx="9354240" cy="713160"/>
           </a:xfrm>
           <a:prstGeom prst="rect">
             <a:avLst/>
@@ -12460,7 +12460,7 @@
         <p:spPr>
           <a:xfrm>
             <a:off x="360000" y="1485000"/>
-            <a:ext cx="9354960" cy="3774960"/>
+            <a:ext cx="9354240" cy="3774240"/>
           </a:xfrm>
           <a:prstGeom prst="rect">
             <a:avLst/>
@@ -12704,7 +12704,7 @@
         <p:spPr>
           <a:xfrm>
             <a:off x="360000" y="225720"/>
-            <a:ext cx="9354960" cy="713880"/>
+            <a:ext cx="9354240" cy="713160"/>
           </a:xfrm>
           <a:prstGeom prst="rect">
             <a:avLst/>
@@ -12783,7 +12783,7 @@
         <p:spPr>
           <a:xfrm>
             <a:off x="360000" y="225720"/>
-            <a:ext cx="9354960" cy="713880"/>
+            <a:ext cx="9354240" cy="713160"/>
           </a:xfrm>
           <a:prstGeom prst="rect">
             <a:avLst/>
@@ -12832,7 +12832,7 @@
         <p:spPr>
           <a:xfrm>
             <a:off x="360000" y="1485000"/>
-            <a:ext cx="9354960" cy="3774960"/>
+            <a:ext cx="9354240" cy="3774240"/>
           </a:xfrm>
           <a:prstGeom prst="rect">
             <a:avLst/>
@@ -12941,7 +12941,7 @@
         <p:spPr>
           <a:xfrm>
             <a:off x="360000" y="225720"/>
-            <a:ext cx="9354960" cy="713880"/>
+            <a:ext cx="9354240" cy="713160"/>
           </a:xfrm>
           <a:prstGeom prst="rect">
             <a:avLst/>
@@ -12990,7 +12990,7 @@
         <p:spPr>
           <a:xfrm>
             <a:off x="360000" y="1485000"/>
-            <a:ext cx="9354960" cy="3774960"/>
+            <a:ext cx="9354240" cy="3774240"/>
           </a:xfrm>
           <a:prstGeom prst="rect">
             <a:avLst/>
@@ -13023,7 +13023,7 @@
               <a:rPr b="0" lang="en-US" sz="2480" spc="-1" strike="noStrike">
                 <a:latin typeface="Arial"/>
               </a:rPr>
-              <a:t>By using our target graphs as a guide, we conducted our research by looking for patterns within different configurations and graph sizes.</a:t>
+              <a:t>By using our focused graphs as a guide, we conducted our research by looking for patterns within different configurations and graph sizes.</a:t>
             </a:r>
             <a:endParaRPr b="0" lang="en-US" sz="2480" spc="-1" strike="noStrike">
               <a:latin typeface="Arial"/>
@@ -13124,7 +13124,7 @@
         <p:spPr>
           <a:xfrm>
             <a:off x="360000" y="-39960"/>
-            <a:ext cx="9354960" cy="1245600"/>
+            <a:ext cx="9354240" cy="1244880"/>
           </a:xfrm>
           <a:prstGeom prst="rect">
             <a:avLst/>
@@ -13173,7 +13173,7 @@
         <p:spPr>
           <a:xfrm>
             <a:off x="360000" y="1485000"/>
-            <a:ext cx="9354960" cy="3774960"/>
+            <a:ext cx="9354240" cy="3774240"/>
           </a:xfrm>
           <a:prstGeom prst="rect">
             <a:avLst/>
@@ -13491,7 +13491,7 @@
         <p:spPr>
           <a:xfrm>
             <a:off x="360000" y="225720"/>
-            <a:ext cx="9354960" cy="713880"/>
+            <a:ext cx="9354240" cy="713160"/>
           </a:xfrm>
           <a:prstGeom prst="rect">
             <a:avLst/>
@@ -13540,7 +13540,7 @@
         <p:spPr>
           <a:xfrm>
             <a:off x="360000" y="1485000"/>
-            <a:ext cx="9354960" cy="3774960"/>
+            <a:ext cx="9354240" cy="3774240"/>
           </a:xfrm>
           <a:prstGeom prst="rect">
             <a:avLst/>
@@ -13699,7 +13699,7 @@
         <p:spPr>
           <a:xfrm>
             <a:off x="360000" y="-39960"/>
-            <a:ext cx="9354960" cy="1245600"/>
+            <a:ext cx="9354240" cy="1244880"/>
           </a:xfrm>
           <a:prstGeom prst="rect">
             <a:avLst/>
@@ -13748,7 +13748,7 @@
         <p:spPr>
           <a:xfrm>
             <a:off x="360000" y="1485000"/>
-            <a:ext cx="9465480" cy="3774960"/>
+            <a:ext cx="9464760" cy="3774240"/>
           </a:xfrm>
           <a:prstGeom prst="rect">
             <a:avLst/>
@@ -13924,7 +13924,7 @@
         <p:spPr>
           <a:xfrm>
             <a:off x="360000" y="-39960"/>
-            <a:ext cx="9354960" cy="1245600"/>
+            <a:ext cx="9354240" cy="1244880"/>
           </a:xfrm>
           <a:prstGeom prst="rect">
             <a:avLst/>
@@ -13973,7 +13973,7 @@
         <p:spPr>
           <a:xfrm>
             <a:off x="360000" y="1485000"/>
-            <a:ext cx="9354960" cy="3774960"/>
+            <a:ext cx="9354240" cy="3774240"/>
           </a:xfrm>
           <a:prstGeom prst="rect">
             <a:avLst/>
@@ -14517,7 +14517,7 @@
         <p:spPr>
           <a:xfrm>
             <a:off x="360000" y="225720"/>
-            <a:ext cx="9354960" cy="713880"/>
+            <a:ext cx="9354240" cy="713160"/>
           </a:xfrm>
           <a:prstGeom prst="rect">
             <a:avLst/>
@@ -14566,7 +14566,7 @@
         <p:spPr>
           <a:xfrm>
             <a:off x="2514600" y="2373120"/>
-            <a:ext cx="2929320" cy="2196000"/>
+            <a:ext cx="2928600" cy="2195280"/>
           </a:xfrm>
           <a:prstGeom prst="rect">
             <a:avLst/>
@@ -14590,7 +14590,7 @@
         <p:spPr>
           <a:xfrm>
             <a:off x="209520" y="1290960"/>
-            <a:ext cx="2416320" cy="1925640"/>
+            <a:ext cx="2415600" cy="1924920"/>
           </a:xfrm>
           <a:prstGeom prst="rect">
             <a:avLst/>
@@ -14614,7 +14614,7 @@
         <p:spPr>
           <a:xfrm>
             <a:off x="0" y="3200400"/>
-            <a:ext cx="2739960" cy="2054520"/>
+            <a:ext cx="2739240" cy="2053800"/>
           </a:xfrm>
           <a:prstGeom prst="rect">
             <a:avLst/>
@@ -14632,8 +14632,8 @@
         </p:nvSpPr>
         <p:spPr>
           <a:xfrm rot="18160800">
-            <a:off x="218520" y="2125440"/>
-            <a:ext cx="1367280" cy="224280"/>
+            <a:off x="218160" y="2125440"/>
+            <a:ext cx="1366560" cy="223560"/>
           </a:xfrm>
           <a:custGeom>
             <a:avLst/>
@@ -14700,8 +14700,8 @@
         </p:nvSpPr>
         <p:spPr>
           <a:xfrm rot="3178800">
-            <a:off x="1719720" y="1997280"/>
-            <a:ext cx="910080" cy="224280"/>
+            <a:off x="1719720" y="1996920"/>
+            <a:ext cx="909360" cy="223560"/>
           </a:xfrm>
           <a:custGeom>
             <a:avLst/>
@@ -14760,7 +14760,7 @@
         <p:spPr>
           <a:xfrm>
             <a:off x="1143000" y="2973240"/>
-            <a:ext cx="910080" cy="224280"/>
+            <a:ext cx="909360" cy="223560"/>
           </a:xfrm>
           <a:custGeom>
             <a:avLst/>
@@ -14818,8 +14818,8 @@
         </p:nvSpPr>
         <p:spPr>
           <a:xfrm rot="18160800">
-            <a:off x="218520" y="4049640"/>
-            <a:ext cx="1367280" cy="224280"/>
+            <a:off x="218160" y="4049640"/>
+            <a:ext cx="1366560" cy="223560"/>
           </a:xfrm>
           <a:custGeom>
             <a:avLst/>
@@ -14886,8 +14886,8 @@
         </p:nvSpPr>
         <p:spPr>
           <a:xfrm rot="14195400">
-            <a:off x="1585080" y="4054680"/>
-            <a:ext cx="1367280" cy="224280"/>
+            <a:off x="1585080" y="4055040"/>
+            <a:ext cx="1366560" cy="223560"/>
           </a:xfrm>
           <a:custGeom>
             <a:avLst/>
@@ -14954,8 +14954,8 @@
         </p:nvSpPr>
         <p:spPr>
           <a:xfrm rot="21568800">
-            <a:off x="829800" y="5018760"/>
-            <a:ext cx="1367280" cy="224280"/>
+            <a:off x="829080" y="5018040"/>
+            <a:ext cx="1366560" cy="223560"/>
           </a:xfrm>
           <a:custGeom>
             <a:avLst/>
@@ -15023,7 +15023,7 @@
         <p:spPr>
           <a:xfrm>
             <a:off x="3657600" y="4116240"/>
-            <a:ext cx="910080" cy="224280"/>
+            <a:ext cx="909360" cy="223560"/>
           </a:xfrm>
           <a:custGeom>
             <a:avLst/>
@@ -15081,8 +15081,8 @@
         </p:nvSpPr>
         <p:spPr>
           <a:xfrm rot="13918800">
-            <a:off x="4201560" y="3116520"/>
-            <a:ext cx="910080" cy="224280"/>
+            <a:off x="4201560" y="3117240"/>
+            <a:ext cx="909360" cy="223560"/>
           </a:xfrm>
           <a:custGeom>
             <a:avLst/>
@@ -15140,8 +15140,8 @@
         </p:nvSpPr>
         <p:spPr>
           <a:xfrm rot="7579800">
-            <a:off x="2879280" y="3292920"/>
-            <a:ext cx="910080" cy="224280"/>
+            <a:off x="2880000" y="3292920"/>
+            <a:ext cx="909360" cy="223560"/>
           </a:xfrm>
           <a:custGeom>
             <a:avLst/>
@@ -15204,7 +15204,7 @@
         <p:spPr>
           <a:xfrm>
             <a:off x="5181840" y="1600200"/>
-            <a:ext cx="4873680" cy="3654720"/>
+            <a:ext cx="4872960" cy="3654000"/>
           </a:xfrm>
           <a:prstGeom prst="rect">
             <a:avLst/>
@@ -15257,7 +15257,7 @@
         <p:spPr>
           <a:xfrm>
             <a:off x="360000" y="-39960"/>
-            <a:ext cx="9354960" cy="1245600"/>
+            <a:ext cx="9354240" cy="1244880"/>
           </a:xfrm>
           <a:prstGeom prst="rect">
             <a:avLst/>
@@ -15306,7 +15306,7 @@
         <p:spPr>
           <a:xfrm>
             <a:off x="360000" y="1485000"/>
-            <a:ext cx="9354960" cy="3774960"/>
+            <a:ext cx="9354240" cy="3774240"/>
           </a:xfrm>
           <a:prstGeom prst="rect">
             <a:avLst/>
@@ -15681,7 +15681,7 @@
         <p:spPr>
           <a:xfrm>
             <a:off x="360000" y="-39960"/>
-            <a:ext cx="9354960" cy="1245600"/>
+            <a:ext cx="9354240" cy="1244880"/>
           </a:xfrm>
           <a:prstGeom prst="rect">
             <a:avLst/>
@@ -15730,7 +15730,7 @@
         <p:spPr>
           <a:xfrm>
             <a:off x="360000" y="1485000"/>
-            <a:ext cx="9354960" cy="3774960"/>
+            <a:ext cx="9354240" cy="3774240"/>
           </a:xfrm>
           <a:prstGeom prst="rect">
             <a:avLst/>
@@ -16045,7 +16045,7 @@
         <p:spPr>
           <a:xfrm>
             <a:off x="360000" y="-39960"/>
-            <a:ext cx="9354960" cy="1245600"/>
+            <a:ext cx="9354240" cy="1244880"/>
           </a:xfrm>
           <a:prstGeom prst="rect">
             <a:avLst/>
@@ -16094,7 +16094,7 @@
         <p:spPr>
           <a:xfrm>
             <a:off x="1143000" y="2196720"/>
-            <a:ext cx="3775320" cy="2831040"/>
+            <a:ext cx="3774600" cy="2830320"/>
           </a:xfrm>
           <a:prstGeom prst="rect">
             <a:avLst/>
@@ -16117,7 +16117,7 @@
         <p:spPr>
           <a:xfrm>
             <a:off x="4910040" y="2196720"/>
-            <a:ext cx="3775320" cy="2831040"/>
+            <a:ext cx="3774600" cy="2830320"/>
           </a:xfrm>
           <a:prstGeom prst="rect">
             <a:avLst/>
@@ -16136,7 +16136,7 @@
         <p:spPr>
           <a:xfrm>
             <a:off x="1600200" y="1828800"/>
-            <a:ext cx="6627960" cy="344880"/>
+            <a:ext cx="6627240" cy="344160"/>
           </a:xfrm>
           <a:prstGeom prst="rect">
             <a:avLst/>
@@ -16482,7 +16482,7 @@
         <p:spPr>
           <a:xfrm>
             <a:off x="360000" y="-39960"/>
-            <a:ext cx="9354960" cy="1245600"/>
+            <a:ext cx="9354240" cy="1244880"/>
           </a:xfrm>
           <a:prstGeom prst="rect">
             <a:avLst/>
@@ -16531,7 +16531,7 @@
         <p:spPr>
           <a:xfrm>
             <a:off x="360000" y="1485000"/>
-            <a:ext cx="9354960" cy="3774960"/>
+            <a:ext cx="9354240" cy="3774240"/>
           </a:xfrm>
           <a:prstGeom prst="rect">
             <a:avLst/>
@@ -16564,7 +16564,7 @@
               <a:rPr b="0" lang="en-US" sz="3200" spc="-1" strike="noStrike">
                 <a:latin typeface="Arial"/>
               </a:rPr>
-              <a:t>The  structure  of  the  graphs  that  we  investigate  are  intentionally  designed  to  resemble  artificial neural networks.  To further facilitate this comparison, we direct all edges </a:t>
+              <a:t>The  structure  of  these  graphs  that  we  investigate  are  intentionally  designed  to  resemble  artificial neural networks.  To further facilitate this comparison, we direct all edges </a:t>
             </a:r>
             <a:r>
               <a:rPr b="0" i="1" lang="en-US" sz="3200" spc="-1" strike="noStrike">
@@ -16854,7 +16854,7 @@
         <p:spPr>
           <a:xfrm>
             <a:off x="360000" y="225720"/>
-            <a:ext cx="9354960" cy="713880"/>
+            <a:ext cx="9354240" cy="713160"/>
           </a:xfrm>
           <a:prstGeom prst="rect">
             <a:avLst/>
@@ -16933,7 +16933,7 @@
         <p:spPr>
           <a:xfrm>
             <a:off x="360000" y="225720"/>
-            <a:ext cx="9354960" cy="713880"/>
+            <a:ext cx="9354240" cy="713160"/>
           </a:xfrm>
           <a:prstGeom prst="rect">
             <a:avLst/>
@@ -16982,7 +16982,7 @@
         <p:spPr>
           <a:xfrm>
             <a:off x="797400" y="1870560"/>
-            <a:ext cx="8573760" cy="2471400"/>
+            <a:ext cx="8573040" cy="2470680"/>
           </a:xfrm>
           <a:prstGeom prst="rect">
             <a:avLst/>
@@ -17035,7 +17035,7 @@
         <p:spPr>
           <a:xfrm>
             <a:off x="360000" y="225720"/>
-            <a:ext cx="9354960" cy="713880"/>
+            <a:ext cx="9354240" cy="713160"/>
           </a:xfrm>
           <a:prstGeom prst="rect">
             <a:avLst/>
@@ -17084,7 +17084,7 @@
         <p:spPr>
           <a:xfrm>
             <a:off x="360000" y="1485000"/>
-            <a:ext cx="9354960" cy="3774960"/>
+            <a:ext cx="9354240" cy="3774240"/>
           </a:xfrm>
           <a:prstGeom prst="rect">
             <a:avLst/>
@@ -17243,7 +17243,7 @@
         <p:spPr>
           <a:xfrm>
             <a:off x="360000" y="-39960"/>
-            <a:ext cx="9354960" cy="1245600"/>
+            <a:ext cx="9354240" cy="1244880"/>
           </a:xfrm>
           <a:prstGeom prst="rect">
             <a:avLst/>
@@ -17292,7 +17292,7 @@
         <p:spPr>
           <a:xfrm>
             <a:off x="360000" y="1485000"/>
-            <a:ext cx="9465480" cy="3774960"/>
+            <a:ext cx="9464760" cy="3774240"/>
           </a:xfrm>
           <a:prstGeom prst="rect">
             <a:avLst/>
@@ -17458,7 +17458,7 @@
         <p:spPr>
           <a:xfrm>
             <a:off x="360000" y="-39960"/>
-            <a:ext cx="9354960" cy="1245600"/>
+            <a:ext cx="9354240" cy="1244880"/>
           </a:xfrm>
           <a:prstGeom prst="rect">
             <a:avLst/>
@@ -17507,7 +17507,7 @@
         <p:spPr>
           <a:xfrm>
             <a:off x="360000" y="1485000"/>
-            <a:ext cx="9465480" cy="3774960"/>
+            <a:ext cx="9464760" cy="3774240"/>
           </a:xfrm>
           <a:prstGeom prst="rect">
             <a:avLst/>
@@ -17682,7 +17682,7 @@
         <p:spPr>
           <a:xfrm>
             <a:off x="360000" y="225720"/>
-            <a:ext cx="9354960" cy="713880"/>
+            <a:ext cx="9354240" cy="713160"/>
           </a:xfrm>
           <a:prstGeom prst="rect">
             <a:avLst/>
@@ -17731,7 +17731,7 @@
         <p:spPr>
           <a:xfrm>
             <a:off x="1022400" y="1509840"/>
-            <a:ext cx="4687920" cy="3514680"/>
+            <a:ext cx="4687200" cy="3513960"/>
           </a:xfrm>
           <a:prstGeom prst="rect">
             <a:avLst/>
@@ -17754,7 +17754,7 @@
         <p:spPr>
           <a:xfrm>
             <a:off x="360000" y="2507760"/>
-            <a:ext cx="1464120" cy="1602360"/>
+            <a:ext cx="1463400" cy="1601640"/>
           </a:xfrm>
           <a:prstGeom prst="rect">
             <a:avLst/>
@@ -17796,7 +17796,7 @@
         <p:spPr>
           <a:xfrm>
             <a:off x="5486400" y="1828800"/>
-            <a:ext cx="4338720" cy="1479960"/>
+            <a:ext cx="4338000" cy="1479240"/>
           </a:xfrm>
           <a:prstGeom prst="rect">
             <a:avLst/>
@@ -18034,7 +18034,7 @@
         <p:spPr>
           <a:xfrm>
             <a:off x="360000" y="1485000"/>
-            <a:ext cx="9354960" cy="3774960"/>
+            <a:ext cx="9354240" cy="3774240"/>
           </a:xfrm>
           <a:prstGeom prst="rect">
             <a:avLst/>
@@ -18335,7 +18335,7 @@
         <p:spPr>
           <a:xfrm>
             <a:off x="360000" y="225720"/>
-            <a:ext cx="9354960" cy="713880"/>
+            <a:ext cx="9354240" cy="713160"/>
           </a:xfrm>
           <a:prstGeom prst="rect">
             <a:avLst/>

--- a/Docs/JMMPresentation.pptx
+++ b/Docs/JMMPresentation.pptx
@@ -34,6 +34,7 @@
     <p:sldId id="279" r:id="rId29"/>
     <p:sldId id="280" r:id="rId30"/>
     <p:sldId id="281" r:id="rId31"/>
+    <p:sldId id="282" r:id="rId32"/>
   </p:sldIdLst>
   <p:sldSz cx="10080625" cy="5670550"/>
   <p:notesSz cx="7772400" cy="10058400"/>
@@ -91,7 +92,7 @@
         <p:txBody>
           <a:bodyPr/>
           <a:p>
-            <a:fld id="{904F0F3F-C09D-4AAE-8121-7AB7BE79361F}" type="slidenum">
+            <a:fld id="{F8D31D06-0FD3-404D-B125-F41D52946E61}" type="slidenum">
               <a:t>&lt;#&gt;</a:t>
             </a:fld>
           </a:p>
@@ -279,7 +280,7 @@
         <p:txBody>
           <a:bodyPr/>
           <a:p>
-            <a:fld id="{9E32F671-E93E-4415-A87F-4D970271F083}" type="slidenum">
+            <a:fld id="{C76FF399-FC0A-40E4-8251-1DC911E91E28}" type="slidenum">
               <a:t>&lt;#&gt;</a:t>
             </a:fld>
           </a:p>
@@ -535,7 +536,7 @@
         <p:txBody>
           <a:bodyPr/>
           <a:p>
-            <a:fld id="{D54A8437-3AD3-4703-87A0-4F9D9FB6A9DA}" type="slidenum">
+            <a:fld id="{C5CDD28C-B553-442C-A372-D745FAD24D45}" type="slidenum">
               <a:t>&lt;#&gt;</a:t>
             </a:fld>
           </a:p>
@@ -859,7 +860,7 @@
         <p:txBody>
           <a:bodyPr/>
           <a:p>
-            <a:fld id="{057E87C9-22C2-4879-9C07-DE148E276DEF}" type="slidenum">
+            <a:fld id="{EAFC5CAB-308C-4F72-B11A-677987610646}" type="slidenum">
               <a:t>&lt;#&gt;</a:t>
             </a:fld>
           </a:p>
@@ -1920,7 +1921,7 @@
         <p:txBody>
           <a:bodyPr/>
           <a:p>
-            <a:fld id="{ECB58025-6141-4EA4-9CC7-98055205C7E4}" type="slidenum">
+            <a:fld id="{2DB38E77-5084-4E17-9A87-8068318BDCEA}" type="slidenum">
               <a:t>&lt;#&gt;</a:t>
             </a:fld>
           </a:p>
@@ -3788,7 +3789,7 @@
         <p:txBody>
           <a:bodyPr/>
           <a:p>
-            <a:fld id="{CB77B6FF-EF40-4A71-8171-A08786242A1A}" type="slidenum">
+            <a:fld id="{3533CDFB-F6C1-4F4A-8DA5-61BA442D80C9}" type="slidenum">
               <a:t>&lt;#&gt;</a:t>
             </a:fld>
           </a:p>
@@ -5724,7 +5725,7 @@
         <p:txBody>
           <a:bodyPr/>
           <a:p>
-            <a:fld id="{5CA401A2-1C98-4F25-9C8B-89949B4DA0B3}" type="slidenum">
+            <a:fld id="{14C78C72-70DE-4C9B-98C4-F28D83CBCF51}" type="slidenum">
               <a:t>&lt;#&gt;</a:t>
             </a:fld>
           </a:p>
@@ -7526,7 +7527,7 @@
         <p:txBody>
           <a:bodyPr/>
           <a:p>
-            <a:fld id="{B961F56D-639C-48BC-A8CF-746267B4DD31}" type="slidenum">
+            <a:fld id="{158300FF-E396-46A8-B46A-22B8022D693D}" type="slidenum">
               <a:t>&lt;#&gt;</a:t>
             </a:fld>
           </a:p>
@@ -7646,7 +7647,7 @@
         <p:txBody>
           <a:bodyPr/>
           <a:p>
-            <a:fld id="{339973D8-B0A7-469F-9BF0-5F1AAD1227B2}" type="slidenum">
+            <a:fld id="{D53645D7-EFB4-4935-BCBB-4B124B3B2884}" type="slidenum">
               <a:t>&lt;#&gt;</a:t>
             </a:fld>
           </a:p>
@@ -7868,7 +7869,7 @@
         <p:txBody>
           <a:bodyPr/>
           <a:p>
-            <a:fld id="{BEB9D1C4-634F-409A-8A7A-EB9E9575463C}" type="slidenum">
+            <a:fld id="{16F33002-5AA7-4249-B1F8-DFAE970C54EE}" type="slidenum">
               <a:t>&lt;#&gt;</a:t>
             </a:fld>
           </a:p>
@@ -8090,7 +8091,7 @@
         <p:txBody>
           <a:bodyPr/>
           <a:p>
-            <a:fld id="{440C6270-2511-4AB9-8932-769F97B9D1DC}" type="slidenum">
+            <a:fld id="{5C054E94-3396-42CC-A23C-85891F11104E}" type="slidenum">
               <a:t>&lt;#&gt;</a:t>
             </a:fld>
           </a:p>
@@ -8312,7 +8313,7 @@
         <p:txBody>
           <a:bodyPr/>
           <a:p>
-            <a:fld id="{3AEC5242-6FB2-481D-A8E1-DF8A16276823}" type="slidenum">
+            <a:fld id="{D1136663-1631-4C3B-8AC6-3466CE216EFB}" type="slidenum">
               <a:t>&lt;#&gt;</a:t>
             </a:fld>
           </a:p>
@@ -8370,7 +8371,7 @@
         <p:spPr>
           <a:xfrm>
             <a:off x="0" y="0"/>
-            <a:ext cx="10074240" cy="5664240"/>
+            <a:ext cx="10073880" cy="5663880"/>
           </a:xfrm>
           <a:prstGeom prst="rect">
             <a:avLst/>
@@ -8398,7 +8399,7 @@
         <p:spPr>
           <a:xfrm>
             <a:off x="0" y="0"/>
-            <a:ext cx="10074240" cy="3774240"/>
+            <a:ext cx="10073880" cy="3773880"/>
           </a:xfrm>
           <a:prstGeom prst="rect">
             <a:avLst/>
@@ -8433,7 +8434,7 @@
         <p:spPr>
           <a:xfrm>
             <a:off x="3420000" y="5400000"/>
-            <a:ext cx="3234240" cy="264240"/>
+            <a:ext cx="3233880" cy="263880"/>
           </a:xfrm>
           <a:prstGeom prst="rect">
             <a:avLst/>
@@ -8496,7 +8497,7 @@
         <p:spPr>
           <a:xfrm>
             <a:off x="9180000" y="5130000"/>
-            <a:ext cx="714240" cy="534240"/>
+            <a:ext cx="713880" cy="533880"/>
           </a:xfrm>
           <a:prstGeom prst="rect">
             <a:avLst/>
@@ -8531,7 +8532,7 @@
               </a:lnSpc>
               <a:buNone/>
             </a:pPr>
-            <a:fld id="{025DE906-BDB9-4E7C-8A22-B9629CC87A73}" type="slidenum">
+            <a:fld id="{68ACEF59-72AE-4F8F-9D71-9CCDC4748ECA}" type="slidenum">
               <a:rPr b="1" lang="en-US" sz="1800" spc="-1" strike="noStrike">
                 <a:solidFill>
                   <a:srgbClr val="ffffff"/>
@@ -8559,7 +8560,7 @@
         <p:spPr>
           <a:xfrm>
             <a:off x="360000" y="5400000"/>
-            <a:ext cx="2874240" cy="264240"/>
+            <a:ext cx="2873880" cy="263880"/>
           </a:xfrm>
           <a:prstGeom prst="rect">
             <a:avLst/>
@@ -8865,7 +8866,7 @@
         <p:spPr>
           <a:xfrm>
             <a:off x="0" y="5400000"/>
-            <a:ext cx="10074240" cy="264240"/>
+            <a:ext cx="10073880" cy="263880"/>
           </a:xfrm>
           <a:prstGeom prst="rect">
             <a:avLst/>
@@ -8893,7 +8894,7 @@
         <p:spPr>
           <a:xfrm>
             <a:off x="0" y="0"/>
-            <a:ext cx="10074240" cy="1209240"/>
+            <a:ext cx="10073880" cy="1208880"/>
           </a:xfrm>
           <a:prstGeom prst="rect">
             <a:avLst/>
@@ -8921,7 +8922,7 @@
         <p:spPr>
           <a:xfrm>
             <a:off x="9315000" y="5175000"/>
-            <a:ext cx="444240" cy="444240"/>
+            <a:ext cx="443880" cy="443880"/>
           </a:xfrm>
           <a:prstGeom prst="ellipse">
             <a:avLst/>
@@ -8952,7 +8953,7 @@
         <p:spPr>
           <a:xfrm>
             <a:off x="9180000" y="5130000"/>
-            <a:ext cx="714240" cy="534240"/>
+            <a:ext cx="713880" cy="533880"/>
           </a:xfrm>
           <a:prstGeom prst="rect">
             <a:avLst/>
@@ -8979,7 +8980,7 @@
               </a:lnSpc>
               <a:buNone/>
             </a:pPr>
-            <a:fld id="{B4BD26B4-583E-430D-8325-3B8B2D9BAED0}" type="slidenum">
+            <a:fld id="{ACB3B3BE-A1FA-4E96-92F1-59960D2C9A44}" type="slidenum">
               <a:rPr b="1" lang="en-US" sz="1800" spc="-1" strike="noStrike">
                 <a:solidFill>
                   <a:srgbClr val="ffffff"/>
@@ -9008,7 +9009,7 @@
         <p:spPr>
           <a:xfrm>
             <a:off x="3420000" y="5400000"/>
-            <a:ext cx="3234240" cy="264240"/>
+            <a:ext cx="3233880" cy="263880"/>
           </a:xfrm>
           <a:prstGeom prst="rect">
             <a:avLst/>
@@ -9071,7 +9072,7 @@
         <p:spPr>
           <a:xfrm>
             <a:off x="360000" y="5400000"/>
-            <a:ext cx="2874240" cy="264240"/>
+            <a:ext cx="2873880" cy="263880"/>
           </a:xfrm>
           <a:prstGeom prst="rect">
             <a:avLst/>
@@ -9377,7 +9378,7 @@
         <p:spPr>
           <a:xfrm>
             <a:off x="0" y="5400000"/>
-            <a:ext cx="10074240" cy="264240"/>
+            <a:ext cx="10073880" cy="263880"/>
           </a:xfrm>
           <a:prstGeom prst="rect">
             <a:avLst/>
@@ -9405,7 +9406,7 @@
         <p:spPr>
           <a:xfrm>
             <a:off x="0" y="0"/>
-            <a:ext cx="10074240" cy="1209240"/>
+            <a:ext cx="10073880" cy="1208880"/>
           </a:xfrm>
           <a:prstGeom prst="rect">
             <a:avLst/>
@@ -9433,7 +9434,7 @@
         <p:spPr>
           <a:xfrm>
             <a:off x="9315000" y="5175000"/>
-            <a:ext cx="444240" cy="444240"/>
+            <a:ext cx="443880" cy="443880"/>
           </a:xfrm>
           <a:prstGeom prst="ellipse">
             <a:avLst/>
@@ -9464,7 +9465,7 @@
         <p:spPr>
           <a:xfrm>
             <a:off x="9180000" y="5130000"/>
-            <a:ext cx="714240" cy="534240"/>
+            <a:ext cx="713880" cy="533880"/>
           </a:xfrm>
           <a:prstGeom prst="rect">
             <a:avLst/>
@@ -9491,7 +9492,7 @@
               </a:lnSpc>
               <a:buNone/>
             </a:pPr>
-            <a:fld id="{3756CB38-5BB0-4FD6-A41B-517108DE2ED0}" type="slidenum">
+            <a:fld id="{359130CC-E289-42D1-98B4-D042986E9E6B}" type="slidenum">
               <a:rPr b="1" lang="en-US" sz="1800" spc="-1" strike="noStrike">
                 <a:solidFill>
                   <a:srgbClr val="ffffff"/>
@@ -9560,7 +9561,7 @@
         <p:spPr>
           <a:xfrm>
             <a:off x="3420000" y="5400000"/>
-            <a:ext cx="3234240" cy="264240"/>
+            <a:ext cx="3233880" cy="263880"/>
           </a:xfrm>
           <a:prstGeom prst="rect">
             <a:avLst/>
@@ -9623,7 +9624,7 @@
         <p:spPr>
           <a:xfrm>
             <a:off x="360000" y="5400000"/>
-            <a:ext cx="2874240" cy="264240"/>
+            <a:ext cx="2873880" cy="263880"/>
           </a:xfrm>
           <a:prstGeom prst="rect">
             <a:avLst/>
@@ -9886,7 +9887,7 @@
         <p:spPr>
           <a:xfrm>
             <a:off x="0" y="5400000"/>
-            <a:ext cx="10074240" cy="264240"/>
+            <a:ext cx="10073880" cy="263880"/>
           </a:xfrm>
           <a:prstGeom prst="rect">
             <a:avLst/>
@@ -9914,7 +9915,7 @@
         <p:spPr>
           <a:xfrm>
             <a:off x="0" y="0"/>
-            <a:ext cx="10074240" cy="1209240"/>
+            <a:ext cx="10073880" cy="1208880"/>
           </a:xfrm>
           <a:prstGeom prst="rect">
             <a:avLst/>
@@ -9942,7 +9943,7 @@
         <p:spPr>
           <a:xfrm>
             <a:off x="9315000" y="5175000"/>
-            <a:ext cx="444240" cy="444240"/>
+            <a:ext cx="443880" cy="443880"/>
           </a:xfrm>
           <a:prstGeom prst="ellipse">
             <a:avLst/>
@@ -9973,7 +9974,7 @@
         <p:spPr>
           <a:xfrm>
             <a:off x="9180000" y="5130000"/>
-            <a:ext cx="714240" cy="534240"/>
+            <a:ext cx="713880" cy="533880"/>
           </a:xfrm>
           <a:prstGeom prst="rect">
             <a:avLst/>
@@ -10000,7 +10001,7 @@
               </a:lnSpc>
               <a:buNone/>
             </a:pPr>
-            <a:fld id="{FFCA7740-8CAF-4477-8214-1D2A857AD63A}" type="slidenum">
+            <a:fld id="{C696D9F5-554E-4DCF-AEFB-37A525B581FC}" type="slidenum">
               <a:rPr b="1" lang="en-US" sz="1800" spc="-1" strike="noStrike">
                 <a:solidFill>
                   <a:srgbClr val="ffffff"/>
@@ -10029,7 +10030,7 @@
         <p:spPr>
           <a:xfrm>
             <a:off x="3420000" y="5400000"/>
-            <a:ext cx="3234240" cy="264240"/>
+            <a:ext cx="3233880" cy="263880"/>
           </a:xfrm>
           <a:prstGeom prst="rect">
             <a:avLst/>
@@ -10092,7 +10093,7 @@
         <p:spPr>
           <a:xfrm>
             <a:off x="360000" y="5400000"/>
-            <a:ext cx="2874240" cy="264240"/>
+            <a:ext cx="2873880" cy="263880"/>
           </a:xfrm>
           <a:prstGeom prst="rect">
             <a:avLst/>
@@ -10402,7 +10403,7 @@
         <p:spPr>
           <a:xfrm>
             <a:off x="360000" y="225720"/>
-            <a:ext cx="9354240" cy="2740680"/>
+            <a:ext cx="9353880" cy="2740320"/>
           </a:xfrm>
           <a:prstGeom prst="rect">
             <a:avLst/>
@@ -10448,7 +10449,7 @@
         <p:spPr>
           <a:xfrm>
             <a:off x="504000" y="4071960"/>
-            <a:ext cx="9066600" cy="1180800"/>
+            <a:ext cx="9066240" cy="1180440"/>
           </a:xfrm>
           <a:prstGeom prst="rect">
             <a:avLst/>
@@ -10567,7 +10568,7 @@
         <p:spPr>
           <a:xfrm>
             <a:off x="360000" y="225720"/>
-            <a:ext cx="9354240" cy="713160"/>
+            <a:ext cx="9353880" cy="712800"/>
           </a:xfrm>
           <a:prstGeom prst="rect">
             <a:avLst/>
@@ -10616,7 +10617,7 @@
         <p:spPr>
           <a:xfrm>
             <a:off x="360000" y="1485000"/>
-            <a:ext cx="9354240" cy="3774240"/>
+            <a:ext cx="9353880" cy="3773880"/>
           </a:xfrm>
           <a:prstGeom prst="rect">
             <a:avLst/>
@@ -10628,7 +10629,7 @@
         </p:spPr>
         <p:txBody>
           <a:bodyPr lIns="0" rIns="0" tIns="0" bIns="0" anchor="t">
-            <a:normAutofit fontScale="71000"/>
+            <a:normAutofit fontScale="52000"/>
           </a:bodyPr>
           <a:p>
             <a:pPr marL="432000" indent="-324000">
@@ -10692,6 +10693,31 @@
             </a:endParaRPr>
           </a:p>
           <a:p>
+            <a:pPr lvl="1" marL="864000" indent="-324000">
+              <a:lnSpc>
+                <a:spcPct val="100000"/>
+              </a:lnSpc>
+              <a:spcBef>
+                <a:spcPts val="1134"/>
+              </a:spcBef>
+              <a:buClr>
+                <a:srgbClr val="000000"/>
+              </a:buClr>
+              <a:buSzPct val="75000"/>
+              <a:buFont typeface="Symbol" charset="2"/>
+              <a:buChar char=""/>
+            </a:pPr>
+            <a:r>
+              <a:rPr b="0" lang="en-US" sz="3200" spc="-1" strike="noStrike">
+                <a:latin typeface="Arial"/>
+              </a:rPr>
+              <a:t>The Picard Group is a finitely generated abelian group.  All of its member vectors can be added or subtracted and still be within that group.</a:t>
+            </a:r>
+            <a:endParaRPr b="0" lang="en-US" sz="3200" spc="-1" strike="noStrike">
+              <a:latin typeface="Arial"/>
+            </a:endParaRPr>
+          </a:p>
+          <a:p>
             <a:pPr marL="432000" indent="-324000">
               <a:lnSpc>
                 <a:spcPct val="100000"/>
@@ -10711,7 +10737,7 @@
                 <a:latin typeface="Arial"/>
                 <a:ea typeface="Noto Sans CJK SC"/>
               </a:rPr>
-              <a:t>The degree of a divisor or an equivalency class is the sum of each of the divisor’s elements.</a:t>
+              <a:t>The degree of a divisor or an equivalence class is the sum of each of the divisor’s elements.</a:t>
             </a:r>
             <a:endParaRPr b="0" lang="en-US" sz="3200" spc="-1" strike="noStrike">
               <a:latin typeface="Arial"/>
@@ -10765,7 +10791,7 @@
                 <a:latin typeface="Arial"/>
                 <a:ea typeface="Noto Sans CJK SC"/>
               </a:rPr>
-              <a:t>, is a special subset of </a:t>
+              <a:t>, is the torsion sub-group, a special subset, of </a:t>
             </a:r>
             <a:r>
               <a:rPr b="0" i="1" lang="en-US" sz="3200" spc="-1" strike="noStrike">
@@ -10779,7 +10805,7 @@
                 <a:latin typeface="Arial"/>
                 <a:ea typeface="Noto Sans CJK SC"/>
               </a:rPr>
-              <a:t> such that every divisor in each equivalency class has a degree of </a:t>
+              <a:t> such that every divisor in each equivalence class has a degree of </a:t>
             </a:r>
             <a:r>
               <a:rPr b="0" i="1" lang="en-US" sz="3200" spc="-1" strike="noStrike">
@@ -10788,12 +10814,64 @@
               </a:rPr>
               <a:t>0.</a:t>
             </a:r>
+            <a:endParaRPr b="0" lang="en-US" sz="3200" spc="-1" strike="noStrike">
+              <a:latin typeface="Arial"/>
+            </a:endParaRPr>
+          </a:p>
+          <a:p>
+            <a:pPr lvl="1" marL="864000" indent="-324000">
+              <a:lnSpc>
+                <a:spcPct val="100000"/>
+              </a:lnSpc>
+              <a:spcBef>
+                <a:spcPts val="1417"/>
+              </a:spcBef>
+              <a:buClr>
+                <a:srgbClr val="000000"/>
+              </a:buClr>
+              <a:buSzPct val="75000"/>
+              <a:buFont typeface="Symbol" charset="2"/>
+              <a:buChar char=""/>
+            </a:pPr>
             <a:r>
               <a:rPr b="0" lang="en-US" sz="3200" spc="-1" strike="noStrike">
                 <a:latin typeface="Arial"/>
                 <a:ea typeface="Noto Sans CJK SC"/>
               </a:rPr>
-              <a:t>  If a divisor is in one of the Jacobian’s classes, it can be made winning after a finite series of moves.  The larger the size of the Jacobian, the more configurations exist where the vertices can be made debt free.</a:t>
+              <a:t>All of its members can be generated by some combination of divisors within its </a:t>
+            </a:r>
+            <a:r>
+              <a:rPr b="0" lang="en-US" sz="3200" spc="-1" strike="noStrike">
+                <a:latin typeface="Arial"/>
+                <a:ea typeface="Noto Sans CJK SC"/>
+              </a:rPr>
+              <a:t>equivalence classes.</a:t>
+            </a:r>
+            <a:endParaRPr b="0" lang="en-US" sz="3200" spc="-1" strike="noStrike">
+              <a:latin typeface="Arial"/>
+            </a:endParaRPr>
+          </a:p>
+          <a:p>
+            <a:pPr lvl="1" marL="864000" indent="-324000">
+              <a:lnSpc>
+                <a:spcPct val="100000"/>
+              </a:lnSpc>
+              <a:spcBef>
+                <a:spcPts val="1134"/>
+              </a:spcBef>
+              <a:buClr>
+                <a:srgbClr val="000000"/>
+              </a:buClr>
+              <a:buSzPct val="75000"/>
+              <a:buFont typeface="Symbol" charset="2"/>
+              <a:buChar char=""/>
+            </a:pPr>
+            <a:r>
+              <a:rPr b="0" lang="en-US" sz="3200" spc="-1" strike="noStrike">
+                <a:latin typeface="Arial"/>
+                <a:ea typeface="Noto Sans CJK SC"/>
+              </a:rPr>
+              <a:t>If a divisor is in one of the Jacobian’s classes, it can be made winning after a finite series of moves.  The larger the size of the Jacobian, the more configurations exist where the vertices can be made debt free.</a:t>
             </a:r>
             <a:endParaRPr b="0" lang="en-US" sz="3200" spc="-1" strike="noStrike">
               <a:latin typeface="Arial"/>
@@ -10844,7 +10922,7 @@
         <p:spPr>
           <a:xfrm>
             <a:off x="360000" y="225720"/>
-            <a:ext cx="9354240" cy="713160"/>
+            <a:ext cx="9353880" cy="712800"/>
           </a:xfrm>
           <a:prstGeom prst="rect">
             <a:avLst/>
@@ -10893,7 +10971,7 @@
         <p:spPr>
           <a:xfrm>
             <a:off x="360000" y="1485000"/>
-            <a:ext cx="9354240" cy="3774240"/>
+            <a:ext cx="9353880" cy="3773880"/>
           </a:xfrm>
           <a:prstGeom prst="rect">
             <a:avLst/>
@@ -11011,7 +11089,7 @@
                 <a:latin typeface="Arial"/>
                 <a:ea typeface="Noto Sans CJK SC"/>
               </a:rPr>
-              <a:t> represents the number of distinct equivalency classes with a degree of zero the graph can support.</a:t>
+              <a:t> represents the number of distinct equivalence classes with a degree of zero the graph can support.</a:t>
             </a:r>
             <a:endParaRPr b="0" lang="en-US" sz="3200" spc="-1" strike="noStrike">
               <a:latin typeface="Arial"/>
@@ -11063,7 +11141,7 @@
                 <a:latin typeface="Arial"/>
                 <a:ea typeface="Noto Sans CJK SC"/>
               </a:rPr>
-              <a:t>The sets of integers represented by its rank</a:t>
+              <a:t>The sets of integers to the power of its rank</a:t>
             </a:r>
             <a:endParaRPr b="0" lang="en-US" sz="3200" spc="-1" strike="noStrike">
               <a:latin typeface="Arial"/>
@@ -11110,7 +11188,28 @@
                 <a:latin typeface="Arial"/>
                 <a:ea typeface="Noto Sans CJK SC"/>
               </a:rPr>
-              <a:t>(an n-tuple of integers)</a:t>
+              <a:t>(an n-tuple of integers) </a:t>
+            </a:r>
+            <a:r>
+              <a:rPr b="0" lang="en-US" sz="3200" spc="-1" strike="noStrike">
+                <a:latin typeface="Arial"/>
+                <a:ea typeface="Noto Sans CJK SC"/>
+              </a:rPr>
+              <a:t>where </a:t>
+            </a:r>
+            <a:r>
+              <a:rPr b="0" i="1" lang="en-US" sz="3200" spc="-1" strike="noStrike">
+                <a:latin typeface="Arial"/>
+                <a:ea typeface="Noto Sans CJK SC"/>
+              </a:rPr>
+              <a:t>n</a:t>
+            </a:r>
+            <a:r>
+              <a:rPr b="0" lang="en-US" sz="3200" spc="-1" strike="noStrike">
+                <a:latin typeface="Arial"/>
+                <a:ea typeface="Noto Sans CJK SC"/>
+              </a:rPr>
+              <a:t> is the rank</a:t>
             </a:r>
             <a:r>
               <a:rPr b="0" lang="en-US" sz="3200" spc="-1" strike="noStrike">
@@ -11189,7 +11288,7 @@
         <p:spPr>
           <a:xfrm>
             <a:off x="360000" y="225720"/>
-            <a:ext cx="9354240" cy="713160"/>
+            <a:ext cx="9353880" cy="712800"/>
           </a:xfrm>
           <a:prstGeom prst="rect">
             <a:avLst/>
@@ -11250,7 +11349,7 @@
         <p:spPr>
           <a:xfrm>
             <a:off x="360000" y="1485000"/>
-            <a:ext cx="9354240" cy="3774240"/>
+            <a:ext cx="9353880" cy="3773880"/>
           </a:xfrm>
           <a:prstGeom prst="rect">
             <a:avLst/>
@@ -11497,7 +11596,7 @@
         <p:spPr>
           <a:xfrm>
             <a:off x="360000" y="225720"/>
-            <a:ext cx="9354240" cy="713160"/>
+            <a:ext cx="9353880" cy="712800"/>
           </a:xfrm>
           <a:prstGeom prst="rect">
             <a:avLst/>
@@ -11558,7 +11657,7 @@
         <p:spPr>
           <a:xfrm>
             <a:off x="457200" y="1744920"/>
-            <a:ext cx="1110960" cy="3051000"/>
+            <a:ext cx="1110600" cy="3050640"/>
           </a:xfrm>
           <a:prstGeom prst="rect">
             <a:avLst/>
@@ -11698,7 +11797,7 @@
         <p:spPr>
           <a:xfrm>
             <a:off x="1572840" y="1371600"/>
-            <a:ext cx="6194880" cy="2013840"/>
+            <a:ext cx="6194520" cy="2013480"/>
           </a:xfrm>
           <a:prstGeom prst="rect">
             <a:avLst/>
@@ -11721,7 +11820,7 @@
         <p:spPr>
           <a:xfrm>
             <a:off x="1572840" y="3390120"/>
-            <a:ext cx="6194880" cy="2013840"/>
+            <a:ext cx="6194520" cy="2013480"/>
           </a:xfrm>
           <a:prstGeom prst="rect">
             <a:avLst/>
@@ -11740,7 +11839,7 @@
         <p:spPr>
           <a:xfrm>
             <a:off x="7772400" y="1371600"/>
-            <a:ext cx="2281320" cy="3884040"/>
+            <a:ext cx="2280960" cy="3883680"/>
           </a:xfrm>
           <a:prstGeom prst="rect">
             <a:avLst/>
@@ -11957,7 +12056,7 @@
         <p:spPr>
           <a:xfrm>
             <a:off x="360000" y="225720"/>
-            <a:ext cx="9354240" cy="713160"/>
+            <a:ext cx="9353880" cy="712800"/>
           </a:xfrm>
           <a:prstGeom prst="rect">
             <a:avLst/>
@@ -12006,7 +12105,7 @@
         <p:spPr>
           <a:xfrm>
             <a:off x="228600" y="1279440"/>
-            <a:ext cx="2741040" cy="2055240"/>
+            <a:ext cx="2740680" cy="2054880"/>
           </a:xfrm>
           <a:prstGeom prst="rect">
             <a:avLst/>
@@ -12029,7 +12128,7 @@
         <p:spPr>
           <a:xfrm>
             <a:off x="228600" y="3336840"/>
-            <a:ext cx="2741040" cy="2055240"/>
+            <a:ext cx="2740680" cy="2054880"/>
           </a:xfrm>
           <a:prstGeom prst="rect">
             <a:avLst/>
@@ -12052,7 +12151,7 @@
         <p:spPr>
           <a:xfrm>
             <a:off x="3657600" y="1279440"/>
-            <a:ext cx="2741040" cy="2055240"/>
+            <a:ext cx="2740680" cy="2054880"/>
           </a:xfrm>
           <a:prstGeom prst="rect">
             <a:avLst/>
@@ -12075,7 +12174,7 @@
         <p:spPr>
           <a:xfrm>
             <a:off x="3657600" y="3336840"/>
-            <a:ext cx="2741040" cy="2055240"/>
+            <a:ext cx="2740680" cy="2054880"/>
           </a:xfrm>
           <a:prstGeom prst="rect">
             <a:avLst/>
@@ -12098,7 +12197,7 @@
         <p:spPr>
           <a:xfrm>
             <a:off x="6354000" y="1828800"/>
-            <a:ext cx="3473640" cy="2604600"/>
+            <a:ext cx="3473280" cy="2604240"/>
           </a:xfrm>
           <a:prstGeom prst="rect">
             <a:avLst/>
@@ -12117,7 +12216,7 @@
         <p:spPr>
           <a:xfrm>
             <a:off x="457200" y="1143000"/>
-            <a:ext cx="2283840" cy="344160"/>
+            <a:ext cx="2283480" cy="343800"/>
           </a:xfrm>
           <a:prstGeom prst="rect">
             <a:avLst/>
@@ -12169,7 +12268,7 @@
         <p:spPr>
           <a:xfrm>
             <a:off x="7086600" y="1711080"/>
-            <a:ext cx="2283840" cy="344160"/>
+            <a:ext cx="2283480" cy="343800"/>
           </a:xfrm>
           <a:prstGeom prst="rect">
             <a:avLst/>
@@ -12221,7 +12320,7 @@
         <p:spPr>
           <a:xfrm>
             <a:off x="3909240" y="3207600"/>
-            <a:ext cx="2283840" cy="344160"/>
+            <a:ext cx="2283480" cy="343800"/>
           </a:xfrm>
           <a:prstGeom prst="rect">
             <a:avLst/>
@@ -12273,7 +12372,7 @@
         <p:spPr>
           <a:xfrm>
             <a:off x="3886200" y="1143000"/>
-            <a:ext cx="2283840" cy="344160"/>
+            <a:ext cx="2283480" cy="343800"/>
           </a:xfrm>
           <a:prstGeom prst="rect">
             <a:avLst/>
@@ -12325,7 +12424,7 @@
         <p:spPr>
           <a:xfrm>
             <a:off x="457200" y="3200400"/>
-            <a:ext cx="2283840" cy="344160"/>
+            <a:ext cx="2283480" cy="343800"/>
           </a:xfrm>
           <a:prstGeom prst="rect">
             <a:avLst/>
@@ -12411,7 +12510,7 @@
         <p:spPr>
           <a:xfrm>
             <a:off x="360000" y="225720"/>
-            <a:ext cx="9354240" cy="713160"/>
+            <a:ext cx="9353880" cy="712800"/>
           </a:xfrm>
           <a:prstGeom prst="rect">
             <a:avLst/>
@@ -12460,7 +12559,7 @@
         <p:spPr>
           <a:xfrm>
             <a:off x="360000" y="1485000"/>
-            <a:ext cx="9354240" cy="3774240"/>
+            <a:ext cx="9353880" cy="3773880"/>
           </a:xfrm>
           <a:prstGeom prst="rect">
             <a:avLst/>
@@ -12653,7 +12752,7 @@
               <a:rPr b="0" lang="en-US" sz="2400" spc="-1" strike="noStrike">
                 <a:latin typeface="Arial"/>
               </a:rPr>
-              <a:t> is a graph made up of several groups of vertices in which their vertices have no connection to each other, but are each strongly connected to another such group.</a:t>
+              <a:t> is a graph made up of several groups of vertices in which their vertices have no connection to each other, but are each directionally connected to the next such group.</a:t>
             </a:r>
             <a:endParaRPr b="0" lang="en-US" sz="2400" spc="-1" strike="noStrike">
               <a:latin typeface="Arial"/>
@@ -12704,7 +12803,7 @@
         <p:spPr>
           <a:xfrm>
             <a:off x="360000" y="225720"/>
-            <a:ext cx="9354240" cy="713160"/>
+            <a:ext cx="9353880" cy="712800"/>
           </a:xfrm>
           <a:prstGeom prst="rect">
             <a:avLst/>
@@ -12783,7 +12882,7 @@
         <p:spPr>
           <a:xfrm>
             <a:off x="360000" y="225720"/>
-            <a:ext cx="9354240" cy="713160"/>
+            <a:ext cx="9353880" cy="712800"/>
           </a:xfrm>
           <a:prstGeom prst="rect">
             <a:avLst/>
@@ -12832,7 +12931,7 @@
         <p:spPr>
           <a:xfrm>
             <a:off x="360000" y="1485000"/>
-            <a:ext cx="9354240" cy="3774240"/>
+            <a:ext cx="9353880" cy="3773880"/>
           </a:xfrm>
           <a:prstGeom prst="rect">
             <a:avLst/>
@@ -12941,7 +13040,7 @@
         <p:spPr>
           <a:xfrm>
             <a:off x="360000" y="225720"/>
-            <a:ext cx="9354240" cy="713160"/>
+            <a:ext cx="9353880" cy="712800"/>
           </a:xfrm>
           <a:prstGeom prst="rect">
             <a:avLst/>
@@ -12990,7 +13089,7 @@
         <p:spPr>
           <a:xfrm>
             <a:off x="360000" y="1485000"/>
-            <a:ext cx="9354240" cy="3774240"/>
+            <a:ext cx="9353880" cy="3773880"/>
           </a:xfrm>
           <a:prstGeom prst="rect">
             <a:avLst/>
@@ -13124,7 +13223,7 @@
         <p:spPr>
           <a:xfrm>
             <a:off x="360000" y="-39960"/>
-            <a:ext cx="9354240" cy="1244880"/>
+            <a:ext cx="9353880" cy="1244520"/>
           </a:xfrm>
           <a:prstGeom prst="rect">
             <a:avLst/>
@@ -13173,7 +13272,7 @@
         <p:spPr>
           <a:xfrm>
             <a:off x="360000" y="1485000"/>
-            <a:ext cx="9354240" cy="3774240"/>
+            <a:ext cx="9353880" cy="3773880"/>
           </a:xfrm>
           <a:prstGeom prst="rect">
             <a:avLst/>
@@ -13440,7 +13539,7 @@
                 </a:solidFill>
                 <a:latin typeface="Arial"/>
               </a:rPr>
-              <a:t>This comes from the directed version of the matrix tree theorem, where the rank of a graph corresponds to the number of spanning trees.  This is one in the case of tree graphs.</a:t>
+              <a:t>We have also proven this through induction as there are no cases in which it changes as more and more edges are added.</a:t>
             </a:r>
             <a:endParaRPr b="0" lang="en-US" sz="3200" spc="-1" strike="noStrike">
               <a:latin typeface="Arial"/>
@@ -13491,7 +13590,7 @@
         <p:spPr>
           <a:xfrm>
             <a:off x="360000" y="225720"/>
-            <a:ext cx="9354240" cy="713160"/>
+            <a:ext cx="9353880" cy="712800"/>
           </a:xfrm>
           <a:prstGeom prst="rect">
             <a:avLst/>
@@ -13540,7 +13639,7 @@
         <p:spPr>
           <a:xfrm>
             <a:off x="360000" y="1485000"/>
-            <a:ext cx="9354240" cy="3774240"/>
+            <a:ext cx="9353880" cy="3773880"/>
           </a:xfrm>
           <a:prstGeom prst="rect">
             <a:avLst/>
@@ -13699,7 +13798,7 @@
         <p:spPr>
           <a:xfrm>
             <a:off x="360000" y="-39960"/>
-            <a:ext cx="9354240" cy="1244880"/>
+            <a:ext cx="9353880" cy="1244520"/>
           </a:xfrm>
           <a:prstGeom prst="rect">
             <a:avLst/>
@@ -13748,7 +13847,7 @@
         <p:spPr>
           <a:xfrm>
             <a:off x="360000" y="1485000"/>
-            <a:ext cx="9464760" cy="3774240"/>
+            <a:ext cx="9464400" cy="3773880"/>
           </a:xfrm>
           <a:prstGeom prst="rect">
             <a:avLst/>
@@ -13923,8 +14022,8 @@
         </p:nvSpPr>
         <p:spPr>
           <a:xfrm>
-            <a:off x="360000" y="-39960"/>
-            <a:ext cx="9354240" cy="1244880"/>
+            <a:off x="360000" y="225720"/>
+            <a:ext cx="9353880" cy="712800"/>
           </a:xfrm>
           <a:prstGeom prst="rect">
             <a:avLst/>
@@ -13960,602 +14059,9 @@
           </a:p>
         </p:txBody>
       </p:sp>
-      <p:sp>
-        <p:nvSpPr>
-          <p:cNvPr id="229" name="PlaceHolder 2"/>
-          <p:cNvSpPr>
-            <a:spLocks noGrp="1"/>
-          </p:cNvSpPr>
-          <p:nvPr>
-            <p:ph/>
-          </p:nvPr>
-        </p:nvSpPr>
-        <p:spPr>
-          <a:xfrm>
-            <a:off x="360000" y="1485000"/>
-            <a:ext cx="9354240" cy="3774240"/>
-          </a:xfrm>
-          <a:prstGeom prst="rect">
-            <a:avLst/>
-          </a:prstGeom>
-          <a:noFill/>
-          <a:ln w="0">
-            <a:noFill/>
-          </a:ln>
-        </p:spPr>
-        <p:txBody>
-          <a:bodyPr lIns="0" rIns="0" tIns="0" bIns="0" anchor="t">
-            <a:normAutofit fontScale="51000"/>
-          </a:bodyPr>
-          <a:p>
-            <a:pPr marL="432000" indent="-324000">
-              <a:lnSpc>
-                <a:spcPct val="100000"/>
-              </a:lnSpc>
-              <a:spcBef>
-                <a:spcPts val="1417"/>
-              </a:spcBef>
-              <a:buClr>
-                <a:srgbClr val="000000"/>
-              </a:buClr>
-              <a:buSzPct val="45000"/>
-              <a:buFont typeface="Wingdings" charset="2"/>
-              <a:buChar char=""/>
-            </a:pPr>
-            <a:r>
-              <a:rPr b="0" lang="en-US" sz="3200" spc="-1" strike="noStrike">
-                <a:solidFill>
-                  <a:srgbClr val="000000"/>
-                </a:solidFill>
-                <a:latin typeface="Arial"/>
-                <a:ea typeface="Noto Sans CJK SC"/>
-              </a:rPr>
-              <a:t>The rank of the Picard group of a cycle graph is similar to that of a tree.  It is the number of terminal strong components in the graph.</a:t>
-            </a:r>
-            <a:endParaRPr b="0" lang="en-US" sz="3200" spc="-1" strike="noStrike">
-              <a:latin typeface="Arial"/>
-            </a:endParaRPr>
-          </a:p>
-          <a:p>
-            <a:pPr marL="432000" indent="-324000">
-              <a:lnSpc>
-                <a:spcPct val="100000"/>
-              </a:lnSpc>
-              <a:spcBef>
-                <a:spcPts val="1417"/>
-              </a:spcBef>
-              <a:buClr>
-                <a:srgbClr val="000000"/>
-              </a:buClr>
-              <a:buSzPct val="45000"/>
-              <a:buFont typeface="Wingdings" charset="2"/>
-              <a:buChar char=""/>
-            </a:pPr>
-            <a:r>
-              <a:rPr b="0" lang="en-US" sz="3200" spc="-1" strike="noStrike">
-                <a:solidFill>
-                  <a:srgbClr val="000000"/>
-                </a:solidFill>
-                <a:latin typeface="Arial"/>
-                <a:ea typeface="Noto Sans CJK SC"/>
-              </a:rPr>
-              <a:t>The Jacobian of a Cycle graph is more complex than that of a tree, we have proved that there is always some orientation of a cycle such that the Jacobian is trivial or </a:t>
-            </a:r>
-            <a:r>
-              <a:rPr b="0" i="1" lang="en-US" sz="3200" spc="-1" strike="noStrike">
-                <a:solidFill>
-                  <a:srgbClr val="000000"/>
-                </a:solidFill>
-                <a:latin typeface="Arial"/>
-                <a:ea typeface="Noto Sans CJK SC"/>
-              </a:rPr>
-              <a:t>ℤ</a:t>
-            </a:r>
-            <a:r>
-              <a:rPr b="0" i="1" lang="en-US" sz="3200" spc="-1" strike="noStrike" baseline="-8000">
-                <a:solidFill>
-                  <a:srgbClr val="000000"/>
-                </a:solidFill>
-                <a:latin typeface="Arial"/>
-                <a:ea typeface="Noto Sans CJK SC"/>
-              </a:rPr>
-              <a:t>k</a:t>
-            </a:r>
-            <a:r>
-              <a:rPr b="0" lang="en-US" sz="3200" spc="-1" strike="noStrike" baseline="-8000">
-                <a:solidFill>
-                  <a:srgbClr val="000000"/>
-                </a:solidFill>
-                <a:latin typeface="Arial"/>
-                <a:ea typeface="Noto Sans CJK SC"/>
-              </a:rPr>
-              <a:t> </a:t>
-            </a:r>
-            <a:r>
-              <a:rPr b="0" lang="en-US" sz="3200" spc="-1" strike="noStrike">
-                <a:solidFill>
-                  <a:srgbClr val="000000"/>
-                </a:solidFill>
-                <a:latin typeface="Arial"/>
-                <a:ea typeface="Noto Sans CJK SC"/>
-              </a:rPr>
-              <a:t>where </a:t>
-            </a:r>
-            <a:r>
-              <a:rPr b="0" i="1" lang="en-US" sz="3200" spc="-1" strike="noStrike">
-                <a:solidFill>
-                  <a:srgbClr val="000000"/>
-                </a:solidFill>
-                <a:latin typeface="Arial"/>
-                <a:ea typeface="Noto Sans CJK SC"/>
-              </a:rPr>
-              <a:t>k≤n</a:t>
-            </a:r>
-            <a:r>
-              <a:rPr b="0" lang="en-US" sz="3200" spc="-1" strike="noStrike">
-                <a:solidFill>
-                  <a:srgbClr val="000000"/>
-                </a:solidFill>
-                <a:latin typeface="Arial"/>
-                <a:ea typeface="Noto Sans CJK SC"/>
-              </a:rPr>
-              <a:t> when </a:t>
-            </a:r>
-            <a:r>
-              <a:rPr b="0" i="1" lang="en-US" sz="3200" spc="-1" strike="noStrike">
-                <a:solidFill>
-                  <a:srgbClr val="000000"/>
-                </a:solidFill>
-                <a:latin typeface="Arial"/>
-                <a:ea typeface="Noto Sans CJK SC"/>
-              </a:rPr>
-              <a:t>n≥3 </a:t>
-            </a:r>
-            <a:r>
-              <a:rPr b="0" i="1" lang="en-US" sz="2200" spc="-1" strike="noStrike">
-                <a:solidFill>
-                  <a:srgbClr val="000000"/>
-                </a:solidFill>
-                <a:latin typeface="Arial"/>
-                <a:ea typeface="Noto Sans CJK SC"/>
-              </a:rPr>
-              <a:t>(thrm)</a:t>
-            </a:r>
-            <a:r>
-              <a:rPr b="0" lang="en-US" sz="3200" spc="-1" strike="noStrike">
-                <a:solidFill>
-                  <a:srgbClr val="000000"/>
-                </a:solidFill>
-                <a:latin typeface="Arial"/>
-                <a:ea typeface="Noto Sans CJK SC"/>
-              </a:rPr>
-              <a:t>.</a:t>
-            </a:r>
-            <a:endParaRPr b="0" lang="en-US" sz="3200" spc="-1" strike="noStrike">
-              <a:latin typeface="Arial"/>
-            </a:endParaRPr>
-          </a:p>
-          <a:p>
-            <a:pPr lvl="1" marL="864000" indent="-324000">
-              <a:lnSpc>
-                <a:spcPct val="100000"/>
-              </a:lnSpc>
-              <a:spcBef>
-                <a:spcPts val="1134"/>
-              </a:spcBef>
-              <a:buClr>
-                <a:srgbClr val="000000"/>
-              </a:buClr>
-              <a:buSzPct val="75000"/>
-              <a:buFont typeface="Symbol"/>
-              <a:buChar char=""/>
-            </a:pPr>
-            <a:r>
-              <a:rPr b="0" lang="en-US" sz="3200" spc="-1" strike="noStrike">
-                <a:solidFill>
-                  <a:srgbClr val="000000"/>
-                </a:solidFill>
-                <a:latin typeface="Arial"/>
-                <a:ea typeface="Noto Sans CJK SC"/>
-              </a:rPr>
-              <a:t>The most common of these invariant factors are the trivial factor and </a:t>
-            </a:r>
-            <a:r>
-              <a:rPr b="0" i="1" lang="en-US" sz="3200" spc="-1" strike="noStrike">
-                <a:solidFill>
-                  <a:srgbClr val="000000"/>
-                </a:solidFill>
-                <a:latin typeface="Arial"/>
-                <a:ea typeface="Noto Sans CJK SC"/>
-              </a:rPr>
-              <a:t>ℤ</a:t>
-            </a:r>
-            <a:r>
-              <a:rPr b="0" i="1" lang="en-US" sz="3200" spc="-1" strike="noStrike" baseline="-8000">
-                <a:solidFill>
-                  <a:srgbClr val="000000"/>
-                </a:solidFill>
-                <a:latin typeface="Arial"/>
-                <a:ea typeface="Noto Sans CJK SC"/>
-              </a:rPr>
-              <a:t>2</a:t>
-            </a:r>
-            <a:r>
-              <a:rPr b="0" i="1" lang="en-US" sz="3200" spc="-1" strike="noStrike">
-                <a:solidFill>
-                  <a:srgbClr val="000000"/>
-                </a:solidFill>
-                <a:latin typeface="Arial"/>
-                <a:ea typeface="Noto Sans CJK SC"/>
-              </a:rPr>
-              <a:t> </a:t>
-            </a:r>
-            <a:r>
-              <a:rPr b="0" lang="en-US" sz="3200" spc="-1" strike="noStrike">
-                <a:solidFill>
-                  <a:srgbClr val="000000"/>
-                </a:solidFill>
-                <a:latin typeface="Arial"/>
-                <a:ea typeface="Noto Sans CJK SC"/>
-              </a:rPr>
-              <a:t>across all possible orientations.</a:t>
-            </a:r>
-            <a:endParaRPr b="0" lang="en-US" sz="3200" spc="-1" strike="noStrike">
-              <a:latin typeface="Arial"/>
-            </a:endParaRPr>
-          </a:p>
-          <a:p>
-            <a:pPr marL="432000" indent="-324000">
-              <a:lnSpc>
-                <a:spcPct val="100000"/>
-              </a:lnSpc>
-              <a:spcBef>
-                <a:spcPts val="1417"/>
-              </a:spcBef>
-              <a:buClr>
-                <a:srgbClr val="000000"/>
-              </a:buClr>
-              <a:buSzPct val="45000"/>
-              <a:buFont typeface="Wingdings" charset="2"/>
-              <a:buChar char=""/>
-            </a:pPr>
-            <a:r>
-              <a:rPr b="0" lang="en-US" sz="3200" spc="-1" strike="noStrike">
-                <a:solidFill>
-                  <a:srgbClr val="000000"/>
-                </a:solidFill>
-                <a:latin typeface="Arial"/>
-                <a:ea typeface="Noto Sans CJK SC"/>
-              </a:rPr>
-              <a:t>Additionally, we have been able to calculate the Jacobian for any arbitrary cycle graph (</a:t>
-            </a:r>
-            <a:r>
-              <a:rPr b="0" i="1" lang="en-US" sz="3200" spc="-1" strike="noStrike">
-                <a:solidFill>
-                  <a:srgbClr val="000000"/>
-                </a:solidFill>
-                <a:latin typeface="Arial"/>
-                <a:ea typeface="Noto Sans CJK SC"/>
-              </a:rPr>
-              <a:t>C</a:t>
-            </a:r>
-            <a:r>
-              <a:rPr b="0" i="1" lang="en-US" sz="3200" spc="-1" strike="noStrike" baseline="-8000">
-                <a:solidFill>
-                  <a:srgbClr val="000000"/>
-                </a:solidFill>
-                <a:latin typeface="Arial"/>
-                <a:ea typeface="Noto Sans CJK SC"/>
-              </a:rPr>
-              <a:t>n</a:t>
-            </a:r>
-            <a:r>
-              <a:rPr b="0" lang="en-US" sz="3200" spc="-1" strike="noStrike">
-                <a:solidFill>
-                  <a:srgbClr val="000000"/>
-                </a:solidFill>
-                <a:latin typeface="Arial"/>
-                <a:ea typeface="Noto Sans CJK SC"/>
-              </a:rPr>
-              <a:t>) with two </a:t>
-            </a:r>
-            <a:r>
-              <a:rPr b="0" i="1" lang="en-US" sz="3200" spc="-1" strike="noStrike">
-                <a:solidFill>
-                  <a:srgbClr val="000000"/>
-                </a:solidFill>
-                <a:latin typeface="Arial"/>
-                <a:ea typeface="Noto Sans CJK SC"/>
-              </a:rPr>
-              <a:t>paths. </a:t>
-            </a:r>
-            <a:r>
-              <a:rPr b="0" lang="en-US" sz="3200" spc="-1" strike="noStrike">
-                <a:solidFill>
-                  <a:srgbClr val="000000"/>
-                </a:solidFill>
-                <a:latin typeface="Arial"/>
-                <a:ea typeface="Noto Sans CJK SC"/>
-              </a:rPr>
-              <a:t> Here a </a:t>
-            </a:r>
-            <a:r>
-              <a:rPr b="0" i="1" lang="en-US" sz="3200" spc="-1" strike="noStrike">
-                <a:solidFill>
-                  <a:srgbClr val="000000"/>
-                </a:solidFill>
-                <a:latin typeface="Arial"/>
-                <a:ea typeface="Noto Sans CJK SC"/>
-              </a:rPr>
-              <a:t>path</a:t>
-            </a:r>
-            <a:r>
-              <a:rPr b="0" lang="en-US" sz="3200" spc="-1" strike="noStrike">
-                <a:solidFill>
-                  <a:srgbClr val="000000"/>
-                </a:solidFill>
-                <a:latin typeface="Arial"/>
-                <a:ea typeface="Noto Sans CJK SC"/>
-              </a:rPr>
-              <a:t> is a connected sub-graph of </a:t>
-            </a:r>
-            <a:r>
-              <a:rPr b="0" i="1" lang="en-US" sz="3200" spc="-1" strike="noStrike">
-                <a:solidFill>
-                  <a:srgbClr val="000000"/>
-                </a:solidFill>
-                <a:latin typeface="Arial"/>
-                <a:ea typeface="Noto Sans CJK SC"/>
-              </a:rPr>
-              <a:t>C</a:t>
-            </a:r>
-            <a:r>
-              <a:rPr b="0" i="1" lang="en-US" sz="3200" spc="-1" strike="noStrike" baseline="-8000">
-                <a:solidFill>
-                  <a:srgbClr val="000000"/>
-                </a:solidFill>
-                <a:latin typeface="Arial"/>
-                <a:ea typeface="Noto Sans CJK SC"/>
-              </a:rPr>
-              <a:t>n</a:t>
-            </a:r>
-            <a:r>
-              <a:rPr b="0" lang="en-US" sz="3200" spc="-1" strike="noStrike">
-                <a:solidFill>
-                  <a:srgbClr val="000000"/>
-                </a:solidFill>
-                <a:latin typeface="Arial"/>
-                <a:ea typeface="Noto Sans CJK SC"/>
-              </a:rPr>
-              <a:t> in which all arrows are oriented in a single direction or are bidirectional.  In other words, a path is a sub-graph of </a:t>
-            </a:r>
-            <a:r>
-              <a:rPr b="0" i="1" lang="en-US" sz="3200" spc="-1" strike="noStrike">
-                <a:solidFill>
-                  <a:srgbClr val="000000"/>
-                </a:solidFill>
-                <a:latin typeface="Arial"/>
-                <a:ea typeface="Noto Sans CJK SC"/>
-              </a:rPr>
-              <a:t>C</a:t>
-            </a:r>
-            <a:r>
-              <a:rPr b="0" i="1" lang="en-US" sz="3200" spc="-1" strike="noStrike" baseline="-8000">
-                <a:solidFill>
-                  <a:srgbClr val="000000"/>
-                </a:solidFill>
-                <a:latin typeface="Arial"/>
-                <a:ea typeface="Noto Sans CJK SC"/>
-              </a:rPr>
-              <a:t>n</a:t>
-            </a:r>
-            <a:r>
-              <a:rPr b="0" lang="en-US" sz="3200" spc="-1" strike="noStrike">
-                <a:solidFill>
-                  <a:srgbClr val="000000"/>
-                </a:solidFill>
-                <a:latin typeface="Arial"/>
-                <a:ea typeface="Noto Sans CJK SC"/>
-              </a:rPr>
-              <a:t> with one strong terminal component.  These paths either only comprise one edge or are terminated by one appropriate directed edge on each side </a:t>
-            </a:r>
-            <a:r>
-              <a:rPr b="0" i="1" lang="en-US" sz="2200" spc="-1" strike="noStrike">
-                <a:solidFill>
-                  <a:srgbClr val="000000"/>
-                </a:solidFill>
-                <a:latin typeface="Arial"/>
-                <a:ea typeface="Noto Sans CJK SC"/>
-              </a:rPr>
-              <a:t>(thrm)</a:t>
-            </a:r>
-            <a:r>
-              <a:rPr b="0" lang="en-US" sz="3200" spc="-1" strike="noStrike">
-                <a:solidFill>
-                  <a:srgbClr val="000000"/>
-                </a:solidFill>
-                <a:latin typeface="Arial"/>
-                <a:ea typeface="Noto Sans CJK SC"/>
-              </a:rPr>
-              <a:t>.</a:t>
-            </a:r>
-            <a:endParaRPr b="0" lang="en-US" sz="3200" spc="-1" strike="noStrike">
-              <a:latin typeface="Arial"/>
-            </a:endParaRPr>
-          </a:p>
-          <a:p>
-            <a:pPr lvl="1" marL="864000" indent="-324000">
-              <a:lnSpc>
-                <a:spcPct val="100000"/>
-              </a:lnSpc>
-              <a:spcBef>
-                <a:spcPts val="1134"/>
-              </a:spcBef>
-              <a:buClr>
-                <a:srgbClr val="000000"/>
-              </a:buClr>
-              <a:buSzPct val="75000"/>
-              <a:buFont typeface="Symbol"/>
-              <a:buChar char=""/>
-            </a:pPr>
-            <a:r>
-              <a:rPr b="0" lang="en-US" sz="3200" spc="-1" strike="noStrike">
-                <a:solidFill>
-                  <a:srgbClr val="000000"/>
-                </a:solidFill>
-                <a:latin typeface="Arial"/>
-                <a:ea typeface="Noto Sans CJK SC"/>
-              </a:rPr>
-              <a:t>For these graphs, the Jacobian is </a:t>
-            </a:r>
-            <a:r>
-              <a:rPr b="0" i="1" lang="en-US" sz="3200" spc="-1" strike="noStrike">
-                <a:solidFill>
-                  <a:srgbClr val="000000"/>
-                </a:solidFill>
-                <a:latin typeface="Arial"/>
-                <a:ea typeface="Noto Sans CJK SC"/>
-              </a:rPr>
-              <a:t>ℤ</a:t>
-            </a:r>
-            <a:r>
-              <a:rPr b="0" i="1" lang="en-US" sz="3200" spc="-1" strike="noStrike" baseline="-8000">
-                <a:solidFill>
-                  <a:srgbClr val="000000"/>
-                </a:solidFill>
-                <a:latin typeface="Arial"/>
-                <a:ea typeface="Noto Sans CJK SC"/>
-              </a:rPr>
-              <a:t>(x+2)</a:t>
-            </a:r>
-            <a:r>
-              <a:rPr b="0" i="1" lang="en-US" sz="3200" spc="-1" strike="noStrike">
-                <a:solidFill>
-                  <a:srgbClr val="000000"/>
-                </a:solidFill>
-                <a:latin typeface="Arial"/>
-                <a:ea typeface="Noto Sans CJK SC"/>
-              </a:rPr>
-              <a:t> </a:t>
-            </a:r>
-            <a:r>
-              <a:rPr b="0" lang="en-US" sz="3200" spc="-1" strike="noStrike">
-                <a:solidFill>
-                  <a:srgbClr val="000000"/>
-                </a:solidFill>
-                <a:latin typeface="Arial"/>
-                <a:ea typeface="Noto Sans CJK SC"/>
-              </a:rPr>
-              <a:t>where</a:t>
-            </a:r>
-            <a:r>
-              <a:rPr b="0" i="1" lang="en-US" sz="3200" spc="-1" strike="noStrike">
-                <a:solidFill>
-                  <a:srgbClr val="000000"/>
-                </a:solidFill>
-                <a:latin typeface="Arial"/>
-                <a:ea typeface="Noto Sans CJK SC"/>
-              </a:rPr>
-              <a:t> x</a:t>
-            </a:r>
-            <a:r>
-              <a:rPr b="0" lang="en-US" sz="3200" spc="-1" strike="noStrike">
-                <a:solidFill>
-                  <a:srgbClr val="000000"/>
-                </a:solidFill>
-                <a:latin typeface="Arial"/>
-                <a:ea typeface="Noto Sans CJK SC"/>
-              </a:rPr>
-              <a:t> is the number of bidirectional edges clockwise of the counter-clockwise path and counter-clockwise of the clockwise path.</a:t>
-            </a:r>
-            <a:endParaRPr b="0" lang="en-US" sz="3200" spc="-1" strike="noStrike">
-              <a:latin typeface="Arial"/>
-            </a:endParaRPr>
-          </a:p>
-        </p:txBody>
-      </p:sp>
-    </p:spTree>
-  </p:cSld>
-  <mc:AlternateContent>
-    <mc:Choice Requires="p14">
-      <p:transition spd="slow" p14:dur="2000"/>
-    </mc:Choice>
-    <mc:Fallback>
-      <p:transition spd="slow"/>
-    </mc:Fallback>
-  </mc:AlternateContent>
-</p:sld>
-</file>
-
-<file path=ppt/slides/slide22.xml><?xml version="1.0" encoding="utf-8"?>
-<p:sld xmlns:a="http://schemas.openxmlformats.org/drawingml/2006/main" xmlns:p="http://schemas.openxmlformats.org/presentationml/2006/main" xmlns:r="http://schemas.openxmlformats.org/officeDocument/2006/relationships" xmlns:p14="http://schemas.microsoft.com/office/powerpoint/2010/main" xmlns:p15="http://schemas.microsoft.com/office/powerpoint/2012/main" xmlns:mc="http://schemas.openxmlformats.org/markup-compatibility/2006">
-  <p:cSld>
-    <p:spTree>
-      <p:nvGrpSpPr>
-        <p:cNvPr id="1" name=""/>
-        <p:cNvGrpSpPr/>
-        <p:nvPr/>
-      </p:nvGrpSpPr>
-      <p:grpSpPr>
-        <a:xfrm>
-          <a:off x="0" y="0"/>
-          <a:ext cx="0" cy="0"/>
-          <a:chOff x="0" y="0"/>
-          <a:chExt cx="0" cy="0"/>
-        </a:xfrm>
-      </p:grpSpPr>
-      <p:sp>
-        <p:nvSpPr>
-          <p:cNvPr id="230" name="PlaceHolder 1"/>
-          <p:cNvSpPr>
-            <a:spLocks noGrp="1"/>
-          </p:cNvSpPr>
-          <p:nvPr>
-            <p:ph type="title"/>
-          </p:nvPr>
-        </p:nvSpPr>
-        <p:spPr>
-          <a:xfrm>
-            <a:off x="360000" y="225720"/>
-            <a:ext cx="9354240" cy="713160"/>
-          </a:xfrm>
-          <a:prstGeom prst="rect">
-            <a:avLst/>
-          </a:prstGeom>
-          <a:noFill/>
-          <a:ln w="0">
-            <a:noFill/>
-          </a:ln>
-        </p:spPr>
-        <p:txBody>
-          <a:bodyPr lIns="0" rIns="0" tIns="0" bIns="0" anchor="ctr">
-            <a:noAutofit/>
-          </a:bodyPr>
-          <a:p>
-            <a:pPr algn="ctr">
-              <a:lnSpc>
-                <a:spcPct val="100000"/>
-              </a:lnSpc>
-              <a:buNone/>
-            </a:pPr>
-            <a:r>
-              <a:rPr b="0" lang="en-US" sz="4400" spc="-1" strike="noStrike">
-                <a:solidFill>
-                  <a:srgbClr val="ffffff"/>
-                </a:solidFill>
-                <a:latin typeface="Arial"/>
-              </a:rPr>
-              <a:t>Finding The Jacobian of a Cycle Graph</a:t>
-            </a:r>
-            <a:endParaRPr b="0" lang="en-US" sz="4400" spc="-1" strike="noStrike">
-              <a:latin typeface="Arial"/>
-            </a:endParaRPr>
-          </a:p>
-        </p:txBody>
-      </p:sp>
       <p:pic>
         <p:nvPicPr>
-          <p:cNvPr id="231" name="" descr=""/>
+          <p:cNvPr id="229" name="" descr=""/>
           <p:cNvPicPr/>
           <p:nvPr/>
         </p:nvPicPr>
@@ -14565,8 +14071,8 @@
         </p:blipFill>
         <p:spPr>
           <a:xfrm>
-            <a:off x="2514600" y="2373120"/>
-            <a:ext cx="2928600" cy="2195280"/>
+            <a:off x="6672960" y="2286000"/>
+            <a:ext cx="2928240" cy="2194920"/>
           </a:xfrm>
           <a:prstGeom prst="rect">
             <a:avLst/>
@@ -14578,7 +14084,7 @@
       </p:pic>
       <p:pic>
         <p:nvPicPr>
-          <p:cNvPr id="232" name="" descr=""/>
+          <p:cNvPr id="230" name="" descr=""/>
           <p:cNvPicPr/>
           <p:nvPr/>
         </p:nvPicPr>
@@ -14589,8 +14095,8 @@
         </p:blipFill>
         <p:spPr>
           <a:xfrm>
-            <a:off x="209520" y="1290960"/>
-            <a:ext cx="2415600" cy="1924920"/>
+            <a:off x="914400" y="2286000"/>
+            <a:ext cx="2415240" cy="1924560"/>
           </a:xfrm>
           <a:prstGeom prst="rect">
             <a:avLst/>
@@ -14602,7 +14108,7 @@
       </p:pic>
       <p:pic>
         <p:nvPicPr>
-          <p:cNvPr id="233" name="" descr=""/>
+          <p:cNvPr id="231" name="" descr=""/>
           <p:cNvPicPr/>
           <p:nvPr/>
         </p:nvPicPr>
@@ -14613,8 +14119,8 @@
         </p:blipFill>
         <p:spPr>
           <a:xfrm>
-            <a:off x="0" y="3200400"/>
-            <a:ext cx="2739240" cy="2053800"/>
+            <a:off x="3657600" y="2289960"/>
+            <a:ext cx="2738880" cy="2053440"/>
           </a:xfrm>
           <a:prstGeom prst="rect">
             <a:avLst/>
@@ -14626,14 +14132,14 @@
       </p:pic>
       <p:sp>
         <p:nvSpPr>
-          <p:cNvPr id="234" name=""/>
+          <p:cNvPr id="232" name=""/>
           <p:cNvSpPr/>
           <p:nvPr/>
         </p:nvSpPr>
         <p:spPr>
           <a:xfrm rot="18160800">
-            <a:off x="218160" y="2125440"/>
-            <a:ext cx="1366560" cy="223560"/>
+            <a:off x="911160" y="3038040"/>
+            <a:ext cx="1366200" cy="223200"/>
           </a:xfrm>
           <a:custGeom>
             <a:avLst/>
@@ -14694,14 +14200,14 @@
       </p:sp>
       <p:sp>
         <p:nvSpPr>
-          <p:cNvPr id="235" name=""/>
+          <p:cNvPr id="233" name=""/>
           <p:cNvSpPr/>
           <p:nvPr/>
         </p:nvSpPr>
         <p:spPr>
           <a:xfrm rot="3178800">
-            <a:off x="1719720" y="1996920"/>
-            <a:ext cx="909360" cy="223560"/>
+            <a:off x="2383200" y="3115800"/>
+            <a:ext cx="909000" cy="223200"/>
           </a:xfrm>
           <a:custGeom>
             <a:avLst/>
@@ -14753,14 +14259,14 @@
       </p:sp>
       <p:sp>
         <p:nvSpPr>
-          <p:cNvPr id="236" name=""/>
+          <p:cNvPr id="234" name=""/>
           <p:cNvSpPr/>
           <p:nvPr/>
         </p:nvSpPr>
         <p:spPr>
           <a:xfrm>
-            <a:off x="1143000" y="2973240"/>
-            <a:ext cx="909360" cy="223560"/>
+            <a:off x="1834200" y="4120200"/>
+            <a:ext cx="909000" cy="223200"/>
           </a:xfrm>
           <a:custGeom>
             <a:avLst/>
@@ -14812,14 +14318,14 @@
       </p:sp>
       <p:sp>
         <p:nvSpPr>
-          <p:cNvPr id="237" name=""/>
+          <p:cNvPr id="235" name=""/>
           <p:cNvSpPr/>
           <p:nvPr/>
         </p:nvSpPr>
         <p:spPr>
           <a:xfrm rot="18160800">
-            <a:off x="218160" y="4049640"/>
-            <a:ext cx="1366560" cy="223560"/>
+            <a:off x="3882960" y="3139200"/>
+            <a:ext cx="1366200" cy="223200"/>
           </a:xfrm>
           <a:custGeom>
             <a:avLst/>
@@ -14880,14 +14386,14 @@
       </p:sp>
       <p:sp>
         <p:nvSpPr>
-          <p:cNvPr id="238" name=""/>
+          <p:cNvPr id="236" name=""/>
           <p:cNvSpPr/>
           <p:nvPr/>
         </p:nvSpPr>
         <p:spPr>
           <a:xfrm rot="14195400">
-            <a:off x="1585080" y="4055040"/>
-            <a:ext cx="1366560" cy="223560"/>
+            <a:off x="5248080" y="3142800"/>
+            <a:ext cx="1366200" cy="223200"/>
           </a:xfrm>
           <a:custGeom>
             <a:avLst/>
@@ -14948,14 +14454,14 @@
       </p:sp>
       <p:sp>
         <p:nvSpPr>
-          <p:cNvPr id="239" name=""/>
+          <p:cNvPr id="237" name=""/>
           <p:cNvSpPr/>
           <p:nvPr/>
         </p:nvSpPr>
         <p:spPr>
           <a:xfrm rot="21568800">
-            <a:off x="829080" y="5018040"/>
-            <a:ext cx="1366560" cy="223560"/>
+            <a:off x="4576320" y="4120560"/>
+            <a:ext cx="1366200" cy="223200"/>
           </a:xfrm>
           <a:custGeom>
             <a:avLst/>
@@ -15016,14 +14522,14 @@
       </p:sp>
       <p:sp>
         <p:nvSpPr>
-          <p:cNvPr id="240" name=""/>
+          <p:cNvPr id="238" name=""/>
           <p:cNvSpPr/>
           <p:nvPr/>
         </p:nvSpPr>
         <p:spPr>
           <a:xfrm>
-            <a:off x="3657600" y="4116240"/>
-            <a:ext cx="909360" cy="223560"/>
+            <a:off x="7777800" y="4120200"/>
+            <a:ext cx="909000" cy="223200"/>
           </a:xfrm>
           <a:custGeom>
             <a:avLst/>
@@ -15075,14 +14581,14 @@
       </p:sp>
       <p:sp>
         <p:nvSpPr>
-          <p:cNvPr id="241" name=""/>
+          <p:cNvPr id="239" name=""/>
           <p:cNvSpPr/>
           <p:nvPr/>
         </p:nvSpPr>
         <p:spPr>
           <a:xfrm rot="13918800">
-            <a:off x="4201560" y="3117240"/>
-            <a:ext cx="909360" cy="223560"/>
+            <a:off x="8371440" y="3058200"/>
+            <a:ext cx="909000" cy="223200"/>
           </a:xfrm>
           <a:custGeom>
             <a:avLst/>
@@ -15134,14 +14640,14 @@
       </p:sp>
       <p:sp>
         <p:nvSpPr>
-          <p:cNvPr id="242" name=""/>
+          <p:cNvPr id="240" name=""/>
           <p:cNvSpPr/>
           <p:nvPr/>
         </p:nvSpPr>
         <p:spPr>
           <a:xfrm rot="7579800">
-            <a:off x="2880000" y="3292920"/>
-            <a:ext cx="909360" cy="223560"/>
+            <a:off x="6990840" y="3113640"/>
+            <a:ext cx="909000" cy="223200"/>
           </a:xfrm>
           <a:custGeom>
             <a:avLst/>
@@ -15191,29 +14697,599 @@
           <a:fontRef idx="minor"/>
         </p:style>
       </p:sp>
-      <p:pic>
-        <p:nvPicPr>
-          <p:cNvPr id="243" name="" descr=""/>
-          <p:cNvPicPr/>
-          <p:nvPr/>
-        </p:nvPicPr>
-        <p:blipFill>
-          <a:blip r:embed="rId4"/>
-          <a:stretch/>
-        </p:blipFill>
-        <p:spPr>
-          <a:xfrm>
-            <a:off x="5181840" y="1600200"/>
-            <a:ext cx="4872960" cy="3654000"/>
-          </a:xfrm>
-          <a:prstGeom prst="rect">
-            <a:avLst/>
-          </a:prstGeom>
-          <a:ln w="0">
-            <a:noFill/>
-          </a:ln>
-        </p:spPr>
-      </p:pic>
+    </p:spTree>
+  </p:cSld>
+  <mc:AlternateContent>
+    <mc:Choice Requires="p14">
+      <p:transition spd="slow" p14:dur="2000"/>
+    </mc:Choice>
+    <mc:Fallback>
+      <p:transition spd="slow"/>
+    </mc:Fallback>
+  </mc:AlternateContent>
+</p:sld>
+</file>
+
+<file path=ppt/slides/slide22.xml><?xml version="1.0" encoding="utf-8"?>
+<p:sld xmlns:a="http://schemas.openxmlformats.org/drawingml/2006/main" xmlns:p="http://schemas.openxmlformats.org/presentationml/2006/main" xmlns:r="http://schemas.openxmlformats.org/officeDocument/2006/relationships" xmlns:p14="http://schemas.microsoft.com/office/powerpoint/2010/main" xmlns:p15="http://schemas.microsoft.com/office/powerpoint/2012/main" xmlns:mc="http://schemas.openxmlformats.org/markup-compatibility/2006">
+  <p:cSld>
+    <p:spTree>
+      <p:nvGrpSpPr>
+        <p:cNvPr id="1" name=""/>
+        <p:cNvGrpSpPr/>
+        <p:nvPr/>
+      </p:nvGrpSpPr>
+      <p:grpSpPr>
+        <a:xfrm>
+          <a:off x="0" y="0"/>
+          <a:ext cx="0" cy="0"/>
+          <a:chOff x="0" y="0"/>
+          <a:chExt cx="0" cy="0"/>
+        </a:xfrm>
+      </p:grpSpPr>
+      <p:sp>
+        <p:nvSpPr>
+          <p:cNvPr id="241" name="PlaceHolder 1"/>
+          <p:cNvSpPr>
+            <a:spLocks noGrp="1"/>
+          </p:cNvSpPr>
+          <p:nvPr>
+            <p:ph type="title"/>
+          </p:nvPr>
+        </p:nvSpPr>
+        <p:spPr>
+          <a:xfrm>
+            <a:off x="360000" y="-39960"/>
+            <a:ext cx="9353880" cy="1244520"/>
+          </a:xfrm>
+          <a:prstGeom prst="rect">
+            <a:avLst/>
+          </a:prstGeom>
+          <a:noFill/>
+          <a:ln w="0">
+            <a:noFill/>
+          </a:ln>
+        </p:spPr>
+        <p:txBody>
+          <a:bodyPr lIns="0" rIns="0" tIns="0" bIns="0" anchor="ctr">
+            <a:noAutofit/>
+          </a:bodyPr>
+          <a:p>
+            <a:pPr algn="ctr">
+              <a:lnSpc>
+                <a:spcPct val="100000"/>
+              </a:lnSpc>
+              <a:buNone/>
+            </a:pPr>
+            <a:r>
+              <a:rPr b="0" lang="en-US" sz="4400" spc="-1" strike="noStrike">
+                <a:solidFill>
+                  <a:srgbClr val="ffffff"/>
+                </a:solidFill>
+                <a:latin typeface="Arial"/>
+              </a:rPr>
+              <a:t>Finding The Picard Group of a Cycle Graph</a:t>
+            </a:r>
+            <a:endParaRPr b="0" lang="en-US" sz="4400" spc="-1" strike="noStrike">
+              <a:latin typeface="Arial"/>
+            </a:endParaRPr>
+          </a:p>
+        </p:txBody>
+      </p:sp>
+      <p:sp>
+        <p:nvSpPr>
+          <p:cNvPr id="242" name="PlaceHolder 2"/>
+          <p:cNvSpPr>
+            <a:spLocks noGrp="1"/>
+          </p:cNvSpPr>
+          <p:nvPr>
+            <p:ph/>
+          </p:nvPr>
+        </p:nvSpPr>
+        <p:spPr>
+          <a:xfrm>
+            <a:off x="360000" y="1485000"/>
+            <a:ext cx="9353880" cy="3773880"/>
+          </a:xfrm>
+          <a:prstGeom prst="rect">
+            <a:avLst/>
+          </a:prstGeom>
+          <a:noFill/>
+          <a:ln w="0">
+            <a:noFill/>
+          </a:ln>
+        </p:spPr>
+        <p:txBody>
+          <a:bodyPr lIns="0" rIns="0" tIns="0" bIns="0" anchor="t">
+            <a:normAutofit fontScale="51000"/>
+          </a:bodyPr>
+          <a:p>
+            <a:pPr marL="432000" indent="-324000">
+              <a:lnSpc>
+                <a:spcPct val="100000"/>
+              </a:lnSpc>
+              <a:spcBef>
+                <a:spcPts val="1417"/>
+              </a:spcBef>
+              <a:buClr>
+                <a:srgbClr val="000000"/>
+              </a:buClr>
+              <a:buSzPct val="45000"/>
+              <a:buFont typeface="Wingdings" charset="2"/>
+              <a:buChar char=""/>
+            </a:pPr>
+            <a:r>
+              <a:rPr b="0" lang="en-US" sz="3200" spc="-1" strike="noStrike">
+                <a:solidFill>
+                  <a:srgbClr val="000000"/>
+                </a:solidFill>
+                <a:latin typeface="Arial"/>
+                <a:ea typeface="Noto Sans CJK SC"/>
+              </a:rPr>
+              <a:t>The rank of the Picard group of a cycle graph is similar to that of a tree.  It is the number of terminal strong components in the graph.</a:t>
+            </a:r>
+            <a:endParaRPr b="0" lang="en-US" sz="3200" spc="-1" strike="noStrike">
+              <a:latin typeface="Arial"/>
+            </a:endParaRPr>
+          </a:p>
+          <a:p>
+            <a:pPr marL="432000" indent="-324000">
+              <a:lnSpc>
+                <a:spcPct val="100000"/>
+              </a:lnSpc>
+              <a:spcBef>
+                <a:spcPts val="1417"/>
+              </a:spcBef>
+              <a:buClr>
+                <a:srgbClr val="000000"/>
+              </a:buClr>
+              <a:buSzPct val="45000"/>
+              <a:buFont typeface="Wingdings" charset="2"/>
+              <a:buChar char=""/>
+            </a:pPr>
+            <a:r>
+              <a:rPr b="0" lang="en-US" sz="3200" spc="-1" strike="noStrike">
+                <a:solidFill>
+                  <a:srgbClr val="000000"/>
+                </a:solidFill>
+                <a:latin typeface="Arial"/>
+                <a:ea typeface="Noto Sans CJK SC"/>
+              </a:rPr>
+              <a:t>The Jacobian of a Cycle graph is more complex than that of a tree, we have proved that there is always some orientation of a cycle such that the Jacobian is trivial or </a:t>
+            </a:r>
+            <a:r>
+              <a:rPr b="0" i="1" lang="en-US" sz="3200" spc="-1" strike="noStrike">
+                <a:solidFill>
+                  <a:srgbClr val="000000"/>
+                </a:solidFill>
+                <a:latin typeface="Arial"/>
+                <a:ea typeface="Noto Sans CJK SC"/>
+              </a:rPr>
+              <a:t>ℤ</a:t>
+            </a:r>
+            <a:r>
+              <a:rPr b="0" i="1" lang="en-US" sz="3200" spc="-1" strike="noStrike" baseline="-8000">
+                <a:solidFill>
+                  <a:srgbClr val="000000"/>
+                </a:solidFill>
+                <a:latin typeface="Arial"/>
+                <a:ea typeface="Noto Sans CJK SC"/>
+              </a:rPr>
+              <a:t>k</a:t>
+            </a:r>
+            <a:r>
+              <a:rPr b="0" lang="en-US" sz="3200" spc="-1" strike="noStrike" baseline="-8000">
+                <a:solidFill>
+                  <a:srgbClr val="000000"/>
+                </a:solidFill>
+                <a:latin typeface="Arial"/>
+                <a:ea typeface="Noto Sans CJK SC"/>
+              </a:rPr>
+              <a:t> </a:t>
+            </a:r>
+            <a:r>
+              <a:rPr b="0" lang="en-US" sz="3200" spc="-1" strike="noStrike">
+                <a:solidFill>
+                  <a:srgbClr val="000000"/>
+                </a:solidFill>
+                <a:latin typeface="Arial"/>
+                <a:ea typeface="Noto Sans CJK SC"/>
+              </a:rPr>
+              <a:t>where </a:t>
+            </a:r>
+            <a:r>
+              <a:rPr b="0" i="1" lang="en-US" sz="3200" spc="-1" strike="noStrike">
+                <a:solidFill>
+                  <a:srgbClr val="000000"/>
+                </a:solidFill>
+                <a:latin typeface="Arial"/>
+                <a:ea typeface="Noto Sans CJK SC"/>
+              </a:rPr>
+              <a:t>k≤n</a:t>
+            </a:r>
+            <a:r>
+              <a:rPr b="0" lang="en-US" sz="3200" spc="-1" strike="noStrike">
+                <a:solidFill>
+                  <a:srgbClr val="000000"/>
+                </a:solidFill>
+                <a:latin typeface="Arial"/>
+                <a:ea typeface="Noto Sans CJK SC"/>
+              </a:rPr>
+              <a:t> when </a:t>
+            </a:r>
+            <a:r>
+              <a:rPr b="0" i="1" lang="en-US" sz="3200" spc="-1" strike="noStrike">
+                <a:solidFill>
+                  <a:srgbClr val="000000"/>
+                </a:solidFill>
+                <a:latin typeface="Arial"/>
+                <a:ea typeface="Noto Sans CJK SC"/>
+              </a:rPr>
+              <a:t>n≥3 </a:t>
+            </a:r>
+            <a:r>
+              <a:rPr b="0" i="1" lang="en-US" sz="2200" spc="-1" strike="noStrike">
+                <a:solidFill>
+                  <a:srgbClr val="000000"/>
+                </a:solidFill>
+                <a:latin typeface="Arial"/>
+                <a:ea typeface="Noto Sans CJK SC"/>
+              </a:rPr>
+              <a:t>(thrm)</a:t>
+            </a:r>
+            <a:r>
+              <a:rPr b="0" lang="en-US" sz="3200" spc="-1" strike="noStrike">
+                <a:solidFill>
+                  <a:srgbClr val="000000"/>
+                </a:solidFill>
+                <a:latin typeface="Arial"/>
+                <a:ea typeface="Noto Sans CJK SC"/>
+              </a:rPr>
+              <a:t>.</a:t>
+            </a:r>
+            <a:endParaRPr b="0" lang="en-US" sz="3200" spc="-1" strike="noStrike">
+              <a:latin typeface="Arial"/>
+            </a:endParaRPr>
+          </a:p>
+          <a:p>
+            <a:pPr lvl="1" marL="864000" indent="-324000">
+              <a:lnSpc>
+                <a:spcPct val="100000"/>
+              </a:lnSpc>
+              <a:spcBef>
+                <a:spcPts val="1134"/>
+              </a:spcBef>
+              <a:buClr>
+                <a:srgbClr val="000000"/>
+              </a:buClr>
+              <a:buSzPct val="75000"/>
+              <a:buFont typeface="Symbol"/>
+              <a:buChar char=""/>
+            </a:pPr>
+            <a:r>
+              <a:rPr b="0" lang="en-US" sz="3200" spc="-1" strike="noStrike">
+                <a:solidFill>
+                  <a:srgbClr val="000000"/>
+                </a:solidFill>
+                <a:latin typeface="Arial"/>
+                <a:ea typeface="Noto Sans CJK SC"/>
+              </a:rPr>
+              <a:t>The most common of these invariant factors are the trivial factor and </a:t>
+            </a:r>
+            <a:r>
+              <a:rPr b="0" i="1" lang="en-US" sz="3200" spc="-1" strike="noStrike">
+                <a:solidFill>
+                  <a:srgbClr val="000000"/>
+                </a:solidFill>
+                <a:latin typeface="Arial"/>
+                <a:ea typeface="Noto Sans CJK SC"/>
+              </a:rPr>
+              <a:t>ℤ</a:t>
+            </a:r>
+            <a:r>
+              <a:rPr b="0" i="1" lang="en-US" sz="3200" spc="-1" strike="noStrike" baseline="-8000">
+                <a:solidFill>
+                  <a:srgbClr val="000000"/>
+                </a:solidFill>
+                <a:latin typeface="Arial"/>
+                <a:ea typeface="Noto Sans CJK SC"/>
+              </a:rPr>
+              <a:t>2</a:t>
+            </a:r>
+            <a:r>
+              <a:rPr b="0" i="1" lang="en-US" sz="3200" spc="-1" strike="noStrike">
+                <a:solidFill>
+                  <a:srgbClr val="000000"/>
+                </a:solidFill>
+                <a:latin typeface="Arial"/>
+                <a:ea typeface="Noto Sans CJK SC"/>
+              </a:rPr>
+              <a:t> </a:t>
+            </a:r>
+            <a:r>
+              <a:rPr b="0" lang="en-US" sz="3200" spc="-1" strike="noStrike">
+                <a:solidFill>
+                  <a:srgbClr val="000000"/>
+                </a:solidFill>
+                <a:latin typeface="Arial"/>
+                <a:ea typeface="Noto Sans CJK SC"/>
+              </a:rPr>
+              <a:t>across all possible orientations.</a:t>
+            </a:r>
+            <a:endParaRPr b="0" lang="en-US" sz="3200" spc="-1" strike="noStrike">
+              <a:latin typeface="Arial"/>
+            </a:endParaRPr>
+          </a:p>
+          <a:p>
+            <a:pPr marL="432000" indent="-324000">
+              <a:lnSpc>
+                <a:spcPct val="100000"/>
+              </a:lnSpc>
+              <a:spcBef>
+                <a:spcPts val="1417"/>
+              </a:spcBef>
+              <a:buClr>
+                <a:srgbClr val="000000"/>
+              </a:buClr>
+              <a:buSzPct val="45000"/>
+              <a:buFont typeface="Wingdings" charset="2"/>
+              <a:buChar char=""/>
+            </a:pPr>
+            <a:r>
+              <a:rPr b="0" lang="en-US" sz="3200" spc="-1" strike="noStrike">
+                <a:solidFill>
+                  <a:srgbClr val="000000"/>
+                </a:solidFill>
+                <a:latin typeface="Arial"/>
+                <a:ea typeface="Noto Sans CJK SC"/>
+              </a:rPr>
+              <a:t>Additionally, we have been able to calculate the Jacobian for any arbitrary cycle graph (</a:t>
+            </a:r>
+            <a:r>
+              <a:rPr b="0" i="1" lang="en-US" sz="3200" spc="-1" strike="noStrike">
+                <a:solidFill>
+                  <a:srgbClr val="000000"/>
+                </a:solidFill>
+                <a:latin typeface="Arial"/>
+                <a:ea typeface="Noto Sans CJK SC"/>
+              </a:rPr>
+              <a:t>C</a:t>
+            </a:r>
+            <a:r>
+              <a:rPr b="0" i="1" lang="en-US" sz="3200" spc="-1" strike="noStrike" baseline="-8000">
+                <a:solidFill>
+                  <a:srgbClr val="000000"/>
+                </a:solidFill>
+                <a:latin typeface="Arial"/>
+                <a:ea typeface="Noto Sans CJK SC"/>
+              </a:rPr>
+              <a:t>n</a:t>
+            </a:r>
+            <a:r>
+              <a:rPr b="0" lang="en-US" sz="3200" spc="-1" strike="noStrike">
+                <a:solidFill>
+                  <a:srgbClr val="000000"/>
+                </a:solidFill>
+                <a:latin typeface="Arial"/>
+                <a:ea typeface="Noto Sans CJK SC"/>
+              </a:rPr>
+              <a:t>) with two </a:t>
+            </a:r>
+            <a:r>
+              <a:rPr b="0" i="1" lang="en-US" sz="3200" spc="-1" strike="noStrike">
+                <a:solidFill>
+                  <a:srgbClr val="000000"/>
+                </a:solidFill>
+                <a:latin typeface="Arial"/>
+                <a:ea typeface="Noto Sans CJK SC"/>
+              </a:rPr>
+              <a:t>paths. </a:t>
+            </a:r>
+            <a:r>
+              <a:rPr b="0" lang="en-US" sz="3200" spc="-1" strike="noStrike">
+                <a:solidFill>
+                  <a:srgbClr val="000000"/>
+                </a:solidFill>
+                <a:latin typeface="Arial"/>
+                <a:ea typeface="Noto Sans CJK SC"/>
+              </a:rPr>
+              <a:t> Here a </a:t>
+            </a:r>
+            <a:r>
+              <a:rPr b="0" i="1" lang="en-US" sz="3200" spc="-1" strike="noStrike">
+                <a:solidFill>
+                  <a:srgbClr val="000000"/>
+                </a:solidFill>
+                <a:latin typeface="Arial"/>
+                <a:ea typeface="Noto Sans CJK SC"/>
+              </a:rPr>
+              <a:t>path</a:t>
+            </a:r>
+            <a:r>
+              <a:rPr b="0" lang="en-US" sz="3200" spc="-1" strike="noStrike">
+                <a:solidFill>
+                  <a:srgbClr val="000000"/>
+                </a:solidFill>
+                <a:latin typeface="Arial"/>
+                <a:ea typeface="Noto Sans CJK SC"/>
+              </a:rPr>
+              <a:t> is a connected sub-graph of </a:t>
+            </a:r>
+            <a:r>
+              <a:rPr b="0" i="1" lang="en-US" sz="3200" spc="-1" strike="noStrike">
+                <a:solidFill>
+                  <a:srgbClr val="000000"/>
+                </a:solidFill>
+                <a:latin typeface="Arial"/>
+                <a:ea typeface="Noto Sans CJK SC"/>
+              </a:rPr>
+              <a:t>C</a:t>
+            </a:r>
+            <a:r>
+              <a:rPr b="0" i="1" lang="en-US" sz="3200" spc="-1" strike="noStrike" baseline="-8000">
+                <a:solidFill>
+                  <a:srgbClr val="000000"/>
+                </a:solidFill>
+                <a:latin typeface="Arial"/>
+                <a:ea typeface="Noto Sans CJK SC"/>
+              </a:rPr>
+              <a:t>n</a:t>
+            </a:r>
+            <a:r>
+              <a:rPr b="0" lang="en-US" sz="3200" spc="-1" strike="noStrike">
+                <a:solidFill>
+                  <a:srgbClr val="000000"/>
+                </a:solidFill>
+                <a:latin typeface="Arial"/>
+                <a:ea typeface="Noto Sans CJK SC"/>
+              </a:rPr>
+              <a:t> in which all arrows are oriented in a single direction or are bidirectional.  In other words, a path is a sub-graph of </a:t>
+            </a:r>
+            <a:r>
+              <a:rPr b="0" i="1" lang="en-US" sz="3200" spc="-1" strike="noStrike">
+                <a:solidFill>
+                  <a:srgbClr val="000000"/>
+                </a:solidFill>
+                <a:latin typeface="Arial"/>
+                <a:ea typeface="Noto Sans CJK SC"/>
+              </a:rPr>
+              <a:t>C</a:t>
+            </a:r>
+            <a:r>
+              <a:rPr b="0" i="1" lang="en-US" sz="3200" spc="-1" strike="noStrike" baseline="-8000">
+                <a:solidFill>
+                  <a:srgbClr val="000000"/>
+                </a:solidFill>
+                <a:latin typeface="Arial"/>
+                <a:ea typeface="Noto Sans CJK SC"/>
+              </a:rPr>
+              <a:t>n</a:t>
+            </a:r>
+            <a:r>
+              <a:rPr b="0" lang="en-US" sz="3200" spc="-1" strike="noStrike">
+                <a:solidFill>
+                  <a:srgbClr val="000000"/>
+                </a:solidFill>
+                <a:latin typeface="Arial"/>
+                <a:ea typeface="Noto Sans CJK SC"/>
+              </a:rPr>
+              <a:t> with one strong terminal component.  These paths either only comprise one edge or are terminated by one appropriate directed edge on each side </a:t>
+            </a:r>
+            <a:r>
+              <a:rPr b="0" i="1" lang="en-US" sz="2200" spc="-1" strike="noStrike">
+                <a:solidFill>
+                  <a:srgbClr val="000000"/>
+                </a:solidFill>
+                <a:latin typeface="Arial"/>
+                <a:ea typeface="Noto Sans CJK SC"/>
+              </a:rPr>
+              <a:t>(thrm)</a:t>
+            </a:r>
+            <a:r>
+              <a:rPr b="0" lang="en-US" sz="3200" spc="-1" strike="noStrike">
+                <a:solidFill>
+                  <a:srgbClr val="000000"/>
+                </a:solidFill>
+                <a:latin typeface="Arial"/>
+                <a:ea typeface="Noto Sans CJK SC"/>
+              </a:rPr>
+              <a:t>.</a:t>
+            </a:r>
+            <a:endParaRPr b="0" lang="en-US" sz="3200" spc="-1" strike="noStrike">
+              <a:latin typeface="Arial"/>
+            </a:endParaRPr>
+          </a:p>
+          <a:p>
+            <a:pPr lvl="1" marL="864000" indent="-324000">
+              <a:lnSpc>
+                <a:spcPct val="100000"/>
+              </a:lnSpc>
+              <a:spcBef>
+                <a:spcPts val="1134"/>
+              </a:spcBef>
+              <a:buClr>
+                <a:srgbClr val="000000"/>
+              </a:buClr>
+              <a:buSzPct val="75000"/>
+              <a:buFont typeface="Symbol"/>
+              <a:buChar char=""/>
+            </a:pPr>
+            <a:r>
+              <a:rPr b="0" lang="en-US" sz="3200" spc="-1" strike="noStrike">
+                <a:solidFill>
+                  <a:srgbClr val="000000"/>
+                </a:solidFill>
+                <a:latin typeface="Arial"/>
+                <a:ea typeface="Noto Sans CJK SC"/>
+              </a:rPr>
+              <a:t>For these graphs, the Jacobian is </a:t>
+            </a:r>
+            <a:r>
+              <a:rPr b="0" i="1" lang="en-US" sz="3200" spc="-1" strike="noStrike">
+                <a:solidFill>
+                  <a:srgbClr val="000000"/>
+                </a:solidFill>
+                <a:latin typeface="Arial"/>
+                <a:ea typeface="Noto Sans CJK SC"/>
+              </a:rPr>
+              <a:t>ℤ</a:t>
+            </a:r>
+            <a:r>
+              <a:rPr b="0" i="1" lang="en-US" sz="3200" spc="-1" strike="noStrike" baseline="-8000">
+                <a:solidFill>
+                  <a:srgbClr val="000000"/>
+                </a:solidFill>
+                <a:latin typeface="Arial"/>
+                <a:ea typeface="Noto Sans CJK SC"/>
+              </a:rPr>
+              <a:t>(x+2)</a:t>
+            </a:r>
+            <a:r>
+              <a:rPr b="0" i="1" lang="en-US" sz="3200" spc="-1" strike="noStrike">
+                <a:solidFill>
+                  <a:srgbClr val="000000"/>
+                </a:solidFill>
+                <a:latin typeface="Arial"/>
+                <a:ea typeface="Noto Sans CJK SC"/>
+              </a:rPr>
+              <a:t> </a:t>
+            </a:r>
+            <a:r>
+              <a:rPr b="0" lang="en-US" sz="3200" spc="-1" strike="noStrike">
+                <a:solidFill>
+                  <a:srgbClr val="000000"/>
+                </a:solidFill>
+                <a:latin typeface="Arial"/>
+                <a:ea typeface="Noto Sans CJK SC"/>
+              </a:rPr>
+              <a:t>where</a:t>
+            </a:r>
+            <a:r>
+              <a:rPr b="0" i="1" lang="en-US" sz="3200" spc="-1" strike="noStrike">
+                <a:solidFill>
+                  <a:srgbClr val="000000"/>
+                </a:solidFill>
+                <a:latin typeface="Arial"/>
+                <a:ea typeface="Noto Sans CJK SC"/>
+              </a:rPr>
+              <a:t> x</a:t>
+            </a:r>
+            <a:r>
+              <a:rPr b="0" lang="en-US" sz="3200" spc="-1" strike="noStrike">
+                <a:solidFill>
+                  <a:srgbClr val="000000"/>
+                </a:solidFill>
+                <a:latin typeface="Arial"/>
+                <a:ea typeface="Noto Sans CJK SC"/>
+              </a:rPr>
+              <a:t> is the number of bidirectional edges clockwise of the counter-clockwise path and counter-clockwise of the clockwise path.</a:t>
+            </a:r>
+            <a:endParaRPr b="0" lang="en-US" sz="3200" spc="-1" strike="noStrike">
+              <a:latin typeface="Arial"/>
+            </a:endParaRPr>
+          </a:p>
+        </p:txBody>
+      </p:sp>
     </p:spTree>
   </p:cSld>
   <mc:AlternateContent>
@@ -15246,7 +15322,7 @@
       </p:grpSpPr>
       <p:sp>
         <p:nvSpPr>
-          <p:cNvPr id="244" name="PlaceHolder 1"/>
+          <p:cNvPr id="243" name="PlaceHolder 1"/>
           <p:cNvSpPr>
             <a:spLocks noGrp="1"/>
           </p:cNvSpPr>
@@ -15256,8 +15332,8 @@
         </p:nvSpPr>
         <p:spPr>
           <a:xfrm>
-            <a:off x="360000" y="-39960"/>
-            <a:ext cx="9354240" cy="1244880"/>
+            <a:off x="360000" y="225720"/>
+            <a:ext cx="9353880" cy="712800"/>
           </a:xfrm>
           <a:prstGeom prst="rect">
             <a:avLst/>
@@ -15285,7 +15361,7 @@
                 </a:solidFill>
                 <a:latin typeface="Arial"/>
               </a:rPr>
-              <a:t>Finding The Picard Group of a Wheel Graph</a:t>
+              <a:t>Finding The Picard Group of a Cycle Graph</a:t>
             </a:r>
             <a:endParaRPr b="0" lang="en-US" sz="4400" spc="-1" strike="noStrike">
               <a:latin typeface="Arial"/>
@@ -15293,346 +15369,60 @@
           </a:p>
         </p:txBody>
       </p:sp>
-      <p:sp>
-        <p:nvSpPr>
-          <p:cNvPr id="245" name="PlaceHolder 2"/>
-          <p:cNvSpPr>
-            <a:spLocks noGrp="1"/>
-          </p:cNvSpPr>
-          <p:nvPr>
-            <p:ph/>
-          </p:nvPr>
-        </p:nvSpPr>
-        <p:spPr>
-          <a:xfrm>
-            <a:off x="360000" y="1485000"/>
-            <a:ext cx="9354240" cy="3774240"/>
-          </a:xfrm>
-          <a:prstGeom prst="rect">
-            <a:avLst/>
-          </a:prstGeom>
-          <a:noFill/>
-          <a:ln w="0">
-            <a:noFill/>
-          </a:ln>
-        </p:spPr>
-        <p:txBody>
-          <a:bodyPr lIns="0" rIns="0" tIns="0" bIns="0" anchor="t">
-            <a:normAutofit fontScale="54000"/>
-          </a:bodyPr>
-          <a:p>
-            <a:pPr marL="432000" indent="-324000">
-              <a:lnSpc>
-                <a:spcPct val="100000"/>
-              </a:lnSpc>
-              <a:spcBef>
-                <a:spcPts val="1417"/>
-              </a:spcBef>
-              <a:buClr>
-                <a:srgbClr val="000000"/>
-              </a:buClr>
-              <a:buSzPct val="45000"/>
-              <a:buFont typeface="Wingdings" charset="2"/>
-              <a:buChar char=""/>
-            </a:pPr>
-            <a:r>
-              <a:rPr b="0" lang="en-US" sz="3200" spc="-1" strike="noStrike">
-                <a:solidFill>
-                  <a:srgbClr val="000000"/>
-                </a:solidFill>
-                <a:latin typeface="Arial"/>
-                <a:ea typeface="Noto Sans CJK SC"/>
-              </a:rPr>
-              <a:t>For wheel graphs, we looked for patterns that arose within the invariant factors of the Jacobian as a general formula was not immediately obvious.  For this strategy, we broke the edges of the wheel graph into their two most obvious groups, those belonging to the rim of the wheel and those of the spokes.  By orienting all the edges of either group the same way and trying all nine combinations, we noticed a well-defined pattern for each as the size of the wheel graph changed. These patterns fell into four distinct cases.</a:t>
-            </a:r>
-            <a:endParaRPr b="0" lang="en-US" sz="3200" spc="-1" strike="noStrike">
-              <a:latin typeface="Arial"/>
-            </a:endParaRPr>
-          </a:p>
-          <a:p>
-            <a:pPr marL="432000" indent="-324000">
-              <a:lnSpc>
-                <a:spcPct val="100000"/>
-              </a:lnSpc>
-              <a:spcBef>
-                <a:spcPts val="1417"/>
-              </a:spcBef>
-              <a:buClr>
-                <a:srgbClr val="000000"/>
-              </a:buClr>
-              <a:buSzPct val="45000"/>
-              <a:buFont typeface="Wingdings" charset="2"/>
-              <a:buChar char=""/>
-            </a:pPr>
-            <a:r>
-              <a:rPr b="0" lang="en-US" sz="3200" spc="-1" strike="noStrike">
-                <a:solidFill>
-                  <a:srgbClr val="000000"/>
-                </a:solidFill>
-                <a:latin typeface="Arial"/>
-                <a:ea typeface="Noto Sans CJK SC"/>
-              </a:rPr>
-              <a:t>The most interesting of these cases was for graphs whose rims were bidirectional and whose spokes pointed inward.  This orientation produces a result very similar to that of an undirected wheel graph where the Jacobians followed the pattern of </a:t>
-            </a:r>
-            <a:r>
-              <a:rPr b="0" i="1" lang="en-US" sz="3200" spc="-1" strike="noStrike">
-                <a:solidFill>
-                  <a:srgbClr val="000000"/>
-                </a:solidFill>
-                <a:latin typeface="Arial"/>
-                <a:ea typeface="Noto Sans CJK SC"/>
-              </a:rPr>
-              <a:t>ℤ</a:t>
-            </a:r>
-            <a:r>
-              <a:rPr b="0" i="1" lang="en-US" sz="3200" spc="-1" strike="noStrike" baseline="-8000">
-                <a:solidFill>
-                  <a:srgbClr val="000000"/>
-                </a:solidFill>
-                <a:latin typeface="Arial"/>
-                <a:ea typeface="Noto Sans CJK SC"/>
-              </a:rPr>
-              <a:t>αφ^n </a:t>
-            </a:r>
-            <a:r>
-              <a:rPr b="0" i="1" lang="en-US" sz="3200" spc="-1" strike="noStrike">
-                <a:solidFill>
-                  <a:srgbClr val="000000"/>
-                </a:solidFill>
-                <a:latin typeface="Arial"/>
-                <a:ea typeface="Noto Sans CJK SC"/>
-              </a:rPr>
-              <a:t>x ℤ</a:t>
-            </a:r>
-            <a:r>
-              <a:rPr b="0" i="1" lang="en-US" sz="3200" spc="-1" strike="noStrike" baseline="-8000">
-                <a:solidFill>
-                  <a:srgbClr val="000000"/>
-                </a:solidFill>
-                <a:latin typeface="Arial"/>
-                <a:ea typeface="Noto Sans CJK SC"/>
-              </a:rPr>
-              <a:t>cαφ^n</a:t>
-            </a:r>
-            <a:r>
-              <a:rPr b="0" lang="en-US" sz="3200" spc="-1" strike="noStrike">
-                <a:solidFill>
-                  <a:srgbClr val="000000"/>
-                </a:solidFill>
-                <a:latin typeface="Arial"/>
-                <a:ea typeface="Noto Sans CJK SC"/>
-              </a:rPr>
-              <a:t> when the size was odd where </a:t>
-            </a:r>
-            <a:r>
-              <a:rPr b="0" i="1" lang="en-US" sz="3200" spc="-1" strike="noStrike">
-                <a:solidFill>
-                  <a:srgbClr val="000000"/>
-                </a:solidFill>
-                <a:latin typeface="Arial"/>
-                <a:ea typeface="Noto Sans CJK SC"/>
-              </a:rPr>
-              <a:t>α≊0.27555</a:t>
-            </a:r>
-            <a:r>
-              <a:rPr b="0" lang="en-US" sz="3200" spc="-1" strike="noStrike">
-                <a:solidFill>
-                  <a:srgbClr val="000000"/>
-                </a:solidFill>
-                <a:latin typeface="Arial"/>
-                <a:ea typeface="Noto Sans CJK SC"/>
-              </a:rPr>
-              <a:t> and </a:t>
-            </a:r>
-            <a:r>
-              <a:rPr b="0" i="1" lang="en-US" sz="3200" spc="-1" strike="noStrike">
-                <a:solidFill>
-                  <a:srgbClr val="000000"/>
-                </a:solidFill>
-                <a:latin typeface="Arial"/>
-                <a:ea typeface="Noto Sans CJK SC"/>
-              </a:rPr>
-              <a:t>ℤ</a:t>
-            </a:r>
-            <a:r>
-              <a:rPr b="0" i="1" lang="en-US" sz="3200" spc="-1" strike="noStrike" baseline="-8000">
-                <a:solidFill>
-                  <a:srgbClr val="000000"/>
-                </a:solidFill>
-                <a:latin typeface="Arial"/>
-                <a:ea typeface="Noto Sans CJK SC"/>
-              </a:rPr>
-              <a:t>βφ^n </a:t>
-            </a:r>
-            <a:r>
-              <a:rPr b="0" i="1" lang="en-US" sz="3200" spc="-1" strike="noStrike">
-                <a:solidFill>
-                  <a:srgbClr val="000000"/>
-                </a:solidFill>
-                <a:latin typeface="Arial"/>
-                <a:ea typeface="Noto Sans CJK SC"/>
-              </a:rPr>
-              <a:t>x ℤ</a:t>
-            </a:r>
-            <a:r>
-              <a:rPr b="0" i="1" lang="en-US" sz="3200" spc="-1" strike="noStrike" baseline="-8000">
-                <a:solidFill>
-                  <a:srgbClr val="000000"/>
-                </a:solidFill>
-                <a:latin typeface="Arial"/>
-                <a:ea typeface="Noto Sans CJK SC"/>
-              </a:rPr>
-              <a:t>βφ^n</a:t>
-            </a:r>
-            <a:r>
-              <a:rPr b="0" lang="en-US" sz="3200" spc="-1" strike="noStrike">
-                <a:solidFill>
-                  <a:srgbClr val="000000"/>
-                </a:solidFill>
-                <a:latin typeface="Arial"/>
-                <a:ea typeface="Noto Sans CJK SC"/>
-              </a:rPr>
-              <a:t> when the size was even where </a:t>
-            </a:r>
-            <a:r>
-              <a:rPr b="0" i="1" lang="en-US" sz="3200" spc="-1" strike="noStrike">
-                <a:solidFill>
-                  <a:srgbClr val="000000"/>
-                </a:solidFill>
-                <a:latin typeface="Arial"/>
-                <a:ea typeface="Noto Sans CJK SC"/>
-              </a:rPr>
-              <a:t>β≊0.618035</a:t>
-            </a:r>
-            <a:r>
-              <a:rPr b="0" lang="en-US" sz="3200" spc="-1" strike="noStrike">
-                <a:solidFill>
-                  <a:srgbClr val="000000"/>
-                </a:solidFill>
-                <a:latin typeface="Arial"/>
-                <a:ea typeface="Noto Sans CJK SC"/>
-              </a:rPr>
-              <a:t>.  In both of these patterns, φ represents the golden ratio </a:t>
-            </a:r>
-            <a:r>
-              <a:rPr b="0" i="1" lang="en-US" sz="2200" spc="-1" strike="noStrike">
-                <a:solidFill>
-                  <a:srgbClr val="000000"/>
-                </a:solidFill>
-                <a:latin typeface="Arial"/>
-                <a:ea typeface="Noto Sans CJK SC"/>
-              </a:rPr>
-              <a:t>(conj)</a:t>
-            </a:r>
-            <a:r>
-              <a:rPr b="0" lang="en-US" sz="3200" spc="-1" strike="noStrike">
-                <a:solidFill>
-                  <a:srgbClr val="000000"/>
-                </a:solidFill>
-                <a:latin typeface="Arial"/>
-                <a:ea typeface="Noto Sans CJK SC"/>
-              </a:rPr>
-              <a:t>.</a:t>
-            </a:r>
-            <a:endParaRPr b="0" lang="en-US" sz="3200" spc="-1" strike="noStrike">
-              <a:latin typeface="Arial"/>
-            </a:endParaRPr>
-          </a:p>
-          <a:p>
-            <a:pPr lvl="1" marL="864000" indent="-324000">
-              <a:lnSpc>
-                <a:spcPct val="100000"/>
-              </a:lnSpc>
-              <a:spcBef>
-                <a:spcPts val="1134"/>
-              </a:spcBef>
-              <a:buClr>
-                <a:srgbClr val="000000"/>
-              </a:buClr>
-              <a:buSzPct val="75000"/>
-              <a:buFont typeface="Symbol"/>
-              <a:buChar char=""/>
-            </a:pPr>
-            <a:r>
-              <a:rPr b="0" lang="en-US" sz="3200" spc="-1" strike="noStrike">
-                <a:solidFill>
-                  <a:srgbClr val="000000"/>
-                </a:solidFill>
-                <a:latin typeface="Arial"/>
-                <a:ea typeface="Noto Sans CJK SC"/>
-              </a:rPr>
-              <a:t>In our directed case, </a:t>
-            </a:r>
-            <a:r>
-              <a:rPr b="0" i="1" lang="en-US" sz="3200" spc="-1" strike="noStrike">
-                <a:solidFill>
-                  <a:srgbClr val="000000"/>
-                </a:solidFill>
-                <a:latin typeface="Arial"/>
-                <a:ea typeface="Noto Sans CJK SC"/>
-              </a:rPr>
-              <a:t>c=4</a:t>
-            </a:r>
-            <a:r>
-              <a:rPr b="0" lang="en-US" sz="3200" spc="-1" strike="noStrike">
-                <a:solidFill>
-                  <a:srgbClr val="000000"/>
-                </a:solidFill>
-                <a:latin typeface="Arial"/>
-                <a:ea typeface="Noto Sans CJK SC"/>
-              </a:rPr>
-              <a:t> while in the undirected case, </a:t>
-            </a:r>
-            <a:r>
-              <a:rPr b="0" i="1" lang="en-US" sz="3200" spc="-1" strike="noStrike">
-                <a:solidFill>
-                  <a:srgbClr val="000000"/>
-                </a:solidFill>
-                <a:latin typeface="Arial"/>
-                <a:ea typeface="Noto Sans CJK SC"/>
-              </a:rPr>
-              <a:t>c=5</a:t>
-            </a:r>
-            <a:r>
-              <a:rPr b="0" lang="en-US" sz="3200" spc="-1" strike="noStrike">
-                <a:solidFill>
-                  <a:srgbClr val="000000"/>
-                </a:solidFill>
-                <a:latin typeface="Arial"/>
-                <a:ea typeface="Noto Sans CJK SC"/>
-              </a:rPr>
-              <a:t>.</a:t>
-            </a:r>
-            <a:endParaRPr b="0" lang="en-US" sz="3200" spc="-1" strike="noStrike">
-              <a:latin typeface="Arial"/>
-            </a:endParaRPr>
-          </a:p>
-          <a:p>
-            <a:pPr lvl="1" marL="864000" indent="-324000">
-              <a:lnSpc>
-                <a:spcPct val="100000"/>
-              </a:lnSpc>
-              <a:spcBef>
-                <a:spcPts val="1134"/>
-              </a:spcBef>
-              <a:buClr>
-                <a:srgbClr val="000000"/>
-              </a:buClr>
-              <a:buSzPct val="75000"/>
-              <a:buFont typeface="Symbol"/>
-              <a:buChar char=""/>
-            </a:pPr>
-            <a:r>
-              <a:rPr b="0" lang="en-US" sz="3200" spc="-1" strike="noStrike">
-                <a:solidFill>
-                  <a:srgbClr val="000000"/>
-                </a:solidFill>
-                <a:latin typeface="Arial"/>
-                <a:ea typeface="Noto Sans CJK SC"/>
-              </a:rPr>
-              <a:t>This can also be modeled as a series similar to the Lucas numbers.</a:t>
-            </a:r>
-            <a:endParaRPr b="0" lang="en-US" sz="3200" spc="-1" strike="noStrike">
+      <p:pic>
+        <p:nvPicPr>
+          <p:cNvPr id="244" name="" descr=""/>
+          <p:cNvPicPr/>
+          <p:nvPr/>
+        </p:nvPicPr>
+        <p:blipFill>
+          <a:blip r:embed="rId1"/>
+          <a:stretch/>
+        </p:blipFill>
+        <p:spPr>
+          <a:xfrm>
+            <a:off x="2671200" y="1604160"/>
+            <a:ext cx="4872600" cy="3653640"/>
+          </a:xfrm>
+          <a:prstGeom prst="rect">
+            <a:avLst/>
+          </a:prstGeom>
+          <a:ln w="0">
+            <a:noFill/>
+          </a:ln>
+        </p:spPr>
+      </p:pic>
+      <p:sp>
+        <p:nvSpPr>
+          <p:cNvPr id="245" name=""/>
+          <p:cNvSpPr txBox="1"/>
+          <p:nvPr/>
+        </p:nvSpPr>
+        <p:spPr>
+          <a:xfrm>
+            <a:off x="2514600" y="1371600"/>
+            <a:ext cx="5715000" cy="346320"/>
+          </a:xfrm>
+          <a:prstGeom prst="rect">
+            <a:avLst/>
+          </a:prstGeom>
+          <a:noFill/>
+          <a:ln w="0">
+            <a:noFill/>
+          </a:ln>
+        </p:spPr>
+        <p:txBody>
+          <a:bodyPr lIns="90000" rIns="90000" tIns="45000" bIns="45000" anchor="t">
+            <a:noAutofit/>
+          </a:bodyPr>
+          <a:p>
+            <a:r>
+              <a:rPr b="0" lang="en-US" sz="1800" spc="-1" strike="noStrike">
+                <a:latin typeface="Arial"/>
+              </a:rPr>
+              <a:t>A demonstration of the distribution of invariant factors</a:t>
+            </a:r>
+            <a:endParaRPr b="0" lang="en-US" sz="1800" spc="-1" strike="noStrike">
               <a:latin typeface="Arial"/>
             </a:endParaRPr>
           </a:p>
@@ -15681,7 +15471,7 @@
         <p:spPr>
           <a:xfrm>
             <a:off x="360000" y="-39960"/>
-            <a:ext cx="9354240" cy="1244880"/>
+            <a:ext cx="9353880" cy="1244520"/>
           </a:xfrm>
           <a:prstGeom prst="rect">
             <a:avLst/>
@@ -15709,7 +15499,7 @@
                 </a:solidFill>
                 <a:latin typeface="Arial"/>
               </a:rPr>
-              <a:t>Connections Between Wheel and Cycle Graphs</a:t>
+              <a:t>Finding The Picard Group of a Wheel Graph</a:t>
             </a:r>
             <a:endParaRPr b="0" lang="en-US" sz="4400" spc="-1" strike="noStrike">
               <a:latin typeface="Arial"/>
@@ -15730,7 +15520,7 @@
         <p:spPr>
           <a:xfrm>
             <a:off x="360000" y="1485000"/>
-            <a:ext cx="9354240" cy="3774240"/>
+            <a:ext cx="9353880" cy="3773880"/>
           </a:xfrm>
           <a:prstGeom prst="rect">
             <a:avLst/>
@@ -15742,7 +15532,7 @@
         </p:spPr>
         <p:txBody>
           <a:bodyPr lIns="0" rIns="0" tIns="0" bIns="0" anchor="t">
-            <a:normAutofit fontScale="64000"/>
+            <a:normAutofit fontScale="54000"/>
           </a:bodyPr>
           <a:p>
             <a:pPr marL="432000" indent="-324000">
@@ -15767,27 +15557,7 @@
                 <a:latin typeface="Arial"/>
                 <a:ea typeface="Noto Sans CJK SC"/>
               </a:rPr>
-              <a:t>During our experiments with wheel graphs whose spokes pointed outward, their Picard groups behave similarly to the cycle graph one size smaller, as if the central vertex was not there at all.  This was true for any arbitrary orientation of the rim </a:t>
-            </a:r>
-            <a:r>
-              <a:rPr b="0" i="1" lang="en-US" sz="2200" spc="-1" strike="noStrike">
-                <a:solidFill>
-                  <a:srgbClr val="000000"/>
-                </a:solidFill>
-                <a:latin typeface="Arial"/>
-                <a:ea typeface="Noto Sans CJK SC"/>
-              </a:rPr>
-              <a:t>(thrm)</a:t>
-            </a:r>
-            <a:r>
-              <a:rPr b="0" lang="en-US" sz="3200" spc="-1" strike="noStrike">
-                <a:solidFill>
-                  <a:srgbClr val="000000"/>
-                </a:solidFill>
-                <a:latin typeface="Arial"/>
-                <a:ea typeface="Noto Sans CJK SC"/>
-              </a:rPr>
-              <a:t>.</a:t>
+              <a:t>For wheel graphs, we looked for patterns that arose within the invariant factors of the Jacobian as a general formula was not immediately obvious.  For this strategy, we broke the edges of the wheel graph into their two most obvious groups, those belonging to the rim of the wheel and those of the spokes.  By orienting all the edges of either group the same way and trying all nine combinations, we noticed a well-defined pattern for each as the size of the wheel graph changed. These patterns fell into four distinct cases.</a:t>
             </a:r>
             <a:endParaRPr b="0" lang="en-US" sz="3200" spc="-1" strike="noStrike">
               <a:latin typeface="Arial"/>
@@ -15816,27 +15586,48 @@
                 <a:latin typeface="Arial"/>
                 <a:ea typeface="Noto Sans CJK SC"/>
               </a:rPr>
-              <a:t>This is due to the fact that chips are only fired along outgoing edges.  If all of the spokes point outward, the vertices on the rim cannot interact with the axle, functioning similarly to a cycle graph.</a:t>
-            </a:r>
-            <a:endParaRPr b="0" lang="en-US" sz="3200" spc="-1" strike="noStrike">
-              <a:latin typeface="Arial"/>
-            </a:endParaRPr>
-          </a:p>
-          <a:p>
-            <a:pPr marL="432000" indent="-324000">
-              <a:lnSpc>
-                <a:spcPct val="100000"/>
-              </a:lnSpc>
-              <a:spcBef>
-                <a:spcPts val="1417"/>
-              </a:spcBef>
-              <a:buClr>
-                <a:srgbClr val="000000"/>
-              </a:buClr>
-              <a:buSzPct val="45000"/>
-              <a:buFont typeface="Wingdings" charset="2"/>
-              <a:buChar char=""/>
-            </a:pPr>
+              <a:t>The most interesting of these cases was for graphs whose rims were bidirectional and whose spokes pointed inward.  This orientation produces a result very similar to that of an undirected wheel graph where the Jacobians followed the pattern of </a:t>
+            </a:r>
+            <a:r>
+              <a:rPr b="0" i="1" lang="en-US" sz="3200" spc="-1" strike="noStrike">
+                <a:solidFill>
+                  <a:srgbClr val="000000"/>
+                </a:solidFill>
+                <a:latin typeface="Arial"/>
+                <a:ea typeface="Noto Sans CJK SC"/>
+              </a:rPr>
+              <a:t>ℤ</a:t>
+            </a:r>
+            <a:r>
+              <a:rPr b="0" i="1" lang="en-US" sz="3200" spc="-1" strike="noStrike" baseline="-8000">
+                <a:solidFill>
+                  <a:srgbClr val="000000"/>
+                </a:solidFill>
+                <a:latin typeface="Arial"/>
+                <a:ea typeface="Noto Sans CJK SC"/>
+              </a:rPr>
+              <a:t>αφ^n </a:t>
+            </a:r>
+            <a:r>
+              <a:rPr b="0" i="1" lang="en-US" sz="3200" spc="-1" strike="noStrike">
+                <a:solidFill>
+                  <a:srgbClr val="000000"/>
+                </a:solidFill>
+                <a:latin typeface="Arial"/>
+                <a:ea typeface="Noto Sans CJK SC"/>
+              </a:rPr>
+              <a:t>x ℤ</a:t>
+            </a:r>
+            <a:r>
+              <a:rPr b="0" i="1" lang="en-US" sz="3200" spc="-1" strike="noStrike" baseline="-8000">
+                <a:solidFill>
+                  <a:srgbClr val="000000"/>
+                </a:solidFill>
+                <a:latin typeface="Arial"/>
+                <a:ea typeface="Noto Sans CJK SC"/>
+              </a:rPr>
+              <a:t>cαφ^n</a:t>
+            </a:r>
             <a:r>
               <a:rPr b="0" lang="en-US" sz="3200" spc="-1" strike="noStrike">
                 <a:solidFill>
@@ -15845,7 +15636,117 @@
                 <a:latin typeface="Arial"/>
                 <a:ea typeface="Noto Sans CJK SC"/>
               </a:rPr>
-              <a:t>These relations are also split into several cases, for example:</a:t>
+              <a:t> when the size was odd where </a:t>
+            </a:r>
+            <a:r>
+              <a:rPr b="0" i="1" lang="en-US" sz="3200" spc="-1" strike="noStrike">
+                <a:solidFill>
+                  <a:srgbClr val="000000"/>
+                </a:solidFill>
+                <a:latin typeface="Arial"/>
+                <a:ea typeface="Noto Sans CJK SC"/>
+              </a:rPr>
+              <a:t>α≊0.27555</a:t>
+            </a:r>
+            <a:r>
+              <a:rPr b="0" lang="en-US" sz="3200" spc="-1" strike="noStrike">
+                <a:solidFill>
+                  <a:srgbClr val="000000"/>
+                </a:solidFill>
+                <a:latin typeface="Arial"/>
+                <a:ea typeface="Noto Sans CJK SC"/>
+              </a:rPr>
+              <a:t> and </a:t>
+            </a:r>
+            <a:r>
+              <a:rPr b="0" i="1" lang="en-US" sz="3200" spc="-1" strike="noStrike">
+                <a:solidFill>
+                  <a:srgbClr val="000000"/>
+                </a:solidFill>
+                <a:latin typeface="Arial"/>
+                <a:ea typeface="Noto Sans CJK SC"/>
+              </a:rPr>
+              <a:t>ℤ</a:t>
+            </a:r>
+            <a:r>
+              <a:rPr b="0" i="1" lang="en-US" sz="3200" spc="-1" strike="noStrike" baseline="-8000">
+                <a:solidFill>
+                  <a:srgbClr val="000000"/>
+                </a:solidFill>
+                <a:latin typeface="Arial"/>
+                <a:ea typeface="Noto Sans CJK SC"/>
+              </a:rPr>
+              <a:t>βφ^n </a:t>
+            </a:r>
+            <a:r>
+              <a:rPr b="0" i="1" lang="en-US" sz="3200" spc="-1" strike="noStrike">
+                <a:solidFill>
+                  <a:srgbClr val="000000"/>
+                </a:solidFill>
+                <a:latin typeface="Arial"/>
+                <a:ea typeface="Noto Sans CJK SC"/>
+              </a:rPr>
+              <a:t>x ℤ</a:t>
+            </a:r>
+            <a:r>
+              <a:rPr b="0" i="1" lang="en-US" sz="3200" spc="-1" strike="noStrike" baseline="-8000">
+                <a:solidFill>
+                  <a:srgbClr val="000000"/>
+                </a:solidFill>
+                <a:latin typeface="Arial"/>
+                <a:ea typeface="Noto Sans CJK SC"/>
+              </a:rPr>
+              <a:t>βφ^n</a:t>
+            </a:r>
+            <a:r>
+              <a:rPr b="0" lang="en-US" sz="3200" spc="-1" strike="noStrike">
+                <a:solidFill>
+                  <a:srgbClr val="000000"/>
+                </a:solidFill>
+                <a:latin typeface="Arial"/>
+                <a:ea typeface="Noto Sans CJK SC"/>
+              </a:rPr>
+              <a:t> when the size was even where </a:t>
+            </a:r>
+            <a:r>
+              <a:rPr b="0" i="1" lang="en-US" sz="3200" spc="-1" strike="noStrike">
+                <a:solidFill>
+                  <a:srgbClr val="000000"/>
+                </a:solidFill>
+                <a:latin typeface="Arial"/>
+                <a:ea typeface="Noto Sans CJK SC"/>
+              </a:rPr>
+              <a:t>β≊0.618035</a:t>
+            </a:r>
+            <a:r>
+              <a:rPr b="0" lang="en-US" sz="3200" spc="-1" strike="noStrike">
+                <a:solidFill>
+                  <a:srgbClr val="000000"/>
+                </a:solidFill>
+                <a:latin typeface="Arial"/>
+                <a:ea typeface="Noto Sans CJK SC"/>
+              </a:rPr>
+              <a:t>.  In both of these patterns, φ represents the golden ratio </a:t>
+            </a:r>
+            <a:r>
+              <a:rPr b="0" i="1" lang="en-US" sz="2200" spc="-1" strike="noStrike">
+                <a:solidFill>
+                  <a:srgbClr val="000000"/>
+                </a:solidFill>
+                <a:latin typeface="Arial"/>
+                <a:ea typeface="Noto Sans CJK SC"/>
+              </a:rPr>
+              <a:t>(conj)</a:t>
+            </a:r>
+            <a:r>
+              <a:rPr b="0" lang="en-US" sz="3200" spc="-1" strike="noStrike">
+                <a:solidFill>
+                  <a:srgbClr val="000000"/>
+                </a:solidFill>
+                <a:latin typeface="Arial"/>
+                <a:ea typeface="Noto Sans CJK SC"/>
+              </a:rPr>
+              <a:t>.</a:t>
             </a:r>
             <a:endParaRPr b="0" lang="en-US" sz="3200" spc="-1" strike="noStrike">
               <a:latin typeface="Arial"/>
@@ -15874,17 +15775,17 @@
                 <a:latin typeface="Arial"/>
                 <a:ea typeface="Noto Sans CJK SC"/>
               </a:rPr>
-              <a:t>For even wheel graphs, arbitrary Picard groups of Wheel</a:t>
-            </a:r>
-            <a:r>
-              <a:rPr b="0" i="1" lang="en-US" sz="3200" spc="-1" strike="noStrike" baseline="-8000">
+              <a:t>In our directed case, </a:t>
+            </a:r>
+            <a:r>
+              <a:rPr b="0" i="1" lang="en-US" sz="3200" spc="-1" strike="noStrike">
                 <a:solidFill>
                   <a:srgbClr val="000000"/>
                 </a:solidFill>
                 <a:latin typeface="Arial"/>
                 <a:ea typeface="Noto Sans CJK SC"/>
               </a:rPr>
-              <a:t>n</a:t>
+              <a:t>c=4</a:t>
             </a:r>
             <a:r>
               <a:rPr b="0" lang="en-US" sz="3200" spc="-1" strike="noStrike">
@@ -15894,7 +15795,7 @@
                 <a:latin typeface="Arial"/>
                 <a:ea typeface="Noto Sans CJK SC"/>
               </a:rPr>
-              <a:t> appear to be </a:t>
+              <a:t> while in the undirected case, </a:t>
             </a:r>
             <a:r>
               <a:rPr b="0" i="1" lang="en-US" sz="3200" spc="-1" strike="noStrike">
@@ -15904,27 +15805,7 @@
                 <a:latin typeface="Arial"/>
                 <a:ea typeface="Noto Sans CJK SC"/>
               </a:rPr>
-              <a:t>ℤ</a:t>
-            </a:r>
-            <a:r>
-              <a:rPr b="0" i="1" lang="en-US" sz="3200" spc="-1" strike="noStrike" baseline="-8000">
-                <a:solidFill>
-                  <a:srgbClr val="000000"/>
-                </a:solidFill>
-                <a:latin typeface="Arial"/>
-                <a:ea typeface="Noto Sans CJK SC"/>
-              </a:rPr>
-              <a:t>(n-1)*a</a:t>
-            </a:r>
-            <a:r>
-              <a:rPr b="0" i="1" lang="en-US" sz="3200" spc="-1" strike="noStrike">
-                <a:solidFill>
-                  <a:srgbClr val="000000"/>
-                </a:solidFill>
-                <a:latin typeface="Arial"/>
-                <a:ea typeface="Noto Sans CJK SC"/>
-              </a:rPr>
-              <a:t> x ℤ</a:t>
+              <a:t>c=5</a:t>
             </a:r>
             <a:r>
               <a:rPr b="0" lang="en-US" sz="3200" spc="-1" strike="noStrike">
@@ -15934,58 +15815,27 @@
                 <a:latin typeface="Arial"/>
                 <a:ea typeface="Noto Sans CJK SC"/>
               </a:rPr>
-              <a:t> where a is in the Picard group of Cycle</a:t>
-            </a:r>
-            <a:r>
-              <a:rPr b="0" lang="en-US" sz="3200" spc="-1" strike="noStrike" baseline="-8000">
-                <a:solidFill>
-                  <a:srgbClr val="000000"/>
-                </a:solidFill>
-                <a:latin typeface="Arial"/>
-                <a:ea typeface="Noto Sans CJK SC"/>
-              </a:rPr>
-              <a:t>(</a:t>
-            </a:r>
-            <a:r>
-              <a:rPr b="0" i="1" lang="en-US" sz="3200" spc="-1" strike="noStrike" baseline="-8000">
-                <a:solidFill>
-                  <a:srgbClr val="000000"/>
-                </a:solidFill>
-                <a:latin typeface="Arial"/>
-                <a:ea typeface="Noto Sans CJK SC"/>
-              </a:rPr>
-              <a:t>n-1)</a:t>
-            </a:r>
-            <a:r>
-              <a:rPr b="0" i="1" lang="en-US" sz="3200" spc="-1" strike="noStrike">
-                <a:solidFill>
-                  <a:srgbClr val="000000"/>
-                </a:solidFill>
-                <a:latin typeface="Arial"/>
-                <a:ea typeface="Noto Sans CJK SC"/>
-              </a:rPr>
-              <a:t> ℤ</a:t>
-            </a:r>
-            <a:r>
-              <a:rPr b="0" i="1" lang="en-US" sz="3200" spc="-1" strike="noStrike" baseline="-8000">
-                <a:solidFill>
-                  <a:srgbClr val="000000"/>
-                </a:solidFill>
-                <a:latin typeface="Arial"/>
-                <a:ea typeface="Noto Sans CJK SC"/>
-              </a:rPr>
-              <a:t>a</a:t>
-            </a:r>
-            <a:r>
-              <a:rPr b="0" i="1" lang="en-US" sz="3200" spc="-1" strike="noStrike">
-                <a:solidFill>
-                  <a:srgbClr val="000000"/>
-                </a:solidFill>
-                <a:latin typeface="Arial"/>
-                <a:ea typeface="Noto Sans CJK SC"/>
-              </a:rPr>
-              <a:t> x ℤ </a:t>
-            </a:r>
+              <a:t>.</a:t>
+            </a:r>
+            <a:endParaRPr b="0" lang="en-US" sz="3200" spc="-1" strike="noStrike">
+              <a:latin typeface="Arial"/>
+            </a:endParaRPr>
+          </a:p>
+          <a:p>
+            <a:pPr lvl="1" marL="864000" indent="-324000">
+              <a:lnSpc>
+                <a:spcPct val="100000"/>
+              </a:lnSpc>
+              <a:spcBef>
+                <a:spcPts val="1134"/>
+              </a:spcBef>
+              <a:buClr>
+                <a:srgbClr val="000000"/>
+              </a:buClr>
+              <a:buSzPct val="75000"/>
+              <a:buFont typeface="Symbol"/>
+              <a:buChar char=""/>
+            </a:pPr>
             <a:r>
               <a:rPr b="0" lang="en-US" sz="3200" spc="-1" strike="noStrike">
                 <a:solidFill>
@@ -15994,7 +15844,7 @@
                 <a:latin typeface="Arial"/>
                 <a:ea typeface="Noto Sans CJK SC"/>
               </a:rPr>
-              <a:t>when all spokes point outward.</a:t>
+              <a:t>This can also be modeled as a series similar to the Lucas numbers.</a:t>
             </a:r>
             <a:endParaRPr b="0" lang="en-US" sz="3200" spc="-1" strike="noStrike">
               <a:latin typeface="Arial"/>
@@ -16045,7 +15895,7 @@
         <p:spPr>
           <a:xfrm>
             <a:off x="360000" y="-39960"/>
-            <a:ext cx="9354240" cy="1244880"/>
+            <a:ext cx="9353880" cy="1244520"/>
           </a:xfrm>
           <a:prstGeom prst="rect">
             <a:avLst/>
@@ -16094,7 +15944,7 @@
         <p:spPr>
           <a:xfrm>
             <a:off x="1143000" y="2196720"/>
-            <a:ext cx="3774600" cy="2830320"/>
+            <a:ext cx="3774240" cy="2829960"/>
           </a:xfrm>
           <a:prstGeom prst="rect">
             <a:avLst/>
@@ -16117,7 +15967,7 @@
         <p:spPr>
           <a:xfrm>
             <a:off x="4910040" y="2196720"/>
-            <a:ext cx="3774600" cy="2830320"/>
+            <a:ext cx="3774240" cy="2829960"/>
           </a:xfrm>
           <a:prstGeom prst="rect">
             <a:avLst/>
@@ -16136,7 +15986,7 @@
         <p:spPr>
           <a:xfrm>
             <a:off x="1600200" y="1828800"/>
-            <a:ext cx="6627240" cy="344160"/>
+            <a:ext cx="6626880" cy="343800"/>
           </a:xfrm>
           <a:prstGeom prst="rect">
             <a:avLst/>
@@ -16482,7 +16332,7 @@
         <p:spPr>
           <a:xfrm>
             <a:off x="360000" y="-39960"/>
-            <a:ext cx="9354240" cy="1244880"/>
+            <a:ext cx="9353880" cy="1244520"/>
           </a:xfrm>
           <a:prstGeom prst="rect">
             <a:avLst/>
@@ -16510,6 +16360,370 @@
                 </a:solidFill>
                 <a:latin typeface="Arial"/>
               </a:rPr>
+              <a:t>Connections Between Wheel and Cycle Graphs</a:t>
+            </a:r>
+            <a:endParaRPr b="0" lang="en-US" sz="4400" spc="-1" strike="noStrike">
+              <a:latin typeface="Arial"/>
+            </a:endParaRPr>
+          </a:p>
+        </p:txBody>
+      </p:sp>
+      <p:sp>
+        <p:nvSpPr>
+          <p:cNvPr id="259" name="PlaceHolder 2"/>
+          <p:cNvSpPr>
+            <a:spLocks noGrp="1"/>
+          </p:cNvSpPr>
+          <p:nvPr>
+            <p:ph/>
+          </p:nvPr>
+        </p:nvSpPr>
+        <p:spPr>
+          <a:xfrm>
+            <a:off x="360000" y="1485000"/>
+            <a:ext cx="9353880" cy="3773880"/>
+          </a:xfrm>
+          <a:prstGeom prst="rect">
+            <a:avLst/>
+          </a:prstGeom>
+          <a:noFill/>
+          <a:ln w="0">
+            <a:noFill/>
+          </a:ln>
+        </p:spPr>
+        <p:txBody>
+          <a:bodyPr lIns="0" rIns="0" tIns="0" bIns="0" anchor="t">
+            <a:normAutofit fontScale="64000"/>
+          </a:bodyPr>
+          <a:p>
+            <a:pPr marL="432000" indent="-324000">
+              <a:lnSpc>
+                <a:spcPct val="100000"/>
+              </a:lnSpc>
+              <a:spcBef>
+                <a:spcPts val="1417"/>
+              </a:spcBef>
+              <a:buClr>
+                <a:srgbClr val="000000"/>
+              </a:buClr>
+              <a:buSzPct val="45000"/>
+              <a:buFont typeface="Wingdings" charset="2"/>
+              <a:buChar char=""/>
+            </a:pPr>
+            <a:r>
+              <a:rPr b="0" lang="en-US" sz="3200" spc="-1" strike="noStrike">
+                <a:solidFill>
+                  <a:srgbClr val="000000"/>
+                </a:solidFill>
+                <a:latin typeface="Arial"/>
+                <a:ea typeface="Noto Sans CJK SC"/>
+              </a:rPr>
+              <a:t>During our experiments with wheel graphs whose spokes pointed outward, their Picard groups behave similarly to the cycle graph one size smaller, as if the central vertex was not there at all.  This was true for any arbitrary orientation of the rim </a:t>
+            </a:r>
+            <a:r>
+              <a:rPr b="0" i="1" lang="en-US" sz="2200" spc="-1" strike="noStrike">
+                <a:solidFill>
+                  <a:srgbClr val="000000"/>
+                </a:solidFill>
+                <a:latin typeface="Arial"/>
+                <a:ea typeface="Noto Sans CJK SC"/>
+              </a:rPr>
+              <a:t>(thrm)</a:t>
+            </a:r>
+            <a:r>
+              <a:rPr b="0" lang="en-US" sz="3200" spc="-1" strike="noStrike">
+                <a:solidFill>
+                  <a:srgbClr val="000000"/>
+                </a:solidFill>
+                <a:latin typeface="Arial"/>
+                <a:ea typeface="Noto Sans CJK SC"/>
+              </a:rPr>
+              <a:t>.</a:t>
+            </a:r>
+            <a:endParaRPr b="0" lang="en-US" sz="3200" spc="-1" strike="noStrike">
+              <a:latin typeface="Arial"/>
+            </a:endParaRPr>
+          </a:p>
+          <a:p>
+            <a:pPr marL="432000" indent="-324000">
+              <a:lnSpc>
+                <a:spcPct val="100000"/>
+              </a:lnSpc>
+              <a:spcBef>
+                <a:spcPts val="1417"/>
+              </a:spcBef>
+              <a:buClr>
+                <a:srgbClr val="000000"/>
+              </a:buClr>
+              <a:buSzPct val="45000"/>
+              <a:buFont typeface="Wingdings" charset="2"/>
+              <a:buChar char=""/>
+            </a:pPr>
+            <a:r>
+              <a:rPr b="0" lang="en-US" sz="3200" spc="-1" strike="noStrike">
+                <a:solidFill>
+                  <a:srgbClr val="000000"/>
+                </a:solidFill>
+                <a:latin typeface="Arial"/>
+                <a:ea typeface="Noto Sans CJK SC"/>
+              </a:rPr>
+              <a:t>This is due to the fact that chips are only fired along outgoing edges.  If all of the spokes point outward, the vertices on the rim cannot interact with the axle, functioning similarly to a cycle graph.</a:t>
+            </a:r>
+            <a:endParaRPr b="0" lang="en-US" sz="3200" spc="-1" strike="noStrike">
+              <a:latin typeface="Arial"/>
+            </a:endParaRPr>
+          </a:p>
+          <a:p>
+            <a:pPr marL="432000" indent="-324000">
+              <a:lnSpc>
+                <a:spcPct val="100000"/>
+              </a:lnSpc>
+              <a:spcBef>
+                <a:spcPts val="1417"/>
+              </a:spcBef>
+              <a:buClr>
+                <a:srgbClr val="000000"/>
+              </a:buClr>
+              <a:buSzPct val="45000"/>
+              <a:buFont typeface="Wingdings" charset="2"/>
+              <a:buChar char=""/>
+            </a:pPr>
+            <a:r>
+              <a:rPr b="0" lang="en-US" sz="3200" spc="-1" strike="noStrike">
+                <a:solidFill>
+                  <a:srgbClr val="000000"/>
+                </a:solidFill>
+                <a:latin typeface="Arial"/>
+                <a:ea typeface="Noto Sans CJK SC"/>
+              </a:rPr>
+              <a:t>These relations are also split into several cases, for example:</a:t>
+            </a:r>
+            <a:endParaRPr b="0" lang="en-US" sz="3200" spc="-1" strike="noStrike">
+              <a:latin typeface="Arial"/>
+            </a:endParaRPr>
+          </a:p>
+          <a:p>
+            <a:pPr lvl="1" marL="864000" indent="-324000">
+              <a:lnSpc>
+                <a:spcPct val="100000"/>
+              </a:lnSpc>
+              <a:spcBef>
+                <a:spcPts val="1134"/>
+              </a:spcBef>
+              <a:buClr>
+                <a:srgbClr val="000000"/>
+              </a:buClr>
+              <a:buSzPct val="75000"/>
+              <a:buFont typeface="Symbol"/>
+              <a:buChar char=""/>
+            </a:pPr>
+            <a:r>
+              <a:rPr b="0" lang="en-US" sz="3200" spc="-1" strike="noStrike">
+                <a:solidFill>
+                  <a:srgbClr val="000000"/>
+                </a:solidFill>
+                <a:latin typeface="Arial"/>
+                <a:ea typeface="Noto Sans CJK SC"/>
+              </a:rPr>
+              <a:t>For even wheel graphs, arbitrary Picard groups of Wheel</a:t>
+            </a:r>
+            <a:r>
+              <a:rPr b="0" i="1" lang="en-US" sz="3200" spc="-1" strike="noStrike" baseline="-8000">
+                <a:solidFill>
+                  <a:srgbClr val="000000"/>
+                </a:solidFill>
+                <a:latin typeface="Arial"/>
+                <a:ea typeface="Noto Sans CJK SC"/>
+              </a:rPr>
+              <a:t>n</a:t>
+            </a:r>
+            <a:r>
+              <a:rPr b="0" lang="en-US" sz="3200" spc="-1" strike="noStrike">
+                <a:solidFill>
+                  <a:srgbClr val="000000"/>
+                </a:solidFill>
+                <a:latin typeface="Arial"/>
+                <a:ea typeface="Noto Sans CJK SC"/>
+              </a:rPr>
+              <a:t> appear to be </a:t>
+            </a:r>
+            <a:r>
+              <a:rPr b="0" i="1" lang="en-US" sz="3200" spc="-1" strike="noStrike">
+                <a:solidFill>
+                  <a:srgbClr val="000000"/>
+                </a:solidFill>
+                <a:latin typeface="Arial"/>
+                <a:ea typeface="Noto Sans CJK SC"/>
+              </a:rPr>
+              <a:t>ℤ</a:t>
+            </a:r>
+            <a:r>
+              <a:rPr b="0" i="1" lang="en-US" sz="3200" spc="-1" strike="noStrike" baseline="-8000">
+                <a:solidFill>
+                  <a:srgbClr val="000000"/>
+                </a:solidFill>
+                <a:latin typeface="Arial"/>
+                <a:ea typeface="Noto Sans CJK SC"/>
+              </a:rPr>
+              <a:t>(n-1)*a</a:t>
+            </a:r>
+            <a:r>
+              <a:rPr b="0" i="1" lang="en-US" sz="3200" spc="-1" strike="noStrike">
+                <a:solidFill>
+                  <a:srgbClr val="000000"/>
+                </a:solidFill>
+                <a:latin typeface="Arial"/>
+                <a:ea typeface="Noto Sans CJK SC"/>
+              </a:rPr>
+              <a:t> x ℤ</a:t>
+            </a:r>
+            <a:r>
+              <a:rPr b="0" lang="en-US" sz="3200" spc="-1" strike="noStrike">
+                <a:solidFill>
+                  <a:srgbClr val="000000"/>
+                </a:solidFill>
+                <a:latin typeface="Arial"/>
+                <a:ea typeface="Noto Sans CJK SC"/>
+              </a:rPr>
+              <a:t> where a is in the Picard group of Cycle</a:t>
+            </a:r>
+            <a:r>
+              <a:rPr b="0" lang="en-US" sz="3200" spc="-1" strike="noStrike" baseline="-8000">
+                <a:solidFill>
+                  <a:srgbClr val="000000"/>
+                </a:solidFill>
+                <a:latin typeface="Arial"/>
+                <a:ea typeface="Noto Sans CJK SC"/>
+              </a:rPr>
+              <a:t>(</a:t>
+            </a:r>
+            <a:r>
+              <a:rPr b="0" i="1" lang="en-US" sz="3200" spc="-1" strike="noStrike" baseline="-8000">
+                <a:solidFill>
+                  <a:srgbClr val="000000"/>
+                </a:solidFill>
+                <a:latin typeface="Arial"/>
+                <a:ea typeface="Noto Sans CJK SC"/>
+              </a:rPr>
+              <a:t>n-1)</a:t>
+            </a:r>
+            <a:r>
+              <a:rPr b="0" i="1" lang="en-US" sz="3200" spc="-1" strike="noStrike">
+                <a:solidFill>
+                  <a:srgbClr val="000000"/>
+                </a:solidFill>
+                <a:latin typeface="Arial"/>
+                <a:ea typeface="Noto Sans CJK SC"/>
+              </a:rPr>
+              <a:t> ℤ</a:t>
+            </a:r>
+            <a:r>
+              <a:rPr b="0" i="1" lang="en-US" sz="3200" spc="-1" strike="noStrike" baseline="-8000">
+                <a:solidFill>
+                  <a:srgbClr val="000000"/>
+                </a:solidFill>
+                <a:latin typeface="Arial"/>
+                <a:ea typeface="Noto Sans CJK SC"/>
+              </a:rPr>
+              <a:t>a</a:t>
+            </a:r>
+            <a:r>
+              <a:rPr b="0" i="1" lang="en-US" sz="3200" spc="-1" strike="noStrike">
+                <a:solidFill>
+                  <a:srgbClr val="000000"/>
+                </a:solidFill>
+                <a:latin typeface="Arial"/>
+                <a:ea typeface="Noto Sans CJK SC"/>
+              </a:rPr>
+              <a:t> x ℤ </a:t>
+            </a:r>
+            <a:r>
+              <a:rPr b="0" lang="en-US" sz="3200" spc="-1" strike="noStrike">
+                <a:solidFill>
+                  <a:srgbClr val="000000"/>
+                </a:solidFill>
+                <a:latin typeface="Arial"/>
+                <a:ea typeface="Noto Sans CJK SC"/>
+              </a:rPr>
+              <a:t>when all spokes point outward.</a:t>
+            </a:r>
+            <a:endParaRPr b="0" lang="en-US" sz="3200" spc="-1" strike="noStrike">
+              <a:latin typeface="Arial"/>
+            </a:endParaRPr>
+          </a:p>
+        </p:txBody>
+      </p:sp>
+    </p:spTree>
+  </p:cSld>
+  <mc:AlternateContent>
+    <mc:Choice Requires="p14">
+      <p:transition spd="slow" p14:dur="2000"/>
+    </mc:Choice>
+    <mc:Fallback>
+      <p:transition spd="slow"/>
+    </mc:Fallback>
+  </mc:AlternateContent>
+</p:sld>
+</file>
+
+<file path=ppt/slides/slide27.xml><?xml version="1.0" encoding="utf-8"?>
+<p:sld xmlns:a="http://schemas.openxmlformats.org/drawingml/2006/main" xmlns:p="http://schemas.openxmlformats.org/presentationml/2006/main" xmlns:r="http://schemas.openxmlformats.org/officeDocument/2006/relationships" xmlns:p14="http://schemas.microsoft.com/office/powerpoint/2010/main" xmlns:p15="http://schemas.microsoft.com/office/powerpoint/2012/main" xmlns:mc="http://schemas.openxmlformats.org/markup-compatibility/2006">
+  <p:cSld>
+    <p:spTree>
+      <p:nvGrpSpPr>
+        <p:cNvPr id="1" name=""/>
+        <p:cNvGrpSpPr/>
+        <p:nvPr/>
+      </p:nvGrpSpPr>
+      <p:grpSpPr>
+        <a:xfrm>
+          <a:off x="0" y="0"/>
+          <a:ext cx="0" cy="0"/>
+          <a:chOff x="0" y="0"/>
+          <a:chExt cx="0" cy="0"/>
+        </a:xfrm>
+      </p:grpSpPr>
+      <p:sp>
+        <p:nvSpPr>
+          <p:cNvPr id="260" name="PlaceHolder 1"/>
+          <p:cNvSpPr>
+            <a:spLocks noGrp="1"/>
+          </p:cNvSpPr>
+          <p:nvPr>
+            <p:ph type="title"/>
+          </p:nvPr>
+        </p:nvSpPr>
+        <p:spPr>
+          <a:xfrm>
+            <a:off x="360000" y="-39960"/>
+            <a:ext cx="9353880" cy="1244520"/>
+          </a:xfrm>
+          <a:prstGeom prst="rect">
+            <a:avLst/>
+          </a:prstGeom>
+          <a:noFill/>
+          <a:ln w="0">
+            <a:noFill/>
+          </a:ln>
+        </p:spPr>
+        <p:txBody>
+          <a:bodyPr lIns="0" rIns="0" tIns="0" bIns="0" anchor="ctr">
+            <a:noAutofit/>
+          </a:bodyPr>
+          <a:p>
+            <a:pPr algn="ctr">
+              <a:lnSpc>
+                <a:spcPct val="100000"/>
+              </a:lnSpc>
+              <a:buNone/>
+            </a:pPr>
+            <a:r>
+              <a:rPr b="0" lang="en-US" sz="4400" spc="-1" strike="noStrike">
+                <a:solidFill>
+                  <a:srgbClr val="ffffff"/>
+                </a:solidFill>
+                <a:latin typeface="Arial"/>
+              </a:rPr>
               <a:t>Finding The Picard Group of a Multipartite Graph</a:t>
             </a:r>
             <a:endParaRPr b="0" lang="en-US" sz="4400" spc="-1" strike="noStrike">
@@ -16520,7 +16734,7 @@
       </p:sp>
       <p:sp>
         <p:nvSpPr>
-          <p:cNvPr id="259" name="PlaceHolder 2"/>
+          <p:cNvPr id="261" name="PlaceHolder 2"/>
           <p:cNvSpPr>
             <a:spLocks noGrp="1"/>
           </p:cNvSpPr>
@@ -16531,7 +16745,7 @@
         <p:spPr>
           <a:xfrm>
             <a:off x="360000" y="1485000"/>
-            <a:ext cx="9354240" cy="3774240"/>
+            <a:ext cx="9353880" cy="3773880"/>
           </a:xfrm>
           <a:prstGeom prst="rect">
             <a:avLst/>
@@ -16854,7 +17068,7 @@
         <p:spPr>
           <a:xfrm>
             <a:off x="360000" y="225720"/>
-            <a:ext cx="9354240" cy="713160"/>
+            <a:ext cx="9353880" cy="712800"/>
           </a:xfrm>
           <a:prstGeom prst="rect">
             <a:avLst/>
@@ -16933,7 +17147,7 @@
         <p:spPr>
           <a:xfrm>
             <a:off x="360000" y="225720"/>
-            <a:ext cx="9354240" cy="713160"/>
+            <a:ext cx="9353880" cy="712800"/>
           </a:xfrm>
           <a:prstGeom prst="rect">
             <a:avLst/>
@@ -16982,7 +17196,7 @@
         <p:spPr>
           <a:xfrm>
             <a:off x="797400" y="1870560"/>
-            <a:ext cx="8573040" cy="2470680"/>
+            <a:ext cx="8572680" cy="2470320"/>
           </a:xfrm>
           <a:prstGeom prst="rect">
             <a:avLst/>
@@ -17035,7 +17249,7 @@
         <p:spPr>
           <a:xfrm>
             <a:off x="360000" y="225720"/>
-            <a:ext cx="9354240" cy="713160"/>
+            <a:ext cx="9353880" cy="712800"/>
           </a:xfrm>
           <a:prstGeom prst="rect">
             <a:avLst/>
@@ -17084,7 +17298,7 @@
         <p:spPr>
           <a:xfrm>
             <a:off x="360000" y="1485000"/>
-            <a:ext cx="9354240" cy="3774240"/>
+            <a:ext cx="9353880" cy="3773880"/>
           </a:xfrm>
           <a:prstGeom prst="rect">
             <a:avLst/>
@@ -17243,7 +17457,7 @@
         <p:spPr>
           <a:xfrm>
             <a:off x="360000" y="-39960"/>
-            <a:ext cx="9354240" cy="1244880"/>
+            <a:ext cx="9353880" cy="1244520"/>
           </a:xfrm>
           <a:prstGeom prst="rect">
             <a:avLst/>
@@ -17292,7 +17506,7 @@
         <p:spPr>
           <a:xfrm>
             <a:off x="360000" y="1485000"/>
-            <a:ext cx="9464760" cy="3774240"/>
+            <a:ext cx="9464400" cy="3773880"/>
           </a:xfrm>
           <a:prstGeom prst="rect">
             <a:avLst/>
@@ -17458,7 +17672,7 @@
         <p:spPr>
           <a:xfrm>
             <a:off x="360000" y="-39960"/>
-            <a:ext cx="9354240" cy="1244880"/>
+            <a:ext cx="9353880" cy="1244520"/>
           </a:xfrm>
           <a:prstGeom prst="rect">
             <a:avLst/>
@@ -17507,7 +17721,7 @@
         <p:spPr>
           <a:xfrm>
             <a:off x="360000" y="1485000"/>
-            <a:ext cx="9464760" cy="3774240"/>
+            <a:ext cx="9464400" cy="3773880"/>
           </a:xfrm>
           <a:prstGeom prst="rect">
             <a:avLst/>
@@ -17544,7 +17758,7 @@
                 <a:latin typeface="Arial"/>
                 <a:ea typeface="JetBrains Mono"/>
               </a:rPr>
-              <a:t>Terminal strong components are sub-sections of a larger oriented graph.</a:t>
+              <a:t>Terminal strong components are sub-graphs of a larger oriented graph.</a:t>
             </a:r>
             <a:endParaRPr b="0" lang="en-US" sz="2100" spc="-1" strike="noStrike">
               <a:latin typeface="Arial"/>
@@ -17580,6 +17794,35 @@
             </a:endParaRPr>
           </a:p>
           <a:p>
+            <a:pPr lvl="2" marL="1296000" indent="-288000">
+              <a:lnSpc>
+                <a:spcPct val="100000"/>
+              </a:lnSpc>
+              <a:spcBef>
+                <a:spcPts val="850"/>
+              </a:spcBef>
+              <a:buClr>
+                <a:srgbClr val="000000"/>
+              </a:buClr>
+              <a:buSzPct val="45000"/>
+              <a:buFont typeface="Wingdings" charset="2"/>
+              <a:buChar char=""/>
+            </a:pPr>
+            <a:r>
+              <a:rPr b="0" lang="en-US" sz="2100" spc="-1" strike="noStrike">
+                <a:solidFill>
+                  <a:srgbClr val="000000"/>
+                </a:solidFill>
+                <a:latin typeface="Arial"/>
+                <a:ea typeface="JetBrains Mono"/>
+              </a:rPr>
+              <a:t>For undirected graphs, all sub-graphs are strongly connected.</a:t>
+            </a:r>
+            <a:endParaRPr b="0" lang="en-US" sz="2100" spc="-1" strike="noStrike">
+              <a:latin typeface="Arial"/>
+            </a:endParaRPr>
+          </a:p>
+          <a:p>
             <a:pPr lvl="1" marL="864000" indent="-324000">
               <a:lnSpc>
                 <a:spcPct val="100000"/>
@@ -17602,7 +17845,7 @@
                 <a:latin typeface="Arial"/>
                 <a:ea typeface="JetBrains Mono"/>
               </a:rPr>
-              <a:t>They are also terminal, as in there are only edges pointing into the sub-section, with none coming out of it.</a:t>
+              <a:t>They are also terminal, as in there are only edges pointing into the sub-graph, with none coming out of it.</a:t>
             </a:r>
             <a:endParaRPr b="0" lang="en-US" sz="2100" spc="-1" strike="noStrike">
               <a:latin typeface="Arial"/>
@@ -17682,7 +17925,7 @@
         <p:spPr>
           <a:xfrm>
             <a:off x="360000" y="225720"/>
-            <a:ext cx="9354240" cy="713160"/>
+            <a:ext cx="9353880" cy="712800"/>
           </a:xfrm>
           <a:prstGeom prst="rect">
             <a:avLst/>
@@ -17731,7 +17974,7 @@
         <p:spPr>
           <a:xfrm>
             <a:off x="1022400" y="1509840"/>
-            <a:ext cx="4687200" cy="3513960"/>
+            <a:ext cx="4686840" cy="3513600"/>
           </a:xfrm>
           <a:prstGeom prst="rect">
             <a:avLst/>
@@ -17754,7 +17997,7 @@
         <p:spPr>
           <a:xfrm>
             <a:off x="360000" y="2507760"/>
-            <a:ext cx="1463400" cy="1601640"/>
+            <a:ext cx="1463040" cy="1601280"/>
           </a:xfrm>
           <a:prstGeom prst="rect">
             <a:avLst/>
@@ -17796,7 +18039,7 @@
         <p:spPr>
           <a:xfrm>
             <a:off x="5486400" y="1828800"/>
-            <a:ext cx="4338000" cy="1479240"/>
+            <a:ext cx="4337640" cy="1478880"/>
           </a:xfrm>
           <a:prstGeom prst="rect">
             <a:avLst/>
@@ -18034,7 +18277,7 @@
         <p:spPr>
           <a:xfrm>
             <a:off x="360000" y="1485000"/>
-            <a:ext cx="9354240" cy="3774240"/>
+            <a:ext cx="9353880" cy="3773880"/>
           </a:xfrm>
           <a:prstGeom prst="rect">
             <a:avLst/>
@@ -18314,7 +18557,7 @@
                 <a:latin typeface="Arial"/>
                 <a:ea typeface="Noto Sans CJK SC"/>
               </a:rPr>
-              <a:t>The collection of all divisors on a graph defines a free abelian group Div(G), the divisor group of G.  All members of this group are related to one of the graph’s equivalency classes and are generated through some combination of lending or borrowing moves.</a:t>
+              <a:t>The collection of all divisors on a graph defines a free abelian group Div(G), the divisor group of G.  All members of this group are related to one of the graph’s equivalence classes and are generated through some combination of lending or borrowing moves.</a:t>
             </a:r>
             <a:endParaRPr b="0" lang="en-US" sz="3200" spc="-1" strike="noStrike">
               <a:latin typeface="Arial"/>
@@ -18335,7 +18578,7 @@
         <p:spPr>
           <a:xfrm>
             <a:off x="360000" y="225720"/>
-            <a:ext cx="9354240" cy="713160"/>
+            <a:ext cx="9353880" cy="712800"/>
           </a:xfrm>
           <a:prstGeom prst="rect">
             <a:avLst/>

--- a/Docs/JMMPresentation.pptx
+++ b/Docs/JMMPresentation.pptx
@@ -92,7 +92,7 @@
         <p:txBody>
           <a:bodyPr/>
           <a:p>
-            <a:fld id="{F8D31D06-0FD3-404D-B125-F41D52946E61}" type="slidenum">
+            <a:fld id="{B4A8F293-214C-4205-A009-B86F21F9E1C8}" type="slidenum">
               <a:t>&lt;#&gt;</a:t>
             </a:fld>
           </a:p>
@@ -280,7 +280,7 @@
         <p:txBody>
           <a:bodyPr/>
           <a:p>
-            <a:fld id="{C76FF399-FC0A-40E4-8251-1DC911E91E28}" type="slidenum">
+            <a:fld id="{6EB712DE-9FA6-440C-BC57-6ED59B1A2424}" type="slidenum">
               <a:t>&lt;#&gt;</a:t>
             </a:fld>
           </a:p>
@@ -536,7 +536,7 @@
         <p:txBody>
           <a:bodyPr/>
           <a:p>
-            <a:fld id="{C5CDD28C-B553-442C-A372-D745FAD24D45}" type="slidenum">
+            <a:fld id="{CC427616-2BB7-4AC5-863D-CDA51C6480EA}" type="slidenum">
               <a:t>&lt;#&gt;</a:t>
             </a:fld>
           </a:p>
@@ -860,7 +860,7 @@
         <p:txBody>
           <a:bodyPr/>
           <a:p>
-            <a:fld id="{EAFC5CAB-308C-4F72-B11A-677987610646}" type="slidenum">
+            <a:fld id="{400A1F42-5D04-4EF6-B03B-316454684C37}" type="slidenum">
               <a:t>&lt;#&gt;</a:t>
             </a:fld>
           </a:p>
@@ -1921,7 +1921,7 @@
         <p:txBody>
           <a:bodyPr/>
           <a:p>
-            <a:fld id="{2DB38E77-5084-4E17-9A87-8068318BDCEA}" type="slidenum">
+            <a:fld id="{751198EB-4AAD-4946-90BE-5279AB86934C}" type="slidenum">
               <a:t>&lt;#&gt;</a:t>
             </a:fld>
           </a:p>
@@ -3789,7 +3789,7 @@
         <p:txBody>
           <a:bodyPr/>
           <a:p>
-            <a:fld id="{3533CDFB-F6C1-4F4A-8DA5-61BA442D80C9}" type="slidenum">
+            <a:fld id="{5EBA5E1A-6C32-405F-8A75-28F17D90A106}" type="slidenum">
               <a:t>&lt;#&gt;</a:t>
             </a:fld>
           </a:p>
@@ -5725,7 +5725,7 @@
         <p:txBody>
           <a:bodyPr/>
           <a:p>
-            <a:fld id="{14C78C72-70DE-4C9B-98C4-F28D83CBCF51}" type="slidenum">
+            <a:fld id="{24E9B53F-BBE2-4BDA-9D7F-B42A5F570E4D}" type="slidenum">
               <a:t>&lt;#&gt;</a:t>
             </a:fld>
           </a:p>
@@ -7527,7 +7527,7 @@
         <p:txBody>
           <a:bodyPr/>
           <a:p>
-            <a:fld id="{158300FF-E396-46A8-B46A-22B8022D693D}" type="slidenum">
+            <a:fld id="{0B875AC6-6002-4928-948F-7C9061CD67C4}" type="slidenum">
               <a:t>&lt;#&gt;</a:t>
             </a:fld>
           </a:p>
@@ -7647,7 +7647,7 @@
         <p:txBody>
           <a:bodyPr/>
           <a:p>
-            <a:fld id="{D53645D7-EFB4-4935-BCBB-4B124B3B2884}" type="slidenum">
+            <a:fld id="{57BA7819-E3A9-4DA3-9C8F-0D53562CE310}" type="slidenum">
               <a:t>&lt;#&gt;</a:t>
             </a:fld>
           </a:p>
@@ -7869,7 +7869,7 @@
         <p:txBody>
           <a:bodyPr/>
           <a:p>
-            <a:fld id="{16F33002-5AA7-4249-B1F8-DFAE970C54EE}" type="slidenum">
+            <a:fld id="{D6EB70EE-009C-432C-8558-92B9FC2FCF7C}" type="slidenum">
               <a:t>&lt;#&gt;</a:t>
             </a:fld>
           </a:p>
@@ -8091,7 +8091,7 @@
         <p:txBody>
           <a:bodyPr/>
           <a:p>
-            <a:fld id="{5C054E94-3396-42CC-A23C-85891F11104E}" type="slidenum">
+            <a:fld id="{7F07EE1F-DCC2-44B0-9D39-4C23146F6205}" type="slidenum">
               <a:t>&lt;#&gt;</a:t>
             </a:fld>
           </a:p>
@@ -8313,7 +8313,7 @@
         <p:txBody>
           <a:bodyPr/>
           <a:p>
-            <a:fld id="{D1136663-1631-4C3B-8AC6-3466CE216EFB}" type="slidenum">
+            <a:fld id="{660CCA4B-0C7A-4094-AEE6-147E526043A7}" type="slidenum">
               <a:t>&lt;#&gt;</a:t>
             </a:fld>
           </a:p>
@@ -8371,7 +8371,7 @@
         <p:spPr>
           <a:xfrm>
             <a:off x="0" y="0"/>
-            <a:ext cx="10073880" cy="5663880"/>
+            <a:ext cx="10073520" cy="5663520"/>
           </a:xfrm>
           <a:prstGeom prst="rect">
             <a:avLst/>
@@ -8399,7 +8399,7 @@
         <p:spPr>
           <a:xfrm>
             <a:off x="0" y="0"/>
-            <a:ext cx="10073880" cy="3773880"/>
+            <a:ext cx="10073520" cy="3773520"/>
           </a:xfrm>
           <a:prstGeom prst="rect">
             <a:avLst/>
@@ -8434,7 +8434,7 @@
         <p:spPr>
           <a:xfrm>
             <a:off x="3420000" y="5400000"/>
-            <a:ext cx="3233880" cy="263880"/>
+            <a:ext cx="3233520" cy="263520"/>
           </a:xfrm>
           <a:prstGeom prst="rect">
             <a:avLst/>
@@ -8497,7 +8497,7 @@
         <p:spPr>
           <a:xfrm>
             <a:off x="9180000" y="5130000"/>
-            <a:ext cx="713880" cy="533880"/>
+            <a:ext cx="713520" cy="533520"/>
           </a:xfrm>
           <a:prstGeom prst="rect">
             <a:avLst/>
@@ -8532,7 +8532,7 @@
               </a:lnSpc>
               <a:buNone/>
             </a:pPr>
-            <a:fld id="{68ACEF59-72AE-4F8F-9D71-9CCDC4748ECA}" type="slidenum">
+            <a:fld id="{AF0644C9-8FBF-4CA3-8BB1-BEE5932169C2}" type="slidenum">
               <a:rPr b="1" lang="en-US" sz="1800" spc="-1" strike="noStrike">
                 <a:solidFill>
                   <a:srgbClr val="ffffff"/>
@@ -8560,7 +8560,7 @@
         <p:spPr>
           <a:xfrm>
             <a:off x="360000" y="5400000"/>
-            <a:ext cx="2873880" cy="263880"/>
+            <a:ext cx="2873520" cy="263520"/>
           </a:xfrm>
           <a:prstGeom prst="rect">
             <a:avLst/>
@@ -8866,7 +8866,7 @@
         <p:spPr>
           <a:xfrm>
             <a:off x="0" y="5400000"/>
-            <a:ext cx="10073880" cy="263880"/>
+            <a:ext cx="10073520" cy="263520"/>
           </a:xfrm>
           <a:prstGeom prst="rect">
             <a:avLst/>
@@ -8894,7 +8894,7 @@
         <p:spPr>
           <a:xfrm>
             <a:off x="0" y="0"/>
-            <a:ext cx="10073880" cy="1208880"/>
+            <a:ext cx="10073520" cy="1208520"/>
           </a:xfrm>
           <a:prstGeom prst="rect">
             <a:avLst/>
@@ -8922,7 +8922,7 @@
         <p:spPr>
           <a:xfrm>
             <a:off x="9315000" y="5175000"/>
-            <a:ext cx="443880" cy="443880"/>
+            <a:ext cx="443520" cy="443520"/>
           </a:xfrm>
           <a:prstGeom prst="ellipse">
             <a:avLst/>
@@ -8953,7 +8953,7 @@
         <p:spPr>
           <a:xfrm>
             <a:off x="9180000" y="5130000"/>
-            <a:ext cx="713880" cy="533880"/>
+            <a:ext cx="713520" cy="533520"/>
           </a:xfrm>
           <a:prstGeom prst="rect">
             <a:avLst/>
@@ -8980,7 +8980,7 @@
               </a:lnSpc>
               <a:buNone/>
             </a:pPr>
-            <a:fld id="{ACB3B3BE-A1FA-4E96-92F1-59960D2C9A44}" type="slidenum">
+            <a:fld id="{25273D8A-6F2D-4CE7-929D-44CC0DCD0AF4}" type="slidenum">
               <a:rPr b="1" lang="en-US" sz="1800" spc="-1" strike="noStrike">
                 <a:solidFill>
                   <a:srgbClr val="ffffff"/>
@@ -9009,7 +9009,7 @@
         <p:spPr>
           <a:xfrm>
             <a:off x="3420000" y="5400000"/>
-            <a:ext cx="3233880" cy="263880"/>
+            <a:ext cx="3233520" cy="263520"/>
           </a:xfrm>
           <a:prstGeom prst="rect">
             <a:avLst/>
@@ -9072,7 +9072,7 @@
         <p:spPr>
           <a:xfrm>
             <a:off x="360000" y="5400000"/>
-            <a:ext cx="2873880" cy="263880"/>
+            <a:ext cx="2873520" cy="263520"/>
           </a:xfrm>
           <a:prstGeom prst="rect">
             <a:avLst/>
@@ -9378,7 +9378,7 @@
         <p:spPr>
           <a:xfrm>
             <a:off x="0" y="5400000"/>
-            <a:ext cx="10073880" cy="263880"/>
+            <a:ext cx="10073520" cy="263520"/>
           </a:xfrm>
           <a:prstGeom prst="rect">
             <a:avLst/>
@@ -9406,7 +9406,7 @@
         <p:spPr>
           <a:xfrm>
             <a:off x="0" y="0"/>
-            <a:ext cx="10073880" cy="1208880"/>
+            <a:ext cx="10073520" cy="1208520"/>
           </a:xfrm>
           <a:prstGeom prst="rect">
             <a:avLst/>
@@ -9434,7 +9434,7 @@
         <p:spPr>
           <a:xfrm>
             <a:off x="9315000" y="5175000"/>
-            <a:ext cx="443880" cy="443880"/>
+            <a:ext cx="443520" cy="443520"/>
           </a:xfrm>
           <a:prstGeom prst="ellipse">
             <a:avLst/>
@@ -9465,7 +9465,7 @@
         <p:spPr>
           <a:xfrm>
             <a:off x="9180000" y="5130000"/>
-            <a:ext cx="713880" cy="533880"/>
+            <a:ext cx="713520" cy="533520"/>
           </a:xfrm>
           <a:prstGeom prst="rect">
             <a:avLst/>
@@ -9492,7 +9492,7 @@
               </a:lnSpc>
               <a:buNone/>
             </a:pPr>
-            <a:fld id="{359130CC-E289-42D1-98B4-D042986E9E6B}" type="slidenum">
+            <a:fld id="{E3EA9B4C-C503-4264-ACF0-7C2FEF37E094}" type="slidenum">
               <a:rPr b="1" lang="en-US" sz="1800" spc="-1" strike="noStrike">
                 <a:solidFill>
                   <a:srgbClr val="ffffff"/>
@@ -9561,7 +9561,7 @@
         <p:spPr>
           <a:xfrm>
             <a:off x="3420000" y="5400000"/>
-            <a:ext cx="3233880" cy="263880"/>
+            <a:ext cx="3233520" cy="263520"/>
           </a:xfrm>
           <a:prstGeom prst="rect">
             <a:avLst/>
@@ -9624,7 +9624,7 @@
         <p:spPr>
           <a:xfrm>
             <a:off x="360000" y="5400000"/>
-            <a:ext cx="2873880" cy="263880"/>
+            <a:ext cx="2873520" cy="263520"/>
           </a:xfrm>
           <a:prstGeom prst="rect">
             <a:avLst/>
@@ -9887,7 +9887,7 @@
         <p:spPr>
           <a:xfrm>
             <a:off x="0" y="5400000"/>
-            <a:ext cx="10073880" cy="263880"/>
+            <a:ext cx="10073520" cy="263520"/>
           </a:xfrm>
           <a:prstGeom prst="rect">
             <a:avLst/>
@@ -9915,7 +9915,7 @@
         <p:spPr>
           <a:xfrm>
             <a:off x="0" y="0"/>
-            <a:ext cx="10073880" cy="1208880"/>
+            <a:ext cx="10073520" cy="1208520"/>
           </a:xfrm>
           <a:prstGeom prst="rect">
             <a:avLst/>
@@ -9943,7 +9943,7 @@
         <p:spPr>
           <a:xfrm>
             <a:off x="9315000" y="5175000"/>
-            <a:ext cx="443880" cy="443880"/>
+            <a:ext cx="443520" cy="443520"/>
           </a:xfrm>
           <a:prstGeom prst="ellipse">
             <a:avLst/>
@@ -9974,7 +9974,7 @@
         <p:spPr>
           <a:xfrm>
             <a:off x="9180000" y="5130000"/>
-            <a:ext cx="713880" cy="533880"/>
+            <a:ext cx="713520" cy="533520"/>
           </a:xfrm>
           <a:prstGeom prst="rect">
             <a:avLst/>
@@ -10001,7 +10001,7 @@
               </a:lnSpc>
               <a:buNone/>
             </a:pPr>
-            <a:fld id="{C696D9F5-554E-4DCF-AEFB-37A525B581FC}" type="slidenum">
+            <a:fld id="{6D64B2D4-5301-457D-9451-FDE679D9600B}" type="slidenum">
               <a:rPr b="1" lang="en-US" sz="1800" spc="-1" strike="noStrike">
                 <a:solidFill>
                   <a:srgbClr val="ffffff"/>
@@ -10030,7 +10030,7 @@
         <p:spPr>
           <a:xfrm>
             <a:off x="3420000" y="5400000"/>
-            <a:ext cx="3233880" cy="263880"/>
+            <a:ext cx="3233520" cy="263520"/>
           </a:xfrm>
           <a:prstGeom prst="rect">
             <a:avLst/>
@@ -10093,7 +10093,7 @@
         <p:spPr>
           <a:xfrm>
             <a:off x="360000" y="5400000"/>
-            <a:ext cx="2873880" cy="263880"/>
+            <a:ext cx="2873520" cy="263520"/>
           </a:xfrm>
           <a:prstGeom prst="rect">
             <a:avLst/>
@@ -10403,7 +10403,7 @@
         <p:spPr>
           <a:xfrm>
             <a:off x="360000" y="225720"/>
-            <a:ext cx="9353880" cy="2740320"/>
+            <a:ext cx="9353520" cy="2739960"/>
           </a:xfrm>
           <a:prstGeom prst="rect">
             <a:avLst/>
@@ -10449,7 +10449,7 @@
         <p:spPr>
           <a:xfrm>
             <a:off x="504000" y="4071960"/>
-            <a:ext cx="9066240" cy="1180440"/>
+            <a:ext cx="9065880" cy="1180080"/>
           </a:xfrm>
           <a:prstGeom prst="rect">
             <a:avLst/>
@@ -10568,7 +10568,7 @@
         <p:spPr>
           <a:xfrm>
             <a:off x="360000" y="225720"/>
-            <a:ext cx="9353880" cy="712800"/>
+            <a:ext cx="9353520" cy="712440"/>
           </a:xfrm>
           <a:prstGeom prst="rect">
             <a:avLst/>
@@ -10617,7 +10617,7 @@
         <p:spPr>
           <a:xfrm>
             <a:off x="360000" y="1485000"/>
-            <a:ext cx="9353880" cy="3773880"/>
+            <a:ext cx="9353520" cy="3773520"/>
           </a:xfrm>
           <a:prstGeom prst="rect">
             <a:avLst/>
@@ -10704,7 +10704,7 @@
                 <a:srgbClr val="000000"/>
               </a:buClr>
               <a:buSzPct val="75000"/>
-              <a:buFont typeface="Symbol" charset="2"/>
+              <a:buFont typeface="Symbol"/>
               <a:buChar char=""/>
             </a:pPr>
             <a:r>
@@ -10830,7 +10830,7 @@
                 <a:srgbClr val="000000"/>
               </a:buClr>
               <a:buSzPct val="75000"/>
-              <a:buFont typeface="Symbol" charset="2"/>
+              <a:buFont typeface="Symbol"/>
               <a:buChar char=""/>
             </a:pPr>
             <a:r>
@@ -10838,14 +10838,7 @@
                 <a:latin typeface="Arial"/>
                 <a:ea typeface="Noto Sans CJK SC"/>
               </a:rPr>
-              <a:t>All of its members can be generated by some combination of divisors within its </a:t>
-            </a:r>
-            <a:r>
-              <a:rPr b="0" lang="en-US" sz="3200" spc="-1" strike="noStrike">
-                <a:latin typeface="Arial"/>
-                <a:ea typeface="Noto Sans CJK SC"/>
-              </a:rPr>
-              <a:t>equivalence classes.</a:t>
+              <a:t>All of its members can be generated by some combination of divisors within its equivalence classes.</a:t>
             </a:r>
             <a:endParaRPr b="0" lang="en-US" sz="3200" spc="-1" strike="noStrike">
               <a:latin typeface="Arial"/>
@@ -10863,7 +10856,7 @@
                 <a:srgbClr val="000000"/>
               </a:buClr>
               <a:buSzPct val="75000"/>
-              <a:buFont typeface="Symbol" charset="2"/>
+              <a:buFont typeface="Symbol"/>
               <a:buChar char=""/>
             </a:pPr>
             <a:r>
@@ -10922,7 +10915,7 @@
         <p:spPr>
           <a:xfrm>
             <a:off x="360000" y="225720"/>
-            <a:ext cx="9353880" cy="712800"/>
+            <a:ext cx="9353520" cy="712440"/>
           </a:xfrm>
           <a:prstGeom prst="rect">
             <a:avLst/>
@@ -10971,7 +10964,7 @@
         <p:spPr>
           <a:xfrm>
             <a:off x="360000" y="1485000"/>
-            <a:ext cx="9353880" cy="3773880"/>
+            <a:ext cx="9353520" cy="3773520"/>
           </a:xfrm>
           <a:prstGeom prst="rect">
             <a:avLst/>
@@ -11209,14 +11202,7 @@
                 <a:latin typeface="Arial"/>
                 <a:ea typeface="Noto Sans CJK SC"/>
               </a:rPr>
-              <a:t> is the rank</a:t>
-            </a:r>
-            <a:r>
-              <a:rPr b="0" lang="en-US" sz="3200" spc="-1" strike="noStrike">
-                <a:latin typeface="Arial"/>
-                <a:ea typeface="Noto Sans CJK SC"/>
-              </a:rPr>
-              <a:t>, representing the number of ways any number of chips can be distributed along classes represented by the Jacobian.  This tuple can represent the scaling up or down of the invariant factor(s) that make up the Jacobian</a:t>
+              <a:t> is the rank, representing the number of ways any number of chips can be distributed along classes represented by the Jacobian.  This tuple can represent the scaling up or down of the invariant factor(s) that make up the Jacobian</a:t>
             </a:r>
             <a:endParaRPr b="0" lang="en-US" sz="3200" spc="-1" strike="noStrike">
               <a:latin typeface="Arial"/>
@@ -11288,7 +11274,7 @@
         <p:spPr>
           <a:xfrm>
             <a:off x="360000" y="225720"/>
-            <a:ext cx="9353880" cy="712800"/>
+            <a:ext cx="9353520" cy="712440"/>
           </a:xfrm>
           <a:prstGeom prst="rect">
             <a:avLst/>
@@ -11349,7 +11335,7 @@
         <p:spPr>
           <a:xfrm>
             <a:off x="360000" y="1485000"/>
-            <a:ext cx="9353880" cy="3773880"/>
+            <a:ext cx="9353520" cy="3773520"/>
           </a:xfrm>
           <a:prstGeom prst="rect">
             <a:avLst/>
@@ -11596,7 +11582,7 @@
         <p:spPr>
           <a:xfrm>
             <a:off x="360000" y="225720"/>
-            <a:ext cx="9353880" cy="712800"/>
+            <a:ext cx="9353520" cy="712440"/>
           </a:xfrm>
           <a:prstGeom prst="rect">
             <a:avLst/>
@@ -11657,7 +11643,7 @@
         <p:spPr>
           <a:xfrm>
             <a:off x="457200" y="1744920"/>
-            <a:ext cx="1110600" cy="3050640"/>
+            <a:ext cx="1110240" cy="3050280"/>
           </a:xfrm>
           <a:prstGeom prst="rect">
             <a:avLst/>
@@ -11797,7 +11783,7 @@
         <p:spPr>
           <a:xfrm>
             <a:off x="1572840" y="1371600"/>
-            <a:ext cx="6194520" cy="2013480"/>
+            <a:ext cx="6194160" cy="2013120"/>
           </a:xfrm>
           <a:prstGeom prst="rect">
             <a:avLst/>
@@ -11820,7 +11806,7 @@
         <p:spPr>
           <a:xfrm>
             <a:off x="1572840" y="3390120"/>
-            <a:ext cx="6194520" cy="2013480"/>
+            <a:ext cx="6194160" cy="2013120"/>
           </a:xfrm>
           <a:prstGeom prst="rect">
             <a:avLst/>
@@ -11839,7 +11825,7 @@
         <p:spPr>
           <a:xfrm>
             <a:off x="7772400" y="1371600"/>
-            <a:ext cx="2280960" cy="3883680"/>
+            <a:ext cx="2280600" cy="3883320"/>
           </a:xfrm>
           <a:prstGeom prst="rect">
             <a:avLst/>
@@ -12056,7 +12042,7 @@
         <p:spPr>
           <a:xfrm>
             <a:off x="360000" y="225720"/>
-            <a:ext cx="9353880" cy="712800"/>
+            <a:ext cx="9353520" cy="712440"/>
           </a:xfrm>
           <a:prstGeom prst="rect">
             <a:avLst/>
@@ -12105,7 +12091,7 @@
         <p:spPr>
           <a:xfrm>
             <a:off x="228600" y="1279440"/>
-            <a:ext cx="2740680" cy="2054880"/>
+            <a:ext cx="2740320" cy="2054520"/>
           </a:xfrm>
           <a:prstGeom prst="rect">
             <a:avLst/>
@@ -12128,7 +12114,7 @@
         <p:spPr>
           <a:xfrm>
             <a:off x="228600" y="3336840"/>
-            <a:ext cx="2740680" cy="2054880"/>
+            <a:ext cx="2740320" cy="2054520"/>
           </a:xfrm>
           <a:prstGeom prst="rect">
             <a:avLst/>
@@ -12151,7 +12137,7 @@
         <p:spPr>
           <a:xfrm>
             <a:off x="3657600" y="1279440"/>
-            <a:ext cx="2740680" cy="2054880"/>
+            <a:ext cx="2740320" cy="2054520"/>
           </a:xfrm>
           <a:prstGeom prst="rect">
             <a:avLst/>
@@ -12174,7 +12160,7 @@
         <p:spPr>
           <a:xfrm>
             <a:off x="3657600" y="3336840"/>
-            <a:ext cx="2740680" cy="2054880"/>
+            <a:ext cx="2740320" cy="2054520"/>
           </a:xfrm>
           <a:prstGeom prst="rect">
             <a:avLst/>
@@ -12197,7 +12183,7 @@
         <p:spPr>
           <a:xfrm>
             <a:off x="6354000" y="1828800"/>
-            <a:ext cx="3473280" cy="2604240"/>
+            <a:ext cx="3472920" cy="2603880"/>
           </a:xfrm>
           <a:prstGeom prst="rect">
             <a:avLst/>
@@ -12216,7 +12202,7 @@
         <p:spPr>
           <a:xfrm>
             <a:off x="457200" y="1143000"/>
-            <a:ext cx="2283480" cy="343800"/>
+            <a:ext cx="2283120" cy="343440"/>
           </a:xfrm>
           <a:prstGeom prst="rect">
             <a:avLst/>
@@ -12268,7 +12254,7 @@
         <p:spPr>
           <a:xfrm>
             <a:off x="7086600" y="1711080"/>
-            <a:ext cx="2283480" cy="343800"/>
+            <a:ext cx="2283120" cy="343440"/>
           </a:xfrm>
           <a:prstGeom prst="rect">
             <a:avLst/>
@@ -12320,7 +12306,7 @@
         <p:spPr>
           <a:xfrm>
             <a:off x="3909240" y="3207600"/>
-            <a:ext cx="2283480" cy="343800"/>
+            <a:ext cx="2283120" cy="343440"/>
           </a:xfrm>
           <a:prstGeom prst="rect">
             <a:avLst/>
@@ -12372,7 +12358,7 @@
         <p:spPr>
           <a:xfrm>
             <a:off x="3886200" y="1143000"/>
-            <a:ext cx="2283480" cy="343800"/>
+            <a:ext cx="2283120" cy="343440"/>
           </a:xfrm>
           <a:prstGeom prst="rect">
             <a:avLst/>
@@ -12424,7 +12410,7 @@
         <p:spPr>
           <a:xfrm>
             <a:off x="457200" y="3200400"/>
-            <a:ext cx="2283480" cy="343800"/>
+            <a:ext cx="2283120" cy="343440"/>
           </a:xfrm>
           <a:prstGeom prst="rect">
             <a:avLst/>
@@ -12510,7 +12496,7 @@
         <p:spPr>
           <a:xfrm>
             <a:off x="360000" y="225720"/>
-            <a:ext cx="9353880" cy="712800"/>
+            <a:ext cx="9353520" cy="712440"/>
           </a:xfrm>
           <a:prstGeom prst="rect">
             <a:avLst/>
@@ -12559,7 +12545,7 @@
         <p:spPr>
           <a:xfrm>
             <a:off x="360000" y="1485000"/>
-            <a:ext cx="9353880" cy="3773880"/>
+            <a:ext cx="9353520" cy="3773520"/>
           </a:xfrm>
           <a:prstGeom prst="rect">
             <a:avLst/>
@@ -12803,7 +12789,7 @@
         <p:spPr>
           <a:xfrm>
             <a:off x="360000" y="225720"/>
-            <a:ext cx="9353880" cy="712800"/>
+            <a:ext cx="9353520" cy="712440"/>
           </a:xfrm>
           <a:prstGeom prst="rect">
             <a:avLst/>
@@ -12882,7 +12868,7 @@
         <p:spPr>
           <a:xfrm>
             <a:off x="360000" y="225720"/>
-            <a:ext cx="9353880" cy="712800"/>
+            <a:ext cx="9353520" cy="712440"/>
           </a:xfrm>
           <a:prstGeom prst="rect">
             <a:avLst/>
@@ -12931,7 +12917,7 @@
         <p:spPr>
           <a:xfrm>
             <a:off x="360000" y="1485000"/>
-            <a:ext cx="9353880" cy="3773880"/>
+            <a:ext cx="9353520" cy="3773520"/>
           </a:xfrm>
           <a:prstGeom prst="rect">
             <a:avLst/>
@@ -13040,7 +13026,7 @@
         <p:spPr>
           <a:xfrm>
             <a:off x="360000" y="225720"/>
-            <a:ext cx="9353880" cy="712800"/>
+            <a:ext cx="9353520" cy="712440"/>
           </a:xfrm>
           <a:prstGeom prst="rect">
             <a:avLst/>
@@ -13089,7 +13075,7 @@
         <p:spPr>
           <a:xfrm>
             <a:off x="360000" y="1485000"/>
-            <a:ext cx="9353880" cy="3773880"/>
+            <a:ext cx="9353520" cy="3773520"/>
           </a:xfrm>
           <a:prstGeom prst="rect">
             <a:avLst/>
@@ -13223,7 +13209,7 @@
         <p:spPr>
           <a:xfrm>
             <a:off x="360000" y="-39960"/>
-            <a:ext cx="9353880" cy="1244520"/>
+            <a:ext cx="9353520" cy="1244160"/>
           </a:xfrm>
           <a:prstGeom prst="rect">
             <a:avLst/>
@@ -13272,7 +13258,7 @@
         <p:spPr>
           <a:xfrm>
             <a:off x="360000" y="1485000"/>
-            <a:ext cx="9353880" cy="3773880"/>
+            <a:ext cx="9353520" cy="3773520"/>
           </a:xfrm>
           <a:prstGeom prst="rect">
             <a:avLst/>
@@ -13590,7 +13576,7 @@
         <p:spPr>
           <a:xfrm>
             <a:off x="360000" y="225720"/>
-            <a:ext cx="9353880" cy="712800"/>
+            <a:ext cx="9353520" cy="712440"/>
           </a:xfrm>
           <a:prstGeom prst="rect">
             <a:avLst/>
@@ -13639,7 +13625,7 @@
         <p:spPr>
           <a:xfrm>
             <a:off x="360000" y="1485000"/>
-            <a:ext cx="9353880" cy="3773880"/>
+            <a:ext cx="9353520" cy="3773520"/>
           </a:xfrm>
           <a:prstGeom prst="rect">
             <a:avLst/>
@@ -13798,7 +13784,7 @@
         <p:spPr>
           <a:xfrm>
             <a:off x="360000" y="-39960"/>
-            <a:ext cx="9353880" cy="1244520"/>
+            <a:ext cx="9353520" cy="1244160"/>
           </a:xfrm>
           <a:prstGeom prst="rect">
             <a:avLst/>
@@ -13847,7 +13833,7 @@
         <p:spPr>
           <a:xfrm>
             <a:off x="360000" y="1485000"/>
-            <a:ext cx="9464400" cy="3773880"/>
+            <a:ext cx="9464040" cy="3773520"/>
           </a:xfrm>
           <a:prstGeom prst="rect">
             <a:avLst/>
@@ -14023,7 +14009,7 @@
         <p:spPr>
           <a:xfrm>
             <a:off x="360000" y="225720"/>
-            <a:ext cx="9353880" cy="712800"/>
+            <a:ext cx="9353520" cy="712440"/>
           </a:xfrm>
           <a:prstGeom prst="rect">
             <a:avLst/>
@@ -14072,7 +14058,7 @@
         <p:spPr>
           <a:xfrm>
             <a:off x="6672960" y="2286000"/>
-            <a:ext cx="2928240" cy="2194920"/>
+            <a:ext cx="2927880" cy="2194560"/>
           </a:xfrm>
           <a:prstGeom prst="rect">
             <a:avLst/>
@@ -14096,7 +14082,7 @@
         <p:spPr>
           <a:xfrm>
             <a:off x="914400" y="2286000"/>
-            <a:ext cx="2415240" cy="1924560"/>
+            <a:ext cx="2414880" cy="1924200"/>
           </a:xfrm>
           <a:prstGeom prst="rect">
             <a:avLst/>
@@ -14120,7 +14106,7 @@
         <p:spPr>
           <a:xfrm>
             <a:off x="3657600" y="2289960"/>
-            <a:ext cx="2738880" cy="2053440"/>
+            <a:ext cx="2738520" cy="2053080"/>
           </a:xfrm>
           <a:prstGeom prst="rect">
             <a:avLst/>
@@ -14138,8 +14124,8 @@
         </p:nvSpPr>
         <p:spPr>
           <a:xfrm rot="18160800">
-            <a:off x="911160" y="3038040"/>
-            <a:ext cx="1366200" cy="223200"/>
+            <a:off x="910800" y="3038040"/>
+            <a:ext cx="1365840" cy="222840"/>
           </a:xfrm>
           <a:custGeom>
             <a:avLst/>
@@ -14206,8 +14192,8 @@
         </p:nvSpPr>
         <p:spPr>
           <a:xfrm rot="3178800">
-            <a:off x="2383200" y="3115800"/>
-            <a:ext cx="909000" cy="223200"/>
+            <a:off x="2383200" y="3115440"/>
+            <a:ext cx="908640" cy="222840"/>
           </a:xfrm>
           <a:custGeom>
             <a:avLst/>
@@ -14266,7 +14252,7 @@
         <p:spPr>
           <a:xfrm>
             <a:off x="1834200" y="4120200"/>
-            <a:ext cx="909000" cy="223200"/>
+            <a:ext cx="908640" cy="222840"/>
           </a:xfrm>
           <a:custGeom>
             <a:avLst/>
@@ -14324,8 +14310,8 @@
         </p:nvSpPr>
         <p:spPr>
           <a:xfrm rot="18160800">
-            <a:off x="3882960" y="3139200"/>
-            <a:ext cx="1366200" cy="223200"/>
+            <a:off x="3882600" y="3139200"/>
+            <a:ext cx="1365840" cy="222840"/>
           </a:xfrm>
           <a:custGeom>
             <a:avLst/>
@@ -14392,8 +14378,8 @@
         </p:nvSpPr>
         <p:spPr>
           <a:xfrm rot="14195400">
-            <a:off x="5248080" y="3142800"/>
-            <a:ext cx="1366200" cy="223200"/>
+            <a:off x="5248080" y="3143160"/>
+            <a:ext cx="1365840" cy="222840"/>
           </a:xfrm>
           <a:custGeom>
             <a:avLst/>
@@ -14460,8 +14446,8 @@
         </p:nvSpPr>
         <p:spPr>
           <a:xfrm rot="21568800">
-            <a:off x="4576320" y="4120560"/>
-            <a:ext cx="1366200" cy="223200"/>
+            <a:off x="4575960" y="4120200"/>
+            <a:ext cx="1365840" cy="222840"/>
           </a:xfrm>
           <a:custGeom>
             <a:avLst/>
@@ -14529,7 +14515,7 @@
         <p:spPr>
           <a:xfrm>
             <a:off x="7777800" y="4120200"/>
-            <a:ext cx="909000" cy="223200"/>
+            <a:ext cx="908640" cy="222840"/>
           </a:xfrm>
           <a:custGeom>
             <a:avLst/>
@@ -14587,8 +14573,8 @@
         </p:nvSpPr>
         <p:spPr>
           <a:xfrm rot="13918800">
-            <a:off x="8371440" y="3058200"/>
-            <a:ext cx="909000" cy="223200"/>
+            <a:off x="8371440" y="3058560"/>
+            <a:ext cx="908640" cy="222840"/>
           </a:xfrm>
           <a:custGeom>
             <a:avLst/>
@@ -14646,8 +14632,8 @@
         </p:nvSpPr>
         <p:spPr>
           <a:xfrm rot="7579800">
-            <a:off x="6990840" y="3113640"/>
-            <a:ext cx="909000" cy="223200"/>
+            <a:off x="6991200" y="3113640"/>
+            <a:ext cx="908640" cy="222840"/>
           </a:xfrm>
           <a:custGeom>
             <a:avLst/>
@@ -14740,7 +14726,7 @@
         <p:spPr>
           <a:xfrm>
             <a:off x="360000" y="-39960"/>
-            <a:ext cx="9353880" cy="1244520"/>
+            <a:ext cx="9353520" cy="1244160"/>
           </a:xfrm>
           <a:prstGeom prst="rect">
             <a:avLst/>
@@ -14789,7 +14775,7 @@
         <p:spPr>
           <a:xfrm>
             <a:off x="360000" y="1485000"/>
-            <a:ext cx="9353880" cy="3773880"/>
+            <a:ext cx="9353520" cy="3773520"/>
           </a:xfrm>
           <a:prstGeom prst="rect">
             <a:avLst/>
@@ -15333,7 +15319,7 @@
         <p:spPr>
           <a:xfrm>
             <a:off x="360000" y="225720"/>
-            <a:ext cx="9353880" cy="712800"/>
+            <a:ext cx="9353520" cy="712440"/>
           </a:xfrm>
           <a:prstGeom prst="rect">
             <a:avLst/>
@@ -15382,7 +15368,7 @@
         <p:spPr>
           <a:xfrm>
             <a:off x="2671200" y="1604160"/>
-            <a:ext cx="4872600" cy="3653640"/>
+            <a:ext cx="4872240" cy="3653280"/>
           </a:xfrm>
           <a:prstGeom prst="rect">
             <a:avLst/>
@@ -15395,27 +15381,39 @@
       <p:sp>
         <p:nvSpPr>
           <p:cNvPr id="245" name=""/>
-          <p:cNvSpPr txBox="1"/>
+          <p:cNvSpPr/>
           <p:nvPr/>
         </p:nvSpPr>
         <p:spPr>
           <a:xfrm>
             <a:off x="2514600" y="1371600"/>
-            <a:ext cx="5715000" cy="346320"/>
-          </a:xfrm>
-          <a:prstGeom prst="rect">
-            <a:avLst/>
-          </a:prstGeom>
-          <a:noFill/>
-          <a:ln w="0">
-            <a:noFill/>
-          </a:ln>
-        </p:spPr>
+            <a:ext cx="5714640" cy="345960"/>
+          </a:xfrm>
+          <a:prstGeom prst="rect">
+            <a:avLst/>
+          </a:prstGeom>
+          <a:noFill/>
+          <a:ln w="0">
+            <a:noFill/>
+          </a:ln>
+        </p:spPr>
+        <p:style>
+          <a:lnRef idx="0"/>
+          <a:fillRef idx="0"/>
+          <a:effectRef idx="0"/>
+          <a:fontRef idx="minor"/>
+        </p:style>
         <p:txBody>
           <a:bodyPr lIns="90000" rIns="90000" tIns="45000" bIns="45000" anchor="t">
             <a:noAutofit/>
           </a:bodyPr>
           <a:p>
+            <a:pPr>
+              <a:lnSpc>
+                <a:spcPct val="100000"/>
+              </a:lnSpc>
+              <a:buNone/>
+            </a:pPr>
             <a:r>
               <a:rPr b="0" lang="en-US" sz="1800" spc="-1" strike="noStrike">
                 <a:latin typeface="Arial"/>
@@ -15471,7 +15469,7 @@
         <p:spPr>
           <a:xfrm>
             <a:off x="360000" y="-39960"/>
-            <a:ext cx="9353880" cy="1244520"/>
+            <a:ext cx="9353520" cy="1244160"/>
           </a:xfrm>
           <a:prstGeom prst="rect">
             <a:avLst/>
@@ -15520,7 +15518,7 @@
         <p:spPr>
           <a:xfrm>
             <a:off x="360000" y="1485000"/>
-            <a:ext cx="9353880" cy="3773880"/>
+            <a:ext cx="9353520" cy="3773520"/>
           </a:xfrm>
           <a:prstGeom prst="rect">
             <a:avLst/>
@@ -15895,7 +15893,7 @@
         <p:spPr>
           <a:xfrm>
             <a:off x="360000" y="-39960"/>
-            <a:ext cx="9353880" cy="1244520"/>
+            <a:ext cx="9353520" cy="1244160"/>
           </a:xfrm>
           <a:prstGeom prst="rect">
             <a:avLst/>
@@ -15944,7 +15942,7 @@
         <p:spPr>
           <a:xfrm>
             <a:off x="1143000" y="2196720"/>
-            <a:ext cx="3774240" cy="2829960"/>
+            <a:ext cx="3773880" cy="2829600"/>
           </a:xfrm>
           <a:prstGeom prst="rect">
             <a:avLst/>
@@ -15967,7 +15965,7 @@
         <p:spPr>
           <a:xfrm>
             <a:off x="4910040" y="2196720"/>
-            <a:ext cx="3774240" cy="2829960"/>
+            <a:ext cx="3773880" cy="2829600"/>
           </a:xfrm>
           <a:prstGeom prst="rect">
             <a:avLst/>
@@ -15986,7 +15984,7 @@
         <p:spPr>
           <a:xfrm>
             <a:off x="1600200" y="1828800"/>
-            <a:ext cx="6626880" cy="343800"/>
+            <a:ext cx="6626520" cy="343440"/>
           </a:xfrm>
           <a:prstGeom prst="rect">
             <a:avLst/>
@@ -16332,7 +16330,7 @@
         <p:spPr>
           <a:xfrm>
             <a:off x="360000" y="-39960"/>
-            <a:ext cx="9353880" cy="1244520"/>
+            <a:ext cx="9353520" cy="1244160"/>
           </a:xfrm>
           <a:prstGeom prst="rect">
             <a:avLst/>
@@ -16381,7 +16379,7 @@
         <p:spPr>
           <a:xfrm>
             <a:off x="360000" y="1485000"/>
-            <a:ext cx="9353880" cy="3773880"/>
+            <a:ext cx="9353520" cy="3773520"/>
           </a:xfrm>
           <a:prstGeom prst="rect">
             <a:avLst/>
@@ -16525,7 +16523,7 @@
                 <a:latin typeface="Arial"/>
                 <a:ea typeface="Noto Sans CJK SC"/>
               </a:rPr>
-              <a:t>For even wheel graphs, arbitrary Picard groups of Wheel</a:t>
+              <a:t>For prime cycle graphs and their counterparts, arbitrary Picard groups of wheel</a:t>
             </a:r>
             <a:r>
               <a:rPr b="0" i="1" lang="en-US" sz="3200" spc="-1" strike="noStrike" baseline="-8000">
@@ -16696,7 +16694,7 @@
         <p:spPr>
           <a:xfrm>
             <a:off x="360000" y="-39960"/>
-            <a:ext cx="9353880" cy="1244520"/>
+            <a:ext cx="9353520" cy="1244160"/>
           </a:xfrm>
           <a:prstGeom prst="rect">
             <a:avLst/>
@@ -16745,7 +16743,7 @@
         <p:spPr>
           <a:xfrm>
             <a:off x="360000" y="1485000"/>
-            <a:ext cx="9353880" cy="3773880"/>
+            <a:ext cx="9353520" cy="3773520"/>
           </a:xfrm>
           <a:prstGeom prst="rect">
             <a:avLst/>
@@ -17068,7 +17066,7 @@
         <p:spPr>
           <a:xfrm>
             <a:off x="360000" y="225720"/>
-            <a:ext cx="9353880" cy="712800"/>
+            <a:ext cx="9353520" cy="712440"/>
           </a:xfrm>
           <a:prstGeom prst="rect">
             <a:avLst/>
@@ -17147,7 +17145,7 @@
         <p:spPr>
           <a:xfrm>
             <a:off x="360000" y="225720"/>
-            <a:ext cx="9353880" cy="712800"/>
+            <a:ext cx="9353520" cy="712440"/>
           </a:xfrm>
           <a:prstGeom prst="rect">
             <a:avLst/>
@@ -17196,7 +17194,7 @@
         <p:spPr>
           <a:xfrm>
             <a:off x="797400" y="1870560"/>
-            <a:ext cx="8572680" cy="2470320"/>
+            <a:ext cx="8572320" cy="2469960"/>
           </a:xfrm>
           <a:prstGeom prst="rect">
             <a:avLst/>
@@ -17249,7 +17247,7 @@
         <p:spPr>
           <a:xfrm>
             <a:off x="360000" y="225720"/>
-            <a:ext cx="9353880" cy="712800"/>
+            <a:ext cx="9353520" cy="712440"/>
           </a:xfrm>
           <a:prstGeom prst="rect">
             <a:avLst/>
@@ -17298,7 +17296,7 @@
         <p:spPr>
           <a:xfrm>
             <a:off x="360000" y="1485000"/>
-            <a:ext cx="9353880" cy="3773880"/>
+            <a:ext cx="9353520" cy="3773520"/>
           </a:xfrm>
           <a:prstGeom prst="rect">
             <a:avLst/>
@@ -17457,7 +17455,7 @@
         <p:spPr>
           <a:xfrm>
             <a:off x="360000" y="-39960"/>
-            <a:ext cx="9353880" cy="1244520"/>
+            <a:ext cx="9353520" cy="1244160"/>
           </a:xfrm>
           <a:prstGeom prst="rect">
             <a:avLst/>
@@ -17506,7 +17504,7 @@
         <p:spPr>
           <a:xfrm>
             <a:off x="360000" y="1485000"/>
-            <a:ext cx="9464400" cy="3773880"/>
+            <a:ext cx="9464040" cy="3773520"/>
           </a:xfrm>
           <a:prstGeom prst="rect">
             <a:avLst/>
@@ -17621,7 +17619,7 @@
                 <a:latin typeface="Arial"/>
                 <a:ea typeface="JetBrains Mono"/>
               </a:rPr>
-              <a:t> where armies are sent to neutralize neighboring enemies until the game is won when no other enemies are on the board.</a:t>
+              <a:t> where pieces are sent to neutralize neighboring enemies.  The game is won when no other enemies are on the board.</a:t>
             </a:r>
             <a:endParaRPr b="0" lang="en-US" sz="2100" spc="-1" strike="noStrike">
               <a:latin typeface="Arial"/>
@@ -17672,7 +17670,7 @@
         <p:spPr>
           <a:xfrm>
             <a:off x="360000" y="-39960"/>
-            <a:ext cx="9353880" cy="1244520"/>
+            <a:ext cx="9353520" cy="1244160"/>
           </a:xfrm>
           <a:prstGeom prst="rect">
             <a:avLst/>
@@ -17721,7 +17719,7 @@
         <p:spPr>
           <a:xfrm>
             <a:off x="360000" y="1485000"/>
-            <a:ext cx="9464400" cy="3773880"/>
+            <a:ext cx="9464040" cy="3773520"/>
           </a:xfrm>
           <a:prstGeom prst="rect">
             <a:avLst/>
@@ -17925,7 +17923,7 @@
         <p:spPr>
           <a:xfrm>
             <a:off x="360000" y="225720"/>
-            <a:ext cx="9353880" cy="712800"/>
+            <a:ext cx="9353520" cy="712440"/>
           </a:xfrm>
           <a:prstGeom prst="rect">
             <a:avLst/>
@@ -17974,7 +17972,7 @@
         <p:spPr>
           <a:xfrm>
             <a:off x="1022400" y="1509840"/>
-            <a:ext cx="4686840" cy="3513600"/>
+            <a:ext cx="4686480" cy="3513240"/>
           </a:xfrm>
           <a:prstGeom prst="rect">
             <a:avLst/>
@@ -17997,7 +17995,7 @@
         <p:spPr>
           <a:xfrm>
             <a:off x="360000" y="2507760"/>
-            <a:ext cx="1463040" cy="1601280"/>
+            <a:ext cx="1462680" cy="1600920"/>
           </a:xfrm>
           <a:prstGeom prst="rect">
             <a:avLst/>
@@ -18039,7 +18037,7 @@
         <p:spPr>
           <a:xfrm>
             <a:off x="5486400" y="1828800"/>
-            <a:ext cx="4337640" cy="1478880"/>
+            <a:ext cx="4337280" cy="1478520"/>
           </a:xfrm>
           <a:prstGeom prst="rect">
             <a:avLst/>
@@ -18277,7 +18275,7 @@
         <p:spPr>
           <a:xfrm>
             <a:off x="360000" y="1485000"/>
-            <a:ext cx="9353880" cy="3773880"/>
+            <a:ext cx="9353520" cy="3773520"/>
           </a:xfrm>
           <a:prstGeom prst="rect">
             <a:avLst/>
@@ -18578,7 +18576,7 @@
         <p:spPr>
           <a:xfrm>
             <a:off x="360000" y="225720"/>
-            <a:ext cx="9353880" cy="712800"/>
+            <a:ext cx="9353520" cy="712440"/>
           </a:xfrm>
           <a:prstGeom prst="rect">
             <a:avLst/>
